--- a/asset/Learn_ja/ITA-Conductor_ja.pptx
+++ b/asset/Learn_ja/ITA-Conductor_ja.pptx
@@ -6,10 +6,10 @@
     <p:sldMasterId id="2147483703" r:id="rId2"/>
   </p:sldMasterIdLst>
   <p:notesMasterIdLst>
-    <p:notesMasterId r:id="rId21"/>
+    <p:notesMasterId r:id="rId22"/>
   </p:notesMasterIdLst>
   <p:handoutMasterIdLst>
-    <p:handoutMasterId r:id="rId22"/>
+    <p:handoutMasterId r:id="rId23"/>
   </p:handoutMasterIdLst>
   <p:sldIdLst>
     <p:sldId id="262" r:id="rId3"/>
@@ -26,10 +26,11 @@
     <p:sldId id="691" r:id="rId14"/>
     <p:sldId id="692" r:id="rId15"/>
     <p:sldId id="693" r:id="rId16"/>
-    <p:sldId id="694" r:id="rId17"/>
-    <p:sldId id="695" r:id="rId18"/>
-    <p:sldId id="688" r:id="rId19"/>
-    <p:sldId id="318" r:id="rId20"/>
+    <p:sldId id="698" r:id="rId17"/>
+    <p:sldId id="694" r:id="rId18"/>
+    <p:sldId id="695" r:id="rId19"/>
+    <p:sldId id="688" r:id="rId20"/>
+    <p:sldId id="318" r:id="rId21"/>
   </p:sldIdLst>
   <p:sldSz cx="9144000" cy="6858000" type="screen4x3"/>
   <p:notesSz cx="6807200" cy="9939338"/>
@@ -152,6 +153,7 @@
             <p14:sldId id="691"/>
             <p14:sldId id="692"/>
             <p14:sldId id="693"/>
+            <p14:sldId id="698"/>
             <p14:sldId id="694"/>
             <p14:sldId id="695"/>
             <p14:sldId id="688"/>
@@ -304,7 +306,7 @@
               <a:rPr kumimoji="1" lang="ja-JP" altLang="en-US" smtClean="0">
                 <a:ea typeface="メイリオ" panose="020B0604030504040204" pitchFamily="50" charset="-128"/>
               </a:rPr>
-              <a:t>2020/10/1</a:t>
+              <a:t>2021/3/2</a:t>
             </a:fld>
             <a:endParaRPr kumimoji="1" lang="ja-JP" altLang="en-US" dirty="0">
               <a:ea typeface="メイリオ" panose="020B0604030504040204" pitchFamily="50" charset="-128"/>
@@ -450,7 +452,7 @@
             <a:fld id="{4B26993D-C081-44EB-B0F5-A9F467792B62}" type="datetimeFigureOut">
               <a:rPr lang="ja-JP" altLang="en-US" smtClean="0"/>
               <a:pPr/>
-              <a:t>2020/10/1</a:t>
+              <a:t>2021/3/2</a:t>
             </a:fld>
             <a:endParaRPr lang="ja-JP" altLang="en-US" dirty="0"/>
           </a:p>
@@ -1073,7 +1075,7 @@
           <a:p>
             <a:fld id="{56F9016B-CCA6-43BE-8BEE-59565A35F4F7}" type="datetimeFigureOut">
               <a:rPr kumimoji="1" lang="ja-JP" altLang="en-US" smtClean="0"/>
-              <a:t>2020/10/1</a:t>
+              <a:t>2021/3/2</a:t>
             </a:fld>
             <a:endParaRPr kumimoji="1" lang="ja-JP" altLang="en-US"/>
           </a:p>
@@ -1275,7 +1277,7 @@
           <a:p>
             <a:fld id="{56F9016B-CCA6-43BE-8BEE-59565A35F4F7}" type="datetimeFigureOut">
               <a:rPr kumimoji="1" lang="ja-JP" altLang="en-US" smtClean="0"/>
-              <a:t>2020/10/1</a:t>
+              <a:t>2021/3/2</a:t>
             </a:fld>
             <a:endParaRPr kumimoji="1" lang="ja-JP" altLang="en-US"/>
           </a:p>
@@ -1521,7 +1523,7 @@
           <a:p>
             <a:fld id="{56F9016B-CCA6-43BE-8BEE-59565A35F4F7}" type="datetimeFigureOut">
               <a:rPr kumimoji="1" lang="ja-JP" altLang="en-US" smtClean="0"/>
-              <a:t>2020/10/1</a:t>
+              <a:t>2021/3/2</a:t>
             </a:fld>
             <a:endParaRPr kumimoji="1" lang="ja-JP" altLang="en-US"/>
           </a:p>
@@ -1817,7 +1819,7 @@
           <a:p>
             <a:fld id="{56F9016B-CCA6-43BE-8BEE-59565A35F4F7}" type="datetimeFigureOut">
               <a:rPr kumimoji="1" lang="ja-JP" altLang="en-US" smtClean="0"/>
-              <a:t>2020/10/1</a:t>
+              <a:t>2021/3/2</a:t>
             </a:fld>
             <a:endParaRPr kumimoji="1" lang="ja-JP" altLang="en-US"/>
           </a:p>
@@ -2248,7 +2250,7 @@
           <a:p>
             <a:fld id="{56F9016B-CCA6-43BE-8BEE-59565A35F4F7}" type="datetimeFigureOut">
               <a:rPr kumimoji="1" lang="ja-JP" altLang="en-US" smtClean="0"/>
-              <a:t>2020/10/1</a:t>
+              <a:t>2021/3/2</a:t>
             </a:fld>
             <a:endParaRPr kumimoji="1" lang="ja-JP" altLang="en-US"/>
           </a:p>
@@ -2366,7 +2368,7 @@
           <a:p>
             <a:fld id="{56F9016B-CCA6-43BE-8BEE-59565A35F4F7}" type="datetimeFigureOut">
               <a:rPr kumimoji="1" lang="ja-JP" altLang="en-US" smtClean="0"/>
-              <a:t>2020/10/1</a:t>
+              <a:t>2021/3/2</a:t>
             </a:fld>
             <a:endParaRPr kumimoji="1" lang="ja-JP" altLang="en-US"/>
           </a:p>
@@ -2461,7 +2463,7 @@
           <a:p>
             <a:fld id="{56F9016B-CCA6-43BE-8BEE-59565A35F4F7}" type="datetimeFigureOut">
               <a:rPr kumimoji="1" lang="ja-JP" altLang="en-US" smtClean="0"/>
-              <a:t>2020/10/1</a:t>
+              <a:t>2021/3/2</a:t>
             </a:fld>
             <a:endParaRPr kumimoji="1" lang="ja-JP" altLang="en-US"/>
           </a:p>
@@ -2770,7 +2772,7 @@
           <a:p>
             <a:fld id="{56F9016B-CCA6-43BE-8BEE-59565A35F4F7}" type="datetimeFigureOut">
               <a:rPr kumimoji="1" lang="ja-JP" altLang="en-US" smtClean="0"/>
-              <a:t>2020/10/1</a:t>
+              <a:t>2021/3/2</a:t>
             </a:fld>
             <a:endParaRPr kumimoji="1" lang="ja-JP" altLang="en-US"/>
           </a:p>
@@ -3023,7 +3025,7 @@
           <a:p>
             <a:fld id="{56F9016B-CCA6-43BE-8BEE-59565A35F4F7}" type="datetimeFigureOut">
               <a:rPr kumimoji="1" lang="ja-JP" altLang="en-US" smtClean="0"/>
-              <a:t>2020/10/1</a:t>
+              <a:t>2021/3/2</a:t>
             </a:fld>
             <a:endParaRPr kumimoji="1" lang="ja-JP" altLang="en-US"/>
           </a:p>
@@ -3300,7 +3302,7 @@
           <a:p>
             <a:fld id="{56F9016B-CCA6-43BE-8BEE-59565A35F4F7}" type="datetimeFigureOut">
               <a:rPr kumimoji="1" lang="ja-JP" altLang="en-US" smtClean="0"/>
-              <a:t>2020/10/1</a:t>
+              <a:t>2021/3/2</a:t>
             </a:fld>
             <a:endParaRPr kumimoji="1" lang="ja-JP" altLang="en-US"/>
           </a:p>
@@ -3512,7 +3514,7 @@
           <a:p>
             <a:fld id="{56F9016B-CCA6-43BE-8BEE-59565A35F4F7}" type="datetimeFigureOut">
               <a:rPr kumimoji="1" lang="ja-JP" altLang="en-US" smtClean="0"/>
-              <a:t>2020/10/1</a:t>
+              <a:t>2021/3/2</a:t>
             </a:fld>
             <a:endParaRPr kumimoji="1" lang="ja-JP" altLang="en-US"/>
           </a:p>
@@ -6571,7 +6573,7 @@
           <a:p>
             <a:fld id="{56F9016B-CCA6-43BE-8BEE-59565A35F4F7}" type="datetimeFigureOut">
               <a:rPr kumimoji="1" lang="ja-JP" altLang="en-US" smtClean="0"/>
-              <a:t>2020/10/1</a:t>
+              <a:t>2021/3/2</a:t>
             </a:fld>
             <a:endParaRPr kumimoji="1" lang="ja-JP" altLang="en-US"/>
           </a:p>
@@ -7008,11 +7010,11 @@
               <a:t>第</a:t>
             </a:r>
             <a:r>
-              <a:rPr lang="en-US" altLang="ja-JP" dirty="0" smtClean="0"/>
-              <a:t>1.0</a:t>
-            </a:r>
-            <a:r>
-              <a:rPr lang="ja-JP" altLang="en-US" dirty="0" smtClean="0"/>
+              <a:rPr lang="en-US" altLang="ja-JP" smtClean="0"/>
+              <a:t>1.6.1</a:t>
+            </a:r>
+            <a:r>
+              <a:rPr lang="ja-JP" altLang="en-US" smtClean="0"/>
               <a:t>版</a:t>
             </a:r>
             <a:endParaRPr lang="en-US" altLang="ja-JP" dirty="0" smtClean="0"/>
@@ -7653,7 +7655,7 @@
             </a:r>
             <a:r>
               <a:rPr lang="en-US" altLang="ja-JP" dirty="0" smtClean="0"/>
-              <a:t>3/9</a:t>
+              <a:t>3/10</a:t>
             </a:r>
             <a:r>
               <a:rPr lang="ja-JP" altLang="en-US" dirty="0" smtClean="0"/>
@@ -8195,7 +8197,7 @@
             </a:r>
             <a:r>
               <a:rPr lang="en-US" altLang="ja-JP" dirty="0" smtClean="0"/>
-              <a:t>4/9</a:t>
+              <a:t>4/10</a:t>
             </a:r>
             <a:r>
               <a:rPr lang="ja-JP" altLang="en-US" dirty="0" smtClean="0"/>
@@ -8422,7 +8424,7 @@
             </a:r>
             <a:r>
               <a:rPr lang="en-US" altLang="ja-JP" dirty="0" smtClean="0"/>
-              <a:t>5/9</a:t>
+              <a:t>5/10</a:t>
             </a:r>
             <a:r>
               <a:rPr lang="ja-JP" altLang="en-US" dirty="0" smtClean="0"/>
@@ -8866,7 +8868,7 @@
             </a:r>
             <a:r>
               <a:rPr lang="en-US" altLang="ja-JP" dirty="0" smtClean="0"/>
-              <a:t>6/9</a:t>
+              <a:t>6/10</a:t>
             </a:r>
             <a:r>
               <a:rPr lang="ja-JP" altLang="en-US" dirty="0" smtClean="0"/>
@@ -9151,7 +9153,7 @@
             </a:r>
             <a:r>
               <a:rPr lang="en-US" altLang="ja-JP" dirty="0" smtClean="0"/>
-              <a:t>7/9</a:t>
+              <a:t>7/10</a:t>
             </a:r>
             <a:r>
               <a:rPr lang="ja-JP" altLang="en-US" dirty="0" smtClean="0"/>
@@ -9190,7 +9192,15 @@
             </a:r>
             <a:r>
               <a:rPr lang="ja-JP" altLang="en-US" b="1" dirty="0" smtClean="0"/>
-              <a:t>確認</a:t>
+              <a:t>確認（</a:t>
+            </a:r>
+            <a:r>
+              <a:rPr lang="en-US" altLang="ja-JP" b="1" dirty="0" smtClean="0"/>
+              <a:t>1</a:t>
+            </a:r>
+            <a:r>
+              <a:rPr lang="ja-JP" altLang="en-US" b="1" dirty="0" smtClean="0"/>
+              <a:t>）</a:t>
             </a:r>
             <a:endParaRPr lang="en-US" altLang="ja-JP" sz="1800" dirty="0" smtClean="0"/>
           </a:p>
@@ -9533,6 +9543,289 @@
               <a:t>Conductor</a:t>
             </a:r>
             <a:r>
+              <a:rPr lang="ja-JP" altLang="en-US" dirty="0"/>
+              <a:t>メニューの機能説明　</a:t>
+            </a:r>
+            <a:r>
+              <a:rPr lang="ja-JP" altLang="en-US" dirty="0" smtClean="0"/>
+              <a:t>（</a:t>
+            </a:r>
+            <a:r>
+              <a:rPr lang="en-US" altLang="ja-JP" dirty="0" smtClean="0"/>
+              <a:t>8/10</a:t>
+            </a:r>
+            <a:r>
+              <a:rPr lang="ja-JP" altLang="en-US" dirty="0" smtClean="0"/>
+              <a:t>）</a:t>
+            </a:r>
+            <a:endParaRPr kumimoji="1" lang="ja-JP" altLang="en-US" dirty="0"/>
+          </a:p>
+        </p:txBody>
+      </p:sp>
+      <p:sp>
+        <p:nvSpPr>
+          <p:cNvPr id="3" name="コンテンツ プレースホルダー 2"/>
+          <p:cNvSpPr>
+            <a:spLocks noGrp="1"/>
+          </p:cNvSpPr>
+          <p:nvPr>
+            <p:ph sz="quarter" idx="10"/>
+          </p:nvPr>
+        </p:nvSpPr>
+        <p:spPr/>
+        <p:txBody>
+          <a:bodyPr/>
+          <a:lstStyle/>
+          <a:p>
+            <a:pPr>
+              <a:buFont typeface="Wingdings" panose="05000000000000000000" pitchFamily="2" charset="2"/>
+              <a:buChar char="l"/>
+            </a:pPr>
+            <a:r>
+              <a:rPr lang="en-US" altLang="ja-JP" b="1" dirty="0"/>
+              <a:t>Conductor</a:t>
+            </a:r>
+            <a:r>
+              <a:rPr lang="ja-JP" altLang="en-US" b="1" dirty="0"/>
+              <a:t>作業確認（</a:t>
+            </a:r>
+            <a:r>
+              <a:rPr lang="en-US" altLang="ja-JP" b="1" dirty="0"/>
+              <a:t>1</a:t>
+            </a:r>
+            <a:r>
+              <a:rPr lang="ja-JP" altLang="en-US" b="1" dirty="0" smtClean="0"/>
+              <a:t>）</a:t>
+            </a:r>
+          </a:p>
+          <a:p>
+            <a:pPr marL="180000" lvl="1" indent="0">
+              <a:buNone/>
+            </a:pPr>
+            <a:r>
+              <a:rPr lang="ja-JP" altLang="en-US" dirty="0"/>
+              <a:t>「</a:t>
+            </a:r>
+            <a:r>
+              <a:rPr lang="en-US" altLang="ja-JP" dirty="0"/>
+              <a:t> </a:t>
+            </a:r>
+            <a:r>
+              <a:rPr lang="en-US" altLang="ja-JP" dirty="0" smtClean="0"/>
+              <a:t>Conductor </a:t>
+            </a:r>
+            <a:r>
+              <a:rPr lang="ja-JP" altLang="en-US" dirty="0"/>
+              <a:t>」メニューグループ </a:t>
+            </a:r>
+            <a:r>
+              <a:rPr lang="en-US" altLang="ja-JP" dirty="0"/>
+              <a:t>&gt;&gt;</a:t>
+            </a:r>
+            <a:r>
+              <a:rPr lang="ja-JP" altLang="en-US" dirty="0" smtClean="0"/>
+              <a:t>「</a:t>
+            </a:r>
+            <a:r>
+              <a:rPr lang="en-US" altLang="ja-JP" dirty="0" smtClean="0"/>
+              <a:t>Conductor</a:t>
+            </a:r>
+            <a:r>
+              <a:rPr lang="ja-JP" altLang="en-US" dirty="0" smtClean="0"/>
+              <a:t>作業</a:t>
+            </a:r>
+            <a:r>
+              <a:rPr lang="ja-JP" altLang="en-US" dirty="0"/>
+              <a:t>一覧」メニュー</a:t>
+            </a:r>
+            <a:r>
+              <a:rPr lang="en-US" altLang="ja-JP" dirty="0"/>
+              <a:t>&gt;&gt;</a:t>
+            </a:r>
+            <a:r>
+              <a:rPr lang="ja-JP" altLang="en-US" dirty="0"/>
+              <a:t>「一覧」サブメニューにて</a:t>
+            </a:r>
+            <a:r>
+              <a:rPr lang="ja-JP" altLang="en-US" dirty="0" smtClean="0"/>
+              <a:t>、各</a:t>
+            </a:r>
+            <a:r>
+              <a:rPr lang="en-US" altLang="ja-JP" dirty="0" smtClean="0"/>
+              <a:t>Conductor</a:t>
+            </a:r>
+            <a:r>
+              <a:rPr lang="ja-JP" altLang="en-US" dirty="0" smtClean="0"/>
+              <a:t>の投入</a:t>
+            </a:r>
+            <a:r>
+              <a:rPr lang="ja-JP" altLang="en-US" dirty="0"/>
+              <a:t>データと結果データを取得することができます。</a:t>
+            </a:r>
+            <a:endParaRPr lang="en-US" altLang="ja-JP" dirty="0"/>
+          </a:p>
+        </p:txBody>
+      </p:sp>
+      <p:pic>
+        <p:nvPicPr>
+          <p:cNvPr id="5" name="図 4"/>
+          <p:cNvPicPr>
+            <a:picLocks noChangeAspect="1"/>
+          </p:cNvPicPr>
+          <p:nvPr/>
+        </p:nvPicPr>
+        <p:blipFill>
+          <a:blip r:embed="rId2"/>
+          <a:stretch>
+            <a:fillRect/>
+          </a:stretch>
+        </p:blipFill>
+        <p:spPr>
+          <a:xfrm>
+            <a:off x="611450" y="2348850"/>
+            <a:ext cx="6530923" cy="3783057"/>
+          </a:xfrm>
+          <a:prstGeom prst="rect">
+            <a:avLst/>
+          </a:prstGeom>
+        </p:spPr>
+      </p:pic>
+      <p:sp>
+        <p:nvSpPr>
+          <p:cNvPr id="6" name="正方形/長方形 5"/>
+          <p:cNvSpPr/>
+          <p:nvPr/>
+        </p:nvSpPr>
+        <p:spPr bwMode="auto">
+          <a:xfrm>
+            <a:off x="611450" y="4024348"/>
+            <a:ext cx="792110" cy="196762"/>
+          </a:xfrm>
+          <a:prstGeom prst="rect">
+            <a:avLst/>
+          </a:prstGeom>
+          <a:noFill/>
+          <a:ln w="38100">
+            <a:solidFill>
+              <a:srgbClr val="FF0000"/>
+            </a:solidFill>
+          </a:ln>
+          <a:effectLst/>
+          <a:extLst/>
+        </p:spPr>
+        <p:txBody>
+          <a:bodyPr rot="0" spcFirstLastPara="0" vertOverflow="overflow" horzOverflow="overflow" vert="horz" wrap="none" lIns="72000" tIns="72000" rIns="72000" bIns="72000" numCol="1" spcCol="0" rtlCol="0" fromWordArt="0" anchor="ctr" anchorCtr="0" forceAA="0" compatLnSpc="1">
+            <a:prstTxWarp prst="textNoShape">
+              <a:avLst/>
+            </a:prstTxWarp>
+            <a:noAutofit/>
+          </a:bodyPr>
+          <a:lstStyle/>
+          <a:p>
+            <a:pPr algn="ctr"/>
+            <a:endParaRPr kumimoji="1" lang="ja-JP" altLang="en-US" b="1" dirty="0" smtClean="0">
+              <a:latin typeface="+mn-ea"/>
+            </a:endParaRPr>
+          </a:p>
+        </p:txBody>
+      </p:sp>
+      <p:sp>
+        <p:nvSpPr>
+          <p:cNvPr id="7" name="正方形/長方形 6"/>
+          <p:cNvSpPr/>
+          <p:nvPr/>
+        </p:nvSpPr>
+        <p:spPr bwMode="auto">
+          <a:xfrm>
+            <a:off x="5004060" y="4941210"/>
+            <a:ext cx="1224170" cy="504070"/>
+          </a:xfrm>
+          <a:prstGeom prst="rect">
+            <a:avLst/>
+          </a:prstGeom>
+          <a:noFill/>
+          <a:ln w="38100">
+            <a:solidFill>
+              <a:srgbClr val="FF0000"/>
+            </a:solidFill>
+          </a:ln>
+          <a:effectLst/>
+          <a:extLst/>
+        </p:spPr>
+        <p:txBody>
+          <a:bodyPr rot="0" spcFirstLastPara="0" vertOverflow="overflow" horzOverflow="overflow" vert="horz" wrap="none" lIns="72000" tIns="72000" rIns="72000" bIns="72000" numCol="1" spcCol="0" rtlCol="0" fromWordArt="0" anchor="ctr" anchorCtr="0" forceAA="0" compatLnSpc="1">
+            <a:prstTxWarp prst="textNoShape">
+              <a:avLst/>
+            </a:prstTxWarp>
+            <a:noAutofit/>
+          </a:bodyPr>
+          <a:lstStyle/>
+          <a:p>
+            <a:pPr algn="ctr"/>
+            <a:endParaRPr kumimoji="1" lang="ja-JP" altLang="en-US" b="1" dirty="0" smtClean="0">
+              <a:latin typeface="+mn-ea"/>
+            </a:endParaRPr>
+          </a:p>
+        </p:txBody>
+      </p:sp>
+    </p:spTree>
+    <p:extLst>
+      <p:ext uri="{BB962C8B-B14F-4D97-AF65-F5344CB8AC3E}">
+        <p14:creationId xmlns:p14="http://schemas.microsoft.com/office/powerpoint/2010/main" val="623929958"/>
+      </p:ext>
+    </p:extLst>
+  </p:cSld>
+  <p:clrMapOvr>
+    <a:masterClrMapping/>
+  </p:clrMapOvr>
+</p:sld>
+</file>
+
+<file path=ppt/slides/slide16.xml><?xml version="1.0" encoding="utf-8"?>
+<p:sld xmlns:a="http://schemas.openxmlformats.org/drawingml/2006/main" xmlns:r="http://schemas.openxmlformats.org/officeDocument/2006/relationships" xmlns:p="http://schemas.openxmlformats.org/presentationml/2006/main">
+  <p:cSld>
+    <p:spTree>
+      <p:nvGrpSpPr>
+        <p:cNvPr id="1" name=""/>
+        <p:cNvGrpSpPr/>
+        <p:nvPr/>
+      </p:nvGrpSpPr>
+      <p:grpSpPr>
+        <a:xfrm>
+          <a:off x="0" y="0"/>
+          <a:ext cx="0" cy="0"/>
+          <a:chOff x="0" y="0"/>
+          <a:chExt cx="0" cy="0"/>
+        </a:xfrm>
+      </p:grpSpPr>
+      <p:sp>
+        <p:nvSpPr>
+          <p:cNvPr id="2" name="タイトル 1"/>
+          <p:cNvSpPr>
+            <a:spLocks noGrp="1"/>
+          </p:cNvSpPr>
+          <p:nvPr>
+            <p:ph type="title"/>
+          </p:nvPr>
+        </p:nvSpPr>
+        <p:spPr/>
+        <p:txBody>
+          <a:bodyPr/>
+          <a:lstStyle/>
+          <a:p>
+            <a:r>
+              <a:rPr lang="en-US" altLang="ja-JP" dirty="0"/>
+              <a:t>2.3</a:t>
+            </a:r>
+            <a:r>
+              <a:rPr lang="ja-JP" altLang="en-US" dirty="0"/>
+              <a:t>　</a:t>
+            </a:r>
+            <a:r>
+              <a:rPr lang="en-US" altLang="ja-JP" dirty="0"/>
+              <a:t>Conductor</a:t>
+            </a:r>
+            <a:r>
               <a:rPr lang="ja-JP" altLang="en-US" dirty="0" smtClean="0"/>
               <a:t>メニュー</a:t>
             </a:r>
@@ -9554,7 +9847,7 @@
             </a:r>
             <a:r>
               <a:rPr lang="en-US" altLang="ja-JP" dirty="0" smtClean="0"/>
-              <a:t>8/9</a:t>
+              <a:t>9/10</a:t>
             </a:r>
             <a:r>
               <a:rPr lang="ja-JP" altLang="en-US" dirty="0" smtClean="0"/>
@@ -9789,7 +10082,7 @@
 </p:sld>
 </file>
 
-<file path=ppt/slides/slide16.xml><?xml version="1.0" encoding="utf-8"?>
+<file path=ppt/slides/slide17.xml><?xml version="1.0" encoding="utf-8"?>
 <p:sld xmlns:a="http://schemas.openxmlformats.org/drawingml/2006/main" xmlns:r="http://schemas.openxmlformats.org/officeDocument/2006/relationships" xmlns:p="http://schemas.openxmlformats.org/presentationml/2006/main">
   <p:cSld>
     <p:spTree>
@@ -9855,7 +10148,7 @@
             </a:r>
             <a:r>
               <a:rPr lang="en-US" altLang="ja-JP" dirty="0" smtClean="0"/>
-              <a:t>9/9</a:t>
+              <a:t>10/10</a:t>
             </a:r>
             <a:r>
               <a:rPr lang="ja-JP" altLang="en-US" dirty="0" smtClean="0"/>
@@ -10103,7 +10396,7 @@
 </p:sld>
 </file>
 
-<file path=ppt/slides/slide17.xml><?xml version="1.0" encoding="utf-8"?>
+<file path=ppt/slides/slide18.xml><?xml version="1.0" encoding="utf-8"?>
 <p:sld xmlns:a="http://schemas.openxmlformats.org/drawingml/2006/main" xmlns:r="http://schemas.openxmlformats.org/officeDocument/2006/relationships" xmlns:p="http://schemas.openxmlformats.org/presentationml/2006/main">
   <p:cSld>
     <p:spTree>
@@ -11099,7 +11392,7 @@
 </p:sld>
 </file>
 
-<file path=ppt/slides/slide18.xml><?xml version="1.0" encoding="utf-8"?>
+<file path=ppt/slides/slide19.xml><?xml version="1.0" encoding="utf-8"?>
 <p:sld xmlns:a="http://schemas.openxmlformats.org/drawingml/2006/main" xmlns:r="http://schemas.openxmlformats.org/officeDocument/2006/relationships" xmlns:p="http://schemas.openxmlformats.org/presentationml/2006/main">
   <p:cSld>
     <p:spTree>
@@ -15413,7 +15706,7 @@
             </a:r>
             <a:r>
               <a:rPr lang="en-US" altLang="ja-JP" dirty="0" smtClean="0"/>
-              <a:t>1/9</a:t>
+              <a:t>1/10</a:t>
             </a:r>
             <a:r>
               <a:rPr lang="ja-JP" altLang="en-US" dirty="0" smtClean="0"/>
@@ -16200,7 +16493,7 @@
             </a:r>
             <a:r>
               <a:rPr lang="en-US" altLang="ja-JP" dirty="0" smtClean="0"/>
-              <a:t>2/9</a:t>
+              <a:t>2/10</a:t>
             </a:r>
             <a:r>
               <a:rPr lang="ja-JP" altLang="en-US" dirty="0" smtClean="0"/>

--- a/asset/Learn_ja/ITA-Conductor_ja.pptx
+++ b/asset/Learn_ja/ITA-Conductor_ja.pptx
@@ -6,16 +6,16 @@
     <p:sldMasterId id="2147483703" r:id="rId2"/>
   </p:sldMasterIdLst>
   <p:notesMasterIdLst>
-    <p:notesMasterId r:id="rId22"/>
+    <p:notesMasterId r:id="rId23"/>
   </p:notesMasterIdLst>
   <p:handoutMasterIdLst>
-    <p:handoutMasterId r:id="rId23"/>
+    <p:handoutMasterId r:id="rId24"/>
   </p:handoutMasterIdLst>
   <p:sldIdLst>
     <p:sldId id="262" r:id="rId3"/>
     <p:sldId id="507" r:id="rId4"/>
     <p:sldId id="508" r:id="rId5"/>
-    <p:sldId id="680" r:id="rId6"/>
+    <p:sldId id="699" r:id="rId6"/>
     <p:sldId id="681" r:id="rId7"/>
     <p:sldId id="644" r:id="rId8"/>
     <p:sldId id="687" r:id="rId9"/>
@@ -23,14 +23,15 @@
     <p:sldId id="690" r:id="rId11"/>
     <p:sldId id="696" r:id="rId12"/>
     <p:sldId id="697" r:id="rId13"/>
-    <p:sldId id="691" r:id="rId14"/>
-    <p:sldId id="692" r:id="rId15"/>
-    <p:sldId id="693" r:id="rId16"/>
-    <p:sldId id="698" r:id="rId17"/>
-    <p:sldId id="694" r:id="rId18"/>
-    <p:sldId id="695" r:id="rId19"/>
-    <p:sldId id="688" r:id="rId20"/>
-    <p:sldId id="318" r:id="rId21"/>
+    <p:sldId id="700" r:id="rId14"/>
+    <p:sldId id="691" r:id="rId15"/>
+    <p:sldId id="692" r:id="rId16"/>
+    <p:sldId id="693" r:id="rId17"/>
+    <p:sldId id="698" r:id="rId18"/>
+    <p:sldId id="694" r:id="rId19"/>
+    <p:sldId id="695" r:id="rId20"/>
+    <p:sldId id="688" r:id="rId21"/>
+    <p:sldId id="318" r:id="rId22"/>
   </p:sldIdLst>
   <p:sldSz cx="9144000" cy="6858000" type="screen4x3"/>
   <p:notesSz cx="6807200" cy="9939338"/>
@@ -142,7 +143,7 @@
         <p14:section name="1. Conductorについて" id="{B81141D6-5160-4643-8D51-022CC5C4BDB9}">
           <p14:sldIdLst>
             <p14:sldId id="508"/>
-            <p14:sldId id="680"/>
+            <p14:sldId id="699"/>
             <p14:sldId id="681"/>
             <p14:sldId id="644"/>
             <p14:sldId id="687"/>
@@ -150,6 +151,7 @@
             <p14:sldId id="690"/>
             <p14:sldId id="696"/>
             <p14:sldId id="697"/>
+            <p14:sldId id="700"/>
             <p14:sldId id="691"/>
             <p14:sldId id="692"/>
             <p14:sldId id="693"/>
@@ -306,7 +308,7 @@
               <a:rPr kumimoji="1" lang="ja-JP" altLang="en-US" smtClean="0">
                 <a:ea typeface="メイリオ" panose="020B0604030504040204" pitchFamily="50" charset="-128"/>
               </a:rPr>
-              <a:t>2021/3/2</a:t>
+              <a:t>2021/5/28</a:t>
             </a:fld>
             <a:endParaRPr kumimoji="1" lang="ja-JP" altLang="en-US" dirty="0">
               <a:ea typeface="メイリオ" panose="020B0604030504040204" pitchFamily="50" charset="-128"/>
@@ -452,7 +454,7 @@
             <a:fld id="{4B26993D-C081-44EB-B0F5-A9F467792B62}" type="datetimeFigureOut">
               <a:rPr lang="ja-JP" altLang="en-US" smtClean="0"/>
               <a:pPr/>
-              <a:t>2021/3/2</a:t>
+              <a:t>2021/5/28</a:t>
             </a:fld>
             <a:endParaRPr lang="ja-JP" altLang="en-US" dirty="0"/>
           </a:p>
@@ -1075,7 +1077,7 @@
           <a:p>
             <a:fld id="{56F9016B-CCA6-43BE-8BEE-59565A35F4F7}" type="datetimeFigureOut">
               <a:rPr kumimoji="1" lang="ja-JP" altLang="en-US" smtClean="0"/>
-              <a:t>2021/3/2</a:t>
+              <a:t>2021/5/28</a:t>
             </a:fld>
             <a:endParaRPr kumimoji="1" lang="ja-JP" altLang="en-US"/>
           </a:p>
@@ -1277,7 +1279,7 @@
           <a:p>
             <a:fld id="{56F9016B-CCA6-43BE-8BEE-59565A35F4F7}" type="datetimeFigureOut">
               <a:rPr kumimoji="1" lang="ja-JP" altLang="en-US" smtClean="0"/>
-              <a:t>2021/3/2</a:t>
+              <a:t>2021/5/28</a:t>
             </a:fld>
             <a:endParaRPr kumimoji="1" lang="ja-JP" altLang="en-US"/>
           </a:p>
@@ -1523,7 +1525,7 @@
           <a:p>
             <a:fld id="{56F9016B-CCA6-43BE-8BEE-59565A35F4F7}" type="datetimeFigureOut">
               <a:rPr kumimoji="1" lang="ja-JP" altLang="en-US" smtClean="0"/>
-              <a:t>2021/3/2</a:t>
+              <a:t>2021/5/28</a:t>
             </a:fld>
             <a:endParaRPr kumimoji="1" lang="ja-JP" altLang="en-US"/>
           </a:p>
@@ -1819,7 +1821,7 @@
           <a:p>
             <a:fld id="{56F9016B-CCA6-43BE-8BEE-59565A35F4F7}" type="datetimeFigureOut">
               <a:rPr kumimoji="1" lang="ja-JP" altLang="en-US" smtClean="0"/>
-              <a:t>2021/3/2</a:t>
+              <a:t>2021/5/28</a:t>
             </a:fld>
             <a:endParaRPr kumimoji="1" lang="ja-JP" altLang="en-US"/>
           </a:p>
@@ -2250,7 +2252,7 @@
           <a:p>
             <a:fld id="{56F9016B-CCA6-43BE-8BEE-59565A35F4F7}" type="datetimeFigureOut">
               <a:rPr kumimoji="1" lang="ja-JP" altLang="en-US" smtClean="0"/>
-              <a:t>2021/3/2</a:t>
+              <a:t>2021/5/28</a:t>
             </a:fld>
             <a:endParaRPr kumimoji="1" lang="ja-JP" altLang="en-US"/>
           </a:p>
@@ -2368,7 +2370,7 @@
           <a:p>
             <a:fld id="{56F9016B-CCA6-43BE-8BEE-59565A35F4F7}" type="datetimeFigureOut">
               <a:rPr kumimoji="1" lang="ja-JP" altLang="en-US" smtClean="0"/>
-              <a:t>2021/3/2</a:t>
+              <a:t>2021/5/28</a:t>
             </a:fld>
             <a:endParaRPr kumimoji="1" lang="ja-JP" altLang="en-US"/>
           </a:p>
@@ -2463,7 +2465,7 @@
           <a:p>
             <a:fld id="{56F9016B-CCA6-43BE-8BEE-59565A35F4F7}" type="datetimeFigureOut">
               <a:rPr kumimoji="1" lang="ja-JP" altLang="en-US" smtClean="0"/>
-              <a:t>2021/3/2</a:t>
+              <a:t>2021/5/28</a:t>
             </a:fld>
             <a:endParaRPr kumimoji="1" lang="ja-JP" altLang="en-US"/>
           </a:p>
@@ -2772,7 +2774,7 @@
           <a:p>
             <a:fld id="{56F9016B-CCA6-43BE-8BEE-59565A35F4F7}" type="datetimeFigureOut">
               <a:rPr kumimoji="1" lang="ja-JP" altLang="en-US" smtClean="0"/>
-              <a:t>2021/3/2</a:t>
+              <a:t>2021/5/28</a:t>
             </a:fld>
             <a:endParaRPr kumimoji="1" lang="ja-JP" altLang="en-US"/>
           </a:p>
@@ -3025,7 +3027,7 @@
           <a:p>
             <a:fld id="{56F9016B-CCA6-43BE-8BEE-59565A35F4F7}" type="datetimeFigureOut">
               <a:rPr kumimoji="1" lang="ja-JP" altLang="en-US" smtClean="0"/>
-              <a:t>2021/3/2</a:t>
+              <a:t>2021/5/28</a:t>
             </a:fld>
             <a:endParaRPr kumimoji="1" lang="ja-JP" altLang="en-US"/>
           </a:p>
@@ -3302,7 +3304,7 @@
           <a:p>
             <a:fld id="{56F9016B-CCA6-43BE-8BEE-59565A35F4F7}" type="datetimeFigureOut">
               <a:rPr kumimoji="1" lang="ja-JP" altLang="en-US" smtClean="0"/>
-              <a:t>2021/3/2</a:t>
+              <a:t>2021/5/28</a:t>
             </a:fld>
             <a:endParaRPr kumimoji="1" lang="ja-JP" altLang="en-US"/>
           </a:p>
@@ -3514,7 +3516,7 @@
           <a:p>
             <a:fld id="{56F9016B-CCA6-43BE-8BEE-59565A35F4F7}" type="datetimeFigureOut">
               <a:rPr kumimoji="1" lang="ja-JP" altLang="en-US" smtClean="0"/>
-              <a:t>2021/3/2</a:t>
+              <a:t>2021/5/28</a:t>
             </a:fld>
             <a:endParaRPr kumimoji="1" lang="ja-JP" altLang="en-US"/>
           </a:p>
@@ -6573,7 +6575,7 @@
           <a:p>
             <a:fld id="{56F9016B-CCA6-43BE-8BEE-59565A35F4F7}" type="datetimeFigureOut">
               <a:rPr kumimoji="1" lang="ja-JP" altLang="en-US" smtClean="0"/>
-              <a:t>2021/3/2</a:t>
+              <a:t>2021/5/28</a:t>
             </a:fld>
             <a:endParaRPr kumimoji="1" lang="ja-JP" altLang="en-US"/>
           </a:p>
@@ -6998,7 +7000,7 @@
         <p:spPr>
           <a:xfrm>
             <a:off x="179513" y="6021360"/>
-            <a:ext cx="6552727" cy="772006"/>
+            <a:ext cx="6552727" cy="707886"/>
           </a:xfrm>
         </p:spPr>
         <p:txBody>
@@ -7006,22 +7008,18 @@
           <a:lstStyle/>
           <a:p>
             <a:r>
-              <a:rPr lang="ja-JP" altLang="en-US" dirty="0" smtClean="0"/>
-              <a:t>第</a:t>
-            </a:r>
-            <a:r>
-              <a:rPr lang="en-US" altLang="ja-JP" smtClean="0"/>
-              <a:t>1.6.1</a:t>
-            </a:r>
-            <a:r>
-              <a:rPr lang="ja-JP" altLang="en-US" smtClean="0"/>
-              <a:t>版</a:t>
-            </a:r>
-            <a:endParaRPr lang="en-US" altLang="ja-JP" dirty="0" smtClean="0"/>
-          </a:p>
-          <a:p>
-            <a:r>
-              <a:rPr lang="en-US" altLang="ja-JP" dirty="0" smtClean="0"/>
+              <a:rPr lang="en-US" altLang="ja-JP" dirty="0" err="1"/>
+              <a:t>Exastro</a:t>
+            </a:r>
+            <a:r>
+              <a:rPr lang="en-US" altLang="ja-JP" dirty="0"/>
+              <a:t> IT Automation Version 1.7.1</a:t>
+            </a:r>
+            <a:br>
+              <a:rPr lang="en-US" altLang="ja-JP" dirty="0"/>
+            </a:br>
+            <a:r>
+              <a:rPr lang="en-US" altLang="ja-JP" dirty="0" err="1" smtClean="0"/>
               <a:t>Exastro</a:t>
             </a:r>
             <a:r>
@@ -7592,7 +7590,7 @@
       </p:grpSpPr>
       <p:pic>
         <p:nvPicPr>
-          <p:cNvPr id="4" name="図 3"/>
+          <p:cNvPr id="5" name="図 4"/>
           <p:cNvPicPr>
             <a:picLocks noChangeAspect="1"/>
           </p:cNvPicPr>
@@ -7606,8 +7604,8 @@
         </p:blipFill>
         <p:spPr>
           <a:xfrm>
-            <a:off x="220702" y="2181901"/>
-            <a:ext cx="7118376" cy="3790378"/>
+            <a:off x="221877" y="1947740"/>
+            <a:ext cx="7117200" cy="3824476"/>
           </a:xfrm>
           <a:prstGeom prst="rect">
             <a:avLst/>
@@ -7655,7 +7653,7 @@
             </a:r>
             <a:r>
               <a:rPr lang="en-US" altLang="ja-JP" dirty="0" smtClean="0"/>
-              <a:t>3/10</a:t>
+              <a:t>3/11</a:t>
             </a:r>
             <a:r>
               <a:rPr lang="ja-JP" altLang="en-US" dirty="0" smtClean="0"/>
@@ -7693,12 +7691,8 @@
               <a:t>クラス編集（</a:t>
             </a:r>
             <a:r>
-              <a:rPr lang="en-US" altLang="ja-JP" b="1" dirty="0"/>
-              <a:t>2</a:t>
-            </a:r>
-            <a:r>
               <a:rPr lang="en-US" altLang="ja-JP" b="1" dirty="0" smtClean="0"/>
-              <a:t>/3</a:t>
+              <a:t>2/4</a:t>
             </a:r>
             <a:r>
               <a:rPr lang="ja-JP" altLang="en-US" b="1" dirty="0" smtClean="0"/>
@@ -7739,7 +7733,7 @@
         </p:nvCxnSpPr>
         <p:spPr bwMode="auto">
           <a:xfrm flipH="1" flipV="1">
-            <a:off x="2339690" y="4077090"/>
+            <a:off x="2046879" y="3785970"/>
             <a:ext cx="3229860" cy="947595"/>
           </a:xfrm>
           <a:prstGeom prst="straightConnector1">
@@ -7875,13 +7869,13 @@
         </p:nvSpPr>
         <p:spPr bwMode="auto">
           <a:xfrm>
-            <a:off x="4893584" y="2181900"/>
-            <a:ext cx="4069929" cy="800213"/>
+            <a:off x="4644010" y="1867156"/>
+            <a:ext cx="3888539" cy="849718"/>
           </a:xfrm>
           <a:prstGeom prst="wedgeRectCallout">
             <a:avLst>
-              <a:gd name="adj1" fmla="val -103098"/>
-              <a:gd name="adj2" fmla="val 71361"/>
+              <a:gd name="adj1" fmla="val -104568"/>
+              <a:gd name="adj2" fmla="val 50063"/>
             </a:avLst>
           </a:prstGeom>
           <a:solidFill>
@@ -7987,8 +7981,8 @@
         </p:nvSpPr>
         <p:spPr bwMode="auto">
           <a:xfrm>
-            <a:off x="5729832" y="4356699"/>
-            <a:ext cx="1609246" cy="1065579"/>
+            <a:off x="5737913" y="4081414"/>
+            <a:ext cx="1609246" cy="1517874"/>
           </a:xfrm>
           <a:prstGeom prst="rect">
             <a:avLst/>
@@ -8026,7 +8020,7 @@
         </p:nvSpPr>
         <p:spPr bwMode="auto">
           <a:xfrm>
-            <a:off x="6009523" y="4062191"/>
+            <a:off x="6081534" y="3839115"/>
             <a:ext cx="362727" cy="215319"/>
           </a:xfrm>
           <a:prstGeom prst="rect">
@@ -8070,8 +8064,8 @@
           </a:xfrm>
           <a:prstGeom prst="wedgeRectCallout">
             <a:avLst>
-              <a:gd name="adj1" fmla="val -21974"/>
-              <a:gd name="adj2" fmla="val -120517"/>
+              <a:gd name="adj1" fmla="val -21678"/>
+              <a:gd name="adj2" fmla="val -82145"/>
             </a:avLst>
           </a:prstGeom>
           <a:solidFill>
@@ -8197,7 +8191,7 @@
             </a:r>
             <a:r>
               <a:rPr lang="en-US" altLang="ja-JP" dirty="0" smtClean="0"/>
-              <a:t>4/10</a:t>
+              <a:t>4/11</a:t>
             </a:r>
             <a:r>
               <a:rPr lang="ja-JP" altLang="en-US" dirty="0" smtClean="0"/>
@@ -8227,7 +8221,7 @@
               <a:buChar char="l"/>
             </a:pPr>
             <a:r>
-              <a:rPr lang="en-US" altLang="ja-JP" b="1" dirty="0"/>
+              <a:rPr lang="en-US" altLang="ja-JP" b="1" dirty="0" smtClean="0"/>
               <a:t>Conductor</a:t>
             </a:r>
             <a:r>
@@ -8235,46 +8229,118 @@
               <a:t>クラス編集（</a:t>
             </a:r>
             <a:r>
+              <a:rPr lang="en-US" altLang="ja-JP" b="1" dirty="0"/>
+              <a:t>3</a:t>
+            </a:r>
+            <a:r>
               <a:rPr lang="en-US" altLang="ja-JP" b="1" dirty="0" smtClean="0"/>
-              <a:t>3/3</a:t>
+              <a:t>/4</a:t>
             </a:r>
             <a:r>
               <a:rPr lang="ja-JP" altLang="en-US" b="1" dirty="0" smtClean="0"/>
               <a:t>）</a:t>
             </a:r>
-            <a:endParaRPr lang="en-US" altLang="ja-JP" b="1" dirty="0"/>
+            <a:endParaRPr lang="en-US" altLang="ja-JP" b="1" dirty="0" smtClean="0"/>
           </a:p>
           <a:p>
             <a:pPr lvl="1"/>
             <a:r>
-              <a:rPr lang="ja-JP" altLang="en-US" dirty="0" smtClean="0"/>
-              <a:t>使用可能な</a:t>
-            </a:r>
-            <a:r>
               <a:rPr lang="en-US" altLang="ja-JP" dirty="0" smtClean="0"/>
-              <a:t>Function</a:t>
-            </a:r>
-            <a:r>
-              <a:rPr lang="ja-JP" altLang="en-US" dirty="0" smtClean="0"/>
-              <a:t>を記載します。詳細は</a:t>
-            </a:r>
-            <a:r>
-              <a:rPr lang="ja-JP" altLang="en-US" dirty="0" smtClean="0">
+              <a:t>Node</a:t>
+            </a:r>
+            <a:r>
+              <a:rPr lang="ja-JP" altLang="en-US" dirty="0"/>
+              <a:t>を複数選択することで、オブジェクトの整列機能を使用することが可能です。</a:t>
+            </a:r>
+            <a:r>
+              <a:rPr lang="en-US" altLang="ja-JP" dirty="0"/>
+              <a:t/>
+            </a:r>
+            <a:br>
+              <a:rPr lang="en-US" altLang="ja-JP" dirty="0"/>
+            </a:br>
+            <a:r>
+              <a:rPr lang="en-US" altLang="ja-JP" dirty="0"/>
+              <a:t>Node</a:t>
+            </a:r>
+            <a:r>
+              <a:rPr lang="ja-JP" altLang="en-US" dirty="0"/>
+              <a:t>を複数選択する方法については、ドラッグアンドドロップでの範囲選択の他</a:t>
+            </a:r>
+            <a:r>
+              <a:rPr lang="en-US" altLang="ja-JP" dirty="0"/>
+              <a:t/>
+            </a:r>
+            <a:br>
+              <a:rPr lang="en-US" altLang="ja-JP" dirty="0"/>
+            </a:br>
+            <a:r>
+              <a:rPr lang="ja-JP" altLang="en-US" dirty="0"/>
+              <a:t>「</a:t>
+            </a:r>
+            <a:r>
+              <a:rPr lang="en-US" altLang="ja-JP" dirty="0"/>
+              <a:t>shift</a:t>
+            </a:r>
+            <a:r>
+              <a:rPr lang="ja-JP" altLang="en-US" dirty="0"/>
+              <a:t>」キーを押下しながらの選択が可能です。</a:t>
+            </a:r>
+            <a:r>
+              <a:rPr lang="en-US" altLang="ja-JP" dirty="0"/>
+              <a:t/>
+            </a:r>
+            <a:br>
+              <a:rPr lang="en-US" altLang="ja-JP" dirty="0"/>
+            </a:br>
+            <a:r>
+              <a:rPr lang="ja-JP" altLang="en-US" dirty="0"/>
+              <a:t>以下のように</a:t>
+            </a:r>
+            <a:r>
+              <a:rPr lang="en-US" altLang="ja-JP" dirty="0"/>
+              <a:t>Node</a:t>
+            </a:r>
+            <a:r>
+              <a:rPr lang="ja-JP" altLang="en-US" dirty="0"/>
+              <a:t>タブの使用により、オブジェクトを整列することが可能です。</a:t>
+            </a:r>
+            <a:r>
+              <a:rPr lang="en-US" altLang="ja-JP" dirty="0"/>
+              <a:t/>
+            </a:r>
+            <a:br>
+              <a:rPr lang="en-US" altLang="ja-JP" dirty="0"/>
+            </a:br>
+            <a:r>
+              <a:rPr lang="en-US" altLang="ja-JP" dirty="0"/>
+              <a:t>Node</a:t>
+            </a:r>
+            <a:r>
+              <a:rPr lang="ja-JP" altLang="en-US" dirty="0"/>
+              <a:t>タブの詳細は</a:t>
+            </a:r>
+            <a:r>
+              <a:rPr lang="ja-JP" altLang="en-US" dirty="0">
                 <a:hlinkClick r:id="rId2"/>
               </a:rPr>
               <a:t>マニュアル</a:t>
             </a:r>
             <a:r>
-              <a:rPr lang="ja-JP" altLang="en-US" dirty="0" smtClean="0"/>
+              <a:rPr lang="ja-JP" altLang="en-US" dirty="0"/>
               <a:t>をご覧ください。</a:t>
             </a:r>
             <a:endParaRPr lang="en-US" altLang="ja-JP" dirty="0"/>
+          </a:p>
+          <a:p>
+            <a:pPr lvl="1"/>
+            <a:endParaRPr lang="en-US" altLang="ja-JP" sz="1600" dirty="0"/>
           </a:p>
         </p:txBody>
       </p:sp>
       <p:pic>
         <p:nvPicPr>
-          <p:cNvPr id="5" name="図 4"/>
+          <p:cNvPr id="8" name="図 7"/>
           <p:cNvPicPr>
             <a:picLocks noChangeAspect="1"/>
           </p:cNvPicPr>
@@ -8288,39 +8354,2975 @@
         </p:blipFill>
         <p:spPr>
           <a:xfrm>
-            <a:off x="971500" y="1556740"/>
-            <a:ext cx="4956800" cy="4607495"/>
+            <a:off x="395420" y="2608391"/>
+            <a:ext cx="7117200" cy="2073118"/>
           </a:xfrm>
           <a:prstGeom prst="rect">
             <a:avLst/>
           </a:prstGeom>
         </p:spPr>
       </p:pic>
+      <p:sp>
+        <p:nvSpPr>
+          <p:cNvPr id="13" name="四角形吹き出し 15"/>
+          <p:cNvSpPr/>
+          <p:nvPr/>
+        </p:nvSpPr>
+        <p:spPr bwMode="auto">
+          <a:xfrm>
+            <a:off x="1043510" y="2608391"/>
+            <a:ext cx="3744520" cy="1123118"/>
+          </a:xfrm>
+          <a:custGeom>
+            <a:avLst/>
+            <a:gdLst>
+              <a:gd name="connsiteX0" fmla="*/ 0 w 3722561"/>
+              <a:gd name="connsiteY0" fmla="*/ 0 h 719868"/>
+              <a:gd name="connsiteX1" fmla="*/ 620427 w 3722561"/>
+              <a:gd name="connsiteY1" fmla="*/ 0 h 719868"/>
+              <a:gd name="connsiteX2" fmla="*/ 620427 w 3722561"/>
+              <a:gd name="connsiteY2" fmla="*/ 0 h 719868"/>
+              <a:gd name="connsiteX3" fmla="*/ 1551067 w 3722561"/>
+              <a:gd name="connsiteY3" fmla="*/ 0 h 719868"/>
+              <a:gd name="connsiteX4" fmla="*/ 3722561 w 3722561"/>
+              <a:gd name="connsiteY4" fmla="*/ 0 h 719868"/>
+              <a:gd name="connsiteX5" fmla="*/ 3722561 w 3722561"/>
+              <a:gd name="connsiteY5" fmla="*/ 419923 h 719868"/>
+              <a:gd name="connsiteX6" fmla="*/ 3722561 w 3722561"/>
+              <a:gd name="connsiteY6" fmla="*/ 419923 h 719868"/>
+              <a:gd name="connsiteX7" fmla="*/ 3722561 w 3722561"/>
+              <a:gd name="connsiteY7" fmla="*/ 599890 h 719868"/>
+              <a:gd name="connsiteX8" fmla="*/ 3722561 w 3722561"/>
+              <a:gd name="connsiteY8" fmla="*/ 719868 h 719868"/>
+              <a:gd name="connsiteX9" fmla="*/ 1551067 w 3722561"/>
+              <a:gd name="connsiteY9" fmla="*/ 719868 h 719868"/>
+              <a:gd name="connsiteX10" fmla="*/ 7706 w 3722561"/>
+              <a:gd name="connsiteY10" fmla="*/ 873495 h 719868"/>
+              <a:gd name="connsiteX11" fmla="*/ 620427 w 3722561"/>
+              <a:gd name="connsiteY11" fmla="*/ 719868 h 719868"/>
+              <a:gd name="connsiteX12" fmla="*/ 0 w 3722561"/>
+              <a:gd name="connsiteY12" fmla="*/ 719868 h 719868"/>
+              <a:gd name="connsiteX13" fmla="*/ 0 w 3722561"/>
+              <a:gd name="connsiteY13" fmla="*/ 599890 h 719868"/>
+              <a:gd name="connsiteX14" fmla="*/ 0 w 3722561"/>
+              <a:gd name="connsiteY14" fmla="*/ 419923 h 719868"/>
+              <a:gd name="connsiteX15" fmla="*/ 0 w 3722561"/>
+              <a:gd name="connsiteY15" fmla="*/ 419923 h 719868"/>
+              <a:gd name="connsiteX16" fmla="*/ 0 w 3722561"/>
+              <a:gd name="connsiteY16" fmla="*/ 0 h 719868"/>
+              <a:gd name="connsiteX0" fmla="*/ 0 w 3722561"/>
+              <a:gd name="connsiteY0" fmla="*/ 0 h 873495"/>
+              <a:gd name="connsiteX1" fmla="*/ 620427 w 3722561"/>
+              <a:gd name="connsiteY1" fmla="*/ 0 h 873495"/>
+              <a:gd name="connsiteX2" fmla="*/ 620427 w 3722561"/>
+              <a:gd name="connsiteY2" fmla="*/ 0 h 873495"/>
+              <a:gd name="connsiteX3" fmla="*/ 1551067 w 3722561"/>
+              <a:gd name="connsiteY3" fmla="*/ 0 h 873495"/>
+              <a:gd name="connsiteX4" fmla="*/ 3722561 w 3722561"/>
+              <a:gd name="connsiteY4" fmla="*/ 0 h 873495"/>
+              <a:gd name="connsiteX5" fmla="*/ 3722561 w 3722561"/>
+              <a:gd name="connsiteY5" fmla="*/ 419923 h 873495"/>
+              <a:gd name="connsiteX6" fmla="*/ 3722561 w 3722561"/>
+              <a:gd name="connsiteY6" fmla="*/ 419923 h 873495"/>
+              <a:gd name="connsiteX7" fmla="*/ 3722561 w 3722561"/>
+              <a:gd name="connsiteY7" fmla="*/ 599890 h 873495"/>
+              <a:gd name="connsiteX8" fmla="*/ 3722561 w 3722561"/>
+              <a:gd name="connsiteY8" fmla="*/ 719868 h 873495"/>
+              <a:gd name="connsiteX9" fmla="*/ 1046242 w 3722561"/>
+              <a:gd name="connsiteY9" fmla="*/ 748443 h 873495"/>
+              <a:gd name="connsiteX10" fmla="*/ 7706 w 3722561"/>
+              <a:gd name="connsiteY10" fmla="*/ 873495 h 873495"/>
+              <a:gd name="connsiteX11" fmla="*/ 620427 w 3722561"/>
+              <a:gd name="connsiteY11" fmla="*/ 719868 h 873495"/>
+              <a:gd name="connsiteX12" fmla="*/ 0 w 3722561"/>
+              <a:gd name="connsiteY12" fmla="*/ 719868 h 873495"/>
+              <a:gd name="connsiteX13" fmla="*/ 0 w 3722561"/>
+              <a:gd name="connsiteY13" fmla="*/ 599890 h 873495"/>
+              <a:gd name="connsiteX14" fmla="*/ 0 w 3722561"/>
+              <a:gd name="connsiteY14" fmla="*/ 419923 h 873495"/>
+              <a:gd name="connsiteX15" fmla="*/ 0 w 3722561"/>
+              <a:gd name="connsiteY15" fmla="*/ 419923 h 873495"/>
+              <a:gd name="connsiteX16" fmla="*/ 0 w 3722561"/>
+              <a:gd name="connsiteY16" fmla="*/ 0 h 873495"/>
+              <a:gd name="connsiteX0" fmla="*/ 0 w 3722561"/>
+              <a:gd name="connsiteY0" fmla="*/ 0 h 873495"/>
+              <a:gd name="connsiteX1" fmla="*/ 620427 w 3722561"/>
+              <a:gd name="connsiteY1" fmla="*/ 0 h 873495"/>
+              <a:gd name="connsiteX2" fmla="*/ 620427 w 3722561"/>
+              <a:gd name="connsiteY2" fmla="*/ 0 h 873495"/>
+              <a:gd name="connsiteX3" fmla="*/ 1551067 w 3722561"/>
+              <a:gd name="connsiteY3" fmla="*/ 0 h 873495"/>
+              <a:gd name="connsiteX4" fmla="*/ 3722561 w 3722561"/>
+              <a:gd name="connsiteY4" fmla="*/ 0 h 873495"/>
+              <a:gd name="connsiteX5" fmla="*/ 3722561 w 3722561"/>
+              <a:gd name="connsiteY5" fmla="*/ 419923 h 873495"/>
+              <a:gd name="connsiteX6" fmla="*/ 3722561 w 3722561"/>
+              <a:gd name="connsiteY6" fmla="*/ 419923 h 873495"/>
+              <a:gd name="connsiteX7" fmla="*/ 3722561 w 3722561"/>
+              <a:gd name="connsiteY7" fmla="*/ 599890 h 873495"/>
+              <a:gd name="connsiteX8" fmla="*/ 3722561 w 3722561"/>
+              <a:gd name="connsiteY8" fmla="*/ 719868 h 873495"/>
+              <a:gd name="connsiteX9" fmla="*/ 3475530 w 3722561"/>
+              <a:gd name="connsiteY9" fmla="*/ 718285 h 873495"/>
+              <a:gd name="connsiteX10" fmla="*/ 1046242 w 3722561"/>
+              <a:gd name="connsiteY10" fmla="*/ 748443 h 873495"/>
+              <a:gd name="connsiteX11" fmla="*/ 7706 w 3722561"/>
+              <a:gd name="connsiteY11" fmla="*/ 873495 h 873495"/>
+              <a:gd name="connsiteX12" fmla="*/ 620427 w 3722561"/>
+              <a:gd name="connsiteY12" fmla="*/ 719868 h 873495"/>
+              <a:gd name="connsiteX13" fmla="*/ 0 w 3722561"/>
+              <a:gd name="connsiteY13" fmla="*/ 719868 h 873495"/>
+              <a:gd name="connsiteX14" fmla="*/ 0 w 3722561"/>
+              <a:gd name="connsiteY14" fmla="*/ 599890 h 873495"/>
+              <a:gd name="connsiteX15" fmla="*/ 0 w 3722561"/>
+              <a:gd name="connsiteY15" fmla="*/ 419923 h 873495"/>
+              <a:gd name="connsiteX16" fmla="*/ 0 w 3722561"/>
+              <a:gd name="connsiteY16" fmla="*/ 419923 h 873495"/>
+              <a:gd name="connsiteX17" fmla="*/ 0 w 3722561"/>
+              <a:gd name="connsiteY17" fmla="*/ 0 h 873495"/>
+              <a:gd name="connsiteX0" fmla="*/ 0 w 3722561"/>
+              <a:gd name="connsiteY0" fmla="*/ 0 h 873495"/>
+              <a:gd name="connsiteX1" fmla="*/ 620427 w 3722561"/>
+              <a:gd name="connsiteY1" fmla="*/ 0 h 873495"/>
+              <a:gd name="connsiteX2" fmla="*/ 620427 w 3722561"/>
+              <a:gd name="connsiteY2" fmla="*/ 0 h 873495"/>
+              <a:gd name="connsiteX3" fmla="*/ 1551067 w 3722561"/>
+              <a:gd name="connsiteY3" fmla="*/ 0 h 873495"/>
+              <a:gd name="connsiteX4" fmla="*/ 3722561 w 3722561"/>
+              <a:gd name="connsiteY4" fmla="*/ 0 h 873495"/>
+              <a:gd name="connsiteX5" fmla="*/ 3722561 w 3722561"/>
+              <a:gd name="connsiteY5" fmla="*/ 419923 h 873495"/>
+              <a:gd name="connsiteX6" fmla="*/ 3722561 w 3722561"/>
+              <a:gd name="connsiteY6" fmla="*/ 419923 h 873495"/>
+              <a:gd name="connsiteX7" fmla="*/ 3722561 w 3722561"/>
+              <a:gd name="connsiteY7" fmla="*/ 599890 h 873495"/>
+              <a:gd name="connsiteX8" fmla="*/ 3722561 w 3722561"/>
+              <a:gd name="connsiteY8" fmla="*/ 719868 h 873495"/>
+              <a:gd name="connsiteX9" fmla="*/ 3475530 w 3722561"/>
+              <a:gd name="connsiteY9" fmla="*/ 718285 h 873495"/>
+              <a:gd name="connsiteX10" fmla="*/ 2989755 w 3722561"/>
+              <a:gd name="connsiteY10" fmla="*/ 727913 h 873495"/>
+              <a:gd name="connsiteX11" fmla="*/ 1046242 w 3722561"/>
+              <a:gd name="connsiteY11" fmla="*/ 748443 h 873495"/>
+              <a:gd name="connsiteX12" fmla="*/ 7706 w 3722561"/>
+              <a:gd name="connsiteY12" fmla="*/ 873495 h 873495"/>
+              <a:gd name="connsiteX13" fmla="*/ 620427 w 3722561"/>
+              <a:gd name="connsiteY13" fmla="*/ 719868 h 873495"/>
+              <a:gd name="connsiteX14" fmla="*/ 0 w 3722561"/>
+              <a:gd name="connsiteY14" fmla="*/ 719868 h 873495"/>
+              <a:gd name="connsiteX15" fmla="*/ 0 w 3722561"/>
+              <a:gd name="connsiteY15" fmla="*/ 599890 h 873495"/>
+              <a:gd name="connsiteX16" fmla="*/ 0 w 3722561"/>
+              <a:gd name="connsiteY16" fmla="*/ 419923 h 873495"/>
+              <a:gd name="connsiteX17" fmla="*/ 0 w 3722561"/>
+              <a:gd name="connsiteY17" fmla="*/ 419923 h 873495"/>
+              <a:gd name="connsiteX18" fmla="*/ 0 w 3722561"/>
+              <a:gd name="connsiteY18" fmla="*/ 0 h 873495"/>
+              <a:gd name="connsiteX0" fmla="*/ 0 w 3722561"/>
+              <a:gd name="connsiteY0" fmla="*/ 0 h 873495"/>
+              <a:gd name="connsiteX1" fmla="*/ 620427 w 3722561"/>
+              <a:gd name="connsiteY1" fmla="*/ 0 h 873495"/>
+              <a:gd name="connsiteX2" fmla="*/ 620427 w 3722561"/>
+              <a:gd name="connsiteY2" fmla="*/ 0 h 873495"/>
+              <a:gd name="connsiteX3" fmla="*/ 1551067 w 3722561"/>
+              <a:gd name="connsiteY3" fmla="*/ 0 h 873495"/>
+              <a:gd name="connsiteX4" fmla="*/ 3722561 w 3722561"/>
+              <a:gd name="connsiteY4" fmla="*/ 0 h 873495"/>
+              <a:gd name="connsiteX5" fmla="*/ 3722561 w 3722561"/>
+              <a:gd name="connsiteY5" fmla="*/ 419923 h 873495"/>
+              <a:gd name="connsiteX6" fmla="*/ 3722561 w 3722561"/>
+              <a:gd name="connsiteY6" fmla="*/ 419923 h 873495"/>
+              <a:gd name="connsiteX7" fmla="*/ 3722561 w 3722561"/>
+              <a:gd name="connsiteY7" fmla="*/ 599890 h 873495"/>
+              <a:gd name="connsiteX8" fmla="*/ 3722561 w 3722561"/>
+              <a:gd name="connsiteY8" fmla="*/ 719868 h 873495"/>
+              <a:gd name="connsiteX9" fmla="*/ 3475530 w 3722561"/>
+              <a:gd name="connsiteY9" fmla="*/ 718285 h 873495"/>
+              <a:gd name="connsiteX10" fmla="*/ 2989755 w 3722561"/>
+              <a:gd name="connsiteY10" fmla="*/ 727913 h 873495"/>
+              <a:gd name="connsiteX11" fmla="*/ 2665905 w 3722561"/>
+              <a:gd name="connsiteY11" fmla="*/ 747170 h 873495"/>
+              <a:gd name="connsiteX12" fmla="*/ 1046242 w 3722561"/>
+              <a:gd name="connsiteY12" fmla="*/ 748443 h 873495"/>
+              <a:gd name="connsiteX13" fmla="*/ 7706 w 3722561"/>
+              <a:gd name="connsiteY13" fmla="*/ 873495 h 873495"/>
+              <a:gd name="connsiteX14" fmla="*/ 620427 w 3722561"/>
+              <a:gd name="connsiteY14" fmla="*/ 719868 h 873495"/>
+              <a:gd name="connsiteX15" fmla="*/ 0 w 3722561"/>
+              <a:gd name="connsiteY15" fmla="*/ 719868 h 873495"/>
+              <a:gd name="connsiteX16" fmla="*/ 0 w 3722561"/>
+              <a:gd name="connsiteY16" fmla="*/ 599890 h 873495"/>
+              <a:gd name="connsiteX17" fmla="*/ 0 w 3722561"/>
+              <a:gd name="connsiteY17" fmla="*/ 419923 h 873495"/>
+              <a:gd name="connsiteX18" fmla="*/ 0 w 3722561"/>
+              <a:gd name="connsiteY18" fmla="*/ 419923 h 873495"/>
+              <a:gd name="connsiteX19" fmla="*/ 0 w 3722561"/>
+              <a:gd name="connsiteY19" fmla="*/ 0 h 873495"/>
+              <a:gd name="connsiteX0" fmla="*/ 0 w 3722561"/>
+              <a:gd name="connsiteY0" fmla="*/ 0 h 873495"/>
+              <a:gd name="connsiteX1" fmla="*/ 620427 w 3722561"/>
+              <a:gd name="connsiteY1" fmla="*/ 0 h 873495"/>
+              <a:gd name="connsiteX2" fmla="*/ 620427 w 3722561"/>
+              <a:gd name="connsiteY2" fmla="*/ 0 h 873495"/>
+              <a:gd name="connsiteX3" fmla="*/ 1551067 w 3722561"/>
+              <a:gd name="connsiteY3" fmla="*/ 0 h 873495"/>
+              <a:gd name="connsiteX4" fmla="*/ 3722561 w 3722561"/>
+              <a:gd name="connsiteY4" fmla="*/ 0 h 873495"/>
+              <a:gd name="connsiteX5" fmla="*/ 3722561 w 3722561"/>
+              <a:gd name="connsiteY5" fmla="*/ 419923 h 873495"/>
+              <a:gd name="connsiteX6" fmla="*/ 3722561 w 3722561"/>
+              <a:gd name="connsiteY6" fmla="*/ 419923 h 873495"/>
+              <a:gd name="connsiteX7" fmla="*/ 3722561 w 3722561"/>
+              <a:gd name="connsiteY7" fmla="*/ 599890 h 873495"/>
+              <a:gd name="connsiteX8" fmla="*/ 3722561 w 3722561"/>
+              <a:gd name="connsiteY8" fmla="*/ 719868 h 873495"/>
+              <a:gd name="connsiteX9" fmla="*/ 3475530 w 3722561"/>
+              <a:gd name="connsiteY9" fmla="*/ 718285 h 873495"/>
+              <a:gd name="connsiteX10" fmla="*/ 2989755 w 3722561"/>
+              <a:gd name="connsiteY10" fmla="*/ 727913 h 873495"/>
+              <a:gd name="connsiteX11" fmla="*/ 2665905 w 3722561"/>
+              <a:gd name="connsiteY11" fmla="*/ 747170 h 873495"/>
+              <a:gd name="connsiteX12" fmla="*/ 1913430 w 3722561"/>
+              <a:gd name="connsiteY12" fmla="*/ 737542 h 873495"/>
+              <a:gd name="connsiteX13" fmla="*/ 1046242 w 3722561"/>
+              <a:gd name="connsiteY13" fmla="*/ 748443 h 873495"/>
+              <a:gd name="connsiteX14" fmla="*/ 7706 w 3722561"/>
+              <a:gd name="connsiteY14" fmla="*/ 873495 h 873495"/>
+              <a:gd name="connsiteX15" fmla="*/ 620427 w 3722561"/>
+              <a:gd name="connsiteY15" fmla="*/ 719868 h 873495"/>
+              <a:gd name="connsiteX16" fmla="*/ 0 w 3722561"/>
+              <a:gd name="connsiteY16" fmla="*/ 719868 h 873495"/>
+              <a:gd name="connsiteX17" fmla="*/ 0 w 3722561"/>
+              <a:gd name="connsiteY17" fmla="*/ 599890 h 873495"/>
+              <a:gd name="connsiteX18" fmla="*/ 0 w 3722561"/>
+              <a:gd name="connsiteY18" fmla="*/ 419923 h 873495"/>
+              <a:gd name="connsiteX19" fmla="*/ 0 w 3722561"/>
+              <a:gd name="connsiteY19" fmla="*/ 419923 h 873495"/>
+              <a:gd name="connsiteX20" fmla="*/ 0 w 3722561"/>
+              <a:gd name="connsiteY20" fmla="*/ 0 h 873495"/>
+              <a:gd name="connsiteX0" fmla="*/ 0 w 3722561"/>
+              <a:gd name="connsiteY0" fmla="*/ 0 h 873495"/>
+              <a:gd name="connsiteX1" fmla="*/ 620427 w 3722561"/>
+              <a:gd name="connsiteY1" fmla="*/ 0 h 873495"/>
+              <a:gd name="connsiteX2" fmla="*/ 620427 w 3722561"/>
+              <a:gd name="connsiteY2" fmla="*/ 0 h 873495"/>
+              <a:gd name="connsiteX3" fmla="*/ 1551067 w 3722561"/>
+              <a:gd name="connsiteY3" fmla="*/ 0 h 873495"/>
+              <a:gd name="connsiteX4" fmla="*/ 3722561 w 3722561"/>
+              <a:gd name="connsiteY4" fmla="*/ 0 h 873495"/>
+              <a:gd name="connsiteX5" fmla="*/ 3722561 w 3722561"/>
+              <a:gd name="connsiteY5" fmla="*/ 419923 h 873495"/>
+              <a:gd name="connsiteX6" fmla="*/ 3722561 w 3722561"/>
+              <a:gd name="connsiteY6" fmla="*/ 419923 h 873495"/>
+              <a:gd name="connsiteX7" fmla="*/ 3722561 w 3722561"/>
+              <a:gd name="connsiteY7" fmla="*/ 599890 h 873495"/>
+              <a:gd name="connsiteX8" fmla="*/ 3722561 w 3722561"/>
+              <a:gd name="connsiteY8" fmla="*/ 719868 h 873495"/>
+              <a:gd name="connsiteX9" fmla="*/ 3475530 w 3722561"/>
+              <a:gd name="connsiteY9" fmla="*/ 718285 h 873495"/>
+              <a:gd name="connsiteX10" fmla="*/ 2989755 w 3722561"/>
+              <a:gd name="connsiteY10" fmla="*/ 727913 h 873495"/>
+              <a:gd name="connsiteX11" fmla="*/ 2665905 w 3722561"/>
+              <a:gd name="connsiteY11" fmla="*/ 747170 h 873495"/>
+              <a:gd name="connsiteX12" fmla="*/ 2094405 w 3722561"/>
+              <a:gd name="connsiteY12" fmla="*/ 747170 h 873495"/>
+              <a:gd name="connsiteX13" fmla="*/ 1913430 w 3722561"/>
+              <a:gd name="connsiteY13" fmla="*/ 737542 h 873495"/>
+              <a:gd name="connsiteX14" fmla="*/ 1046242 w 3722561"/>
+              <a:gd name="connsiteY14" fmla="*/ 748443 h 873495"/>
+              <a:gd name="connsiteX15" fmla="*/ 7706 w 3722561"/>
+              <a:gd name="connsiteY15" fmla="*/ 873495 h 873495"/>
+              <a:gd name="connsiteX16" fmla="*/ 620427 w 3722561"/>
+              <a:gd name="connsiteY16" fmla="*/ 719868 h 873495"/>
+              <a:gd name="connsiteX17" fmla="*/ 0 w 3722561"/>
+              <a:gd name="connsiteY17" fmla="*/ 719868 h 873495"/>
+              <a:gd name="connsiteX18" fmla="*/ 0 w 3722561"/>
+              <a:gd name="connsiteY18" fmla="*/ 599890 h 873495"/>
+              <a:gd name="connsiteX19" fmla="*/ 0 w 3722561"/>
+              <a:gd name="connsiteY19" fmla="*/ 419923 h 873495"/>
+              <a:gd name="connsiteX20" fmla="*/ 0 w 3722561"/>
+              <a:gd name="connsiteY20" fmla="*/ 419923 h 873495"/>
+              <a:gd name="connsiteX21" fmla="*/ 0 w 3722561"/>
+              <a:gd name="connsiteY21" fmla="*/ 0 h 873495"/>
+              <a:gd name="connsiteX0" fmla="*/ 0 w 3722561"/>
+              <a:gd name="connsiteY0" fmla="*/ 0 h 873495"/>
+              <a:gd name="connsiteX1" fmla="*/ 620427 w 3722561"/>
+              <a:gd name="connsiteY1" fmla="*/ 0 h 873495"/>
+              <a:gd name="connsiteX2" fmla="*/ 620427 w 3722561"/>
+              <a:gd name="connsiteY2" fmla="*/ 0 h 873495"/>
+              <a:gd name="connsiteX3" fmla="*/ 1551067 w 3722561"/>
+              <a:gd name="connsiteY3" fmla="*/ 0 h 873495"/>
+              <a:gd name="connsiteX4" fmla="*/ 3722561 w 3722561"/>
+              <a:gd name="connsiteY4" fmla="*/ 0 h 873495"/>
+              <a:gd name="connsiteX5" fmla="*/ 3722561 w 3722561"/>
+              <a:gd name="connsiteY5" fmla="*/ 419923 h 873495"/>
+              <a:gd name="connsiteX6" fmla="*/ 3722561 w 3722561"/>
+              <a:gd name="connsiteY6" fmla="*/ 419923 h 873495"/>
+              <a:gd name="connsiteX7" fmla="*/ 3722561 w 3722561"/>
+              <a:gd name="connsiteY7" fmla="*/ 599890 h 873495"/>
+              <a:gd name="connsiteX8" fmla="*/ 3722561 w 3722561"/>
+              <a:gd name="connsiteY8" fmla="*/ 719868 h 873495"/>
+              <a:gd name="connsiteX9" fmla="*/ 3475530 w 3722561"/>
+              <a:gd name="connsiteY9" fmla="*/ 718285 h 873495"/>
+              <a:gd name="connsiteX10" fmla="*/ 2989755 w 3722561"/>
+              <a:gd name="connsiteY10" fmla="*/ 727913 h 873495"/>
+              <a:gd name="connsiteX11" fmla="*/ 2665905 w 3722561"/>
+              <a:gd name="connsiteY11" fmla="*/ 747170 h 873495"/>
+              <a:gd name="connsiteX12" fmla="*/ 2094405 w 3722561"/>
+              <a:gd name="connsiteY12" fmla="*/ 747170 h 873495"/>
+              <a:gd name="connsiteX13" fmla="*/ 1913430 w 3722561"/>
+              <a:gd name="connsiteY13" fmla="*/ 737542 h 873495"/>
+              <a:gd name="connsiteX14" fmla="*/ 1589580 w 3722561"/>
+              <a:gd name="connsiteY14" fmla="*/ 737542 h 873495"/>
+              <a:gd name="connsiteX15" fmla="*/ 1046242 w 3722561"/>
+              <a:gd name="connsiteY15" fmla="*/ 748443 h 873495"/>
+              <a:gd name="connsiteX16" fmla="*/ 7706 w 3722561"/>
+              <a:gd name="connsiteY16" fmla="*/ 873495 h 873495"/>
+              <a:gd name="connsiteX17" fmla="*/ 620427 w 3722561"/>
+              <a:gd name="connsiteY17" fmla="*/ 719868 h 873495"/>
+              <a:gd name="connsiteX18" fmla="*/ 0 w 3722561"/>
+              <a:gd name="connsiteY18" fmla="*/ 719868 h 873495"/>
+              <a:gd name="connsiteX19" fmla="*/ 0 w 3722561"/>
+              <a:gd name="connsiteY19" fmla="*/ 599890 h 873495"/>
+              <a:gd name="connsiteX20" fmla="*/ 0 w 3722561"/>
+              <a:gd name="connsiteY20" fmla="*/ 419923 h 873495"/>
+              <a:gd name="connsiteX21" fmla="*/ 0 w 3722561"/>
+              <a:gd name="connsiteY21" fmla="*/ 419923 h 873495"/>
+              <a:gd name="connsiteX22" fmla="*/ 0 w 3722561"/>
+              <a:gd name="connsiteY22" fmla="*/ 0 h 873495"/>
+              <a:gd name="connsiteX0" fmla="*/ 0 w 3722561"/>
+              <a:gd name="connsiteY0" fmla="*/ 0 h 873495"/>
+              <a:gd name="connsiteX1" fmla="*/ 620427 w 3722561"/>
+              <a:gd name="connsiteY1" fmla="*/ 0 h 873495"/>
+              <a:gd name="connsiteX2" fmla="*/ 620427 w 3722561"/>
+              <a:gd name="connsiteY2" fmla="*/ 0 h 873495"/>
+              <a:gd name="connsiteX3" fmla="*/ 1551067 w 3722561"/>
+              <a:gd name="connsiteY3" fmla="*/ 0 h 873495"/>
+              <a:gd name="connsiteX4" fmla="*/ 3722561 w 3722561"/>
+              <a:gd name="connsiteY4" fmla="*/ 0 h 873495"/>
+              <a:gd name="connsiteX5" fmla="*/ 3722561 w 3722561"/>
+              <a:gd name="connsiteY5" fmla="*/ 419923 h 873495"/>
+              <a:gd name="connsiteX6" fmla="*/ 3722561 w 3722561"/>
+              <a:gd name="connsiteY6" fmla="*/ 419923 h 873495"/>
+              <a:gd name="connsiteX7" fmla="*/ 3722561 w 3722561"/>
+              <a:gd name="connsiteY7" fmla="*/ 599890 h 873495"/>
+              <a:gd name="connsiteX8" fmla="*/ 3722561 w 3722561"/>
+              <a:gd name="connsiteY8" fmla="*/ 719868 h 873495"/>
+              <a:gd name="connsiteX9" fmla="*/ 3475530 w 3722561"/>
+              <a:gd name="connsiteY9" fmla="*/ 718285 h 873495"/>
+              <a:gd name="connsiteX10" fmla="*/ 2989755 w 3722561"/>
+              <a:gd name="connsiteY10" fmla="*/ 727913 h 873495"/>
+              <a:gd name="connsiteX11" fmla="*/ 2665905 w 3722561"/>
+              <a:gd name="connsiteY11" fmla="*/ 747170 h 873495"/>
+              <a:gd name="connsiteX12" fmla="*/ 2389680 w 3722561"/>
+              <a:gd name="connsiteY12" fmla="*/ 747170 h 873495"/>
+              <a:gd name="connsiteX13" fmla="*/ 2094405 w 3722561"/>
+              <a:gd name="connsiteY13" fmla="*/ 747170 h 873495"/>
+              <a:gd name="connsiteX14" fmla="*/ 1913430 w 3722561"/>
+              <a:gd name="connsiteY14" fmla="*/ 737542 h 873495"/>
+              <a:gd name="connsiteX15" fmla="*/ 1589580 w 3722561"/>
+              <a:gd name="connsiteY15" fmla="*/ 737542 h 873495"/>
+              <a:gd name="connsiteX16" fmla="*/ 1046242 w 3722561"/>
+              <a:gd name="connsiteY16" fmla="*/ 748443 h 873495"/>
+              <a:gd name="connsiteX17" fmla="*/ 7706 w 3722561"/>
+              <a:gd name="connsiteY17" fmla="*/ 873495 h 873495"/>
+              <a:gd name="connsiteX18" fmla="*/ 620427 w 3722561"/>
+              <a:gd name="connsiteY18" fmla="*/ 719868 h 873495"/>
+              <a:gd name="connsiteX19" fmla="*/ 0 w 3722561"/>
+              <a:gd name="connsiteY19" fmla="*/ 719868 h 873495"/>
+              <a:gd name="connsiteX20" fmla="*/ 0 w 3722561"/>
+              <a:gd name="connsiteY20" fmla="*/ 599890 h 873495"/>
+              <a:gd name="connsiteX21" fmla="*/ 0 w 3722561"/>
+              <a:gd name="connsiteY21" fmla="*/ 419923 h 873495"/>
+              <a:gd name="connsiteX22" fmla="*/ 0 w 3722561"/>
+              <a:gd name="connsiteY22" fmla="*/ 419923 h 873495"/>
+              <a:gd name="connsiteX23" fmla="*/ 0 w 3722561"/>
+              <a:gd name="connsiteY23" fmla="*/ 0 h 873495"/>
+              <a:gd name="connsiteX0" fmla="*/ 0 w 3722561"/>
+              <a:gd name="connsiteY0" fmla="*/ 0 h 958994"/>
+              <a:gd name="connsiteX1" fmla="*/ 620427 w 3722561"/>
+              <a:gd name="connsiteY1" fmla="*/ 0 h 958994"/>
+              <a:gd name="connsiteX2" fmla="*/ 620427 w 3722561"/>
+              <a:gd name="connsiteY2" fmla="*/ 0 h 958994"/>
+              <a:gd name="connsiteX3" fmla="*/ 1551067 w 3722561"/>
+              <a:gd name="connsiteY3" fmla="*/ 0 h 958994"/>
+              <a:gd name="connsiteX4" fmla="*/ 3722561 w 3722561"/>
+              <a:gd name="connsiteY4" fmla="*/ 0 h 958994"/>
+              <a:gd name="connsiteX5" fmla="*/ 3722561 w 3722561"/>
+              <a:gd name="connsiteY5" fmla="*/ 419923 h 958994"/>
+              <a:gd name="connsiteX6" fmla="*/ 3722561 w 3722561"/>
+              <a:gd name="connsiteY6" fmla="*/ 419923 h 958994"/>
+              <a:gd name="connsiteX7" fmla="*/ 3722561 w 3722561"/>
+              <a:gd name="connsiteY7" fmla="*/ 599890 h 958994"/>
+              <a:gd name="connsiteX8" fmla="*/ 3722561 w 3722561"/>
+              <a:gd name="connsiteY8" fmla="*/ 719868 h 958994"/>
+              <a:gd name="connsiteX9" fmla="*/ 3475530 w 3722561"/>
+              <a:gd name="connsiteY9" fmla="*/ 718285 h 958994"/>
+              <a:gd name="connsiteX10" fmla="*/ 2989755 w 3722561"/>
+              <a:gd name="connsiteY10" fmla="*/ 727913 h 958994"/>
+              <a:gd name="connsiteX11" fmla="*/ 2665905 w 3722561"/>
+              <a:gd name="connsiteY11" fmla="*/ 747170 h 958994"/>
+              <a:gd name="connsiteX12" fmla="*/ 2389680 w 3722561"/>
+              <a:gd name="connsiteY12" fmla="*/ 747170 h 958994"/>
+              <a:gd name="connsiteX13" fmla="*/ 2142030 w 3722561"/>
+              <a:gd name="connsiteY13" fmla="*/ 958994 h 958994"/>
+              <a:gd name="connsiteX14" fmla="*/ 1913430 w 3722561"/>
+              <a:gd name="connsiteY14" fmla="*/ 737542 h 958994"/>
+              <a:gd name="connsiteX15" fmla="*/ 1589580 w 3722561"/>
+              <a:gd name="connsiteY15" fmla="*/ 737542 h 958994"/>
+              <a:gd name="connsiteX16" fmla="*/ 1046242 w 3722561"/>
+              <a:gd name="connsiteY16" fmla="*/ 748443 h 958994"/>
+              <a:gd name="connsiteX17" fmla="*/ 7706 w 3722561"/>
+              <a:gd name="connsiteY17" fmla="*/ 873495 h 958994"/>
+              <a:gd name="connsiteX18" fmla="*/ 620427 w 3722561"/>
+              <a:gd name="connsiteY18" fmla="*/ 719868 h 958994"/>
+              <a:gd name="connsiteX19" fmla="*/ 0 w 3722561"/>
+              <a:gd name="connsiteY19" fmla="*/ 719868 h 958994"/>
+              <a:gd name="connsiteX20" fmla="*/ 0 w 3722561"/>
+              <a:gd name="connsiteY20" fmla="*/ 599890 h 958994"/>
+              <a:gd name="connsiteX21" fmla="*/ 0 w 3722561"/>
+              <a:gd name="connsiteY21" fmla="*/ 419923 h 958994"/>
+              <a:gd name="connsiteX22" fmla="*/ 0 w 3722561"/>
+              <a:gd name="connsiteY22" fmla="*/ 419923 h 958994"/>
+              <a:gd name="connsiteX23" fmla="*/ 0 w 3722561"/>
+              <a:gd name="connsiteY23" fmla="*/ 0 h 958994"/>
+              <a:gd name="connsiteX0" fmla="*/ 0 w 3722561"/>
+              <a:gd name="connsiteY0" fmla="*/ 0 h 958994"/>
+              <a:gd name="connsiteX1" fmla="*/ 620427 w 3722561"/>
+              <a:gd name="connsiteY1" fmla="*/ 0 h 958994"/>
+              <a:gd name="connsiteX2" fmla="*/ 620427 w 3722561"/>
+              <a:gd name="connsiteY2" fmla="*/ 0 h 958994"/>
+              <a:gd name="connsiteX3" fmla="*/ 1551067 w 3722561"/>
+              <a:gd name="connsiteY3" fmla="*/ 0 h 958994"/>
+              <a:gd name="connsiteX4" fmla="*/ 3722561 w 3722561"/>
+              <a:gd name="connsiteY4" fmla="*/ 0 h 958994"/>
+              <a:gd name="connsiteX5" fmla="*/ 3722561 w 3722561"/>
+              <a:gd name="connsiteY5" fmla="*/ 419923 h 958994"/>
+              <a:gd name="connsiteX6" fmla="*/ 3722561 w 3722561"/>
+              <a:gd name="connsiteY6" fmla="*/ 419923 h 958994"/>
+              <a:gd name="connsiteX7" fmla="*/ 3722561 w 3722561"/>
+              <a:gd name="connsiteY7" fmla="*/ 599890 h 958994"/>
+              <a:gd name="connsiteX8" fmla="*/ 3722561 w 3722561"/>
+              <a:gd name="connsiteY8" fmla="*/ 719868 h 958994"/>
+              <a:gd name="connsiteX9" fmla="*/ 3475530 w 3722561"/>
+              <a:gd name="connsiteY9" fmla="*/ 718285 h 958994"/>
+              <a:gd name="connsiteX10" fmla="*/ 2989755 w 3722561"/>
+              <a:gd name="connsiteY10" fmla="*/ 727913 h 958994"/>
+              <a:gd name="connsiteX11" fmla="*/ 2665905 w 3722561"/>
+              <a:gd name="connsiteY11" fmla="*/ 747170 h 958994"/>
+              <a:gd name="connsiteX12" fmla="*/ 2199180 w 3722561"/>
+              <a:gd name="connsiteY12" fmla="*/ 737542 h 958994"/>
+              <a:gd name="connsiteX13" fmla="*/ 2142030 w 3722561"/>
+              <a:gd name="connsiteY13" fmla="*/ 958994 h 958994"/>
+              <a:gd name="connsiteX14" fmla="*/ 1913430 w 3722561"/>
+              <a:gd name="connsiteY14" fmla="*/ 737542 h 958994"/>
+              <a:gd name="connsiteX15" fmla="*/ 1589580 w 3722561"/>
+              <a:gd name="connsiteY15" fmla="*/ 737542 h 958994"/>
+              <a:gd name="connsiteX16" fmla="*/ 1046242 w 3722561"/>
+              <a:gd name="connsiteY16" fmla="*/ 748443 h 958994"/>
+              <a:gd name="connsiteX17" fmla="*/ 7706 w 3722561"/>
+              <a:gd name="connsiteY17" fmla="*/ 873495 h 958994"/>
+              <a:gd name="connsiteX18" fmla="*/ 620427 w 3722561"/>
+              <a:gd name="connsiteY18" fmla="*/ 719868 h 958994"/>
+              <a:gd name="connsiteX19" fmla="*/ 0 w 3722561"/>
+              <a:gd name="connsiteY19" fmla="*/ 719868 h 958994"/>
+              <a:gd name="connsiteX20" fmla="*/ 0 w 3722561"/>
+              <a:gd name="connsiteY20" fmla="*/ 599890 h 958994"/>
+              <a:gd name="connsiteX21" fmla="*/ 0 w 3722561"/>
+              <a:gd name="connsiteY21" fmla="*/ 419923 h 958994"/>
+              <a:gd name="connsiteX22" fmla="*/ 0 w 3722561"/>
+              <a:gd name="connsiteY22" fmla="*/ 419923 h 958994"/>
+              <a:gd name="connsiteX23" fmla="*/ 0 w 3722561"/>
+              <a:gd name="connsiteY23" fmla="*/ 0 h 958994"/>
+              <a:gd name="connsiteX0" fmla="*/ 0 w 3722561"/>
+              <a:gd name="connsiteY0" fmla="*/ 0 h 958994"/>
+              <a:gd name="connsiteX1" fmla="*/ 620427 w 3722561"/>
+              <a:gd name="connsiteY1" fmla="*/ 0 h 958994"/>
+              <a:gd name="connsiteX2" fmla="*/ 620427 w 3722561"/>
+              <a:gd name="connsiteY2" fmla="*/ 0 h 958994"/>
+              <a:gd name="connsiteX3" fmla="*/ 1551067 w 3722561"/>
+              <a:gd name="connsiteY3" fmla="*/ 0 h 958994"/>
+              <a:gd name="connsiteX4" fmla="*/ 3722561 w 3722561"/>
+              <a:gd name="connsiteY4" fmla="*/ 0 h 958994"/>
+              <a:gd name="connsiteX5" fmla="*/ 3722561 w 3722561"/>
+              <a:gd name="connsiteY5" fmla="*/ 419923 h 958994"/>
+              <a:gd name="connsiteX6" fmla="*/ 3722561 w 3722561"/>
+              <a:gd name="connsiteY6" fmla="*/ 419923 h 958994"/>
+              <a:gd name="connsiteX7" fmla="*/ 3722561 w 3722561"/>
+              <a:gd name="connsiteY7" fmla="*/ 599890 h 958994"/>
+              <a:gd name="connsiteX8" fmla="*/ 3722561 w 3722561"/>
+              <a:gd name="connsiteY8" fmla="*/ 719868 h 958994"/>
+              <a:gd name="connsiteX9" fmla="*/ 3475530 w 3722561"/>
+              <a:gd name="connsiteY9" fmla="*/ 718285 h 958994"/>
+              <a:gd name="connsiteX10" fmla="*/ 2989755 w 3722561"/>
+              <a:gd name="connsiteY10" fmla="*/ 727913 h 958994"/>
+              <a:gd name="connsiteX11" fmla="*/ 2665905 w 3722561"/>
+              <a:gd name="connsiteY11" fmla="*/ 747170 h 958994"/>
+              <a:gd name="connsiteX12" fmla="*/ 2199180 w 3722561"/>
+              <a:gd name="connsiteY12" fmla="*/ 737542 h 958994"/>
+              <a:gd name="connsiteX13" fmla="*/ 2142030 w 3722561"/>
+              <a:gd name="connsiteY13" fmla="*/ 958994 h 958994"/>
+              <a:gd name="connsiteX14" fmla="*/ 2018205 w 3722561"/>
+              <a:gd name="connsiteY14" fmla="*/ 756799 h 958994"/>
+              <a:gd name="connsiteX15" fmla="*/ 1589580 w 3722561"/>
+              <a:gd name="connsiteY15" fmla="*/ 737542 h 958994"/>
+              <a:gd name="connsiteX16" fmla="*/ 1046242 w 3722561"/>
+              <a:gd name="connsiteY16" fmla="*/ 748443 h 958994"/>
+              <a:gd name="connsiteX17" fmla="*/ 7706 w 3722561"/>
+              <a:gd name="connsiteY17" fmla="*/ 873495 h 958994"/>
+              <a:gd name="connsiteX18" fmla="*/ 620427 w 3722561"/>
+              <a:gd name="connsiteY18" fmla="*/ 719868 h 958994"/>
+              <a:gd name="connsiteX19" fmla="*/ 0 w 3722561"/>
+              <a:gd name="connsiteY19" fmla="*/ 719868 h 958994"/>
+              <a:gd name="connsiteX20" fmla="*/ 0 w 3722561"/>
+              <a:gd name="connsiteY20" fmla="*/ 599890 h 958994"/>
+              <a:gd name="connsiteX21" fmla="*/ 0 w 3722561"/>
+              <a:gd name="connsiteY21" fmla="*/ 419923 h 958994"/>
+              <a:gd name="connsiteX22" fmla="*/ 0 w 3722561"/>
+              <a:gd name="connsiteY22" fmla="*/ 419923 h 958994"/>
+              <a:gd name="connsiteX23" fmla="*/ 0 w 3722561"/>
+              <a:gd name="connsiteY23" fmla="*/ 0 h 958994"/>
+              <a:gd name="connsiteX0" fmla="*/ 0 w 3722561"/>
+              <a:gd name="connsiteY0" fmla="*/ 0 h 958994"/>
+              <a:gd name="connsiteX1" fmla="*/ 620427 w 3722561"/>
+              <a:gd name="connsiteY1" fmla="*/ 0 h 958994"/>
+              <a:gd name="connsiteX2" fmla="*/ 620427 w 3722561"/>
+              <a:gd name="connsiteY2" fmla="*/ 0 h 958994"/>
+              <a:gd name="connsiteX3" fmla="*/ 1551067 w 3722561"/>
+              <a:gd name="connsiteY3" fmla="*/ 0 h 958994"/>
+              <a:gd name="connsiteX4" fmla="*/ 3722561 w 3722561"/>
+              <a:gd name="connsiteY4" fmla="*/ 0 h 958994"/>
+              <a:gd name="connsiteX5" fmla="*/ 3722561 w 3722561"/>
+              <a:gd name="connsiteY5" fmla="*/ 419923 h 958994"/>
+              <a:gd name="connsiteX6" fmla="*/ 3722561 w 3722561"/>
+              <a:gd name="connsiteY6" fmla="*/ 419923 h 958994"/>
+              <a:gd name="connsiteX7" fmla="*/ 3722561 w 3722561"/>
+              <a:gd name="connsiteY7" fmla="*/ 599890 h 958994"/>
+              <a:gd name="connsiteX8" fmla="*/ 3722561 w 3722561"/>
+              <a:gd name="connsiteY8" fmla="*/ 719868 h 958994"/>
+              <a:gd name="connsiteX9" fmla="*/ 3475530 w 3722561"/>
+              <a:gd name="connsiteY9" fmla="*/ 718285 h 958994"/>
+              <a:gd name="connsiteX10" fmla="*/ 3246930 w 3722561"/>
+              <a:gd name="connsiteY10" fmla="*/ 708656 h 958994"/>
+              <a:gd name="connsiteX11" fmla="*/ 2989755 w 3722561"/>
+              <a:gd name="connsiteY11" fmla="*/ 727913 h 958994"/>
+              <a:gd name="connsiteX12" fmla="*/ 2665905 w 3722561"/>
+              <a:gd name="connsiteY12" fmla="*/ 747170 h 958994"/>
+              <a:gd name="connsiteX13" fmla="*/ 2199180 w 3722561"/>
+              <a:gd name="connsiteY13" fmla="*/ 737542 h 958994"/>
+              <a:gd name="connsiteX14" fmla="*/ 2142030 w 3722561"/>
+              <a:gd name="connsiteY14" fmla="*/ 958994 h 958994"/>
+              <a:gd name="connsiteX15" fmla="*/ 2018205 w 3722561"/>
+              <a:gd name="connsiteY15" fmla="*/ 756799 h 958994"/>
+              <a:gd name="connsiteX16" fmla="*/ 1589580 w 3722561"/>
+              <a:gd name="connsiteY16" fmla="*/ 737542 h 958994"/>
+              <a:gd name="connsiteX17" fmla="*/ 1046242 w 3722561"/>
+              <a:gd name="connsiteY17" fmla="*/ 748443 h 958994"/>
+              <a:gd name="connsiteX18" fmla="*/ 7706 w 3722561"/>
+              <a:gd name="connsiteY18" fmla="*/ 873495 h 958994"/>
+              <a:gd name="connsiteX19" fmla="*/ 620427 w 3722561"/>
+              <a:gd name="connsiteY19" fmla="*/ 719868 h 958994"/>
+              <a:gd name="connsiteX20" fmla="*/ 0 w 3722561"/>
+              <a:gd name="connsiteY20" fmla="*/ 719868 h 958994"/>
+              <a:gd name="connsiteX21" fmla="*/ 0 w 3722561"/>
+              <a:gd name="connsiteY21" fmla="*/ 599890 h 958994"/>
+              <a:gd name="connsiteX22" fmla="*/ 0 w 3722561"/>
+              <a:gd name="connsiteY22" fmla="*/ 419923 h 958994"/>
+              <a:gd name="connsiteX23" fmla="*/ 0 w 3722561"/>
+              <a:gd name="connsiteY23" fmla="*/ 419923 h 958994"/>
+              <a:gd name="connsiteX24" fmla="*/ 0 w 3722561"/>
+              <a:gd name="connsiteY24" fmla="*/ 0 h 958994"/>
+              <a:gd name="connsiteX0" fmla="*/ 0 w 3722561"/>
+              <a:gd name="connsiteY0" fmla="*/ 0 h 978250"/>
+              <a:gd name="connsiteX1" fmla="*/ 620427 w 3722561"/>
+              <a:gd name="connsiteY1" fmla="*/ 0 h 978250"/>
+              <a:gd name="connsiteX2" fmla="*/ 620427 w 3722561"/>
+              <a:gd name="connsiteY2" fmla="*/ 0 h 978250"/>
+              <a:gd name="connsiteX3" fmla="*/ 1551067 w 3722561"/>
+              <a:gd name="connsiteY3" fmla="*/ 0 h 978250"/>
+              <a:gd name="connsiteX4" fmla="*/ 3722561 w 3722561"/>
+              <a:gd name="connsiteY4" fmla="*/ 0 h 978250"/>
+              <a:gd name="connsiteX5" fmla="*/ 3722561 w 3722561"/>
+              <a:gd name="connsiteY5" fmla="*/ 419923 h 978250"/>
+              <a:gd name="connsiteX6" fmla="*/ 3722561 w 3722561"/>
+              <a:gd name="connsiteY6" fmla="*/ 419923 h 978250"/>
+              <a:gd name="connsiteX7" fmla="*/ 3722561 w 3722561"/>
+              <a:gd name="connsiteY7" fmla="*/ 599890 h 978250"/>
+              <a:gd name="connsiteX8" fmla="*/ 3722561 w 3722561"/>
+              <a:gd name="connsiteY8" fmla="*/ 719868 h 978250"/>
+              <a:gd name="connsiteX9" fmla="*/ 3475530 w 3722561"/>
+              <a:gd name="connsiteY9" fmla="*/ 718285 h 978250"/>
+              <a:gd name="connsiteX10" fmla="*/ 3342180 w 3722561"/>
+              <a:gd name="connsiteY10" fmla="*/ 978250 h 978250"/>
+              <a:gd name="connsiteX11" fmla="*/ 2989755 w 3722561"/>
+              <a:gd name="connsiteY11" fmla="*/ 727913 h 978250"/>
+              <a:gd name="connsiteX12" fmla="*/ 2665905 w 3722561"/>
+              <a:gd name="connsiteY12" fmla="*/ 747170 h 978250"/>
+              <a:gd name="connsiteX13" fmla="*/ 2199180 w 3722561"/>
+              <a:gd name="connsiteY13" fmla="*/ 737542 h 978250"/>
+              <a:gd name="connsiteX14" fmla="*/ 2142030 w 3722561"/>
+              <a:gd name="connsiteY14" fmla="*/ 958994 h 978250"/>
+              <a:gd name="connsiteX15" fmla="*/ 2018205 w 3722561"/>
+              <a:gd name="connsiteY15" fmla="*/ 756799 h 978250"/>
+              <a:gd name="connsiteX16" fmla="*/ 1589580 w 3722561"/>
+              <a:gd name="connsiteY16" fmla="*/ 737542 h 978250"/>
+              <a:gd name="connsiteX17" fmla="*/ 1046242 w 3722561"/>
+              <a:gd name="connsiteY17" fmla="*/ 748443 h 978250"/>
+              <a:gd name="connsiteX18" fmla="*/ 7706 w 3722561"/>
+              <a:gd name="connsiteY18" fmla="*/ 873495 h 978250"/>
+              <a:gd name="connsiteX19" fmla="*/ 620427 w 3722561"/>
+              <a:gd name="connsiteY19" fmla="*/ 719868 h 978250"/>
+              <a:gd name="connsiteX20" fmla="*/ 0 w 3722561"/>
+              <a:gd name="connsiteY20" fmla="*/ 719868 h 978250"/>
+              <a:gd name="connsiteX21" fmla="*/ 0 w 3722561"/>
+              <a:gd name="connsiteY21" fmla="*/ 599890 h 978250"/>
+              <a:gd name="connsiteX22" fmla="*/ 0 w 3722561"/>
+              <a:gd name="connsiteY22" fmla="*/ 419923 h 978250"/>
+              <a:gd name="connsiteX23" fmla="*/ 0 w 3722561"/>
+              <a:gd name="connsiteY23" fmla="*/ 419923 h 978250"/>
+              <a:gd name="connsiteX24" fmla="*/ 0 w 3722561"/>
+              <a:gd name="connsiteY24" fmla="*/ 0 h 978250"/>
+              <a:gd name="connsiteX0" fmla="*/ 0 w 3722561"/>
+              <a:gd name="connsiteY0" fmla="*/ 0 h 978250"/>
+              <a:gd name="connsiteX1" fmla="*/ 620427 w 3722561"/>
+              <a:gd name="connsiteY1" fmla="*/ 0 h 978250"/>
+              <a:gd name="connsiteX2" fmla="*/ 620427 w 3722561"/>
+              <a:gd name="connsiteY2" fmla="*/ 0 h 978250"/>
+              <a:gd name="connsiteX3" fmla="*/ 1551067 w 3722561"/>
+              <a:gd name="connsiteY3" fmla="*/ 0 h 978250"/>
+              <a:gd name="connsiteX4" fmla="*/ 3722561 w 3722561"/>
+              <a:gd name="connsiteY4" fmla="*/ 0 h 978250"/>
+              <a:gd name="connsiteX5" fmla="*/ 3722561 w 3722561"/>
+              <a:gd name="connsiteY5" fmla="*/ 419923 h 978250"/>
+              <a:gd name="connsiteX6" fmla="*/ 3722561 w 3722561"/>
+              <a:gd name="connsiteY6" fmla="*/ 419923 h 978250"/>
+              <a:gd name="connsiteX7" fmla="*/ 3722561 w 3722561"/>
+              <a:gd name="connsiteY7" fmla="*/ 599890 h 978250"/>
+              <a:gd name="connsiteX8" fmla="*/ 3722561 w 3722561"/>
+              <a:gd name="connsiteY8" fmla="*/ 719868 h 978250"/>
+              <a:gd name="connsiteX9" fmla="*/ 3256455 w 3722561"/>
+              <a:gd name="connsiteY9" fmla="*/ 737542 h 978250"/>
+              <a:gd name="connsiteX10" fmla="*/ 3342180 w 3722561"/>
+              <a:gd name="connsiteY10" fmla="*/ 978250 h 978250"/>
+              <a:gd name="connsiteX11" fmla="*/ 2989755 w 3722561"/>
+              <a:gd name="connsiteY11" fmla="*/ 727913 h 978250"/>
+              <a:gd name="connsiteX12" fmla="*/ 2665905 w 3722561"/>
+              <a:gd name="connsiteY12" fmla="*/ 747170 h 978250"/>
+              <a:gd name="connsiteX13" fmla="*/ 2199180 w 3722561"/>
+              <a:gd name="connsiteY13" fmla="*/ 737542 h 978250"/>
+              <a:gd name="connsiteX14" fmla="*/ 2142030 w 3722561"/>
+              <a:gd name="connsiteY14" fmla="*/ 958994 h 978250"/>
+              <a:gd name="connsiteX15" fmla="*/ 2018205 w 3722561"/>
+              <a:gd name="connsiteY15" fmla="*/ 756799 h 978250"/>
+              <a:gd name="connsiteX16" fmla="*/ 1589580 w 3722561"/>
+              <a:gd name="connsiteY16" fmla="*/ 737542 h 978250"/>
+              <a:gd name="connsiteX17" fmla="*/ 1046242 w 3722561"/>
+              <a:gd name="connsiteY17" fmla="*/ 748443 h 978250"/>
+              <a:gd name="connsiteX18" fmla="*/ 7706 w 3722561"/>
+              <a:gd name="connsiteY18" fmla="*/ 873495 h 978250"/>
+              <a:gd name="connsiteX19" fmla="*/ 620427 w 3722561"/>
+              <a:gd name="connsiteY19" fmla="*/ 719868 h 978250"/>
+              <a:gd name="connsiteX20" fmla="*/ 0 w 3722561"/>
+              <a:gd name="connsiteY20" fmla="*/ 719868 h 978250"/>
+              <a:gd name="connsiteX21" fmla="*/ 0 w 3722561"/>
+              <a:gd name="connsiteY21" fmla="*/ 599890 h 978250"/>
+              <a:gd name="connsiteX22" fmla="*/ 0 w 3722561"/>
+              <a:gd name="connsiteY22" fmla="*/ 419923 h 978250"/>
+              <a:gd name="connsiteX23" fmla="*/ 0 w 3722561"/>
+              <a:gd name="connsiteY23" fmla="*/ 419923 h 978250"/>
+              <a:gd name="connsiteX24" fmla="*/ 0 w 3722561"/>
+              <a:gd name="connsiteY24" fmla="*/ 0 h 978250"/>
+              <a:gd name="connsiteX0" fmla="*/ 0 w 3722561"/>
+              <a:gd name="connsiteY0" fmla="*/ 0 h 978250"/>
+              <a:gd name="connsiteX1" fmla="*/ 620427 w 3722561"/>
+              <a:gd name="connsiteY1" fmla="*/ 0 h 978250"/>
+              <a:gd name="connsiteX2" fmla="*/ 620427 w 3722561"/>
+              <a:gd name="connsiteY2" fmla="*/ 0 h 978250"/>
+              <a:gd name="connsiteX3" fmla="*/ 1551067 w 3722561"/>
+              <a:gd name="connsiteY3" fmla="*/ 0 h 978250"/>
+              <a:gd name="connsiteX4" fmla="*/ 3722561 w 3722561"/>
+              <a:gd name="connsiteY4" fmla="*/ 0 h 978250"/>
+              <a:gd name="connsiteX5" fmla="*/ 3722561 w 3722561"/>
+              <a:gd name="connsiteY5" fmla="*/ 419923 h 978250"/>
+              <a:gd name="connsiteX6" fmla="*/ 3722561 w 3722561"/>
+              <a:gd name="connsiteY6" fmla="*/ 419923 h 978250"/>
+              <a:gd name="connsiteX7" fmla="*/ 3722561 w 3722561"/>
+              <a:gd name="connsiteY7" fmla="*/ 599890 h 978250"/>
+              <a:gd name="connsiteX8" fmla="*/ 3722561 w 3722561"/>
+              <a:gd name="connsiteY8" fmla="*/ 719868 h 978250"/>
+              <a:gd name="connsiteX9" fmla="*/ 3342180 w 3722561"/>
+              <a:gd name="connsiteY9" fmla="*/ 737542 h 978250"/>
+              <a:gd name="connsiteX10" fmla="*/ 3342180 w 3722561"/>
+              <a:gd name="connsiteY10" fmla="*/ 978250 h 978250"/>
+              <a:gd name="connsiteX11" fmla="*/ 2989755 w 3722561"/>
+              <a:gd name="connsiteY11" fmla="*/ 727913 h 978250"/>
+              <a:gd name="connsiteX12" fmla="*/ 2665905 w 3722561"/>
+              <a:gd name="connsiteY12" fmla="*/ 747170 h 978250"/>
+              <a:gd name="connsiteX13" fmla="*/ 2199180 w 3722561"/>
+              <a:gd name="connsiteY13" fmla="*/ 737542 h 978250"/>
+              <a:gd name="connsiteX14" fmla="*/ 2142030 w 3722561"/>
+              <a:gd name="connsiteY14" fmla="*/ 958994 h 978250"/>
+              <a:gd name="connsiteX15" fmla="*/ 2018205 w 3722561"/>
+              <a:gd name="connsiteY15" fmla="*/ 756799 h 978250"/>
+              <a:gd name="connsiteX16" fmla="*/ 1589580 w 3722561"/>
+              <a:gd name="connsiteY16" fmla="*/ 737542 h 978250"/>
+              <a:gd name="connsiteX17" fmla="*/ 1046242 w 3722561"/>
+              <a:gd name="connsiteY17" fmla="*/ 748443 h 978250"/>
+              <a:gd name="connsiteX18" fmla="*/ 7706 w 3722561"/>
+              <a:gd name="connsiteY18" fmla="*/ 873495 h 978250"/>
+              <a:gd name="connsiteX19" fmla="*/ 620427 w 3722561"/>
+              <a:gd name="connsiteY19" fmla="*/ 719868 h 978250"/>
+              <a:gd name="connsiteX20" fmla="*/ 0 w 3722561"/>
+              <a:gd name="connsiteY20" fmla="*/ 719868 h 978250"/>
+              <a:gd name="connsiteX21" fmla="*/ 0 w 3722561"/>
+              <a:gd name="connsiteY21" fmla="*/ 599890 h 978250"/>
+              <a:gd name="connsiteX22" fmla="*/ 0 w 3722561"/>
+              <a:gd name="connsiteY22" fmla="*/ 419923 h 978250"/>
+              <a:gd name="connsiteX23" fmla="*/ 0 w 3722561"/>
+              <a:gd name="connsiteY23" fmla="*/ 419923 h 978250"/>
+              <a:gd name="connsiteX24" fmla="*/ 0 w 3722561"/>
+              <a:gd name="connsiteY24" fmla="*/ 0 h 978250"/>
+              <a:gd name="connsiteX0" fmla="*/ 0 w 3722561"/>
+              <a:gd name="connsiteY0" fmla="*/ 0 h 978250"/>
+              <a:gd name="connsiteX1" fmla="*/ 620427 w 3722561"/>
+              <a:gd name="connsiteY1" fmla="*/ 0 h 978250"/>
+              <a:gd name="connsiteX2" fmla="*/ 620427 w 3722561"/>
+              <a:gd name="connsiteY2" fmla="*/ 0 h 978250"/>
+              <a:gd name="connsiteX3" fmla="*/ 1551067 w 3722561"/>
+              <a:gd name="connsiteY3" fmla="*/ 0 h 978250"/>
+              <a:gd name="connsiteX4" fmla="*/ 3722561 w 3722561"/>
+              <a:gd name="connsiteY4" fmla="*/ 0 h 978250"/>
+              <a:gd name="connsiteX5" fmla="*/ 3722561 w 3722561"/>
+              <a:gd name="connsiteY5" fmla="*/ 419923 h 978250"/>
+              <a:gd name="connsiteX6" fmla="*/ 3722561 w 3722561"/>
+              <a:gd name="connsiteY6" fmla="*/ 419923 h 978250"/>
+              <a:gd name="connsiteX7" fmla="*/ 3722561 w 3722561"/>
+              <a:gd name="connsiteY7" fmla="*/ 599890 h 978250"/>
+              <a:gd name="connsiteX8" fmla="*/ 3722561 w 3722561"/>
+              <a:gd name="connsiteY8" fmla="*/ 719868 h 978250"/>
+              <a:gd name="connsiteX9" fmla="*/ 3342180 w 3722561"/>
+              <a:gd name="connsiteY9" fmla="*/ 737542 h 978250"/>
+              <a:gd name="connsiteX10" fmla="*/ 3342180 w 3722561"/>
+              <a:gd name="connsiteY10" fmla="*/ 978250 h 978250"/>
+              <a:gd name="connsiteX11" fmla="*/ 3199305 w 3722561"/>
+              <a:gd name="connsiteY11" fmla="*/ 747169 h 978250"/>
+              <a:gd name="connsiteX12" fmla="*/ 2665905 w 3722561"/>
+              <a:gd name="connsiteY12" fmla="*/ 747170 h 978250"/>
+              <a:gd name="connsiteX13" fmla="*/ 2199180 w 3722561"/>
+              <a:gd name="connsiteY13" fmla="*/ 737542 h 978250"/>
+              <a:gd name="connsiteX14" fmla="*/ 2142030 w 3722561"/>
+              <a:gd name="connsiteY14" fmla="*/ 958994 h 978250"/>
+              <a:gd name="connsiteX15" fmla="*/ 2018205 w 3722561"/>
+              <a:gd name="connsiteY15" fmla="*/ 756799 h 978250"/>
+              <a:gd name="connsiteX16" fmla="*/ 1589580 w 3722561"/>
+              <a:gd name="connsiteY16" fmla="*/ 737542 h 978250"/>
+              <a:gd name="connsiteX17" fmla="*/ 1046242 w 3722561"/>
+              <a:gd name="connsiteY17" fmla="*/ 748443 h 978250"/>
+              <a:gd name="connsiteX18" fmla="*/ 7706 w 3722561"/>
+              <a:gd name="connsiteY18" fmla="*/ 873495 h 978250"/>
+              <a:gd name="connsiteX19" fmla="*/ 620427 w 3722561"/>
+              <a:gd name="connsiteY19" fmla="*/ 719868 h 978250"/>
+              <a:gd name="connsiteX20" fmla="*/ 0 w 3722561"/>
+              <a:gd name="connsiteY20" fmla="*/ 719868 h 978250"/>
+              <a:gd name="connsiteX21" fmla="*/ 0 w 3722561"/>
+              <a:gd name="connsiteY21" fmla="*/ 599890 h 978250"/>
+              <a:gd name="connsiteX22" fmla="*/ 0 w 3722561"/>
+              <a:gd name="connsiteY22" fmla="*/ 419923 h 978250"/>
+              <a:gd name="connsiteX23" fmla="*/ 0 w 3722561"/>
+              <a:gd name="connsiteY23" fmla="*/ 419923 h 978250"/>
+              <a:gd name="connsiteX24" fmla="*/ 0 w 3722561"/>
+              <a:gd name="connsiteY24" fmla="*/ 0 h 978250"/>
+              <a:gd name="connsiteX0" fmla="*/ 0 w 3722561"/>
+              <a:gd name="connsiteY0" fmla="*/ 0 h 978250"/>
+              <a:gd name="connsiteX1" fmla="*/ 620427 w 3722561"/>
+              <a:gd name="connsiteY1" fmla="*/ 0 h 978250"/>
+              <a:gd name="connsiteX2" fmla="*/ 620427 w 3722561"/>
+              <a:gd name="connsiteY2" fmla="*/ 0 h 978250"/>
+              <a:gd name="connsiteX3" fmla="*/ 1551067 w 3722561"/>
+              <a:gd name="connsiteY3" fmla="*/ 0 h 978250"/>
+              <a:gd name="connsiteX4" fmla="*/ 3722561 w 3722561"/>
+              <a:gd name="connsiteY4" fmla="*/ 0 h 978250"/>
+              <a:gd name="connsiteX5" fmla="*/ 3722561 w 3722561"/>
+              <a:gd name="connsiteY5" fmla="*/ 419923 h 978250"/>
+              <a:gd name="connsiteX6" fmla="*/ 3722561 w 3722561"/>
+              <a:gd name="connsiteY6" fmla="*/ 419923 h 978250"/>
+              <a:gd name="connsiteX7" fmla="*/ 3722561 w 3722561"/>
+              <a:gd name="connsiteY7" fmla="*/ 599890 h 978250"/>
+              <a:gd name="connsiteX8" fmla="*/ 3722561 w 3722561"/>
+              <a:gd name="connsiteY8" fmla="*/ 719868 h 978250"/>
+              <a:gd name="connsiteX9" fmla="*/ 3342180 w 3722561"/>
+              <a:gd name="connsiteY9" fmla="*/ 737542 h 978250"/>
+              <a:gd name="connsiteX10" fmla="*/ 3342180 w 3722561"/>
+              <a:gd name="connsiteY10" fmla="*/ 978250 h 978250"/>
+              <a:gd name="connsiteX11" fmla="*/ 3199305 w 3722561"/>
+              <a:gd name="connsiteY11" fmla="*/ 747169 h 978250"/>
+              <a:gd name="connsiteX12" fmla="*/ 2665905 w 3722561"/>
+              <a:gd name="connsiteY12" fmla="*/ 747170 h 978250"/>
+              <a:gd name="connsiteX13" fmla="*/ 2199180 w 3722561"/>
+              <a:gd name="connsiteY13" fmla="*/ 737542 h 978250"/>
+              <a:gd name="connsiteX14" fmla="*/ 2142030 w 3722561"/>
+              <a:gd name="connsiteY14" fmla="*/ 958994 h 978250"/>
+              <a:gd name="connsiteX15" fmla="*/ 2018205 w 3722561"/>
+              <a:gd name="connsiteY15" fmla="*/ 756799 h 978250"/>
+              <a:gd name="connsiteX16" fmla="*/ 1589580 w 3722561"/>
+              <a:gd name="connsiteY16" fmla="*/ 737542 h 978250"/>
+              <a:gd name="connsiteX17" fmla="*/ 1046242 w 3722561"/>
+              <a:gd name="connsiteY17" fmla="*/ 748443 h 978250"/>
+              <a:gd name="connsiteX18" fmla="*/ 455381 w 3722561"/>
+              <a:gd name="connsiteY18" fmla="*/ 950522 h 978250"/>
+              <a:gd name="connsiteX19" fmla="*/ 620427 w 3722561"/>
+              <a:gd name="connsiteY19" fmla="*/ 719868 h 978250"/>
+              <a:gd name="connsiteX20" fmla="*/ 0 w 3722561"/>
+              <a:gd name="connsiteY20" fmla="*/ 719868 h 978250"/>
+              <a:gd name="connsiteX21" fmla="*/ 0 w 3722561"/>
+              <a:gd name="connsiteY21" fmla="*/ 599890 h 978250"/>
+              <a:gd name="connsiteX22" fmla="*/ 0 w 3722561"/>
+              <a:gd name="connsiteY22" fmla="*/ 419923 h 978250"/>
+              <a:gd name="connsiteX23" fmla="*/ 0 w 3722561"/>
+              <a:gd name="connsiteY23" fmla="*/ 419923 h 978250"/>
+              <a:gd name="connsiteX24" fmla="*/ 0 w 3722561"/>
+              <a:gd name="connsiteY24" fmla="*/ 0 h 978250"/>
+              <a:gd name="connsiteX0" fmla="*/ 0 w 3722561"/>
+              <a:gd name="connsiteY0" fmla="*/ 0 h 978250"/>
+              <a:gd name="connsiteX1" fmla="*/ 620427 w 3722561"/>
+              <a:gd name="connsiteY1" fmla="*/ 0 h 978250"/>
+              <a:gd name="connsiteX2" fmla="*/ 620427 w 3722561"/>
+              <a:gd name="connsiteY2" fmla="*/ 0 h 978250"/>
+              <a:gd name="connsiteX3" fmla="*/ 1551067 w 3722561"/>
+              <a:gd name="connsiteY3" fmla="*/ 0 h 978250"/>
+              <a:gd name="connsiteX4" fmla="*/ 3722561 w 3722561"/>
+              <a:gd name="connsiteY4" fmla="*/ 0 h 978250"/>
+              <a:gd name="connsiteX5" fmla="*/ 3722561 w 3722561"/>
+              <a:gd name="connsiteY5" fmla="*/ 419923 h 978250"/>
+              <a:gd name="connsiteX6" fmla="*/ 3722561 w 3722561"/>
+              <a:gd name="connsiteY6" fmla="*/ 419923 h 978250"/>
+              <a:gd name="connsiteX7" fmla="*/ 3722561 w 3722561"/>
+              <a:gd name="connsiteY7" fmla="*/ 599890 h 978250"/>
+              <a:gd name="connsiteX8" fmla="*/ 3722561 w 3722561"/>
+              <a:gd name="connsiteY8" fmla="*/ 719868 h 978250"/>
+              <a:gd name="connsiteX9" fmla="*/ 3342180 w 3722561"/>
+              <a:gd name="connsiteY9" fmla="*/ 737542 h 978250"/>
+              <a:gd name="connsiteX10" fmla="*/ 3342180 w 3722561"/>
+              <a:gd name="connsiteY10" fmla="*/ 978250 h 978250"/>
+              <a:gd name="connsiteX11" fmla="*/ 3199305 w 3722561"/>
+              <a:gd name="connsiteY11" fmla="*/ 747169 h 978250"/>
+              <a:gd name="connsiteX12" fmla="*/ 2665905 w 3722561"/>
+              <a:gd name="connsiteY12" fmla="*/ 747170 h 978250"/>
+              <a:gd name="connsiteX13" fmla="*/ 2199180 w 3722561"/>
+              <a:gd name="connsiteY13" fmla="*/ 737542 h 978250"/>
+              <a:gd name="connsiteX14" fmla="*/ 2142030 w 3722561"/>
+              <a:gd name="connsiteY14" fmla="*/ 958994 h 978250"/>
+              <a:gd name="connsiteX15" fmla="*/ 2018205 w 3722561"/>
+              <a:gd name="connsiteY15" fmla="*/ 756799 h 978250"/>
+              <a:gd name="connsiteX16" fmla="*/ 1589580 w 3722561"/>
+              <a:gd name="connsiteY16" fmla="*/ 737542 h 978250"/>
+              <a:gd name="connsiteX17" fmla="*/ 1046242 w 3722561"/>
+              <a:gd name="connsiteY17" fmla="*/ 748443 h 978250"/>
+              <a:gd name="connsiteX18" fmla="*/ 626831 w 3722561"/>
+              <a:gd name="connsiteY18" fmla="*/ 950522 h 978250"/>
+              <a:gd name="connsiteX19" fmla="*/ 620427 w 3722561"/>
+              <a:gd name="connsiteY19" fmla="*/ 719868 h 978250"/>
+              <a:gd name="connsiteX20" fmla="*/ 0 w 3722561"/>
+              <a:gd name="connsiteY20" fmla="*/ 719868 h 978250"/>
+              <a:gd name="connsiteX21" fmla="*/ 0 w 3722561"/>
+              <a:gd name="connsiteY21" fmla="*/ 599890 h 978250"/>
+              <a:gd name="connsiteX22" fmla="*/ 0 w 3722561"/>
+              <a:gd name="connsiteY22" fmla="*/ 419923 h 978250"/>
+              <a:gd name="connsiteX23" fmla="*/ 0 w 3722561"/>
+              <a:gd name="connsiteY23" fmla="*/ 419923 h 978250"/>
+              <a:gd name="connsiteX24" fmla="*/ 0 w 3722561"/>
+              <a:gd name="connsiteY24" fmla="*/ 0 h 978250"/>
+              <a:gd name="connsiteX0" fmla="*/ 0 w 3722561"/>
+              <a:gd name="connsiteY0" fmla="*/ 0 h 978250"/>
+              <a:gd name="connsiteX1" fmla="*/ 620427 w 3722561"/>
+              <a:gd name="connsiteY1" fmla="*/ 0 h 978250"/>
+              <a:gd name="connsiteX2" fmla="*/ 620427 w 3722561"/>
+              <a:gd name="connsiteY2" fmla="*/ 0 h 978250"/>
+              <a:gd name="connsiteX3" fmla="*/ 1551067 w 3722561"/>
+              <a:gd name="connsiteY3" fmla="*/ 0 h 978250"/>
+              <a:gd name="connsiteX4" fmla="*/ 3722561 w 3722561"/>
+              <a:gd name="connsiteY4" fmla="*/ 0 h 978250"/>
+              <a:gd name="connsiteX5" fmla="*/ 3722561 w 3722561"/>
+              <a:gd name="connsiteY5" fmla="*/ 419923 h 978250"/>
+              <a:gd name="connsiteX6" fmla="*/ 3722561 w 3722561"/>
+              <a:gd name="connsiteY6" fmla="*/ 419923 h 978250"/>
+              <a:gd name="connsiteX7" fmla="*/ 3722561 w 3722561"/>
+              <a:gd name="connsiteY7" fmla="*/ 599890 h 978250"/>
+              <a:gd name="connsiteX8" fmla="*/ 3722561 w 3722561"/>
+              <a:gd name="connsiteY8" fmla="*/ 719868 h 978250"/>
+              <a:gd name="connsiteX9" fmla="*/ 3342180 w 3722561"/>
+              <a:gd name="connsiteY9" fmla="*/ 737542 h 978250"/>
+              <a:gd name="connsiteX10" fmla="*/ 3342180 w 3722561"/>
+              <a:gd name="connsiteY10" fmla="*/ 978250 h 978250"/>
+              <a:gd name="connsiteX11" fmla="*/ 3199305 w 3722561"/>
+              <a:gd name="connsiteY11" fmla="*/ 747169 h 978250"/>
+              <a:gd name="connsiteX12" fmla="*/ 2665905 w 3722561"/>
+              <a:gd name="connsiteY12" fmla="*/ 747170 h 978250"/>
+              <a:gd name="connsiteX13" fmla="*/ 2199180 w 3722561"/>
+              <a:gd name="connsiteY13" fmla="*/ 737542 h 978250"/>
+              <a:gd name="connsiteX14" fmla="*/ 2142030 w 3722561"/>
+              <a:gd name="connsiteY14" fmla="*/ 958994 h 978250"/>
+              <a:gd name="connsiteX15" fmla="*/ 2018205 w 3722561"/>
+              <a:gd name="connsiteY15" fmla="*/ 756799 h 978250"/>
+              <a:gd name="connsiteX16" fmla="*/ 1589580 w 3722561"/>
+              <a:gd name="connsiteY16" fmla="*/ 737542 h 978250"/>
+              <a:gd name="connsiteX17" fmla="*/ 893842 w 3722561"/>
+              <a:gd name="connsiteY17" fmla="*/ 748443 h 978250"/>
+              <a:gd name="connsiteX18" fmla="*/ 626831 w 3722561"/>
+              <a:gd name="connsiteY18" fmla="*/ 950522 h 978250"/>
+              <a:gd name="connsiteX19" fmla="*/ 620427 w 3722561"/>
+              <a:gd name="connsiteY19" fmla="*/ 719868 h 978250"/>
+              <a:gd name="connsiteX20" fmla="*/ 0 w 3722561"/>
+              <a:gd name="connsiteY20" fmla="*/ 719868 h 978250"/>
+              <a:gd name="connsiteX21" fmla="*/ 0 w 3722561"/>
+              <a:gd name="connsiteY21" fmla="*/ 599890 h 978250"/>
+              <a:gd name="connsiteX22" fmla="*/ 0 w 3722561"/>
+              <a:gd name="connsiteY22" fmla="*/ 419923 h 978250"/>
+              <a:gd name="connsiteX23" fmla="*/ 0 w 3722561"/>
+              <a:gd name="connsiteY23" fmla="*/ 419923 h 978250"/>
+              <a:gd name="connsiteX24" fmla="*/ 0 w 3722561"/>
+              <a:gd name="connsiteY24" fmla="*/ 0 h 978250"/>
+              <a:gd name="connsiteX0" fmla="*/ 0 w 3722561"/>
+              <a:gd name="connsiteY0" fmla="*/ 0 h 978250"/>
+              <a:gd name="connsiteX1" fmla="*/ 620427 w 3722561"/>
+              <a:gd name="connsiteY1" fmla="*/ 0 h 978250"/>
+              <a:gd name="connsiteX2" fmla="*/ 620427 w 3722561"/>
+              <a:gd name="connsiteY2" fmla="*/ 0 h 978250"/>
+              <a:gd name="connsiteX3" fmla="*/ 1551067 w 3722561"/>
+              <a:gd name="connsiteY3" fmla="*/ 0 h 978250"/>
+              <a:gd name="connsiteX4" fmla="*/ 3722561 w 3722561"/>
+              <a:gd name="connsiteY4" fmla="*/ 0 h 978250"/>
+              <a:gd name="connsiteX5" fmla="*/ 3722561 w 3722561"/>
+              <a:gd name="connsiteY5" fmla="*/ 419923 h 978250"/>
+              <a:gd name="connsiteX6" fmla="*/ 3722561 w 3722561"/>
+              <a:gd name="connsiteY6" fmla="*/ 419923 h 978250"/>
+              <a:gd name="connsiteX7" fmla="*/ 3722561 w 3722561"/>
+              <a:gd name="connsiteY7" fmla="*/ 599890 h 978250"/>
+              <a:gd name="connsiteX8" fmla="*/ 3722561 w 3722561"/>
+              <a:gd name="connsiteY8" fmla="*/ 719868 h 978250"/>
+              <a:gd name="connsiteX9" fmla="*/ 3342180 w 3722561"/>
+              <a:gd name="connsiteY9" fmla="*/ 737542 h 978250"/>
+              <a:gd name="connsiteX10" fmla="*/ 3342180 w 3722561"/>
+              <a:gd name="connsiteY10" fmla="*/ 978250 h 978250"/>
+              <a:gd name="connsiteX11" fmla="*/ 3199305 w 3722561"/>
+              <a:gd name="connsiteY11" fmla="*/ 747169 h 978250"/>
+              <a:gd name="connsiteX12" fmla="*/ 2665905 w 3722561"/>
+              <a:gd name="connsiteY12" fmla="*/ 747170 h 978250"/>
+              <a:gd name="connsiteX13" fmla="*/ 2199180 w 3722561"/>
+              <a:gd name="connsiteY13" fmla="*/ 737542 h 978250"/>
+              <a:gd name="connsiteX14" fmla="*/ 2142030 w 3722561"/>
+              <a:gd name="connsiteY14" fmla="*/ 958994 h 978250"/>
+              <a:gd name="connsiteX15" fmla="*/ 2018205 w 3722561"/>
+              <a:gd name="connsiteY15" fmla="*/ 756799 h 978250"/>
+              <a:gd name="connsiteX16" fmla="*/ 1589580 w 3722561"/>
+              <a:gd name="connsiteY16" fmla="*/ 737542 h 978250"/>
+              <a:gd name="connsiteX17" fmla="*/ 789067 w 3722561"/>
+              <a:gd name="connsiteY17" fmla="*/ 758071 h 978250"/>
+              <a:gd name="connsiteX18" fmla="*/ 626831 w 3722561"/>
+              <a:gd name="connsiteY18" fmla="*/ 950522 h 978250"/>
+              <a:gd name="connsiteX19" fmla="*/ 620427 w 3722561"/>
+              <a:gd name="connsiteY19" fmla="*/ 719868 h 978250"/>
+              <a:gd name="connsiteX20" fmla="*/ 0 w 3722561"/>
+              <a:gd name="connsiteY20" fmla="*/ 719868 h 978250"/>
+              <a:gd name="connsiteX21" fmla="*/ 0 w 3722561"/>
+              <a:gd name="connsiteY21" fmla="*/ 599890 h 978250"/>
+              <a:gd name="connsiteX22" fmla="*/ 0 w 3722561"/>
+              <a:gd name="connsiteY22" fmla="*/ 419923 h 978250"/>
+              <a:gd name="connsiteX23" fmla="*/ 0 w 3722561"/>
+              <a:gd name="connsiteY23" fmla="*/ 419923 h 978250"/>
+              <a:gd name="connsiteX24" fmla="*/ 0 w 3722561"/>
+              <a:gd name="connsiteY24" fmla="*/ 0 h 978250"/>
+              <a:gd name="connsiteX0" fmla="*/ 0 w 3722561"/>
+              <a:gd name="connsiteY0" fmla="*/ 0 h 978250"/>
+              <a:gd name="connsiteX1" fmla="*/ 620427 w 3722561"/>
+              <a:gd name="connsiteY1" fmla="*/ 0 h 978250"/>
+              <a:gd name="connsiteX2" fmla="*/ 620427 w 3722561"/>
+              <a:gd name="connsiteY2" fmla="*/ 0 h 978250"/>
+              <a:gd name="connsiteX3" fmla="*/ 1551067 w 3722561"/>
+              <a:gd name="connsiteY3" fmla="*/ 0 h 978250"/>
+              <a:gd name="connsiteX4" fmla="*/ 3722561 w 3722561"/>
+              <a:gd name="connsiteY4" fmla="*/ 0 h 978250"/>
+              <a:gd name="connsiteX5" fmla="*/ 3722561 w 3722561"/>
+              <a:gd name="connsiteY5" fmla="*/ 419923 h 978250"/>
+              <a:gd name="connsiteX6" fmla="*/ 3722561 w 3722561"/>
+              <a:gd name="connsiteY6" fmla="*/ 419923 h 978250"/>
+              <a:gd name="connsiteX7" fmla="*/ 3722561 w 3722561"/>
+              <a:gd name="connsiteY7" fmla="*/ 599890 h 978250"/>
+              <a:gd name="connsiteX8" fmla="*/ 3722561 w 3722561"/>
+              <a:gd name="connsiteY8" fmla="*/ 719868 h 978250"/>
+              <a:gd name="connsiteX9" fmla="*/ 3342180 w 3722561"/>
+              <a:gd name="connsiteY9" fmla="*/ 737542 h 978250"/>
+              <a:gd name="connsiteX10" fmla="*/ 3342180 w 3722561"/>
+              <a:gd name="connsiteY10" fmla="*/ 978250 h 978250"/>
+              <a:gd name="connsiteX11" fmla="*/ 3199305 w 3722561"/>
+              <a:gd name="connsiteY11" fmla="*/ 747169 h 978250"/>
+              <a:gd name="connsiteX12" fmla="*/ 2665905 w 3722561"/>
+              <a:gd name="connsiteY12" fmla="*/ 747170 h 978250"/>
+              <a:gd name="connsiteX13" fmla="*/ 2199180 w 3722561"/>
+              <a:gd name="connsiteY13" fmla="*/ 737542 h 978250"/>
+              <a:gd name="connsiteX14" fmla="*/ 2142030 w 3722561"/>
+              <a:gd name="connsiteY14" fmla="*/ 958994 h 978250"/>
+              <a:gd name="connsiteX15" fmla="*/ 2018205 w 3722561"/>
+              <a:gd name="connsiteY15" fmla="*/ 756799 h 978250"/>
+              <a:gd name="connsiteX16" fmla="*/ 1589580 w 3722561"/>
+              <a:gd name="connsiteY16" fmla="*/ 737542 h 978250"/>
+              <a:gd name="connsiteX17" fmla="*/ 770017 w 3722561"/>
+              <a:gd name="connsiteY17" fmla="*/ 719558 h 978250"/>
+              <a:gd name="connsiteX18" fmla="*/ 626831 w 3722561"/>
+              <a:gd name="connsiteY18" fmla="*/ 950522 h 978250"/>
+              <a:gd name="connsiteX19" fmla="*/ 620427 w 3722561"/>
+              <a:gd name="connsiteY19" fmla="*/ 719868 h 978250"/>
+              <a:gd name="connsiteX20" fmla="*/ 0 w 3722561"/>
+              <a:gd name="connsiteY20" fmla="*/ 719868 h 978250"/>
+              <a:gd name="connsiteX21" fmla="*/ 0 w 3722561"/>
+              <a:gd name="connsiteY21" fmla="*/ 599890 h 978250"/>
+              <a:gd name="connsiteX22" fmla="*/ 0 w 3722561"/>
+              <a:gd name="connsiteY22" fmla="*/ 419923 h 978250"/>
+              <a:gd name="connsiteX23" fmla="*/ 0 w 3722561"/>
+              <a:gd name="connsiteY23" fmla="*/ 419923 h 978250"/>
+              <a:gd name="connsiteX24" fmla="*/ 0 w 3722561"/>
+              <a:gd name="connsiteY24" fmla="*/ 0 h 978250"/>
+              <a:gd name="connsiteX0" fmla="*/ 0 w 3722561"/>
+              <a:gd name="connsiteY0" fmla="*/ 0 h 978250"/>
+              <a:gd name="connsiteX1" fmla="*/ 620427 w 3722561"/>
+              <a:gd name="connsiteY1" fmla="*/ 0 h 978250"/>
+              <a:gd name="connsiteX2" fmla="*/ 620427 w 3722561"/>
+              <a:gd name="connsiteY2" fmla="*/ 0 h 978250"/>
+              <a:gd name="connsiteX3" fmla="*/ 1551067 w 3722561"/>
+              <a:gd name="connsiteY3" fmla="*/ 0 h 978250"/>
+              <a:gd name="connsiteX4" fmla="*/ 3722561 w 3722561"/>
+              <a:gd name="connsiteY4" fmla="*/ 0 h 978250"/>
+              <a:gd name="connsiteX5" fmla="*/ 3722561 w 3722561"/>
+              <a:gd name="connsiteY5" fmla="*/ 419923 h 978250"/>
+              <a:gd name="connsiteX6" fmla="*/ 3722561 w 3722561"/>
+              <a:gd name="connsiteY6" fmla="*/ 419923 h 978250"/>
+              <a:gd name="connsiteX7" fmla="*/ 3722561 w 3722561"/>
+              <a:gd name="connsiteY7" fmla="*/ 599890 h 978250"/>
+              <a:gd name="connsiteX8" fmla="*/ 3722561 w 3722561"/>
+              <a:gd name="connsiteY8" fmla="*/ 719868 h 978250"/>
+              <a:gd name="connsiteX9" fmla="*/ 3342180 w 3722561"/>
+              <a:gd name="connsiteY9" fmla="*/ 737542 h 978250"/>
+              <a:gd name="connsiteX10" fmla="*/ 3342180 w 3722561"/>
+              <a:gd name="connsiteY10" fmla="*/ 978250 h 978250"/>
+              <a:gd name="connsiteX11" fmla="*/ 3199305 w 3722561"/>
+              <a:gd name="connsiteY11" fmla="*/ 747169 h 978250"/>
+              <a:gd name="connsiteX12" fmla="*/ 2665905 w 3722561"/>
+              <a:gd name="connsiteY12" fmla="*/ 747170 h 978250"/>
+              <a:gd name="connsiteX13" fmla="*/ 2199180 w 3722561"/>
+              <a:gd name="connsiteY13" fmla="*/ 737542 h 978250"/>
+              <a:gd name="connsiteX14" fmla="*/ 2142030 w 3722561"/>
+              <a:gd name="connsiteY14" fmla="*/ 958994 h 978250"/>
+              <a:gd name="connsiteX15" fmla="*/ 2018205 w 3722561"/>
+              <a:gd name="connsiteY15" fmla="*/ 756799 h 978250"/>
+              <a:gd name="connsiteX16" fmla="*/ 1589580 w 3722561"/>
+              <a:gd name="connsiteY16" fmla="*/ 708657 h 978250"/>
+              <a:gd name="connsiteX17" fmla="*/ 770017 w 3722561"/>
+              <a:gd name="connsiteY17" fmla="*/ 719558 h 978250"/>
+              <a:gd name="connsiteX18" fmla="*/ 626831 w 3722561"/>
+              <a:gd name="connsiteY18" fmla="*/ 950522 h 978250"/>
+              <a:gd name="connsiteX19" fmla="*/ 620427 w 3722561"/>
+              <a:gd name="connsiteY19" fmla="*/ 719868 h 978250"/>
+              <a:gd name="connsiteX20" fmla="*/ 0 w 3722561"/>
+              <a:gd name="connsiteY20" fmla="*/ 719868 h 978250"/>
+              <a:gd name="connsiteX21" fmla="*/ 0 w 3722561"/>
+              <a:gd name="connsiteY21" fmla="*/ 599890 h 978250"/>
+              <a:gd name="connsiteX22" fmla="*/ 0 w 3722561"/>
+              <a:gd name="connsiteY22" fmla="*/ 419923 h 978250"/>
+              <a:gd name="connsiteX23" fmla="*/ 0 w 3722561"/>
+              <a:gd name="connsiteY23" fmla="*/ 419923 h 978250"/>
+              <a:gd name="connsiteX24" fmla="*/ 0 w 3722561"/>
+              <a:gd name="connsiteY24" fmla="*/ 0 h 978250"/>
+              <a:gd name="connsiteX0" fmla="*/ 0 w 3722561"/>
+              <a:gd name="connsiteY0" fmla="*/ 0 h 978250"/>
+              <a:gd name="connsiteX1" fmla="*/ 620427 w 3722561"/>
+              <a:gd name="connsiteY1" fmla="*/ 0 h 978250"/>
+              <a:gd name="connsiteX2" fmla="*/ 620427 w 3722561"/>
+              <a:gd name="connsiteY2" fmla="*/ 0 h 978250"/>
+              <a:gd name="connsiteX3" fmla="*/ 1551067 w 3722561"/>
+              <a:gd name="connsiteY3" fmla="*/ 0 h 978250"/>
+              <a:gd name="connsiteX4" fmla="*/ 3722561 w 3722561"/>
+              <a:gd name="connsiteY4" fmla="*/ 0 h 978250"/>
+              <a:gd name="connsiteX5" fmla="*/ 3722561 w 3722561"/>
+              <a:gd name="connsiteY5" fmla="*/ 419923 h 978250"/>
+              <a:gd name="connsiteX6" fmla="*/ 3722561 w 3722561"/>
+              <a:gd name="connsiteY6" fmla="*/ 419923 h 978250"/>
+              <a:gd name="connsiteX7" fmla="*/ 3722561 w 3722561"/>
+              <a:gd name="connsiteY7" fmla="*/ 599890 h 978250"/>
+              <a:gd name="connsiteX8" fmla="*/ 3722561 w 3722561"/>
+              <a:gd name="connsiteY8" fmla="*/ 719868 h 978250"/>
+              <a:gd name="connsiteX9" fmla="*/ 3342180 w 3722561"/>
+              <a:gd name="connsiteY9" fmla="*/ 737542 h 978250"/>
+              <a:gd name="connsiteX10" fmla="*/ 3342180 w 3722561"/>
+              <a:gd name="connsiteY10" fmla="*/ 978250 h 978250"/>
+              <a:gd name="connsiteX11" fmla="*/ 3199305 w 3722561"/>
+              <a:gd name="connsiteY11" fmla="*/ 747169 h 978250"/>
+              <a:gd name="connsiteX12" fmla="*/ 2665905 w 3722561"/>
+              <a:gd name="connsiteY12" fmla="*/ 747170 h 978250"/>
+              <a:gd name="connsiteX13" fmla="*/ 2199180 w 3722561"/>
+              <a:gd name="connsiteY13" fmla="*/ 737542 h 978250"/>
+              <a:gd name="connsiteX14" fmla="*/ 2142030 w 3722561"/>
+              <a:gd name="connsiteY14" fmla="*/ 958994 h 978250"/>
+              <a:gd name="connsiteX15" fmla="*/ 2018205 w 3722561"/>
+              <a:gd name="connsiteY15" fmla="*/ 737542 h 978250"/>
+              <a:gd name="connsiteX16" fmla="*/ 1589580 w 3722561"/>
+              <a:gd name="connsiteY16" fmla="*/ 708657 h 978250"/>
+              <a:gd name="connsiteX17" fmla="*/ 770017 w 3722561"/>
+              <a:gd name="connsiteY17" fmla="*/ 719558 h 978250"/>
+              <a:gd name="connsiteX18" fmla="*/ 626831 w 3722561"/>
+              <a:gd name="connsiteY18" fmla="*/ 950522 h 978250"/>
+              <a:gd name="connsiteX19" fmla="*/ 620427 w 3722561"/>
+              <a:gd name="connsiteY19" fmla="*/ 719868 h 978250"/>
+              <a:gd name="connsiteX20" fmla="*/ 0 w 3722561"/>
+              <a:gd name="connsiteY20" fmla="*/ 719868 h 978250"/>
+              <a:gd name="connsiteX21" fmla="*/ 0 w 3722561"/>
+              <a:gd name="connsiteY21" fmla="*/ 599890 h 978250"/>
+              <a:gd name="connsiteX22" fmla="*/ 0 w 3722561"/>
+              <a:gd name="connsiteY22" fmla="*/ 419923 h 978250"/>
+              <a:gd name="connsiteX23" fmla="*/ 0 w 3722561"/>
+              <a:gd name="connsiteY23" fmla="*/ 419923 h 978250"/>
+              <a:gd name="connsiteX24" fmla="*/ 0 w 3722561"/>
+              <a:gd name="connsiteY24" fmla="*/ 0 h 978250"/>
+              <a:gd name="connsiteX0" fmla="*/ 0 w 3722561"/>
+              <a:gd name="connsiteY0" fmla="*/ 0 h 978250"/>
+              <a:gd name="connsiteX1" fmla="*/ 620427 w 3722561"/>
+              <a:gd name="connsiteY1" fmla="*/ 0 h 978250"/>
+              <a:gd name="connsiteX2" fmla="*/ 620427 w 3722561"/>
+              <a:gd name="connsiteY2" fmla="*/ 0 h 978250"/>
+              <a:gd name="connsiteX3" fmla="*/ 1551067 w 3722561"/>
+              <a:gd name="connsiteY3" fmla="*/ 0 h 978250"/>
+              <a:gd name="connsiteX4" fmla="*/ 3722561 w 3722561"/>
+              <a:gd name="connsiteY4" fmla="*/ 0 h 978250"/>
+              <a:gd name="connsiteX5" fmla="*/ 3722561 w 3722561"/>
+              <a:gd name="connsiteY5" fmla="*/ 419923 h 978250"/>
+              <a:gd name="connsiteX6" fmla="*/ 3722561 w 3722561"/>
+              <a:gd name="connsiteY6" fmla="*/ 419923 h 978250"/>
+              <a:gd name="connsiteX7" fmla="*/ 3722561 w 3722561"/>
+              <a:gd name="connsiteY7" fmla="*/ 599890 h 978250"/>
+              <a:gd name="connsiteX8" fmla="*/ 3722561 w 3722561"/>
+              <a:gd name="connsiteY8" fmla="*/ 719868 h 978250"/>
+              <a:gd name="connsiteX9" fmla="*/ 3342180 w 3722561"/>
+              <a:gd name="connsiteY9" fmla="*/ 737542 h 978250"/>
+              <a:gd name="connsiteX10" fmla="*/ 3342180 w 3722561"/>
+              <a:gd name="connsiteY10" fmla="*/ 978250 h 978250"/>
+              <a:gd name="connsiteX11" fmla="*/ 3199305 w 3722561"/>
+              <a:gd name="connsiteY11" fmla="*/ 747169 h 978250"/>
+              <a:gd name="connsiteX12" fmla="*/ 2665905 w 3722561"/>
+              <a:gd name="connsiteY12" fmla="*/ 747170 h 978250"/>
+              <a:gd name="connsiteX13" fmla="*/ 2199180 w 3722561"/>
+              <a:gd name="connsiteY13" fmla="*/ 737542 h 978250"/>
+              <a:gd name="connsiteX14" fmla="*/ 2142030 w 3722561"/>
+              <a:gd name="connsiteY14" fmla="*/ 958994 h 978250"/>
+              <a:gd name="connsiteX15" fmla="*/ 2027730 w 3722561"/>
+              <a:gd name="connsiteY15" fmla="*/ 699029 h 978250"/>
+              <a:gd name="connsiteX16" fmla="*/ 1589580 w 3722561"/>
+              <a:gd name="connsiteY16" fmla="*/ 708657 h 978250"/>
+              <a:gd name="connsiteX17" fmla="*/ 770017 w 3722561"/>
+              <a:gd name="connsiteY17" fmla="*/ 719558 h 978250"/>
+              <a:gd name="connsiteX18" fmla="*/ 626831 w 3722561"/>
+              <a:gd name="connsiteY18" fmla="*/ 950522 h 978250"/>
+              <a:gd name="connsiteX19" fmla="*/ 620427 w 3722561"/>
+              <a:gd name="connsiteY19" fmla="*/ 719868 h 978250"/>
+              <a:gd name="connsiteX20" fmla="*/ 0 w 3722561"/>
+              <a:gd name="connsiteY20" fmla="*/ 719868 h 978250"/>
+              <a:gd name="connsiteX21" fmla="*/ 0 w 3722561"/>
+              <a:gd name="connsiteY21" fmla="*/ 599890 h 978250"/>
+              <a:gd name="connsiteX22" fmla="*/ 0 w 3722561"/>
+              <a:gd name="connsiteY22" fmla="*/ 419923 h 978250"/>
+              <a:gd name="connsiteX23" fmla="*/ 0 w 3722561"/>
+              <a:gd name="connsiteY23" fmla="*/ 419923 h 978250"/>
+              <a:gd name="connsiteX24" fmla="*/ 0 w 3722561"/>
+              <a:gd name="connsiteY24" fmla="*/ 0 h 978250"/>
+              <a:gd name="connsiteX0" fmla="*/ 0 w 3722561"/>
+              <a:gd name="connsiteY0" fmla="*/ 0 h 978250"/>
+              <a:gd name="connsiteX1" fmla="*/ 620427 w 3722561"/>
+              <a:gd name="connsiteY1" fmla="*/ 0 h 978250"/>
+              <a:gd name="connsiteX2" fmla="*/ 620427 w 3722561"/>
+              <a:gd name="connsiteY2" fmla="*/ 0 h 978250"/>
+              <a:gd name="connsiteX3" fmla="*/ 1551067 w 3722561"/>
+              <a:gd name="connsiteY3" fmla="*/ 0 h 978250"/>
+              <a:gd name="connsiteX4" fmla="*/ 3722561 w 3722561"/>
+              <a:gd name="connsiteY4" fmla="*/ 0 h 978250"/>
+              <a:gd name="connsiteX5" fmla="*/ 3722561 w 3722561"/>
+              <a:gd name="connsiteY5" fmla="*/ 419923 h 978250"/>
+              <a:gd name="connsiteX6" fmla="*/ 3722561 w 3722561"/>
+              <a:gd name="connsiteY6" fmla="*/ 419923 h 978250"/>
+              <a:gd name="connsiteX7" fmla="*/ 3722561 w 3722561"/>
+              <a:gd name="connsiteY7" fmla="*/ 599890 h 978250"/>
+              <a:gd name="connsiteX8" fmla="*/ 3722561 w 3722561"/>
+              <a:gd name="connsiteY8" fmla="*/ 719868 h 978250"/>
+              <a:gd name="connsiteX9" fmla="*/ 3342180 w 3722561"/>
+              <a:gd name="connsiteY9" fmla="*/ 737542 h 978250"/>
+              <a:gd name="connsiteX10" fmla="*/ 3342180 w 3722561"/>
+              <a:gd name="connsiteY10" fmla="*/ 978250 h 978250"/>
+              <a:gd name="connsiteX11" fmla="*/ 3199305 w 3722561"/>
+              <a:gd name="connsiteY11" fmla="*/ 747169 h 978250"/>
+              <a:gd name="connsiteX12" fmla="*/ 2665905 w 3722561"/>
+              <a:gd name="connsiteY12" fmla="*/ 747170 h 978250"/>
+              <a:gd name="connsiteX13" fmla="*/ 2199180 w 3722561"/>
+              <a:gd name="connsiteY13" fmla="*/ 737542 h 978250"/>
+              <a:gd name="connsiteX14" fmla="*/ 2142030 w 3722561"/>
+              <a:gd name="connsiteY14" fmla="*/ 958994 h 978250"/>
+              <a:gd name="connsiteX15" fmla="*/ 2027730 w 3722561"/>
+              <a:gd name="connsiteY15" fmla="*/ 718285 h 978250"/>
+              <a:gd name="connsiteX16" fmla="*/ 1589580 w 3722561"/>
+              <a:gd name="connsiteY16" fmla="*/ 708657 h 978250"/>
+              <a:gd name="connsiteX17" fmla="*/ 770017 w 3722561"/>
+              <a:gd name="connsiteY17" fmla="*/ 719558 h 978250"/>
+              <a:gd name="connsiteX18" fmla="*/ 626831 w 3722561"/>
+              <a:gd name="connsiteY18" fmla="*/ 950522 h 978250"/>
+              <a:gd name="connsiteX19" fmla="*/ 620427 w 3722561"/>
+              <a:gd name="connsiteY19" fmla="*/ 719868 h 978250"/>
+              <a:gd name="connsiteX20" fmla="*/ 0 w 3722561"/>
+              <a:gd name="connsiteY20" fmla="*/ 719868 h 978250"/>
+              <a:gd name="connsiteX21" fmla="*/ 0 w 3722561"/>
+              <a:gd name="connsiteY21" fmla="*/ 599890 h 978250"/>
+              <a:gd name="connsiteX22" fmla="*/ 0 w 3722561"/>
+              <a:gd name="connsiteY22" fmla="*/ 419923 h 978250"/>
+              <a:gd name="connsiteX23" fmla="*/ 0 w 3722561"/>
+              <a:gd name="connsiteY23" fmla="*/ 419923 h 978250"/>
+              <a:gd name="connsiteX24" fmla="*/ 0 w 3722561"/>
+              <a:gd name="connsiteY24" fmla="*/ 0 h 978250"/>
+              <a:gd name="connsiteX0" fmla="*/ 0 w 3722561"/>
+              <a:gd name="connsiteY0" fmla="*/ 0 h 978250"/>
+              <a:gd name="connsiteX1" fmla="*/ 620427 w 3722561"/>
+              <a:gd name="connsiteY1" fmla="*/ 0 h 978250"/>
+              <a:gd name="connsiteX2" fmla="*/ 620427 w 3722561"/>
+              <a:gd name="connsiteY2" fmla="*/ 0 h 978250"/>
+              <a:gd name="connsiteX3" fmla="*/ 1551067 w 3722561"/>
+              <a:gd name="connsiteY3" fmla="*/ 0 h 978250"/>
+              <a:gd name="connsiteX4" fmla="*/ 3722561 w 3722561"/>
+              <a:gd name="connsiteY4" fmla="*/ 0 h 978250"/>
+              <a:gd name="connsiteX5" fmla="*/ 3722561 w 3722561"/>
+              <a:gd name="connsiteY5" fmla="*/ 419923 h 978250"/>
+              <a:gd name="connsiteX6" fmla="*/ 3722561 w 3722561"/>
+              <a:gd name="connsiteY6" fmla="*/ 419923 h 978250"/>
+              <a:gd name="connsiteX7" fmla="*/ 3722561 w 3722561"/>
+              <a:gd name="connsiteY7" fmla="*/ 599890 h 978250"/>
+              <a:gd name="connsiteX8" fmla="*/ 3722561 w 3722561"/>
+              <a:gd name="connsiteY8" fmla="*/ 719868 h 978250"/>
+              <a:gd name="connsiteX9" fmla="*/ 3342180 w 3722561"/>
+              <a:gd name="connsiteY9" fmla="*/ 737542 h 978250"/>
+              <a:gd name="connsiteX10" fmla="*/ 3342180 w 3722561"/>
+              <a:gd name="connsiteY10" fmla="*/ 978250 h 978250"/>
+              <a:gd name="connsiteX11" fmla="*/ 3199305 w 3722561"/>
+              <a:gd name="connsiteY11" fmla="*/ 747169 h 978250"/>
+              <a:gd name="connsiteX12" fmla="*/ 2665905 w 3722561"/>
+              <a:gd name="connsiteY12" fmla="*/ 747170 h 978250"/>
+              <a:gd name="connsiteX13" fmla="*/ 2199180 w 3722561"/>
+              <a:gd name="connsiteY13" fmla="*/ 737542 h 978250"/>
+              <a:gd name="connsiteX14" fmla="*/ 2142030 w 3722561"/>
+              <a:gd name="connsiteY14" fmla="*/ 958994 h 978250"/>
+              <a:gd name="connsiteX15" fmla="*/ 2018205 w 3722561"/>
+              <a:gd name="connsiteY15" fmla="*/ 699029 h 978250"/>
+              <a:gd name="connsiteX16" fmla="*/ 1589580 w 3722561"/>
+              <a:gd name="connsiteY16" fmla="*/ 708657 h 978250"/>
+              <a:gd name="connsiteX17" fmla="*/ 770017 w 3722561"/>
+              <a:gd name="connsiteY17" fmla="*/ 719558 h 978250"/>
+              <a:gd name="connsiteX18" fmla="*/ 626831 w 3722561"/>
+              <a:gd name="connsiteY18" fmla="*/ 950522 h 978250"/>
+              <a:gd name="connsiteX19" fmla="*/ 620427 w 3722561"/>
+              <a:gd name="connsiteY19" fmla="*/ 719868 h 978250"/>
+              <a:gd name="connsiteX20" fmla="*/ 0 w 3722561"/>
+              <a:gd name="connsiteY20" fmla="*/ 719868 h 978250"/>
+              <a:gd name="connsiteX21" fmla="*/ 0 w 3722561"/>
+              <a:gd name="connsiteY21" fmla="*/ 599890 h 978250"/>
+              <a:gd name="connsiteX22" fmla="*/ 0 w 3722561"/>
+              <a:gd name="connsiteY22" fmla="*/ 419923 h 978250"/>
+              <a:gd name="connsiteX23" fmla="*/ 0 w 3722561"/>
+              <a:gd name="connsiteY23" fmla="*/ 419923 h 978250"/>
+              <a:gd name="connsiteX24" fmla="*/ 0 w 3722561"/>
+              <a:gd name="connsiteY24" fmla="*/ 0 h 978250"/>
+              <a:gd name="connsiteX0" fmla="*/ 0 w 3722561"/>
+              <a:gd name="connsiteY0" fmla="*/ 0 h 978250"/>
+              <a:gd name="connsiteX1" fmla="*/ 620427 w 3722561"/>
+              <a:gd name="connsiteY1" fmla="*/ 0 h 978250"/>
+              <a:gd name="connsiteX2" fmla="*/ 620427 w 3722561"/>
+              <a:gd name="connsiteY2" fmla="*/ 0 h 978250"/>
+              <a:gd name="connsiteX3" fmla="*/ 1551067 w 3722561"/>
+              <a:gd name="connsiteY3" fmla="*/ 0 h 978250"/>
+              <a:gd name="connsiteX4" fmla="*/ 3722561 w 3722561"/>
+              <a:gd name="connsiteY4" fmla="*/ 0 h 978250"/>
+              <a:gd name="connsiteX5" fmla="*/ 3722561 w 3722561"/>
+              <a:gd name="connsiteY5" fmla="*/ 419923 h 978250"/>
+              <a:gd name="connsiteX6" fmla="*/ 3722561 w 3722561"/>
+              <a:gd name="connsiteY6" fmla="*/ 419923 h 978250"/>
+              <a:gd name="connsiteX7" fmla="*/ 3722561 w 3722561"/>
+              <a:gd name="connsiteY7" fmla="*/ 599890 h 978250"/>
+              <a:gd name="connsiteX8" fmla="*/ 3722561 w 3722561"/>
+              <a:gd name="connsiteY8" fmla="*/ 719868 h 978250"/>
+              <a:gd name="connsiteX9" fmla="*/ 3342180 w 3722561"/>
+              <a:gd name="connsiteY9" fmla="*/ 737542 h 978250"/>
+              <a:gd name="connsiteX10" fmla="*/ 3342180 w 3722561"/>
+              <a:gd name="connsiteY10" fmla="*/ 978250 h 978250"/>
+              <a:gd name="connsiteX11" fmla="*/ 3199305 w 3722561"/>
+              <a:gd name="connsiteY11" fmla="*/ 747169 h 978250"/>
+              <a:gd name="connsiteX12" fmla="*/ 2665905 w 3722561"/>
+              <a:gd name="connsiteY12" fmla="*/ 747170 h 978250"/>
+              <a:gd name="connsiteX13" fmla="*/ 2199180 w 3722561"/>
+              <a:gd name="connsiteY13" fmla="*/ 737542 h 978250"/>
+              <a:gd name="connsiteX14" fmla="*/ 2142030 w 3722561"/>
+              <a:gd name="connsiteY14" fmla="*/ 958994 h 978250"/>
+              <a:gd name="connsiteX15" fmla="*/ 2018205 w 3722561"/>
+              <a:gd name="connsiteY15" fmla="*/ 708657 h 978250"/>
+              <a:gd name="connsiteX16" fmla="*/ 1589580 w 3722561"/>
+              <a:gd name="connsiteY16" fmla="*/ 708657 h 978250"/>
+              <a:gd name="connsiteX17" fmla="*/ 770017 w 3722561"/>
+              <a:gd name="connsiteY17" fmla="*/ 719558 h 978250"/>
+              <a:gd name="connsiteX18" fmla="*/ 626831 w 3722561"/>
+              <a:gd name="connsiteY18" fmla="*/ 950522 h 978250"/>
+              <a:gd name="connsiteX19" fmla="*/ 620427 w 3722561"/>
+              <a:gd name="connsiteY19" fmla="*/ 719868 h 978250"/>
+              <a:gd name="connsiteX20" fmla="*/ 0 w 3722561"/>
+              <a:gd name="connsiteY20" fmla="*/ 719868 h 978250"/>
+              <a:gd name="connsiteX21" fmla="*/ 0 w 3722561"/>
+              <a:gd name="connsiteY21" fmla="*/ 599890 h 978250"/>
+              <a:gd name="connsiteX22" fmla="*/ 0 w 3722561"/>
+              <a:gd name="connsiteY22" fmla="*/ 419923 h 978250"/>
+              <a:gd name="connsiteX23" fmla="*/ 0 w 3722561"/>
+              <a:gd name="connsiteY23" fmla="*/ 419923 h 978250"/>
+              <a:gd name="connsiteX24" fmla="*/ 0 w 3722561"/>
+              <a:gd name="connsiteY24" fmla="*/ 0 h 978250"/>
+              <a:gd name="connsiteX0" fmla="*/ 0 w 3722561"/>
+              <a:gd name="connsiteY0" fmla="*/ 0 h 978250"/>
+              <a:gd name="connsiteX1" fmla="*/ 620427 w 3722561"/>
+              <a:gd name="connsiteY1" fmla="*/ 0 h 978250"/>
+              <a:gd name="connsiteX2" fmla="*/ 620427 w 3722561"/>
+              <a:gd name="connsiteY2" fmla="*/ 0 h 978250"/>
+              <a:gd name="connsiteX3" fmla="*/ 1551067 w 3722561"/>
+              <a:gd name="connsiteY3" fmla="*/ 0 h 978250"/>
+              <a:gd name="connsiteX4" fmla="*/ 3722561 w 3722561"/>
+              <a:gd name="connsiteY4" fmla="*/ 0 h 978250"/>
+              <a:gd name="connsiteX5" fmla="*/ 3722561 w 3722561"/>
+              <a:gd name="connsiteY5" fmla="*/ 419923 h 978250"/>
+              <a:gd name="connsiteX6" fmla="*/ 3722561 w 3722561"/>
+              <a:gd name="connsiteY6" fmla="*/ 419923 h 978250"/>
+              <a:gd name="connsiteX7" fmla="*/ 3722561 w 3722561"/>
+              <a:gd name="connsiteY7" fmla="*/ 599890 h 978250"/>
+              <a:gd name="connsiteX8" fmla="*/ 3722561 w 3722561"/>
+              <a:gd name="connsiteY8" fmla="*/ 719868 h 978250"/>
+              <a:gd name="connsiteX9" fmla="*/ 3342180 w 3722561"/>
+              <a:gd name="connsiteY9" fmla="*/ 737542 h 978250"/>
+              <a:gd name="connsiteX10" fmla="*/ 3342180 w 3722561"/>
+              <a:gd name="connsiteY10" fmla="*/ 978250 h 978250"/>
+              <a:gd name="connsiteX11" fmla="*/ 3199305 w 3722561"/>
+              <a:gd name="connsiteY11" fmla="*/ 747169 h 978250"/>
+              <a:gd name="connsiteX12" fmla="*/ 2665905 w 3722561"/>
+              <a:gd name="connsiteY12" fmla="*/ 747170 h 978250"/>
+              <a:gd name="connsiteX13" fmla="*/ 2180130 w 3722561"/>
+              <a:gd name="connsiteY13" fmla="*/ 699029 h 978250"/>
+              <a:gd name="connsiteX14" fmla="*/ 2142030 w 3722561"/>
+              <a:gd name="connsiteY14" fmla="*/ 958994 h 978250"/>
+              <a:gd name="connsiteX15" fmla="*/ 2018205 w 3722561"/>
+              <a:gd name="connsiteY15" fmla="*/ 708657 h 978250"/>
+              <a:gd name="connsiteX16" fmla="*/ 1589580 w 3722561"/>
+              <a:gd name="connsiteY16" fmla="*/ 708657 h 978250"/>
+              <a:gd name="connsiteX17" fmla="*/ 770017 w 3722561"/>
+              <a:gd name="connsiteY17" fmla="*/ 719558 h 978250"/>
+              <a:gd name="connsiteX18" fmla="*/ 626831 w 3722561"/>
+              <a:gd name="connsiteY18" fmla="*/ 950522 h 978250"/>
+              <a:gd name="connsiteX19" fmla="*/ 620427 w 3722561"/>
+              <a:gd name="connsiteY19" fmla="*/ 719868 h 978250"/>
+              <a:gd name="connsiteX20" fmla="*/ 0 w 3722561"/>
+              <a:gd name="connsiteY20" fmla="*/ 719868 h 978250"/>
+              <a:gd name="connsiteX21" fmla="*/ 0 w 3722561"/>
+              <a:gd name="connsiteY21" fmla="*/ 599890 h 978250"/>
+              <a:gd name="connsiteX22" fmla="*/ 0 w 3722561"/>
+              <a:gd name="connsiteY22" fmla="*/ 419923 h 978250"/>
+              <a:gd name="connsiteX23" fmla="*/ 0 w 3722561"/>
+              <a:gd name="connsiteY23" fmla="*/ 419923 h 978250"/>
+              <a:gd name="connsiteX24" fmla="*/ 0 w 3722561"/>
+              <a:gd name="connsiteY24" fmla="*/ 0 h 978250"/>
+              <a:gd name="connsiteX0" fmla="*/ 0 w 3722561"/>
+              <a:gd name="connsiteY0" fmla="*/ 0 h 978250"/>
+              <a:gd name="connsiteX1" fmla="*/ 620427 w 3722561"/>
+              <a:gd name="connsiteY1" fmla="*/ 0 h 978250"/>
+              <a:gd name="connsiteX2" fmla="*/ 620427 w 3722561"/>
+              <a:gd name="connsiteY2" fmla="*/ 0 h 978250"/>
+              <a:gd name="connsiteX3" fmla="*/ 1551067 w 3722561"/>
+              <a:gd name="connsiteY3" fmla="*/ 0 h 978250"/>
+              <a:gd name="connsiteX4" fmla="*/ 3722561 w 3722561"/>
+              <a:gd name="connsiteY4" fmla="*/ 0 h 978250"/>
+              <a:gd name="connsiteX5" fmla="*/ 3722561 w 3722561"/>
+              <a:gd name="connsiteY5" fmla="*/ 419923 h 978250"/>
+              <a:gd name="connsiteX6" fmla="*/ 3722561 w 3722561"/>
+              <a:gd name="connsiteY6" fmla="*/ 419923 h 978250"/>
+              <a:gd name="connsiteX7" fmla="*/ 3722561 w 3722561"/>
+              <a:gd name="connsiteY7" fmla="*/ 599890 h 978250"/>
+              <a:gd name="connsiteX8" fmla="*/ 3722561 w 3722561"/>
+              <a:gd name="connsiteY8" fmla="*/ 719868 h 978250"/>
+              <a:gd name="connsiteX9" fmla="*/ 3342180 w 3722561"/>
+              <a:gd name="connsiteY9" fmla="*/ 737542 h 978250"/>
+              <a:gd name="connsiteX10" fmla="*/ 3342180 w 3722561"/>
+              <a:gd name="connsiteY10" fmla="*/ 978250 h 978250"/>
+              <a:gd name="connsiteX11" fmla="*/ 3199305 w 3722561"/>
+              <a:gd name="connsiteY11" fmla="*/ 747169 h 978250"/>
+              <a:gd name="connsiteX12" fmla="*/ 2656380 w 3722561"/>
+              <a:gd name="connsiteY12" fmla="*/ 708657 h 978250"/>
+              <a:gd name="connsiteX13" fmla="*/ 2180130 w 3722561"/>
+              <a:gd name="connsiteY13" fmla="*/ 699029 h 978250"/>
+              <a:gd name="connsiteX14" fmla="*/ 2142030 w 3722561"/>
+              <a:gd name="connsiteY14" fmla="*/ 958994 h 978250"/>
+              <a:gd name="connsiteX15" fmla="*/ 2018205 w 3722561"/>
+              <a:gd name="connsiteY15" fmla="*/ 708657 h 978250"/>
+              <a:gd name="connsiteX16" fmla="*/ 1589580 w 3722561"/>
+              <a:gd name="connsiteY16" fmla="*/ 708657 h 978250"/>
+              <a:gd name="connsiteX17" fmla="*/ 770017 w 3722561"/>
+              <a:gd name="connsiteY17" fmla="*/ 719558 h 978250"/>
+              <a:gd name="connsiteX18" fmla="*/ 626831 w 3722561"/>
+              <a:gd name="connsiteY18" fmla="*/ 950522 h 978250"/>
+              <a:gd name="connsiteX19" fmla="*/ 620427 w 3722561"/>
+              <a:gd name="connsiteY19" fmla="*/ 719868 h 978250"/>
+              <a:gd name="connsiteX20" fmla="*/ 0 w 3722561"/>
+              <a:gd name="connsiteY20" fmla="*/ 719868 h 978250"/>
+              <a:gd name="connsiteX21" fmla="*/ 0 w 3722561"/>
+              <a:gd name="connsiteY21" fmla="*/ 599890 h 978250"/>
+              <a:gd name="connsiteX22" fmla="*/ 0 w 3722561"/>
+              <a:gd name="connsiteY22" fmla="*/ 419923 h 978250"/>
+              <a:gd name="connsiteX23" fmla="*/ 0 w 3722561"/>
+              <a:gd name="connsiteY23" fmla="*/ 419923 h 978250"/>
+              <a:gd name="connsiteX24" fmla="*/ 0 w 3722561"/>
+              <a:gd name="connsiteY24" fmla="*/ 0 h 978250"/>
+              <a:gd name="connsiteX0" fmla="*/ 0 w 3722561"/>
+              <a:gd name="connsiteY0" fmla="*/ 0 h 978250"/>
+              <a:gd name="connsiteX1" fmla="*/ 620427 w 3722561"/>
+              <a:gd name="connsiteY1" fmla="*/ 0 h 978250"/>
+              <a:gd name="connsiteX2" fmla="*/ 620427 w 3722561"/>
+              <a:gd name="connsiteY2" fmla="*/ 0 h 978250"/>
+              <a:gd name="connsiteX3" fmla="*/ 1551067 w 3722561"/>
+              <a:gd name="connsiteY3" fmla="*/ 0 h 978250"/>
+              <a:gd name="connsiteX4" fmla="*/ 3722561 w 3722561"/>
+              <a:gd name="connsiteY4" fmla="*/ 0 h 978250"/>
+              <a:gd name="connsiteX5" fmla="*/ 3722561 w 3722561"/>
+              <a:gd name="connsiteY5" fmla="*/ 419923 h 978250"/>
+              <a:gd name="connsiteX6" fmla="*/ 3722561 w 3722561"/>
+              <a:gd name="connsiteY6" fmla="*/ 419923 h 978250"/>
+              <a:gd name="connsiteX7" fmla="*/ 3722561 w 3722561"/>
+              <a:gd name="connsiteY7" fmla="*/ 599890 h 978250"/>
+              <a:gd name="connsiteX8" fmla="*/ 3722561 w 3722561"/>
+              <a:gd name="connsiteY8" fmla="*/ 719868 h 978250"/>
+              <a:gd name="connsiteX9" fmla="*/ 3342180 w 3722561"/>
+              <a:gd name="connsiteY9" fmla="*/ 737542 h 978250"/>
+              <a:gd name="connsiteX10" fmla="*/ 3342180 w 3722561"/>
+              <a:gd name="connsiteY10" fmla="*/ 978250 h 978250"/>
+              <a:gd name="connsiteX11" fmla="*/ 3180255 w 3722561"/>
+              <a:gd name="connsiteY11" fmla="*/ 718284 h 978250"/>
+              <a:gd name="connsiteX12" fmla="*/ 2656380 w 3722561"/>
+              <a:gd name="connsiteY12" fmla="*/ 708657 h 978250"/>
+              <a:gd name="connsiteX13" fmla="*/ 2180130 w 3722561"/>
+              <a:gd name="connsiteY13" fmla="*/ 699029 h 978250"/>
+              <a:gd name="connsiteX14" fmla="*/ 2142030 w 3722561"/>
+              <a:gd name="connsiteY14" fmla="*/ 958994 h 978250"/>
+              <a:gd name="connsiteX15" fmla="*/ 2018205 w 3722561"/>
+              <a:gd name="connsiteY15" fmla="*/ 708657 h 978250"/>
+              <a:gd name="connsiteX16" fmla="*/ 1589580 w 3722561"/>
+              <a:gd name="connsiteY16" fmla="*/ 708657 h 978250"/>
+              <a:gd name="connsiteX17" fmla="*/ 770017 w 3722561"/>
+              <a:gd name="connsiteY17" fmla="*/ 719558 h 978250"/>
+              <a:gd name="connsiteX18" fmla="*/ 626831 w 3722561"/>
+              <a:gd name="connsiteY18" fmla="*/ 950522 h 978250"/>
+              <a:gd name="connsiteX19" fmla="*/ 620427 w 3722561"/>
+              <a:gd name="connsiteY19" fmla="*/ 719868 h 978250"/>
+              <a:gd name="connsiteX20" fmla="*/ 0 w 3722561"/>
+              <a:gd name="connsiteY20" fmla="*/ 719868 h 978250"/>
+              <a:gd name="connsiteX21" fmla="*/ 0 w 3722561"/>
+              <a:gd name="connsiteY21" fmla="*/ 599890 h 978250"/>
+              <a:gd name="connsiteX22" fmla="*/ 0 w 3722561"/>
+              <a:gd name="connsiteY22" fmla="*/ 419923 h 978250"/>
+              <a:gd name="connsiteX23" fmla="*/ 0 w 3722561"/>
+              <a:gd name="connsiteY23" fmla="*/ 419923 h 978250"/>
+              <a:gd name="connsiteX24" fmla="*/ 0 w 3722561"/>
+              <a:gd name="connsiteY24" fmla="*/ 0 h 978250"/>
+              <a:gd name="connsiteX0" fmla="*/ 0 w 3722561"/>
+              <a:gd name="connsiteY0" fmla="*/ 0 h 978250"/>
+              <a:gd name="connsiteX1" fmla="*/ 620427 w 3722561"/>
+              <a:gd name="connsiteY1" fmla="*/ 0 h 978250"/>
+              <a:gd name="connsiteX2" fmla="*/ 620427 w 3722561"/>
+              <a:gd name="connsiteY2" fmla="*/ 0 h 978250"/>
+              <a:gd name="connsiteX3" fmla="*/ 1551067 w 3722561"/>
+              <a:gd name="connsiteY3" fmla="*/ 0 h 978250"/>
+              <a:gd name="connsiteX4" fmla="*/ 3722561 w 3722561"/>
+              <a:gd name="connsiteY4" fmla="*/ 0 h 978250"/>
+              <a:gd name="connsiteX5" fmla="*/ 3722561 w 3722561"/>
+              <a:gd name="connsiteY5" fmla="*/ 419923 h 978250"/>
+              <a:gd name="connsiteX6" fmla="*/ 3722561 w 3722561"/>
+              <a:gd name="connsiteY6" fmla="*/ 419923 h 978250"/>
+              <a:gd name="connsiteX7" fmla="*/ 3722561 w 3722561"/>
+              <a:gd name="connsiteY7" fmla="*/ 599890 h 978250"/>
+              <a:gd name="connsiteX8" fmla="*/ 3722561 w 3722561"/>
+              <a:gd name="connsiteY8" fmla="*/ 719868 h 978250"/>
+              <a:gd name="connsiteX9" fmla="*/ 3361230 w 3722561"/>
+              <a:gd name="connsiteY9" fmla="*/ 699029 h 978250"/>
+              <a:gd name="connsiteX10" fmla="*/ 3342180 w 3722561"/>
+              <a:gd name="connsiteY10" fmla="*/ 978250 h 978250"/>
+              <a:gd name="connsiteX11" fmla="*/ 3180255 w 3722561"/>
+              <a:gd name="connsiteY11" fmla="*/ 718284 h 978250"/>
+              <a:gd name="connsiteX12" fmla="*/ 2656380 w 3722561"/>
+              <a:gd name="connsiteY12" fmla="*/ 708657 h 978250"/>
+              <a:gd name="connsiteX13" fmla="*/ 2180130 w 3722561"/>
+              <a:gd name="connsiteY13" fmla="*/ 699029 h 978250"/>
+              <a:gd name="connsiteX14" fmla="*/ 2142030 w 3722561"/>
+              <a:gd name="connsiteY14" fmla="*/ 958994 h 978250"/>
+              <a:gd name="connsiteX15" fmla="*/ 2018205 w 3722561"/>
+              <a:gd name="connsiteY15" fmla="*/ 708657 h 978250"/>
+              <a:gd name="connsiteX16" fmla="*/ 1589580 w 3722561"/>
+              <a:gd name="connsiteY16" fmla="*/ 708657 h 978250"/>
+              <a:gd name="connsiteX17" fmla="*/ 770017 w 3722561"/>
+              <a:gd name="connsiteY17" fmla="*/ 719558 h 978250"/>
+              <a:gd name="connsiteX18" fmla="*/ 626831 w 3722561"/>
+              <a:gd name="connsiteY18" fmla="*/ 950522 h 978250"/>
+              <a:gd name="connsiteX19" fmla="*/ 620427 w 3722561"/>
+              <a:gd name="connsiteY19" fmla="*/ 719868 h 978250"/>
+              <a:gd name="connsiteX20" fmla="*/ 0 w 3722561"/>
+              <a:gd name="connsiteY20" fmla="*/ 719868 h 978250"/>
+              <a:gd name="connsiteX21" fmla="*/ 0 w 3722561"/>
+              <a:gd name="connsiteY21" fmla="*/ 599890 h 978250"/>
+              <a:gd name="connsiteX22" fmla="*/ 0 w 3722561"/>
+              <a:gd name="connsiteY22" fmla="*/ 419923 h 978250"/>
+              <a:gd name="connsiteX23" fmla="*/ 0 w 3722561"/>
+              <a:gd name="connsiteY23" fmla="*/ 419923 h 978250"/>
+              <a:gd name="connsiteX24" fmla="*/ 0 w 3722561"/>
+              <a:gd name="connsiteY24" fmla="*/ 0 h 978250"/>
+              <a:gd name="connsiteX0" fmla="*/ 0 w 3722561"/>
+              <a:gd name="connsiteY0" fmla="*/ 0 h 978250"/>
+              <a:gd name="connsiteX1" fmla="*/ 620427 w 3722561"/>
+              <a:gd name="connsiteY1" fmla="*/ 0 h 978250"/>
+              <a:gd name="connsiteX2" fmla="*/ 620427 w 3722561"/>
+              <a:gd name="connsiteY2" fmla="*/ 0 h 978250"/>
+              <a:gd name="connsiteX3" fmla="*/ 1551067 w 3722561"/>
+              <a:gd name="connsiteY3" fmla="*/ 0 h 978250"/>
+              <a:gd name="connsiteX4" fmla="*/ 3722561 w 3722561"/>
+              <a:gd name="connsiteY4" fmla="*/ 0 h 978250"/>
+              <a:gd name="connsiteX5" fmla="*/ 3722561 w 3722561"/>
+              <a:gd name="connsiteY5" fmla="*/ 419923 h 978250"/>
+              <a:gd name="connsiteX6" fmla="*/ 3722561 w 3722561"/>
+              <a:gd name="connsiteY6" fmla="*/ 419923 h 978250"/>
+              <a:gd name="connsiteX7" fmla="*/ 3722561 w 3722561"/>
+              <a:gd name="connsiteY7" fmla="*/ 599890 h 978250"/>
+              <a:gd name="connsiteX8" fmla="*/ 3722561 w 3722561"/>
+              <a:gd name="connsiteY8" fmla="*/ 719868 h 978250"/>
+              <a:gd name="connsiteX9" fmla="*/ 3361230 w 3722561"/>
+              <a:gd name="connsiteY9" fmla="*/ 718285 h 978250"/>
+              <a:gd name="connsiteX10" fmla="*/ 3342180 w 3722561"/>
+              <a:gd name="connsiteY10" fmla="*/ 978250 h 978250"/>
+              <a:gd name="connsiteX11" fmla="*/ 3180255 w 3722561"/>
+              <a:gd name="connsiteY11" fmla="*/ 718284 h 978250"/>
+              <a:gd name="connsiteX12" fmla="*/ 2656380 w 3722561"/>
+              <a:gd name="connsiteY12" fmla="*/ 708657 h 978250"/>
+              <a:gd name="connsiteX13" fmla="*/ 2180130 w 3722561"/>
+              <a:gd name="connsiteY13" fmla="*/ 699029 h 978250"/>
+              <a:gd name="connsiteX14" fmla="*/ 2142030 w 3722561"/>
+              <a:gd name="connsiteY14" fmla="*/ 958994 h 978250"/>
+              <a:gd name="connsiteX15" fmla="*/ 2018205 w 3722561"/>
+              <a:gd name="connsiteY15" fmla="*/ 708657 h 978250"/>
+              <a:gd name="connsiteX16" fmla="*/ 1589580 w 3722561"/>
+              <a:gd name="connsiteY16" fmla="*/ 708657 h 978250"/>
+              <a:gd name="connsiteX17" fmla="*/ 770017 w 3722561"/>
+              <a:gd name="connsiteY17" fmla="*/ 719558 h 978250"/>
+              <a:gd name="connsiteX18" fmla="*/ 626831 w 3722561"/>
+              <a:gd name="connsiteY18" fmla="*/ 950522 h 978250"/>
+              <a:gd name="connsiteX19" fmla="*/ 620427 w 3722561"/>
+              <a:gd name="connsiteY19" fmla="*/ 719868 h 978250"/>
+              <a:gd name="connsiteX20" fmla="*/ 0 w 3722561"/>
+              <a:gd name="connsiteY20" fmla="*/ 719868 h 978250"/>
+              <a:gd name="connsiteX21" fmla="*/ 0 w 3722561"/>
+              <a:gd name="connsiteY21" fmla="*/ 599890 h 978250"/>
+              <a:gd name="connsiteX22" fmla="*/ 0 w 3722561"/>
+              <a:gd name="connsiteY22" fmla="*/ 419923 h 978250"/>
+              <a:gd name="connsiteX23" fmla="*/ 0 w 3722561"/>
+              <a:gd name="connsiteY23" fmla="*/ 419923 h 978250"/>
+              <a:gd name="connsiteX24" fmla="*/ 0 w 3722561"/>
+              <a:gd name="connsiteY24" fmla="*/ 0 h 978250"/>
+              <a:gd name="connsiteX0" fmla="*/ 0 w 3722561"/>
+              <a:gd name="connsiteY0" fmla="*/ 0 h 978250"/>
+              <a:gd name="connsiteX1" fmla="*/ 620427 w 3722561"/>
+              <a:gd name="connsiteY1" fmla="*/ 0 h 978250"/>
+              <a:gd name="connsiteX2" fmla="*/ 620427 w 3722561"/>
+              <a:gd name="connsiteY2" fmla="*/ 0 h 978250"/>
+              <a:gd name="connsiteX3" fmla="*/ 1551067 w 3722561"/>
+              <a:gd name="connsiteY3" fmla="*/ 0 h 978250"/>
+              <a:gd name="connsiteX4" fmla="*/ 3722561 w 3722561"/>
+              <a:gd name="connsiteY4" fmla="*/ 0 h 978250"/>
+              <a:gd name="connsiteX5" fmla="*/ 3722561 w 3722561"/>
+              <a:gd name="connsiteY5" fmla="*/ 419923 h 978250"/>
+              <a:gd name="connsiteX6" fmla="*/ 3722561 w 3722561"/>
+              <a:gd name="connsiteY6" fmla="*/ 419923 h 978250"/>
+              <a:gd name="connsiteX7" fmla="*/ 3722561 w 3722561"/>
+              <a:gd name="connsiteY7" fmla="*/ 599890 h 978250"/>
+              <a:gd name="connsiteX8" fmla="*/ 3722561 w 3722561"/>
+              <a:gd name="connsiteY8" fmla="*/ 719868 h 978250"/>
+              <a:gd name="connsiteX9" fmla="*/ 3361230 w 3722561"/>
+              <a:gd name="connsiteY9" fmla="*/ 718285 h 978250"/>
+              <a:gd name="connsiteX10" fmla="*/ 3342180 w 3722561"/>
+              <a:gd name="connsiteY10" fmla="*/ 978250 h 978250"/>
+              <a:gd name="connsiteX11" fmla="*/ 3180255 w 3722561"/>
+              <a:gd name="connsiteY11" fmla="*/ 718284 h 978250"/>
+              <a:gd name="connsiteX12" fmla="*/ 2656380 w 3722561"/>
+              <a:gd name="connsiteY12" fmla="*/ 708657 h 978250"/>
+              <a:gd name="connsiteX13" fmla="*/ 2180130 w 3722561"/>
+              <a:gd name="connsiteY13" fmla="*/ 708657 h 978250"/>
+              <a:gd name="connsiteX14" fmla="*/ 2142030 w 3722561"/>
+              <a:gd name="connsiteY14" fmla="*/ 958994 h 978250"/>
+              <a:gd name="connsiteX15" fmla="*/ 2018205 w 3722561"/>
+              <a:gd name="connsiteY15" fmla="*/ 708657 h 978250"/>
+              <a:gd name="connsiteX16" fmla="*/ 1589580 w 3722561"/>
+              <a:gd name="connsiteY16" fmla="*/ 708657 h 978250"/>
+              <a:gd name="connsiteX17" fmla="*/ 770017 w 3722561"/>
+              <a:gd name="connsiteY17" fmla="*/ 719558 h 978250"/>
+              <a:gd name="connsiteX18" fmla="*/ 626831 w 3722561"/>
+              <a:gd name="connsiteY18" fmla="*/ 950522 h 978250"/>
+              <a:gd name="connsiteX19" fmla="*/ 620427 w 3722561"/>
+              <a:gd name="connsiteY19" fmla="*/ 719868 h 978250"/>
+              <a:gd name="connsiteX20" fmla="*/ 0 w 3722561"/>
+              <a:gd name="connsiteY20" fmla="*/ 719868 h 978250"/>
+              <a:gd name="connsiteX21" fmla="*/ 0 w 3722561"/>
+              <a:gd name="connsiteY21" fmla="*/ 599890 h 978250"/>
+              <a:gd name="connsiteX22" fmla="*/ 0 w 3722561"/>
+              <a:gd name="connsiteY22" fmla="*/ 419923 h 978250"/>
+              <a:gd name="connsiteX23" fmla="*/ 0 w 3722561"/>
+              <a:gd name="connsiteY23" fmla="*/ 419923 h 978250"/>
+              <a:gd name="connsiteX24" fmla="*/ 0 w 3722561"/>
+              <a:gd name="connsiteY24" fmla="*/ 0 h 978250"/>
+              <a:gd name="connsiteX0" fmla="*/ 0 w 3722561"/>
+              <a:gd name="connsiteY0" fmla="*/ 0 h 978250"/>
+              <a:gd name="connsiteX1" fmla="*/ 620427 w 3722561"/>
+              <a:gd name="connsiteY1" fmla="*/ 0 h 978250"/>
+              <a:gd name="connsiteX2" fmla="*/ 620427 w 3722561"/>
+              <a:gd name="connsiteY2" fmla="*/ 0 h 978250"/>
+              <a:gd name="connsiteX3" fmla="*/ 1551067 w 3722561"/>
+              <a:gd name="connsiteY3" fmla="*/ 0 h 978250"/>
+              <a:gd name="connsiteX4" fmla="*/ 3722561 w 3722561"/>
+              <a:gd name="connsiteY4" fmla="*/ 0 h 978250"/>
+              <a:gd name="connsiteX5" fmla="*/ 3722561 w 3722561"/>
+              <a:gd name="connsiteY5" fmla="*/ 419923 h 978250"/>
+              <a:gd name="connsiteX6" fmla="*/ 3722561 w 3722561"/>
+              <a:gd name="connsiteY6" fmla="*/ 419923 h 978250"/>
+              <a:gd name="connsiteX7" fmla="*/ 3722561 w 3722561"/>
+              <a:gd name="connsiteY7" fmla="*/ 599890 h 978250"/>
+              <a:gd name="connsiteX8" fmla="*/ 3722561 w 3722561"/>
+              <a:gd name="connsiteY8" fmla="*/ 719868 h 978250"/>
+              <a:gd name="connsiteX9" fmla="*/ 3361230 w 3722561"/>
+              <a:gd name="connsiteY9" fmla="*/ 718285 h 978250"/>
+              <a:gd name="connsiteX10" fmla="*/ 3342180 w 3722561"/>
+              <a:gd name="connsiteY10" fmla="*/ 978250 h 978250"/>
+              <a:gd name="connsiteX11" fmla="*/ 3180255 w 3722561"/>
+              <a:gd name="connsiteY11" fmla="*/ 718284 h 978250"/>
+              <a:gd name="connsiteX12" fmla="*/ 2656380 w 3722561"/>
+              <a:gd name="connsiteY12" fmla="*/ 708657 h 978250"/>
+              <a:gd name="connsiteX13" fmla="*/ 2180130 w 3722561"/>
+              <a:gd name="connsiteY13" fmla="*/ 708657 h 978250"/>
+              <a:gd name="connsiteX14" fmla="*/ 2142030 w 3722561"/>
+              <a:gd name="connsiteY14" fmla="*/ 958994 h 978250"/>
+              <a:gd name="connsiteX15" fmla="*/ 2018205 w 3722561"/>
+              <a:gd name="connsiteY15" fmla="*/ 708657 h 978250"/>
+              <a:gd name="connsiteX16" fmla="*/ 1589580 w 3722561"/>
+              <a:gd name="connsiteY16" fmla="*/ 708657 h 978250"/>
+              <a:gd name="connsiteX17" fmla="*/ 770017 w 3722561"/>
+              <a:gd name="connsiteY17" fmla="*/ 719558 h 978250"/>
+              <a:gd name="connsiteX18" fmla="*/ 626831 w 3722561"/>
+              <a:gd name="connsiteY18" fmla="*/ 950522 h 978250"/>
+              <a:gd name="connsiteX19" fmla="*/ 620427 w 3722561"/>
+              <a:gd name="connsiteY19" fmla="*/ 719868 h 978250"/>
+              <a:gd name="connsiteX20" fmla="*/ 0 w 3722561"/>
+              <a:gd name="connsiteY20" fmla="*/ 719868 h 978250"/>
+              <a:gd name="connsiteX21" fmla="*/ 0 w 3722561"/>
+              <a:gd name="connsiteY21" fmla="*/ 599890 h 978250"/>
+              <a:gd name="connsiteX22" fmla="*/ 0 w 3722561"/>
+              <a:gd name="connsiteY22" fmla="*/ 419923 h 978250"/>
+              <a:gd name="connsiteX23" fmla="*/ 0 w 3722561"/>
+              <a:gd name="connsiteY23" fmla="*/ 419923 h 978250"/>
+              <a:gd name="connsiteX24" fmla="*/ 0 w 3722561"/>
+              <a:gd name="connsiteY24" fmla="*/ 0 h 978250"/>
+              <a:gd name="connsiteX0" fmla="*/ 0 w 3722561"/>
+              <a:gd name="connsiteY0" fmla="*/ 0 h 978250"/>
+              <a:gd name="connsiteX1" fmla="*/ 620427 w 3722561"/>
+              <a:gd name="connsiteY1" fmla="*/ 0 h 978250"/>
+              <a:gd name="connsiteX2" fmla="*/ 620427 w 3722561"/>
+              <a:gd name="connsiteY2" fmla="*/ 0 h 978250"/>
+              <a:gd name="connsiteX3" fmla="*/ 1551067 w 3722561"/>
+              <a:gd name="connsiteY3" fmla="*/ 0 h 978250"/>
+              <a:gd name="connsiteX4" fmla="*/ 3722561 w 3722561"/>
+              <a:gd name="connsiteY4" fmla="*/ 0 h 978250"/>
+              <a:gd name="connsiteX5" fmla="*/ 3722561 w 3722561"/>
+              <a:gd name="connsiteY5" fmla="*/ 419923 h 978250"/>
+              <a:gd name="connsiteX6" fmla="*/ 3722561 w 3722561"/>
+              <a:gd name="connsiteY6" fmla="*/ 419923 h 978250"/>
+              <a:gd name="connsiteX7" fmla="*/ 3722561 w 3722561"/>
+              <a:gd name="connsiteY7" fmla="*/ 599890 h 978250"/>
+              <a:gd name="connsiteX8" fmla="*/ 3722561 w 3722561"/>
+              <a:gd name="connsiteY8" fmla="*/ 719868 h 978250"/>
+              <a:gd name="connsiteX9" fmla="*/ 3361230 w 3722561"/>
+              <a:gd name="connsiteY9" fmla="*/ 727914 h 978250"/>
+              <a:gd name="connsiteX10" fmla="*/ 3342180 w 3722561"/>
+              <a:gd name="connsiteY10" fmla="*/ 978250 h 978250"/>
+              <a:gd name="connsiteX11" fmla="*/ 3180255 w 3722561"/>
+              <a:gd name="connsiteY11" fmla="*/ 718284 h 978250"/>
+              <a:gd name="connsiteX12" fmla="*/ 2656380 w 3722561"/>
+              <a:gd name="connsiteY12" fmla="*/ 708657 h 978250"/>
+              <a:gd name="connsiteX13" fmla="*/ 2180130 w 3722561"/>
+              <a:gd name="connsiteY13" fmla="*/ 708657 h 978250"/>
+              <a:gd name="connsiteX14" fmla="*/ 2142030 w 3722561"/>
+              <a:gd name="connsiteY14" fmla="*/ 958994 h 978250"/>
+              <a:gd name="connsiteX15" fmla="*/ 2018205 w 3722561"/>
+              <a:gd name="connsiteY15" fmla="*/ 708657 h 978250"/>
+              <a:gd name="connsiteX16" fmla="*/ 1589580 w 3722561"/>
+              <a:gd name="connsiteY16" fmla="*/ 708657 h 978250"/>
+              <a:gd name="connsiteX17" fmla="*/ 770017 w 3722561"/>
+              <a:gd name="connsiteY17" fmla="*/ 719558 h 978250"/>
+              <a:gd name="connsiteX18" fmla="*/ 626831 w 3722561"/>
+              <a:gd name="connsiteY18" fmla="*/ 950522 h 978250"/>
+              <a:gd name="connsiteX19" fmla="*/ 620427 w 3722561"/>
+              <a:gd name="connsiteY19" fmla="*/ 719868 h 978250"/>
+              <a:gd name="connsiteX20" fmla="*/ 0 w 3722561"/>
+              <a:gd name="connsiteY20" fmla="*/ 719868 h 978250"/>
+              <a:gd name="connsiteX21" fmla="*/ 0 w 3722561"/>
+              <a:gd name="connsiteY21" fmla="*/ 599890 h 978250"/>
+              <a:gd name="connsiteX22" fmla="*/ 0 w 3722561"/>
+              <a:gd name="connsiteY22" fmla="*/ 419923 h 978250"/>
+              <a:gd name="connsiteX23" fmla="*/ 0 w 3722561"/>
+              <a:gd name="connsiteY23" fmla="*/ 419923 h 978250"/>
+              <a:gd name="connsiteX24" fmla="*/ 0 w 3722561"/>
+              <a:gd name="connsiteY24" fmla="*/ 0 h 978250"/>
+              <a:gd name="connsiteX0" fmla="*/ 0 w 3722561"/>
+              <a:gd name="connsiteY0" fmla="*/ 0 h 978250"/>
+              <a:gd name="connsiteX1" fmla="*/ 620427 w 3722561"/>
+              <a:gd name="connsiteY1" fmla="*/ 0 h 978250"/>
+              <a:gd name="connsiteX2" fmla="*/ 620427 w 3722561"/>
+              <a:gd name="connsiteY2" fmla="*/ 0 h 978250"/>
+              <a:gd name="connsiteX3" fmla="*/ 1551067 w 3722561"/>
+              <a:gd name="connsiteY3" fmla="*/ 0 h 978250"/>
+              <a:gd name="connsiteX4" fmla="*/ 3722561 w 3722561"/>
+              <a:gd name="connsiteY4" fmla="*/ 0 h 978250"/>
+              <a:gd name="connsiteX5" fmla="*/ 3722561 w 3722561"/>
+              <a:gd name="connsiteY5" fmla="*/ 419923 h 978250"/>
+              <a:gd name="connsiteX6" fmla="*/ 3722561 w 3722561"/>
+              <a:gd name="connsiteY6" fmla="*/ 419923 h 978250"/>
+              <a:gd name="connsiteX7" fmla="*/ 3722561 w 3722561"/>
+              <a:gd name="connsiteY7" fmla="*/ 599890 h 978250"/>
+              <a:gd name="connsiteX8" fmla="*/ 3722561 w 3722561"/>
+              <a:gd name="connsiteY8" fmla="*/ 719868 h 978250"/>
+              <a:gd name="connsiteX9" fmla="*/ 3361230 w 3722561"/>
+              <a:gd name="connsiteY9" fmla="*/ 727914 h 978250"/>
+              <a:gd name="connsiteX10" fmla="*/ 3342180 w 3722561"/>
+              <a:gd name="connsiteY10" fmla="*/ 978250 h 978250"/>
+              <a:gd name="connsiteX11" fmla="*/ 3180255 w 3722561"/>
+              <a:gd name="connsiteY11" fmla="*/ 727913 h 978250"/>
+              <a:gd name="connsiteX12" fmla="*/ 2656380 w 3722561"/>
+              <a:gd name="connsiteY12" fmla="*/ 708657 h 978250"/>
+              <a:gd name="connsiteX13" fmla="*/ 2180130 w 3722561"/>
+              <a:gd name="connsiteY13" fmla="*/ 708657 h 978250"/>
+              <a:gd name="connsiteX14" fmla="*/ 2142030 w 3722561"/>
+              <a:gd name="connsiteY14" fmla="*/ 958994 h 978250"/>
+              <a:gd name="connsiteX15" fmla="*/ 2018205 w 3722561"/>
+              <a:gd name="connsiteY15" fmla="*/ 708657 h 978250"/>
+              <a:gd name="connsiteX16" fmla="*/ 1589580 w 3722561"/>
+              <a:gd name="connsiteY16" fmla="*/ 708657 h 978250"/>
+              <a:gd name="connsiteX17" fmla="*/ 770017 w 3722561"/>
+              <a:gd name="connsiteY17" fmla="*/ 719558 h 978250"/>
+              <a:gd name="connsiteX18" fmla="*/ 626831 w 3722561"/>
+              <a:gd name="connsiteY18" fmla="*/ 950522 h 978250"/>
+              <a:gd name="connsiteX19" fmla="*/ 620427 w 3722561"/>
+              <a:gd name="connsiteY19" fmla="*/ 719868 h 978250"/>
+              <a:gd name="connsiteX20" fmla="*/ 0 w 3722561"/>
+              <a:gd name="connsiteY20" fmla="*/ 719868 h 978250"/>
+              <a:gd name="connsiteX21" fmla="*/ 0 w 3722561"/>
+              <a:gd name="connsiteY21" fmla="*/ 599890 h 978250"/>
+              <a:gd name="connsiteX22" fmla="*/ 0 w 3722561"/>
+              <a:gd name="connsiteY22" fmla="*/ 419923 h 978250"/>
+              <a:gd name="connsiteX23" fmla="*/ 0 w 3722561"/>
+              <a:gd name="connsiteY23" fmla="*/ 419923 h 978250"/>
+              <a:gd name="connsiteX24" fmla="*/ 0 w 3722561"/>
+              <a:gd name="connsiteY24" fmla="*/ 0 h 978250"/>
+              <a:gd name="connsiteX0" fmla="*/ 0 w 3722561"/>
+              <a:gd name="connsiteY0" fmla="*/ 0 h 978250"/>
+              <a:gd name="connsiteX1" fmla="*/ 620427 w 3722561"/>
+              <a:gd name="connsiteY1" fmla="*/ 0 h 978250"/>
+              <a:gd name="connsiteX2" fmla="*/ 620427 w 3722561"/>
+              <a:gd name="connsiteY2" fmla="*/ 0 h 978250"/>
+              <a:gd name="connsiteX3" fmla="*/ 1551067 w 3722561"/>
+              <a:gd name="connsiteY3" fmla="*/ 0 h 978250"/>
+              <a:gd name="connsiteX4" fmla="*/ 3722561 w 3722561"/>
+              <a:gd name="connsiteY4" fmla="*/ 0 h 978250"/>
+              <a:gd name="connsiteX5" fmla="*/ 3722561 w 3722561"/>
+              <a:gd name="connsiteY5" fmla="*/ 419923 h 978250"/>
+              <a:gd name="connsiteX6" fmla="*/ 3722561 w 3722561"/>
+              <a:gd name="connsiteY6" fmla="*/ 419923 h 978250"/>
+              <a:gd name="connsiteX7" fmla="*/ 3722561 w 3722561"/>
+              <a:gd name="connsiteY7" fmla="*/ 599890 h 978250"/>
+              <a:gd name="connsiteX8" fmla="*/ 3722561 w 3722561"/>
+              <a:gd name="connsiteY8" fmla="*/ 719868 h 978250"/>
+              <a:gd name="connsiteX9" fmla="*/ 3361230 w 3722561"/>
+              <a:gd name="connsiteY9" fmla="*/ 727914 h 978250"/>
+              <a:gd name="connsiteX10" fmla="*/ 3342180 w 3722561"/>
+              <a:gd name="connsiteY10" fmla="*/ 978250 h 978250"/>
+              <a:gd name="connsiteX11" fmla="*/ 3180255 w 3722561"/>
+              <a:gd name="connsiteY11" fmla="*/ 727913 h 978250"/>
+              <a:gd name="connsiteX12" fmla="*/ 2665905 w 3722561"/>
+              <a:gd name="connsiteY12" fmla="*/ 737542 h 978250"/>
+              <a:gd name="connsiteX13" fmla="*/ 2180130 w 3722561"/>
+              <a:gd name="connsiteY13" fmla="*/ 708657 h 978250"/>
+              <a:gd name="connsiteX14" fmla="*/ 2142030 w 3722561"/>
+              <a:gd name="connsiteY14" fmla="*/ 958994 h 978250"/>
+              <a:gd name="connsiteX15" fmla="*/ 2018205 w 3722561"/>
+              <a:gd name="connsiteY15" fmla="*/ 708657 h 978250"/>
+              <a:gd name="connsiteX16" fmla="*/ 1589580 w 3722561"/>
+              <a:gd name="connsiteY16" fmla="*/ 708657 h 978250"/>
+              <a:gd name="connsiteX17" fmla="*/ 770017 w 3722561"/>
+              <a:gd name="connsiteY17" fmla="*/ 719558 h 978250"/>
+              <a:gd name="connsiteX18" fmla="*/ 626831 w 3722561"/>
+              <a:gd name="connsiteY18" fmla="*/ 950522 h 978250"/>
+              <a:gd name="connsiteX19" fmla="*/ 620427 w 3722561"/>
+              <a:gd name="connsiteY19" fmla="*/ 719868 h 978250"/>
+              <a:gd name="connsiteX20" fmla="*/ 0 w 3722561"/>
+              <a:gd name="connsiteY20" fmla="*/ 719868 h 978250"/>
+              <a:gd name="connsiteX21" fmla="*/ 0 w 3722561"/>
+              <a:gd name="connsiteY21" fmla="*/ 599890 h 978250"/>
+              <a:gd name="connsiteX22" fmla="*/ 0 w 3722561"/>
+              <a:gd name="connsiteY22" fmla="*/ 419923 h 978250"/>
+              <a:gd name="connsiteX23" fmla="*/ 0 w 3722561"/>
+              <a:gd name="connsiteY23" fmla="*/ 419923 h 978250"/>
+              <a:gd name="connsiteX24" fmla="*/ 0 w 3722561"/>
+              <a:gd name="connsiteY24" fmla="*/ 0 h 978250"/>
+              <a:gd name="connsiteX0" fmla="*/ 0 w 3722561"/>
+              <a:gd name="connsiteY0" fmla="*/ 0 h 978250"/>
+              <a:gd name="connsiteX1" fmla="*/ 620427 w 3722561"/>
+              <a:gd name="connsiteY1" fmla="*/ 0 h 978250"/>
+              <a:gd name="connsiteX2" fmla="*/ 620427 w 3722561"/>
+              <a:gd name="connsiteY2" fmla="*/ 0 h 978250"/>
+              <a:gd name="connsiteX3" fmla="*/ 1551067 w 3722561"/>
+              <a:gd name="connsiteY3" fmla="*/ 0 h 978250"/>
+              <a:gd name="connsiteX4" fmla="*/ 3722561 w 3722561"/>
+              <a:gd name="connsiteY4" fmla="*/ 0 h 978250"/>
+              <a:gd name="connsiteX5" fmla="*/ 3722561 w 3722561"/>
+              <a:gd name="connsiteY5" fmla="*/ 419923 h 978250"/>
+              <a:gd name="connsiteX6" fmla="*/ 3722561 w 3722561"/>
+              <a:gd name="connsiteY6" fmla="*/ 419923 h 978250"/>
+              <a:gd name="connsiteX7" fmla="*/ 3722561 w 3722561"/>
+              <a:gd name="connsiteY7" fmla="*/ 599890 h 978250"/>
+              <a:gd name="connsiteX8" fmla="*/ 3722561 w 3722561"/>
+              <a:gd name="connsiteY8" fmla="*/ 719868 h 978250"/>
+              <a:gd name="connsiteX9" fmla="*/ 3361230 w 3722561"/>
+              <a:gd name="connsiteY9" fmla="*/ 727914 h 978250"/>
+              <a:gd name="connsiteX10" fmla="*/ 3342180 w 3722561"/>
+              <a:gd name="connsiteY10" fmla="*/ 978250 h 978250"/>
+              <a:gd name="connsiteX11" fmla="*/ 3180255 w 3722561"/>
+              <a:gd name="connsiteY11" fmla="*/ 727913 h 978250"/>
+              <a:gd name="connsiteX12" fmla="*/ 2665905 w 3722561"/>
+              <a:gd name="connsiteY12" fmla="*/ 718285 h 978250"/>
+              <a:gd name="connsiteX13" fmla="*/ 2180130 w 3722561"/>
+              <a:gd name="connsiteY13" fmla="*/ 708657 h 978250"/>
+              <a:gd name="connsiteX14" fmla="*/ 2142030 w 3722561"/>
+              <a:gd name="connsiteY14" fmla="*/ 958994 h 978250"/>
+              <a:gd name="connsiteX15" fmla="*/ 2018205 w 3722561"/>
+              <a:gd name="connsiteY15" fmla="*/ 708657 h 978250"/>
+              <a:gd name="connsiteX16" fmla="*/ 1589580 w 3722561"/>
+              <a:gd name="connsiteY16" fmla="*/ 708657 h 978250"/>
+              <a:gd name="connsiteX17" fmla="*/ 770017 w 3722561"/>
+              <a:gd name="connsiteY17" fmla="*/ 719558 h 978250"/>
+              <a:gd name="connsiteX18" fmla="*/ 626831 w 3722561"/>
+              <a:gd name="connsiteY18" fmla="*/ 950522 h 978250"/>
+              <a:gd name="connsiteX19" fmla="*/ 620427 w 3722561"/>
+              <a:gd name="connsiteY19" fmla="*/ 719868 h 978250"/>
+              <a:gd name="connsiteX20" fmla="*/ 0 w 3722561"/>
+              <a:gd name="connsiteY20" fmla="*/ 719868 h 978250"/>
+              <a:gd name="connsiteX21" fmla="*/ 0 w 3722561"/>
+              <a:gd name="connsiteY21" fmla="*/ 599890 h 978250"/>
+              <a:gd name="connsiteX22" fmla="*/ 0 w 3722561"/>
+              <a:gd name="connsiteY22" fmla="*/ 419923 h 978250"/>
+              <a:gd name="connsiteX23" fmla="*/ 0 w 3722561"/>
+              <a:gd name="connsiteY23" fmla="*/ 419923 h 978250"/>
+              <a:gd name="connsiteX24" fmla="*/ 0 w 3722561"/>
+              <a:gd name="connsiteY24" fmla="*/ 0 h 978250"/>
+              <a:gd name="connsiteX0" fmla="*/ 0 w 3722561"/>
+              <a:gd name="connsiteY0" fmla="*/ 0 h 978250"/>
+              <a:gd name="connsiteX1" fmla="*/ 620427 w 3722561"/>
+              <a:gd name="connsiteY1" fmla="*/ 0 h 978250"/>
+              <a:gd name="connsiteX2" fmla="*/ 620427 w 3722561"/>
+              <a:gd name="connsiteY2" fmla="*/ 0 h 978250"/>
+              <a:gd name="connsiteX3" fmla="*/ 1551067 w 3722561"/>
+              <a:gd name="connsiteY3" fmla="*/ 0 h 978250"/>
+              <a:gd name="connsiteX4" fmla="*/ 3722561 w 3722561"/>
+              <a:gd name="connsiteY4" fmla="*/ 0 h 978250"/>
+              <a:gd name="connsiteX5" fmla="*/ 3722561 w 3722561"/>
+              <a:gd name="connsiteY5" fmla="*/ 419923 h 978250"/>
+              <a:gd name="connsiteX6" fmla="*/ 3722561 w 3722561"/>
+              <a:gd name="connsiteY6" fmla="*/ 419923 h 978250"/>
+              <a:gd name="connsiteX7" fmla="*/ 3722561 w 3722561"/>
+              <a:gd name="connsiteY7" fmla="*/ 599890 h 978250"/>
+              <a:gd name="connsiteX8" fmla="*/ 3722561 w 3722561"/>
+              <a:gd name="connsiteY8" fmla="*/ 719868 h 978250"/>
+              <a:gd name="connsiteX9" fmla="*/ 3361230 w 3722561"/>
+              <a:gd name="connsiteY9" fmla="*/ 727914 h 978250"/>
+              <a:gd name="connsiteX10" fmla="*/ 3342180 w 3722561"/>
+              <a:gd name="connsiteY10" fmla="*/ 978250 h 978250"/>
+              <a:gd name="connsiteX11" fmla="*/ 3180255 w 3722561"/>
+              <a:gd name="connsiteY11" fmla="*/ 727913 h 978250"/>
+              <a:gd name="connsiteX12" fmla="*/ 2665905 w 3722561"/>
+              <a:gd name="connsiteY12" fmla="*/ 727914 h 978250"/>
+              <a:gd name="connsiteX13" fmla="*/ 2180130 w 3722561"/>
+              <a:gd name="connsiteY13" fmla="*/ 708657 h 978250"/>
+              <a:gd name="connsiteX14" fmla="*/ 2142030 w 3722561"/>
+              <a:gd name="connsiteY14" fmla="*/ 958994 h 978250"/>
+              <a:gd name="connsiteX15" fmla="*/ 2018205 w 3722561"/>
+              <a:gd name="connsiteY15" fmla="*/ 708657 h 978250"/>
+              <a:gd name="connsiteX16" fmla="*/ 1589580 w 3722561"/>
+              <a:gd name="connsiteY16" fmla="*/ 708657 h 978250"/>
+              <a:gd name="connsiteX17" fmla="*/ 770017 w 3722561"/>
+              <a:gd name="connsiteY17" fmla="*/ 719558 h 978250"/>
+              <a:gd name="connsiteX18" fmla="*/ 626831 w 3722561"/>
+              <a:gd name="connsiteY18" fmla="*/ 950522 h 978250"/>
+              <a:gd name="connsiteX19" fmla="*/ 620427 w 3722561"/>
+              <a:gd name="connsiteY19" fmla="*/ 719868 h 978250"/>
+              <a:gd name="connsiteX20" fmla="*/ 0 w 3722561"/>
+              <a:gd name="connsiteY20" fmla="*/ 719868 h 978250"/>
+              <a:gd name="connsiteX21" fmla="*/ 0 w 3722561"/>
+              <a:gd name="connsiteY21" fmla="*/ 599890 h 978250"/>
+              <a:gd name="connsiteX22" fmla="*/ 0 w 3722561"/>
+              <a:gd name="connsiteY22" fmla="*/ 419923 h 978250"/>
+              <a:gd name="connsiteX23" fmla="*/ 0 w 3722561"/>
+              <a:gd name="connsiteY23" fmla="*/ 419923 h 978250"/>
+              <a:gd name="connsiteX24" fmla="*/ 0 w 3722561"/>
+              <a:gd name="connsiteY24" fmla="*/ 0 h 978250"/>
+              <a:gd name="connsiteX0" fmla="*/ 0 w 3722561"/>
+              <a:gd name="connsiteY0" fmla="*/ 0 h 978250"/>
+              <a:gd name="connsiteX1" fmla="*/ 620427 w 3722561"/>
+              <a:gd name="connsiteY1" fmla="*/ 0 h 978250"/>
+              <a:gd name="connsiteX2" fmla="*/ 620427 w 3722561"/>
+              <a:gd name="connsiteY2" fmla="*/ 0 h 978250"/>
+              <a:gd name="connsiteX3" fmla="*/ 1551067 w 3722561"/>
+              <a:gd name="connsiteY3" fmla="*/ 0 h 978250"/>
+              <a:gd name="connsiteX4" fmla="*/ 3722561 w 3722561"/>
+              <a:gd name="connsiteY4" fmla="*/ 0 h 978250"/>
+              <a:gd name="connsiteX5" fmla="*/ 3722561 w 3722561"/>
+              <a:gd name="connsiteY5" fmla="*/ 419923 h 978250"/>
+              <a:gd name="connsiteX6" fmla="*/ 3722561 w 3722561"/>
+              <a:gd name="connsiteY6" fmla="*/ 419923 h 978250"/>
+              <a:gd name="connsiteX7" fmla="*/ 3722561 w 3722561"/>
+              <a:gd name="connsiteY7" fmla="*/ 599890 h 978250"/>
+              <a:gd name="connsiteX8" fmla="*/ 3722561 w 3722561"/>
+              <a:gd name="connsiteY8" fmla="*/ 719868 h 978250"/>
+              <a:gd name="connsiteX9" fmla="*/ 3361230 w 3722561"/>
+              <a:gd name="connsiteY9" fmla="*/ 727914 h 978250"/>
+              <a:gd name="connsiteX10" fmla="*/ 3342180 w 3722561"/>
+              <a:gd name="connsiteY10" fmla="*/ 978250 h 978250"/>
+              <a:gd name="connsiteX11" fmla="*/ 3180255 w 3722561"/>
+              <a:gd name="connsiteY11" fmla="*/ 727913 h 978250"/>
+              <a:gd name="connsiteX12" fmla="*/ 2656380 w 3722561"/>
+              <a:gd name="connsiteY12" fmla="*/ 718285 h 978250"/>
+              <a:gd name="connsiteX13" fmla="*/ 2180130 w 3722561"/>
+              <a:gd name="connsiteY13" fmla="*/ 708657 h 978250"/>
+              <a:gd name="connsiteX14" fmla="*/ 2142030 w 3722561"/>
+              <a:gd name="connsiteY14" fmla="*/ 958994 h 978250"/>
+              <a:gd name="connsiteX15" fmla="*/ 2018205 w 3722561"/>
+              <a:gd name="connsiteY15" fmla="*/ 708657 h 978250"/>
+              <a:gd name="connsiteX16" fmla="*/ 1589580 w 3722561"/>
+              <a:gd name="connsiteY16" fmla="*/ 708657 h 978250"/>
+              <a:gd name="connsiteX17" fmla="*/ 770017 w 3722561"/>
+              <a:gd name="connsiteY17" fmla="*/ 719558 h 978250"/>
+              <a:gd name="connsiteX18" fmla="*/ 626831 w 3722561"/>
+              <a:gd name="connsiteY18" fmla="*/ 950522 h 978250"/>
+              <a:gd name="connsiteX19" fmla="*/ 620427 w 3722561"/>
+              <a:gd name="connsiteY19" fmla="*/ 719868 h 978250"/>
+              <a:gd name="connsiteX20" fmla="*/ 0 w 3722561"/>
+              <a:gd name="connsiteY20" fmla="*/ 719868 h 978250"/>
+              <a:gd name="connsiteX21" fmla="*/ 0 w 3722561"/>
+              <a:gd name="connsiteY21" fmla="*/ 599890 h 978250"/>
+              <a:gd name="connsiteX22" fmla="*/ 0 w 3722561"/>
+              <a:gd name="connsiteY22" fmla="*/ 419923 h 978250"/>
+              <a:gd name="connsiteX23" fmla="*/ 0 w 3722561"/>
+              <a:gd name="connsiteY23" fmla="*/ 419923 h 978250"/>
+              <a:gd name="connsiteX24" fmla="*/ 0 w 3722561"/>
+              <a:gd name="connsiteY24" fmla="*/ 0 h 978250"/>
+              <a:gd name="connsiteX0" fmla="*/ 0 w 3722561"/>
+              <a:gd name="connsiteY0" fmla="*/ 0 h 978250"/>
+              <a:gd name="connsiteX1" fmla="*/ 620427 w 3722561"/>
+              <a:gd name="connsiteY1" fmla="*/ 0 h 978250"/>
+              <a:gd name="connsiteX2" fmla="*/ 620427 w 3722561"/>
+              <a:gd name="connsiteY2" fmla="*/ 0 h 978250"/>
+              <a:gd name="connsiteX3" fmla="*/ 1551067 w 3722561"/>
+              <a:gd name="connsiteY3" fmla="*/ 0 h 978250"/>
+              <a:gd name="connsiteX4" fmla="*/ 3722561 w 3722561"/>
+              <a:gd name="connsiteY4" fmla="*/ 0 h 978250"/>
+              <a:gd name="connsiteX5" fmla="*/ 3722561 w 3722561"/>
+              <a:gd name="connsiteY5" fmla="*/ 419923 h 978250"/>
+              <a:gd name="connsiteX6" fmla="*/ 3722561 w 3722561"/>
+              <a:gd name="connsiteY6" fmla="*/ 419923 h 978250"/>
+              <a:gd name="connsiteX7" fmla="*/ 3722561 w 3722561"/>
+              <a:gd name="connsiteY7" fmla="*/ 599890 h 978250"/>
+              <a:gd name="connsiteX8" fmla="*/ 3722561 w 3722561"/>
+              <a:gd name="connsiteY8" fmla="*/ 719868 h 978250"/>
+              <a:gd name="connsiteX9" fmla="*/ 3361230 w 3722561"/>
+              <a:gd name="connsiteY9" fmla="*/ 727914 h 978250"/>
+              <a:gd name="connsiteX10" fmla="*/ 3342180 w 3722561"/>
+              <a:gd name="connsiteY10" fmla="*/ 978250 h 978250"/>
+              <a:gd name="connsiteX11" fmla="*/ 3180255 w 3722561"/>
+              <a:gd name="connsiteY11" fmla="*/ 727913 h 978250"/>
+              <a:gd name="connsiteX12" fmla="*/ 2675430 w 3722561"/>
+              <a:gd name="connsiteY12" fmla="*/ 727914 h 978250"/>
+              <a:gd name="connsiteX13" fmla="*/ 2180130 w 3722561"/>
+              <a:gd name="connsiteY13" fmla="*/ 708657 h 978250"/>
+              <a:gd name="connsiteX14" fmla="*/ 2142030 w 3722561"/>
+              <a:gd name="connsiteY14" fmla="*/ 958994 h 978250"/>
+              <a:gd name="connsiteX15" fmla="*/ 2018205 w 3722561"/>
+              <a:gd name="connsiteY15" fmla="*/ 708657 h 978250"/>
+              <a:gd name="connsiteX16" fmla="*/ 1589580 w 3722561"/>
+              <a:gd name="connsiteY16" fmla="*/ 708657 h 978250"/>
+              <a:gd name="connsiteX17" fmla="*/ 770017 w 3722561"/>
+              <a:gd name="connsiteY17" fmla="*/ 719558 h 978250"/>
+              <a:gd name="connsiteX18" fmla="*/ 626831 w 3722561"/>
+              <a:gd name="connsiteY18" fmla="*/ 950522 h 978250"/>
+              <a:gd name="connsiteX19" fmla="*/ 620427 w 3722561"/>
+              <a:gd name="connsiteY19" fmla="*/ 719868 h 978250"/>
+              <a:gd name="connsiteX20" fmla="*/ 0 w 3722561"/>
+              <a:gd name="connsiteY20" fmla="*/ 719868 h 978250"/>
+              <a:gd name="connsiteX21" fmla="*/ 0 w 3722561"/>
+              <a:gd name="connsiteY21" fmla="*/ 599890 h 978250"/>
+              <a:gd name="connsiteX22" fmla="*/ 0 w 3722561"/>
+              <a:gd name="connsiteY22" fmla="*/ 419923 h 978250"/>
+              <a:gd name="connsiteX23" fmla="*/ 0 w 3722561"/>
+              <a:gd name="connsiteY23" fmla="*/ 419923 h 978250"/>
+              <a:gd name="connsiteX24" fmla="*/ 0 w 3722561"/>
+              <a:gd name="connsiteY24" fmla="*/ 0 h 978250"/>
+              <a:gd name="connsiteX0" fmla="*/ 0 w 3722561"/>
+              <a:gd name="connsiteY0" fmla="*/ 0 h 978250"/>
+              <a:gd name="connsiteX1" fmla="*/ 620427 w 3722561"/>
+              <a:gd name="connsiteY1" fmla="*/ 0 h 978250"/>
+              <a:gd name="connsiteX2" fmla="*/ 620427 w 3722561"/>
+              <a:gd name="connsiteY2" fmla="*/ 0 h 978250"/>
+              <a:gd name="connsiteX3" fmla="*/ 1551067 w 3722561"/>
+              <a:gd name="connsiteY3" fmla="*/ 0 h 978250"/>
+              <a:gd name="connsiteX4" fmla="*/ 3722561 w 3722561"/>
+              <a:gd name="connsiteY4" fmla="*/ 0 h 978250"/>
+              <a:gd name="connsiteX5" fmla="*/ 3722561 w 3722561"/>
+              <a:gd name="connsiteY5" fmla="*/ 419923 h 978250"/>
+              <a:gd name="connsiteX6" fmla="*/ 3722561 w 3722561"/>
+              <a:gd name="connsiteY6" fmla="*/ 419923 h 978250"/>
+              <a:gd name="connsiteX7" fmla="*/ 3722561 w 3722561"/>
+              <a:gd name="connsiteY7" fmla="*/ 599890 h 978250"/>
+              <a:gd name="connsiteX8" fmla="*/ 3722561 w 3722561"/>
+              <a:gd name="connsiteY8" fmla="*/ 719868 h 978250"/>
+              <a:gd name="connsiteX9" fmla="*/ 3361230 w 3722561"/>
+              <a:gd name="connsiteY9" fmla="*/ 727914 h 978250"/>
+              <a:gd name="connsiteX10" fmla="*/ 3342180 w 3722561"/>
+              <a:gd name="connsiteY10" fmla="*/ 978250 h 978250"/>
+              <a:gd name="connsiteX11" fmla="*/ 3180255 w 3722561"/>
+              <a:gd name="connsiteY11" fmla="*/ 727913 h 978250"/>
+              <a:gd name="connsiteX12" fmla="*/ 2675430 w 3722561"/>
+              <a:gd name="connsiteY12" fmla="*/ 727914 h 978250"/>
+              <a:gd name="connsiteX13" fmla="*/ 2199180 w 3722561"/>
+              <a:gd name="connsiteY13" fmla="*/ 737542 h 978250"/>
+              <a:gd name="connsiteX14" fmla="*/ 2142030 w 3722561"/>
+              <a:gd name="connsiteY14" fmla="*/ 958994 h 978250"/>
+              <a:gd name="connsiteX15" fmla="*/ 2018205 w 3722561"/>
+              <a:gd name="connsiteY15" fmla="*/ 708657 h 978250"/>
+              <a:gd name="connsiteX16" fmla="*/ 1589580 w 3722561"/>
+              <a:gd name="connsiteY16" fmla="*/ 708657 h 978250"/>
+              <a:gd name="connsiteX17" fmla="*/ 770017 w 3722561"/>
+              <a:gd name="connsiteY17" fmla="*/ 719558 h 978250"/>
+              <a:gd name="connsiteX18" fmla="*/ 626831 w 3722561"/>
+              <a:gd name="connsiteY18" fmla="*/ 950522 h 978250"/>
+              <a:gd name="connsiteX19" fmla="*/ 620427 w 3722561"/>
+              <a:gd name="connsiteY19" fmla="*/ 719868 h 978250"/>
+              <a:gd name="connsiteX20" fmla="*/ 0 w 3722561"/>
+              <a:gd name="connsiteY20" fmla="*/ 719868 h 978250"/>
+              <a:gd name="connsiteX21" fmla="*/ 0 w 3722561"/>
+              <a:gd name="connsiteY21" fmla="*/ 599890 h 978250"/>
+              <a:gd name="connsiteX22" fmla="*/ 0 w 3722561"/>
+              <a:gd name="connsiteY22" fmla="*/ 419923 h 978250"/>
+              <a:gd name="connsiteX23" fmla="*/ 0 w 3722561"/>
+              <a:gd name="connsiteY23" fmla="*/ 419923 h 978250"/>
+              <a:gd name="connsiteX24" fmla="*/ 0 w 3722561"/>
+              <a:gd name="connsiteY24" fmla="*/ 0 h 978250"/>
+              <a:gd name="connsiteX0" fmla="*/ 0 w 3722561"/>
+              <a:gd name="connsiteY0" fmla="*/ 0 h 978250"/>
+              <a:gd name="connsiteX1" fmla="*/ 620427 w 3722561"/>
+              <a:gd name="connsiteY1" fmla="*/ 0 h 978250"/>
+              <a:gd name="connsiteX2" fmla="*/ 620427 w 3722561"/>
+              <a:gd name="connsiteY2" fmla="*/ 0 h 978250"/>
+              <a:gd name="connsiteX3" fmla="*/ 1551067 w 3722561"/>
+              <a:gd name="connsiteY3" fmla="*/ 0 h 978250"/>
+              <a:gd name="connsiteX4" fmla="*/ 3722561 w 3722561"/>
+              <a:gd name="connsiteY4" fmla="*/ 0 h 978250"/>
+              <a:gd name="connsiteX5" fmla="*/ 3722561 w 3722561"/>
+              <a:gd name="connsiteY5" fmla="*/ 419923 h 978250"/>
+              <a:gd name="connsiteX6" fmla="*/ 3722561 w 3722561"/>
+              <a:gd name="connsiteY6" fmla="*/ 419923 h 978250"/>
+              <a:gd name="connsiteX7" fmla="*/ 3722561 w 3722561"/>
+              <a:gd name="connsiteY7" fmla="*/ 599890 h 978250"/>
+              <a:gd name="connsiteX8" fmla="*/ 3722561 w 3722561"/>
+              <a:gd name="connsiteY8" fmla="*/ 719868 h 978250"/>
+              <a:gd name="connsiteX9" fmla="*/ 3361230 w 3722561"/>
+              <a:gd name="connsiteY9" fmla="*/ 727914 h 978250"/>
+              <a:gd name="connsiteX10" fmla="*/ 3342180 w 3722561"/>
+              <a:gd name="connsiteY10" fmla="*/ 978250 h 978250"/>
+              <a:gd name="connsiteX11" fmla="*/ 3180255 w 3722561"/>
+              <a:gd name="connsiteY11" fmla="*/ 727913 h 978250"/>
+              <a:gd name="connsiteX12" fmla="*/ 2675430 w 3722561"/>
+              <a:gd name="connsiteY12" fmla="*/ 727914 h 978250"/>
+              <a:gd name="connsiteX13" fmla="*/ 2199180 w 3722561"/>
+              <a:gd name="connsiteY13" fmla="*/ 718285 h 978250"/>
+              <a:gd name="connsiteX14" fmla="*/ 2142030 w 3722561"/>
+              <a:gd name="connsiteY14" fmla="*/ 958994 h 978250"/>
+              <a:gd name="connsiteX15" fmla="*/ 2018205 w 3722561"/>
+              <a:gd name="connsiteY15" fmla="*/ 708657 h 978250"/>
+              <a:gd name="connsiteX16" fmla="*/ 1589580 w 3722561"/>
+              <a:gd name="connsiteY16" fmla="*/ 708657 h 978250"/>
+              <a:gd name="connsiteX17" fmla="*/ 770017 w 3722561"/>
+              <a:gd name="connsiteY17" fmla="*/ 719558 h 978250"/>
+              <a:gd name="connsiteX18" fmla="*/ 626831 w 3722561"/>
+              <a:gd name="connsiteY18" fmla="*/ 950522 h 978250"/>
+              <a:gd name="connsiteX19" fmla="*/ 620427 w 3722561"/>
+              <a:gd name="connsiteY19" fmla="*/ 719868 h 978250"/>
+              <a:gd name="connsiteX20" fmla="*/ 0 w 3722561"/>
+              <a:gd name="connsiteY20" fmla="*/ 719868 h 978250"/>
+              <a:gd name="connsiteX21" fmla="*/ 0 w 3722561"/>
+              <a:gd name="connsiteY21" fmla="*/ 599890 h 978250"/>
+              <a:gd name="connsiteX22" fmla="*/ 0 w 3722561"/>
+              <a:gd name="connsiteY22" fmla="*/ 419923 h 978250"/>
+              <a:gd name="connsiteX23" fmla="*/ 0 w 3722561"/>
+              <a:gd name="connsiteY23" fmla="*/ 419923 h 978250"/>
+              <a:gd name="connsiteX24" fmla="*/ 0 w 3722561"/>
+              <a:gd name="connsiteY24" fmla="*/ 0 h 978250"/>
+              <a:gd name="connsiteX0" fmla="*/ 0 w 3722561"/>
+              <a:gd name="connsiteY0" fmla="*/ 0 h 978250"/>
+              <a:gd name="connsiteX1" fmla="*/ 620427 w 3722561"/>
+              <a:gd name="connsiteY1" fmla="*/ 0 h 978250"/>
+              <a:gd name="connsiteX2" fmla="*/ 620427 w 3722561"/>
+              <a:gd name="connsiteY2" fmla="*/ 0 h 978250"/>
+              <a:gd name="connsiteX3" fmla="*/ 1551067 w 3722561"/>
+              <a:gd name="connsiteY3" fmla="*/ 0 h 978250"/>
+              <a:gd name="connsiteX4" fmla="*/ 3722561 w 3722561"/>
+              <a:gd name="connsiteY4" fmla="*/ 0 h 978250"/>
+              <a:gd name="connsiteX5" fmla="*/ 3722561 w 3722561"/>
+              <a:gd name="connsiteY5" fmla="*/ 419923 h 978250"/>
+              <a:gd name="connsiteX6" fmla="*/ 3722561 w 3722561"/>
+              <a:gd name="connsiteY6" fmla="*/ 419923 h 978250"/>
+              <a:gd name="connsiteX7" fmla="*/ 3722561 w 3722561"/>
+              <a:gd name="connsiteY7" fmla="*/ 599890 h 978250"/>
+              <a:gd name="connsiteX8" fmla="*/ 3722561 w 3722561"/>
+              <a:gd name="connsiteY8" fmla="*/ 719868 h 978250"/>
+              <a:gd name="connsiteX9" fmla="*/ 3361230 w 3722561"/>
+              <a:gd name="connsiteY9" fmla="*/ 727914 h 978250"/>
+              <a:gd name="connsiteX10" fmla="*/ 3342180 w 3722561"/>
+              <a:gd name="connsiteY10" fmla="*/ 978250 h 978250"/>
+              <a:gd name="connsiteX11" fmla="*/ 3180255 w 3722561"/>
+              <a:gd name="connsiteY11" fmla="*/ 727913 h 978250"/>
+              <a:gd name="connsiteX12" fmla="*/ 2675430 w 3722561"/>
+              <a:gd name="connsiteY12" fmla="*/ 727914 h 978250"/>
+              <a:gd name="connsiteX13" fmla="*/ 2199180 w 3722561"/>
+              <a:gd name="connsiteY13" fmla="*/ 727914 h 978250"/>
+              <a:gd name="connsiteX14" fmla="*/ 2142030 w 3722561"/>
+              <a:gd name="connsiteY14" fmla="*/ 958994 h 978250"/>
+              <a:gd name="connsiteX15" fmla="*/ 2018205 w 3722561"/>
+              <a:gd name="connsiteY15" fmla="*/ 708657 h 978250"/>
+              <a:gd name="connsiteX16" fmla="*/ 1589580 w 3722561"/>
+              <a:gd name="connsiteY16" fmla="*/ 708657 h 978250"/>
+              <a:gd name="connsiteX17" fmla="*/ 770017 w 3722561"/>
+              <a:gd name="connsiteY17" fmla="*/ 719558 h 978250"/>
+              <a:gd name="connsiteX18" fmla="*/ 626831 w 3722561"/>
+              <a:gd name="connsiteY18" fmla="*/ 950522 h 978250"/>
+              <a:gd name="connsiteX19" fmla="*/ 620427 w 3722561"/>
+              <a:gd name="connsiteY19" fmla="*/ 719868 h 978250"/>
+              <a:gd name="connsiteX20" fmla="*/ 0 w 3722561"/>
+              <a:gd name="connsiteY20" fmla="*/ 719868 h 978250"/>
+              <a:gd name="connsiteX21" fmla="*/ 0 w 3722561"/>
+              <a:gd name="connsiteY21" fmla="*/ 599890 h 978250"/>
+              <a:gd name="connsiteX22" fmla="*/ 0 w 3722561"/>
+              <a:gd name="connsiteY22" fmla="*/ 419923 h 978250"/>
+              <a:gd name="connsiteX23" fmla="*/ 0 w 3722561"/>
+              <a:gd name="connsiteY23" fmla="*/ 419923 h 978250"/>
+              <a:gd name="connsiteX24" fmla="*/ 0 w 3722561"/>
+              <a:gd name="connsiteY24" fmla="*/ 0 h 978250"/>
+              <a:gd name="connsiteX0" fmla="*/ 0 w 3722561"/>
+              <a:gd name="connsiteY0" fmla="*/ 0 h 978250"/>
+              <a:gd name="connsiteX1" fmla="*/ 620427 w 3722561"/>
+              <a:gd name="connsiteY1" fmla="*/ 0 h 978250"/>
+              <a:gd name="connsiteX2" fmla="*/ 620427 w 3722561"/>
+              <a:gd name="connsiteY2" fmla="*/ 0 h 978250"/>
+              <a:gd name="connsiteX3" fmla="*/ 1551067 w 3722561"/>
+              <a:gd name="connsiteY3" fmla="*/ 0 h 978250"/>
+              <a:gd name="connsiteX4" fmla="*/ 3722561 w 3722561"/>
+              <a:gd name="connsiteY4" fmla="*/ 0 h 978250"/>
+              <a:gd name="connsiteX5" fmla="*/ 3722561 w 3722561"/>
+              <a:gd name="connsiteY5" fmla="*/ 419923 h 978250"/>
+              <a:gd name="connsiteX6" fmla="*/ 3722561 w 3722561"/>
+              <a:gd name="connsiteY6" fmla="*/ 419923 h 978250"/>
+              <a:gd name="connsiteX7" fmla="*/ 3722561 w 3722561"/>
+              <a:gd name="connsiteY7" fmla="*/ 599890 h 978250"/>
+              <a:gd name="connsiteX8" fmla="*/ 3722561 w 3722561"/>
+              <a:gd name="connsiteY8" fmla="*/ 719868 h 978250"/>
+              <a:gd name="connsiteX9" fmla="*/ 3361230 w 3722561"/>
+              <a:gd name="connsiteY9" fmla="*/ 727914 h 978250"/>
+              <a:gd name="connsiteX10" fmla="*/ 3342180 w 3722561"/>
+              <a:gd name="connsiteY10" fmla="*/ 978250 h 978250"/>
+              <a:gd name="connsiteX11" fmla="*/ 3180255 w 3722561"/>
+              <a:gd name="connsiteY11" fmla="*/ 727913 h 978250"/>
+              <a:gd name="connsiteX12" fmla="*/ 2675430 w 3722561"/>
+              <a:gd name="connsiteY12" fmla="*/ 727914 h 978250"/>
+              <a:gd name="connsiteX13" fmla="*/ 2199180 w 3722561"/>
+              <a:gd name="connsiteY13" fmla="*/ 727914 h 978250"/>
+              <a:gd name="connsiteX14" fmla="*/ 2142030 w 3722561"/>
+              <a:gd name="connsiteY14" fmla="*/ 958994 h 978250"/>
+              <a:gd name="connsiteX15" fmla="*/ 2018205 w 3722561"/>
+              <a:gd name="connsiteY15" fmla="*/ 727914 h 978250"/>
+              <a:gd name="connsiteX16" fmla="*/ 1589580 w 3722561"/>
+              <a:gd name="connsiteY16" fmla="*/ 708657 h 978250"/>
+              <a:gd name="connsiteX17" fmla="*/ 770017 w 3722561"/>
+              <a:gd name="connsiteY17" fmla="*/ 719558 h 978250"/>
+              <a:gd name="connsiteX18" fmla="*/ 626831 w 3722561"/>
+              <a:gd name="connsiteY18" fmla="*/ 950522 h 978250"/>
+              <a:gd name="connsiteX19" fmla="*/ 620427 w 3722561"/>
+              <a:gd name="connsiteY19" fmla="*/ 719868 h 978250"/>
+              <a:gd name="connsiteX20" fmla="*/ 0 w 3722561"/>
+              <a:gd name="connsiteY20" fmla="*/ 719868 h 978250"/>
+              <a:gd name="connsiteX21" fmla="*/ 0 w 3722561"/>
+              <a:gd name="connsiteY21" fmla="*/ 599890 h 978250"/>
+              <a:gd name="connsiteX22" fmla="*/ 0 w 3722561"/>
+              <a:gd name="connsiteY22" fmla="*/ 419923 h 978250"/>
+              <a:gd name="connsiteX23" fmla="*/ 0 w 3722561"/>
+              <a:gd name="connsiteY23" fmla="*/ 419923 h 978250"/>
+              <a:gd name="connsiteX24" fmla="*/ 0 w 3722561"/>
+              <a:gd name="connsiteY24" fmla="*/ 0 h 978250"/>
+              <a:gd name="connsiteX0" fmla="*/ 0 w 3722561"/>
+              <a:gd name="connsiteY0" fmla="*/ 0 h 978250"/>
+              <a:gd name="connsiteX1" fmla="*/ 620427 w 3722561"/>
+              <a:gd name="connsiteY1" fmla="*/ 0 h 978250"/>
+              <a:gd name="connsiteX2" fmla="*/ 620427 w 3722561"/>
+              <a:gd name="connsiteY2" fmla="*/ 0 h 978250"/>
+              <a:gd name="connsiteX3" fmla="*/ 1551067 w 3722561"/>
+              <a:gd name="connsiteY3" fmla="*/ 0 h 978250"/>
+              <a:gd name="connsiteX4" fmla="*/ 3722561 w 3722561"/>
+              <a:gd name="connsiteY4" fmla="*/ 0 h 978250"/>
+              <a:gd name="connsiteX5" fmla="*/ 3722561 w 3722561"/>
+              <a:gd name="connsiteY5" fmla="*/ 419923 h 978250"/>
+              <a:gd name="connsiteX6" fmla="*/ 3722561 w 3722561"/>
+              <a:gd name="connsiteY6" fmla="*/ 419923 h 978250"/>
+              <a:gd name="connsiteX7" fmla="*/ 3722561 w 3722561"/>
+              <a:gd name="connsiteY7" fmla="*/ 599890 h 978250"/>
+              <a:gd name="connsiteX8" fmla="*/ 3722561 w 3722561"/>
+              <a:gd name="connsiteY8" fmla="*/ 719868 h 978250"/>
+              <a:gd name="connsiteX9" fmla="*/ 3361230 w 3722561"/>
+              <a:gd name="connsiteY9" fmla="*/ 727914 h 978250"/>
+              <a:gd name="connsiteX10" fmla="*/ 3342180 w 3722561"/>
+              <a:gd name="connsiteY10" fmla="*/ 978250 h 978250"/>
+              <a:gd name="connsiteX11" fmla="*/ 3180255 w 3722561"/>
+              <a:gd name="connsiteY11" fmla="*/ 727913 h 978250"/>
+              <a:gd name="connsiteX12" fmla="*/ 2675430 w 3722561"/>
+              <a:gd name="connsiteY12" fmla="*/ 727914 h 978250"/>
+              <a:gd name="connsiteX13" fmla="*/ 2199180 w 3722561"/>
+              <a:gd name="connsiteY13" fmla="*/ 727914 h 978250"/>
+              <a:gd name="connsiteX14" fmla="*/ 2142030 w 3722561"/>
+              <a:gd name="connsiteY14" fmla="*/ 958994 h 978250"/>
+              <a:gd name="connsiteX15" fmla="*/ 2018205 w 3722561"/>
+              <a:gd name="connsiteY15" fmla="*/ 727914 h 978250"/>
+              <a:gd name="connsiteX16" fmla="*/ 1599105 w 3722561"/>
+              <a:gd name="connsiteY16" fmla="*/ 737542 h 978250"/>
+              <a:gd name="connsiteX17" fmla="*/ 770017 w 3722561"/>
+              <a:gd name="connsiteY17" fmla="*/ 719558 h 978250"/>
+              <a:gd name="connsiteX18" fmla="*/ 626831 w 3722561"/>
+              <a:gd name="connsiteY18" fmla="*/ 950522 h 978250"/>
+              <a:gd name="connsiteX19" fmla="*/ 620427 w 3722561"/>
+              <a:gd name="connsiteY19" fmla="*/ 719868 h 978250"/>
+              <a:gd name="connsiteX20" fmla="*/ 0 w 3722561"/>
+              <a:gd name="connsiteY20" fmla="*/ 719868 h 978250"/>
+              <a:gd name="connsiteX21" fmla="*/ 0 w 3722561"/>
+              <a:gd name="connsiteY21" fmla="*/ 599890 h 978250"/>
+              <a:gd name="connsiteX22" fmla="*/ 0 w 3722561"/>
+              <a:gd name="connsiteY22" fmla="*/ 419923 h 978250"/>
+              <a:gd name="connsiteX23" fmla="*/ 0 w 3722561"/>
+              <a:gd name="connsiteY23" fmla="*/ 419923 h 978250"/>
+              <a:gd name="connsiteX24" fmla="*/ 0 w 3722561"/>
+              <a:gd name="connsiteY24" fmla="*/ 0 h 978250"/>
+              <a:gd name="connsiteX0" fmla="*/ 0 w 3722561"/>
+              <a:gd name="connsiteY0" fmla="*/ 0 h 978250"/>
+              <a:gd name="connsiteX1" fmla="*/ 620427 w 3722561"/>
+              <a:gd name="connsiteY1" fmla="*/ 0 h 978250"/>
+              <a:gd name="connsiteX2" fmla="*/ 620427 w 3722561"/>
+              <a:gd name="connsiteY2" fmla="*/ 0 h 978250"/>
+              <a:gd name="connsiteX3" fmla="*/ 1551067 w 3722561"/>
+              <a:gd name="connsiteY3" fmla="*/ 0 h 978250"/>
+              <a:gd name="connsiteX4" fmla="*/ 3722561 w 3722561"/>
+              <a:gd name="connsiteY4" fmla="*/ 0 h 978250"/>
+              <a:gd name="connsiteX5" fmla="*/ 3722561 w 3722561"/>
+              <a:gd name="connsiteY5" fmla="*/ 419923 h 978250"/>
+              <a:gd name="connsiteX6" fmla="*/ 3722561 w 3722561"/>
+              <a:gd name="connsiteY6" fmla="*/ 419923 h 978250"/>
+              <a:gd name="connsiteX7" fmla="*/ 3722561 w 3722561"/>
+              <a:gd name="connsiteY7" fmla="*/ 599890 h 978250"/>
+              <a:gd name="connsiteX8" fmla="*/ 3722561 w 3722561"/>
+              <a:gd name="connsiteY8" fmla="*/ 719868 h 978250"/>
+              <a:gd name="connsiteX9" fmla="*/ 3361230 w 3722561"/>
+              <a:gd name="connsiteY9" fmla="*/ 727914 h 978250"/>
+              <a:gd name="connsiteX10" fmla="*/ 3342180 w 3722561"/>
+              <a:gd name="connsiteY10" fmla="*/ 978250 h 978250"/>
+              <a:gd name="connsiteX11" fmla="*/ 3180255 w 3722561"/>
+              <a:gd name="connsiteY11" fmla="*/ 727913 h 978250"/>
+              <a:gd name="connsiteX12" fmla="*/ 2675430 w 3722561"/>
+              <a:gd name="connsiteY12" fmla="*/ 727914 h 978250"/>
+              <a:gd name="connsiteX13" fmla="*/ 2199180 w 3722561"/>
+              <a:gd name="connsiteY13" fmla="*/ 727914 h 978250"/>
+              <a:gd name="connsiteX14" fmla="*/ 2142030 w 3722561"/>
+              <a:gd name="connsiteY14" fmla="*/ 958994 h 978250"/>
+              <a:gd name="connsiteX15" fmla="*/ 2018205 w 3722561"/>
+              <a:gd name="connsiteY15" fmla="*/ 727914 h 978250"/>
+              <a:gd name="connsiteX16" fmla="*/ 1608630 w 3722561"/>
+              <a:gd name="connsiteY16" fmla="*/ 727914 h 978250"/>
+              <a:gd name="connsiteX17" fmla="*/ 770017 w 3722561"/>
+              <a:gd name="connsiteY17" fmla="*/ 719558 h 978250"/>
+              <a:gd name="connsiteX18" fmla="*/ 626831 w 3722561"/>
+              <a:gd name="connsiteY18" fmla="*/ 950522 h 978250"/>
+              <a:gd name="connsiteX19" fmla="*/ 620427 w 3722561"/>
+              <a:gd name="connsiteY19" fmla="*/ 719868 h 978250"/>
+              <a:gd name="connsiteX20" fmla="*/ 0 w 3722561"/>
+              <a:gd name="connsiteY20" fmla="*/ 719868 h 978250"/>
+              <a:gd name="connsiteX21" fmla="*/ 0 w 3722561"/>
+              <a:gd name="connsiteY21" fmla="*/ 599890 h 978250"/>
+              <a:gd name="connsiteX22" fmla="*/ 0 w 3722561"/>
+              <a:gd name="connsiteY22" fmla="*/ 419923 h 978250"/>
+              <a:gd name="connsiteX23" fmla="*/ 0 w 3722561"/>
+              <a:gd name="connsiteY23" fmla="*/ 419923 h 978250"/>
+              <a:gd name="connsiteX24" fmla="*/ 0 w 3722561"/>
+              <a:gd name="connsiteY24" fmla="*/ 0 h 978250"/>
+              <a:gd name="connsiteX0" fmla="*/ 0 w 3722561"/>
+              <a:gd name="connsiteY0" fmla="*/ 0 h 978250"/>
+              <a:gd name="connsiteX1" fmla="*/ 620427 w 3722561"/>
+              <a:gd name="connsiteY1" fmla="*/ 0 h 978250"/>
+              <a:gd name="connsiteX2" fmla="*/ 620427 w 3722561"/>
+              <a:gd name="connsiteY2" fmla="*/ 0 h 978250"/>
+              <a:gd name="connsiteX3" fmla="*/ 1551067 w 3722561"/>
+              <a:gd name="connsiteY3" fmla="*/ 0 h 978250"/>
+              <a:gd name="connsiteX4" fmla="*/ 3722561 w 3722561"/>
+              <a:gd name="connsiteY4" fmla="*/ 0 h 978250"/>
+              <a:gd name="connsiteX5" fmla="*/ 3722561 w 3722561"/>
+              <a:gd name="connsiteY5" fmla="*/ 419923 h 978250"/>
+              <a:gd name="connsiteX6" fmla="*/ 3722561 w 3722561"/>
+              <a:gd name="connsiteY6" fmla="*/ 419923 h 978250"/>
+              <a:gd name="connsiteX7" fmla="*/ 3722561 w 3722561"/>
+              <a:gd name="connsiteY7" fmla="*/ 599890 h 978250"/>
+              <a:gd name="connsiteX8" fmla="*/ 3722561 w 3722561"/>
+              <a:gd name="connsiteY8" fmla="*/ 719868 h 978250"/>
+              <a:gd name="connsiteX9" fmla="*/ 3361230 w 3722561"/>
+              <a:gd name="connsiteY9" fmla="*/ 727914 h 978250"/>
+              <a:gd name="connsiteX10" fmla="*/ 3342180 w 3722561"/>
+              <a:gd name="connsiteY10" fmla="*/ 978250 h 978250"/>
+              <a:gd name="connsiteX11" fmla="*/ 3180255 w 3722561"/>
+              <a:gd name="connsiteY11" fmla="*/ 727913 h 978250"/>
+              <a:gd name="connsiteX12" fmla="*/ 2675430 w 3722561"/>
+              <a:gd name="connsiteY12" fmla="*/ 727914 h 978250"/>
+              <a:gd name="connsiteX13" fmla="*/ 2199180 w 3722561"/>
+              <a:gd name="connsiteY13" fmla="*/ 727914 h 978250"/>
+              <a:gd name="connsiteX14" fmla="*/ 2142030 w 3722561"/>
+              <a:gd name="connsiteY14" fmla="*/ 958994 h 978250"/>
+              <a:gd name="connsiteX15" fmla="*/ 2018205 w 3722561"/>
+              <a:gd name="connsiteY15" fmla="*/ 727914 h 978250"/>
+              <a:gd name="connsiteX16" fmla="*/ 1608630 w 3722561"/>
+              <a:gd name="connsiteY16" fmla="*/ 727914 h 978250"/>
+              <a:gd name="connsiteX17" fmla="*/ 770017 w 3722561"/>
+              <a:gd name="connsiteY17" fmla="*/ 738815 h 978250"/>
+              <a:gd name="connsiteX18" fmla="*/ 626831 w 3722561"/>
+              <a:gd name="connsiteY18" fmla="*/ 950522 h 978250"/>
+              <a:gd name="connsiteX19" fmla="*/ 620427 w 3722561"/>
+              <a:gd name="connsiteY19" fmla="*/ 719868 h 978250"/>
+              <a:gd name="connsiteX20" fmla="*/ 0 w 3722561"/>
+              <a:gd name="connsiteY20" fmla="*/ 719868 h 978250"/>
+              <a:gd name="connsiteX21" fmla="*/ 0 w 3722561"/>
+              <a:gd name="connsiteY21" fmla="*/ 599890 h 978250"/>
+              <a:gd name="connsiteX22" fmla="*/ 0 w 3722561"/>
+              <a:gd name="connsiteY22" fmla="*/ 419923 h 978250"/>
+              <a:gd name="connsiteX23" fmla="*/ 0 w 3722561"/>
+              <a:gd name="connsiteY23" fmla="*/ 419923 h 978250"/>
+              <a:gd name="connsiteX24" fmla="*/ 0 w 3722561"/>
+              <a:gd name="connsiteY24" fmla="*/ 0 h 978250"/>
+              <a:gd name="connsiteX0" fmla="*/ 0 w 3722561"/>
+              <a:gd name="connsiteY0" fmla="*/ 0 h 978250"/>
+              <a:gd name="connsiteX1" fmla="*/ 620427 w 3722561"/>
+              <a:gd name="connsiteY1" fmla="*/ 0 h 978250"/>
+              <a:gd name="connsiteX2" fmla="*/ 620427 w 3722561"/>
+              <a:gd name="connsiteY2" fmla="*/ 0 h 978250"/>
+              <a:gd name="connsiteX3" fmla="*/ 1551067 w 3722561"/>
+              <a:gd name="connsiteY3" fmla="*/ 0 h 978250"/>
+              <a:gd name="connsiteX4" fmla="*/ 3722561 w 3722561"/>
+              <a:gd name="connsiteY4" fmla="*/ 0 h 978250"/>
+              <a:gd name="connsiteX5" fmla="*/ 3722561 w 3722561"/>
+              <a:gd name="connsiteY5" fmla="*/ 419923 h 978250"/>
+              <a:gd name="connsiteX6" fmla="*/ 3722561 w 3722561"/>
+              <a:gd name="connsiteY6" fmla="*/ 419923 h 978250"/>
+              <a:gd name="connsiteX7" fmla="*/ 3722561 w 3722561"/>
+              <a:gd name="connsiteY7" fmla="*/ 599890 h 978250"/>
+              <a:gd name="connsiteX8" fmla="*/ 3722561 w 3722561"/>
+              <a:gd name="connsiteY8" fmla="*/ 719868 h 978250"/>
+              <a:gd name="connsiteX9" fmla="*/ 3361230 w 3722561"/>
+              <a:gd name="connsiteY9" fmla="*/ 727914 h 978250"/>
+              <a:gd name="connsiteX10" fmla="*/ 3342180 w 3722561"/>
+              <a:gd name="connsiteY10" fmla="*/ 978250 h 978250"/>
+              <a:gd name="connsiteX11" fmla="*/ 3180255 w 3722561"/>
+              <a:gd name="connsiteY11" fmla="*/ 727913 h 978250"/>
+              <a:gd name="connsiteX12" fmla="*/ 2675430 w 3722561"/>
+              <a:gd name="connsiteY12" fmla="*/ 727914 h 978250"/>
+              <a:gd name="connsiteX13" fmla="*/ 2199180 w 3722561"/>
+              <a:gd name="connsiteY13" fmla="*/ 727914 h 978250"/>
+              <a:gd name="connsiteX14" fmla="*/ 2142030 w 3722561"/>
+              <a:gd name="connsiteY14" fmla="*/ 958994 h 978250"/>
+              <a:gd name="connsiteX15" fmla="*/ 2018205 w 3722561"/>
+              <a:gd name="connsiteY15" fmla="*/ 727914 h 978250"/>
+              <a:gd name="connsiteX16" fmla="*/ 1608630 w 3722561"/>
+              <a:gd name="connsiteY16" fmla="*/ 727914 h 978250"/>
+              <a:gd name="connsiteX17" fmla="*/ 798592 w 3722561"/>
+              <a:gd name="connsiteY17" fmla="*/ 738815 h 978250"/>
+              <a:gd name="connsiteX18" fmla="*/ 626831 w 3722561"/>
+              <a:gd name="connsiteY18" fmla="*/ 950522 h 978250"/>
+              <a:gd name="connsiteX19" fmla="*/ 620427 w 3722561"/>
+              <a:gd name="connsiteY19" fmla="*/ 719868 h 978250"/>
+              <a:gd name="connsiteX20" fmla="*/ 0 w 3722561"/>
+              <a:gd name="connsiteY20" fmla="*/ 719868 h 978250"/>
+              <a:gd name="connsiteX21" fmla="*/ 0 w 3722561"/>
+              <a:gd name="connsiteY21" fmla="*/ 599890 h 978250"/>
+              <a:gd name="connsiteX22" fmla="*/ 0 w 3722561"/>
+              <a:gd name="connsiteY22" fmla="*/ 419923 h 978250"/>
+              <a:gd name="connsiteX23" fmla="*/ 0 w 3722561"/>
+              <a:gd name="connsiteY23" fmla="*/ 419923 h 978250"/>
+              <a:gd name="connsiteX24" fmla="*/ 0 w 3722561"/>
+              <a:gd name="connsiteY24" fmla="*/ 0 h 978250"/>
+              <a:gd name="connsiteX0" fmla="*/ 0 w 3722561"/>
+              <a:gd name="connsiteY0" fmla="*/ 0 h 978250"/>
+              <a:gd name="connsiteX1" fmla="*/ 620427 w 3722561"/>
+              <a:gd name="connsiteY1" fmla="*/ 0 h 978250"/>
+              <a:gd name="connsiteX2" fmla="*/ 620427 w 3722561"/>
+              <a:gd name="connsiteY2" fmla="*/ 0 h 978250"/>
+              <a:gd name="connsiteX3" fmla="*/ 1551067 w 3722561"/>
+              <a:gd name="connsiteY3" fmla="*/ 0 h 978250"/>
+              <a:gd name="connsiteX4" fmla="*/ 3722561 w 3722561"/>
+              <a:gd name="connsiteY4" fmla="*/ 0 h 978250"/>
+              <a:gd name="connsiteX5" fmla="*/ 3722561 w 3722561"/>
+              <a:gd name="connsiteY5" fmla="*/ 419923 h 978250"/>
+              <a:gd name="connsiteX6" fmla="*/ 3722561 w 3722561"/>
+              <a:gd name="connsiteY6" fmla="*/ 419923 h 978250"/>
+              <a:gd name="connsiteX7" fmla="*/ 3722561 w 3722561"/>
+              <a:gd name="connsiteY7" fmla="*/ 599890 h 978250"/>
+              <a:gd name="connsiteX8" fmla="*/ 3722561 w 3722561"/>
+              <a:gd name="connsiteY8" fmla="*/ 719868 h 978250"/>
+              <a:gd name="connsiteX9" fmla="*/ 3361230 w 3722561"/>
+              <a:gd name="connsiteY9" fmla="*/ 727914 h 978250"/>
+              <a:gd name="connsiteX10" fmla="*/ 3342180 w 3722561"/>
+              <a:gd name="connsiteY10" fmla="*/ 978250 h 978250"/>
+              <a:gd name="connsiteX11" fmla="*/ 3180255 w 3722561"/>
+              <a:gd name="connsiteY11" fmla="*/ 727913 h 978250"/>
+              <a:gd name="connsiteX12" fmla="*/ 2675430 w 3722561"/>
+              <a:gd name="connsiteY12" fmla="*/ 727914 h 978250"/>
+              <a:gd name="connsiteX13" fmla="*/ 2199180 w 3722561"/>
+              <a:gd name="connsiteY13" fmla="*/ 727914 h 978250"/>
+              <a:gd name="connsiteX14" fmla="*/ 2142030 w 3722561"/>
+              <a:gd name="connsiteY14" fmla="*/ 958994 h 978250"/>
+              <a:gd name="connsiteX15" fmla="*/ 2018205 w 3722561"/>
+              <a:gd name="connsiteY15" fmla="*/ 727914 h 978250"/>
+              <a:gd name="connsiteX16" fmla="*/ 1608630 w 3722561"/>
+              <a:gd name="connsiteY16" fmla="*/ 727914 h 978250"/>
+              <a:gd name="connsiteX17" fmla="*/ 798592 w 3722561"/>
+              <a:gd name="connsiteY17" fmla="*/ 738815 h 978250"/>
+              <a:gd name="connsiteX18" fmla="*/ 626831 w 3722561"/>
+              <a:gd name="connsiteY18" fmla="*/ 950522 h 978250"/>
+              <a:gd name="connsiteX19" fmla="*/ 620427 w 3722561"/>
+              <a:gd name="connsiteY19" fmla="*/ 748753 h 978250"/>
+              <a:gd name="connsiteX20" fmla="*/ 0 w 3722561"/>
+              <a:gd name="connsiteY20" fmla="*/ 719868 h 978250"/>
+              <a:gd name="connsiteX21" fmla="*/ 0 w 3722561"/>
+              <a:gd name="connsiteY21" fmla="*/ 599890 h 978250"/>
+              <a:gd name="connsiteX22" fmla="*/ 0 w 3722561"/>
+              <a:gd name="connsiteY22" fmla="*/ 419923 h 978250"/>
+              <a:gd name="connsiteX23" fmla="*/ 0 w 3722561"/>
+              <a:gd name="connsiteY23" fmla="*/ 419923 h 978250"/>
+              <a:gd name="connsiteX24" fmla="*/ 0 w 3722561"/>
+              <a:gd name="connsiteY24" fmla="*/ 0 h 978250"/>
+              <a:gd name="connsiteX0" fmla="*/ 0 w 3722561"/>
+              <a:gd name="connsiteY0" fmla="*/ 0 h 978250"/>
+              <a:gd name="connsiteX1" fmla="*/ 620427 w 3722561"/>
+              <a:gd name="connsiteY1" fmla="*/ 0 h 978250"/>
+              <a:gd name="connsiteX2" fmla="*/ 620427 w 3722561"/>
+              <a:gd name="connsiteY2" fmla="*/ 0 h 978250"/>
+              <a:gd name="connsiteX3" fmla="*/ 1551067 w 3722561"/>
+              <a:gd name="connsiteY3" fmla="*/ 0 h 978250"/>
+              <a:gd name="connsiteX4" fmla="*/ 3722561 w 3722561"/>
+              <a:gd name="connsiteY4" fmla="*/ 0 h 978250"/>
+              <a:gd name="connsiteX5" fmla="*/ 3722561 w 3722561"/>
+              <a:gd name="connsiteY5" fmla="*/ 419923 h 978250"/>
+              <a:gd name="connsiteX6" fmla="*/ 3722561 w 3722561"/>
+              <a:gd name="connsiteY6" fmla="*/ 419923 h 978250"/>
+              <a:gd name="connsiteX7" fmla="*/ 3722561 w 3722561"/>
+              <a:gd name="connsiteY7" fmla="*/ 599890 h 978250"/>
+              <a:gd name="connsiteX8" fmla="*/ 3722561 w 3722561"/>
+              <a:gd name="connsiteY8" fmla="*/ 719868 h 978250"/>
+              <a:gd name="connsiteX9" fmla="*/ 3361230 w 3722561"/>
+              <a:gd name="connsiteY9" fmla="*/ 727914 h 978250"/>
+              <a:gd name="connsiteX10" fmla="*/ 3342180 w 3722561"/>
+              <a:gd name="connsiteY10" fmla="*/ 978250 h 978250"/>
+              <a:gd name="connsiteX11" fmla="*/ 3180255 w 3722561"/>
+              <a:gd name="connsiteY11" fmla="*/ 727913 h 978250"/>
+              <a:gd name="connsiteX12" fmla="*/ 2675430 w 3722561"/>
+              <a:gd name="connsiteY12" fmla="*/ 727914 h 978250"/>
+              <a:gd name="connsiteX13" fmla="*/ 2199180 w 3722561"/>
+              <a:gd name="connsiteY13" fmla="*/ 727914 h 978250"/>
+              <a:gd name="connsiteX14" fmla="*/ 2142030 w 3722561"/>
+              <a:gd name="connsiteY14" fmla="*/ 958994 h 978250"/>
+              <a:gd name="connsiteX15" fmla="*/ 2018205 w 3722561"/>
+              <a:gd name="connsiteY15" fmla="*/ 727914 h 978250"/>
+              <a:gd name="connsiteX16" fmla="*/ 1608630 w 3722561"/>
+              <a:gd name="connsiteY16" fmla="*/ 727914 h 978250"/>
+              <a:gd name="connsiteX17" fmla="*/ 798592 w 3722561"/>
+              <a:gd name="connsiteY17" fmla="*/ 738815 h 978250"/>
+              <a:gd name="connsiteX18" fmla="*/ 626831 w 3722561"/>
+              <a:gd name="connsiteY18" fmla="*/ 950522 h 978250"/>
+              <a:gd name="connsiteX19" fmla="*/ 620427 w 3722561"/>
+              <a:gd name="connsiteY19" fmla="*/ 729497 h 978250"/>
+              <a:gd name="connsiteX20" fmla="*/ 0 w 3722561"/>
+              <a:gd name="connsiteY20" fmla="*/ 719868 h 978250"/>
+              <a:gd name="connsiteX21" fmla="*/ 0 w 3722561"/>
+              <a:gd name="connsiteY21" fmla="*/ 599890 h 978250"/>
+              <a:gd name="connsiteX22" fmla="*/ 0 w 3722561"/>
+              <a:gd name="connsiteY22" fmla="*/ 419923 h 978250"/>
+              <a:gd name="connsiteX23" fmla="*/ 0 w 3722561"/>
+              <a:gd name="connsiteY23" fmla="*/ 419923 h 978250"/>
+              <a:gd name="connsiteX24" fmla="*/ 0 w 3722561"/>
+              <a:gd name="connsiteY24" fmla="*/ 0 h 978250"/>
+              <a:gd name="connsiteX0" fmla="*/ 0 w 3722561"/>
+              <a:gd name="connsiteY0" fmla="*/ 0 h 978250"/>
+              <a:gd name="connsiteX1" fmla="*/ 620427 w 3722561"/>
+              <a:gd name="connsiteY1" fmla="*/ 0 h 978250"/>
+              <a:gd name="connsiteX2" fmla="*/ 620427 w 3722561"/>
+              <a:gd name="connsiteY2" fmla="*/ 0 h 978250"/>
+              <a:gd name="connsiteX3" fmla="*/ 1551067 w 3722561"/>
+              <a:gd name="connsiteY3" fmla="*/ 0 h 978250"/>
+              <a:gd name="connsiteX4" fmla="*/ 3722561 w 3722561"/>
+              <a:gd name="connsiteY4" fmla="*/ 0 h 978250"/>
+              <a:gd name="connsiteX5" fmla="*/ 3722561 w 3722561"/>
+              <a:gd name="connsiteY5" fmla="*/ 419923 h 978250"/>
+              <a:gd name="connsiteX6" fmla="*/ 3722561 w 3722561"/>
+              <a:gd name="connsiteY6" fmla="*/ 419923 h 978250"/>
+              <a:gd name="connsiteX7" fmla="*/ 3722561 w 3722561"/>
+              <a:gd name="connsiteY7" fmla="*/ 599890 h 978250"/>
+              <a:gd name="connsiteX8" fmla="*/ 3722561 w 3722561"/>
+              <a:gd name="connsiteY8" fmla="*/ 719868 h 978250"/>
+              <a:gd name="connsiteX9" fmla="*/ 3361230 w 3722561"/>
+              <a:gd name="connsiteY9" fmla="*/ 727914 h 978250"/>
+              <a:gd name="connsiteX10" fmla="*/ 3342180 w 3722561"/>
+              <a:gd name="connsiteY10" fmla="*/ 978250 h 978250"/>
+              <a:gd name="connsiteX11" fmla="*/ 3180255 w 3722561"/>
+              <a:gd name="connsiteY11" fmla="*/ 727913 h 978250"/>
+              <a:gd name="connsiteX12" fmla="*/ 2675430 w 3722561"/>
+              <a:gd name="connsiteY12" fmla="*/ 727914 h 978250"/>
+              <a:gd name="connsiteX13" fmla="*/ 2199180 w 3722561"/>
+              <a:gd name="connsiteY13" fmla="*/ 727914 h 978250"/>
+              <a:gd name="connsiteX14" fmla="*/ 2142030 w 3722561"/>
+              <a:gd name="connsiteY14" fmla="*/ 958994 h 978250"/>
+              <a:gd name="connsiteX15" fmla="*/ 2018205 w 3722561"/>
+              <a:gd name="connsiteY15" fmla="*/ 727914 h 978250"/>
+              <a:gd name="connsiteX16" fmla="*/ 1608630 w 3722561"/>
+              <a:gd name="connsiteY16" fmla="*/ 727914 h 978250"/>
+              <a:gd name="connsiteX17" fmla="*/ 798592 w 3722561"/>
+              <a:gd name="connsiteY17" fmla="*/ 738815 h 978250"/>
+              <a:gd name="connsiteX18" fmla="*/ 626831 w 3722561"/>
+              <a:gd name="connsiteY18" fmla="*/ 950522 h 978250"/>
+              <a:gd name="connsiteX19" fmla="*/ 620427 w 3722561"/>
+              <a:gd name="connsiteY19" fmla="*/ 729497 h 978250"/>
+              <a:gd name="connsiteX20" fmla="*/ 0 w 3722561"/>
+              <a:gd name="connsiteY20" fmla="*/ 729497 h 978250"/>
+              <a:gd name="connsiteX21" fmla="*/ 0 w 3722561"/>
+              <a:gd name="connsiteY21" fmla="*/ 599890 h 978250"/>
+              <a:gd name="connsiteX22" fmla="*/ 0 w 3722561"/>
+              <a:gd name="connsiteY22" fmla="*/ 419923 h 978250"/>
+              <a:gd name="connsiteX23" fmla="*/ 0 w 3722561"/>
+              <a:gd name="connsiteY23" fmla="*/ 419923 h 978250"/>
+              <a:gd name="connsiteX24" fmla="*/ 0 w 3722561"/>
+              <a:gd name="connsiteY24" fmla="*/ 0 h 978250"/>
+              <a:gd name="connsiteX0" fmla="*/ 0 w 3722561"/>
+              <a:gd name="connsiteY0" fmla="*/ 0 h 1897830"/>
+              <a:gd name="connsiteX1" fmla="*/ 620427 w 3722561"/>
+              <a:gd name="connsiteY1" fmla="*/ 0 h 1897830"/>
+              <a:gd name="connsiteX2" fmla="*/ 620427 w 3722561"/>
+              <a:gd name="connsiteY2" fmla="*/ 0 h 1897830"/>
+              <a:gd name="connsiteX3" fmla="*/ 1551067 w 3722561"/>
+              <a:gd name="connsiteY3" fmla="*/ 0 h 1897830"/>
+              <a:gd name="connsiteX4" fmla="*/ 3722561 w 3722561"/>
+              <a:gd name="connsiteY4" fmla="*/ 0 h 1897830"/>
+              <a:gd name="connsiteX5" fmla="*/ 3722561 w 3722561"/>
+              <a:gd name="connsiteY5" fmla="*/ 419923 h 1897830"/>
+              <a:gd name="connsiteX6" fmla="*/ 3722561 w 3722561"/>
+              <a:gd name="connsiteY6" fmla="*/ 419923 h 1897830"/>
+              <a:gd name="connsiteX7" fmla="*/ 3722561 w 3722561"/>
+              <a:gd name="connsiteY7" fmla="*/ 599890 h 1897830"/>
+              <a:gd name="connsiteX8" fmla="*/ 3722561 w 3722561"/>
+              <a:gd name="connsiteY8" fmla="*/ 719868 h 1897830"/>
+              <a:gd name="connsiteX9" fmla="*/ 3361230 w 3722561"/>
+              <a:gd name="connsiteY9" fmla="*/ 727914 h 1897830"/>
+              <a:gd name="connsiteX10" fmla="*/ 3597847 w 3722561"/>
+              <a:gd name="connsiteY10" fmla="*/ 1897830 h 1897830"/>
+              <a:gd name="connsiteX11" fmla="*/ 3180255 w 3722561"/>
+              <a:gd name="connsiteY11" fmla="*/ 727913 h 1897830"/>
+              <a:gd name="connsiteX12" fmla="*/ 2675430 w 3722561"/>
+              <a:gd name="connsiteY12" fmla="*/ 727914 h 1897830"/>
+              <a:gd name="connsiteX13" fmla="*/ 2199180 w 3722561"/>
+              <a:gd name="connsiteY13" fmla="*/ 727914 h 1897830"/>
+              <a:gd name="connsiteX14" fmla="*/ 2142030 w 3722561"/>
+              <a:gd name="connsiteY14" fmla="*/ 958994 h 1897830"/>
+              <a:gd name="connsiteX15" fmla="*/ 2018205 w 3722561"/>
+              <a:gd name="connsiteY15" fmla="*/ 727914 h 1897830"/>
+              <a:gd name="connsiteX16" fmla="*/ 1608630 w 3722561"/>
+              <a:gd name="connsiteY16" fmla="*/ 727914 h 1897830"/>
+              <a:gd name="connsiteX17" fmla="*/ 798592 w 3722561"/>
+              <a:gd name="connsiteY17" fmla="*/ 738815 h 1897830"/>
+              <a:gd name="connsiteX18" fmla="*/ 626831 w 3722561"/>
+              <a:gd name="connsiteY18" fmla="*/ 950522 h 1897830"/>
+              <a:gd name="connsiteX19" fmla="*/ 620427 w 3722561"/>
+              <a:gd name="connsiteY19" fmla="*/ 729497 h 1897830"/>
+              <a:gd name="connsiteX20" fmla="*/ 0 w 3722561"/>
+              <a:gd name="connsiteY20" fmla="*/ 729497 h 1897830"/>
+              <a:gd name="connsiteX21" fmla="*/ 0 w 3722561"/>
+              <a:gd name="connsiteY21" fmla="*/ 599890 h 1897830"/>
+              <a:gd name="connsiteX22" fmla="*/ 0 w 3722561"/>
+              <a:gd name="connsiteY22" fmla="*/ 419923 h 1897830"/>
+              <a:gd name="connsiteX23" fmla="*/ 0 w 3722561"/>
+              <a:gd name="connsiteY23" fmla="*/ 419923 h 1897830"/>
+              <a:gd name="connsiteX24" fmla="*/ 0 w 3722561"/>
+              <a:gd name="connsiteY24" fmla="*/ 0 h 1897830"/>
+              <a:gd name="connsiteX0" fmla="*/ 0 w 3722561"/>
+              <a:gd name="connsiteY0" fmla="*/ 0 h 1408183"/>
+              <a:gd name="connsiteX1" fmla="*/ 620427 w 3722561"/>
+              <a:gd name="connsiteY1" fmla="*/ 0 h 1408183"/>
+              <a:gd name="connsiteX2" fmla="*/ 620427 w 3722561"/>
+              <a:gd name="connsiteY2" fmla="*/ 0 h 1408183"/>
+              <a:gd name="connsiteX3" fmla="*/ 1551067 w 3722561"/>
+              <a:gd name="connsiteY3" fmla="*/ 0 h 1408183"/>
+              <a:gd name="connsiteX4" fmla="*/ 3722561 w 3722561"/>
+              <a:gd name="connsiteY4" fmla="*/ 0 h 1408183"/>
+              <a:gd name="connsiteX5" fmla="*/ 3722561 w 3722561"/>
+              <a:gd name="connsiteY5" fmla="*/ 419923 h 1408183"/>
+              <a:gd name="connsiteX6" fmla="*/ 3722561 w 3722561"/>
+              <a:gd name="connsiteY6" fmla="*/ 419923 h 1408183"/>
+              <a:gd name="connsiteX7" fmla="*/ 3722561 w 3722561"/>
+              <a:gd name="connsiteY7" fmla="*/ 599890 h 1408183"/>
+              <a:gd name="connsiteX8" fmla="*/ 3722561 w 3722561"/>
+              <a:gd name="connsiteY8" fmla="*/ 719868 h 1408183"/>
+              <a:gd name="connsiteX9" fmla="*/ 3361230 w 3722561"/>
+              <a:gd name="connsiteY9" fmla="*/ 727914 h 1408183"/>
+              <a:gd name="connsiteX10" fmla="*/ 3465279 w 3722561"/>
+              <a:gd name="connsiteY10" fmla="*/ 1408183 h 1408183"/>
+              <a:gd name="connsiteX11" fmla="*/ 3180255 w 3722561"/>
+              <a:gd name="connsiteY11" fmla="*/ 727913 h 1408183"/>
+              <a:gd name="connsiteX12" fmla="*/ 2675430 w 3722561"/>
+              <a:gd name="connsiteY12" fmla="*/ 727914 h 1408183"/>
+              <a:gd name="connsiteX13" fmla="*/ 2199180 w 3722561"/>
+              <a:gd name="connsiteY13" fmla="*/ 727914 h 1408183"/>
+              <a:gd name="connsiteX14" fmla="*/ 2142030 w 3722561"/>
+              <a:gd name="connsiteY14" fmla="*/ 958994 h 1408183"/>
+              <a:gd name="connsiteX15" fmla="*/ 2018205 w 3722561"/>
+              <a:gd name="connsiteY15" fmla="*/ 727914 h 1408183"/>
+              <a:gd name="connsiteX16" fmla="*/ 1608630 w 3722561"/>
+              <a:gd name="connsiteY16" fmla="*/ 727914 h 1408183"/>
+              <a:gd name="connsiteX17" fmla="*/ 798592 w 3722561"/>
+              <a:gd name="connsiteY17" fmla="*/ 738815 h 1408183"/>
+              <a:gd name="connsiteX18" fmla="*/ 626831 w 3722561"/>
+              <a:gd name="connsiteY18" fmla="*/ 950522 h 1408183"/>
+              <a:gd name="connsiteX19" fmla="*/ 620427 w 3722561"/>
+              <a:gd name="connsiteY19" fmla="*/ 729497 h 1408183"/>
+              <a:gd name="connsiteX20" fmla="*/ 0 w 3722561"/>
+              <a:gd name="connsiteY20" fmla="*/ 729497 h 1408183"/>
+              <a:gd name="connsiteX21" fmla="*/ 0 w 3722561"/>
+              <a:gd name="connsiteY21" fmla="*/ 599890 h 1408183"/>
+              <a:gd name="connsiteX22" fmla="*/ 0 w 3722561"/>
+              <a:gd name="connsiteY22" fmla="*/ 419923 h 1408183"/>
+              <a:gd name="connsiteX23" fmla="*/ 0 w 3722561"/>
+              <a:gd name="connsiteY23" fmla="*/ 419923 h 1408183"/>
+              <a:gd name="connsiteX24" fmla="*/ 0 w 3722561"/>
+              <a:gd name="connsiteY24" fmla="*/ 0 h 1408183"/>
+              <a:gd name="connsiteX0" fmla="*/ 0 w 3722561"/>
+              <a:gd name="connsiteY0" fmla="*/ 0 h 1408183"/>
+              <a:gd name="connsiteX1" fmla="*/ 620427 w 3722561"/>
+              <a:gd name="connsiteY1" fmla="*/ 0 h 1408183"/>
+              <a:gd name="connsiteX2" fmla="*/ 620427 w 3722561"/>
+              <a:gd name="connsiteY2" fmla="*/ 0 h 1408183"/>
+              <a:gd name="connsiteX3" fmla="*/ 1551067 w 3722561"/>
+              <a:gd name="connsiteY3" fmla="*/ 0 h 1408183"/>
+              <a:gd name="connsiteX4" fmla="*/ 3722561 w 3722561"/>
+              <a:gd name="connsiteY4" fmla="*/ 0 h 1408183"/>
+              <a:gd name="connsiteX5" fmla="*/ 3722561 w 3722561"/>
+              <a:gd name="connsiteY5" fmla="*/ 419923 h 1408183"/>
+              <a:gd name="connsiteX6" fmla="*/ 3722561 w 3722561"/>
+              <a:gd name="connsiteY6" fmla="*/ 419923 h 1408183"/>
+              <a:gd name="connsiteX7" fmla="*/ 3722561 w 3722561"/>
+              <a:gd name="connsiteY7" fmla="*/ 599890 h 1408183"/>
+              <a:gd name="connsiteX8" fmla="*/ 3722561 w 3722561"/>
+              <a:gd name="connsiteY8" fmla="*/ 719868 h 1408183"/>
+              <a:gd name="connsiteX9" fmla="*/ 3361230 w 3722561"/>
+              <a:gd name="connsiteY9" fmla="*/ 727914 h 1408183"/>
+              <a:gd name="connsiteX10" fmla="*/ 3465279 w 3722561"/>
+              <a:gd name="connsiteY10" fmla="*/ 1408183 h 1408183"/>
+              <a:gd name="connsiteX11" fmla="*/ 3180255 w 3722561"/>
+              <a:gd name="connsiteY11" fmla="*/ 727913 h 1408183"/>
+              <a:gd name="connsiteX12" fmla="*/ 2675430 w 3722561"/>
+              <a:gd name="connsiteY12" fmla="*/ 727914 h 1408183"/>
+              <a:gd name="connsiteX13" fmla="*/ 2199180 w 3722561"/>
+              <a:gd name="connsiteY13" fmla="*/ 727914 h 1408183"/>
+              <a:gd name="connsiteX14" fmla="*/ 2142030 w 3722561"/>
+              <a:gd name="connsiteY14" fmla="*/ 958994 h 1408183"/>
+              <a:gd name="connsiteX15" fmla="*/ 2018205 w 3722561"/>
+              <a:gd name="connsiteY15" fmla="*/ 727914 h 1408183"/>
+              <a:gd name="connsiteX16" fmla="*/ 1608630 w 3722561"/>
+              <a:gd name="connsiteY16" fmla="*/ 727914 h 1408183"/>
+              <a:gd name="connsiteX17" fmla="*/ 798592 w 3722561"/>
+              <a:gd name="connsiteY17" fmla="*/ 738815 h 1408183"/>
+              <a:gd name="connsiteX18" fmla="*/ 503733 w 3722561"/>
+              <a:gd name="connsiteY18" fmla="*/ 1237144 h 1408183"/>
+              <a:gd name="connsiteX19" fmla="*/ 620427 w 3722561"/>
+              <a:gd name="connsiteY19" fmla="*/ 729497 h 1408183"/>
+              <a:gd name="connsiteX20" fmla="*/ 0 w 3722561"/>
+              <a:gd name="connsiteY20" fmla="*/ 729497 h 1408183"/>
+              <a:gd name="connsiteX21" fmla="*/ 0 w 3722561"/>
+              <a:gd name="connsiteY21" fmla="*/ 599890 h 1408183"/>
+              <a:gd name="connsiteX22" fmla="*/ 0 w 3722561"/>
+              <a:gd name="connsiteY22" fmla="*/ 419923 h 1408183"/>
+              <a:gd name="connsiteX23" fmla="*/ 0 w 3722561"/>
+              <a:gd name="connsiteY23" fmla="*/ 419923 h 1408183"/>
+              <a:gd name="connsiteX24" fmla="*/ 0 w 3722561"/>
+              <a:gd name="connsiteY24" fmla="*/ 0 h 1408183"/>
+            </a:gdLst>
+            <a:ahLst/>
+            <a:cxnLst>
+              <a:cxn ang="0">
+                <a:pos x="connsiteX0" y="connsiteY0"/>
+              </a:cxn>
+              <a:cxn ang="0">
+                <a:pos x="connsiteX1" y="connsiteY1"/>
+              </a:cxn>
+              <a:cxn ang="0">
+                <a:pos x="connsiteX2" y="connsiteY2"/>
+              </a:cxn>
+              <a:cxn ang="0">
+                <a:pos x="connsiteX3" y="connsiteY3"/>
+              </a:cxn>
+              <a:cxn ang="0">
+                <a:pos x="connsiteX4" y="connsiteY4"/>
+              </a:cxn>
+              <a:cxn ang="0">
+                <a:pos x="connsiteX5" y="connsiteY5"/>
+              </a:cxn>
+              <a:cxn ang="0">
+                <a:pos x="connsiteX6" y="connsiteY6"/>
+              </a:cxn>
+              <a:cxn ang="0">
+                <a:pos x="connsiteX7" y="connsiteY7"/>
+              </a:cxn>
+              <a:cxn ang="0">
+                <a:pos x="connsiteX8" y="connsiteY8"/>
+              </a:cxn>
+              <a:cxn ang="0">
+                <a:pos x="connsiteX9" y="connsiteY9"/>
+              </a:cxn>
+              <a:cxn ang="0">
+                <a:pos x="connsiteX10" y="connsiteY10"/>
+              </a:cxn>
+              <a:cxn ang="0">
+                <a:pos x="connsiteX11" y="connsiteY11"/>
+              </a:cxn>
+              <a:cxn ang="0">
+                <a:pos x="connsiteX12" y="connsiteY12"/>
+              </a:cxn>
+              <a:cxn ang="0">
+                <a:pos x="connsiteX13" y="connsiteY13"/>
+              </a:cxn>
+              <a:cxn ang="0">
+                <a:pos x="connsiteX14" y="connsiteY14"/>
+              </a:cxn>
+              <a:cxn ang="0">
+                <a:pos x="connsiteX15" y="connsiteY15"/>
+              </a:cxn>
+              <a:cxn ang="0">
+                <a:pos x="connsiteX16" y="connsiteY16"/>
+              </a:cxn>
+              <a:cxn ang="0">
+                <a:pos x="connsiteX17" y="connsiteY17"/>
+              </a:cxn>
+              <a:cxn ang="0">
+                <a:pos x="connsiteX18" y="connsiteY18"/>
+              </a:cxn>
+              <a:cxn ang="0">
+                <a:pos x="connsiteX19" y="connsiteY19"/>
+              </a:cxn>
+              <a:cxn ang="0">
+                <a:pos x="connsiteX20" y="connsiteY20"/>
+              </a:cxn>
+              <a:cxn ang="0">
+                <a:pos x="connsiteX21" y="connsiteY21"/>
+              </a:cxn>
+              <a:cxn ang="0">
+                <a:pos x="connsiteX22" y="connsiteY22"/>
+              </a:cxn>
+              <a:cxn ang="0">
+                <a:pos x="connsiteX23" y="connsiteY23"/>
+              </a:cxn>
+              <a:cxn ang="0">
+                <a:pos x="connsiteX24" y="connsiteY24"/>
+              </a:cxn>
+            </a:cxnLst>
+            <a:rect l="l" t="t" r="r" b="b"/>
+            <a:pathLst>
+              <a:path w="3722561" h="1408183">
+                <a:moveTo>
+                  <a:pt x="0" y="0"/>
+                </a:moveTo>
+                <a:lnTo>
+                  <a:pt x="620427" y="0"/>
+                </a:lnTo>
+                <a:lnTo>
+                  <a:pt x="620427" y="0"/>
+                </a:lnTo>
+                <a:lnTo>
+                  <a:pt x="1551067" y="0"/>
+                </a:lnTo>
+                <a:lnTo>
+                  <a:pt x="3722561" y="0"/>
+                </a:lnTo>
+                <a:lnTo>
+                  <a:pt x="3722561" y="419923"/>
+                </a:lnTo>
+                <a:lnTo>
+                  <a:pt x="3722561" y="419923"/>
+                </a:lnTo>
+                <a:lnTo>
+                  <a:pt x="3722561" y="599890"/>
+                </a:lnTo>
+                <a:lnTo>
+                  <a:pt x="3722561" y="719868"/>
+                </a:lnTo>
+                <a:lnTo>
+                  <a:pt x="3361230" y="727914"/>
+                </a:lnTo>
+                <a:lnTo>
+                  <a:pt x="3465279" y="1408183"/>
+                </a:lnTo>
+                <a:lnTo>
+                  <a:pt x="3180255" y="727913"/>
+                </a:lnTo>
+                <a:lnTo>
+                  <a:pt x="2675430" y="727914"/>
+                </a:lnTo>
+                <a:lnTo>
+                  <a:pt x="2199180" y="727914"/>
+                </a:lnTo>
+                <a:lnTo>
+                  <a:pt x="2142030" y="958994"/>
+                </a:lnTo>
+                <a:lnTo>
+                  <a:pt x="2018205" y="727914"/>
+                </a:lnTo>
+                <a:lnTo>
+                  <a:pt x="1608630" y="727914"/>
+                </a:lnTo>
+                <a:lnTo>
+                  <a:pt x="798592" y="738815"/>
+                </a:lnTo>
+                <a:lnTo>
+                  <a:pt x="503733" y="1237144"/>
+                </a:lnTo>
+                <a:lnTo>
+                  <a:pt x="620427" y="729497"/>
+                </a:lnTo>
+                <a:lnTo>
+                  <a:pt x="0" y="729497"/>
+                </a:lnTo>
+                <a:lnTo>
+                  <a:pt x="0" y="599890"/>
+                </a:lnTo>
+                <a:lnTo>
+                  <a:pt x="0" y="419923"/>
+                </a:lnTo>
+                <a:lnTo>
+                  <a:pt x="0" y="419923"/>
+                </a:lnTo>
+                <a:lnTo>
+                  <a:pt x="0" y="0"/>
+                </a:lnTo>
+                <a:close/>
+              </a:path>
+            </a:pathLst>
+          </a:custGeom>
+          <a:solidFill>
+            <a:schemeClr val="bg1"/>
+          </a:solidFill>
+          <a:ln w="38100">
+            <a:solidFill>
+              <a:schemeClr val="accent6">
+                <a:lumMod val="90000"/>
+                <a:lumOff val="10000"/>
+              </a:schemeClr>
+            </a:solidFill>
+          </a:ln>
+          <a:effectLst/>
+          <a:extLst/>
+        </p:spPr>
+        <p:txBody>
+          <a:bodyPr rot="0" spcFirstLastPara="0" vertOverflow="overflow" horzOverflow="overflow" vert="horz" wrap="none" lIns="72000" tIns="72000" rIns="72000" bIns="72000" numCol="1" spcCol="0" rtlCol="0" fromWordArt="0" anchor="t" anchorCtr="0" forceAA="0" compatLnSpc="1">
+            <a:prstTxWarp prst="textNoShape">
+              <a:avLst/>
+            </a:prstTxWarp>
+            <a:noAutofit/>
+          </a:bodyPr>
+          <a:lstStyle/>
+          <a:p>
+            <a:pPr algn="ctr"/>
+            <a:r>
+              <a:rPr lang="en-US" altLang="ja-JP" sz="1600" b="1" dirty="0"/>
+              <a:t>Node</a:t>
+            </a:r>
+            <a:r>
+              <a:rPr lang="ja-JP" altLang="en-US" sz="1600" b="1" dirty="0"/>
+              <a:t>を</a:t>
+            </a:r>
+            <a:r>
+              <a:rPr lang="ja-JP" altLang="en-US" sz="1600" b="1" dirty="0" smtClean="0"/>
+              <a:t>複数選択することによって</a:t>
+            </a:r>
+            <a:r>
+              <a:rPr lang="en-US" altLang="ja-JP" sz="1600" b="1" dirty="0" smtClean="0"/>
+              <a:t/>
+            </a:r>
+            <a:br>
+              <a:rPr lang="en-US" altLang="ja-JP" sz="1600" b="1" dirty="0" smtClean="0"/>
+            </a:br>
+            <a:r>
+              <a:rPr lang="ja-JP" altLang="en-US" sz="1600" b="1" dirty="0"/>
+              <a:t>オブジェクトの整列</a:t>
+            </a:r>
+            <a:r>
+              <a:rPr lang="ja-JP" altLang="en-US" sz="1600" b="1" dirty="0" smtClean="0"/>
+              <a:t>機能が表示されます</a:t>
+            </a:r>
+            <a:endParaRPr lang="en-US" altLang="ja-JP" sz="1600" b="1" dirty="0" smtClean="0"/>
+          </a:p>
+        </p:txBody>
+      </p:sp>
       <p:cxnSp>
         <p:nvCxnSpPr>
-          <p:cNvPr id="7" name="直線コネクタ 6"/>
+          <p:cNvPr id="14" name="直線矢印コネクタ 13"/>
           <p:cNvCxnSpPr/>
           <p:nvPr/>
         </p:nvCxnSpPr>
         <p:spPr bwMode="auto">
-          <a:xfrm>
-            <a:off x="971500" y="6157202"/>
-            <a:ext cx="4956800" cy="7033"/>
+          <a:xfrm flipV="1">
+            <a:off x="4819106" y="3501010"/>
+            <a:ext cx="977064" cy="250531"/>
           </a:xfrm>
-          <a:prstGeom prst="line">
+          <a:prstGeom prst="straightConnector1">
             <a:avLst/>
           </a:prstGeom>
           <a:solidFill>
             <a:schemeClr val="bg1"/>
           </a:solidFill>
-          <a:ln w="12700" cap="flat" cmpd="sng" algn="ctr">
+          <a:ln w="76200" cap="flat" cmpd="sng" algn="ctr">
             <a:solidFill>
-              <a:schemeClr val="tx1"/>
+              <a:srgbClr val="FF0000"/>
             </a:solidFill>
             <a:prstDash val="solid"/>
             <a:round/>
             <a:headEnd type="none" w="med" len="med"/>
-            <a:tailEnd type="none" w="med" len="med"/>
+            <a:tailEnd type="triangle"/>
           </a:ln>
           <a:effectLst/>
           <a:extLst>
@@ -8338,6 +11340,538 @@
           </a:extLst>
         </p:spPr>
       </p:cxnSp>
+      <p:sp>
+        <p:nvSpPr>
+          <p:cNvPr id="17" name="正方形/長方形 16"/>
+          <p:cNvSpPr/>
+          <p:nvPr/>
+        </p:nvSpPr>
+        <p:spPr bwMode="auto">
+          <a:xfrm>
+            <a:off x="5938284" y="2924930"/>
+            <a:ext cx="1292078" cy="826611"/>
+          </a:xfrm>
+          <a:prstGeom prst="rect">
+            <a:avLst/>
+          </a:prstGeom>
+          <a:noFill/>
+          <a:ln w="38100">
+            <a:solidFill>
+              <a:srgbClr val="FF0000"/>
+            </a:solidFill>
+          </a:ln>
+          <a:effectLst/>
+          <a:extLst/>
+        </p:spPr>
+        <p:txBody>
+          <a:bodyPr rot="0" spcFirstLastPara="0" vertOverflow="overflow" horzOverflow="overflow" vert="horz" wrap="none" lIns="72000" tIns="72000" rIns="72000" bIns="72000" numCol="1" spcCol="0" rtlCol="0" fromWordArt="0" anchor="ctr" anchorCtr="0" forceAA="0" compatLnSpc="1">
+            <a:prstTxWarp prst="textNoShape">
+              <a:avLst/>
+            </a:prstTxWarp>
+            <a:noAutofit/>
+          </a:bodyPr>
+          <a:lstStyle/>
+          <a:p>
+            <a:pPr algn="ctr"/>
+            <a:endParaRPr kumimoji="1" lang="ja-JP" altLang="en-US" b="1" dirty="0" smtClean="0">
+              <a:latin typeface="+mn-ea"/>
+            </a:endParaRPr>
+          </a:p>
+        </p:txBody>
+      </p:sp>
+      <p:sp>
+        <p:nvSpPr>
+          <p:cNvPr id="12" name="下矢印 11"/>
+          <p:cNvSpPr/>
+          <p:nvPr/>
+        </p:nvSpPr>
+        <p:spPr bwMode="auto">
+          <a:xfrm>
+            <a:off x="3395826" y="4776241"/>
+            <a:ext cx="1152160" cy="253512"/>
+          </a:xfrm>
+          <a:prstGeom prst="downArrow">
+            <a:avLst/>
+          </a:prstGeom>
+          <a:solidFill>
+            <a:srgbClr val="FF0000"/>
+          </a:solidFill>
+          <a:ln w="12700">
+            <a:solidFill>
+              <a:srgbClr val="FF0000"/>
+            </a:solidFill>
+          </a:ln>
+          <a:effectLst/>
+          <a:extLst/>
+        </p:spPr>
+        <p:txBody>
+          <a:bodyPr rot="0" spcFirstLastPara="0" vertOverflow="overflow" horzOverflow="overflow" vert="horz" wrap="none" lIns="72000" tIns="72000" rIns="72000" bIns="72000" numCol="1" spcCol="0" rtlCol="0" fromWordArt="0" anchor="ctr" anchorCtr="0" forceAA="0" compatLnSpc="1">
+            <a:prstTxWarp prst="textNoShape">
+              <a:avLst/>
+            </a:prstTxWarp>
+            <a:noAutofit/>
+          </a:bodyPr>
+          <a:lstStyle/>
+          <a:p>
+            <a:pPr algn="ctr"/>
+            <a:endParaRPr kumimoji="1" lang="ja-JP" altLang="en-US" b="1" dirty="0" smtClean="0">
+              <a:latin typeface="+mn-ea"/>
+            </a:endParaRPr>
+          </a:p>
+        </p:txBody>
+      </p:sp>
+      <p:pic>
+        <p:nvPicPr>
+          <p:cNvPr id="20" name="図 19"/>
+          <p:cNvPicPr>
+            <a:picLocks noChangeAspect="1"/>
+          </p:cNvPicPr>
+          <p:nvPr/>
+        </p:nvPicPr>
+        <p:blipFill>
+          <a:blip r:embed="rId4"/>
+          <a:stretch>
+            <a:fillRect/>
+          </a:stretch>
+        </p:blipFill>
+        <p:spPr>
+          <a:xfrm>
+            <a:off x="413306" y="5126017"/>
+            <a:ext cx="7117200" cy="1380275"/>
+          </a:xfrm>
+          <a:prstGeom prst="rect">
+            <a:avLst/>
+          </a:prstGeom>
+        </p:spPr>
+      </p:pic>
+      <p:sp>
+        <p:nvSpPr>
+          <p:cNvPr id="24" name="正方形/長方形 23"/>
+          <p:cNvSpPr/>
+          <p:nvPr/>
+        </p:nvSpPr>
+        <p:spPr bwMode="auto">
+          <a:xfrm>
+            <a:off x="6822000" y="3068950"/>
+            <a:ext cx="216030" cy="216030"/>
+          </a:xfrm>
+          <a:prstGeom prst="rect">
+            <a:avLst/>
+          </a:prstGeom>
+          <a:noFill/>
+          <a:ln w="38100">
+            <a:solidFill>
+              <a:srgbClr val="FF0000"/>
+            </a:solidFill>
+          </a:ln>
+          <a:effectLst/>
+          <a:extLst/>
+        </p:spPr>
+        <p:txBody>
+          <a:bodyPr rot="0" spcFirstLastPara="0" vertOverflow="overflow" horzOverflow="overflow" vert="horz" wrap="none" lIns="72000" tIns="72000" rIns="72000" bIns="72000" numCol="1" spcCol="0" rtlCol="0" fromWordArt="0" anchor="ctr" anchorCtr="0" forceAA="0" compatLnSpc="1">
+            <a:prstTxWarp prst="textNoShape">
+              <a:avLst/>
+            </a:prstTxWarp>
+            <a:noAutofit/>
+          </a:bodyPr>
+          <a:lstStyle/>
+          <a:p>
+            <a:pPr algn="ctr"/>
+            <a:endParaRPr kumimoji="1" lang="ja-JP" altLang="en-US" b="1" dirty="0" smtClean="0">
+              <a:latin typeface="+mn-ea"/>
+            </a:endParaRPr>
+          </a:p>
+        </p:txBody>
+      </p:sp>
+      <p:sp>
+        <p:nvSpPr>
+          <p:cNvPr id="25" name="正方形/長方形 24"/>
+          <p:cNvSpPr/>
+          <p:nvPr/>
+        </p:nvSpPr>
+        <p:spPr bwMode="auto">
+          <a:xfrm>
+            <a:off x="6156000" y="3454048"/>
+            <a:ext cx="216030" cy="216030"/>
+          </a:xfrm>
+          <a:prstGeom prst="rect">
+            <a:avLst/>
+          </a:prstGeom>
+          <a:noFill/>
+          <a:ln w="38100">
+            <a:solidFill>
+              <a:srgbClr val="FF0000"/>
+            </a:solidFill>
+          </a:ln>
+          <a:effectLst/>
+          <a:extLst/>
+        </p:spPr>
+        <p:txBody>
+          <a:bodyPr rot="0" spcFirstLastPara="0" vertOverflow="overflow" horzOverflow="overflow" vert="horz" wrap="none" lIns="72000" tIns="72000" rIns="72000" bIns="72000" numCol="1" spcCol="0" rtlCol="0" fromWordArt="0" anchor="ctr" anchorCtr="0" forceAA="0" compatLnSpc="1">
+            <a:prstTxWarp prst="textNoShape">
+              <a:avLst/>
+            </a:prstTxWarp>
+            <a:noAutofit/>
+          </a:bodyPr>
+          <a:lstStyle/>
+          <a:p>
+            <a:pPr algn="ctr"/>
+            <a:endParaRPr kumimoji="1" lang="ja-JP" altLang="en-US" b="1" dirty="0" smtClean="0">
+              <a:latin typeface="+mn-ea"/>
+            </a:endParaRPr>
+          </a:p>
+        </p:txBody>
+      </p:sp>
+      <p:sp>
+        <p:nvSpPr>
+          <p:cNvPr id="26" name="四角形吹き出し 25"/>
+          <p:cNvSpPr/>
+          <p:nvPr/>
+        </p:nvSpPr>
+        <p:spPr bwMode="auto">
+          <a:xfrm>
+            <a:off x="5621116" y="3777605"/>
+            <a:ext cx="3218491" cy="951270"/>
+          </a:xfrm>
+          <a:custGeom>
+            <a:avLst/>
+            <a:gdLst>
+              <a:gd name="connsiteX0" fmla="*/ 0 w 3218491"/>
+              <a:gd name="connsiteY0" fmla="*/ 0 h 719868"/>
+              <a:gd name="connsiteX1" fmla="*/ 536415 w 3218491"/>
+              <a:gd name="connsiteY1" fmla="*/ 0 h 719868"/>
+              <a:gd name="connsiteX2" fmla="*/ 911541 w 3218491"/>
+              <a:gd name="connsiteY2" fmla="*/ -231402 h 719868"/>
+              <a:gd name="connsiteX3" fmla="*/ 1341038 w 3218491"/>
+              <a:gd name="connsiteY3" fmla="*/ 0 h 719868"/>
+              <a:gd name="connsiteX4" fmla="*/ 3218491 w 3218491"/>
+              <a:gd name="connsiteY4" fmla="*/ 0 h 719868"/>
+              <a:gd name="connsiteX5" fmla="*/ 3218491 w 3218491"/>
+              <a:gd name="connsiteY5" fmla="*/ 119978 h 719868"/>
+              <a:gd name="connsiteX6" fmla="*/ 3218491 w 3218491"/>
+              <a:gd name="connsiteY6" fmla="*/ 119978 h 719868"/>
+              <a:gd name="connsiteX7" fmla="*/ 3218491 w 3218491"/>
+              <a:gd name="connsiteY7" fmla="*/ 299945 h 719868"/>
+              <a:gd name="connsiteX8" fmla="*/ 3218491 w 3218491"/>
+              <a:gd name="connsiteY8" fmla="*/ 719868 h 719868"/>
+              <a:gd name="connsiteX9" fmla="*/ 1341038 w 3218491"/>
+              <a:gd name="connsiteY9" fmla="*/ 719868 h 719868"/>
+              <a:gd name="connsiteX10" fmla="*/ 536415 w 3218491"/>
+              <a:gd name="connsiteY10" fmla="*/ 719868 h 719868"/>
+              <a:gd name="connsiteX11" fmla="*/ 536415 w 3218491"/>
+              <a:gd name="connsiteY11" fmla="*/ 719868 h 719868"/>
+              <a:gd name="connsiteX12" fmla="*/ 0 w 3218491"/>
+              <a:gd name="connsiteY12" fmla="*/ 719868 h 719868"/>
+              <a:gd name="connsiteX13" fmla="*/ 0 w 3218491"/>
+              <a:gd name="connsiteY13" fmla="*/ 299945 h 719868"/>
+              <a:gd name="connsiteX14" fmla="*/ 0 w 3218491"/>
+              <a:gd name="connsiteY14" fmla="*/ 119978 h 719868"/>
+              <a:gd name="connsiteX15" fmla="*/ 0 w 3218491"/>
+              <a:gd name="connsiteY15" fmla="*/ 119978 h 719868"/>
+              <a:gd name="connsiteX16" fmla="*/ 0 w 3218491"/>
+              <a:gd name="connsiteY16" fmla="*/ 0 h 719868"/>
+              <a:gd name="connsiteX0" fmla="*/ 0 w 3218491"/>
+              <a:gd name="connsiteY0" fmla="*/ 231402 h 951270"/>
+              <a:gd name="connsiteX1" fmla="*/ 869790 w 3218491"/>
+              <a:gd name="connsiteY1" fmla="*/ 240927 h 951270"/>
+              <a:gd name="connsiteX2" fmla="*/ 911541 w 3218491"/>
+              <a:gd name="connsiteY2" fmla="*/ 0 h 951270"/>
+              <a:gd name="connsiteX3" fmla="*/ 1341038 w 3218491"/>
+              <a:gd name="connsiteY3" fmla="*/ 231402 h 951270"/>
+              <a:gd name="connsiteX4" fmla="*/ 3218491 w 3218491"/>
+              <a:gd name="connsiteY4" fmla="*/ 231402 h 951270"/>
+              <a:gd name="connsiteX5" fmla="*/ 3218491 w 3218491"/>
+              <a:gd name="connsiteY5" fmla="*/ 351380 h 951270"/>
+              <a:gd name="connsiteX6" fmla="*/ 3218491 w 3218491"/>
+              <a:gd name="connsiteY6" fmla="*/ 351380 h 951270"/>
+              <a:gd name="connsiteX7" fmla="*/ 3218491 w 3218491"/>
+              <a:gd name="connsiteY7" fmla="*/ 531347 h 951270"/>
+              <a:gd name="connsiteX8" fmla="*/ 3218491 w 3218491"/>
+              <a:gd name="connsiteY8" fmla="*/ 951270 h 951270"/>
+              <a:gd name="connsiteX9" fmla="*/ 1341038 w 3218491"/>
+              <a:gd name="connsiteY9" fmla="*/ 951270 h 951270"/>
+              <a:gd name="connsiteX10" fmla="*/ 536415 w 3218491"/>
+              <a:gd name="connsiteY10" fmla="*/ 951270 h 951270"/>
+              <a:gd name="connsiteX11" fmla="*/ 536415 w 3218491"/>
+              <a:gd name="connsiteY11" fmla="*/ 951270 h 951270"/>
+              <a:gd name="connsiteX12" fmla="*/ 0 w 3218491"/>
+              <a:gd name="connsiteY12" fmla="*/ 951270 h 951270"/>
+              <a:gd name="connsiteX13" fmla="*/ 0 w 3218491"/>
+              <a:gd name="connsiteY13" fmla="*/ 531347 h 951270"/>
+              <a:gd name="connsiteX14" fmla="*/ 0 w 3218491"/>
+              <a:gd name="connsiteY14" fmla="*/ 351380 h 951270"/>
+              <a:gd name="connsiteX15" fmla="*/ 0 w 3218491"/>
+              <a:gd name="connsiteY15" fmla="*/ 351380 h 951270"/>
+              <a:gd name="connsiteX16" fmla="*/ 0 w 3218491"/>
+              <a:gd name="connsiteY16" fmla="*/ 231402 h 951270"/>
+              <a:gd name="connsiteX0" fmla="*/ 0 w 3218491"/>
+              <a:gd name="connsiteY0" fmla="*/ 231402 h 951270"/>
+              <a:gd name="connsiteX1" fmla="*/ 869790 w 3218491"/>
+              <a:gd name="connsiteY1" fmla="*/ 240927 h 951270"/>
+              <a:gd name="connsiteX2" fmla="*/ 911541 w 3218491"/>
+              <a:gd name="connsiteY2" fmla="*/ 0 h 951270"/>
+              <a:gd name="connsiteX3" fmla="*/ 1341038 w 3218491"/>
+              <a:gd name="connsiteY3" fmla="*/ 231402 h 951270"/>
+              <a:gd name="connsiteX4" fmla="*/ 3218491 w 3218491"/>
+              <a:gd name="connsiteY4" fmla="*/ 231402 h 951270"/>
+              <a:gd name="connsiteX5" fmla="*/ 3218491 w 3218491"/>
+              <a:gd name="connsiteY5" fmla="*/ 351380 h 951270"/>
+              <a:gd name="connsiteX6" fmla="*/ 3218491 w 3218491"/>
+              <a:gd name="connsiteY6" fmla="*/ 351380 h 951270"/>
+              <a:gd name="connsiteX7" fmla="*/ 3218491 w 3218491"/>
+              <a:gd name="connsiteY7" fmla="*/ 531347 h 951270"/>
+              <a:gd name="connsiteX8" fmla="*/ 3218491 w 3218491"/>
+              <a:gd name="connsiteY8" fmla="*/ 951270 h 951270"/>
+              <a:gd name="connsiteX9" fmla="*/ 1341038 w 3218491"/>
+              <a:gd name="connsiteY9" fmla="*/ 951270 h 951270"/>
+              <a:gd name="connsiteX10" fmla="*/ 536415 w 3218491"/>
+              <a:gd name="connsiteY10" fmla="*/ 951270 h 951270"/>
+              <a:gd name="connsiteX11" fmla="*/ 536415 w 3218491"/>
+              <a:gd name="connsiteY11" fmla="*/ 951270 h 951270"/>
+              <a:gd name="connsiteX12" fmla="*/ 0 w 3218491"/>
+              <a:gd name="connsiteY12" fmla="*/ 951270 h 951270"/>
+              <a:gd name="connsiteX13" fmla="*/ 0 w 3218491"/>
+              <a:gd name="connsiteY13" fmla="*/ 531347 h 951270"/>
+              <a:gd name="connsiteX14" fmla="*/ 0 w 3218491"/>
+              <a:gd name="connsiteY14" fmla="*/ 351380 h 951270"/>
+              <a:gd name="connsiteX15" fmla="*/ 0 w 3218491"/>
+              <a:gd name="connsiteY15" fmla="*/ 351380 h 951270"/>
+              <a:gd name="connsiteX16" fmla="*/ 0 w 3218491"/>
+              <a:gd name="connsiteY16" fmla="*/ 231402 h 951270"/>
+              <a:gd name="connsiteX0" fmla="*/ 0 w 3218491"/>
+              <a:gd name="connsiteY0" fmla="*/ 231402 h 951270"/>
+              <a:gd name="connsiteX1" fmla="*/ 869790 w 3218491"/>
+              <a:gd name="connsiteY1" fmla="*/ 240927 h 951270"/>
+              <a:gd name="connsiteX2" fmla="*/ 911541 w 3218491"/>
+              <a:gd name="connsiteY2" fmla="*/ 0 h 951270"/>
+              <a:gd name="connsiteX3" fmla="*/ 1121963 w 3218491"/>
+              <a:gd name="connsiteY3" fmla="*/ 231402 h 951270"/>
+              <a:gd name="connsiteX4" fmla="*/ 3218491 w 3218491"/>
+              <a:gd name="connsiteY4" fmla="*/ 231402 h 951270"/>
+              <a:gd name="connsiteX5" fmla="*/ 3218491 w 3218491"/>
+              <a:gd name="connsiteY5" fmla="*/ 351380 h 951270"/>
+              <a:gd name="connsiteX6" fmla="*/ 3218491 w 3218491"/>
+              <a:gd name="connsiteY6" fmla="*/ 351380 h 951270"/>
+              <a:gd name="connsiteX7" fmla="*/ 3218491 w 3218491"/>
+              <a:gd name="connsiteY7" fmla="*/ 531347 h 951270"/>
+              <a:gd name="connsiteX8" fmla="*/ 3218491 w 3218491"/>
+              <a:gd name="connsiteY8" fmla="*/ 951270 h 951270"/>
+              <a:gd name="connsiteX9" fmla="*/ 1341038 w 3218491"/>
+              <a:gd name="connsiteY9" fmla="*/ 951270 h 951270"/>
+              <a:gd name="connsiteX10" fmla="*/ 536415 w 3218491"/>
+              <a:gd name="connsiteY10" fmla="*/ 951270 h 951270"/>
+              <a:gd name="connsiteX11" fmla="*/ 536415 w 3218491"/>
+              <a:gd name="connsiteY11" fmla="*/ 951270 h 951270"/>
+              <a:gd name="connsiteX12" fmla="*/ 0 w 3218491"/>
+              <a:gd name="connsiteY12" fmla="*/ 951270 h 951270"/>
+              <a:gd name="connsiteX13" fmla="*/ 0 w 3218491"/>
+              <a:gd name="connsiteY13" fmla="*/ 531347 h 951270"/>
+              <a:gd name="connsiteX14" fmla="*/ 0 w 3218491"/>
+              <a:gd name="connsiteY14" fmla="*/ 351380 h 951270"/>
+              <a:gd name="connsiteX15" fmla="*/ 0 w 3218491"/>
+              <a:gd name="connsiteY15" fmla="*/ 351380 h 951270"/>
+              <a:gd name="connsiteX16" fmla="*/ 0 w 3218491"/>
+              <a:gd name="connsiteY16" fmla="*/ 231402 h 951270"/>
+            </a:gdLst>
+            <a:ahLst/>
+            <a:cxnLst>
+              <a:cxn ang="0">
+                <a:pos x="connsiteX0" y="connsiteY0"/>
+              </a:cxn>
+              <a:cxn ang="0">
+                <a:pos x="connsiteX1" y="connsiteY1"/>
+              </a:cxn>
+              <a:cxn ang="0">
+                <a:pos x="connsiteX2" y="connsiteY2"/>
+              </a:cxn>
+              <a:cxn ang="0">
+                <a:pos x="connsiteX3" y="connsiteY3"/>
+              </a:cxn>
+              <a:cxn ang="0">
+                <a:pos x="connsiteX4" y="connsiteY4"/>
+              </a:cxn>
+              <a:cxn ang="0">
+                <a:pos x="connsiteX5" y="connsiteY5"/>
+              </a:cxn>
+              <a:cxn ang="0">
+                <a:pos x="connsiteX6" y="connsiteY6"/>
+              </a:cxn>
+              <a:cxn ang="0">
+                <a:pos x="connsiteX7" y="connsiteY7"/>
+              </a:cxn>
+              <a:cxn ang="0">
+                <a:pos x="connsiteX8" y="connsiteY8"/>
+              </a:cxn>
+              <a:cxn ang="0">
+                <a:pos x="connsiteX9" y="connsiteY9"/>
+              </a:cxn>
+              <a:cxn ang="0">
+                <a:pos x="connsiteX10" y="connsiteY10"/>
+              </a:cxn>
+              <a:cxn ang="0">
+                <a:pos x="connsiteX11" y="connsiteY11"/>
+              </a:cxn>
+              <a:cxn ang="0">
+                <a:pos x="connsiteX12" y="connsiteY12"/>
+              </a:cxn>
+              <a:cxn ang="0">
+                <a:pos x="connsiteX13" y="connsiteY13"/>
+              </a:cxn>
+              <a:cxn ang="0">
+                <a:pos x="connsiteX14" y="connsiteY14"/>
+              </a:cxn>
+              <a:cxn ang="0">
+                <a:pos x="connsiteX15" y="connsiteY15"/>
+              </a:cxn>
+              <a:cxn ang="0">
+                <a:pos x="connsiteX16" y="connsiteY16"/>
+              </a:cxn>
+            </a:cxnLst>
+            <a:rect l="l" t="t" r="r" b="b"/>
+            <a:pathLst>
+              <a:path w="3218491" h="951270">
+                <a:moveTo>
+                  <a:pt x="0" y="231402"/>
+                </a:moveTo>
+                <a:lnTo>
+                  <a:pt x="869790" y="240927"/>
+                </a:lnTo>
+                <a:lnTo>
+                  <a:pt x="911541" y="0"/>
+                </a:lnTo>
+                <a:lnTo>
+                  <a:pt x="1121963" y="231402"/>
+                </a:lnTo>
+                <a:lnTo>
+                  <a:pt x="3218491" y="231402"/>
+                </a:lnTo>
+                <a:lnTo>
+                  <a:pt x="3218491" y="351380"/>
+                </a:lnTo>
+                <a:lnTo>
+                  <a:pt x="3218491" y="351380"/>
+                </a:lnTo>
+                <a:lnTo>
+                  <a:pt x="3218491" y="531347"/>
+                </a:lnTo>
+                <a:lnTo>
+                  <a:pt x="3218491" y="951270"/>
+                </a:lnTo>
+                <a:lnTo>
+                  <a:pt x="1341038" y="951270"/>
+                </a:lnTo>
+                <a:lnTo>
+                  <a:pt x="536415" y="951270"/>
+                </a:lnTo>
+                <a:lnTo>
+                  <a:pt x="536415" y="951270"/>
+                </a:lnTo>
+                <a:lnTo>
+                  <a:pt x="0" y="951270"/>
+                </a:lnTo>
+                <a:lnTo>
+                  <a:pt x="0" y="531347"/>
+                </a:lnTo>
+                <a:lnTo>
+                  <a:pt x="0" y="351380"/>
+                </a:lnTo>
+                <a:lnTo>
+                  <a:pt x="0" y="351380"/>
+                </a:lnTo>
+                <a:lnTo>
+                  <a:pt x="0" y="231402"/>
+                </a:lnTo>
+                <a:close/>
+              </a:path>
+            </a:pathLst>
+          </a:custGeom>
+          <a:solidFill>
+            <a:schemeClr val="bg1"/>
+          </a:solidFill>
+          <a:ln w="38100">
+            <a:solidFill>
+              <a:schemeClr val="accent6">
+                <a:lumMod val="90000"/>
+                <a:lumOff val="10000"/>
+              </a:schemeClr>
+            </a:solidFill>
+          </a:ln>
+          <a:effectLst/>
+          <a:extLst/>
+        </p:spPr>
+        <p:txBody>
+          <a:bodyPr rot="0" spcFirstLastPara="0" vertOverflow="overflow" horzOverflow="overflow" vert="horz" wrap="none" lIns="72000" tIns="72000" rIns="72000" bIns="72000" numCol="1" spcCol="0" rtlCol="0" fromWordArt="0" anchor="ctr" anchorCtr="0" forceAA="0" compatLnSpc="1">
+            <a:prstTxWarp prst="textNoShape">
+              <a:avLst/>
+            </a:prstTxWarp>
+            <a:noAutofit/>
+          </a:bodyPr>
+          <a:lstStyle/>
+          <a:p>
+            <a:pPr algn="ctr"/>
+            <a:r>
+              <a:rPr lang="en-US" altLang="ja-JP" sz="1600" b="1" dirty="0" smtClean="0">
+                <a:latin typeface="+mn-ea"/>
+              </a:rPr>
+              <a:t/>
+            </a:r>
+            <a:br>
+              <a:rPr lang="en-US" altLang="ja-JP" sz="1600" b="1" dirty="0" smtClean="0">
+                <a:latin typeface="+mn-ea"/>
+              </a:rPr>
+            </a:br>
+            <a:r>
+              <a:rPr lang="en-US" altLang="ja-JP" sz="1600" b="1" dirty="0" smtClean="0">
+                <a:latin typeface="+mn-ea"/>
+              </a:rPr>
+              <a:t/>
+            </a:r>
+            <a:br>
+              <a:rPr lang="en-US" altLang="ja-JP" sz="1600" b="1" dirty="0" smtClean="0">
+                <a:latin typeface="+mn-ea"/>
+              </a:rPr>
+            </a:br>
+            <a:r>
+              <a:rPr lang="ja-JP" altLang="en-US" sz="1600" b="1" dirty="0" smtClean="0">
+                <a:latin typeface="+mn-ea"/>
+              </a:rPr>
+              <a:t>タブを選択する</a:t>
+            </a:r>
+            <a:r>
+              <a:rPr lang="ja-JP" altLang="en-US" sz="1600" b="1" dirty="0">
+                <a:latin typeface="+mn-ea"/>
+              </a:rPr>
+              <a:t>ことで</a:t>
+            </a:r>
+            <a:r>
+              <a:rPr lang="en-US" altLang="ja-JP" sz="1600" b="1" dirty="0">
+                <a:latin typeface="+mn-ea"/>
+              </a:rPr>
+              <a:t/>
+            </a:r>
+            <a:br>
+              <a:rPr lang="en-US" altLang="ja-JP" sz="1600" b="1" dirty="0">
+                <a:latin typeface="+mn-ea"/>
+              </a:rPr>
+            </a:br>
+            <a:r>
+              <a:rPr lang="ja-JP" altLang="en-US" sz="1600" b="1" dirty="0" smtClean="0">
+                <a:latin typeface="+mn-ea"/>
+              </a:rPr>
+              <a:t>オブジェクトの整列ができます</a:t>
+            </a:r>
+            <a:endParaRPr lang="ja-JP" altLang="en-US" sz="1600" b="1" dirty="0">
+              <a:latin typeface="+mn-ea"/>
+            </a:endParaRPr>
+          </a:p>
+          <a:p>
+            <a:pPr algn="ctr"/>
+            <a:endParaRPr kumimoji="1" lang="ja-JP" altLang="en-US" sz="1600" b="1" dirty="0" smtClean="0">
+              <a:latin typeface="+mn-ea"/>
+            </a:endParaRPr>
+          </a:p>
+        </p:txBody>
+      </p:sp>
     </p:spTree>
     <p:extLst>
       <p:ext uri="{BB962C8B-B14F-4D97-AF65-F5344CB8AC3E}">
@@ -8404,27 +11938,23 @@
             </a:r>
             <a:r>
               <a:rPr lang="ja-JP" altLang="en-US" dirty="0" smtClean="0"/>
-              <a:t>メニュー</a:t>
+              <a:t>メニューの機能</a:t>
             </a:r>
             <a:r>
               <a:rPr lang="ja-JP" altLang="en-US" dirty="0"/>
-              <a:t>の</a:t>
-            </a:r>
-            <a:r>
-              <a:rPr lang="ja-JP" altLang="en-US" dirty="0" smtClean="0"/>
-              <a:t>機能説明</a:t>
-            </a:r>
-            <a:r>
-              <a:rPr lang="ja-JP" altLang="en-US" dirty="0"/>
-              <a:t>　</a:t>
+              <a:t>説明　</a:t>
             </a:r>
             <a:r>
               <a:rPr lang="ja-JP" altLang="en-US" dirty="0" smtClean="0"/>
               <a:t>（</a:t>
             </a:r>
             <a:r>
+              <a:rPr lang="en-US" altLang="ja-JP" dirty="0"/>
+              <a:t>5</a:t>
+            </a:r>
+            <a:r>
               <a:rPr lang="en-US" altLang="ja-JP" dirty="0" smtClean="0"/>
-              <a:t>5/10</a:t>
+              <a:t>/11</a:t>
             </a:r>
             <a:r>
               <a:rPr lang="ja-JP" altLang="en-US" dirty="0" smtClean="0"/>
@@ -8458,59 +11988,46 @@
               <a:t>Conductor</a:t>
             </a:r>
             <a:r>
-              <a:rPr lang="ja-JP" altLang="en-US" b="1" dirty="0"/>
-              <a:t>作業</a:t>
-            </a:r>
-            <a:r>
               <a:rPr lang="ja-JP" altLang="en-US" b="1" dirty="0" smtClean="0"/>
-              <a:t>実行</a:t>
+              <a:t>クラス編集（</a:t>
+            </a:r>
+            <a:r>
+              <a:rPr lang="en-US" altLang="ja-JP" b="1" dirty="0"/>
+              <a:t>4</a:t>
             </a:r>
             <a:r>
               <a:rPr lang="en-US" altLang="ja-JP" b="1" dirty="0" smtClean="0"/>
-              <a:t>(1/2)</a:t>
-            </a:r>
-            <a:endParaRPr lang="en-US" altLang="ja-JP" dirty="0" smtClean="0"/>
+              <a:t>/4</a:t>
+            </a:r>
+            <a:r>
+              <a:rPr lang="ja-JP" altLang="en-US" b="1" dirty="0" smtClean="0"/>
+              <a:t>）</a:t>
+            </a:r>
+            <a:endParaRPr lang="en-US" altLang="ja-JP" b="1" dirty="0"/>
           </a:p>
           <a:p>
             <a:pPr lvl="1"/>
             <a:r>
               <a:rPr lang="ja-JP" altLang="en-US" dirty="0" smtClean="0"/>
-              <a:t>「</a:t>
+              <a:t>使用可能な</a:t>
             </a:r>
             <a:r>
               <a:rPr lang="en-US" altLang="ja-JP" dirty="0" smtClean="0"/>
-              <a:t>Conductor</a:t>
-            </a:r>
-            <a:r>
-              <a:rPr lang="ja-JP" altLang="en-US" dirty="0"/>
-              <a:t>作業</a:t>
+              <a:t>Function</a:t>
             </a:r>
             <a:r>
               <a:rPr lang="ja-JP" altLang="en-US" dirty="0" smtClean="0"/>
-              <a:t>実行」メニューでは作成した</a:t>
-            </a:r>
-            <a:r>
-              <a:rPr lang="en-US" altLang="ja-JP" dirty="0" smtClean="0"/>
-              <a:t>Conductor</a:t>
-            </a:r>
-            <a:r>
-              <a:rPr lang="ja-JP" altLang="en-US" dirty="0" err="1" smtClean="0"/>
-              <a:t>、</a:t>
+              <a:t>を記載します。詳細は</a:t>
+            </a:r>
+            <a:r>
+              <a:rPr lang="ja-JP" altLang="en-US" dirty="0">
+                <a:hlinkClick r:id="rId2"/>
+              </a:rPr>
+              <a:t>マニュアル</a:t>
             </a:r>
             <a:r>
               <a:rPr lang="ja-JP" altLang="en-US" dirty="0" smtClean="0"/>
-              <a:t>オペレーションを選択し</a:t>
-            </a:r>
-            <a:r>
-              <a:rPr lang="en-US" altLang="ja-JP" dirty="0" smtClean="0"/>
-              <a:t/>
-            </a:r>
-            <a:br>
-              <a:rPr lang="en-US" altLang="ja-JP" dirty="0" smtClean="0"/>
-            </a:br>
-            <a:r>
-              <a:rPr lang="ja-JP" altLang="en-US" dirty="0" smtClean="0"/>
-              <a:t>実行します。</a:t>
+              <a:t>をご覧ください。</a:t>
             </a:r>
             <a:endParaRPr lang="en-US" altLang="ja-JP" dirty="0"/>
           </a:p>
@@ -8518,274 +12035,80 @@
       </p:sp>
       <p:pic>
         <p:nvPicPr>
-          <p:cNvPr id="4" name="図 3"/>
+          <p:cNvPr id="10" name="図 9"/>
           <p:cNvPicPr>
             <a:picLocks noChangeAspect="1"/>
           </p:cNvPicPr>
           <p:nvPr/>
         </p:nvPicPr>
         <p:blipFill>
-          <a:blip r:embed="rId2"/>
+          <a:blip r:embed="rId3"/>
           <a:stretch>
             <a:fillRect/>
           </a:stretch>
         </p:blipFill>
         <p:spPr>
           <a:xfrm>
-            <a:off x="205078" y="2033630"/>
-            <a:ext cx="6364442" cy="4419558"/>
+            <a:off x="56188" y="1628750"/>
+            <a:ext cx="4464499" cy="4267520"/>
           </a:xfrm>
           <a:prstGeom prst="rect">
             <a:avLst/>
           </a:prstGeom>
         </p:spPr>
       </p:pic>
-      <p:sp>
-        <p:nvSpPr>
-          <p:cNvPr id="5" name="四角形吹き出し 4"/>
-          <p:cNvSpPr/>
+      <p:pic>
+        <p:nvPicPr>
+          <p:cNvPr id="11" name="図 10"/>
+          <p:cNvPicPr>
+            <a:picLocks noChangeAspect="1"/>
+          </p:cNvPicPr>
           <p:nvPr/>
-        </p:nvSpPr>
-        <p:spPr bwMode="auto">
+        </p:nvPicPr>
+        <p:blipFill>
+          <a:blip r:embed="rId4"/>
+          <a:stretch>
+            <a:fillRect/>
+          </a:stretch>
+        </p:blipFill>
+        <p:spPr>
           <a:xfrm>
-            <a:off x="5771563" y="2348850"/>
-            <a:ext cx="3218491" cy="719868"/>
-          </a:xfrm>
-          <a:prstGeom prst="wedgeRectCallout">
-            <a:avLst>
-              <a:gd name="adj1" fmla="val -171493"/>
-              <a:gd name="adj2" fmla="val 36521"/>
-            </a:avLst>
-          </a:prstGeom>
-          <a:solidFill>
-            <a:schemeClr val="bg1"/>
-          </a:solidFill>
-          <a:ln w="38100">
-            <a:solidFill>
-              <a:schemeClr val="accent6">
-                <a:lumMod val="90000"/>
-                <a:lumOff val="10000"/>
-              </a:schemeClr>
-            </a:solidFill>
-          </a:ln>
-          <a:effectLst/>
-          <a:extLst/>
-        </p:spPr>
-        <p:txBody>
-          <a:bodyPr rot="0" spcFirstLastPara="0" vertOverflow="overflow" horzOverflow="overflow" vert="horz" wrap="none" lIns="72000" tIns="72000" rIns="72000" bIns="72000" numCol="1" spcCol="0" rtlCol="0" fromWordArt="0" anchor="ctr" anchorCtr="0" forceAA="0" compatLnSpc="1">
-            <a:prstTxWarp prst="textNoShape">
-              <a:avLst/>
-            </a:prstTxWarp>
-            <a:noAutofit/>
-          </a:bodyPr>
-          <a:lstStyle/>
-          <a:p>
-            <a:pPr algn="ctr"/>
-            <a:r>
-              <a:rPr kumimoji="1" lang="ja-JP" altLang="en-US" sz="1600" b="1" dirty="0" smtClean="0">
-                <a:latin typeface="+mn-ea"/>
-              </a:rPr>
-              <a:t>実行タイミングの</a:t>
-            </a:r>
-            <a:r>
-              <a:rPr kumimoji="1" lang="en-US" altLang="ja-JP" sz="1600" b="1" dirty="0" smtClean="0">
-                <a:latin typeface="+mn-ea"/>
-              </a:rPr>
-              <a:t/>
-            </a:r>
-            <a:br>
-              <a:rPr kumimoji="1" lang="en-US" altLang="ja-JP" sz="1600" b="1" dirty="0" smtClean="0">
-                <a:latin typeface="+mn-ea"/>
-              </a:rPr>
-            </a:br>
-            <a:r>
-              <a:rPr kumimoji="1" lang="ja-JP" altLang="en-US" sz="1600" b="1" dirty="0" smtClean="0">
-                <a:latin typeface="+mn-ea"/>
-              </a:rPr>
-              <a:t>スケジューリングが可能です</a:t>
-            </a:r>
-          </a:p>
-        </p:txBody>
-      </p:sp>
-      <p:sp>
-        <p:nvSpPr>
-          <p:cNvPr id="6" name="正方形/長方形 5"/>
-          <p:cNvSpPr/>
-          <p:nvPr/>
-        </p:nvSpPr>
-        <p:spPr bwMode="auto">
-          <a:xfrm>
-            <a:off x="683460" y="2826415"/>
-            <a:ext cx="1080150" cy="242303"/>
+            <a:off x="4571513" y="1772770"/>
+            <a:ext cx="4464000" cy="1800250"/>
           </a:xfrm>
           <a:prstGeom prst="rect">
             <a:avLst/>
           </a:prstGeom>
-          <a:noFill/>
-          <a:ln w="38100">
-            <a:solidFill>
-              <a:srgbClr val="FF0000"/>
-            </a:solidFill>
-          </a:ln>
-          <a:effectLst/>
-          <a:extLst/>
         </p:spPr>
-        <p:txBody>
-          <a:bodyPr rot="0" spcFirstLastPara="0" vertOverflow="overflow" horzOverflow="overflow" vert="horz" wrap="none" lIns="72000" tIns="72000" rIns="72000" bIns="72000" numCol="1" spcCol="0" rtlCol="0" fromWordArt="0" anchor="ctr" anchorCtr="0" forceAA="0" compatLnSpc="1">
-            <a:prstTxWarp prst="textNoShape">
-              <a:avLst/>
-            </a:prstTxWarp>
-            <a:noAutofit/>
-          </a:bodyPr>
-          <a:lstStyle/>
-          <a:p>
-            <a:pPr algn="ctr"/>
-            <a:endParaRPr kumimoji="1" lang="ja-JP" altLang="en-US" b="1" dirty="0" smtClean="0">
-              <a:latin typeface="+mn-ea"/>
-            </a:endParaRPr>
-          </a:p>
-        </p:txBody>
-      </p:sp>
-      <p:sp>
-        <p:nvSpPr>
-          <p:cNvPr id="7" name="四角形吹き出し 6"/>
-          <p:cNvSpPr/>
+      </p:pic>
+      <p:pic>
+        <p:nvPicPr>
+          <p:cNvPr id="12" name="図 11"/>
+          <p:cNvPicPr>
+            <a:picLocks noChangeAspect="1"/>
+          </p:cNvPicPr>
           <p:nvPr/>
-        </p:nvSpPr>
-        <p:spPr bwMode="auto">
+        </p:nvPicPr>
+        <p:blipFill>
+          <a:blip r:embed="rId5"/>
+          <a:stretch>
+            <a:fillRect/>
+          </a:stretch>
+        </p:blipFill>
+        <p:spPr>
           <a:xfrm>
-            <a:off x="5771563" y="4114500"/>
-            <a:ext cx="3218491" cy="719868"/>
-          </a:xfrm>
-          <a:prstGeom prst="wedgeRectCallout">
-            <a:avLst>
-              <a:gd name="adj1" fmla="val -169158"/>
-              <a:gd name="adj2" fmla="val 15640"/>
-            </a:avLst>
-          </a:prstGeom>
-          <a:solidFill>
-            <a:schemeClr val="bg1"/>
-          </a:solidFill>
-          <a:ln w="38100">
-            <a:solidFill>
-              <a:schemeClr val="accent6">
-                <a:lumMod val="90000"/>
-                <a:lumOff val="10000"/>
-              </a:schemeClr>
-            </a:solidFill>
-          </a:ln>
-          <a:effectLst/>
-          <a:extLst/>
-        </p:spPr>
-        <p:txBody>
-          <a:bodyPr rot="0" spcFirstLastPara="0" vertOverflow="overflow" horzOverflow="overflow" vert="horz" wrap="none" lIns="72000" tIns="72000" rIns="72000" bIns="72000" numCol="1" spcCol="0" rtlCol="0" fromWordArt="0" anchor="ctr" anchorCtr="0" forceAA="0" compatLnSpc="1">
-            <a:prstTxWarp prst="textNoShape">
-              <a:avLst/>
-            </a:prstTxWarp>
-            <a:noAutofit/>
-          </a:bodyPr>
-          <a:lstStyle/>
-          <a:p>
-            <a:pPr algn="ctr"/>
-            <a:r>
-              <a:rPr lang="ja-JP" altLang="en-US" sz="1600" b="1" dirty="0">
-                <a:latin typeface="+mn-ea"/>
-              </a:rPr>
-              <a:t>実行</a:t>
-            </a:r>
-            <a:r>
-              <a:rPr lang="ja-JP" altLang="en-US" sz="1600" b="1" dirty="0" err="1" smtClean="0">
-                <a:latin typeface="+mn-ea"/>
-              </a:rPr>
-              <a:t>する</a:t>
-            </a:r>
-            <a:r>
-              <a:rPr kumimoji="1" lang="ja-JP" altLang="en-US" sz="1600" b="1" dirty="0" err="1" smtClean="0">
-                <a:latin typeface="+mn-ea"/>
-              </a:rPr>
-              <a:t>した</a:t>
-            </a:r>
-            <a:r>
-              <a:rPr kumimoji="1" lang="en-US" altLang="ja-JP" sz="1600" b="1" dirty="0" smtClean="0">
-                <a:latin typeface="+mn-ea"/>
-              </a:rPr>
-              <a:t>Conductor</a:t>
-            </a:r>
-            <a:r>
-              <a:rPr kumimoji="1" lang="ja-JP" altLang="en-US" sz="1600" b="1" dirty="0" err="1" smtClean="0">
-                <a:latin typeface="+mn-ea"/>
-              </a:rPr>
-              <a:t>、</a:t>
-            </a:r>
-            <a:r>
-              <a:rPr kumimoji="1" lang="en-US" altLang="ja-JP" sz="1600" b="1" dirty="0" smtClean="0">
-                <a:latin typeface="+mn-ea"/>
-              </a:rPr>
-              <a:t/>
-            </a:r>
-            <a:br>
-              <a:rPr kumimoji="1" lang="en-US" altLang="ja-JP" sz="1600" b="1" dirty="0" smtClean="0">
-                <a:latin typeface="+mn-ea"/>
-              </a:rPr>
-            </a:br>
-            <a:r>
-              <a:rPr lang="ja-JP" altLang="en-US" sz="1600" b="1" dirty="0" smtClean="0">
-                <a:latin typeface="+mn-ea"/>
-              </a:rPr>
-              <a:t>オペレーションを</a:t>
-            </a:r>
-            <a:r>
-              <a:rPr kumimoji="1" lang="ja-JP" altLang="en-US" sz="1600" b="1" dirty="0" smtClean="0">
-                <a:latin typeface="+mn-ea"/>
-              </a:rPr>
-              <a:t>選択できます</a:t>
-            </a:r>
-          </a:p>
-        </p:txBody>
-      </p:sp>
-      <p:sp>
-        <p:nvSpPr>
-          <p:cNvPr id="8" name="正方形/長方形 7"/>
-          <p:cNvSpPr/>
-          <p:nvPr/>
-        </p:nvSpPr>
-        <p:spPr bwMode="auto">
-          <a:xfrm>
-            <a:off x="323410" y="4095755"/>
-            <a:ext cx="3816530" cy="413395"/>
+            <a:off x="4564825" y="1584000"/>
+            <a:ext cx="4477375" cy="209579"/>
           </a:xfrm>
           <a:prstGeom prst="rect">
             <a:avLst/>
           </a:prstGeom>
-          <a:noFill/>
-          <a:ln w="38100">
-            <a:solidFill>
-              <a:srgbClr val="FF0000"/>
-            </a:solidFill>
-          </a:ln>
-          <a:effectLst/>
-          <a:extLst/>
         </p:spPr>
-        <p:txBody>
-          <a:bodyPr rot="0" spcFirstLastPara="0" vertOverflow="overflow" horzOverflow="overflow" vert="horz" wrap="none" lIns="72000" tIns="72000" rIns="72000" bIns="72000" numCol="1" spcCol="0" rtlCol="0" fromWordArt="0" anchor="ctr" anchorCtr="0" forceAA="0" compatLnSpc="1">
-            <a:prstTxWarp prst="textNoShape">
-              <a:avLst/>
-            </a:prstTxWarp>
-            <a:noAutofit/>
-          </a:bodyPr>
-          <a:lstStyle/>
-          <a:p>
-            <a:pPr algn="ctr"/>
-            <a:endParaRPr kumimoji="1" lang="ja-JP" altLang="en-US" b="1" dirty="0" smtClean="0">
-              <a:latin typeface="+mn-ea"/>
-            </a:endParaRPr>
-          </a:p>
-        </p:txBody>
-      </p:sp>
+      </p:pic>
     </p:spTree>
     <p:extLst>
       <p:ext uri="{BB962C8B-B14F-4D97-AF65-F5344CB8AC3E}">
-        <p14:creationId xmlns:p14="http://schemas.microsoft.com/office/powerpoint/2010/main" val="3010662982"/>
+        <p14:creationId xmlns:p14="http://schemas.microsoft.com/office/powerpoint/2010/main" val="2396449005"/>
       </p:ext>
     </p:extLst>
   </p:cSld>
@@ -8819,6 +12142,30 @@
           <a:chExt cx="0" cy="0"/>
         </a:xfrm>
       </p:grpSpPr>
+      <p:pic>
+        <p:nvPicPr>
+          <p:cNvPr id="12" name="図 11"/>
+          <p:cNvPicPr>
+            <a:picLocks noChangeAspect="1"/>
+          </p:cNvPicPr>
+          <p:nvPr/>
+        </p:nvPicPr>
+        <p:blipFill>
+          <a:blip r:embed="rId2"/>
+          <a:stretch>
+            <a:fillRect/>
+          </a:stretch>
+        </p:blipFill>
+        <p:spPr>
+          <a:xfrm>
+            <a:off x="211132" y="1833153"/>
+            <a:ext cx="6665188" cy="4608000"/>
+          </a:xfrm>
+          <a:prstGeom prst="rect">
+            <a:avLst/>
+          </a:prstGeom>
+        </p:spPr>
+      </p:pic>
       <p:sp>
         <p:nvSpPr>
           <p:cNvPr id="2" name="タイトル 1"/>
@@ -8867,8 +12214,436 @@
               <a:t>（</a:t>
             </a:r>
             <a:r>
+              <a:rPr lang="en-US" altLang="ja-JP" dirty="0"/>
+              <a:t>6</a:t>
+            </a:r>
+            <a:r>
               <a:rPr lang="en-US" altLang="ja-JP" dirty="0" smtClean="0"/>
-              <a:t>6/10</a:t>
+              <a:t>/11</a:t>
+            </a:r>
+            <a:r>
+              <a:rPr lang="ja-JP" altLang="en-US" dirty="0" smtClean="0"/>
+              <a:t>）</a:t>
+            </a:r>
+            <a:endParaRPr kumimoji="1" lang="ja-JP" altLang="en-US" dirty="0"/>
+          </a:p>
+        </p:txBody>
+      </p:sp>
+      <p:sp>
+        <p:nvSpPr>
+          <p:cNvPr id="3" name="コンテンツ プレースホルダー 2"/>
+          <p:cNvSpPr>
+            <a:spLocks noGrp="1"/>
+          </p:cNvSpPr>
+          <p:nvPr>
+            <p:ph sz="quarter" idx="10"/>
+          </p:nvPr>
+        </p:nvSpPr>
+        <p:spPr/>
+        <p:txBody>
+          <a:bodyPr/>
+          <a:lstStyle/>
+          <a:p>
+            <a:pPr>
+              <a:buFont typeface="Wingdings" panose="05000000000000000000" pitchFamily="2" charset="2"/>
+              <a:buChar char="l"/>
+            </a:pPr>
+            <a:r>
+              <a:rPr lang="en-US" altLang="ja-JP" b="1" dirty="0"/>
+              <a:t>Conductor</a:t>
+            </a:r>
+            <a:r>
+              <a:rPr lang="ja-JP" altLang="en-US" b="1" dirty="0"/>
+              <a:t>作業</a:t>
+            </a:r>
+            <a:r>
+              <a:rPr lang="ja-JP" altLang="en-US" b="1" dirty="0" smtClean="0"/>
+              <a:t>実行</a:t>
+            </a:r>
+            <a:r>
+              <a:rPr lang="en-US" altLang="ja-JP" b="1" dirty="0" smtClean="0"/>
+              <a:t>(1/2)</a:t>
+            </a:r>
+            <a:endParaRPr lang="en-US" altLang="ja-JP" dirty="0" smtClean="0"/>
+          </a:p>
+          <a:p>
+            <a:pPr lvl="1"/>
+            <a:r>
+              <a:rPr lang="ja-JP" altLang="en-US" dirty="0" smtClean="0"/>
+              <a:t>「</a:t>
+            </a:r>
+            <a:r>
+              <a:rPr lang="en-US" altLang="ja-JP" dirty="0" smtClean="0"/>
+              <a:t>Conductor</a:t>
+            </a:r>
+            <a:r>
+              <a:rPr lang="ja-JP" altLang="en-US" dirty="0"/>
+              <a:t>作業</a:t>
+            </a:r>
+            <a:r>
+              <a:rPr lang="ja-JP" altLang="en-US" dirty="0" smtClean="0"/>
+              <a:t>実行」メニューでは作成した</a:t>
+            </a:r>
+            <a:r>
+              <a:rPr lang="en-US" altLang="ja-JP" dirty="0" smtClean="0"/>
+              <a:t>Conductor</a:t>
+            </a:r>
+            <a:r>
+              <a:rPr lang="ja-JP" altLang="en-US" dirty="0" err="1" smtClean="0"/>
+              <a:t>、</a:t>
+            </a:r>
+            <a:r>
+              <a:rPr lang="ja-JP" altLang="en-US" dirty="0" smtClean="0"/>
+              <a:t>オペレーションを選択し</a:t>
+            </a:r>
+            <a:r>
+              <a:rPr lang="en-US" altLang="ja-JP" dirty="0" smtClean="0"/>
+              <a:t/>
+            </a:r>
+            <a:br>
+              <a:rPr lang="en-US" altLang="ja-JP" dirty="0" smtClean="0"/>
+            </a:br>
+            <a:r>
+              <a:rPr lang="ja-JP" altLang="en-US" dirty="0" smtClean="0"/>
+              <a:t>実行します。</a:t>
+            </a:r>
+            <a:endParaRPr lang="en-US" altLang="ja-JP" dirty="0"/>
+          </a:p>
+        </p:txBody>
+      </p:sp>
+      <p:sp>
+        <p:nvSpPr>
+          <p:cNvPr id="5" name="四角形吹き出し 4"/>
+          <p:cNvSpPr/>
+          <p:nvPr/>
+        </p:nvSpPr>
+        <p:spPr bwMode="auto">
+          <a:xfrm>
+            <a:off x="5580140" y="2147781"/>
+            <a:ext cx="3218491" cy="719868"/>
+          </a:xfrm>
+          <a:prstGeom prst="wedgeRectCallout">
+            <a:avLst>
+              <a:gd name="adj1" fmla="val -171493"/>
+              <a:gd name="adj2" fmla="val 36521"/>
+            </a:avLst>
+          </a:prstGeom>
+          <a:solidFill>
+            <a:schemeClr val="bg1"/>
+          </a:solidFill>
+          <a:ln w="38100">
+            <a:solidFill>
+              <a:schemeClr val="accent6">
+                <a:lumMod val="90000"/>
+                <a:lumOff val="10000"/>
+              </a:schemeClr>
+            </a:solidFill>
+          </a:ln>
+          <a:effectLst/>
+          <a:extLst/>
+        </p:spPr>
+        <p:txBody>
+          <a:bodyPr rot="0" spcFirstLastPara="0" vertOverflow="overflow" horzOverflow="overflow" vert="horz" wrap="none" lIns="72000" tIns="72000" rIns="72000" bIns="72000" numCol="1" spcCol="0" rtlCol="0" fromWordArt="0" anchor="ctr" anchorCtr="0" forceAA="0" compatLnSpc="1">
+            <a:prstTxWarp prst="textNoShape">
+              <a:avLst/>
+            </a:prstTxWarp>
+            <a:noAutofit/>
+          </a:bodyPr>
+          <a:lstStyle/>
+          <a:p>
+            <a:pPr algn="ctr"/>
+            <a:r>
+              <a:rPr kumimoji="1" lang="ja-JP" altLang="en-US" sz="1600" b="1" dirty="0" smtClean="0">
+                <a:latin typeface="+mn-ea"/>
+              </a:rPr>
+              <a:t>実行タイミングの</a:t>
+            </a:r>
+            <a:r>
+              <a:rPr kumimoji="1" lang="en-US" altLang="ja-JP" sz="1600" b="1" dirty="0" smtClean="0">
+                <a:latin typeface="+mn-ea"/>
+              </a:rPr>
+              <a:t/>
+            </a:r>
+            <a:br>
+              <a:rPr kumimoji="1" lang="en-US" altLang="ja-JP" sz="1600" b="1" dirty="0" smtClean="0">
+                <a:latin typeface="+mn-ea"/>
+              </a:rPr>
+            </a:br>
+            <a:r>
+              <a:rPr kumimoji="1" lang="ja-JP" altLang="en-US" sz="1600" b="1" dirty="0" smtClean="0">
+                <a:latin typeface="+mn-ea"/>
+              </a:rPr>
+              <a:t>スケジューリングが可能です</a:t>
+            </a:r>
+          </a:p>
+        </p:txBody>
+      </p:sp>
+      <p:sp>
+        <p:nvSpPr>
+          <p:cNvPr id="6" name="正方形/長方形 5"/>
+          <p:cNvSpPr/>
+          <p:nvPr/>
+        </p:nvSpPr>
+        <p:spPr bwMode="auto">
+          <a:xfrm>
+            <a:off x="611450" y="2601000"/>
+            <a:ext cx="936130" cy="242303"/>
+          </a:xfrm>
+          <a:prstGeom prst="rect">
+            <a:avLst/>
+          </a:prstGeom>
+          <a:noFill/>
+          <a:ln w="38100">
+            <a:solidFill>
+              <a:srgbClr val="FF0000"/>
+            </a:solidFill>
+          </a:ln>
+          <a:effectLst/>
+          <a:extLst/>
+        </p:spPr>
+        <p:txBody>
+          <a:bodyPr rot="0" spcFirstLastPara="0" vertOverflow="overflow" horzOverflow="overflow" vert="horz" wrap="none" lIns="72000" tIns="72000" rIns="72000" bIns="72000" numCol="1" spcCol="0" rtlCol="0" fromWordArt="0" anchor="ctr" anchorCtr="0" forceAA="0" compatLnSpc="1">
+            <a:prstTxWarp prst="textNoShape">
+              <a:avLst/>
+            </a:prstTxWarp>
+            <a:noAutofit/>
+          </a:bodyPr>
+          <a:lstStyle/>
+          <a:p>
+            <a:pPr algn="ctr"/>
+            <a:endParaRPr kumimoji="1" lang="ja-JP" altLang="en-US" b="1" dirty="0" smtClean="0">
+              <a:latin typeface="+mn-ea"/>
+            </a:endParaRPr>
+          </a:p>
+        </p:txBody>
+      </p:sp>
+      <p:sp>
+        <p:nvSpPr>
+          <p:cNvPr id="7" name="四角形吹き出し 6"/>
+          <p:cNvSpPr/>
+          <p:nvPr/>
+        </p:nvSpPr>
+        <p:spPr bwMode="auto">
+          <a:xfrm>
+            <a:off x="5745022" y="4021770"/>
+            <a:ext cx="3218491" cy="719868"/>
+          </a:xfrm>
+          <a:prstGeom prst="wedgeRectCallout">
+            <a:avLst>
+              <a:gd name="adj1" fmla="val -169158"/>
+              <a:gd name="adj2" fmla="val 15640"/>
+            </a:avLst>
+          </a:prstGeom>
+          <a:solidFill>
+            <a:schemeClr val="bg1"/>
+          </a:solidFill>
+          <a:ln w="38100">
+            <a:solidFill>
+              <a:schemeClr val="accent6">
+                <a:lumMod val="90000"/>
+                <a:lumOff val="10000"/>
+              </a:schemeClr>
+            </a:solidFill>
+          </a:ln>
+          <a:effectLst/>
+          <a:extLst/>
+        </p:spPr>
+        <p:txBody>
+          <a:bodyPr rot="0" spcFirstLastPara="0" vertOverflow="overflow" horzOverflow="overflow" vert="horz" wrap="none" lIns="72000" tIns="72000" rIns="72000" bIns="72000" numCol="1" spcCol="0" rtlCol="0" fromWordArt="0" anchor="ctr" anchorCtr="0" forceAA="0" compatLnSpc="1">
+            <a:prstTxWarp prst="textNoShape">
+              <a:avLst/>
+            </a:prstTxWarp>
+            <a:noAutofit/>
+          </a:bodyPr>
+          <a:lstStyle/>
+          <a:p>
+            <a:pPr algn="ctr"/>
+            <a:r>
+              <a:rPr lang="ja-JP" altLang="en-US" sz="1600" b="1" dirty="0">
+                <a:latin typeface="+mn-ea"/>
+              </a:rPr>
+              <a:t>実行</a:t>
+            </a:r>
+            <a:r>
+              <a:rPr lang="ja-JP" altLang="en-US" sz="1600" b="1" dirty="0" err="1" smtClean="0">
+                <a:latin typeface="+mn-ea"/>
+              </a:rPr>
+              <a:t>する</a:t>
+            </a:r>
+            <a:r>
+              <a:rPr kumimoji="1" lang="ja-JP" altLang="en-US" sz="1600" b="1" dirty="0" err="1" smtClean="0">
+                <a:latin typeface="+mn-ea"/>
+              </a:rPr>
+              <a:t>した</a:t>
+            </a:r>
+            <a:r>
+              <a:rPr kumimoji="1" lang="en-US" altLang="ja-JP" sz="1600" b="1" dirty="0" smtClean="0">
+                <a:latin typeface="+mn-ea"/>
+              </a:rPr>
+              <a:t>Conductor</a:t>
+            </a:r>
+            <a:r>
+              <a:rPr kumimoji="1" lang="ja-JP" altLang="en-US" sz="1600" b="1" dirty="0" err="1" smtClean="0">
+                <a:latin typeface="+mn-ea"/>
+              </a:rPr>
+              <a:t>、</a:t>
+            </a:r>
+            <a:r>
+              <a:rPr kumimoji="1" lang="en-US" altLang="ja-JP" sz="1600" b="1" dirty="0" smtClean="0">
+                <a:latin typeface="+mn-ea"/>
+              </a:rPr>
+              <a:t/>
+            </a:r>
+            <a:br>
+              <a:rPr kumimoji="1" lang="en-US" altLang="ja-JP" sz="1600" b="1" dirty="0" smtClean="0">
+                <a:latin typeface="+mn-ea"/>
+              </a:rPr>
+            </a:br>
+            <a:r>
+              <a:rPr lang="ja-JP" altLang="en-US" sz="1600" b="1" dirty="0" smtClean="0">
+                <a:latin typeface="+mn-ea"/>
+              </a:rPr>
+              <a:t>オペレーションを</a:t>
+            </a:r>
+            <a:r>
+              <a:rPr kumimoji="1" lang="ja-JP" altLang="en-US" sz="1600" b="1" dirty="0" smtClean="0">
+                <a:latin typeface="+mn-ea"/>
+              </a:rPr>
+              <a:t>選択できます</a:t>
+            </a:r>
+          </a:p>
+        </p:txBody>
+      </p:sp>
+      <p:sp>
+        <p:nvSpPr>
+          <p:cNvPr id="8" name="正方形/長方形 7"/>
+          <p:cNvSpPr/>
+          <p:nvPr/>
+        </p:nvSpPr>
+        <p:spPr bwMode="auto">
+          <a:xfrm>
+            <a:off x="323410" y="4022135"/>
+            <a:ext cx="4176580" cy="413395"/>
+          </a:xfrm>
+          <a:prstGeom prst="rect">
+            <a:avLst/>
+          </a:prstGeom>
+          <a:noFill/>
+          <a:ln w="38100">
+            <a:solidFill>
+              <a:srgbClr val="FF0000"/>
+            </a:solidFill>
+          </a:ln>
+          <a:effectLst/>
+          <a:extLst/>
+        </p:spPr>
+        <p:txBody>
+          <a:bodyPr rot="0" spcFirstLastPara="0" vertOverflow="overflow" horzOverflow="overflow" vert="horz" wrap="none" lIns="72000" tIns="72000" rIns="72000" bIns="72000" numCol="1" spcCol="0" rtlCol="0" fromWordArt="0" anchor="ctr" anchorCtr="0" forceAA="0" compatLnSpc="1">
+            <a:prstTxWarp prst="textNoShape">
+              <a:avLst/>
+            </a:prstTxWarp>
+            <a:noAutofit/>
+          </a:bodyPr>
+          <a:lstStyle/>
+          <a:p>
+            <a:pPr algn="ctr"/>
+            <a:endParaRPr kumimoji="1" lang="ja-JP" altLang="en-US" b="1" dirty="0" smtClean="0">
+              <a:latin typeface="+mn-ea"/>
+            </a:endParaRPr>
+          </a:p>
+        </p:txBody>
+      </p:sp>
+    </p:spTree>
+    <p:extLst>
+      <p:ext uri="{BB962C8B-B14F-4D97-AF65-F5344CB8AC3E}">
+        <p14:creationId xmlns:p14="http://schemas.microsoft.com/office/powerpoint/2010/main" val="3010662982"/>
+      </p:ext>
+    </p:extLst>
+  </p:cSld>
+  <p:clrMapOvr>
+    <a:masterClrMapping/>
+  </p:clrMapOvr>
+  <p:timing>
+    <p:tnLst>
+      <p:par>
+        <p:cTn id="1" dur="indefinite" restart="never" nodeType="tmRoot"/>
+      </p:par>
+    </p:tnLst>
+  </p:timing>
+</p:sld>
+</file>
+
+<file path=ppt/slides/slide14.xml><?xml version="1.0" encoding="utf-8"?>
+<p:sld xmlns:a="http://schemas.openxmlformats.org/drawingml/2006/main" xmlns:r="http://schemas.openxmlformats.org/officeDocument/2006/relationships" xmlns:p="http://schemas.openxmlformats.org/presentationml/2006/main">
+  <p:cSld>
+    <p:spTree>
+      <p:nvGrpSpPr>
+        <p:cNvPr id="1" name=""/>
+        <p:cNvGrpSpPr/>
+        <p:nvPr/>
+      </p:nvGrpSpPr>
+      <p:grpSpPr>
+        <a:xfrm>
+          <a:off x="0" y="0"/>
+          <a:ext cx="0" cy="0"/>
+          <a:chOff x="0" y="0"/>
+          <a:chExt cx="0" cy="0"/>
+        </a:xfrm>
+      </p:grpSpPr>
+      <p:sp>
+        <p:nvSpPr>
+          <p:cNvPr id="2" name="タイトル 1"/>
+          <p:cNvSpPr>
+            <a:spLocks noGrp="1"/>
+          </p:cNvSpPr>
+          <p:nvPr>
+            <p:ph type="title"/>
+          </p:nvPr>
+        </p:nvSpPr>
+        <p:spPr/>
+        <p:txBody>
+          <a:bodyPr/>
+          <a:lstStyle/>
+          <a:p>
+            <a:r>
+              <a:rPr lang="en-US" altLang="ja-JP" dirty="0"/>
+              <a:t>2.3</a:t>
+            </a:r>
+            <a:r>
+              <a:rPr lang="ja-JP" altLang="en-US" dirty="0"/>
+              <a:t>　</a:t>
+            </a:r>
+            <a:r>
+              <a:rPr lang="en-US" altLang="ja-JP" dirty="0" smtClean="0"/>
+              <a:t>Conductor</a:t>
+            </a:r>
+            <a:r>
+              <a:rPr lang="ja-JP" altLang="en-US" dirty="0" smtClean="0"/>
+              <a:t>メニュー</a:t>
+            </a:r>
+            <a:r>
+              <a:rPr lang="ja-JP" altLang="en-US" dirty="0"/>
+              <a:t>の</a:t>
+            </a:r>
+            <a:r>
+              <a:rPr lang="ja-JP" altLang="en-US" dirty="0" smtClean="0"/>
+              <a:t>機能説明</a:t>
+            </a:r>
+            <a:r>
+              <a:rPr lang="ja-JP" altLang="en-US" dirty="0"/>
+              <a:t>　</a:t>
+            </a:r>
+            <a:r>
+              <a:rPr lang="ja-JP" altLang="en-US" dirty="0" smtClean="0"/>
+              <a:t>（</a:t>
+            </a:r>
+            <a:r>
+              <a:rPr lang="en-US" altLang="ja-JP" dirty="0"/>
+              <a:t>7</a:t>
+            </a:r>
+            <a:r>
+              <a:rPr lang="en-US" altLang="ja-JP" dirty="0" smtClean="0"/>
+              <a:t>/11</a:t>
             </a:r>
             <a:r>
               <a:rPr lang="ja-JP" altLang="en-US" dirty="0" smtClean="0"/>
@@ -9087,7 +12862,7 @@
 </p:sld>
 </file>
 
-<file path=ppt/slides/slide14.xml><?xml version="1.0" encoding="utf-8"?>
+<file path=ppt/slides/slide15.xml><?xml version="1.0" encoding="utf-8"?>
 <p:sld xmlns:a="http://schemas.openxmlformats.org/drawingml/2006/main" xmlns:r="http://schemas.openxmlformats.org/officeDocument/2006/relationships" xmlns:p="http://schemas.openxmlformats.org/presentationml/2006/main">
   <p:cSld>
     <p:spTree>
@@ -9104,6 +12879,30 @@
           <a:chExt cx="0" cy="0"/>
         </a:xfrm>
       </p:grpSpPr>
+      <p:pic>
+        <p:nvPicPr>
+          <p:cNvPr id="9" name="図 8"/>
+          <p:cNvPicPr>
+            <a:picLocks noChangeAspect="1"/>
+          </p:cNvPicPr>
+          <p:nvPr/>
+        </p:nvPicPr>
+        <p:blipFill>
+          <a:blip r:embed="rId2"/>
+          <a:stretch>
+            <a:fillRect/>
+          </a:stretch>
+        </p:blipFill>
+        <p:spPr>
+          <a:xfrm>
+            <a:off x="320285" y="1700760"/>
+            <a:ext cx="6552910" cy="3931200"/>
+          </a:xfrm>
+          <a:prstGeom prst="rect">
+            <a:avLst/>
+          </a:prstGeom>
+        </p:spPr>
+      </p:pic>
       <p:sp>
         <p:nvSpPr>
           <p:cNvPr id="2" name="タイトル 1"/>
@@ -9152,8 +12951,12 @@
               <a:t>（</a:t>
             </a:r>
             <a:r>
+              <a:rPr lang="en-US" altLang="ja-JP" dirty="0"/>
+              <a:t>8</a:t>
+            </a:r>
+            <a:r>
               <a:rPr lang="en-US" altLang="ja-JP" dirty="0" smtClean="0"/>
-              <a:t>7/10</a:t>
+              <a:t>/11</a:t>
             </a:r>
             <a:r>
               <a:rPr lang="ja-JP" altLang="en-US" dirty="0" smtClean="0"/>
@@ -9241,30 +13044,6 @@
           </a:p>
         </p:txBody>
       </p:sp>
-      <p:pic>
-        <p:nvPicPr>
-          <p:cNvPr id="4" name="図 3"/>
-          <p:cNvPicPr>
-            <a:picLocks noChangeAspect="1"/>
-          </p:cNvPicPr>
-          <p:nvPr/>
-        </p:nvPicPr>
-        <p:blipFill>
-          <a:blip r:embed="rId2"/>
-          <a:stretch>
-            <a:fillRect/>
-          </a:stretch>
-        </p:blipFill>
-        <p:spPr>
-          <a:xfrm>
-            <a:off x="323410" y="1844780"/>
-            <a:ext cx="5970127" cy="3929851"/>
-          </a:xfrm>
-          <a:prstGeom prst="rect">
-            <a:avLst/>
-          </a:prstGeom>
-        </p:spPr>
-      </p:pic>
       <p:sp>
         <p:nvSpPr>
           <p:cNvPr id="5" name="四角形吹き出し 4"/>
@@ -9273,15 +13052,1549 @@
         </p:nvSpPr>
         <p:spPr bwMode="auto">
           <a:xfrm>
-            <a:off x="5745022" y="1700760"/>
-            <a:ext cx="3218491" cy="863888"/>
+            <a:off x="1976515" y="1919177"/>
+            <a:ext cx="3476779" cy="1143565"/>
           </a:xfrm>
-          <a:prstGeom prst="wedgeRectCallout">
-            <a:avLst>
-              <a:gd name="adj1" fmla="val -47099"/>
-              <a:gd name="adj2" fmla="val 110093"/>
-            </a:avLst>
-          </a:prstGeom>
+          <a:custGeom>
+            <a:avLst/>
+            <a:gdLst>
+              <a:gd name="connsiteX0" fmla="*/ 0 w 3240450"/>
+              <a:gd name="connsiteY0" fmla="*/ 0 h 831841"/>
+              <a:gd name="connsiteX1" fmla="*/ 540075 w 3240450"/>
+              <a:gd name="connsiteY1" fmla="*/ 0 h 831841"/>
+              <a:gd name="connsiteX2" fmla="*/ 540075 w 3240450"/>
+              <a:gd name="connsiteY2" fmla="*/ 0 h 831841"/>
+              <a:gd name="connsiteX3" fmla="*/ 1350188 w 3240450"/>
+              <a:gd name="connsiteY3" fmla="*/ 0 h 831841"/>
+              <a:gd name="connsiteX4" fmla="*/ 3240450 w 3240450"/>
+              <a:gd name="connsiteY4" fmla="*/ 0 h 831841"/>
+              <a:gd name="connsiteX5" fmla="*/ 3240450 w 3240450"/>
+              <a:gd name="connsiteY5" fmla="*/ 485241 h 831841"/>
+              <a:gd name="connsiteX6" fmla="*/ 3240450 w 3240450"/>
+              <a:gd name="connsiteY6" fmla="*/ 485241 h 831841"/>
+              <a:gd name="connsiteX7" fmla="*/ 3240450 w 3240450"/>
+              <a:gd name="connsiteY7" fmla="*/ 693201 h 831841"/>
+              <a:gd name="connsiteX8" fmla="*/ 3240450 w 3240450"/>
+              <a:gd name="connsiteY8" fmla="*/ 831841 h 831841"/>
+              <a:gd name="connsiteX9" fmla="*/ 1350188 w 3240450"/>
+              <a:gd name="connsiteY9" fmla="*/ 831841 h 831841"/>
+              <a:gd name="connsiteX10" fmla="*/ 1332279 w 3240450"/>
+              <a:gd name="connsiteY10" fmla="*/ 1131695 h 831841"/>
+              <a:gd name="connsiteX11" fmla="*/ 540075 w 3240450"/>
+              <a:gd name="connsiteY11" fmla="*/ 831841 h 831841"/>
+              <a:gd name="connsiteX12" fmla="*/ 0 w 3240450"/>
+              <a:gd name="connsiteY12" fmla="*/ 831841 h 831841"/>
+              <a:gd name="connsiteX13" fmla="*/ 0 w 3240450"/>
+              <a:gd name="connsiteY13" fmla="*/ 693201 h 831841"/>
+              <a:gd name="connsiteX14" fmla="*/ 0 w 3240450"/>
+              <a:gd name="connsiteY14" fmla="*/ 485241 h 831841"/>
+              <a:gd name="connsiteX15" fmla="*/ 0 w 3240450"/>
+              <a:gd name="connsiteY15" fmla="*/ 485241 h 831841"/>
+              <a:gd name="connsiteX16" fmla="*/ 0 w 3240450"/>
+              <a:gd name="connsiteY16" fmla="*/ 0 h 831841"/>
+              <a:gd name="connsiteX0" fmla="*/ 0 w 4516800"/>
+              <a:gd name="connsiteY0" fmla="*/ 0 h 1283751"/>
+              <a:gd name="connsiteX1" fmla="*/ 540075 w 4516800"/>
+              <a:gd name="connsiteY1" fmla="*/ 0 h 1283751"/>
+              <a:gd name="connsiteX2" fmla="*/ 540075 w 4516800"/>
+              <a:gd name="connsiteY2" fmla="*/ 0 h 1283751"/>
+              <a:gd name="connsiteX3" fmla="*/ 1350188 w 4516800"/>
+              <a:gd name="connsiteY3" fmla="*/ 0 h 1283751"/>
+              <a:gd name="connsiteX4" fmla="*/ 3240450 w 4516800"/>
+              <a:gd name="connsiteY4" fmla="*/ 0 h 1283751"/>
+              <a:gd name="connsiteX5" fmla="*/ 3240450 w 4516800"/>
+              <a:gd name="connsiteY5" fmla="*/ 485241 h 1283751"/>
+              <a:gd name="connsiteX6" fmla="*/ 3240450 w 4516800"/>
+              <a:gd name="connsiteY6" fmla="*/ 485241 h 1283751"/>
+              <a:gd name="connsiteX7" fmla="*/ 4516800 w 4516800"/>
+              <a:gd name="connsiteY7" fmla="*/ 1283751 h 1283751"/>
+              <a:gd name="connsiteX8" fmla="*/ 3240450 w 4516800"/>
+              <a:gd name="connsiteY8" fmla="*/ 831841 h 1283751"/>
+              <a:gd name="connsiteX9" fmla="*/ 1350188 w 4516800"/>
+              <a:gd name="connsiteY9" fmla="*/ 831841 h 1283751"/>
+              <a:gd name="connsiteX10" fmla="*/ 1332279 w 4516800"/>
+              <a:gd name="connsiteY10" fmla="*/ 1131695 h 1283751"/>
+              <a:gd name="connsiteX11" fmla="*/ 540075 w 4516800"/>
+              <a:gd name="connsiteY11" fmla="*/ 831841 h 1283751"/>
+              <a:gd name="connsiteX12" fmla="*/ 0 w 4516800"/>
+              <a:gd name="connsiteY12" fmla="*/ 831841 h 1283751"/>
+              <a:gd name="connsiteX13" fmla="*/ 0 w 4516800"/>
+              <a:gd name="connsiteY13" fmla="*/ 693201 h 1283751"/>
+              <a:gd name="connsiteX14" fmla="*/ 0 w 4516800"/>
+              <a:gd name="connsiteY14" fmla="*/ 485241 h 1283751"/>
+              <a:gd name="connsiteX15" fmla="*/ 0 w 4516800"/>
+              <a:gd name="connsiteY15" fmla="*/ 485241 h 1283751"/>
+              <a:gd name="connsiteX16" fmla="*/ 0 w 4516800"/>
+              <a:gd name="connsiteY16" fmla="*/ 0 h 1283751"/>
+              <a:gd name="connsiteX0" fmla="*/ 0 w 3554775"/>
+              <a:gd name="connsiteY0" fmla="*/ 0 h 1255176"/>
+              <a:gd name="connsiteX1" fmla="*/ 540075 w 3554775"/>
+              <a:gd name="connsiteY1" fmla="*/ 0 h 1255176"/>
+              <a:gd name="connsiteX2" fmla="*/ 540075 w 3554775"/>
+              <a:gd name="connsiteY2" fmla="*/ 0 h 1255176"/>
+              <a:gd name="connsiteX3" fmla="*/ 1350188 w 3554775"/>
+              <a:gd name="connsiteY3" fmla="*/ 0 h 1255176"/>
+              <a:gd name="connsiteX4" fmla="*/ 3240450 w 3554775"/>
+              <a:gd name="connsiteY4" fmla="*/ 0 h 1255176"/>
+              <a:gd name="connsiteX5" fmla="*/ 3240450 w 3554775"/>
+              <a:gd name="connsiteY5" fmla="*/ 485241 h 1255176"/>
+              <a:gd name="connsiteX6" fmla="*/ 3240450 w 3554775"/>
+              <a:gd name="connsiteY6" fmla="*/ 485241 h 1255176"/>
+              <a:gd name="connsiteX7" fmla="*/ 3554775 w 3554775"/>
+              <a:gd name="connsiteY7" fmla="*/ 1255176 h 1255176"/>
+              <a:gd name="connsiteX8" fmla="*/ 3240450 w 3554775"/>
+              <a:gd name="connsiteY8" fmla="*/ 831841 h 1255176"/>
+              <a:gd name="connsiteX9" fmla="*/ 1350188 w 3554775"/>
+              <a:gd name="connsiteY9" fmla="*/ 831841 h 1255176"/>
+              <a:gd name="connsiteX10" fmla="*/ 1332279 w 3554775"/>
+              <a:gd name="connsiteY10" fmla="*/ 1131695 h 1255176"/>
+              <a:gd name="connsiteX11" fmla="*/ 540075 w 3554775"/>
+              <a:gd name="connsiteY11" fmla="*/ 831841 h 1255176"/>
+              <a:gd name="connsiteX12" fmla="*/ 0 w 3554775"/>
+              <a:gd name="connsiteY12" fmla="*/ 831841 h 1255176"/>
+              <a:gd name="connsiteX13" fmla="*/ 0 w 3554775"/>
+              <a:gd name="connsiteY13" fmla="*/ 693201 h 1255176"/>
+              <a:gd name="connsiteX14" fmla="*/ 0 w 3554775"/>
+              <a:gd name="connsiteY14" fmla="*/ 485241 h 1255176"/>
+              <a:gd name="connsiteX15" fmla="*/ 0 w 3554775"/>
+              <a:gd name="connsiteY15" fmla="*/ 485241 h 1255176"/>
+              <a:gd name="connsiteX16" fmla="*/ 0 w 3554775"/>
+              <a:gd name="connsiteY16" fmla="*/ 0 h 1255176"/>
+              <a:gd name="connsiteX0" fmla="*/ 0 w 3554775"/>
+              <a:gd name="connsiteY0" fmla="*/ 0 h 1255176"/>
+              <a:gd name="connsiteX1" fmla="*/ 540075 w 3554775"/>
+              <a:gd name="connsiteY1" fmla="*/ 0 h 1255176"/>
+              <a:gd name="connsiteX2" fmla="*/ 540075 w 3554775"/>
+              <a:gd name="connsiteY2" fmla="*/ 0 h 1255176"/>
+              <a:gd name="connsiteX3" fmla="*/ 1350188 w 3554775"/>
+              <a:gd name="connsiteY3" fmla="*/ 0 h 1255176"/>
+              <a:gd name="connsiteX4" fmla="*/ 3240450 w 3554775"/>
+              <a:gd name="connsiteY4" fmla="*/ 0 h 1255176"/>
+              <a:gd name="connsiteX5" fmla="*/ 3240450 w 3554775"/>
+              <a:gd name="connsiteY5" fmla="*/ 485241 h 1255176"/>
+              <a:gd name="connsiteX6" fmla="*/ 3240450 w 3554775"/>
+              <a:gd name="connsiteY6" fmla="*/ 485241 h 1255176"/>
+              <a:gd name="connsiteX7" fmla="*/ 3554775 w 3554775"/>
+              <a:gd name="connsiteY7" fmla="*/ 1255176 h 1255176"/>
+              <a:gd name="connsiteX8" fmla="*/ 3240450 w 3554775"/>
+              <a:gd name="connsiteY8" fmla="*/ 831841 h 1255176"/>
+              <a:gd name="connsiteX9" fmla="*/ 1350188 w 3554775"/>
+              <a:gd name="connsiteY9" fmla="*/ 831841 h 1255176"/>
+              <a:gd name="connsiteX10" fmla="*/ 1313229 w 3554775"/>
+              <a:gd name="connsiteY10" fmla="*/ 1160270 h 1255176"/>
+              <a:gd name="connsiteX11" fmla="*/ 540075 w 3554775"/>
+              <a:gd name="connsiteY11" fmla="*/ 831841 h 1255176"/>
+              <a:gd name="connsiteX12" fmla="*/ 0 w 3554775"/>
+              <a:gd name="connsiteY12" fmla="*/ 831841 h 1255176"/>
+              <a:gd name="connsiteX13" fmla="*/ 0 w 3554775"/>
+              <a:gd name="connsiteY13" fmla="*/ 693201 h 1255176"/>
+              <a:gd name="connsiteX14" fmla="*/ 0 w 3554775"/>
+              <a:gd name="connsiteY14" fmla="*/ 485241 h 1255176"/>
+              <a:gd name="connsiteX15" fmla="*/ 0 w 3554775"/>
+              <a:gd name="connsiteY15" fmla="*/ 485241 h 1255176"/>
+              <a:gd name="connsiteX16" fmla="*/ 0 w 3554775"/>
+              <a:gd name="connsiteY16" fmla="*/ 0 h 1255176"/>
+              <a:gd name="connsiteX0" fmla="*/ 0 w 3554775"/>
+              <a:gd name="connsiteY0" fmla="*/ 0 h 1255176"/>
+              <a:gd name="connsiteX1" fmla="*/ 540075 w 3554775"/>
+              <a:gd name="connsiteY1" fmla="*/ 0 h 1255176"/>
+              <a:gd name="connsiteX2" fmla="*/ 540075 w 3554775"/>
+              <a:gd name="connsiteY2" fmla="*/ 0 h 1255176"/>
+              <a:gd name="connsiteX3" fmla="*/ 1350188 w 3554775"/>
+              <a:gd name="connsiteY3" fmla="*/ 0 h 1255176"/>
+              <a:gd name="connsiteX4" fmla="*/ 3240450 w 3554775"/>
+              <a:gd name="connsiteY4" fmla="*/ 0 h 1255176"/>
+              <a:gd name="connsiteX5" fmla="*/ 3240450 w 3554775"/>
+              <a:gd name="connsiteY5" fmla="*/ 485241 h 1255176"/>
+              <a:gd name="connsiteX6" fmla="*/ 3240450 w 3554775"/>
+              <a:gd name="connsiteY6" fmla="*/ 485241 h 1255176"/>
+              <a:gd name="connsiteX7" fmla="*/ 3554775 w 3554775"/>
+              <a:gd name="connsiteY7" fmla="*/ 1255176 h 1255176"/>
+              <a:gd name="connsiteX8" fmla="*/ 3240450 w 3554775"/>
+              <a:gd name="connsiteY8" fmla="*/ 831841 h 1255176"/>
+              <a:gd name="connsiteX9" fmla="*/ 969188 w 3554775"/>
+              <a:gd name="connsiteY9" fmla="*/ 841366 h 1255176"/>
+              <a:gd name="connsiteX10" fmla="*/ 1313229 w 3554775"/>
+              <a:gd name="connsiteY10" fmla="*/ 1160270 h 1255176"/>
+              <a:gd name="connsiteX11" fmla="*/ 540075 w 3554775"/>
+              <a:gd name="connsiteY11" fmla="*/ 831841 h 1255176"/>
+              <a:gd name="connsiteX12" fmla="*/ 0 w 3554775"/>
+              <a:gd name="connsiteY12" fmla="*/ 831841 h 1255176"/>
+              <a:gd name="connsiteX13" fmla="*/ 0 w 3554775"/>
+              <a:gd name="connsiteY13" fmla="*/ 693201 h 1255176"/>
+              <a:gd name="connsiteX14" fmla="*/ 0 w 3554775"/>
+              <a:gd name="connsiteY14" fmla="*/ 485241 h 1255176"/>
+              <a:gd name="connsiteX15" fmla="*/ 0 w 3554775"/>
+              <a:gd name="connsiteY15" fmla="*/ 485241 h 1255176"/>
+              <a:gd name="connsiteX16" fmla="*/ 0 w 3554775"/>
+              <a:gd name="connsiteY16" fmla="*/ 0 h 1255176"/>
+              <a:gd name="connsiteX0" fmla="*/ 0 w 3554775"/>
+              <a:gd name="connsiteY0" fmla="*/ 0 h 1255176"/>
+              <a:gd name="connsiteX1" fmla="*/ 540075 w 3554775"/>
+              <a:gd name="connsiteY1" fmla="*/ 0 h 1255176"/>
+              <a:gd name="connsiteX2" fmla="*/ 540075 w 3554775"/>
+              <a:gd name="connsiteY2" fmla="*/ 0 h 1255176"/>
+              <a:gd name="connsiteX3" fmla="*/ 1350188 w 3554775"/>
+              <a:gd name="connsiteY3" fmla="*/ 0 h 1255176"/>
+              <a:gd name="connsiteX4" fmla="*/ 3240450 w 3554775"/>
+              <a:gd name="connsiteY4" fmla="*/ 0 h 1255176"/>
+              <a:gd name="connsiteX5" fmla="*/ 3240450 w 3554775"/>
+              <a:gd name="connsiteY5" fmla="*/ 485241 h 1255176"/>
+              <a:gd name="connsiteX6" fmla="*/ 3240450 w 3554775"/>
+              <a:gd name="connsiteY6" fmla="*/ 485241 h 1255176"/>
+              <a:gd name="connsiteX7" fmla="*/ 3554775 w 3554775"/>
+              <a:gd name="connsiteY7" fmla="*/ 1255176 h 1255176"/>
+              <a:gd name="connsiteX8" fmla="*/ 3240450 w 3554775"/>
+              <a:gd name="connsiteY8" fmla="*/ 831841 h 1255176"/>
+              <a:gd name="connsiteX9" fmla="*/ 873938 w 3554775"/>
+              <a:gd name="connsiteY9" fmla="*/ 822316 h 1255176"/>
+              <a:gd name="connsiteX10" fmla="*/ 1313229 w 3554775"/>
+              <a:gd name="connsiteY10" fmla="*/ 1160270 h 1255176"/>
+              <a:gd name="connsiteX11" fmla="*/ 540075 w 3554775"/>
+              <a:gd name="connsiteY11" fmla="*/ 831841 h 1255176"/>
+              <a:gd name="connsiteX12" fmla="*/ 0 w 3554775"/>
+              <a:gd name="connsiteY12" fmla="*/ 831841 h 1255176"/>
+              <a:gd name="connsiteX13" fmla="*/ 0 w 3554775"/>
+              <a:gd name="connsiteY13" fmla="*/ 693201 h 1255176"/>
+              <a:gd name="connsiteX14" fmla="*/ 0 w 3554775"/>
+              <a:gd name="connsiteY14" fmla="*/ 485241 h 1255176"/>
+              <a:gd name="connsiteX15" fmla="*/ 0 w 3554775"/>
+              <a:gd name="connsiteY15" fmla="*/ 485241 h 1255176"/>
+              <a:gd name="connsiteX16" fmla="*/ 0 w 3554775"/>
+              <a:gd name="connsiteY16" fmla="*/ 0 h 1255176"/>
+              <a:gd name="connsiteX0" fmla="*/ 0 w 3554775"/>
+              <a:gd name="connsiteY0" fmla="*/ 0 h 1255176"/>
+              <a:gd name="connsiteX1" fmla="*/ 540075 w 3554775"/>
+              <a:gd name="connsiteY1" fmla="*/ 0 h 1255176"/>
+              <a:gd name="connsiteX2" fmla="*/ 540075 w 3554775"/>
+              <a:gd name="connsiteY2" fmla="*/ 0 h 1255176"/>
+              <a:gd name="connsiteX3" fmla="*/ 1350188 w 3554775"/>
+              <a:gd name="connsiteY3" fmla="*/ 0 h 1255176"/>
+              <a:gd name="connsiteX4" fmla="*/ 3240450 w 3554775"/>
+              <a:gd name="connsiteY4" fmla="*/ 0 h 1255176"/>
+              <a:gd name="connsiteX5" fmla="*/ 3240450 w 3554775"/>
+              <a:gd name="connsiteY5" fmla="*/ 485241 h 1255176"/>
+              <a:gd name="connsiteX6" fmla="*/ 3240450 w 3554775"/>
+              <a:gd name="connsiteY6" fmla="*/ 485241 h 1255176"/>
+              <a:gd name="connsiteX7" fmla="*/ 3554775 w 3554775"/>
+              <a:gd name="connsiteY7" fmla="*/ 1255176 h 1255176"/>
+              <a:gd name="connsiteX8" fmla="*/ 3240450 w 3554775"/>
+              <a:gd name="connsiteY8" fmla="*/ 831841 h 1255176"/>
+              <a:gd name="connsiteX9" fmla="*/ 873938 w 3554775"/>
+              <a:gd name="connsiteY9" fmla="*/ 822316 h 1255176"/>
+              <a:gd name="connsiteX10" fmla="*/ 713154 w 3554775"/>
+              <a:gd name="connsiteY10" fmla="*/ 1131695 h 1255176"/>
+              <a:gd name="connsiteX11" fmla="*/ 540075 w 3554775"/>
+              <a:gd name="connsiteY11" fmla="*/ 831841 h 1255176"/>
+              <a:gd name="connsiteX12" fmla="*/ 0 w 3554775"/>
+              <a:gd name="connsiteY12" fmla="*/ 831841 h 1255176"/>
+              <a:gd name="connsiteX13" fmla="*/ 0 w 3554775"/>
+              <a:gd name="connsiteY13" fmla="*/ 693201 h 1255176"/>
+              <a:gd name="connsiteX14" fmla="*/ 0 w 3554775"/>
+              <a:gd name="connsiteY14" fmla="*/ 485241 h 1255176"/>
+              <a:gd name="connsiteX15" fmla="*/ 0 w 3554775"/>
+              <a:gd name="connsiteY15" fmla="*/ 485241 h 1255176"/>
+              <a:gd name="connsiteX16" fmla="*/ 0 w 3554775"/>
+              <a:gd name="connsiteY16" fmla="*/ 0 h 1255176"/>
+              <a:gd name="connsiteX0" fmla="*/ 0 w 3554775"/>
+              <a:gd name="connsiteY0" fmla="*/ 0 h 1255176"/>
+              <a:gd name="connsiteX1" fmla="*/ 540075 w 3554775"/>
+              <a:gd name="connsiteY1" fmla="*/ 0 h 1255176"/>
+              <a:gd name="connsiteX2" fmla="*/ 540075 w 3554775"/>
+              <a:gd name="connsiteY2" fmla="*/ 0 h 1255176"/>
+              <a:gd name="connsiteX3" fmla="*/ 1350188 w 3554775"/>
+              <a:gd name="connsiteY3" fmla="*/ 0 h 1255176"/>
+              <a:gd name="connsiteX4" fmla="*/ 3240450 w 3554775"/>
+              <a:gd name="connsiteY4" fmla="*/ 0 h 1255176"/>
+              <a:gd name="connsiteX5" fmla="*/ 3240450 w 3554775"/>
+              <a:gd name="connsiteY5" fmla="*/ 485241 h 1255176"/>
+              <a:gd name="connsiteX6" fmla="*/ 3240450 w 3554775"/>
+              <a:gd name="connsiteY6" fmla="*/ 485241 h 1255176"/>
+              <a:gd name="connsiteX7" fmla="*/ 3554775 w 3554775"/>
+              <a:gd name="connsiteY7" fmla="*/ 1255176 h 1255176"/>
+              <a:gd name="connsiteX8" fmla="*/ 3088050 w 3554775"/>
+              <a:gd name="connsiteY8" fmla="*/ 831841 h 1255176"/>
+              <a:gd name="connsiteX9" fmla="*/ 873938 w 3554775"/>
+              <a:gd name="connsiteY9" fmla="*/ 822316 h 1255176"/>
+              <a:gd name="connsiteX10" fmla="*/ 713154 w 3554775"/>
+              <a:gd name="connsiteY10" fmla="*/ 1131695 h 1255176"/>
+              <a:gd name="connsiteX11" fmla="*/ 540075 w 3554775"/>
+              <a:gd name="connsiteY11" fmla="*/ 831841 h 1255176"/>
+              <a:gd name="connsiteX12" fmla="*/ 0 w 3554775"/>
+              <a:gd name="connsiteY12" fmla="*/ 831841 h 1255176"/>
+              <a:gd name="connsiteX13" fmla="*/ 0 w 3554775"/>
+              <a:gd name="connsiteY13" fmla="*/ 693201 h 1255176"/>
+              <a:gd name="connsiteX14" fmla="*/ 0 w 3554775"/>
+              <a:gd name="connsiteY14" fmla="*/ 485241 h 1255176"/>
+              <a:gd name="connsiteX15" fmla="*/ 0 w 3554775"/>
+              <a:gd name="connsiteY15" fmla="*/ 485241 h 1255176"/>
+              <a:gd name="connsiteX16" fmla="*/ 0 w 3554775"/>
+              <a:gd name="connsiteY16" fmla="*/ 0 h 1255176"/>
+              <a:gd name="connsiteX0" fmla="*/ 0 w 3554775"/>
+              <a:gd name="connsiteY0" fmla="*/ 0 h 1255176"/>
+              <a:gd name="connsiteX1" fmla="*/ 540075 w 3554775"/>
+              <a:gd name="connsiteY1" fmla="*/ 0 h 1255176"/>
+              <a:gd name="connsiteX2" fmla="*/ 540075 w 3554775"/>
+              <a:gd name="connsiteY2" fmla="*/ 0 h 1255176"/>
+              <a:gd name="connsiteX3" fmla="*/ 1350188 w 3554775"/>
+              <a:gd name="connsiteY3" fmla="*/ 0 h 1255176"/>
+              <a:gd name="connsiteX4" fmla="*/ 3240450 w 3554775"/>
+              <a:gd name="connsiteY4" fmla="*/ 0 h 1255176"/>
+              <a:gd name="connsiteX5" fmla="*/ 3240450 w 3554775"/>
+              <a:gd name="connsiteY5" fmla="*/ 485241 h 1255176"/>
+              <a:gd name="connsiteX6" fmla="*/ 3240450 w 3554775"/>
+              <a:gd name="connsiteY6" fmla="*/ 485241 h 1255176"/>
+              <a:gd name="connsiteX7" fmla="*/ 3554775 w 3554775"/>
+              <a:gd name="connsiteY7" fmla="*/ 1255176 h 1255176"/>
+              <a:gd name="connsiteX8" fmla="*/ 3173775 w 3554775"/>
+              <a:gd name="connsiteY8" fmla="*/ 831841 h 1255176"/>
+              <a:gd name="connsiteX9" fmla="*/ 873938 w 3554775"/>
+              <a:gd name="connsiteY9" fmla="*/ 822316 h 1255176"/>
+              <a:gd name="connsiteX10" fmla="*/ 713154 w 3554775"/>
+              <a:gd name="connsiteY10" fmla="*/ 1131695 h 1255176"/>
+              <a:gd name="connsiteX11" fmla="*/ 540075 w 3554775"/>
+              <a:gd name="connsiteY11" fmla="*/ 831841 h 1255176"/>
+              <a:gd name="connsiteX12" fmla="*/ 0 w 3554775"/>
+              <a:gd name="connsiteY12" fmla="*/ 831841 h 1255176"/>
+              <a:gd name="connsiteX13" fmla="*/ 0 w 3554775"/>
+              <a:gd name="connsiteY13" fmla="*/ 693201 h 1255176"/>
+              <a:gd name="connsiteX14" fmla="*/ 0 w 3554775"/>
+              <a:gd name="connsiteY14" fmla="*/ 485241 h 1255176"/>
+              <a:gd name="connsiteX15" fmla="*/ 0 w 3554775"/>
+              <a:gd name="connsiteY15" fmla="*/ 485241 h 1255176"/>
+              <a:gd name="connsiteX16" fmla="*/ 0 w 3554775"/>
+              <a:gd name="connsiteY16" fmla="*/ 0 h 1255176"/>
+              <a:gd name="connsiteX0" fmla="*/ 0 w 3554775"/>
+              <a:gd name="connsiteY0" fmla="*/ 0 h 1255176"/>
+              <a:gd name="connsiteX1" fmla="*/ 540075 w 3554775"/>
+              <a:gd name="connsiteY1" fmla="*/ 0 h 1255176"/>
+              <a:gd name="connsiteX2" fmla="*/ 540075 w 3554775"/>
+              <a:gd name="connsiteY2" fmla="*/ 0 h 1255176"/>
+              <a:gd name="connsiteX3" fmla="*/ 1350188 w 3554775"/>
+              <a:gd name="connsiteY3" fmla="*/ 0 h 1255176"/>
+              <a:gd name="connsiteX4" fmla="*/ 3240450 w 3554775"/>
+              <a:gd name="connsiteY4" fmla="*/ 0 h 1255176"/>
+              <a:gd name="connsiteX5" fmla="*/ 3240450 w 3554775"/>
+              <a:gd name="connsiteY5" fmla="*/ 485241 h 1255176"/>
+              <a:gd name="connsiteX6" fmla="*/ 3240450 w 3554775"/>
+              <a:gd name="connsiteY6" fmla="*/ 485241 h 1255176"/>
+              <a:gd name="connsiteX7" fmla="*/ 3554775 w 3554775"/>
+              <a:gd name="connsiteY7" fmla="*/ 1255176 h 1255176"/>
+              <a:gd name="connsiteX8" fmla="*/ 3173775 w 3554775"/>
+              <a:gd name="connsiteY8" fmla="*/ 831841 h 1255176"/>
+              <a:gd name="connsiteX9" fmla="*/ 873938 w 3554775"/>
+              <a:gd name="connsiteY9" fmla="*/ 822316 h 1255176"/>
+              <a:gd name="connsiteX10" fmla="*/ 713154 w 3554775"/>
+              <a:gd name="connsiteY10" fmla="*/ 1131695 h 1255176"/>
+              <a:gd name="connsiteX11" fmla="*/ 673425 w 3554775"/>
+              <a:gd name="connsiteY11" fmla="*/ 850891 h 1255176"/>
+              <a:gd name="connsiteX12" fmla="*/ 0 w 3554775"/>
+              <a:gd name="connsiteY12" fmla="*/ 831841 h 1255176"/>
+              <a:gd name="connsiteX13" fmla="*/ 0 w 3554775"/>
+              <a:gd name="connsiteY13" fmla="*/ 693201 h 1255176"/>
+              <a:gd name="connsiteX14" fmla="*/ 0 w 3554775"/>
+              <a:gd name="connsiteY14" fmla="*/ 485241 h 1255176"/>
+              <a:gd name="connsiteX15" fmla="*/ 0 w 3554775"/>
+              <a:gd name="connsiteY15" fmla="*/ 485241 h 1255176"/>
+              <a:gd name="connsiteX16" fmla="*/ 0 w 3554775"/>
+              <a:gd name="connsiteY16" fmla="*/ 0 h 1255176"/>
+              <a:gd name="connsiteX0" fmla="*/ 0 w 3554775"/>
+              <a:gd name="connsiteY0" fmla="*/ 0 h 1255176"/>
+              <a:gd name="connsiteX1" fmla="*/ 540075 w 3554775"/>
+              <a:gd name="connsiteY1" fmla="*/ 0 h 1255176"/>
+              <a:gd name="connsiteX2" fmla="*/ 540075 w 3554775"/>
+              <a:gd name="connsiteY2" fmla="*/ 0 h 1255176"/>
+              <a:gd name="connsiteX3" fmla="*/ 1350188 w 3554775"/>
+              <a:gd name="connsiteY3" fmla="*/ 0 h 1255176"/>
+              <a:gd name="connsiteX4" fmla="*/ 3240450 w 3554775"/>
+              <a:gd name="connsiteY4" fmla="*/ 0 h 1255176"/>
+              <a:gd name="connsiteX5" fmla="*/ 3240450 w 3554775"/>
+              <a:gd name="connsiteY5" fmla="*/ 485241 h 1255176"/>
+              <a:gd name="connsiteX6" fmla="*/ 3230925 w 3554775"/>
+              <a:gd name="connsiteY6" fmla="*/ 609066 h 1255176"/>
+              <a:gd name="connsiteX7" fmla="*/ 3554775 w 3554775"/>
+              <a:gd name="connsiteY7" fmla="*/ 1255176 h 1255176"/>
+              <a:gd name="connsiteX8" fmla="*/ 3173775 w 3554775"/>
+              <a:gd name="connsiteY8" fmla="*/ 831841 h 1255176"/>
+              <a:gd name="connsiteX9" fmla="*/ 873938 w 3554775"/>
+              <a:gd name="connsiteY9" fmla="*/ 822316 h 1255176"/>
+              <a:gd name="connsiteX10" fmla="*/ 713154 w 3554775"/>
+              <a:gd name="connsiteY10" fmla="*/ 1131695 h 1255176"/>
+              <a:gd name="connsiteX11" fmla="*/ 673425 w 3554775"/>
+              <a:gd name="connsiteY11" fmla="*/ 850891 h 1255176"/>
+              <a:gd name="connsiteX12" fmla="*/ 0 w 3554775"/>
+              <a:gd name="connsiteY12" fmla="*/ 831841 h 1255176"/>
+              <a:gd name="connsiteX13" fmla="*/ 0 w 3554775"/>
+              <a:gd name="connsiteY13" fmla="*/ 693201 h 1255176"/>
+              <a:gd name="connsiteX14" fmla="*/ 0 w 3554775"/>
+              <a:gd name="connsiteY14" fmla="*/ 485241 h 1255176"/>
+              <a:gd name="connsiteX15" fmla="*/ 0 w 3554775"/>
+              <a:gd name="connsiteY15" fmla="*/ 485241 h 1255176"/>
+              <a:gd name="connsiteX16" fmla="*/ 0 w 3554775"/>
+              <a:gd name="connsiteY16" fmla="*/ 0 h 1255176"/>
+              <a:gd name="connsiteX0" fmla="*/ 0 w 3554775"/>
+              <a:gd name="connsiteY0" fmla="*/ 0 h 1255176"/>
+              <a:gd name="connsiteX1" fmla="*/ 540075 w 3554775"/>
+              <a:gd name="connsiteY1" fmla="*/ 0 h 1255176"/>
+              <a:gd name="connsiteX2" fmla="*/ 540075 w 3554775"/>
+              <a:gd name="connsiteY2" fmla="*/ 0 h 1255176"/>
+              <a:gd name="connsiteX3" fmla="*/ 1350188 w 3554775"/>
+              <a:gd name="connsiteY3" fmla="*/ 0 h 1255176"/>
+              <a:gd name="connsiteX4" fmla="*/ 3240450 w 3554775"/>
+              <a:gd name="connsiteY4" fmla="*/ 0 h 1255176"/>
+              <a:gd name="connsiteX5" fmla="*/ 3240450 w 3554775"/>
+              <a:gd name="connsiteY5" fmla="*/ 485241 h 1255176"/>
+              <a:gd name="connsiteX6" fmla="*/ 3230925 w 3554775"/>
+              <a:gd name="connsiteY6" fmla="*/ 609066 h 1255176"/>
+              <a:gd name="connsiteX7" fmla="*/ 3554775 w 3554775"/>
+              <a:gd name="connsiteY7" fmla="*/ 1255176 h 1255176"/>
+              <a:gd name="connsiteX8" fmla="*/ 3249975 w 3554775"/>
+              <a:gd name="connsiteY8" fmla="*/ 841366 h 1255176"/>
+              <a:gd name="connsiteX9" fmla="*/ 873938 w 3554775"/>
+              <a:gd name="connsiteY9" fmla="*/ 822316 h 1255176"/>
+              <a:gd name="connsiteX10" fmla="*/ 713154 w 3554775"/>
+              <a:gd name="connsiteY10" fmla="*/ 1131695 h 1255176"/>
+              <a:gd name="connsiteX11" fmla="*/ 673425 w 3554775"/>
+              <a:gd name="connsiteY11" fmla="*/ 850891 h 1255176"/>
+              <a:gd name="connsiteX12" fmla="*/ 0 w 3554775"/>
+              <a:gd name="connsiteY12" fmla="*/ 831841 h 1255176"/>
+              <a:gd name="connsiteX13" fmla="*/ 0 w 3554775"/>
+              <a:gd name="connsiteY13" fmla="*/ 693201 h 1255176"/>
+              <a:gd name="connsiteX14" fmla="*/ 0 w 3554775"/>
+              <a:gd name="connsiteY14" fmla="*/ 485241 h 1255176"/>
+              <a:gd name="connsiteX15" fmla="*/ 0 w 3554775"/>
+              <a:gd name="connsiteY15" fmla="*/ 485241 h 1255176"/>
+              <a:gd name="connsiteX16" fmla="*/ 0 w 3554775"/>
+              <a:gd name="connsiteY16" fmla="*/ 0 h 1255176"/>
+              <a:gd name="connsiteX0" fmla="*/ 0 w 3554775"/>
+              <a:gd name="connsiteY0" fmla="*/ 0 h 1255176"/>
+              <a:gd name="connsiteX1" fmla="*/ 540075 w 3554775"/>
+              <a:gd name="connsiteY1" fmla="*/ 0 h 1255176"/>
+              <a:gd name="connsiteX2" fmla="*/ 540075 w 3554775"/>
+              <a:gd name="connsiteY2" fmla="*/ 0 h 1255176"/>
+              <a:gd name="connsiteX3" fmla="*/ 1350188 w 3554775"/>
+              <a:gd name="connsiteY3" fmla="*/ 0 h 1255176"/>
+              <a:gd name="connsiteX4" fmla="*/ 3240450 w 3554775"/>
+              <a:gd name="connsiteY4" fmla="*/ 0 h 1255176"/>
+              <a:gd name="connsiteX5" fmla="*/ 3240450 w 3554775"/>
+              <a:gd name="connsiteY5" fmla="*/ 485241 h 1255176"/>
+              <a:gd name="connsiteX6" fmla="*/ 3230925 w 3554775"/>
+              <a:gd name="connsiteY6" fmla="*/ 609066 h 1255176"/>
+              <a:gd name="connsiteX7" fmla="*/ 3554775 w 3554775"/>
+              <a:gd name="connsiteY7" fmla="*/ 1255176 h 1255176"/>
+              <a:gd name="connsiteX8" fmla="*/ 3211875 w 3554775"/>
+              <a:gd name="connsiteY8" fmla="*/ 822316 h 1255176"/>
+              <a:gd name="connsiteX9" fmla="*/ 873938 w 3554775"/>
+              <a:gd name="connsiteY9" fmla="*/ 822316 h 1255176"/>
+              <a:gd name="connsiteX10" fmla="*/ 713154 w 3554775"/>
+              <a:gd name="connsiteY10" fmla="*/ 1131695 h 1255176"/>
+              <a:gd name="connsiteX11" fmla="*/ 673425 w 3554775"/>
+              <a:gd name="connsiteY11" fmla="*/ 850891 h 1255176"/>
+              <a:gd name="connsiteX12" fmla="*/ 0 w 3554775"/>
+              <a:gd name="connsiteY12" fmla="*/ 831841 h 1255176"/>
+              <a:gd name="connsiteX13" fmla="*/ 0 w 3554775"/>
+              <a:gd name="connsiteY13" fmla="*/ 693201 h 1255176"/>
+              <a:gd name="connsiteX14" fmla="*/ 0 w 3554775"/>
+              <a:gd name="connsiteY14" fmla="*/ 485241 h 1255176"/>
+              <a:gd name="connsiteX15" fmla="*/ 0 w 3554775"/>
+              <a:gd name="connsiteY15" fmla="*/ 485241 h 1255176"/>
+              <a:gd name="connsiteX16" fmla="*/ 0 w 3554775"/>
+              <a:gd name="connsiteY16" fmla="*/ 0 h 1255176"/>
+              <a:gd name="connsiteX0" fmla="*/ 0 w 3554775"/>
+              <a:gd name="connsiteY0" fmla="*/ 0 h 1255176"/>
+              <a:gd name="connsiteX1" fmla="*/ 540075 w 3554775"/>
+              <a:gd name="connsiteY1" fmla="*/ 0 h 1255176"/>
+              <a:gd name="connsiteX2" fmla="*/ 540075 w 3554775"/>
+              <a:gd name="connsiteY2" fmla="*/ 0 h 1255176"/>
+              <a:gd name="connsiteX3" fmla="*/ 1350188 w 3554775"/>
+              <a:gd name="connsiteY3" fmla="*/ 0 h 1255176"/>
+              <a:gd name="connsiteX4" fmla="*/ 3240450 w 3554775"/>
+              <a:gd name="connsiteY4" fmla="*/ 0 h 1255176"/>
+              <a:gd name="connsiteX5" fmla="*/ 3240450 w 3554775"/>
+              <a:gd name="connsiteY5" fmla="*/ 485241 h 1255176"/>
+              <a:gd name="connsiteX6" fmla="*/ 3230925 w 3554775"/>
+              <a:gd name="connsiteY6" fmla="*/ 609066 h 1255176"/>
+              <a:gd name="connsiteX7" fmla="*/ 3554775 w 3554775"/>
+              <a:gd name="connsiteY7" fmla="*/ 1255176 h 1255176"/>
+              <a:gd name="connsiteX8" fmla="*/ 3240450 w 3554775"/>
+              <a:gd name="connsiteY8" fmla="*/ 831841 h 1255176"/>
+              <a:gd name="connsiteX9" fmla="*/ 873938 w 3554775"/>
+              <a:gd name="connsiteY9" fmla="*/ 822316 h 1255176"/>
+              <a:gd name="connsiteX10" fmla="*/ 713154 w 3554775"/>
+              <a:gd name="connsiteY10" fmla="*/ 1131695 h 1255176"/>
+              <a:gd name="connsiteX11" fmla="*/ 673425 w 3554775"/>
+              <a:gd name="connsiteY11" fmla="*/ 850891 h 1255176"/>
+              <a:gd name="connsiteX12" fmla="*/ 0 w 3554775"/>
+              <a:gd name="connsiteY12" fmla="*/ 831841 h 1255176"/>
+              <a:gd name="connsiteX13" fmla="*/ 0 w 3554775"/>
+              <a:gd name="connsiteY13" fmla="*/ 693201 h 1255176"/>
+              <a:gd name="connsiteX14" fmla="*/ 0 w 3554775"/>
+              <a:gd name="connsiteY14" fmla="*/ 485241 h 1255176"/>
+              <a:gd name="connsiteX15" fmla="*/ 0 w 3554775"/>
+              <a:gd name="connsiteY15" fmla="*/ 485241 h 1255176"/>
+              <a:gd name="connsiteX16" fmla="*/ 0 w 3554775"/>
+              <a:gd name="connsiteY16" fmla="*/ 0 h 1255176"/>
+              <a:gd name="connsiteX0" fmla="*/ 0 w 3554775"/>
+              <a:gd name="connsiteY0" fmla="*/ 0 h 1255176"/>
+              <a:gd name="connsiteX1" fmla="*/ 540075 w 3554775"/>
+              <a:gd name="connsiteY1" fmla="*/ 0 h 1255176"/>
+              <a:gd name="connsiteX2" fmla="*/ 540075 w 3554775"/>
+              <a:gd name="connsiteY2" fmla="*/ 0 h 1255176"/>
+              <a:gd name="connsiteX3" fmla="*/ 1350188 w 3554775"/>
+              <a:gd name="connsiteY3" fmla="*/ 0 h 1255176"/>
+              <a:gd name="connsiteX4" fmla="*/ 3240450 w 3554775"/>
+              <a:gd name="connsiteY4" fmla="*/ 0 h 1255176"/>
+              <a:gd name="connsiteX5" fmla="*/ 3240450 w 3554775"/>
+              <a:gd name="connsiteY5" fmla="*/ 485241 h 1255176"/>
+              <a:gd name="connsiteX6" fmla="*/ 3230925 w 3554775"/>
+              <a:gd name="connsiteY6" fmla="*/ 609066 h 1255176"/>
+              <a:gd name="connsiteX7" fmla="*/ 3554775 w 3554775"/>
+              <a:gd name="connsiteY7" fmla="*/ 1255176 h 1255176"/>
+              <a:gd name="connsiteX8" fmla="*/ 3221400 w 3554775"/>
+              <a:gd name="connsiteY8" fmla="*/ 822316 h 1255176"/>
+              <a:gd name="connsiteX9" fmla="*/ 873938 w 3554775"/>
+              <a:gd name="connsiteY9" fmla="*/ 822316 h 1255176"/>
+              <a:gd name="connsiteX10" fmla="*/ 713154 w 3554775"/>
+              <a:gd name="connsiteY10" fmla="*/ 1131695 h 1255176"/>
+              <a:gd name="connsiteX11" fmla="*/ 673425 w 3554775"/>
+              <a:gd name="connsiteY11" fmla="*/ 850891 h 1255176"/>
+              <a:gd name="connsiteX12" fmla="*/ 0 w 3554775"/>
+              <a:gd name="connsiteY12" fmla="*/ 831841 h 1255176"/>
+              <a:gd name="connsiteX13" fmla="*/ 0 w 3554775"/>
+              <a:gd name="connsiteY13" fmla="*/ 693201 h 1255176"/>
+              <a:gd name="connsiteX14" fmla="*/ 0 w 3554775"/>
+              <a:gd name="connsiteY14" fmla="*/ 485241 h 1255176"/>
+              <a:gd name="connsiteX15" fmla="*/ 0 w 3554775"/>
+              <a:gd name="connsiteY15" fmla="*/ 485241 h 1255176"/>
+              <a:gd name="connsiteX16" fmla="*/ 0 w 3554775"/>
+              <a:gd name="connsiteY16" fmla="*/ 0 h 1255176"/>
+              <a:gd name="connsiteX0" fmla="*/ 0 w 3554775"/>
+              <a:gd name="connsiteY0" fmla="*/ 0 h 1255176"/>
+              <a:gd name="connsiteX1" fmla="*/ 540075 w 3554775"/>
+              <a:gd name="connsiteY1" fmla="*/ 0 h 1255176"/>
+              <a:gd name="connsiteX2" fmla="*/ 540075 w 3554775"/>
+              <a:gd name="connsiteY2" fmla="*/ 0 h 1255176"/>
+              <a:gd name="connsiteX3" fmla="*/ 1350188 w 3554775"/>
+              <a:gd name="connsiteY3" fmla="*/ 0 h 1255176"/>
+              <a:gd name="connsiteX4" fmla="*/ 3240450 w 3554775"/>
+              <a:gd name="connsiteY4" fmla="*/ 0 h 1255176"/>
+              <a:gd name="connsiteX5" fmla="*/ 3240450 w 3554775"/>
+              <a:gd name="connsiteY5" fmla="*/ 485241 h 1255176"/>
+              <a:gd name="connsiteX6" fmla="*/ 3230925 w 3554775"/>
+              <a:gd name="connsiteY6" fmla="*/ 609066 h 1255176"/>
+              <a:gd name="connsiteX7" fmla="*/ 3554775 w 3554775"/>
+              <a:gd name="connsiteY7" fmla="*/ 1255176 h 1255176"/>
+              <a:gd name="connsiteX8" fmla="*/ 3221400 w 3554775"/>
+              <a:gd name="connsiteY8" fmla="*/ 822316 h 1255176"/>
+              <a:gd name="connsiteX9" fmla="*/ 873938 w 3554775"/>
+              <a:gd name="connsiteY9" fmla="*/ 822316 h 1255176"/>
+              <a:gd name="connsiteX10" fmla="*/ 713154 w 3554775"/>
+              <a:gd name="connsiteY10" fmla="*/ 1131695 h 1255176"/>
+              <a:gd name="connsiteX11" fmla="*/ 673425 w 3554775"/>
+              <a:gd name="connsiteY11" fmla="*/ 850891 h 1255176"/>
+              <a:gd name="connsiteX12" fmla="*/ 0 w 3554775"/>
+              <a:gd name="connsiteY12" fmla="*/ 831841 h 1255176"/>
+              <a:gd name="connsiteX13" fmla="*/ 0 w 3554775"/>
+              <a:gd name="connsiteY13" fmla="*/ 693201 h 1255176"/>
+              <a:gd name="connsiteX14" fmla="*/ 0 w 3554775"/>
+              <a:gd name="connsiteY14" fmla="*/ 485241 h 1255176"/>
+              <a:gd name="connsiteX15" fmla="*/ 0 w 3554775"/>
+              <a:gd name="connsiteY15" fmla="*/ 485241 h 1255176"/>
+              <a:gd name="connsiteX16" fmla="*/ 0 w 3554775"/>
+              <a:gd name="connsiteY16" fmla="*/ 0 h 1255176"/>
+              <a:gd name="connsiteX0" fmla="*/ 0 w 3554775"/>
+              <a:gd name="connsiteY0" fmla="*/ 0 h 1255176"/>
+              <a:gd name="connsiteX1" fmla="*/ 540075 w 3554775"/>
+              <a:gd name="connsiteY1" fmla="*/ 0 h 1255176"/>
+              <a:gd name="connsiteX2" fmla="*/ 540075 w 3554775"/>
+              <a:gd name="connsiteY2" fmla="*/ 0 h 1255176"/>
+              <a:gd name="connsiteX3" fmla="*/ 1350188 w 3554775"/>
+              <a:gd name="connsiteY3" fmla="*/ 0 h 1255176"/>
+              <a:gd name="connsiteX4" fmla="*/ 3240450 w 3554775"/>
+              <a:gd name="connsiteY4" fmla="*/ 0 h 1255176"/>
+              <a:gd name="connsiteX5" fmla="*/ 3240450 w 3554775"/>
+              <a:gd name="connsiteY5" fmla="*/ 485241 h 1255176"/>
+              <a:gd name="connsiteX6" fmla="*/ 3230925 w 3554775"/>
+              <a:gd name="connsiteY6" fmla="*/ 609066 h 1255176"/>
+              <a:gd name="connsiteX7" fmla="*/ 3554775 w 3554775"/>
+              <a:gd name="connsiteY7" fmla="*/ 1255176 h 1255176"/>
+              <a:gd name="connsiteX8" fmla="*/ 3249975 w 3554775"/>
+              <a:gd name="connsiteY8" fmla="*/ 822316 h 1255176"/>
+              <a:gd name="connsiteX9" fmla="*/ 873938 w 3554775"/>
+              <a:gd name="connsiteY9" fmla="*/ 822316 h 1255176"/>
+              <a:gd name="connsiteX10" fmla="*/ 713154 w 3554775"/>
+              <a:gd name="connsiteY10" fmla="*/ 1131695 h 1255176"/>
+              <a:gd name="connsiteX11" fmla="*/ 673425 w 3554775"/>
+              <a:gd name="connsiteY11" fmla="*/ 850891 h 1255176"/>
+              <a:gd name="connsiteX12" fmla="*/ 0 w 3554775"/>
+              <a:gd name="connsiteY12" fmla="*/ 831841 h 1255176"/>
+              <a:gd name="connsiteX13" fmla="*/ 0 w 3554775"/>
+              <a:gd name="connsiteY13" fmla="*/ 693201 h 1255176"/>
+              <a:gd name="connsiteX14" fmla="*/ 0 w 3554775"/>
+              <a:gd name="connsiteY14" fmla="*/ 485241 h 1255176"/>
+              <a:gd name="connsiteX15" fmla="*/ 0 w 3554775"/>
+              <a:gd name="connsiteY15" fmla="*/ 485241 h 1255176"/>
+              <a:gd name="connsiteX16" fmla="*/ 0 w 3554775"/>
+              <a:gd name="connsiteY16" fmla="*/ 0 h 1255176"/>
+              <a:gd name="connsiteX0" fmla="*/ 0 w 3554775"/>
+              <a:gd name="connsiteY0" fmla="*/ 0 h 1255176"/>
+              <a:gd name="connsiteX1" fmla="*/ 540075 w 3554775"/>
+              <a:gd name="connsiteY1" fmla="*/ 0 h 1255176"/>
+              <a:gd name="connsiteX2" fmla="*/ 540075 w 3554775"/>
+              <a:gd name="connsiteY2" fmla="*/ 0 h 1255176"/>
+              <a:gd name="connsiteX3" fmla="*/ 1350188 w 3554775"/>
+              <a:gd name="connsiteY3" fmla="*/ 0 h 1255176"/>
+              <a:gd name="connsiteX4" fmla="*/ 3240450 w 3554775"/>
+              <a:gd name="connsiteY4" fmla="*/ 0 h 1255176"/>
+              <a:gd name="connsiteX5" fmla="*/ 3240450 w 3554775"/>
+              <a:gd name="connsiteY5" fmla="*/ 485241 h 1255176"/>
+              <a:gd name="connsiteX6" fmla="*/ 3230925 w 3554775"/>
+              <a:gd name="connsiteY6" fmla="*/ 609066 h 1255176"/>
+              <a:gd name="connsiteX7" fmla="*/ 3554775 w 3554775"/>
+              <a:gd name="connsiteY7" fmla="*/ 1255176 h 1255176"/>
+              <a:gd name="connsiteX8" fmla="*/ 3230925 w 3554775"/>
+              <a:gd name="connsiteY8" fmla="*/ 822316 h 1255176"/>
+              <a:gd name="connsiteX9" fmla="*/ 873938 w 3554775"/>
+              <a:gd name="connsiteY9" fmla="*/ 822316 h 1255176"/>
+              <a:gd name="connsiteX10" fmla="*/ 713154 w 3554775"/>
+              <a:gd name="connsiteY10" fmla="*/ 1131695 h 1255176"/>
+              <a:gd name="connsiteX11" fmla="*/ 673425 w 3554775"/>
+              <a:gd name="connsiteY11" fmla="*/ 850891 h 1255176"/>
+              <a:gd name="connsiteX12" fmla="*/ 0 w 3554775"/>
+              <a:gd name="connsiteY12" fmla="*/ 831841 h 1255176"/>
+              <a:gd name="connsiteX13" fmla="*/ 0 w 3554775"/>
+              <a:gd name="connsiteY13" fmla="*/ 693201 h 1255176"/>
+              <a:gd name="connsiteX14" fmla="*/ 0 w 3554775"/>
+              <a:gd name="connsiteY14" fmla="*/ 485241 h 1255176"/>
+              <a:gd name="connsiteX15" fmla="*/ 0 w 3554775"/>
+              <a:gd name="connsiteY15" fmla="*/ 485241 h 1255176"/>
+              <a:gd name="connsiteX16" fmla="*/ 0 w 3554775"/>
+              <a:gd name="connsiteY16" fmla="*/ 0 h 1255176"/>
+              <a:gd name="connsiteX0" fmla="*/ 0 w 3554775"/>
+              <a:gd name="connsiteY0" fmla="*/ 0 h 1255176"/>
+              <a:gd name="connsiteX1" fmla="*/ 540075 w 3554775"/>
+              <a:gd name="connsiteY1" fmla="*/ 0 h 1255176"/>
+              <a:gd name="connsiteX2" fmla="*/ 540075 w 3554775"/>
+              <a:gd name="connsiteY2" fmla="*/ 0 h 1255176"/>
+              <a:gd name="connsiteX3" fmla="*/ 1350188 w 3554775"/>
+              <a:gd name="connsiteY3" fmla="*/ 0 h 1255176"/>
+              <a:gd name="connsiteX4" fmla="*/ 3240450 w 3554775"/>
+              <a:gd name="connsiteY4" fmla="*/ 0 h 1255176"/>
+              <a:gd name="connsiteX5" fmla="*/ 3240450 w 3554775"/>
+              <a:gd name="connsiteY5" fmla="*/ 485241 h 1255176"/>
+              <a:gd name="connsiteX6" fmla="*/ 3269025 w 3554775"/>
+              <a:gd name="connsiteY6" fmla="*/ 618591 h 1255176"/>
+              <a:gd name="connsiteX7" fmla="*/ 3554775 w 3554775"/>
+              <a:gd name="connsiteY7" fmla="*/ 1255176 h 1255176"/>
+              <a:gd name="connsiteX8" fmla="*/ 3230925 w 3554775"/>
+              <a:gd name="connsiteY8" fmla="*/ 822316 h 1255176"/>
+              <a:gd name="connsiteX9" fmla="*/ 873938 w 3554775"/>
+              <a:gd name="connsiteY9" fmla="*/ 822316 h 1255176"/>
+              <a:gd name="connsiteX10" fmla="*/ 713154 w 3554775"/>
+              <a:gd name="connsiteY10" fmla="*/ 1131695 h 1255176"/>
+              <a:gd name="connsiteX11" fmla="*/ 673425 w 3554775"/>
+              <a:gd name="connsiteY11" fmla="*/ 850891 h 1255176"/>
+              <a:gd name="connsiteX12" fmla="*/ 0 w 3554775"/>
+              <a:gd name="connsiteY12" fmla="*/ 831841 h 1255176"/>
+              <a:gd name="connsiteX13" fmla="*/ 0 w 3554775"/>
+              <a:gd name="connsiteY13" fmla="*/ 693201 h 1255176"/>
+              <a:gd name="connsiteX14" fmla="*/ 0 w 3554775"/>
+              <a:gd name="connsiteY14" fmla="*/ 485241 h 1255176"/>
+              <a:gd name="connsiteX15" fmla="*/ 0 w 3554775"/>
+              <a:gd name="connsiteY15" fmla="*/ 485241 h 1255176"/>
+              <a:gd name="connsiteX16" fmla="*/ 0 w 3554775"/>
+              <a:gd name="connsiteY16" fmla="*/ 0 h 1255176"/>
+              <a:gd name="connsiteX0" fmla="*/ 0 w 3554775"/>
+              <a:gd name="connsiteY0" fmla="*/ 0 h 1255176"/>
+              <a:gd name="connsiteX1" fmla="*/ 540075 w 3554775"/>
+              <a:gd name="connsiteY1" fmla="*/ 0 h 1255176"/>
+              <a:gd name="connsiteX2" fmla="*/ 540075 w 3554775"/>
+              <a:gd name="connsiteY2" fmla="*/ 0 h 1255176"/>
+              <a:gd name="connsiteX3" fmla="*/ 1350188 w 3554775"/>
+              <a:gd name="connsiteY3" fmla="*/ 0 h 1255176"/>
+              <a:gd name="connsiteX4" fmla="*/ 3240450 w 3554775"/>
+              <a:gd name="connsiteY4" fmla="*/ 0 h 1255176"/>
+              <a:gd name="connsiteX5" fmla="*/ 3240450 w 3554775"/>
+              <a:gd name="connsiteY5" fmla="*/ 485241 h 1255176"/>
+              <a:gd name="connsiteX6" fmla="*/ 3269025 w 3554775"/>
+              <a:gd name="connsiteY6" fmla="*/ 618591 h 1255176"/>
+              <a:gd name="connsiteX7" fmla="*/ 3554775 w 3554775"/>
+              <a:gd name="connsiteY7" fmla="*/ 1255176 h 1255176"/>
+              <a:gd name="connsiteX8" fmla="*/ 3230925 w 3554775"/>
+              <a:gd name="connsiteY8" fmla="*/ 822316 h 1255176"/>
+              <a:gd name="connsiteX9" fmla="*/ 873938 w 3554775"/>
+              <a:gd name="connsiteY9" fmla="*/ 822316 h 1255176"/>
+              <a:gd name="connsiteX10" fmla="*/ 713154 w 3554775"/>
+              <a:gd name="connsiteY10" fmla="*/ 1131695 h 1255176"/>
+              <a:gd name="connsiteX11" fmla="*/ 673425 w 3554775"/>
+              <a:gd name="connsiteY11" fmla="*/ 850891 h 1255176"/>
+              <a:gd name="connsiteX12" fmla="*/ 0 w 3554775"/>
+              <a:gd name="connsiteY12" fmla="*/ 831841 h 1255176"/>
+              <a:gd name="connsiteX13" fmla="*/ 0 w 3554775"/>
+              <a:gd name="connsiteY13" fmla="*/ 693201 h 1255176"/>
+              <a:gd name="connsiteX14" fmla="*/ 0 w 3554775"/>
+              <a:gd name="connsiteY14" fmla="*/ 485241 h 1255176"/>
+              <a:gd name="connsiteX15" fmla="*/ 0 w 3554775"/>
+              <a:gd name="connsiteY15" fmla="*/ 485241 h 1255176"/>
+              <a:gd name="connsiteX16" fmla="*/ 0 w 3554775"/>
+              <a:gd name="connsiteY16" fmla="*/ 0 h 1255176"/>
+              <a:gd name="connsiteX0" fmla="*/ 0 w 3554775"/>
+              <a:gd name="connsiteY0" fmla="*/ 0 h 1255176"/>
+              <a:gd name="connsiteX1" fmla="*/ 540075 w 3554775"/>
+              <a:gd name="connsiteY1" fmla="*/ 0 h 1255176"/>
+              <a:gd name="connsiteX2" fmla="*/ 540075 w 3554775"/>
+              <a:gd name="connsiteY2" fmla="*/ 0 h 1255176"/>
+              <a:gd name="connsiteX3" fmla="*/ 1350188 w 3554775"/>
+              <a:gd name="connsiteY3" fmla="*/ 0 h 1255176"/>
+              <a:gd name="connsiteX4" fmla="*/ 3240450 w 3554775"/>
+              <a:gd name="connsiteY4" fmla="*/ 0 h 1255176"/>
+              <a:gd name="connsiteX5" fmla="*/ 3240450 w 3554775"/>
+              <a:gd name="connsiteY5" fmla="*/ 485241 h 1255176"/>
+              <a:gd name="connsiteX6" fmla="*/ 3249975 w 3554775"/>
+              <a:gd name="connsiteY6" fmla="*/ 618591 h 1255176"/>
+              <a:gd name="connsiteX7" fmla="*/ 3554775 w 3554775"/>
+              <a:gd name="connsiteY7" fmla="*/ 1255176 h 1255176"/>
+              <a:gd name="connsiteX8" fmla="*/ 3230925 w 3554775"/>
+              <a:gd name="connsiteY8" fmla="*/ 822316 h 1255176"/>
+              <a:gd name="connsiteX9" fmla="*/ 873938 w 3554775"/>
+              <a:gd name="connsiteY9" fmla="*/ 822316 h 1255176"/>
+              <a:gd name="connsiteX10" fmla="*/ 713154 w 3554775"/>
+              <a:gd name="connsiteY10" fmla="*/ 1131695 h 1255176"/>
+              <a:gd name="connsiteX11" fmla="*/ 673425 w 3554775"/>
+              <a:gd name="connsiteY11" fmla="*/ 850891 h 1255176"/>
+              <a:gd name="connsiteX12" fmla="*/ 0 w 3554775"/>
+              <a:gd name="connsiteY12" fmla="*/ 831841 h 1255176"/>
+              <a:gd name="connsiteX13" fmla="*/ 0 w 3554775"/>
+              <a:gd name="connsiteY13" fmla="*/ 693201 h 1255176"/>
+              <a:gd name="connsiteX14" fmla="*/ 0 w 3554775"/>
+              <a:gd name="connsiteY14" fmla="*/ 485241 h 1255176"/>
+              <a:gd name="connsiteX15" fmla="*/ 0 w 3554775"/>
+              <a:gd name="connsiteY15" fmla="*/ 485241 h 1255176"/>
+              <a:gd name="connsiteX16" fmla="*/ 0 w 3554775"/>
+              <a:gd name="connsiteY16" fmla="*/ 0 h 1255176"/>
+              <a:gd name="connsiteX0" fmla="*/ 0 w 3249975"/>
+              <a:gd name="connsiteY0" fmla="*/ 0 h 1131695"/>
+              <a:gd name="connsiteX1" fmla="*/ 540075 w 3249975"/>
+              <a:gd name="connsiteY1" fmla="*/ 0 h 1131695"/>
+              <a:gd name="connsiteX2" fmla="*/ 540075 w 3249975"/>
+              <a:gd name="connsiteY2" fmla="*/ 0 h 1131695"/>
+              <a:gd name="connsiteX3" fmla="*/ 1350188 w 3249975"/>
+              <a:gd name="connsiteY3" fmla="*/ 0 h 1131695"/>
+              <a:gd name="connsiteX4" fmla="*/ 3240450 w 3249975"/>
+              <a:gd name="connsiteY4" fmla="*/ 0 h 1131695"/>
+              <a:gd name="connsiteX5" fmla="*/ 3240450 w 3249975"/>
+              <a:gd name="connsiteY5" fmla="*/ 485241 h 1131695"/>
+              <a:gd name="connsiteX6" fmla="*/ 3249975 w 3249975"/>
+              <a:gd name="connsiteY6" fmla="*/ 618591 h 1131695"/>
+              <a:gd name="connsiteX7" fmla="*/ 3232351 w 3249975"/>
+              <a:gd name="connsiteY7" fmla="*/ 721776 h 1131695"/>
+              <a:gd name="connsiteX8" fmla="*/ 3230925 w 3249975"/>
+              <a:gd name="connsiteY8" fmla="*/ 822316 h 1131695"/>
+              <a:gd name="connsiteX9" fmla="*/ 873938 w 3249975"/>
+              <a:gd name="connsiteY9" fmla="*/ 822316 h 1131695"/>
+              <a:gd name="connsiteX10" fmla="*/ 713154 w 3249975"/>
+              <a:gd name="connsiteY10" fmla="*/ 1131695 h 1131695"/>
+              <a:gd name="connsiteX11" fmla="*/ 673425 w 3249975"/>
+              <a:gd name="connsiteY11" fmla="*/ 850891 h 1131695"/>
+              <a:gd name="connsiteX12" fmla="*/ 0 w 3249975"/>
+              <a:gd name="connsiteY12" fmla="*/ 831841 h 1131695"/>
+              <a:gd name="connsiteX13" fmla="*/ 0 w 3249975"/>
+              <a:gd name="connsiteY13" fmla="*/ 693201 h 1131695"/>
+              <a:gd name="connsiteX14" fmla="*/ 0 w 3249975"/>
+              <a:gd name="connsiteY14" fmla="*/ 485241 h 1131695"/>
+              <a:gd name="connsiteX15" fmla="*/ 0 w 3249975"/>
+              <a:gd name="connsiteY15" fmla="*/ 485241 h 1131695"/>
+              <a:gd name="connsiteX16" fmla="*/ 0 w 3249975"/>
+              <a:gd name="connsiteY16" fmla="*/ 0 h 1131695"/>
+              <a:gd name="connsiteX0" fmla="*/ 0 w 3240450"/>
+              <a:gd name="connsiteY0" fmla="*/ 0 h 1131695"/>
+              <a:gd name="connsiteX1" fmla="*/ 540075 w 3240450"/>
+              <a:gd name="connsiteY1" fmla="*/ 0 h 1131695"/>
+              <a:gd name="connsiteX2" fmla="*/ 540075 w 3240450"/>
+              <a:gd name="connsiteY2" fmla="*/ 0 h 1131695"/>
+              <a:gd name="connsiteX3" fmla="*/ 1350188 w 3240450"/>
+              <a:gd name="connsiteY3" fmla="*/ 0 h 1131695"/>
+              <a:gd name="connsiteX4" fmla="*/ 3240450 w 3240450"/>
+              <a:gd name="connsiteY4" fmla="*/ 0 h 1131695"/>
+              <a:gd name="connsiteX5" fmla="*/ 3240450 w 3240450"/>
+              <a:gd name="connsiteY5" fmla="*/ 485241 h 1131695"/>
+              <a:gd name="connsiteX6" fmla="*/ 3223106 w 3240450"/>
+              <a:gd name="connsiteY6" fmla="*/ 618591 h 1131695"/>
+              <a:gd name="connsiteX7" fmla="*/ 3232351 w 3240450"/>
+              <a:gd name="connsiteY7" fmla="*/ 721776 h 1131695"/>
+              <a:gd name="connsiteX8" fmla="*/ 3230925 w 3240450"/>
+              <a:gd name="connsiteY8" fmla="*/ 822316 h 1131695"/>
+              <a:gd name="connsiteX9" fmla="*/ 873938 w 3240450"/>
+              <a:gd name="connsiteY9" fmla="*/ 822316 h 1131695"/>
+              <a:gd name="connsiteX10" fmla="*/ 713154 w 3240450"/>
+              <a:gd name="connsiteY10" fmla="*/ 1131695 h 1131695"/>
+              <a:gd name="connsiteX11" fmla="*/ 673425 w 3240450"/>
+              <a:gd name="connsiteY11" fmla="*/ 850891 h 1131695"/>
+              <a:gd name="connsiteX12" fmla="*/ 0 w 3240450"/>
+              <a:gd name="connsiteY12" fmla="*/ 831841 h 1131695"/>
+              <a:gd name="connsiteX13" fmla="*/ 0 w 3240450"/>
+              <a:gd name="connsiteY13" fmla="*/ 693201 h 1131695"/>
+              <a:gd name="connsiteX14" fmla="*/ 0 w 3240450"/>
+              <a:gd name="connsiteY14" fmla="*/ 485241 h 1131695"/>
+              <a:gd name="connsiteX15" fmla="*/ 0 w 3240450"/>
+              <a:gd name="connsiteY15" fmla="*/ 485241 h 1131695"/>
+              <a:gd name="connsiteX16" fmla="*/ 0 w 3240450"/>
+              <a:gd name="connsiteY16" fmla="*/ 0 h 1131695"/>
+              <a:gd name="connsiteX0" fmla="*/ 0 w 3240450"/>
+              <a:gd name="connsiteY0" fmla="*/ 0 h 1131695"/>
+              <a:gd name="connsiteX1" fmla="*/ 540075 w 3240450"/>
+              <a:gd name="connsiteY1" fmla="*/ 0 h 1131695"/>
+              <a:gd name="connsiteX2" fmla="*/ 540075 w 3240450"/>
+              <a:gd name="connsiteY2" fmla="*/ 0 h 1131695"/>
+              <a:gd name="connsiteX3" fmla="*/ 1350188 w 3240450"/>
+              <a:gd name="connsiteY3" fmla="*/ 0 h 1131695"/>
+              <a:gd name="connsiteX4" fmla="*/ 3240450 w 3240450"/>
+              <a:gd name="connsiteY4" fmla="*/ 0 h 1131695"/>
+              <a:gd name="connsiteX5" fmla="*/ 3204625 w 3240450"/>
+              <a:gd name="connsiteY5" fmla="*/ 475716 h 1131695"/>
+              <a:gd name="connsiteX6" fmla="*/ 3223106 w 3240450"/>
+              <a:gd name="connsiteY6" fmla="*/ 618591 h 1131695"/>
+              <a:gd name="connsiteX7" fmla="*/ 3232351 w 3240450"/>
+              <a:gd name="connsiteY7" fmla="*/ 721776 h 1131695"/>
+              <a:gd name="connsiteX8" fmla="*/ 3230925 w 3240450"/>
+              <a:gd name="connsiteY8" fmla="*/ 822316 h 1131695"/>
+              <a:gd name="connsiteX9" fmla="*/ 873938 w 3240450"/>
+              <a:gd name="connsiteY9" fmla="*/ 822316 h 1131695"/>
+              <a:gd name="connsiteX10" fmla="*/ 713154 w 3240450"/>
+              <a:gd name="connsiteY10" fmla="*/ 1131695 h 1131695"/>
+              <a:gd name="connsiteX11" fmla="*/ 673425 w 3240450"/>
+              <a:gd name="connsiteY11" fmla="*/ 850891 h 1131695"/>
+              <a:gd name="connsiteX12" fmla="*/ 0 w 3240450"/>
+              <a:gd name="connsiteY12" fmla="*/ 831841 h 1131695"/>
+              <a:gd name="connsiteX13" fmla="*/ 0 w 3240450"/>
+              <a:gd name="connsiteY13" fmla="*/ 693201 h 1131695"/>
+              <a:gd name="connsiteX14" fmla="*/ 0 w 3240450"/>
+              <a:gd name="connsiteY14" fmla="*/ 485241 h 1131695"/>
+              <a:gd name="connsiteX15" fmla="*/ 0 w 3240450"/>
+              <a:gd name="connsiteY15" fmla="*/ 485241 h 1131695"/>
+              <a:gd name="connsiteX16" fmla="*/ 0 w 3240450"/>
+              <a:gd name="connsiteY16" fmla="*/ 0 h 1131695"/>
+              <a:gd name="connsiteX0" fmla="*/ 0 w 3240450"/>
+              <a:gd name="connsiteY0" fmla="*/ 0 h 1131695"/>
+              <a:gd name="connsiteX1" fmla="*/ 540075 w 3240450"/>
+              <a:gd name="connsiteY1" fmla="*/ 0 h 1131695"/>
+              <a:gd name="connsiteX2" fmla="*/ 540075 w 3240450"/>
+              <a:gd name="connsiteY2" fmla="*/ 0 h 1131695"/>
+              <a:gd name="connsiteX3" fmla="*/ 1350188 w 3240450"/>
+              <a:gd name="connsiteY3" fmla="*/ 0 h 1131695"/>
+              <a:gd name="connsiteX4" fmla="*/ 3240450 w 3240450"/>
+              <a:gd name="connsiteY4" fmla="*/ 0 h 1131695"/>
+              <a:gd name="connsiteX5" fmla="*/ 3231494 w 3240450"/>
+              <a:gd name="connsiteY5" fmla="*/ 475716 h 1131695"/>
+              <a:gd name="connsiteX6" fmla="*/ 3223106 w 3240450"/>
+              <a:gd name="connsiteY6" fmla="*/ 618591 h 1131695"/>
+              <a:gd name="connsiteX7" fmla="*/ 3232351 w 3240450"/>
+              <a:gd name="connsiteY7" fmla="*/ 721776 h 1131695"/>
+              <a:gd name="connsiteX8" fmla="*/ 3230925 w 3240450"/>
+              <a:gd name="connsiteY8" fmla="*/ 822316 h 1131695"/>
+              <a:gd name="connsiteX9" fmla="*/ 873938 w 3240450"/>
+              <a:gd name="connsiteY9" fmla="*/ 822316 h 1131695"/>
+              <a:gd name="connsiteX10" fmla="*/ 713154 w 3240450"/>
+              <a:gd name="connsiteY10" fmla="*/ 1131695 h 1131695"/>
+              <a:gd name="connsiteX11" fmla="*/ 673425 w 3240450"/>
+              <a:gd name="connsiteY11" fmla="*/ 850891 h 1131695"/>
+              <a:gd name="connsiteX12" fmla="*/ 0 w 3240450"/>
+              <a:gd name="connsiteY12" fmla="*/ 831841 h 1131695"/>
+              <a:gd name="connsiteX13" fmla="*/ 0 w 3240450"/>
+              <a:gd name="connsiteY13" fmla="*/ 693201 h 1131695"/>
+              <a:gd name="connsiteX14" fmla="*/ 0 w 3240450"/>
+              <a:gd name="connsiteY14" fmla="*/ 485241 h 1131695"/>
+              <a:gd name="connsiteX15" fmla="*/ 0 w 3240450"/>
+              <a:gd name="connsiteY15" fmla="*/ 485241 h 1131695"/>
+              <a:gd name="connsiteX16" fmla="*/ 0 w 3240450"/>
+              <a:gd name="connsiteY16" fmla="*/ 0 h 1131695"/>
+              <a:gd name="connsiteX0" fmla="*/ 0 w 3240450"/>
+              <a:gd name="connsiteY0" fmla="*/ 0 h 1131695"/>
+              <a:gd name="connsiteX1" fmla="*/ 540075 w 3240450"/>
+              <a:gd name="connsiteY1" fmla="*/ 0 h 1131695"/>
+              <a:gd name="connsiteX2" fmla="*/ 540075 w 3240450"/>
+              <a:gd name="connsiteY2" fmla="*/ 0 h 1131695"/>
+              <a:gd name="connsiteX3" fmla="*/ 1350188 w 3240450"/>
+              <a:gd name="connsiteY3" fmla="*/ 0 h 1131695"/>
+              <a:gd name="connsiteX4" fmla="*/ 3240450 w 3240450"/>
+              <a:gd name="connsiteY4" fmla="*/ 0 h 1131695"/>
+              <a:gd name="connsiteX5" fmla="*/ 3231494 w 3240450"/>
+              <a:gd name="connsiteY5" fmla="*/ 475716 h 1131695"/>
+              <a:gd name="connsiteX6" fmla="*/ 3223106 w 3240450"/>
+              <a:gd name="connsiteY6" fmla="*/ 618591 h 1131695"/>
+              <a:gd name="connsiteX7" fmla="*/ 3232351 w 3240450"/>
+              <a:gd name="connsiteY7" fmla="*/ 721776 h 1131695"/>
+              <a:gd name="connsiteX8" fmla="*/ 3230925 w 3240450"/>
+              <a:gd name="connsiteY8" fmla="*/ 822316 h 1131695"/>
+              <a:gd name="connsiteX9" fmla="*/ 2998939 w 3240450"/>
+              <a:gd name="connsiteY9" fmla="*/ 815117 h 1131695"/>
+              <a:gd name="connsiteX10" fmla="*/ 873938 w 3240450"/>
+              <a:gd name="connsiteY10" fmla="*/ 822316 h 1131695"/>
+              <a:gd name="connsiteX11" fmla="*/ 713154 w 3240450"/>
+              <a:gd name="connsiteY11" fmla="*/ 1131695 h 1131695"/>
+              <a:gd name="connsiteX12" fmla="*/ 673425 w 3240450"/>
+              <a:gd name="connsiteY12" fmla="*/ 850891 h 1131695"/>
+              <a:gd name="connsiteX13" fmla="*/ 0 w 3240450"/>
+              <a:gd name="connsiteY13" fmla="*/ 831841 h 1131695"/>
+              <a:gd name="connsiteX14" fmla="*/ 0 w 3240450"/>
+              <a:gd name="connsiteY14" fmla="*/ 693201 h 1131695"/>
+              <a:gd name="connsiteX15" fmla="*/ 0 w 3240450"/>
+              <a:gd name="connsiteY15" fmla="*/ 485241 h 1131695"/>
+              <a:gd name="connsiteX16" fmla="*/ 0 w 3240450"/>
+              <a:gd name="connsiteY16" fmla="*/ 485241 h 1131695"/>
+              <a:gd name="connsiteX17" fmla="*/ 0 w 3240450"/>
+              <a:gd name="connsiteY17" fmla="*/ 0 h 1131695"/>
+              <a:gd name="connsiteX0" fmla="*/ 0 w 3240450"/>
+              <a:gd name="connsiteY0" fmla="*/ 0 h 1131695"/>
+              <a:gd name="connsiteX1" fmla="*/ 540075 w 3240450"/>
+              <a:gd name="connsiteY1" fmla="*/ 0 h 1131695"/>
+              <a:gd name="connsiteX2" fmla="*/ 540075 w 3240450"/>
+              <a:gd name="connsiteY2" fmla="*/ 0 h 1131695"/>
+              <a:gd name="connsiteX3" fmla="*/ 1350188 w 3240450"/>
+              <a:gd name="connsiteY3" fmla="*/ 0 h 1131695"/>
+              <a:gd name="connsiteX4" fmla="*/ 3240450 w 3240450"/>
+              <a:gd name="connsiteY4" fmla="*/ 0 h 1131695"/>
+              <a:gd name="connsiteX5" fmla="*/ 3231494 w 3240450"/>
+              <a:gd name="connsiteY5" fmla="*/ 475716 h 1131695"/>
+              <a:gd name="connsiteX6" fmla="*/ 3223106 w 3240450"/>
+              <a:gd name="connsiteY6" fmla="*/ 618591 h 1131695"/>
+              <a:gd name="connsiteX7" fmla="*/ 3232351 w 3240450"/>
+              <a:gd name="connsiteY7" fmla="*/ 721776 h 1131695"/>
+              <a:gd name="connsiteX8" fmla="*/ 3230925 w 3240450"/>
+              <a:gd name="connsiteY8" fmla="*/ 822316 h 1131695"/>
+              <a:gd name="connsiteX9" fmla="*/ 3151195 w 3240450"/>
+              <a:gd name="connsiteY9" fmla="*/ 815117 h 1131695"/>
+              <a:gd name="connsiteX10" fmla="*/ 2998939 w 3240450"/>
+              <a:gd name="connsiteY10" fmla="*/ 815117 h 1131695"/>
+              <a:gd name="connsiteX11" fmla="*/ 873938 w 3240450"/>
+              <a:gd name="connsiteY11" fmla="*/ 822316 h 1131695"/>
+              <a:gd name="connsiteX12" fmla="*/ 713154 w 3240450"/>
+              <a:gd name="connsiteY12" fmla="*/ 1131695 h 1131695"/>
+              <a:gd name="connsiteX13" fmla="*/ 673425 w 3240450"/>
+              <a:gd name="connsiteY13" fmla="*/ 850891 h 1131695"/>
+              <a:gd name="connsiteX14" fmla="*/ 0 w 3240450"/>
+              <a:gd name="connsiteY14" fmla="*/ 831841 h 1131695"/>
+              <a:gd name="connsiteX15" fmla="*/ 0 w 3240450"/>
+              <a:gd name="connsiteY15" fmla="*/ 693201 h 1131695"/>
+              <a:gd name="connsiteX16" fmla="*/ 0 w 3240450"/>
+              <a:gd name="connsiteY16" fmla="*/ 485241 h 1131695"/>
+              <a:gd name="connsiteX17" fmla="*/ 0 w 3240450"/>
+              <a:gd name="connsiteY17" fmla="*/ 485241 h 1131695"/>
+              <a:gd name="connsiteX18" fmla="*/ 0 w 3240450"/>
+              <a:gd name="connsiteY18" fmla="*/ 0 h 1131695"/>
+              <a:gd name="connsiteX0" fmla="*/ 0 w 3240450"/>
+              <a:gd name="connsiteY0" fmla="*/ 0 h 1131695"/>
+              <a:gd name="connsiteX1" fmla="*/ 540075 w 3240450"/>
+              <a:gd name="connsiteY1" fmla="*/ 0 h 1131695"/>
+              <a:gd name="connsiteX2" fmla="*/ 540075 w 3240450"/>
+              <a:gd name="connsiteY2" fmla="*/ 0 h 1131695"/>
+              <a:gd name="connsiteX3" fmla="*/ 1350188 w 3240450"/>
+              <a:gd name="connsiteY3" fmla="*/ 0 h 1131695"/>
+              <a:gd name="connsiteX4" fmla="*/ 3240450 w 3240450"/>
+              <a:gd name="connsiteY4" fmla="*/ 0 h 1131695"/>
+              <a:gd name="connsiteX5" fmla="*/ 3231494 w 3240450"/>
+              <a:gd name="connsiteY5" fmla="*/ 475716 h 1131695"/>
+              <a:gd name="connsiteX6" fmla="*/ 3223106 w 3240450"/>
+              <a:gd name="connsiteY6" fmla="*/ 618591 h 1131695"/>
+              <a:gd name="connsiteX7" fmla="*/ 3232351 w 3240450"/>
+              <a:gd name="connsiteY7" fmla="*/ 721776 h 1131695"/>
+              <a:gd name="connsiteX8" fmla="*/ 3230925 w 3240450"/>
+              <a:gd name="connsiteY8" fmla="*/ 822316 h 1131695"/>
+              <a:gd name="connsiteX9" fmla="*/ 3151195 w 3240450"/>
+              <a:gd name="connsiteY9" fmla="*/ 815117 h 1131695"/>
+              <a:gd name="connsiteX10" fmla="*/ 2998939 w 3240450"/>
+              <a:gd name="connsiteY10" fmla="*/ 815117 h 1131695"/>
+              <a:gd name="connsiteX11" fmla="*/ 2855640 w 3240450"/>
+              <a:gd name="connsiteY11" fmla="*/ 824642 h 1131695"/>
+              <a:gd name="connsiteX12" fmla="*/ 873938 w 3240450"/>
+              <a:gd name="connsiteY12" fmla="*/ 822316 h 1131695"/>
+              <a:gd name="connsiteX13" fmla="*/ 713154 w 3240450"/>
+              <a:gd name="connsiteY13" fmla="*/ 1131695 h 1131695"/>
+              <a:gd name="connsiteX14" fmla="*/ 673425 w 3240450"/>
+              <a:gd name="connsiteY14" fmla="*/ 850891 h 1131695"/>
+              <a:gd name="connsiteX15" fmla="*/ 0 w 3240450"/>
+              <a:gd name="connsiteY15" fmla="*/ 831841 h 1131695"/>
+              <a:gd name="connsiteX16" fmla="*/ 0 w 3240450"/>
+              <a:gd name="connsiteY16" fmla="*/ 693201 h 1131695"/>
+              <a:gd name="connsiteX17" fmla="*/ 0 w 3240450"/>
+              <a:gd name="connsiteY17" fmla="*/ 485241 h 1131695"/>
+              <a:gd name="connsiteX18" fmla="*/ 0 w 3240450"/>
+              <a:gd name="connsiteY18" fmla="*/ 485241 h 1131695"/>
+              <a:gd name="connsiteX19" fmla="*/ 0 w 3240450"/>
+              <a:gd name="connsiteY19" fmla="*/ 0 h 1131695"/>
+              <a:gd name="connsiteX0" fmla="*/ 0 w 3410926"/>
+              <a:gd name="connsiteY0" fmla="*/ 0 h 1234217"/>
+              <a:gd name="connsiteX1" fmla="*/ 540075 w 3410926"/>
+              <a:gd name="connsiteY1" fmla="*/ 0 h 1234217"/>
+              <a:gd name="connsiteX2" fmla="*/ 540075 w 3410926"/>
+              <a:gd name="connsiteY2" fmla="*/ 0 h 1234217"/>
+              <a:gd name="connsiteX3" fmla="*/ 1350188 w 3410926"/>
+              <a:gd name="connsiteY3" fmla="*/ 0 h 1234217"/>
+              <a:gd name="connsiteX4" fmla="*/ 3240450 w 3410926"/>
+              <a:gd name="connsiteY4" fmla="*/ 0 h 1234217"/>
+              <a:gd name="connsiteX5" fmla="*/ 3231494 w 3410926"/>
+              <a:gd name="connsiteY5" fmla="*/ 475716 h 1234217"/>
+              <a:gd name="connsiteX6" fmla="*/ 3223106 w 3410926"/>
+              <a:gd name="connsiteY6" fmla="*/ 618591 h 1234217"/>
+              <a:gd name="connsiteX7" fmla="*/ 3232351 w 3410926"/>
+              <a:gd name="connsiteY7" fmla="*/ 721776 h 1234217"/>
+              <a:gd name="connsiteX8" fmla="*/ 3230925 w 3410926"/>
+              <a:gd name="connsiteY8" fmla="*/ 822316 h 1234217"/>
+              <a:gd name="connsiteX9" fmla="*/ 3151195 w 3410926"/>
+              <a:gd name="connsiteY9" fmla="*/ 815117 h 1234217"/>
+              <a:gd name="connsiteX10" fmla="*/ 3410926 w 3410926"/>
+              <a:gd name="connsiteY10" fmla="*/ 1234217 h 1234217"/>
+              <a:gd name="connsiteX11" fmla="*/ 2855640 w 3410926"/>
+              <a:gd name="connsiteY11" fmla="*/ 824642 h 1234217"/>
+              <a:gd name="connsiteX12" fmla="*/ 873938 w 3410926"/>
+              <a:gd name="connsiteY12" fmla="*/ 822316 h 1234217"/>
+              <a:gd name="connsiteX13" fmla="*/ 713154 w 3410926"/>
+              <a:gd name="connsiteY13" fmla="*/ 1131695 h 1234217"/>
+              <a:gd name="connsiteX14" fmla="*/ 673425 w 3410926"/>
+              <a:gd name="connsiteY14" fmla="*/ 850891 h 1234217"/>
+              <a:gd name="connsiteX15" fmla="*/ 0 w 3410926"/>
+              <a:gd name="connsiteY15" fmla="*/ 831841 h 1234217"/>
+              <a:gd name="connsiteX16" fmla="*/ 0 w 3410926"/>
+              <a:gd name="connsiteY16" fmla="*/ 693201 h 1234217"/>
+              <a:gd name="connsiteX17" fmla="*/ 0 w 3410926"/>
+              <a:gd name="connsiteY17" fmla="*/ 485241 h 1234217"/>
+              <a:gd name="connsiteX18" fmla="*/ 0 w 3410926"/>
+              <a:gd name="connsiteY18" fmla="*/ 485241 h 1234217"/>
+              <a:gd name="connsiteX19" fmla="*/ 0 w 3410926"/>
+              <a:gd name="connsiteY19" fmla="*/ 0 h 1234217"/>
+              <a:gd name="connsiteX0" fmla="*/ 0 w 3410926"/>
+              <a:gd name="connsiteY0" fmla="*/ 0 h 1234217"/>
+              <a:gd name="connsiteX1" fmla="*/ 540075 w 3410926"/>
+              <a:gd name="connsiteY1" fmla="*/ 0 h 1234217"/>
+              <a:gd name="connsiteX2" fmla="*/ 540075 w 3410926"/>
+              <a:gd name="connsiteY2" fmla="*/ 0 h 1234217"/>
+              <a:gd name="connsiteX3" fmla="*/ 1350188 w 3410926"/>
+              <a:gd name="connsiteY3" fmla="*/ 0 h 1234217"/>
+              <a:gd name="connsiteX4" fmla="*/ 3240450 w 3410926"/>
+              <a:gd name="connsiteY4" fmla="*/ 0 h 1234217"/>
+              <a:gd name="connsiteX5" fmla="*/ 3231494 w 3410926"/>
+              <a:gd name="connsiteY5" fmla="*/ 475716 h 1234217"/>
+              <a:gd name="connsiteX6" fmla="*/ 3223106 w 3410926"/>
+              <a:gd name="connsiteY6" fmla="*/ 618591 h 1234217"/>
+              <a:gd name="connsiteX7" fmla="*/ 3232351 w 3410926"/>
+              <a:gd name="connsiteY7" fmla="*/ 721776 h 1234217"/>
+              <a:gd name="connsiteX8" fmla="*/ 3230925 w 3410926"/>
+              <a:gd name="connsiteY8" fmla="*/ 822316 h 1234217"/>
+              <a:gd name="connsiteX9" fmla="*/ 3052677 w 3410926"/>
+              <a:gd name="connsiteY9" fmla="*/ 824642 h 1234217"/>
+              <a:gd name="connsiteX10" fmla="*/ 3410926 w 3410926"/>
+              <a:gd name="connsiteY10" fmla="*/ 1234217 h 1234217"/>
+              <a:gd name="connsiteX11" fmla="*/ 2855640 w 3410926"/>
+              <a:gd name="connsiteY11" fmla="*/ 824642 h 1234217"/>
+              <a:gd name="connsiteX12" fmla="*/ 873938 w 3410926"/>
+              <a:gd name="connsiteY12" fmla="*/ 822316 h 1234217"/>
+              <a:gd name="connsiteX13" fmla="*/ 713154 w 3410926"/>
+              <a:gd name="connsiteY13" fmla="*/ 1131695 h 1234217"/>
+              <a:gd name="connsiteX14" fmla="*/ 673425 w 3410926"/>
+              <a:gd name="connsiteY14" fmla="*/ 850891 h 1234217"/>
+              <a:gd name="connsiteX15" fmla="*/ 0 w 3410926"/>
+              <a:gd name="connsiteY15" fmla="*/ 831841 h 1234217"/>
+              <a:gd name="connsiteX16" fmla="*/ 0 w 3410926"/>
+              <a:gd name="connsiteY16" fmla="*/ 693201 h 1234217"/>
+              <a:gd name="connsiteX17" fmla="*/ 0 w 3410926"/>
+              <a:gd name="connsiteY17" fmla="*/ 485241 h 1234217"/>
+              <a:gd name="connsiteX18" fmla="*/ 0 w 3410926"/>
+              <a:gd name="connsiteY18" fmla="*/ 485241 h 1234217"/>
+              <a:gd name="connsiteX19" fmla="*/ 0 w 3410926"/>
+              <a:gd name="connsiteY19" fmla="*/ 0 h 1234217"/>
+              <a:gd name="connsiteX0" fmla="*/ 0 w 3348232"/>
+              <a:gd name="connsiteY0" fmla="*/ 0 h 1196117"/>
+              <a:gd name="connsiteX1" fmla="*/ 540075 w 3348232"/>
+              <a:gd name="connsiteY1" fmla="*/ 0 h 1196117"/>
+              <a:gd name="connsiteX2" fmla="*/ 540075 w 3348232"/>
+              <a:gd name="connsiteY2" fmla="*/ 0 h 1196117"/>
+              <a:gd name="connsiteX3" fmla="*/ 1350188 w 3348232"/>
+              <a:gd name="connsiteY3" fmla="*/ 0 h 1196117"/>
+              <a:gd name="connsiteX4" fmla="*/ 3240450 w 3348232"/>
+              <a:gd name="connsiteY4" fmla="*/ 0 h 1196117"/>
+              <a:gd name="connsiteX5" fmla="*/ 3231494 w 3348232"/>
+              <a:gd name="connsiteY5" fmla="*/ 475716 h 1196117"/>
+              <a:gd name="connsiteX6" fmla="*/ 3223106 w 3348232"/>
+              <a:gd name="connsiteY6" fmla="*/ 618591 h 1196117"/>
+              <a:gd name="connsiteX7" fmla="*/ 3232351 w 3348232"/>
+              <a:gd name="connsiteY7" fmla="*/ 721776 h 1196117"/>
+              <a:gd name="connsiteX8" fmla="*/ 3230925 w 3348232"/>
+              <a:gd name="connsiteY8" fmla="*/ 822316 h 1196117"/>
+              <a:gd name="connsiteX9" fmla="*/ 3052677 w 3348232"/>
+              <a:gd name="connsiteY9" fmla="*/ 824642 h 1196117"/>
+              <a:gd name="connsiteX10" fmla="*/ 3348232 w 3348232"/>
+              <a:gd name="connsiteY10" fmla="*/ 1196117 h 1196117"/>
+              <a:gd name="connsiteX11" fmla="*/ 2855640 w 3348232"/>
+              <a:gd name="connsiteY11" fmla="*/ 824642 h 1196117"/>
+              <a:gd name="connsiteX12" fmla="*/ 873938 w 3348232"/>
+              <a:gd name="connsiteY12" fmla="*/ 822316 h 1196117"/>
+              <a:gd name="connsiteX13" fmla="*/ 713154 w 3348232"/>
+              <a:gd name="connsiteY13" fmla="*/ 1131695 h 1196117"/>
+              <a:gd name="connsiteX14" fmla="*/ 673425 w 3348232"/>
+              <a:gd name="connsiteY14" fmla="*/ 850891 h 1196117"/>
+              <a:gd name="connsiteX15" fmla="*/ 0 w 3348232"/>
+              <a:gd name="connsiteY15" fmla="*/ 831841 h 1196117"/>
+              <a:gd name="connsiteX16" fmla="*/ 0 w 3348232"/>
+              <a:gd name="connsiteY16" fmla="*/ 693201 h 1196117"/>
+              <a:gd name="connsiteX17" fmla="*/ 0 w 3348232"/>
+              <a:gd name="connsiteY17" fmla="*/ 485241 h 1196117"/>
+              <a:gd name="connsiteX18" fmla="*/ 0 w 3348232"/>
+              <a:gd name="connsiteY18" fmla="*/ 485241 h 1196117"/>
+              <a:gd name="connsiteX19" fmla="*/ 0 w 3348232"/>
+              <a:gd name="connsiteY19" fmla="*/ 0 h 1196117"/>
+              <a:gd name="connsiteX0" fmla="*/ 0 w 3348232"/>
+              <a:gd name="connsiteY0" fmla="*/ 0 h 1196117"/>
+              <a:gd name="connsiteX1" fmla="*/ 540075 w 3348232"/>
+              <a:gd name="connsiteY1" fmla="*/ 0 h 1196117"/>
+              <a:gd name="connsiteX2" fmla="*/ 540075 w 3348232"/>
+              <a:gd name="connsiteY2" fmla="*/ 0 h 1196117"/>
+              <a:gd name="connsiteX3" fmla="*/ 1350188 w 3348232"/>
+              <a:gd name="connsiteY3" fmla="*/ 0 h 1196117"/>
+              <a:gd name="connsiteX4" fmla="*/ 3240450 w 3348232"/>
+              <a:gd name="connsiteY4" fmla="*/ 0 h 1196117"/>
+              <a:gd name="connsiteX5" fmla="*/ 3231494 w 3348232"/>
+              <a:gd name="connsiteY5" fmla="*/ 475716 h 1196117"/>
+              <a:gd name="connsiteX6" fmla="*/ 3223106 w 3348232"/>
+              <a:gd name="connsiteY6" fmla="*/ 618591 h 1196117"/>
+              <a:gd name="connsiteX7" fmla="*/ 3232351 w 3348232"/>
+              <a:gd name="connsiteY7" fmla="*/ 721776 h 1196117"/>
+              <a:gd name="connsiteX8" fmla="*/ 3230925 w 3348232"/>
+              <a:gd name="connsiteY8" fmla="*/ 822316 h 1196117"/>
+              <a:gd name="connsiteX9" fmla="*/ 3052677 w 3348232"/>
+              <a:gd name="connsiteY9" fmla="*/ 824642 h 1196117"/>
+              <a:gd name="connsiteX10" fmla="*/ 3348232 w 3348232"/>
+              <a:gd name="connsiteY10" fmla="*/ 1196117 h 1196117"/>
+              <a:gd name="connsiteX11" fmla="*/ 2855640 w 3348232"/>
+              <a:gd name="connsiteY11" fmla="*/ 824642 h 1196117"/>
+              <a:gd name="connsiteX12" fmla="*/ 873938 w 3348232"/>
+              <a:gd name="connsiteY12" fmla="*/ 822316 h 1196117"/>
+              <a:gd name="connsiteX13" fmla="*/ 713154 w 3348232"/>
+              <a:gd name="connsiteY13" fmla="*/ 1131695 h 1196117"/>
+              <a:gd name="connsiteX14" fmla="*/ 663543 w 3348232"/>
+              <a:gd name="connsiteY14" fmla="*/ 840381 h 1196117"/>
+              <a:gd name="connsiteX15" fmla="*/ 0 w 3348232"/>
+              <a:gd name="connsiteY15" fmla="*/ 831841 h 1196117"/>
+              <a:gd name="connsiteX16" fmla="*/ 0 w 3348232"/>
+              <a:gd name="connsiteY16" fmla="*/ 693201 h 1196117"/>
+              <a:gd name="connsiteX17" fmla="*/ 0 w 3348232"/>
+              <a:gd name="connsiteY17" fmla="*/ 485241 h 1196117"/>
+              <a:gd name="connsiteX18" fmla="*/ 0 w 3348232"/>
+              <a:gd name="connsiteY18" fmla="*/ 485241 h 1196117"/>
+              <a:gd name="connsiteX19" fmla="*/ 0 w 3348232"/>
+              <a:gd name="connsiteY19" fmla="*/ 0 h 1196117"/>
+              <a:gd name="connsiteX0" fmla="*/ 0 w 3348232"/>
+              <a:gd name="connsiteY0" fmla="*/ 0 h 1196117"/>
+              <a:gd name="connsiteX1" fmla="*/ 540075 w 3348232"/>
+              <a:gd name="connsiteY1" fmla="*/ 0 h 1196117"/>
+              <a:gd name="connsiteX2" fmla="*/ 540075 w 3348232"/>
+              <a:gd name="connsiteY2" fmla="*/ 0 h 1196117"/>
+              <a:gd name="connsiteX3" fmla="*/ 1350188 w 3348232"/>
+              <a:gd name="connsiteY3" fmla="*/ 0 h 1196117"/>
+              <a:gd name="connsiteX4" fmla="*/ 3240450 w 3348232"/>
+              <a:gd name="connsiteY4" fmla="*/ 0 h 1196117"/>
+              <a:gd name="connsiteX5" fmla="*/ 3231494 w 3348232"/>
+              <a:gd name="connsiteY5" fmla="*/ 475716 h 1196117"/>
+              <a:gd name="connsiteX6" fmla="*/ 3223106 w 3348232"/>
+              <a:gd name="connsiteY6" fmla="*/ 618591 h 1196117"/>
+              <a:gd name="connsiteX7" fmla="*/ 3232351 w 3348232"/>
+              <a:gd name="connsiteY7" fmla="*/ 721776 h 1196117"/>
+              <a:gd name="connsiteX8" fmla="*/ 3230925 w 3348232"/>
+              <a:gd name="connsiteY8" fmla="*/ 822316 h 1196117"/>
+              <a:gd name="connsiteX9" fmla="*/ 3052677 w 3348232"/>
+              <a:gd name="connsiteY9" fmla="*/ 824642 h 1196117"/>
+              <a:gd name="connsiteX10" fmla="*/ 3348232 w 3348232"/>
+              <a:gd name="connsiteY10" fmla="*/ 1196117 h 1196117"/>
+              <a:gd name="connsiteX11" fmla="*/ 2855640 w 3348232"/>
+              <a:gd name="connsiteY11" fmla="*/ 824642 h 1196117"/>
+              <a:gd name="connsiteX12" fmla="*/ 873938 w 3348232"/>
+              <a:gd name="connsiteY12" fmla="*/ 832826 h 1196117"/>
+              <a:gd name="connsiteX13" fmla="*/ 713154 w 3348232"/>
+              <a:gd name="connsiteY13" fmla="*/ 1131695 h 1196117"/>
+              <a:gd name="connsiteX14" fmla="*/ 663543 w 3348232"/>
+              <a:gd name="connsiteY14" fmla="*/ 840381 h 1196117"/>
+              <a:gd name="connsiteX15" fmla="*/ 0 w 3348232"/>
+              <a:gd name="connsiteY15" fmla="*/ 831841 h 1196117"/>
+              <a:gd name="connsiteX16" fmla="*/ 0 w 3348232"/>
+              <a:gd name="connsiteY16" fmla="*/ 693201 h 1196117"/>
+              <a:gd name="connsiteX17" fmla="*/ 0 w 3348232"/>
+              <a:gd name="connsiteY17" fmla="*/ 485241 h 1196117"/>
+              <a:gd name="connsiteX18" fmla="*/ 0 w 3348232"/>
+              <a:gd name="connsiteY18" fmla="*/ 485241 h 1196117"/>
+              <a:gd name="connsiteX19" fmla="*/ 0 w 3348232"/>
+              <a:gd name="connsiteY19" fmla="*/ 0 h 1196117"/>
+              <a:gd name="connsiteX0" fmla="*/ 0 w 3308700"/>
+              <a:gd name="connsiteY0" fmla="*/ 0 h 1175096"/>
+              <a:gd name="connsiteX1" fmla="*/ 540075 w 3308700"/>
+              <a:gd name="connsiteY1" fmla="*/ 0 h 1175096"/>
+              <a:gd name="connsiteX2" fmla="*/ 540075 w 3308700"/>
+              <a:gd name="connsiteY2" fmla="*/ 0 h 1175096"/>
+              <a:gd name="connsiteX3" fmla="*/ 1350188 w 3308700"/>
+              <a:gd name="connsiteY3" fmla="*/ 0 h 1175096"/>
+              <a:gd name="connsiteX4" fmla="*/ 3240450 w 3308700"/>
+              <a:gd name="connsiteY4" fmla="*/ 0 h 1175096"/>
+              <a:gd name="connsiteX5" fmla="*/ 3231494 w 3308700"/>
+              <a:gd name="connsiteY5" fmla="*/ 475716 h 1175096"/>
+              <a:gd name="connsiteX6" fmla="*/ 3223106 w 3308700"/>
+              <a:gd name="connsiteY6" fmla="*/ 618591 h 1175096"/>
+              <a:gd name="connsiteX7" fmla="*/ 3232351 w 3308700"/>
+              <a:gd name="connsiteY7" fmla="*/ 721776 h 1175096"/>
+              <a:gd name="connsiteX8" fmla="*/ 3230925 w 3308700"/>
+              <a:gd name="connsiteY8" fmla="*/ 822316 h 1175096"/>
+              <a:gd name="connsiteX9" fmla="*/ 3052677 w 3308700"/>
+              <a:gd name="connsiteY9" fmla="*/ 824642 h 1175096"/>
+              <a:gd name="connsiteX10" fmla="*/ 3308700 w 3308700"/>
+              <a:gd name="connsiteY10" fmla="*/ 1175096 h 1175096"/>
+              <a:gd name="connsiteX11" fmla="*/ 2855640 w 3308700"/>
+              <a:gd name="connsiteY11" fmla="*/ 824642 h 1175096"/>
+              <a:gd name="connsiteX12" fmla="*/ 873938 w 3308700"/>
+              <a:gd name="connsiteY12" fmla="*/ 832826 h 1175096"/>
+              <a:gd name="connsiteX13" fmla="*/ 713154 w 3308700"/>
+              <a:gd name="connsiteY13" fmla="*/ 1131695 h 1175096"/>
+              <a:gd name="connsiteX14" fmla="*/ 663543 w 3308700"/>
+              <a:gd name="connsiteY14" fmla="*/ 840381 h 1175096"/>
+              <a:gd name="connsiteX15" fmla="*/ 0 w 3308700"/>
+              <a:gd name="connsiteY15" fmla="*/ 831841 h 1175096"/>
+              <a:gd name="connsiteX16" fmla="*/ 0 w 3308700"/>
+              <a:gd name="connsiteY16" fmla="*/ 693201 h 1175096"/>
+              <a:gd name="connsiteX17" fmla="*/ 0 w 3308700"/>
+              <a:gd name="connsiteY17" fmla="*/ 485241 h 1175096"/>
+              <a:gd name="connsiteX18" fmla="*/ 0 w 3308700"/>
+              <a:gd name="connsiteY18" fmla="*/ 485241 h 1175096"/>
+              <a:gd name="connsiteX19" fmla="*/ 0 w 3308700"/>
+              <a:gd name="connsiteY19" fmla="*/ 0 h 1175096"/>
+              <a:gd name="connsiteX0" fmla="*/ 0 w 3308700"/>
+              <a:gd name="connsiteY0" fmla="*/ 0 h 1175096"/>
+              <a:gd name="connsiteX1" fmla="*/ 540075 w 3308700"/>
+              <a:gd name="connsiteY1" fmla="*/ 0 h 1175096"/>
+              <a:gd name="connsiteX2" fmla="*/ 540075 w 3308700"/>
+              <a:gd name="connsiteY2" fmla="*/ 0 h 1175096"/>
+              <a:gd name="connsiteX3" fmla="*/ 1350188 w 3308700"/>
+              <a:gd name="connsiteY3" fmla="*/ 0 h 1175096"/>
+              <a:gd name="connsiteX4" fmla="*/ 3240450 w 3308700"/>
+              <a:gd name="connsiteY4" fmla="*/ 0 h 1175096"/>
+              <a:gd name="connsiteX5" fmla="*/ 3231494 w 3308700"/>
+              <a:gd name="connsiteY5" fmla="*/ 475716 h 1175096"/>
+              <a:gd name="connsiteX6" fmla="*/ 3223106 w 3308700"/>
+              <a:gd name="connsiteY6" fmla="*/ 618591 h 1175096"/>
+              <a:gd name="connsiteX7" fmla="*/ 3232351 w 3308700"/>
+              <a:gd name="connsiteY7" fmla="*/ 721776 h 1175096"/>
+              <a:gd name="connsiteX8" fmla="*/ 3230925 w 3308700"/>
+              <a:gd name="connsiteY8" fmla="*/ 822316 h 1175096"/>
+              <a:gd name="connsiteX9" fmla="*/ 3052677 w 3308700"/>
+              <a:gd name="connsiteY9" fmla="*/ 824642 h 1175096"/>
+              <a:gd name="connsiteX10" fmla="*/ 3308700 w 3308700"/>
+              <a:gd name="connsiteY10" fmla="*/ 1175096 h 1175096"/>
+              <a:gd name="connsiteX11" fmla="*/ 2776578 w 3308700"/>
+              <a:gd name="connsiteY11" fmla="*/ 803621 h 1175096"/>
+              <a:gd name="connsiteX12" fmla="*/ 873938 w 3308700"/>
+              <a:gd name="connsiteY12" fmla="*/ 832826 h 1175096"/>
+              <a:gd name="connsiteX13" fmla="*/ 713154 w 3308700"/>
+              <a:gd name="connsiteY13" fmla="*/ 1131695 h 1175096"/>
+              <a:gd name="connsiteX14" fmla="*/ 663543 w 3308700"/>
+              <a:gd name="connsiteY14" fmla="*/ 840381 h 1175096"/>
+              <a:gd name="connsiteX15" fmla="*/ 0 w 3308700"/>
+              <a:gd name="connsiteY15" fmla="*/ 831841 h 1175096"/>
+              <a:gd name="connsiteX16" fmla="*/ 0 w 3308700"/>
+              <a:gd name="connsiteY16" fmla="*/ 693201 h 1175096"/>
+              <a:gd name="connsiteX17" fmla="*/ 0 w 3308700"/>
+              <a:gd name="connsiteY17" fmla="*/ 485241 h 1175096"/>
+              <a:gd name="connsiteX18" fmla="*/ 0 w 3308700"/>
+              <a:gd name="connsiteY18" fmla="*/ 485241 h 1175096"/>
+              <a:gd name="connsiteX19" fmla="*/ 0 w 3308700"/>
+              <a:gd name="connsiteY19" fmla="*/ 0 h 1175096"/>
+              <a:gd name="connsiteX0" fmla="*/ 0 w 3308700"/>
+              <a:gd name="connsiteY0" fmla="*/ 0 h 1175096"/>
+              <a:gd name="connsiteX1" fmla="*/ 540075 w 3308700"/>
+              <a:gd name="connsiteY1" fmla="*/ 0 h 1175096"/>
+              <a:gd name="connsiteX2" fmla="*/ 540075 w 3308700"/>
+              <a:gd name="connsiteY2" fmla="*/ 0 h 1175096"/>
+              <a:gd name="connsiteX3" fmla="*/ 1350188 w 3308700"/>
+              <a:gd name="connsiteY3" fmla="*/ 0 h 1175096"/>
+              <a:gd name="connsiteX4" fmla="*/ 3240450 w 3308700"/>
+              <a:gd name="connsiteY4" fmla="*/ 0 h 1175096"/>
+              <a:gd name="connsiteX5" fmla="*/ 3231494 w 3308700"/>
+              <a:gd name="connsiteY5" fmla="*/ 475716 h 1175096"/>
+              <a:gd name="connsiteX6" fmla="*/ 3223106 w 3308700"/>
+              <a:gd name="connsiteY6" fmla="*/ 618591 h 1175096"/>
+              <a:gd name="connsiteX7" fmla="*/ 3232351 w 3308700"/>
+              <a:gd name="connsiteY7" fmla="*/ 721776 h 1175096"/>
+              <a:gd name="connsiteX8" fmla="*/ 3230925 w 3308700"/>
+              <a:gd name="connsiteY8" fmla="*/ 822316 h 1175096"/>
+              <a:gd name="connsiteX9" fmla="*/ 3052677 w 3308700"/>
+              <a:gd name="connsiteY9" fmla="*/ 824642 h 1175096"/>
+              <a:gd name="connsiteX10" fmla="*/ 3308700 w 3308700"/>
+              <a:gd name="connsiteY10" fmla="*/ 1175096 h 1175096"/>
+              <a:gd name="connsiteX11" fmla="*/ 2776578 w 3308700"/>
+              <a:gd name="connsiteY11" fmla="*/ 824642 h 1175096"/>
+              <a:gd name="connsiteX12" fmla="*/ 873938 w 3308700"/>
+              <a:gd name="connsiteY12" fmla="*/ 832826 h 1175096"/>
+              <a:gd name="connsiteX13" fmla="*/ 713154 w 3308700"/>
+              <a:gd name="connsiteY13" fmla="*/ 1131695 h 1175096"/>
+              <a:gd name="connsiteX14" fmla="*/ 663543 w 3308700"/>
+              <a:gd name="connsiteY14" fmla="*/ 840381 h 1175096"/>
+              <a:gd name="connsiteX15" fmla="*/ 0 w 3308700"/>
+              <a:gd name="connsiteY15" fmla="*/ 831841 h 1175096"/>
+              <a:gd name="connsiteX16" fmla="*/ 0 w 3308700"/>
+              <a:gd name="connsiteY16" fmla="*/ 693201 h 1175096"/>
+              <a:gd name="connsiteX17" fmla="*/ 0 w 3308700"/>
+              <a:gd name="connsiteY17" fmla="*/ 485241 h 1175096"/>
+              <a:gd name="connsiteX18" fmla="*/ 0 w 3308700"/>
+              <a:gd name="connsiteY18" fmla="*/ 485241 h 1175096"/>
+              <a:gd name="connsiteX19" fmla="*/ 0 w 3308700"/>
+              <a:gd name="connsiteY19" fmla="*/ 0 h 1175096"/>
+              <a:gd name="connsiteX0" fmla="*/ 0 w 3269168"/>
+              <a:gd name="connsiteY0" fmla="*/ 0 h 1143565"/>
+              <a:gd name="connsiteX1" fmla="*/ 540075 w 3269168"/>
+              <a:gd name="connsiteY1" fmla="*/ 0 h 1143565"/>
+              <a:gd name="connsiteX2" fmla="*/ 540075 w 3269168"/>
+              <a:gd name="connsiteY2" fmla="*/ 0 h 1143565"/>
+              <a:gd name="connsiteX3" fmla="*/ 1350188 w 3269168"/>
+              <a:gd name="connsiteY3" fmla="*/ 0 h 1143565"/>
+              <a:gd name="connsiteX4" fmla="*/ 3240450 w 3269168"/>
+              <a:gd name="connsiteY4" fmla="*/ 0 h 1143565"/>
+              <a:gd name="connsiteX5" fmla="*/ 3231494 w 3269168"/>
+              <a:gd name="connsiteY5" fmla="*/ 475716 h 1143565"/>
+              <a:gd name="connsiteX6" fmla="*/ 3223106 w 3269168"/>
+              <a:gd name="connsiteY6" fmla="*/ 618591 h 1143565"/>
+              <a:gd name="connsiteX7" fmla="*/ 3232351 w 3269168"/>
+              <a:gd name="connsiteY7" fmla="*/ 721776 h 1143565"/>
+              <a:gd name="connsiteX8" fmla="*/ 3230925 w 3269168"/>
+              <a:gd name="connsiteY8" fmla="*/ 822316 h 1143565"/>
+              <a:gd name="connsiteX9" fmla="*/ 3052677 w 3269168"/>
+              <a:gd name="connsiteY9" fmla="*/ 824642 h 1143565"/>
+              <a:gd name="connsiteX10" fmla="*/ 3269168 w 3269168"/>
+              <a:gd name="connsiteY10" fmla="*/ 1143565 h 1143565"/>
+              <a:gd name="connsiteX11" fmla="*/ 2776578 w 3269168"/>
+              <a:gd name="connsiteY11" fmla="*/ 824642 h 1143565"/>
+              <a:gd name="connsiteX12" fmla="*/ 873938 w 3269168"/>
+              <a:gd name="connsiteY12" fmla="*/ 832826 h 1143565"/>
+              <a:gd name="connsiteX13" fmla="*/ 713154 w 3269168"/>
+              <a:gd name="connsiteY13" fmla="*/ 1131695 h 1143565"/>
+              <a:gd name="connsiteX14" fmla="*/ 663543 w 3269168"/>
+              <a:gd name="connsiteY14" fmla="*/ 840381 h 1143565"/>
+              <a:gd name="connsiteX15" fmla="*/ 0 w 3269168"/>
+              <a:gd name="connsiteY15" fmla="*/ 831841 h 1143565"/>
+              <a:gd name="connsiteX16" fmla="*/ 0 w 3269168"/>
+              <a:gd name="connsiteY16" fmla="*/ 693201 h 1143565"/>
+              <a:gd name="connsiteX17" fmla="*/ 0 w 3269168"/>
+              <a:gd name="connsiteY17" fmla="*/ 485241 h 1143565"/>
+              <a:gd name="connsiteX18" fmla="*/ 0 w 3269168"/>
+              <a:gd name="connsiteY18" fmla="*/ 485241 h 1143565"/>
+              <a:gd name="connsiteX19" fmla="*/ 0 w 3269168"/>
+              <a:gd name="connsiteY19" fmla="*/ 0 h 1143565"/>
+              <a:gd name="connsiteX0" fmla="*/ 0 w 3269168"/>
+              <a:gd name="connsiteY0" fmla="*/ 0 h 1143565"/>
+              <a:gd name="connsiteX1" fmla="*/ 540075 w 3269168"/>
+              <a:gd name="connsiteY1" fmla="*/ 0 h 1143565"/>
+              <a:gd name="connsiteX2" fmla="*/ 540075 w 3269168"/>
+              <a:gd name="connsiteY2" fmla="*/ 0 h 1143565"/>
+              <a:gd name="connsiteX3" fmla="*/ 1350188 w 3269168"/>
+              <a:gd name="connsiteY3" fmla="*/ 0 h 1143565"/>
+              <a:gd name="connsiteX4" fmla="*/ 3240450 w 3269168"/>
+              <a:gd name="connsiteY4" fmla="*/ 0 h 1143565"/>
+              <a:gd name="connsiteX5" fmla="*/ 3231494 w 3269168"/>
+              <a:gd name="connsiteY5" fmla="*/ 475716 h 1143565"/>
+              <a:gd name="connsiteX6" fmla="*/ 3223106 w 3269168"/>
+              <a:gd name="connsiteY6" fmla="*/ 618591 h 1143565"/>
+              <a:gd name="connsiteX7" fmla="*/ 3232351 w 3269168"/>
+              <a:gd name="connsiteY7" fmla="*/ 721776 h 1143565"/>
+              <a:gd name="connsiteX8" fmla="*/ 3230925 w 3269168"/>
+              <a:gd name="connsiteY8" fmla="*/ 822316 h 1143565"/>
+              <a:gd name="connsiteX9" fmla="*/ 3052677 w 3269168"/>
+              <a:gd name="connsiteY9" fmla="*/ 824642 h 1143565"/>
+              <a:gd name="connsiteX10" fmla="*/ 3269168 w 3269168"/>
+              <a:gd name="connsiteY10" fmla="*/ 1143565 h 1143565"/>
+              <a:gd name="connsiteX11" fmla="*/ 2776578 w 3269168"/>
+              <a:gd name="connsiteY11" fmla="*/ 845663 h 1143565"/>
+              <a:gd name="connsiteX12" fmla="*/ 873938 w 3269168"/>
+              <a:gd name="connsiteY12" fmla="*/ 832826 h 1143565"/>
+              <a:gd name="connsiteX13" fmla="*/ 713154 w 3269168"/>
+              <a:gd name="connsiteY13" fmla="*/ 1131695 h 1143565"/>
+              <a:gd name="connsiteX14" fmla="*/ 663543 w 3269168"/>
+              <a:gd name="connsiteY14" fmla="*/ 840381 h 1143565"/>
+              <a:gd name="connsiteX15" fmla="*/ 0 w 3269168"/>
+              <a:gd name="connsiteY15" fmla="*/ 831841 h 1143565"/>
+              <a:gd name="connsiteX16" fmla="*/ 0 w 3269168"/>
+              <a:gd name="connsiteY16" fmla="*/ 693201 h 1143565"/>
+              <a:gd name="connsiteX17" fmla="*/ 0 w 3269168"/>
+              <a:gd name="connsiteY17" fmla="*/ 485241 h 1143565"/>
+              <a:gd name="connsiteX18" fmla="*/ 0 w 3269168"/>
+              <a:gd name="connsiteY18" fmla="*/ 485241 h 1143565"/>
+              <a:gd name="connsiteX19" fmla="*/ 0 w 3269168"/>
+              <a:gd name="connsiteY19" fmla="*/ 0 h 1143565"/>
+              <a:gd name="connsiteX0" fmla="*/ 0 w 3269168"/>
+              <a:gd name="connsiteY0" fmla="*/ 0 h 1143565"/>
+              <a:gd name="connsiteX1" fmla="*/ 540075 w 3269168"/>
+              <a:gd name="connsiteY1" fmla="*/ 0 h 1143565"/>
+              <a:gd name="connsiteX2" fmla="*/ 540075 w 3269168"/>
+              <a:gd name="connsiteY2" fmla="*/ 0 h 1143565"/>
+              <a:gd name="connsiteX3" fmla="*/ 1350188 w 3269168"/>
+              <a:gd name="connsiteY3" fmla="*/ 0 h 1143565"/>
+              <a:gd name="connsiteX4" fmla="*/ 3240450 w 3269168"/>
+              <a:gd name="connsiteY4" fmla="*/ 0 h 1143565"/>
+              <a:gd name="connsiteX5" fmla="*/ 3231494 w 3269168"/>
+              <a:gd name="connsiteY5" fmla="*/ 475716 h 1143565"/>
+              <a:gd name="connsiteX6" fmla="*/ 3223106 w 3269168"/>
+              <a:gd name="connsiteY6" fmla="*/ 618591 h 1143565"/>
+              <a:gd name="connsiteX7" fmla="*/ 3232351 w 3269168"/>
+              <a:gd name="connsiteY7" fmla="*/ 721776 h 1143565"/>
+              <a:gd name="connsiteX8" fmla="*/ 3230925 w 3269168"/>
+              <a:gd name="connsiteY8" fmla="*/ 822316 h 1143565"/>
+              <a:gd name="connsiteX9" fmla="*/ 3052677 w 3269168"/>
+              <a:gd name="connsiteY9" fmla="*/ 835153 h 1143565"/>
+              <a:gd name="connsiteX10" fmla="*/ 3269168 w 3269168"/>
+              <a:gd name="connsiteY10" fmla="*/ 1143565 h 1143565"/>
+              <a:gd name="connsiteX11" fmla="*/ 2776578 w 3269168"/>
+              <a:gd name="connsiteY11" fmla="*/ 845663 h 1143565"/>
+              <a:gd name="connsiteX12" fmla="*/ 873938 w 3269168"/>
+              <a:gd name="connsiteY12" fmla="*/ 832826 h 1143565"/>
+              <a:gd name="connsiteX13" fmla="*/ 713154 w 3269168"/>
+              <a:gd name="connsiteY13" fmla="*/ 1131695 h 1143565"/>
+              <a:gd name="connsiteX14" fmla="*/ 663543 w 3269168"/>
+              <a:gd name="connsiteY14" fmla="*/ 840381 h 1143565"/>
+              <a:gd name="connsiteX15" fmla="*/ 0 w 3269168"/>
+              <a:gd name="connsiteY15" fmla="*/ 831841 h 1143565"/>
+              <a:gd name="connsiteX16" fmla="*/ 0 w 3269168"/>
+              <a:gd name="connsiteY16" fmla="*/ 693201 h 1143565"/>
+              <a:gd name="connsiteX17" fmla="*/ 0 w 3269168"/>
+              <a:gd name="connsiteY17" fmla="*/ 485241 h 1143565"/>
+              <a:gd name="connsiteX18" fmla="*/ 0 w 3269168"/>
+              <a:gd name="connsiteY18" fmla="*/ 485241 h 1143565"/>
+              <a:gd name="connsiteX19" fmla="*/ 0 w 3269168"/>
+              <a:gd name="connsiteY19" fmla="*/ 0 h 1143565"/>
+            </a:gdLst>
+            <a:ahLst/>
+            <a:cxnLst>
+              <a:cxn ang="0">
+                <a:pos x="connsiteX0" y="connsiteY0"/>
+              </a:cxn>
+              <a:cxn ang="0">
+                <a:pos x="connsiteX1" y="connsiteY1"/>
+              </a:cxn>
+              <a:cxn ang="0">
+                <a:pos x="connsiteX2" y="connsiteY2"/>
+              </a:cxn>
+              <a:cxn ang="0">
+                <a:pos x="connsiteX3" y="connsiteY3"/>
+              </a:cxn>
+              <a:cxn ang="0">
+                <a:pos x="connsiteX4" y="connsiteY4"/>
+              </a:cxn>
+              <a:cxn ang="0">
+                <a:pos x="connsiteX5" y="connsiteY5"/>
+              </a:cxn>
+              <a:cxn ang="0">
+                <a:pos x="connsiteX6" y="connsiteY6"/>
+              </a:cxn>
+              <a:cxn ang="0">
+                <a:pos x="connsiteX7" y="connsiteY7"/>
+              </a:cxn>
+              <a:cxn ang="0">
+                <a:pos x="connsiteX8" y="connsiteY8"/>
+              </a:cxn>
+              <a:cxn ang="0">
+                <a:pos x="connsiteX9" y="connsiteY9"/>
+              </a:cxn>
+              <a:cxn ang="0">
+                <a:pos x="connsiteX10" y="connsiteY10"/>
+              </a:cxn>
+              <a:cxn ang="0">
+                <a:pos x="connsiteX11" y="connsiteY11"/>
+              </a:cxn>
+              <a:cxn ang="0">
+                <a:pos x="connsiteX12" y="connsiteY12"/>
+              </a:cxn>
+              <a:cxn ang="0">
+                <a:pos x="connsiteX13" y="connsiteY13"/>
+              </a:cxn>
+              <a:cxn ang="0">
+                <a:pos x="connsiteX14" y="connsiteY14"/>
+              </a:cxn>
+              <a:cxn ang="0">
+                <a:pos x="connsiteX15" y="connsiteY15"/>
+              </a:cxn>
+              <a:cxn ang="0">
+                <a:pos x="connsiteX16" y="connsiteY16"/>
+              </a:cxn>
+              <a:cxn ang="0">
+                <a:pos x="connsiteX17" y="connsiteY17"/>
+              </a:cxn>
+              <a:cxn ang="0">
+                <a:pos x="connsiteX18" y="connsiteY18"/>
+              </a:cxn>
+              <a:cxn ang="0">
+                <a:pos x="connsiteX19" y="connsiteY19"/>
+              </a:cxn>
+            </a:cxnLst>
+            <a:rect l="l" t="t" r="r" b="b"/>
+            <a:pathLst>
+              <a:path w="3269168" h="1143565">
+                <a:moveTo>
+                  <a:pt x="0" y="0"/>
+                </a:moveTo>
+                <a:lnTo>
+                  <a:pt x="540075" y="0"/>
+                </a:lnTo>
+                <a:lnTo>
+                  <a:pt x="540075" y="0"/>
+                </a:lnTo>
+                <a:lnTo>
+                  <a:pt x="1350188" y="0"/>
+                </a:lnTo>
+                <a:lnTo>
+                  <a:pt x="3240450" y="0"/>
+                </a:lnTo>
+                <a:lnTo>
+                  <a:pt x="3231494" y="475716"/>
+                </a:lnTo>
+                <a:lnTo>
+                  <a:pt x="3223106" y="618591"/>
+                </a:lnTo>
+                <a:lnTo>
+                  <a:pt x="3232351" y="721776"/>
+                </a:lnTo>
+                <a:cubicBezTo>
+                  <a:pt x="3231876" y="755289"/>
+                  <a:pt x="3231400" y="788803"/>
+                  <a:pt x="3230925" y="822316"/>
+                </a:cubicBezTo>
+                <a:lnTo>
+                  <a:pt x="3052677" y="835153"/>
+                </a:lnTo>
+                <a:lnTo>
+                  <a:pt x="3269168" y="1143565"/>
+                </a:lnTo>
+                <a:lnTo>
+                  <a:pt x="2776578" y="845663"/>
+                </a:lnTo>
+                <a:lnTo>
+                  <a:pt x="873938" y="832826"/>
+                </a:lnTo>
+                <a:lnTo>
+                  <a:pt x="713154" y="1131695"/>
+                </a:lnTo>
+                <a:lnTo>
+                  <a:pt x="663543" y="840381"/>
+                </a:lnTo>
+                <a:lnTo>
+                  <a:pt x="0" y="831841"/>
+                </a:lnTo>
+                <a:lnTo>
+                  <a:pt x="0" y="693201"/>
+                </a:lnTo>
+                <a:lnTo>
+                  <a:pt x="0" y="485241"/>
+                </a:lnTo>
+                <a:lnTo>
+                  <a:pt x="0" y="485241"/>
+                </a:lnTo>
+                <a:lnTo>
+                  <a:pt x="0" y="0"/>
+                </a:lnTo>
+                <a:close/>
+              </a:path>
+            </a:pathLst>
+          </a:custGeom>
           <a:solidFill>
             <a:schemeClr val="bg1"/>
           </a:solidFill>
@@ -9297,7 +14610,7 @@
           <a:extLst/>
         </p:spPr>
         <p:txBody>
-          <a:bodyPr rot="0" spcFirstLastPara="0" vertOverflow="overflow" horzOverflow="overflow" vert="horz" wrap="none" lIns="72000" tIns="72000" rIns="72000" bIns="72000" numCol="1" spcCol="0" rtlCol="0" fromWordArt="0" anchor="ctr" anchorCtr="0" forceAA="0" compatLnSpc="1">
+          <a:bodyPr rot="0" spcFirstLastPara="0" vertOverflow="overflow" horzOverflow="overflow" vert="horz" wrap="none" lIns="72000" tIns="72000" rIns="72000" bIns="72000" numCol="1" spcCol="0" rtlCol="0" fromWordArt="0" anchor="t" anchorCtr="0" forceAA="0" compatLnSpc="1">
             <a:prstTxWarp prst="textNoShape">
               <a:avLst/>
             </a:prstTxWarp>
@@ -9307,47 +14620,47 @@
           <a:p>
             <a:pPr algn="ctr"/>
             <a:r>
-              <a:rPr lang="en-US" altLang="ja-JP" sz="1600" b="1" dirty="0" smtClean="0">
+              <a:rPr lang="en-US" altLang="ja-JP" sz="1600" b="1" dirty="0">
                 <a:latin typeface="+mn-ea"/>
               </a:rPr>
               <a:t>Movement</a:t>
             </a:r>
             <a:r>
-              <a:rPr lang="ja-JP" altLang="en-US" sz="1600" b="1" dirty="0" smtClean="0">
+              <a:rPr lang="ja-JP" altLang="en-US" sz="1600" b="1" dirty="0">
                 <a:latin typeface="+mn-ea"/>
               </a:rPr>
               <a:t>をクリックすると、</a:t>
             </a:r>
             <a:r>
-              <a:rPr lang="en-US" altLang="ja-JP" sz="1600" b="1" dirty="0" smtClean="0">
+              <a:rPr lang="en-US" altLang="ja-JP" sz="1600" b="1" dirty="0">
                 <a:latin typeface="+mn-ea"/>
               </a:rPr>
               <a:t/>
             </a:r>
             <a:br>
-              <a:rPr lang="en-US" altLang="ja-JP" sz="1600" b="1" dirty="0" smtClean="0">
+              <a:rPr lang="en-US" altLang="ja-JP" sz="1600" b="1" dirty="0">
                 <a:latin typeface="+mn-ea"/>
               </a:rPr>
             </a:br>
             <a:r>
-              <a:rPr lang="ja-JP" altLang="en-US" sz="1600" b="1" dirty="0" smtClean="0">
+              <a:rPr lang="ja-JP" altLang="en-US" sz="1600" b="1" dirty="0">
                 <a:latin typeface="+mn-ea"/>
               </a:rPr>
               <a:t>実行の詳細結果を確認可能です</a:t>
             </a:r>
             <a:r>
-              <a:rPr lang="en-US" altLang="ja-JP" sz="1600" b="1" dirty="0" smtClean="0">
+              <a:rPr lang="en-US" altLang="ja-JP" sz="1600" b="1" dirty="0">
                 <a:latin typeface="+mn-ea"/>
               </a:rPr>
               <a:t/>
             </a:r>
             <a:br>
-              <a:rPr lang="en-US" altLang="ja-JP" sz="1600" b="1" dirty="0" smtClean="0">
+              <a:rPr lang="en-US" altLang="ja-JP" sz="1600" b="1" dirty="0">
                 <a:latin typeface="+mn-ea"/>
               </a:rPr>
             </a:br>
             <a:r>
-              <a:rPr lang="ja-JP" altLang="en-US" sz="1600" b="1" dirty="0" smtClean="0">
+              <a:rPr lang="ja-JP" altLang="en-US" sz="1600" b="1" dirty="0">
                 <a:latin typeface="+mn-ea"/>
               </a:rPr>
               <a:t>詳細は</a:t>
@@ -9359,7 +14672,7 @@
               </a:rPr>
               <a:t>こちら</a:t>
             </a:r>
-            <a:endParaRPr kumimoji="1" lang="ja-JP" altLang="en-US" sz="1600" b="1" dirty="0" smtClean="0">
+            <a:endParaRPr lang="ja-JP" altLang="en-US" sz="1600" b="1" dirty="0">
               <a:latin typeface="+mn-ea"/>
             </a:endParaRPr>
           </a:p>
@@ -9373,7 +14686,7 @@
         </p:nvSpPr>
         <p:spPr bwMode="auto">
           <a:xfrm>
-            <a:off x="4716020" y="4961982"/>
+            <a:off x="4712895" y="4791566"/>
             <a:ext cx="4247493" cy="1151928"/>
           </a:xfrm>
           <a:prstGeom prst="wedgeRectCallout">
@@ -9478,228 +14791,16 @@
           </a:p>
         </p:txBody>
       </p:sp>
-    </p:spTree>
-    <p:extLst>
-      <p:ext uri="{BB962C8B-B14F-4D97-AF65-F5344CB8AC3E}">
-        <p14:creationId xmlns:p14="http://schemas.microsoft.com/office/powerpoint/2010/main" val="2186157277"/>
-      </p:ext>
-    </p:extLst>
-  </p:cSld>
-  <p:clrMapOvr>
-    <a:masterClrMapping/>
-  </p:clrMapOvr>
-  <p:timing>
-    <p:tnLst>
-      <p:par>
-        <p:cTn id="1" dur="indefinite" restart="never" nodeType="tmRoot"/>
-      </p:par>
-    </p:tnLst>
-  </p:timing>
-</p:sld>
-</file>
-
-<file path=ppt/slides/slide15.xml><?xml version="1.0" encoding="utf-8"?>
-<p:sld xmlns:a="http://schemas.openxmlformats.org/drawingml/2006/main" xmlns:r="http://schemas.openxmlformats.org/officeDocument/2006/relationships" xmlns:p="http://schemas.openxmlformats.org/presentationml/2006/main">
-  <p:cSld>
-    <p:spTree>
-      <p:nvGrpSpPr>
-        <p:cNvPr id="1" name=""/>
-        <p:cNvGrpSpPr/>
-        <p:nvPr/>
-      </p:nvGrpSpPr>
-      <p:grpSpPr>
-        <a:xfrm>
-          <a:off x="0" y="0"/>
-          <a:ext cx="0" cy="0"/>
-          <a:chOff x="0" y="0"/>
-          <a:chExt cx="0" cy="0"/>
-        </a:xfrm>
-      </p:grpSpPr>
       <p:sp>
         <p:nvSpPr>
-          <p:cNvPr id="2" name="タイトル 1"/>
-          <p:cNvSpPr>
-            <a:spLocks noGrp="1"/>
-          </p:cNvSpPr>
-          <p:nvPr>
-            <p:ph type="title"/>
-          </p:nvPr>
-        </p:nvSpPr>
-        <p:spPr/>
-        <p:txBody>
-          <a:bodyPr/>
-          <a:lstStyle/>
-          <a:p>
-            <a:r>
-              <a:rPr lang="en-US" altLang="ja-JP" dirty="0"/>
-              <a:t>2.3</a:t>
-            </a:r>
-            <a:r>
-              <a:rPr lang="ja-JP" altLang="en-US" dirty="0"/>
-              <a:t>　</a:t>
-            </a:r>
-            <a:r>
-              <a:rPr lang="en-US" altLang="ja-JP" dirty="0"/>
-              <a:t>Conductor</a:t>
-            </a:r>
-            <a:r>
-              <a:rPr lang="ja-JP" altLang="en-US" dirty="0"/>
-              <a:t>メニューの機能説明　</a:t>
-            </a:r>
-            <a:r>
-              <a:rPr lang="ja-JP" altLang="en-US" dirty="0" smtClean="0"/>
-              <a:t>（</a:t>
-            </a:r>
-            <a:r>
-              <a:rPr lang="en-US" altLang="ja-JP" dirty="0" smtClean="0"/>
-              <a:t>8/10</a:t>
-            </a:r>
-            <a:r>
-              <a:rPr lang="ja-JP" altLang="en-US" dirty="0" smtClean="0"/>
-              <a:t>）</a:t>
-            </a:r>
-            <a:endParaRPr kumimoji="1" lang="ja-JP" altLang="en-US" dirty="0"/>
-          </a:p>
-        </p:txBody>
-      </p:sp>
-      <p:sp>
-        <p:nvSpPr>
-          <p:cNvPr id="3" name="コンテンツ プレースホルダー 2"/>
-          <p:cNvSpPr>
-            <a:spLocks noGrp="1"/>
-          </p:cNvSpPr>
-          <p:nvPr>
-            <p:ph sz="quarter" idx="10"/>
-          </p:nvPr>
-        </p:nvSpPr>
-        <p:spPr/>
-        <p:txBody>
-          <a:bodyPr/>
-          <a:lstStyle/>
-          <a:p>
-            <a:pPr>
-              <a:buFont typeface="Wingdings" panose="05000000000000000000" pitchFamily="2" charset="2"/>
-              <a:buChar char="l"/>
-            </a:pPr>
-            <a:r>
-              <a:rPr lang="en-US" altLang="ja-JP" b="1" dirty="0"/>
-              <a:t>Conductor</a:t>
-            </a:r>
-            <a:r>
-              <a:rPr lang="ja-JP" altLang="en-US" b="1" dirty="0"/>
-              <a:t>作業確認（</a:t>
-            </a:r>
-            <a:r>
-              <a:rPr lang="en-US" altLang="ja-JP" b="1" dirty="0"/>
-              <a:t>1</a:t>
-            </a:r>
-            <a:r>
-              <a:rPr lang="ja-JP" altLang="en-US" b="1" dirty="0" smtClean="0"/>
-              <a:t>）</a:t>
-            </a:r>
-          </a:p>
-          <a:p>
-            <a:pPr marL="180000" lvl="1" indent="0">
-              <a:buNone/>
-            </a:pPr>
-            <a:r>
-              <a:rPr lang="ja-JP" altLang="en-US" dirty="0"/>
-              <a:t>「</a:t>
-            </a:r>
-            <a:r>
-              <a:rPr lang="en-US" altLang="ja-JP" dirty="0"/>
-              <a:t> </a:t>
-            </a:r>
-            <a:r>
-              <a:rPr lang="en-US" altLang="ja-JP" dirty="0" smtClean="0"/>
-              <a:t>Conductor </a:t>
-            </a:r>
-            <a:r>
-              <a:rPr lang="ja-JP" altLang="en-US" dirty="0"/>
-              <a:t>」メニューグループ </a:t>
-            </a:r>
-            <a:r>
-              <a:rPr lang="en-US" altLang="ja-JP" dirty="0"/>
-              <a:t>&gt;&gt;</a:t>
-            </a:r>
-            <a:r>
-              <a:rPr lang="ja-JP" altLang="en-US" dirty="0" smtClean="0"/>
-              <a:t>「</a:t>
-            </a:r>
-            <a:r>
-              <a:rPr lang="en-US" altLang="ja-JP" dirty="0" smtClean="0"/>
-              <a:t>Conductor</a:t>
-            </a:r>
-            <a:r>
-              <a:rPr lang="ja-JP" altLang="en-US" dirty="0" smtClean="0"/>
-              <a:t>作業</a:t>
-            </a:r>
-            <a:r>
-              <a:rPr lang="ja-JP" altLang="en-US" dirty="0"/>
-              <a:t>一覧」メニュー</a:t>
-            </a:r>
-            <a:r>
-              <a:rPr lang="en-US" altLang="ja-JP" dirty="0"/>
-              <a:t>&gt;&gt;</a:t>
-            </a:r>
-            <a:r>
-              <a:rPr lang="ja-JP" altLang="en-US" dirty="0"/>
-              <a:t>「一覧」サブメニューにて</a:t>
-            </a:r>
-            <a:r>
-              <a:rPr lang="ja-JP" altLang="en-US" dirty="0" smtClean="0"/>
-              <a:t>、各</a:t>
-            </a:r>
-            <a:r>
-              <a:rPr lang="en-US" altLang="ja-JP" dirty="0" smtClean="0"/>
-              <a:t>Conductor</a:t>
-            </a:r>
-            <a:r>
-              <a:rPr lang="ja-JP" altLang="en-US" dirty="0" smtClean="0"/>
-              <a:t>の投入</a:t>
-            </a:r>
-            <a:r>
-              <a:rPr lang="ja-JP" altLang="en-US" dirty="0"/>
-              <a:t>データと結果データを取得することができます。</a:t>
-            </a:r>
-            <a:endParaRPr lang="en-US" altLang="ja-JP" dirty="0"/>
-          </a:p>
-        </p:txBody>
-      </p:sp>
-      <p:pic>
-        <p:nvPicPr>
-          <p:cNvPr id="5" name="図 4"/>
-          <p:cNvPicPr>
-            <a:picLocks noChangeAspect="1"/>
-          </p:cNvPicPr>
-          <p:nvPr/>
-        </p:nvPicPr>
-        <p:blipFill>
-          <a:blip r:embed="rId2"/>
-          <a:stretch>
-            <a:fillRect/>
-          </a:stretch>
-        </p:blipFill>
-        <p:spPr>
-          <a:xfrm>
-            <a:off x="611450" y="2348850"/>
-            <a:ext cx="6530923" cy="3783057"/>
-          </a:xfrm>
-          <a:prstGeom prst="rect">
-            <a:avLst/>
-          </a:prstGeom>
-        </p:spPr>
-      </p:pic>
-      <p:sp>
-        <p:nvSpPr>
-          <p:cNvPr id="6" name="正方形/長方形 5"/>
+          <p:cNvPr id="11" name="正方形/長方形 10"/>
           <p:cNvSpPr/>
           <p:nvPr/>
         </p:nvSpPr>
         <p:spPr bwMode="auto">
           <a:xfrm>
-            <a:off x="611450" y="4024348"/>
-            <a:ext cx="792110" cy="196762"/>
+            <a:off x="2516875" y="3109560"/>
+            <a:ext cx="288040" cy="360198"/>
           </a:xfrm>
           <a:prstGeom prst="rect">
             <a:avLst/>
@@ -9731,14 +14832,14 @@
       </p:sp>
       <p:sp>
         <p:nvSpPr>
-          <p:cNvPr id="7" name="正方形/長方形 6"/>
+          <p:cNvPr id="12" name="正方形/長方形 11"/>
           <p:cNvSpPr/>
           <p:nvPr/>
         </p:nvSpPr>
         <p:spPr bwMode="auto">
           <a:xfrm>
-            <a:off x="5004060" y="4941210"/>
-            <a:ext cx="1224170" cy="504070"/>
+            <a:off x="5865055" y="3182600"/>
+            <a:ext cx="396055" cy="214119"/>
           </a:xfrm>
           <a:prstGeom prst="rect">
             <a:avLst/>
@@ -9768,16 +14869,62 @@
           </a:p>
         </p:txBody>
       </p:sp>
+      <p:sp>
+        <p:nvSpPr>
+          <p:cNvPr id="13" name="正方形/長方形 12"/>
+          <p:cNvSpPr/>
+          <p:nvPr/>
+        </p:nvSpPr>
+        <p:spPr bwMode="auto">
+          <a:xfrm>
+            <a:off x="353000" y="5397307"/>
+            <a:ext cx="543365" cy="242303"/>
+          </a:xfrm>
+          <a:prstGeom prst="rect">
+            <a:avLst/>
+          </a:prstGeom>
+          <a:noFill/>
+          <a:ln w="38100">
+            <a:solidFill>
+              <a:srgbClr val="FF0000"/>
+            </a:solidFill>
+          </a:ln>
+          <a:effectLst/>
+          <a:extLst/>
+        </p:spPr>
+        <p:txBody>
+          <a:bodyPr rot="0" spcFirstLastPara="0" vertOverflow="overflow" horzOverflow="overflow" vert="horz" wrap="none" lIns="72000" tIns="72000" rIns="72000" bIns="72000" numCol="1" spcCol="0" rtlCol="0" fromWordArt="0" anchor="ctr" anchorCtr="0" forceAA="0" compatLnSpc="1">
+            <a:prstTxWarp prst="textNoShape">
+              <a:avLst/>
+            </a:prstTxWarp>
+            <a:noAutofit/>
+          </a:bodyPr>
+          <a:lstStyle/>
+          <a:p>
+            <a:pPr algn="ctr"/>
+            <a:endParaRPr kumimoji="1" lang="ja-JP" altLang="en-US" b="1" dirty="0" smtClean="0">
+              <a:latin typeface="+mn-ea"/>
+            </a:endParaRPr>
+          </a:p>
+        </p:txBody>
+      </p:sp>
     </p:spTree>
     <p:extLst>
       <p:ext uri="{BB962C8B-B14F-4D97-AF65-F5344CB8AC3E}">
-        <p14:creationId xmlns:p14="http://schemas.microsoft.com/office/powerpoint/2010/main" val="623929958"/>
+        <p14:creationId xmlns:p14="http://schemas.microsoft.com/office/powerpoint/2010/main" val="2186157277"/>
       </p:ext>
     </p:extLst>
   </p:cSld>
   <p:clrMapOvr>
     <a:masterClrMapping/>
   </p:clrMapOvr>
+  <p:timing>
+    <p:tnLst>
+      <p:par>
+        <p:cTn id="1" dur="indefinite" restart="never" nodeType="tmRoot"/>
+      </p:par>
+    </p:tnLst>
+  </p:timing>
 </p:sld>
 </file>
 
@@ -9798,6 +14945,30 @@
           <a:chExt cx="0" cy="0"/>
         </a:xfrm>
       </p:grpSpPr>
+      <p:pic>
+        <p:nvPicPr>
+          <p:cNvPr id="4" name="図 3"/>
+          <p:cNvPicPr>
+            <a:picLocks noChangeAspect="1"/>
+          </p:cNvPicPr>
+          <p:nvPr/>
+        </p:nvPicPr>
+        <p:blipFill>
+          <a:blip r:embed="rId2"/>
+          <a:stretch>
+            <a:fillRect/>
+          </a:stretch>
+        </p:blipFill>
+        <p:spPr>
+          <a:xfrm>
+            <a:off x="582460" y="2060810"/>
+            <a:ext cx="6768939" cy="3783600"/>
+          </a:xfrm>
+          <a:prstGeom prst="rect">
+            <a:avLst/>
+          </a:prstGeom>
+        </p:spPr>
+      </p:pic>
       <p:sp>
         <p:nvSpPr>
           <p:cNvPr id="2" name="タイトル 1"/>
@@ -9826,28 +14997,20 @@
               <a:t>Conductor</a:t>
             </a:r>
             <a:r>
-              <a:rPr lang="ja-JP" altLang="en-US" dirty="0" smtClean="0"/>
-              <a:t>メニュー</a:t>
-            </a:r>
-            <a:r>
               <a:rPr lang="ja-JP" altLang="en-US" dirty="0"/>
-              <a:t>の</a:t>
-            </a:r>
-            <a:r>
-              <a:rPr lang="ja-JP" altLang="en-US" dirty="0" smtClean="0"/>
-              <a:t>機能説明</a:t>
-            </a:r>
-            <a:r>
-              <a:rPr lang="ja-JP" altLang="en-US" dirty="0"/>
-              <a:t>　</a:t>
+              <a:t>メニューの機能説明　</a:t>
             </a:r>
             <a:r>
               <a:rPr lang="ja-JP" altLang="en-US" dirty="0" smtClean="0"/>
               <a:t>（</a:t>
             </a:r>
             <a:r>
+              <a:rPr lang="en-US" altLang="ja-JP" dirty="0"/>
+              <a:t>9</a:t>
+            </a:r>
+            <a:r>
               <a:rPr lang="en-US" altLang="ja-JP" dirty="0" smtClean="0"/>
-              <a:t>9/10</a:t>
+              <a:t>/11</a:t>
             </a:r>
             <a:r>
               <a:rPr lang="ja-JP" altLang="en-US" dirty="0" smtClean="0"/>
@@ -9877,26 +15040,21 @@
               <a:buChar char="l"/>
             </a:pPr>
             <a:r>
-              <a:rPr lang="en-US" altLang="ja-JP" b="1" dirty="0"/>
+              <a:rPr lang="en-US" altLang="ja-JP" b="1" dirty="0" smtClean="0"/>
               <a:t>Conductor</a:t>
             </a:r>
             <a:r>
-              <a:rPr lang="ja-JP" altLang="en-US" b="1" dirty="0"/>
-              <a:t>定期作業</a:t>
-            </a:r>
-            <a:r>
               <a:rPr lang="ja-JP" altLang="en-US" b="1" dirty="0" smtClean="0"/>
-              <a:t>実行（</a:t>
+              <a:t>作業確認（</a:t>
             </a:r>
             <a:r>
               <a:rPr lang="en-US" altLang="ja-JP" b="1" dirty="0" smtClean="0"/>
-              <a:t>1/2</a:t>
+              <a:t>1</a:t>
             </a:r>
             <a:r>
               <a:rPr lang="ja-JP" altLang="en-US" b="1" dirty="0" smtClean="0"/>
               <a:t>）</a:t>
             </a:r>
-            <a:endParaRPr lang="en-US" altLang="ja-JP" b="1" dirty="0" smtClean="0"/>
           </a:p>
           <a:p>
             <a:pPr lvl="1"/>
@@ -9906,26 +15064,166 @@
             </a:r>
             <a:r>
               <a:rPr lang="en-US" altLang="ja-JP" dirty="0" smtClean="0"/>
+              <a:t> Conductor </a:t>
+            </a:r>
+            <a:r>
+              <a:rPr lang="ja-JP" altLang="en-US" dirty="0" smtClean="0"/>
+              <a:t>」メニューグループ </a:t>
+            </a:r>
+            <a:r>
+              <a:rPr lang="en-US" altLang="ja-JP" dirty="0" smtClean="0"/>
+              <a:t>&gt;&gt;</a:t>
+            </a:r>
+            <a:r>
+              <a:rPr lang="ja-JP" altLang="en-US" dirty="0" smtClean="0"/>
+              <a:t>「</a:t>
+            </a:r>
+            <a:r>
+              <a:rPr lang="en-US" altLang="ja-JP" dirty="0" smtClean="0"/>
               <a:t>Conductor</a:t>
             </a:r>
             <a:r>
               <a:rPr lang="ja-JP" altLang="en-US" dirty="0" smtClean="0"/>
-              <a:t>定期作業実行」メニューでは、スケジュールに従って定期的に実行する作業を管理します。 </a:t>
-            </a:r>
-            <a:r>
-              <a:rPr lang="en-US" altLang="ja-JP" b="1" dirty="0" smtClean="0"/>
-              <a:t/>
+              <a:t>作業一覧」メニュー</a:t>
+            </a:r>
+            <a:r>
+              <a:rPr lang="en-US" altLang="ja-JP" smtClean="0"/>
+              <a:t>&gt;&gt;</a:t>
             </a:r>
             <a:br>
-              <a:rPr lang="en-US" altLang="ja-JP" b="1" dirty="0" smtClean="0"/>
+              <a:rPr lang="en-US" altLang="ja-JP" smtClean="0"/>
             </a:br>
-            <a:endParaRPr kumimoji="1" lang="ja-JP" altLang="en-US" dirty="0"/>
+            <a:r>
+              <a:rPr lang="ja-JP" altLang="en-US" smtClean="0"/>
+              <a:t>「</a:t>
+            </a:r>
+            <a:r>
+              <a:rPr lang="ja-JP" altLang="en-US" dirty="0" smtClean="0"/>
+              <a:t>一覧」サブメニューにて、各</a:t>
+            </a:r>
+            <a:r>
+              <a:rPr lang="en-US" altLang="ja-JP" dirty="0" smtClean="0"/>
+              <a:t>Conductor</a:t>
+            </a:r>
+            <a:r>
+              <a:rPr lang="ja-JP" altLang="en-US" dirty="0" smtClean="0"/>
+              <a:t>の投入データと結果データを取得することができます。</a:t>
+            </a:r>
+            <a:endParaRPr lang="en-US" altLang="ja-JP" dirty="0"/>
           </a:p>
         </p:txBody>
       </p:sp>
+      <p:sp>
+        <p:nvSpPr>
+          <p:cNvPr id="6" name="正方形/長方形 5"/>
+          <p:cNvSpPr/>
+          <p:nvPr/>
+        </p:nvSpPr>
+        <p:spPr bwMode="auto">
+          <a:xfrm>
+            <a:off x="566795" y="3952610"/>
+            <a:ext cx="764755" cy="268500"/>
+          </a:xfrm>
+          <a:prstGeom prst="rect">
+            <a:avLst/>
+          </a:prstGeom>
+          <a:noFill/>
+          <a:ln w="38100">
+            <a:solidFill>
+              <a:srgbClr val="FF0000"/>
+            </a:solidFill>
+          </a:ln>
+          <a:effectLst/>
+          <a:extLst/>
+        </p:spPr>
+        <p:txBody>
+          <a:bodyPr rot="0" spcFirstLastPara="0" vertOverflow="overflow" horzOverflow="overflow" vert="horz" wrap="none" lIns="72000" tIns="72000" rIns="72000" bIns="72000" numCol="1" spcCol="0" rtlCol="0" fromWordArt="0" anchor="ctr" anchorCtr="0" forceAA="0" compatLnSpc="1">
+            <a:prstTxWarp prst="textNoShape">
+              <a:avLst/>
+            </a:prstTxWarp>
+            <a:noAutofit/>
+          </a:bodyPr>
+          <a:lstStyle/>
+          <a:p>
+            <a:pPr algn="ctr"/>
+            <a:endParaRPr kumimoji="1" lang="ja-JP" altLang="en-US" b="1" dirty="0" smtClean="0">
+              <a:latin typeface="+mn-ea"/>
+            </a:endParaRPr>
+          </a:p>
+        </p:txBody>
+      </p:sp>
+      <p:sp>
+        <p:nvSpPr>
+          <p:cNvPr id="7" name="正方形/長方形 6"/>
+          <p:cNvSpPr/>
+          <p:nvPr/>
+        </p:nvSpPr>
+        <p:spPr bwMode="auto">
+          <a:xfrm>
+            <a:off x="4355970" y="4581160"/>
+            <a:ext cx="1368190" cy="720100"/>
+          </a:xfrm>
+          <a:prstGeom prst="rect">
+            <a:avLst/>
+          </a:prstGeom>
+          <a:noFill/>
+          <a:ln w="38100">
+            <a:solidFill>
+              <a:srgbClr val="FF0000"/>
+            </a:solidFill>
+          </a:ln>
+          <a:effectLst/>
+          <a:extLst/>
+        </p:spPr>
+        <p:txBody>
+          <a:bodyPr rot="0" spcFirstLastPara="0" vertOverflow="overflow" horzOverflow="overflow" vert="horz" wrap="none" lIns="72000" tIns="72000" rIns="72000" bIns="72000" numCol="1" spcCol="0" rtlCol="0" fromWordArt="0" anchor="ctr" anchorCtr="0" forceAA="0" compatLnSpc="1">
+            <a:prstTxWarp prst="textNoShape">
+              <a:avLst/>
+            </a:prstTxWarp>
+            <a:noAutofit/>
+          </a:bodyPr>
+          <a:lstStyle/>
+          <a:p>
+            <a:pPr algn="ctr"/>
+            <a:endParaRPr kumimoji="1" lang="ja-JP" altLang="en-US" b="1" dirty="0" smtClean="0">
+              <a:latin typeface="+mn-ea"/>
+            </a:endParaRPr>
+          </a:p>
+        </p:txBody>
+      </p:sp>
+    </p:spTree>
+    <p:extLst>
+      <p:ext uri="{BB962C8B-B14F-4D97-AF65-F5344CB8AC3E}">
+        <p14:creationId xmlns:p14="http://schemas.microsoft.com/office/powerpoint/2010/main" val="623929958"/>
+      </p:ext>
+    </p:extLst>
+  </p:cSld>
+  <p:clrMapOvr>
+    <a:masterClrMapping/>
+  </p:clrMapOvr>
+</p:sld>
+</file>
+
+<file path=ppt/slides/slide17.xml><?xml version="1.0" encoding="utf-8"?>
+<p:sld xmlns:a="http://schemas.openxmlformats.org/drawingml/2006/main" xmlns:r="http://schemas.openxmlformats.org/officeDocument/2006/relationships" xmlns:p="http://schemas.openxmlformats.org/presentationml/2006/main">
+  <p:cSld>
+    <p:spTree>
+      <p:nvGrpSpPr>
+        <p:cNvPr id="1" name=""/>
+        <p:cNvGrpSpPr/>
+        <p:nvPr/>
+      </p:nvGrpSpPr>
+      <p:grpSpPr>
+        <a:xfrm>
+          <a:off x="0" y="0"/>
+          <a:ext cx="0" cy="0"/>
+          <a:chOff x="0" y="0"/>
+          <a:chExt cx="0" cy="0"/>
+        </a:xfrm>
+      </p:grpSpPr>
       <p:pic>
         <p:nvPicPr>
-          <p:cNvPr id="5" name="図 4"/>
+          <p:cNvPr id="8" name="図 7"/>
           <p:cNvPicPr>
             <a:picLocks noChangeAspect="1"/>
           </p:cNvPicPr>
@@ -9939,8 +15237,8 @@
         </p:blipFill>
         <p:spPr>
           <a:xfrm>
-            <a:off x="205302" y="1916790"/>
-            <a:ext cx="7136905" cy="4171082"/>
+            <a:off x="323410" y="1916790"/>
+            <a:ext cx="7164727" cy="4172400"/>
           </a:xfrm>
           <a:prstGeom prst="rect">
             <a:avLst/>
@@ -9949,19 +15247,144 @@
       </p:pic>
       <p:sp>
         <p:nvSpPr>
+          <p:cNvPr id="2" name="タイトル 1"/>
+          <p:cNvSpPr>
+            <a:spLocks noGrp="1"/>
+          </p:cNvSpPr>
+          <p:nvPr>
+            <p:ph type="title"/>
+          </p:nvPr>
+        </p:nvSpPr>
+        <p:spPr/>
+        <p:txBody>
+          <a:bodyPr/>
+          <a:lstStyle/>
+          <a:p>
+            <a:r>
+              <a:rPr lang="en-US" altLang="ja-JP" dirty="0"/>
+              <a:t>2.3</a:t>
+            </a:r>
+            <a:r>
+              <a:rPr lang="ja-JP" altLang="en-US" dirty="0"/>
+              <a:t>　</a:t>
+            </a:r>
+            <a:r>
+              <a:rPr lang="en-US" altLang="ja-JP" dirty="0"/>
+              <a:t>Conductor</a:t>
+            </a:r>
+            <a:r>
+              <a:rPr lang="ja-JP" altLang="en-US" dirty="0" smtClean="0"/>
+              <a:t>メニュー</a:t>
+            </a:r>
+            <a:r>
+              <a:rPr lang="ja-JP" altLang="en-US" dirty="0"/>
+              <a:t>の</a:t>
+            </a:r>
+            <a:r>
+              <a:rPr lang="ja-JP" altLang="en-US" dirty="0" smtClean="0"/>
+              <a:t>機能説明</a:t>
+            </a:r>
+            <a:r>
+              <a:rPr lang="ja-JP" altLang="en-US" dirty="0"/>
+              <a:t>　</a:t>
+            </a:r>
+            <a:r>
+              <a:rPr lang="ja-JP" altLang="en-US" dirty="0" smtClean="0"/>
+              <a:t>（</a:t>
+            </a:r>
+            <a:r>
+              <a:rPr lang="en-US" altLang="ja-JP" dirty="0" smtClean="0"/>
+              <a:t>10/11</a:t>
+            </a:r>
+            <a:r>
+              <a:rPr lang="ja-JP" altLang="en-US" dirty="0" smtClean="0"/>
+              <a:t>）</a:t>
+            </a:r>
+            <a:endParaRPr kumimoji="1" lang="ja-JP" altLang="en-US" dirty="0"/>
+          </a:p>
+        </p:txBody>
+      </p:sp>
+      <p:sp>
+        <p:nvSpPr>
+          <p:cNvPr id="3" name="コンテンツ プレースホルダー 2"/>
+          <p:cNvSpPr>
+            <a:spLocks noGrp="1"/>
+          </p:cNvSpPr>
+          <p:nvPr>
+            <p:ph sz="quarter" idx="10"/>
+          </p:nvPr>
+        </p:nvSpPr>
+        <p:spPr/>
+        <p:txBody>
+          <a:bodyPr/>
+          <a:lstStyle/>
+          <a:p>
+            <a:pPr>
+              <a:buFont typeface="Wingdings" panose="05000000000000000000" pitchFamily="2" charset="2"/>
+              <a:buChar char="l"/>
+            </a:pPr>
+            <a:r>
+              <a:rPr lang="en-US" altLang="ja-JP" b="1" dirty="0"/>
+              <a:t>Conductor</a:t>
+            </a:r>
+            <a:r>
+              <a:rPr lang="ja-JP" altLang="en-US" b="1" dirty="0"/>
+              <a:t>定期作業</a:t>
+            </a:r>
+            <a:r>
+              <a:rPr lang="ja-JP" altLang="en-US" b="1" dirty="0" smtClean="0"/>
+              <a:t>実行（</a:t>
+            </a:r>
+            <a:r>
+              <a:rPr lang="en-US" altLang="ja-JP" b="1" dirty="0" smtClean="0"/>
+              <a:t>1/2</a:t>
+            </a:r>
+            <a:r>
+              <a:rPr lang="ja-JP" altLang="en-US" b="1" dirty="0" smtClean="0"/>
+              <a:t>）</a:t>
+            </a:r>
+            <a:endParaRPr lang="en-US" altLang="ja-JP" b="1" dirty="0" smtClean="0"/>
+          </a:p>
+          <a:p>
+            <a:pPr lvl="1"/>
+            <a:r>
+              <a:rPr lang="ja-JP" altLang="en-US" dirty="0" smtClean="0"/>
+              <a:t>「</a:t>
+            </a:r>
+            <a:r>
+              <a:rPr lang="en-US" altLang="ja-JP" dirty="0" smtClean="0"/>
+              <a:t>Conductor</a:t>
+            </a:r>
+            <a:r>
+              <a:rPr lang="ja-JP" altLang="en-US" dirty="0" smtClean="0"/>
+              <a:t>定期作業実行」メニューでは、スケジュールに従って定期的に実行する作業を管理します。 </a:t>
+            </a:r>
+            <a:r>
+              <a:rPr lang="en-US" altLang="ja-JP" b="1" dirty="0" smtClean="0"/>
+              <a:t/>
+            </a:r>
+            <a:br>
+              <a:rPr lang="en-US" altLang="ja-JP" b="1" dirty="0" smtClean="0"/>
+            </a:br>
+            <a:endParaRPr kumimoji="1" lang="ja-JP" altLang="en-US" dirty="0"/>
+          </a:p>
+        </p:txBody>
+      </p:sp>
+      <p:sp>
+        <p:nvSpPr>
           <p:cNvPr id="6" name="四角形吹き出し 5"/>
           <p:cNvSpPr/>
           <p:nvPr/>
         </p:nvSpPr>
         <p:spPr bwMode="auto">
           <a:xfrm>
-            <a:off x="5727123" y="2924930"/>
+            <a:off x="5652150" y="3068950"/>
             <a:ext cx="3218491" cy="863888"/>
           </a:xfrm>
           <a:prstGeom prst="wedgeRectCallout">
             <a:avLst>
-              <a:gd name="adj1" fmla="val -100081"/>
-              <a:gd name="adj2" fmla="val 174459"/>
+              <a:gd name="adj1" fmla="val -81794"/>
+              <a:gd name="adj2" fmla="val 170809"/>
             </a:avLst>
           </a:prstGeom>
           <a:solidFill>
@@ -10031,8 +15454,8 @@
         </p:nvSpPr>
         <p:spPr bwMode="auto">
           <a:xfrm>
-            <a:off x="3635870" y="4869201"/>
-            <a:ext cx="720100" cy="216030"/>
+            <a:off x="3995920" y="5013220"/>
+            <a:ext cx="648090" cy="288040"/>
           </a:xfrm>
           <a:prstGeom prst="rect">
             <a:avLst/>
@@ -10082,7 +15505,7 @@
 </p:sld>
 </file>
 
-<file path=ppt/slides/slide17.xml><?xml version="1.0" encoding="utf-8"?>
+<file path=ppt/slides/slide18.xml><?xml version="1.0" encoding="utf-8"?>
 <p:sld xmlns:a="http://schemas.openxmlformats.org/drawingml/2006/main" xmlns:r="http://schemas.openxmlformats.org/officeDocument/2006/relationships" xmlns:p="http://schemas.openxmlformats.org/presentationml/2006/main">
   <p:cSld>
     <p:spTree>
@@ -10099,6 +15522,30 @@
           <a:chExt cx="0" cy="0"/>
         </a:xfrm>
       </p:grpSpPr>
+      <p:pic>
+        <p:nvPicPr>
+          <p:cNvPr id="4" name="図 3"/>
+          <p:cNvPicPr>
+            <a:picLocks noChangeAspect="1"/>
+          </p:cNvPicPr>
+          <p:nvPr/>
+        </p:nvPicPr>
+        <p:blipFill>
+          <a:blip r:embed="rId2"/>
+          <a:stretch>
+            <a:fillRect/>
+          </a:stretch>
+        </p:blipFill>
+        <p:spPr>
+          <a:xfrm>
+            <a:off x="179512" y="1772770"/>
+            <a:ext cx="4982400" cy="4600247"/>
+          </a:xfrm>
+          <a:prstGeom prst="rect">
+            <a:avLst/>
+          </a:prstGeom>
+        </p:spPr>
+      </p:pic>
       <p:sp>
         <p:nvSpPr>
           <p:cNvPr id="2" name="タイトル 1"/>
@@ -10148,7 +15595,7 @@
             </a:r>
             <a:r>
               <a:rPr lang="en-US" altLang="ja-JP" dirty="0" smtClean="0"/>
-              <a:t>10/10</a:t>
+              <a:t>11/11</a:t>
             </a:r>
             <a:r>
               <a:rPr lang="ja-JP" altLang="en-US" dirty="0" smtClean="0"/>
@@ -10213,30 +15660,6 @@
           </a:p>
         </p:txBody>
       </p:sp>
-      <p:pic>
-        <p:nvPicPr>
-          <p:cNvPr id="4" name="図 3"/>
-          <p:cNvPicPr>
-            <a:picLocks noChangeAspect="1"/>
-          </p:cNvPicPr>
-          <p:nvPr/>
-        </p:nvPicPr>
-        <p:blipFill>
-          <a:blip r:embed="rId2"/>
-          <a:stretch>
-            <a:fillRect/>
-          </a:stretch>
-        </p:blipFill>
-        <p:spPr>
-          <a:xfrm>
-            <a:off x="179512" y="1750109"/>
-            <a:ext cx="4983349" cy="4681562"/>
-          </a:xfrm>
-          <a:prstGeom prst="rect">
-            <a:avLst/>
-          </a:prstGeom>
-        </p:spPr>
-      </p:pic>
       <p:sp>
         <p:nvSpPr>
           <p:cNvPr id="6" name="四角形吹き出し 5"/>
@@ -10321,7 +15744,7 @@
         </p:nvSpPr>
         <p:spPr bwMode="auto">
           <a:xfrm>
-            <a:off x="1043510" y="2348850"/>
+            <a:off x="936000" y="2304000"/>
             <a:ext cx="1080150" cy="216030"/>
           </a:xfrm>
           <a:prstGeom prst="rect">
@@ -10354,7 +15777,7 @@
       </p:sp>
       <p:pic>
         <p:nvPicPr>
-          <p:cNvPr id="9" name="図 8"/>
+          <p:cNvPr id="7" name="図 6"/>
           <p:cNvPicPr>
             <a:picLocks noChangeAspect="1"/>
           </p:cNvPicPr>
@@ -10368,8 +15791,8 @@
         </p:blipFill>
         <p:spPr>
           <a:xfrm>
-            <a:off x="5817797" y="2924930"/>
-            <a:ext cx="2895600" cy="2105025"/>
+            <a:off x="5750910" y="2922397"/>
+            <a:ext cx="2925660" cy="2106000"/>
           </a:xfrm>
           <a:prstGeom prst="rect">
             <a:avLst/>
@@ -10396,7 +15819,7 @@
 </p:sld>
 </file>
 
-<file path=ppt/slides/slide18.xml><?xml version="1.0" encoding="utf-8"?>
+<file path=ppt/slides/slide19.xml><?xml version="1.0" encoding="utf-8"?>
 <p:sld xmlns:a="http://schemas.openxmlformats.org/drawingml/2006/main" xmlns:r="http://schemas.openxmlformats.org/officeDocument/2006/relationships" xmlns:p="http://schemas.openxmlformats.org/presentationml/2006/main">
   <p:cSld>
     <p:spTree>
@@ -11376,43 +16799,6 @@
     <p:extLst>
       <p:ext uri="{BB962C8B-B14F-4D97-AF65-F5344CB8AC3E}">
         <p14:creationId xmlns:p14="http://schemas.microsoft.com/office/powerpoint/2010/main" val="3341280860"/>
-      </p:ext>
-    </p:extLst>
-  </p:cSld>
-  <p:clrMapOvr>
-    <a:masterClrMapping/>
-  </p:clrMapOvr>
-  <p:timing>
-    <p:tnLst>
-      <p:par>
-        <p:cTn id="1" dur="indefinite" restart="never" nodeType="tmRoot"/>
-      </p:par>
-    </p:tnLst>
-  </p:timing>
-</p:sld>
-</file>
-
-<file path=ppt/slides/slide19.xml><?xml version="1.0" encoding="utf-8"?>
-<p:sld xmlns:a="http://schemas.openxmlformats.org/drawingml/2006/main" xmlns:r="http://schemas.openxmlformats.org/officeDocument/2006/relationships" xmlns:p="http://schemas.openxmlformats.org/presentationml/2006/main">
-  <p:cSld>
-    <p:spTree>
-      <p:nvGrpSpPr>
-        <p:cNvPr id="1" name=""/>
-        <p:cNvGrpSpPr/>
-        <p:nvPr/>
-      </p:nvGrpSpPr>
-      <p:grpSpPr>
-        <a:xfrm>
-          <a:off x="0" y="0"/>
-          <a:ext cx="0" cy="0"/>
-          <a:chOff x="0" y="0"/>
-          <a:chExt cx="0" cy="0"/>
-        </a:xfrm>
-      </p:grpSpPr>
-    </p:spTree>
-    <p:extLst>
-      <p:ext uri="{BB962C8B-B14F-4D97-AF65-F5344CB8AC3E}">
-        <p14:creationId xmlns:p14="http://schemas.microsoft.com/office/powerpoint/2010/main" val="3218686016"/>
       </p:ext>
     </p:extLst>
   </p:cSld>
@@ -11644,6 +17030,43 @@
 </p:sld>
 </file>
 
+<file path=ppt/slides/slide20.xml><?xml version="1.0" encoding="utf-8"?>
+<p:sld xmlns:a="http://schemas.openxmlformats.org/drawingml/2006/main" xmlns:r="http://schemas.openxmlformats.org/officeDocument/2006/relationships" xmlns:p="http://schemas.openxmlformats.org/presentationml/2006/main">
+  <p:cSld>
+    <p:spTree>
+      <p:nvGrpSpPr>
+        <p:cNvPr id="1" name=""/>
+        <p:cNvGrpSpPr/>
+        <p:nvPr/>
+      </p:nvGrpSpPr>
+      <p:grpSpPr>
+        <a:xfrm>
+          <a:off x="0" y="0"/>
+          <a:ext cx="0" cy="0"/>
+          <a:chOff x="0" y="0"/>
+          <a:chExt cx="0" cy="0"/>
+        </a:xfrm>
+      </p:grpSpPr>
+    </p:spTree>
+    <p:extLst>
+      <p:ext uri="{BB962C8B-B14F-4D97-AF65-F5344CB8AC3E}">
+        <p14:creationId xmlns:p14="http://schemas.microsoft.com/office/powerpoint/2010/main" val="3218686016"/>
+      </p:ext>
+    </p:extLst>
+  </p:cSld>
+  <p:clrMapOvr>
+    <a:masterClrMapping/>
+  </p:clrMapOvr>
+  <p:timing>
+    <p:tnLst>
+      <p:par>
+        <p:cTn id="1" dur="indefinite" restart="never" nodeType="tmRoot"/>
+      </p:par>
+    </p:tnLst>
+  </p:timing>
+</p:sld>
+</file>
+
 <file path=ppt/slides/slide3.xml><?xml version="1.0" encoding="utf-8"?>
 <p:sld xmlns:a="http://schemas.openxmlformats.org/drawingml/2006/main" xmlns:r="http://schemas.openxmlformats.org/officeDocument/2006/relationships" xmlns:p="http://schemas.openxmlformats.org/presentationml/2006/main">
   <p:cSld>
@@ -11734,29 +17157,6 @@
           <a:chExt cx="0" cy="0"/>
         </a:xfrm>
       </p:grpSpPr>
-      <p:pic>
-        <p:nvPicPr>
-          <p:cNvPr id="7" name="図 6"/>
-          <p:cNvPicPr>
-            <a:picLocks noChangeAspect="1"/>
-          </p:cNvPicPr>
-          <p:nvPr/>
-        </p:nvPicPr>
-        <p:blipFill rotWithShape="1">
-          <a:blip r:embed="rId2"/>
-          <a:srcRect l="303" t="1007" b="-1"/>
-          <a:stretch/>
-        </p:blipFill>
-        <p:spPr>
-          <a:xfrm>
-            <a:off x="387843" y="2079051"/>
-            <a:ext cx="8366847" cy="3817258"/>
-          </a:xfrm>
-          <a:prstGeom prst="rect">
-            <a:avLst/>
-          </a:prstGeom>
-        </p:spPr>
-      </p:pic>
       <p:sp>
         <p:nvSpPr>
           <p:cNvPr id="2" name="タイトル 1"/>
@@ -12066,6 +17466,30 @@
           </a:p>
         </p:txBody>
       </p:sp>
+      <p:pic>
+        <p:nvPicPr>
+          <p:cNvPr id="5" name="図 4"/>
+          <p:cNvPicPr>
+            <a:picLocks noChangeAspect="1"/>
+          </p:cNvPicPr>
+          <p:nvPr/>
+        </p:nvPicPr>
+        <p:blipFill>
+          <a:blip r:embed="rId2"/>
+          <a:stretch>
+            <a:fillRect/>
+          </a:stretch>
+        </p:blipFill>
+        <p:spPr>
+          <a:xfrm>
+            <a:off x="350244" y="1953415"/>
+            <a:ext cx="8366400" cy="3966061"/>
+          </a:xfrm>
+          <a:prstGeom prst="rect">
+            <a:avLst/>
+          </a:prstGeom>
+        </p:spPr>
+      </p:pic>
       <p:sp>
         <p:nvSpPr>
           <p:cNvPr id="102" name="正方形/長方形 101"/>
@@ -12074,8 +17498,8 @@
         </p:nvSpPr>
         <p:spPr bwMode="auto">
           <a:xfrm>
-            <a:off x="4860040" y="3213290"/>
-            <a:ext cx="792110" cy="935809"/>
+            <a:off x="3675600" y="2916000"/>
+            <a:ext cx="576000" cy="684000"/>
           </a:xfrm>
           <a:prstGeom prst="rect">
             <a:avLst/>
@@ -12108,7 +17532,7 @@
     </p:spTree>
     <p:extLst>
       <p:ext uri="{BB962C8B-B14F-4D97-AF65-F5344CB8AC3E}">
-        <p14:creationId xmlns:p14="http://schemas.microsoft.com/office/powerpoint/2010/main" val="2388474021"/>
+        <p14:creationId xmlns:p14="http://schemas.microsoft.com/office/powerpoint/2010/main" val="2697616753"/>
       </p:ext>
     </p:extLst>
   </p:cSld>
@@ -15706,7 +21130,7 @@
             </a:r>
             <a:r>
               <a:rPr lang="en-US" altLang="ja-JP" dirty="0" smtClean="0"/>
-              <a:t>1/10</a:t>
+              <a:t>1/11</a:t>
             </a:r>
             <a:r>
               <a:rPr lang="ja-JP" altLang="en-US" dirty="0" smtClean="0"/>
@@ -16493,7 +21917,7 @@
             </a:r>
             <a:r>
               <a:rPr lang="en-US" altLang="ja-JP" dirty="0" smtClean="0"/>
-              <a:t>2/10</a:t>
+              <a:t>2/11</a:t>
             </a:r>
             <a:r>
               <a:rPr lang="ja-JP" altLang="en-US" dirty="0" smtClean="0"/>
@@ -16537,7 +21961,7 @@
             </a:r>
             <a:r>
               <a:rPr lang="en-US" altLang="ja-JP" b="1" dirty="0" smtClean="0"/>
-              <a:t>1/3</a:t>
+              <a:t>1/4</a:t>
             </a:r>
             <a:r>
               <a:rPr lang="ja-JP" altLang="en-US" b="1" dirty="0" smtClean="0"/>

--- a/asset/Learn_ja/ITA-Conductor_ja.pptx
+++ b/asset/Learn_ja/ITA-Conductor_ja.pptx
@@ -6,10 +6,10 @@
     <p:sldMasterId id="2147483703" r:id="rId2"/>
   </p:sldMasterIdLst>
   <p:notesMasterIdLst>
-    <p:notesMasterId r:id="rId23"/>
+    <p:notesMasterId r:id="rId24"/>
   </p:notesMasterIdLst>
   <p:handoutMasterIdLst>
-    <p:handoutMasterId r:id="rId24"/>
+    <p:handoutMasterId r:id="rId25"/>
   </p:handoutMasterIdLst>
   <p:sldIdLst>
     <p:sldId id="262" r:id="rId3"/>
@@ -30,8 +30,9 @@
     <p:sldId id="698" r:id="rId18"/>
     <p:sldId id="694" r:id="rId19"/>
     <p:sldId id="695" r:id="rId20"/>
-    <p:sldId id="688" r:id="rId21"/>
-    <p:sldId id="318" r:id="rId22"/>
+    <p:sldId id="701" r:id="rId21"/>
+    <p:sldId id="688" r:id="rId22"/>
+    <p:sldId id="318" r:id="rId23"/>
   </p:sldIdLst>
   <p:sldSz cx="9144000" cy="6858000" type="screen4x3"/>
   <p:notesSz cx="6807200" cy="9939338"/>
@@ -158,6 +159,7 @@
             <p14:sldId id="698"/>
             <p14:sldId id="694"/>
             <p14:sldId id="695"/>
+            <p14:sldId id="701"/>
             <p14:sldId id="688"/>
             <p14:sldId id="318"/>
           </p14:sldIdLst>
@@ -308,7 +310,7 @@
               <a:rPr kumimoji="1" lang="ja-JP" altLang="en-US" smtClean="0">
                 <a:ea typeface="メイリオ" panose="020B0604030504040204" pitchFamily="50" charset="-128"/>
               </a:rPr>
-              <a:t>2021/5/28</a:t>
+              <a:t>2021/9/7</a:t>
             </a:fld>
             <a:endParaRPr kumimoji="1" lang="ja-JP" altLang="en-US" dirty="0">
               <a:ea typeface="メイリオ" panose="020B0604030504040204" pitchFamily="50" charset="-128"/>
@@ -454,7 +456,7 @@
             <a:fld id="{4B26993D-C081-44EB-B0F5-A9F467792B62}" type="datetimeFigureOut">
               <a:rPr lang="ja-JP" altLang="en-US" smtClean="0"/>
               <a:pPr/>
-              <a:t>2021/5/28</a:t>
+              <a:t>2021/9/7</a:t>
             </a:fld>
             <a:endParaRPr lang="ja-JP" altLang="en-US" dirty="0"/>
           </a:p>
@@ -1077,7 +1079,7 @@
           <a:p>
             <a:fld id="{56F9016B-CCA6-43BE-8BEE-59565A35F4F7}" type="datetimeFigureOut">
               <a:rPr kumimoji="1" lang="ja-JP" altLang="en-US" smtClean="0"/>
-              <a:t>2021/5/28</a:t>
+              <a:t>2021/9/7</a:t>
             </a:fld>
             <a:endParaRPr kumimoji="1" lang="ja-JP" altLang="en-US"/>
           </a:p>
@@ -1279,7 +1281,7 @@
           <a:p>
             <a:fld id="{56F9016B-CCA6-43BE-8BEE-59565A35F4F7}" type="datetimeFigureOut">
               <a:rPr kumimoji="1" lang="ja-JP" altLang="en-US" smtClean="0"/>
-              <a:t>2021/5/28</a:t>
+              <a:t>2021/9/7</a:t>
             </a:fld>
             <a:endParaRPr kumimoji="1" lang="ja-JP" altLang="en-US"/>
           </a:p>
@@ -1525,7 +1527,7 @@
           <a:p>
             <a:fld id="{56F9016B-CCA6-43BE-8BEE-59565A35F4F7}" type="datetimeFigureOut">
               <a:rPr kumimoji="1" lang="ja-JP" altLang="en-US" smtClean="0"/>
-              <a:t>2021/5/28</a:t>
+              <a:t>2021/9/7</a:t>
             </a:fld>
             <a:endParaRPr kumimoji="1" lang="ja-JP" altLang="en-US"/>
           </a:p>
@@ -1821,7 +1823,7 @@
           <a:p>
             <a:fld id="{56F9016B-CCA6-43BE-8BEE-59565A35F4F7}" type="datetimeFigureOut">
               <a:rPr kumimoji="1" lang="ja-JP" altLang="en-US" smtClean="0"/>
-              <a:t>2021/5/28</a:t>
+              <a:t>2021/9/7</a:t>
             </a:fld>
             <a:endParaRPr kumimoji="1" lang="ja-JP" altLang="en-US"/>
           </a:p>
@@ -2252,7 +2254,7 @@
           <a:p>
             <a:fld id="{56F9016B-CCA6-43BE-8BEE-59565A35F4F7}" type="datetimeFigureOut">
               <a:rPr kumimoji="1" lang="ja-JP" altLang="en-US" smtClean="0"/>
-              <a:t>2021/5/28</a:t>
+              <a:t>2021/9/7</a:t>
             </a:fld>
             <a:endParaRPr kumimoji="1" lang="ja-JP" altLang="en-US"/>
           </a:p>
@@ -2370,7 +2372,7 @@
           <a:p>
             <a:fld id="{56F9016B-CCA6-43BE-8BEE-59565A35F4F7}" type="datetimeFigureOut">
               <a:rPr kumimoji="1" lang="ja-JP" altLang="en-US" smtClean="0"/>
-              <a:t>2021/5/28</a:t>
+              <a:t>2021/9/7</a:t>
             </a:fld>
             <a:endParaRPr kumimoji="1" lang="ja-JP" altLang="en-US"/>
           </a:p>
@@ -2465,7 +2467,7 @@
           <a:p>
             <a:fld id="{56F9016B-CCA6-43BE-8BEE-59565A35F4F7}" type="datetimeFigureOut">
               <a:rPr kumimoji="1" lang="ja-JP" altLang="en-US" smtClean="0"/>
-              <a:t>2021/5/28</a:t>
+              <a:t>2021/9/7</a:t>
             </a:fld>
             <a:endParaRPr kumimoji="1" lang="ja-JP" altLang="en-US"/>
           </a:p>
@@ -2774,7 +2776,7 @@
           <a:p>
             <a:fld id="{56F9016B-CCA6-43BE-8BEE-59565A35F4F7}" type="datetimeFigureOut">
               <a:rPr kumimoji="1" lang="ja-JP" altLang="en-US" smtClean="0"/>
-              <a:t>2021/5/28</a:t>
+              <a:t>2021/9/7</a:t>
             </a:fld>
             <a:endParaRPr kumimoji="1" lang="ja-JP" altLang="en-US"/>
           </a:p>
@@ -3027,7 +3029,7 @@
           <a:p>
             <a:fld id="{56F9016B-CCA6-43BE-8BEE-59565A35F4F7}" type="datetimeFigureOut">
               <a:rPr kumimoji="1" lang="ja-JP" altLang="en-US" smtClean="0"/>
-              <a:t>2021/5/28</a:t>
+              <a:t>2021/9/7</a:t>
             </a:fld>
             <a:endParaRPr kumimoji="1" lang="ja-JP" altLang="en-US"/>
           </a:p>
@@ -3304,7 +3306,7 @@
           <a:p>
             <a:fld id="{56F9016B-CCA6-43BE-8BEE-59565A35F4F7}" type="datetimeFigureOut">
               <a:rPr kumimoji="1" lang="ja-JP" altLang="en-US" smtClean="0"/>
-              <a:t>2021/5/28</a:t>
+              <a:t>2021/9/7</a:t>
             </a:fld>
             <a:endParaRPr kumimoji="1" lang="ja-JP" altLang="en-US"/>
           </a:p>
@@ -3516,7 +3518,7 @@
           <a:p>
             <a:fld id="{56F9016B-CCA6-43BE-8BEE-59565A35F4F7}" type="datetimeFigureOut">
               <a:rPr kumimoji="1" lang="ja-JP" altLang="en-US" smtClean="0"/>
-              <a:t>2021/5/28</a:t>
+              <a:t>2021/9/7</a:t>
             </a:fld>
             <a:endParaRPr kumimoji="1" lang="ja-JP" altLang="en-US"/>
           </a:p>
@@ -6575,7 +6577,7 @@
           <a:p>
             <a:fld id="{56F9016B-CCA6-43BE-8BEE-59565A35F4F7}" type="datetimeFigureOut">
               <a:rPr kumimoji="1" lang="ja-JP" altLang="en-US" smtClean="0"/>
-              <a:t>2021/5/28</a:t>
+              <a:t>2021/9/7</a:t>
             </a:fld>
             <a:endParaRPr kumimoji="1" lang="ja-JP" altLang="en-US"/>
           </a:p>
@@ -7013,7 +7015,15 @@
             </a:r>
             <a:r>
               <a:rPr lang="en-US" altLang="ja-JP" dirty="0"/>
-              <a:t> IT Automation Version 1.7.1</a:t>
+              <a:t> IT Automation Version </a:t>
+            </a:r>
+            <a:r>
+              <a:rPr lang="en-US" altLang="ja-JP" dirty="0" smtClean="0"/>
+              <a:t>1.8</a:t>
+            </a:r>
+            <a:r>
+              <a:rPr lang="en-US" altLang="ja-JP" dirty="0"/>
+              <a:t/>
             </a:r>
             <a:br>
               <a:rPr lang="en-US" altLang="ja-JP" dirty="0"/>
@@ -7590,7 +7600,7 @@
       </p:grpSpPr>
       <p:pic>
         <p:nvPicPr>
-          <p:cNvPr id="5" name="図 4"/>
+          <p:cNvPr id="15" name="図 14"/>
           <p:cNvPicPr>
             <a:picLocks noChangeAspect="1"/>
           </p:cNvPicPr>
@@ -7604,8 +7614,8 @@
         </p:blipFill>
         <p:spPr>
           <a:xfrm>
-            <a:off x="221877" y="1947740"/>
-            <a:ext cx="7117200" cy="3824476"/>
+            <a:off x="284555" y="2233412"/>
+            <a:ext cx="8573916" cy="3922361"/>
           </a:xfrm>
           <a:prstGeom prst="rect">
             <a:avLst/>
@@ -7653,7 +7663,7 @@
             </a:r>
             <a:r>
               <a:rPr lang="en-US" altLang="ja-JP" dirty="0" smtClean="0"/>
-              <a:t>3/11</a:t>
+              <a:t>3/12</a:t>
             </a:r>
             <a:r>
               <a:rPr lang="ja-JP" altLang="en-US" dirty="0" smtClean="0"/>
@@ -7733,8 +7743,8 @@
         </p:nvCxnSpPr>
         <p:spPr bwMode="auto">
           <a:xfrm flipH="1" flipV="1">
-            <a:off x="2046879" y="3785970"/>
-            <a:ext cx="3229860" cy="947595"/>
+            <a:off x="3013564" y="4022362"/>
+            <a:ext cx="4006812" cy="553908"/>
           </a:xfrm>
           <a:prstGeom prst="straightConnector1">
             <a:avLst/>
@@ -7775,13 +7785,341 @@
         </p:nvSpPr>
         <p:spPr bwMode="auto">
           <a:xfrm>
-            <a:off x="1675093" y="5812508"/>
-            <a:ext cx="3218491" cy="719868"/>
+            <a:off x="2295012" y="4928789"/>
+            <a:ext cx="3220998" cy="1200401"/>
+          </a:xfrm>
+          <a:custGeom>
+            <a:avLst/>
+            <a:gdLst>
+              <a:gd name="connsiteX0" fmla="*/ 0 w 3218491"/>
+              <a:gd name="connsiteY0" fmla="*/ 0 h 719868"/>
+              <a:gd name="connsiteX1" fmla="*/ 1877453 w 3218491"/>
+              <a:gd name="connsiteY1" fmla="*/ 0 h 719868"/>
+              <a:gd name="connsiteX2" fmla="*/ 2849523 w 3218491"/>
+              <a:gd name="connsiteY2" fmla="*/ -842483 h 719868"/>
+              <a:gd name="connsiteX3" fmla="*/ 2682076 w 3218491"/>
+              <a:gd name="connsiteY3" fmla="*/ 0 h 719868"/>
+              <a:gd name="connsiteX4" fmla="*/ 3218491 w 3218491"/>
+              <a:gd name="connsiteY4" fmla="*/ 0 h 719868"/>
+              <a:gd name="connsiteX5" fmla="*/ 3218491 w 3218491"/>
+              <a:gd name="connsiteY5" fmla="*/ 119978 h 719868"/>
+              <a:gd name="connsiteX6" fmla="*/ 3218491 w 3218491"/>
+              <a:gd name="connsiteY6" fmla="*/ 119978 h 719868"/>
+              <a:gd name="connsiteX7" fmla="*/ 3218491 w 3218491"/>
+              <a:gd name="connsiteY7" fmla="*/ 299945 h 719868"/>
+              <a:gd name="connsiteX8" fmla="*/ 3218491 w 3218491"/>
+              <a:gd name="connsiteY8" fmla="*/ 719868 h 719868"/>
+              <a:gd name="connsiteX9" fmla="*/ 2682076 w 3218491"/>
+              <a:gd name="connsiteY9" fmla="*/ 719868 h 719868"/>
+              <a:gd name="connsiteX10" fmla="*/ 1877453 w 3218491"/>
+              <a:gd name="connsiteY10" fmla="*/ 719868 h 719868"/>
+              <a:gd name="connsiteX11" fmla="*/ 1877453 w 3218491"/>
+              <a:gd name="connsiteY11" fmla="*/ 719868 h 719868"/>
+              <a:gd name="connsiteX12" fmla="*/ 0 w 3218491"/>
+              <a:gd name="connsiteY12" fmla="*/ 719868 h 719868"/>
+              <a:gd name="connsiteX13" fmla="*/ 0 w 3218491"/>
+              <a:gd name="connsiteY13" fmla="*/ 299945 h 719868"/>
+              <a:gd name="connsiteX14" fmla="*/ 0 w 3218491"/>
+              <a:gd name="connsiteY14" fmla="*/ 119978 h 719868"/>
+              <a:gd name="connsiteX15" fmla="*/ 0 w 3218491"/>
+              <a:gd name="connsiteY15" fmla="*/ 119978 h 719868"/>
+              <a:gd name="connsiteX16" fmla="*/ 0 w 3218491"/>
+              <a:gd name="connsiteY16" fmla="*/ 0 h 719868"/>
+              <a:gd name="connsiteX0" fmla="*/ 0 w 3218491"/>
+              <a:gd name="connsiteY0" fmla="*/ 842483 h 1562351"/>
+              <a:gd name="connsiteX1" fmla="*/ 2267978 w 3218491"/>
+              <a:gd name="connsiteY1" fmla="*/ 842483 h 1562351"/>
+              <a:gd name="connsiteX2" fmla="*/ 2849523 w 3218491"/>
+              <a:gd name="connsiteY2" fmla="*/ 0 h 1562351"/>
+              <a:gd name="connsiteX3" fmla="*/ 2682076 w 3218491"/>
+              <a:gd name="connsiteY3" fmla="*/ 842483 h 1562351"/>
+              <a:gd name="connsiteX4" fmla="*/ 3218491 w 3218491"/>
+              <a:gd name="connsiteY4" fmla="*/ 842483 h 1562351"/>
+              <a:gd name="connsiteX5" fmla="*/ 3218491 w 3218491"/>
+              <a:gd name="connsiteY5" fmla="*/ 962461 h 1562351"/>
+              <a:gd name="connsiteX6" fmla="*/ 3218491 w 3218491"/>
+              <a:gd name="connsiteY6" fmla="*/ 962461 h 1562351"/>
+              <a:gd name="connsiteX7" fmla="*/ 3218491 w 3218491"/>
+              <a:gd name="connsiteY7" fmla="*/ 1142428 h 1562351"/>
+              <a:gd name="connsiteX8" fmla="*/ 3218491 w 3218491"/>
+              <a:gd name="connsiteY8" fmla="*/ 1562351 h 1562351"/>
+              <a:gd name="connsiteX9" fmla="*/ 2682076 w 3218491"/>
+              <a:gd name="connsiteY9" fmla="*/ 1562351 h 1562351"/>
+              <a:gd name="connsiteX10" fmla="*/ 1877453 w 3218491"/>
+              <a:gd name="connsiteY10" fmla="*/ 1562351 h 1562351"/>
+              <a:gd name="connsiteX11" fmla="*/ 1877453 w 3218491"/>
+              <a:gd name="connsiteY11" fmla="*/ 1562351 h 1562351"/>
+              <a:gd name="connsiteX12" fmla="*/ 0 w 3218491"/>
+              <a:gd name="connsiteY12" fmla="*/ 1562351 h 1562351"/>
+              <a:gd name="connsiteX13" fmla="*/ 0 w 3218491"/>
+              <a:gd name="connsiteY13" fmla="*/ 1142428 h 1562351"/>
+              <a:gd name="connsiteX14" fmla="*/ 0 w 3218491"/>
+              <a:gd name="connsiteY14" fmla="*/ 962461 h 1562351"/>
+              <a:gd name="connsiteX15" fmla="*/ 0 w 3218491"/>
+              <a:gd name="connsiteY15" fmla="*/ 962461 h 1562351"/>
+              <a:gd name="connsiteX16" fmla="*/ 0 w 3218491"/>
+              <a:gd name="connsiteY16" fmla="*/ 842483 h 1562351"/>
+              <a:gd name="connsiteX0" fmla="*/ 0 w 3220998"/>
+              <a:gd name="connsiteY0" fmla="*/ 480533 h 1200401"/>
+              <a:gd name="connsiteX1" fmla="*/ 2267978 w 3220998"/>
+              <a:gd name="connsiteY1" fmla="*/ 480533 h 1200401"/>
+              <a:gd name="connsiteX2" fmla="*/ 3220998 w 3220998"/>
+              <a:gd name="connsiteY2" fmla="*/ 0 h 1200401"/>
+              <a:gd name="connsiteX3" fmla="*/ 2682076 w 3220998"/>
+              <a:gd name="connsiteY3" fmla="*/ 480533 h 1200401"/>
+              <a:gd name="connsiteX4" fmla="*/ 3218491 w 3220998"/>
+              <a:gd name="connsiteY4" fmla="*/ 480533 h 1200401"/>
+              <a:gd name="connsiteX5" fmla="*/ 3218491 w 3220998"/>
+              <a:gd name="connsiteY5" fmla="*/ 600511 h 1200401"/>
+              <a:gd name="connsiteX6" fmla="*/ 3218491 w 3220998"/>
+              <a:gd name="connsiteY6" fmla="*/ 600511 h 1200401"/>
+              <a:gd name="connsiteX7" fmla="*/ 3218491 w 3220998"/>
+              <a:gd name="connsiteY7" fmla="*/ 780478 h 1200401"/>
+              <a:gd name="connsiteX8" fmla="*/ 3218491 w 3220998"/>
+              <a:gd name="connsiteY8" fmla="*/ 1200401 h 1200401"/>
+              <a:gd name="connsiteX9" fmla="*/ 2682076 w 3220998"/>
+              <a:gd name="connsiteY9" fmla="*/ 1200401 h 1200401"/>
+              <a:gd name="connsiteX10" fmla="*/ 1877453 w 3220998"/>
+              <a:gd name="connsiteY10" fmla="*/ 1200401 h 1200401"/>
+              <a:gd name="connsiteX11" fmla="*/ 1877453 w 3220998"/>
+              <a:gd name="connsiteY11" fmla="*/ 1200401 h 1200401"/>
+              <a:gd name="connsiteX12" fmla="*/ 0 w 3220998"/>
+              <a:gd name="connsiteY12" fmla="*/ 1200401 h 1200401"/>
+              <a:gd name="connsiteX13" fmla="*/ 0 w 3220998"/>
+              <a:gd name="connsiteY13" fmla="*/ 780478 h 1200401"/>
+              <a:gd name="connsiteX14" fmla="*/ 0 w 3220998"/>
+              <a:gd name="connsiteY14" fmla="*/ 600511 h 1200401"/>
+              <a:gd name="connsiteX15" fmla="*/ 0 w 3220998"/>
+              <a:gd name="connsiteY15" fmla="*/ 600511 h 1200401"/>
+              <a:gd name="connsiteX16" fmla="*/ 0 w 3220998"/>
+              <a:gd name="connsiteY16" fmla="*/ 480533 h 1200401"/>
+            </a:gdLst>
+            <a:ahLst/>
+            <a:cxnLst>
+              <a:cxn ang="0">
+                <a:pos x="connsiteX0" y="connsiteY0"/>
+              </a:cxn>
+              <a:cxn ang="0">
+                <a:pos x="connsiteX1" y="connsiteY1"/>
+              </a:cxn>
+              <a:cxn ang="0">
+                <a:pos x="connsiteX2" y="connsiteY2"/>
+              </a:cxn>
+              <a:cxn ang="0">
+                <a:pos x="connsiteX3" y="connsiteY3"/>
+              </a:cxn>
+              <a:cxn ang="0">
+                <a:pos x="connsiteX4" y="connsiteY4"/>
+              </a:cxn>
+              <a:cxn ang="0">
+                <a:pos x="connsiteX5" y="connsiteY5"/>
+              </a:cxn>
+              <a:cxn ang="0">
+                <a:pos x="connsiteX6" y="connsiteY6"/>
+              </a:cxn>
+              <a:cxn ang="0">
+                <a:pos x="connsiteX7" y="connsiteY7"/>
+              </a:cxn>
+              <a:cxn ang="0">
+                <a:pos x="connsiteX8" y="connsiteY8"/>
+              </a:cxn>
+              <a:cxn ang="0">
+                <a:pos x="connsiteX9" y="connsiteY9"/>
+              </a:cxn>
+              <a:cxn ang="0">
+                <a:pos x="connsiteX10" y="connsiteY10"/>
+              </a:cxn>
+              <a:cxn ang="0">
+                <a:pos x="connsiteX11" y="connsiteY11"/>
+              </a:cxn>
+              <a:cxn ang="0">
+                <a:pos x="connsiteX12" y="connsiteY12"/>
+              </a:cxn>
+              <a:cxn ang="0">
+                <a:pos x="connsiteX13" y="connsiteY13"/>
+              </a:cxn>
+              <a:cxn ang="0">
+                <a:pos x="connsiteX14" y="connsiteY14"/>
+              </a:cxn>
+              <a:cxn ang="0">
+                <a:pos x="connsiteX15" y="connsiteY15"/>
+              </a:cxn>
+              <a:cxn ang="0">
+                <a:pos x="connsiteX16" y="connsiteY16"/>
+              </a:cxn>
+            </a:cxnLst>
+            <a:rect l="l" t="t" r="r" b="b"/>
+            <a:pathLst>
+              <a:path w="3220998" h="1200401">
+                <a:moveTo>
+                  <a:pt x="0" y="480533"/>
+                </a:moveTo>
+                <a:lnTo>
+                  <a:pt x="2267978" y="480533"/>
+                </a:lnTo>
+                <a:lnTo>
+                  <a:pt x="3220998" y="0"/>
+                </a:lnTo>
+                <a:lnTo>
+                  <a:pt x="2682076" y="480533"/>
+                </a:lnTo>
+                <a:lnTo>
+                  <a:pt x="3218491" y="480533"/>
+                </a:lnTo>
+                <a:lnTo>
+                  <a:pt x="3218491" y="600511"/>
+                </a:lnTo>
+                <a:lnTo>
+                  <a:pt x="3218491" y="600511"/>
+                </a:lnTo>
+                <a:lnTo>
+                  <a:pt x="3218491" y="780478"/>
+                </a:lnTo>
+                <a:lnTo>
+                  <a:pt x="3218491" y="1200401"/>
+                </a:lnTo>
+                <a:lnTo>
+                  <a:pt x="2682076" y="1200401"/>
+                </a:lnTo>
+                <a:lnTo>
+                  <a:pt x="1877453" y="1200401"/>
+                </a:lnTo>
+                <a:lnTo>
+                  <a:pt x="1877453" y="1200401"/>
+                </a:lnTo>
+                <a:lnTo>
+                  <a:pt x="0" y="1200401"/>
+                </a:lnTo>
+                <a:lnTo>
+                  <a:pt x="0" y="780478"/>
+                </a:lnTo>
+                <a:lnTo>
+                  <a:pt x="0" y="600511"/>
+                </a:lnTo>
+                <a:lnTo>
+                  <a:pt x="0" y="600511"/>
+                </a:lnTo>
+                <a:lnTo>
+                  <a:pt x="0" y="480533"/>
+                </a:lnTo>
+                <a:close/>
+              </a:path>
+            </a:pathLst>
+          </a:custGeom>
+          <a:solidFill>
+            <a:schemeClr val="bg1"/>
+          </a:solidFill>
+          <a:ln w="38100">
+            <a:solidFill>
+              <a:schemeClr val="accent6">
+                <a:lumMod val="90000"/>
+                <a:lumOff val="10000"/>
+              </a:schemeClr>
+            </a:solidFill>
+          </a:ln>
+          <a:effectLst/>
+          <a:extLst/>
+        </p:spPr>
+        <p:txBody>
+          <a:bodyPr rot="0" spcFirstLastPara="0" vertOverflow="overflow" horzOverflow="overflow" vert="horz" wrap="none" lIns="72000" tIns="72000" rIns="72000" bIns="72000" numCol="1" spcCol="0" rtlCol="0" fromWordArt="0" anchor="ctr" anchorCtr="0" forceAA="0" compatLnSpc="1">
+            <a:prstTxWarp prst="textNoShape">
+              <a:avLst/>
+            </a:prstTxWarp>
+            <a:noAutofit/>
+          </a:bodyPr>
+          <a:lstStyle/>
+          <a:p>
+            <a:pPr algn="ctr"/>
+            <a:r>
+              <a:rPr kumimoji="1" lang="en-US" altLang="ja-JP" sz="1600" b="1" dirty="0" smtClean="0">
+                <a:latin typeface="+mn-ea"/>
+              </a:rPr>
+              <a:t/>
+            </a:r>
+            <a:br>
+              <a:rPr kumimoji="1" lang="en-US" altLang="ja-JP" sz="1600" b="1" dirty="0" smtClean="0">
+                <a:latin typeface="+mn-ea"/>
+              </a:rPr>
+            </a:br>
+            <a:r>
+              <a:rPr kumimoji="1" lang="en-US" altLang="ja-JP" sz="1600" b="1" dirty="0" smtClean="0">
+                <a:latin typeface="+mn-ea"/>
+              </a:rPr>
+              <a:t/>
+            </a:r>
+            <a:br>
+              <a:rPr kumimoji="1" lang="en-US" altLang="ja-JP" sz="1600" b="1" dirty="0" smtClean="0">
+                <a:latin typeface="+mn-ea"/>
+              </a:rPr>
+            </a:br>
+            <a:r>
+              <a:rPr kumimoji="1" lang="ja-JP" altLang="en-US" sz="1600" b="1" dirty="0" smtClean="0">
+                <a:latin typeface="+mn-ea"/>
+              </a:rPr>
+              <a:t>ドラッグ</a:t>
+            </a:r>
+            <a:r>
+              <a:rPr kumimoji="1" lang="en-US" altLang="ja-JP" sz="1600" b="1" dirty="0" smtClean="0">
+                <a:latin typeface="+mn-ea"/>
+              </a:rPr>
+              <a:t>&amp;</a:t>
+            </a:r>
+            <a:r>
+              <a:rPr kumimoji="1" lang="ja-JP" altLang="en-US" sz="1600" b="1" dirty="0" smtClean="0">
+                <a:latin typeface="+mn-ea"/>
+              </a:rPr>
+              <a:t>ドロップすることで</a:t>
+            </a:r>
+            <a:r>
+              <a:rPr kumimoji="1" lang="en-US" altLang="ja-JP" sz="1600" b="1" dirty="0" smtClean="0">
+                <a:latin typeface="+mn-ea"/>
+              </a:rPr>
+              <a:t/>
+            </a:r>
+            <a:br>
+              <a:rPr kumimoji="1" lang="en-US" altLang="ja-JP" sz="1600" b="1" dirty="0" smtClean="0">
+                <a:latin typeface="+mn-ea"/>
+              </a:rPr>
+            </a:br>
+            <a:r>
+              <a:rPr kumimoji="1" lang="en-US" altLang="ja-JP" sz="1600" b="1" dirty="0" smtClean="0">
+                <a:latin typeface="+mn-ea"/>
+              </a:rPr>
+              <a:t>Function</a:t>
+            </a:r>
+            <a:r>
+              <a:rPr lang="ja-JP" altLang="en-US" sz="1600" b="1" dirty="0">
+                <a:latin typeface="+mn-ea"/>
+              </a:rPr>
+              <a:t>の</a:t>
+            </a:r>
+            <a:r>
+              <a:rPr lang="ja-JP" altLang="en-US" sz="1600" b="1" dirty="0" smtClean="0">
+                <a:latin typeface="+mn-ea"/>
+              </a:rPr>
+              <a:t>配置ができます</a:t>
+            </a:r>
+            <a:endParaRPr kumimoji="1" lang="ja-JP" altLang="en-US" sz="1600" b="1" dirty="0" smtClean="0">
+              <a:latin typeface="+mn-ea"/>
+            </a:endParaRPr>
+          </a:p>
+        </p:txBody>
+      </p:sp>
+      <p:sp>
+        <p:nvSpPr>
+          <p:cNvPr id="18" name="四角形吹き出し 17"/>
+          <p:cNvSpPr/>
+          <p:nvPr/>
+        </p:nvSpPr>
+        <p:spPr bwMode="auto">
+          <a:xfrm>
+            <a:off x="4906899" y="2013254"/>
+            <a:ext cx="3888539" cy="849718"/>
           </a:xfrm>
           <a:prstGeom prst="wedgeRectCallout">
             <a:avLst>
-              <a:gd name="adj1" fmla="val 35872"/>
-              <a:gd name="adj2" fmla="val -137923"/>
+              <a:gd name="adj1" fmla="val -95108"/>
+              <a:gd name="adj2" fmla="val 52536"/>
             </a:avLst>
           </a:prstGeom>
           <a:solidFill>
@@ -7809,22 +8147,28 @@
           <a:p>
             <a:pPr algn="ctr"/>
             <a:r>
+              <a:rPr kumimoji="1" lang="en-US" altLang="ja-JP" sz="1600" b="1" dirty="0" smtClean="0">
+                <a:latin typeface="+mn-ea"/>
+              </a:rPr>
+              <a:t>Movement</a:t>
+            </a:r>
+            <a:r>
+              <a:rPr lang="ja-JP" altLang="en-US" sz="1600" b="1" dirty="0" smtClean="0">
+                <a:latin typeface="+mn-ea"/>
+              </a:rPr>
+              <a:t>と同様に</a:t>
+            </a:r>
+            <a:r>
+              <a:rPr kumimoji="1" lang="en-US" altLang="ja-JP" sz="1600" b="1" dirty="0" smtClean="0">
+                <a:latin typeface="+mn-ea"/>
+              </a:rPr>
+              <a:t>in/out</a:t>
+            </a:r>
+            <a:r>
               <a:rPr kumimoji="1" lang="ja-JP" altLang="en-US" sz="1600" b="1" dirty="0" smtClean="0">
                 <a:latin typeface="+mn-ea"/>
               </a:rPr>
-              <a:t>ドラッグ</a:t>
-            </a:r>
-            <a:r>
-              <a:rPr kumimoji="1" lang="en-US" altLang="ja-JP" sz="1600" b="1" dirty="0" smtClean="0">
-                <a:latin typeface="+mn-ea"/>
-              </a:rPr>
-              <a:t>&amp;</a:t>
-            </a:r>
-            <a:r>
-              <a:rPr kumimoji="1" lang="ja-JP" altLang="en-US" sz="1600" b="1" dirty="0" smtClean="0">
-                <a:latin typeface="+mn-ea"/>
-              </a:rPr>
-              <a:t>ドロップすることで</a:t>
+              <a:t>を</a:t>
             </a:r>
             <a:r>
               <a:rPr kumimoji="1" lang="en-US" altLang="ja-JP" sz="1600" b="1" dirty="0" smtClean="0">
@@ -7838,22 +8182,28 @@
               </a:rPr>
             </a:br>
             <a:r>
+              <a:rPr kumimoji="1" lang="ja-JP" altLang="en-US" sz="1600" b="1" dirty="0" smtClean="0">
+                <a:latin typeface="+mn-ea"/>
+              </a:rPr>
+              <a:t>ドラッグ</a:t>
+            </a:r>
+            <a:r>
               <a:rPr kumimoji="1" lang="en-US" altLang="ja-JP" sz="1600" b="1" dirty="0" smtClean="0">
                 <a:latin typeface="+mn-ea"/>
               </a:rPr>
-              <a:t>Function</a:t>
+              <a:t>&amp;</a:t>
             </a:r>
             <a:r>
               <a:rPr kumimoji="1" lang="ja-JP" altLang="en-US" sz="1600" b="1" dirty="0" smtClean="0">
                 <a:latin typeface="+mn-ea"/>
               </a:rPr>
-              <a:t>を</a:t>
+              <a:t>ドロップ</a:t>
             </a:r>
             <a:r>
               <a:rPr lang="ja-JP" altLang="en-US" sz="1600" b="1" dirty="0" smtClean="0">
                 <a:latin typeface="+mn-ea"/>
               </a:rPr>
-              <a:t>配置ができます</a:t>
+              <a:t>で結合が可能です</a:t>
             </a:r>
             <a:endParaRPr kumimoji="1" lang="ja-JP" altLang="en-US" sz="1600" b="1" dirty="0" smtClean="0">
               <a:latin typeface="+mn-ea"/>
@@ -7863,21 +8213,345 @@
       </p:sp>
       <p:sp>
         <p:nvSpPr>
-          <p:cNvPr id="18" name="四角形吹き出し 17"/>
+          <p:cNvPr id="21" name="正方形/長方形 20"/>
           <p:cNvSpPr/>
           <p:nvPr/>
         </p:nvSpPr>
         <p:spPr bwMode="auto">
           <a:xfrm>
-            <a:off x="4644010" y="1867156"/>
-            <a:ext cx="3888539" cy="849718"/>
+            <a:off x="7308379" y="4332472"/>
+            <a:ext cx="1550091" cy="1256828"/>
           </a:xfrm>
-          <a:prstGeom prst="wedgeRectCallout">
-            <a:avLst>
-              <a:gd name="adj1" fmla="val -104568"/>
-              <a:gd name="adj2" fmla="val 50063"/>
-            </a:avLst>
+          <a:prstGeom prst="rect">
+            <a:avLst/>
           </a:prstGeom>
+          <a:noFill/>
+          <a:ln w="38100">
+            <a:solidFill>
+              <a:srgbClr val="FF0000"/>
+            </a:solidFill>
+          </a:ln>
+          <a:effectLst/>
+          <a:extLst/>
+        </p:spPr>
+        <p:txBody>
+          <a:bodyPr rot="0" spcFirstLastPara="0" vertOverflow="overflow" horzOverflow="overflow" vert="horz" wrap="none" lIns="72000" tIns="72000" rIns="72000" bIns="72000" numCol="1" spcCol="0" rtlCol="0" fromWordArt="0" anchor="ctr" anchorCtr="0" forceAA="0" compatLnSpc="1">
+            <a:prstTxWarp prst="textNoShape">
+              <a:avLst/>
+            </a:prstTxWarp>
+            <a:noAutofit/>
+          </a:bodyPr>
+          <a:lstStyle/>
+          <a:p>
+            <a:pPr algn="ctr"/>
+            <a:endParaRPr kumimoji="1" lang="ja-JP" altLang="en-US" b="1" dirty="0" smtClean="0">
+              <a:latin typeface="+mn-ea"/>
+            </a:endParaRPr>
+          </a:p>
+        </p:txBody>
+      </p:sp>
+      <p:sp>
+        <p:nvSpPr>
+          <p:cNvPr id="20" name="正方形/長方形 19"/>
+          <p:cNvSpPr/>
+          <p:nvPr/>
+        </p:nvSpPr>
+        <p:spPr bwMode="auto">
+          <a:xfrm>
+            <a:off x="7668431" y="4149100"/>
+            <a:ext cx="368336" cy="183372"/>
+          </a:xfrm>
+          <a:prstGeom prst="rect">
+            <a:avLst/>
+          </a:prstGeom>
+          <a:noFill/>
+          <a:ln w="38100">
+            <a:solidFill>
+              <a:srgbClr val="FF0000"/>
+            </a:solidFill>
+          </a:ln>
+          <a:effectLst/>
+          <a:extLst/>
+        </p:spPr>
+        <p:txBody>
+          <a:bodyPr rot="0" spcFirstLastPara="0" vertOverflow="overflow" horzOverflow="overflow" vert="horz" wrap="none" lIns="72000" tIns="72000" rIns="72000" bIns="72000" numCol="1" spcCol="0" rtlCol="0" fromWordArt="0" anchor="ctr" anchorCtr="0" forceAA="0" compatLnSpc="1">
+            <a:prstTxWarp prst="textNoShape">
+              <a:avLst/>
+            </a:prstTxWarp>
+            <a:noAutofit/>
+          </a:bodyPr>
+          <a:lstStyle/>
+          <a:p>
+            <a:pPr algn="ctr"/>
+            <a:endParaRPr kumimoji="1" lang="ja-JP" altLang="en-US" b="1" dirty="0" smtClean="0">
+              <a:latin typeface="+mn-ea"/>
+            </a:endParaRPr>
+          </a:p>
+        </p:txBody>
+      </p:sp>
+      <p:sp>
+        <p:nvSpPr>
+          <p:cNvPr id="19" name="四角形吹き出し 18"/>
+          <p:cNvSpPr/>
+          <p:nvPr/>
+        </p:nvSpPr>
+        <p:spPr bwMode="auto">
+          <a:xfrm>
+            <a:off x="5871543" y="5311856"/>
+            <a:ext cx="3218491" cy="1151295"/>
+          </a:xfrm>
+          <a:custGeom>
+            <a:avLst/>
+            <a:gdLst>
+              <a:gd name="connsiteX0" fmla="*/ 0 w 3218491"/>
+              <a:gd name="connsiteY0" fmla="*/ 0 h 719868"/>
+              <a:gd name="connsiteX1" fmla="*/ 536415 w 3218491"/>
+              <a:gd name="connsiteY1" fmla="*/ 0 h 719868"/>
+              <a:gd name="connsiteX2" fmla="*/ 873434 w 3218491"/>
+              <a:gd name="connsiteY2" fmla="*/ -231402 h 719868"/>
+              <a:gd name="connsiteX3" fmla="*/ 1341038 w 3218491"/>
+              <a:gd name="connsiteY3" fmla="*/ 0 h 719868"/>
+              <a:gd name="connsiteX4" fmla="*/ 3218491 w 3218491"/>
+              <a:gd name="connsiteY4" fmla="*/ 0 h 719868"/>
+              <a:gd name="connsiteX5" fmla="*/ 3218491 w 3218491"/>
+              <a:gd name="connsiteY5" fmla="*/ 119978 h 719868"/>
+              <a:gd name="connsiteX6" fmla="*/ 3218491 w 3218491"/>
+              <a:gd name="connsiteY6" fmla="*/ 119978 h 719868"/>
+              <a:gd name="connsiteX7" fmla="*/ 3218491 w 3218491"/>
+              <a:gd name="connsiteY7" fmla="*/ 299945 h 719868"/>
+              <a:gd name="connsiteX8" fmla="*/ 3218491 w 3218491"/>
+              <a:gd name="connsiteY8" fmla="*/ 719868 h 719868"/>
+              <a:gd name="connsiteX9" fmla="*/ 1341038 w 3218491"/>
+              <a:gd name="connsiteY9" fmla="*/ 719868 h 719868"/>
+              <a:gd name="connsiteX10" fmla="*/ 536415 w 3218491"/>
+              <a:gd name="connsiteY10" fmla="*/ 719868 h 719868"/>
+              <a:gd name="connsiteX11" fmla="*/ 536415 w 3218491"/>
+              <a:gd name="connsiteY11" fmla="*/ 719868 h 719868"/>
+              <a:gd name="connsiteX12" fmla="*/ 0 w 3218491"/>
+              <a:gd name="connsiteY12" fmla="*/ 719868 h 719868"/>
+              <a:gd name="connsiteX13" fmla="*/ 0 w 3218491"/>
+              <a:gd name="connsiteY13" fmla="*/ 299945 h 719868"/>
+              <a:gd name="connsiteX14" fmla="*/ 0 w 3218491"/>
+              <a:gd name="connsiteY14" fmla="*/ 119978 h 719868"/>
+              <a:gd name="connsiteX15" fmla="*/ 0 w 3218491"/>
+              <a:gd name="connsiteY15" fmla="*/ 119978 h 719868"/>
+              <a:gd name="connsiteX16" fmla="*/ 0 w 3218491"/>
+              <a:gd name="connsiteY16" fmla="*/ 0 h 719868"/>
+              <a:gd name="connsiteX0" fmla="*/ 0 w 3218491"/>
+              <a:gd name="connsiteY0" fmla="*/ 231402 h 951270"/>
+              <a:gd name="connsiteX1" fmla="*/ 326865 w 3218491"/>
+              <a:gd name="connsiteY1" fmla="*/ 231402 h 951270"/>
+              <a:gd name="connsiteX2" fmla="*/ 873434 w 3218491"/>
+              <a:gd name="connsiteY2" fmla="*/ 0 h 951270"/>
+              <a:gd name="connsiteX3" fmla="*/ 1341038 w 3218491"/>
+              <a:gd name="connsiteY3" fmla="*/ 231402 h 951270"/>
+              <a:gd name="connsiteX4" fmla="*/ 3218491 w 3218491"/>
+              <a:gd name="connsiteY4" fmla="*/ 231402 h 951270"/>
+              <a:gd name="connsiteX5" fmla="*/ 3218491 w 3218491"/>
+              <a:gd name="connsiteY5" fmla="*/ 351380 h 951270"/>
+              <a:gd name="connsiteX6" fmla="*/ 3218491 w 3218491"/>
+              <a:gd name="connsiteY6" fmla="*/ 351380 h 951270"/>
+              <a:gd name="connsiteX7" fmla="*/ 3218491 w 3218491"/>
+              <a:gd name="connsiteY7" fmla="*/ 531347 h 951270"/>
+              <a:gd name="connsiteX8" fmla="*/ 3218491 w 3218491"/>
+              <a:gd name="connsiteY8" fmla="*/ 951270 h 951270"/>
+              <a:gd name="connsiteX9" fmla="*/ 1341038 w 3218491"/>
+              <a:gd name="connsiteY9" fmla="*/ 951270 h 951270"/>
+              <a:gd name="connsiteX10" fmla="*/ 536415 w 3218491"/>
+              <a:gd name="connsiteY10" fmla="*/ 951270 h 951270"/>
+              <a:gd name="connsiteX11" fmla="*/ 536415 w 3218491"/>
+              <a:gd name="connsiteY11" fmla="*/ 951270 h 951270"/>
+              <a:gd name="connsiteX12" fmla="*/ 0 w 3218491"/>
+              <a:gd name="connsiteY12" fmla="*/ 951270 h 951270"/>
+              <a:gd name="connsiteX13" fmla="*/ 0 w 3218491"/>
+              <a:gd name="connsiteY13" fmla="*/ 531347 h 951270"/>
+              <a:gd name="connsiteX14" fmla="*/ 0 w 3218491"/>
+              <a:gd name="connsiteY14" fmla="*/ 351380 h 951270"/>
+              <a:gd name="connsiteX15" fmla="*/ 0 w 3218491"/>
+              <a:gd name="connsiteY15" fmla="*/ 351380 h 951270"/>
+              <a:gd name="connsiteX16" fmla="*/ 0 w 3218491"/>
+              <a:gd name="connsiteY16" fmla="*/ 231402 h 951270"/>
+              <a:gd name="connsiteX0" fmla="*/ 0 w 3218491"/>
+              <a:gd name="connsiteY0" fmla="*/ 231402 h 951270"/>
+              <a:gd name="connsiteX1" fmla="*/ 326865 w 3218491"/>
+              <a:gd name="connsiteY1" fmla="*/ 231402 h 951270"/>
+              <a:gd name="connsiteX2" fmla="*/ 873434 w 3218491"/>
+              <a:gd name="connsiteY2" fmla="*/ 0 h 951270"/>
+              <a:gd name="connsiteX3" fmla="*/ 683813 w 3218491"/>
+              <a:gd name="connsiteY3" fmla="*/ 240927 h 951270"/>
+              <a:gd name="connsiteX4" fmla="*/ 3218491 w 3218491"/>
+              <a:gd name="connsiteY4" fmla="*/ 231402 h 951270"/>
+              <a:gd name="connsiteX5" fmla="*/ 3218491 w 3218491"/>
+              <a:gd name="connsiteY5" fmla="*/ 351380 h 951270"/>
+              <a:gd name="connsiteX6" fmla="*/ 3218491 w 3218491"/>
+              <a:gd name="connsiteY6" fmla="*/ 351380 h 951270"/>
+              <a:gd name="connsiteX7" fmla="*/ 3218491 w 3218491"/>
+              <a:gd name="connsiteY7" fmla="*/ 531347 h 951270"/>
+              <a:gd name="connsiteX8" fmla="*/ 3218491 w 3218491"/>
+              <a:gd name="connsiteY8" fmla="*/ 951270 h 951270"/>
+              <a:gd name="connsiteX9" fmla="*/ 1341038 w 3218491"/>
+              <a:gd name="connsiteY9" fmla="*/ 951270 h 951270"/>
+              <a:gd name="connsiteX10" fmla="*/ 536415 w 3218491"/>
+              <a:gd name="connsiteY10" fmla="*/ 951270 h 951270"/>
+              <a:gd name="connsiteX11" fmla="*/ 536415 w 3218491"/>
+              <a:gd name="connsiteY11" fmla="*/ 951270 h 951270"/>
+              <a:gd name="connsiteX12" fmla="*/ 0 w 3218491"/>
+              <a:gd name="connsiteY12" fmla="*/ 951270 h 951270"/>
+              <a:gd name="connsiteX13" fmla="*/ 0 w 3218491"/>
+              <a:gd name="connsiteY13" fmla="*/ 531347 h 951270"/>
+              <a:gd name="connsiteX14" fmla="*/ 0 w 3218491"/>
+              <a:gd name="connsiteY14" fmla="*/ 351380 h 951270"/>
+              <a:gd name="connsiteX15" fmla="*/ 0 w 3218491"/>
+              <a:gd name="connsiteY15" fmla="*/ 351380 h 951270"/>
+              <a:gd name="connsiteX16" fmla="*/ 0 w 3218491"/>
+              <a:gd name="connsiteY16" fmla="*/ 231402 h 951270"/>
+              <a:gd name="connsiteX0" fmla="*/ 0 w 3218491"/>
+              <a:gd name="connsiteY0" fmla="*/ 431427 h 1151295"/>
+              <a:gd name="connsiteX1" fmla="*/ 326865 w 3218491"/>
+              <a:gd name="connsiteY1" fmla="*/ 431427 h 1151295"/>
+              <a:gd name="connsiteX2" fmla="*/ 1092509 w 3218491"/>
+              <a:gd name="connsiteY2" fmla="*/ 0 h 1151295"/>
+              <a:gd name="connsiteX3" fmla="*/ 683813 w 3218491"/>
+              <a:gd name="connsiteY3" fmla="*/ 440952 h 1151295"/>
+              <a:gd name="connsiteX4" fmla="*/ 3218491 w 3218491"/>
+              <a:gd name="connsiteY4" fmla="*/ 431427 h 1151295"/>
+              <a:gd name="connsiteX5" fmla="*/ 3218491 w 3218491"/>
+              <a:gd name="connsiteY5" fmla="*/ 551405 h 1151295"/>
+              <a:gd name="connsiteX6" fmla="*/ 3218491 w 3218491"/>
+              <a:gd name="connsiteY6" fmla="*/ 551405 h 1151295"/>
+              <a:gd name="connsiteX7" fmla="*/ 3218491 w 3218491"/>
+              <a:gd name="connsiteY7" fmla="*/ 731372 h 1151295"/>
+              <a:gd name="connsiteX8" fmla="*/ 3218491 w 3218491"/>
+              <a:gd name="connsiteY8" fmla="*/ 1151295 h 1151295"/>
+              <a:gd name="connsiteX9" fmla="*/ 1341038 w 3218491"/>
+              <a:gd name="connsiteY9" fmla="*/ 1151295 h 1151295"/>
+              <a:gd name="connsiteX10" fmla="*/ 536415 w 3218491"/>
+              <a:gd name="connsiteY10" fmla="*/ 1151295 h 1151295"/>
+              <a:gd name="connsiteX11" fmla="*/ 536415 w 3218491"/>
+              <a:gd name="connsiteY11" fmla="*/ 1151295 h 1151295"/>
+              <a:gd name="connsiteX12" fmla="*/ 0 w 3218491"/>
+              <a:gd name="connsiteY12" fmla="*/ 1151295 h 1151295"/>
+              <a:gd name="connsiteX13" fmla="*/ 0 w 3218491"/>
+              <a:gd name="connsiteY13" fmla="*/ 731372 h 1151295"/>
+              <a:gd name="connsiteX14" fmla="*/ 0 w 3218491"/>
+              <a:gd name="connsiteY14" fmla="*/ 551405 h 1151295"/>
+              <a:gd name="connsiteX15" fmla="*/ 0 w 3218491"/>
+              <a:gd name="connsiteY15" fmla="*/ 551405 h 1151295"/>
+              <a:gd name="connsiteX16" fmla="*/ 0 w 3218491"/>
+              <a:gd name="connsiteY16" fmla="*/ 431427 h 1151295"/>
+            </a:gdLst>
+            <a:ahLst/>
+            <a:cxnLst>
+              <a:cxn ang="0">
+                <a:pos x="connsiteX0" y="connsiteY0"/>
+              </a:cxn>
+              <a:cxn ang="0">
+                <a:pos x="connsiteX1" y="connsiteY1"/>
+              </a:cxn>
+              <a:cxn ang="0">
+                <a:pos x="connsiteX2" y="connsiteY2"/>
+              </a:cxn>
+              <a:cxn ang="0">
+                <a:pos x="connsiteX3" y="connsiteY3"/>
+              </a:cxn>
+              <a:cxn ang="0">
+                <a:pos x="connsiteX4" y="connsiteY4"/>
+              </a:cxn>
+              <a:cxn ang="0">
+                <a:pos x="connsiteX5" y="connsiteY5"/>
+              </a:cxn>
+              <a:cxn ang="0">
+                <a:pos x="connsiteX6" y="connsiteY6"/>
+              </a:cxn>
+              <a:cxn ang="0">
+                <a:pos x="connsiteX7" y="connsiteY7"/>
+              </a:cxn>
+              <a:cxn ang="0">
+                <a:pos x="connsiteX8" y="connsiteY8"/>
+              </a:cxn>
+              <a:cxn ang="0">
+                <a:pos x="connsiteX9" y="connsiteY9"/>
+              </a:cxn>
+              <a:cxn ang="0">
+                <a:pos x="connsiteX10" y="connsiteY10"/>
+              </a:cxn>
+              <a:cxn ang="0">
+                <a:pos x="connsiteX11" y="connsiteY11"/>
+              </a:cxn>
+              <a:cxn ang="0">
+                <a:pos x="connsiteX12" y="connsiteY12"/>
+              </a:cxn>
+              <a:cxn ang="0">
+                <a:pos x="connsiteX13" y="connsiteY13"/>
+              </a:cxn>
+              <a:cxn ang="0">
+                <a:pos x="connsiteX14" y="connsiteY14"/>
+              </a:cxn>
+              <a:cxn ang="0">
+                <a:pos x="connsiteX15" y="connsiteY15"/>
+              </a:cxn>
+              <a:cxn ang="0">
+                <a:pos x="connsiteX16" y="connsiteY16"/>
+              </a:cxn>
+            </a:cxnLst>
+            <a:rect l="l" t="t" r="r" b="b"/>
+            <a:pathLst>
+              <a:path w="3218491" h="1151295">
+                <a:moveTo>
+                  <a:pt x="0" y="431427"/>
+                </a:moveTo>
+                <a:lnTo>
+                  <a:pt x="326865" y="431427"/>
+                </a:lnTo>
+                <a:lnTo>
+                  <a:pt x="1092509" y="0"/>
+                </a:lnTo>
+                <a:lnTo>
+                  <a:pt x="683813" y="440952"/>
+                </a:lnTo>
+                <a:lnTo>
+                  <a:pt x="3218491" y="431427"/>
+                </a:lnTo>
+                <a:lnTo>
+                  <a:pt x="3218491" y="551405"/>
+                </a:lnTo>
+                <a:lnTo>
+                  <a:pt x="3218491" y="551405"/>
+                </a:lnTo>
+                <a:lnTo>
+                  <a:pt x="3218491" y="731372"/>
+                </a:lnTo>
+                <a:lnTo>
+                  <a:pt x="3218491" y="1151295"/>
+                </a:lnTo>
+                <a:lnTo>
+                  <a:pt x="1341038" y="1151295"/>
+                </a:lnTo>
+                <a:lnTo>
+                  <a:pt x="536415" y="1151295"/>
+                </a:lnTo>
+                <a:lnTo>
+                  <a:pt x="536415" y="1151295"/>
+                </a:lnTo>
+                <a:lnTo>
+                  <a:pt x="0" y="1151295"/>
+                </a:lnTo>
+                <a:lnTo>
+                  <a:pt x="0" y="731372"/>
+                </a:lnTo>
+                <a:lnTo>
+                  <a:pt x="0" y="551405"/>
+                </a:lnTo>
+                <a:lnTo>
+                  <a:pt x="0" y="551405"/>
+                </a:lnTo>
+                <a:lnTo>
+                  <a:pt x="0" y="431427"/>
+                </a:lnTo>
+                <a:close/>
+              </a:path>
+            </a:pathLst>
+          </a:custGeom>
           <a:solidFill>
             <a:schemeClr val="bg1"/>
           </a:solidFill>
@@ -7906,36 +8580,6 @@
               <a:rPr kumimoji="1" lang="en-US" altLang="ja-JP" sz="1600" b="1" dirty="0" smtClean="0">
                 <a:latin typeface="+mn-ea"/>
               </a:rPr>
-              <a:t>Movement</a:t>
-            </a:r>
-            <a:r>
-              <a:rPr lang="ja-JP" altLang="en-US" sz="1600" b="1" dirty="0" smtClean="0">
-                <a:latin typeface="+mn-ea"/>
-              </a:rPr>
-              <a:t>と同様に</a:t>
-            </a:r>
-            <a:r>
-              <a:rPr kumimoji="1" lang="ja-JP" altLang="en-US" sz="1600" b="1" dirty="0" err="1" smtClean="0">
-                <a:latin typeface="+mn-ea"/>
-              </a:rPr>
-              <a:t>の</a:t>
-            </a:r>
-            <a:r>
-              <a:rPr kumimoji="1" lang="en-US" altLang="ja-JP" sz="1600" b="1" dirty="0" smtClean="0">
-                <a:latin typeface="+mn-ea"/>
-              </a:rPr>
-              <a:t>in/out</a:t>
-            </a:r>
-            <a:r>
-              <a:rPr kumimoji="1" lang="ja-JP" altLang="en-US" sz="1600" b="1" dirty="0" smtClean="0">
-                <a:latin typeface="+mn-ea"/>
-              </a:rPr>
-              <a:t>を</a:t>
-            </a:r>
-            <a:r>
-              <a:rPr kumimoji="1" lang="en-US" altLang="ja-JP" sz="1600" b="1" dirty="0" smtClean="0">
-                <a:latin typeface="+mn-ea"/>
-              </a:rPr>
               <a:t/>
             </a:r>
             <a:br>
@@ -7944,154 +8588,16 @@
               </a:rPr>
             </a:br>
             <a:r>
-              <a:rPr kumimoji="1" lang="ja-JP" altLang="en-US" sz="1600" b="1" dirty="0" smtClean="0">
-                <a:latin typeface="+mn-ea"/>
-              </a:rPr>
-              <a:t>ドラッグ</a:t>
-            </a:r>
-            <a:r>
               <a:rPr kumimoji="1" lang="en-US" altLang="ja-JP" sz="1600" b="1" dirty="0" smtClean="0">
                 <a:latin typeface="+mn-ea"/>
               </a:rPr>
-              <a:t>&amp;</a:t>
-            </a:r>
-            <a:r>
-              <a:rPr kumimoji="1" lang="ja-JP" altLang="en-US" sz="1600" b="1" dirty="0" smtClean="0">
+              <a:t/>
+            </a:r>
+            <a:br>
+              <a:rPr kumimoji="1" lang="en-US" altLang="ja-JP" sz="1600" b="1" dirty="0" smtClean="0">
                 <a:latin typeface="+mn-ea"/>
               </a:rPr>
-              <a:t>ドロップ</a:t>
-            </a:r>
-            <a:r>
-              <a:rPr lang="ja-JP" altLang="en-US" sz="1600" b="1" dirty="0" smtClean="0">
-                <a:latin typeface="+mn-ea"/>
-              </a:rPr>
-              <a:t>で結合が可能です</a:t>
-            </a:r>
-            <a:endParaRPr kumimoji="1" lang="ja-JP" altLang="en-US" sz="1600" b="1" dirty="0" smtClean="0">
-              <a:latin typeface="+mn-ea"/>
-            </a:endParaRPr>
-          </a:p>
-        </p:txBody>
-      </p:sp>
-      <p:sp>
-        <p:nvSpPr>
-          <p:cNvPr id="21" name="正方形/長方形 20"/>
-          <p:cNvSpPr/>
-          <p:nvPr/>
-        </p:nvSpPr>
-        <p:spPr bwMode="auto">
-          <a:xfrm>
-            <a:off x="5737913" y="4081414"/>
-            <a:ext cx="1609246" cy="1517874"/>
-          </a:xfrm>
-          <a:prstGeom prst="rect">
-            <a:avLst/>
-          </a:prstGeom>
-          <a:noFill/>
-          <a:ln w="38100">
-            <a:solidFill>
-              <a:srgbClr val="FF0000"/>
-            </a:solidFill>
-          </a:ln>
-          <a:effectLst/>
-          <a:extLst/>
-        </p:spPr>
-        <p:txBody>
-          <a:bodyPr rot="0" spcFirstLastPara="0" vertOverflow="overflow" horzOverflow="overflow" vert="horz" wrap="none" lIns="72000" tIns="72000" rIns="72000" bIns="72000" numCol="1" spcCol="0" rtlCol="0" fromWordArt="0" anchor="ctr" anchorCtr="0" forceAA="0" compatLnSpc="1">
-            <a:prstTxWarp prst="textNoShape">
-              <a:avLst/>
-            </a:prstTxWarp>
-            <a:noAutofit/>
-          </a:bodyPr>
-          <a:lstStyle/>
-          <a:p>
-            <a:pPr algn="ctr"/>
-            <a:endParaRPr kumimoji="1" lang="ja-JP" altLang="en-US" b="1" dirty="0" smtClean="0">
-              <a:latin typeface="+mn-ea"/>
-            </a:endParaRPr>
-          </a:p>
-        </p:txBody>
-      </p:sp>
-      <p:sp>
-        <p:nvSpPr>
-          <p:cNvPr id="20" name="正方形/長方形 19"/>
-          <p:cNvSpPr/>
-          <p:nvPr/>
-        </p:nvSpPr>
-        <p:spPr bwMode="auto">
-          <a:xfrm>
-            <a:off x="6081534" y="3839115"/>
-            <a:ext cx="362727" cy="215319"/>
-          </a:xfrm>
-          <a:prstGeom prst="rect">
-            <a:avLst/>
-          </a:prstGeom>
-          <a:noFill/>
-          <a:ln w="38100">
-            <a:solidFill>
-              <a:srgbClr val="FF0000"/>
-            </a:solidFill>
-          </a:ln>
-          <a:effectLst/>
-          <a:extLst/>
-        </p:spPr>
-        <p:txBody>
-          <a:bodyPr rot="0" spcFirstLastPara="0" vertOverflow="overflow" horzOverflow="overflow" vert="horz" wrap="none" lIns="72000" tIns="72000" rIns="72000" bIns="72000" numCol="1" spcCol="0" rtlCol="0" fromWordArt="0" anchor="ctr" anchorCtr="0" forceAA="0" compatLnSpc="1">
-            <a:prstTxWarp prst="textNoShape">
-              <a:avLst/>
-            </a:prstTxWarp>
-            <a:noAutofit/>
-          </a:bodyPr>
-          <a:lstStyle/>
-          <a:p>
-            <a:pPr algn="ctr"/>
-            <a:endParaRPr kumimoji="1" lang="ja-JP" altLang="en-US" b="1" dirty="0" smtClean="0">
-              <a:latin typeface="+mn-ea"/>
-            </a:endParaRPr>
-          </a:p>
-        </p:txBody>
-      </p:sp>
-      <p:sp>
-        <p:nvSpPr>
-          <p:cNvPr id="19" name="四角形吹き出し 18"/>
-          <p:cNvSpPr/>
-          <p:nvPr/>
-        </p:nvSpPr>
-        <p:spPr bwMode="auto">
-          <a:xfrm>
-            <a:off x="5729832" y="5852800"/>
-            <a:ext cx="3218491" cy="719868"/>
-          </a:xfrm>
-          <a:prstGeom prst="wedgeRectCallout">
-            <a:avLst>
-              <a:gd name="adj1" fmla="val -21678"/>
-              <a:gd name="adj2" fmla="val -82145"/>
-            </a:avLst>
-          </a:prstGeom>
-          <a:solidFill>
-            <a:schemeClr val="bg1"/>
-          </a:solidFill>
-          <a:ln w="38100">
-            <a:solidFill>
-              <a:schemeClr val="accent6">
-                <a:lumMod val="90000"/>
-                <a:lumOff val="10000"/>
-              </a:schemeClr>
-            </a:solidFill>
-          </a:ln>
-          <a:effectLst/>
-          <a:extLst/>
-        </p:spPr>
-        <p:txBody>
-          <a:bodyPr rot="0" spcFirstLastPara="0" vertOverflow="overflow" horzOverflow="overflow" vert="horz" wrap="none" lIns="72000" tIns="72000" rIns="72000" bIns="72000" numCol="1" spcCol="0" rtlCol="0" fromWordArt="0" anchor="ctr" anchorCtr="0" forceAA="0" compatLnSpc="1">
-            <a:prstTxWarp prst="textNoShape">
-              <a:avLst/>
-            </a:prstTxWarp>
-            <a:noAutofit/>
-          </a:bodyPr>
-          <a:lstStyle/>
-          <a:p>
-            <a:pPr algn="ctr"/>
+            </a:br>
             <a:r>
               <a:rPr kumimoji="1" lang="ja-JP" altLang="en-US" sz="1600" b="1" dirty="0" smtClean="0">
                 <a:latin typeface="+mn-ea"/>
@@ -8191,7 +8697,7 @@
             </a:r>
             <a:r>
               <a:rPr lang="en-US" altLang="ja-JP" dirty="0" smtClean="0"/>
-              <a:t>4/11</a:t>
+              <a:t>4/12</a:t>
             </a:r>
             <a:r>
               <a:rPr lang="ja-JP" altLang="en-US" dirty="0" smtClean="0"/>
@@ -11949,12 +12455,8 @@
               <a:t>（</a:t>
             </a:r>
             <a:r>
-              <a:rPr lang="en-US" altLang="ja-JP" dirty="0"/>
-              <a:t>5</a:t>
-            </a:r>
-            <a:r>
               <a:rPr lang="en-US" altLang="ja-JP" dirty="0" smtClean="0"/>
-              <a:t>/11</a:t>
+              <a:t>5/12</a:t>
             </a:r>
             <a:r>
               <a:rPr lang="ja-JP" altLang="en-US" dirty="0" smtClean="0"/>
@@ -12144,7 +12646,7 @@
       </p:grpSpPr>
       <p:pic>
         <p:nvPicPr>
-          <p:cNvPr id="12" name="図 11"/>
+          <p:cNvPr id="9" name="図 8"/>
           <p:cNvPicPr>
             <a:picLocks noChangeAspect="1"/>
           </p:cNvPicPr>
@@ -12158,8 +12660,8 @@
         </p:blipFill>
         <p:spPr>
           <a:xfrm>
-            <a:off x="211132" y="1833153"/>
-            <a:ext cx="6665188" cy="4608000"/>
+            <a:off x="754983" y="1854876"/>
+            <a:ext cx="7633060" cy="4333788"/>
           </a:xfrm>
           <a:prstGeom prst="rect">
             <a:avLst/>
@@ -12214,12 +12716,8 @@
               <a:t>（</a:t>
             </a:r>
             <a:r>
-              <a:rPr lang="en-US" altLang="ja-JP" dirty="0"/>
-              <a:t>6</a:t>
-            </a:r>
-            <a:r>
               <a:rPr lang="en-US" altLang="ja-JP" dirty="0" smtClean="0"/>
-              <a:t>/11</a:t>
+              <a:t>6/12</a:t>
             </a:r>
             <a:r>
               <a:rPr lang="ja-JP" altLang="en-US" dirty="0" smtClean="0"/>
@@ -12319,12 +12817,12 @@
         </p:nvSpPr>
         <p:spPr bwMode="auto">
           <a:xfrm>
-            <a:off x="5580140" y="2147781"/>
+            <a:off x="4449652" y="2214480"/>
             <a:ext cx="3218491" cy="719868"/>
           </a:xfrm>
           <a:prstGeom prst="wedgeRectCallout">
             <a:avLst>
-              <a:gd name="adj1" fmla="val -171493"/>
+              <a:gd name="adj1" fmla="val -119999"/>
               <a:gd name="adj2" fmla="val 36521"/>
             </a:avLst>
           </a:prstGeom>
@@ -12386,7 +12884,7 @@
         </p:nvSpPr>
         <p:spPr bwMode="auto">
           <a:xfrm>
-            <a:off x="611450" y="2601000"/>
+            <a:off x="1187530" y="2575051"/>
             <a:ext cx="936130" cy="242303"/>
           </a:xfrm>
           <a:prstGeom prst="rect">
@@ -12425,13 +12923,13 @@
         </p:nvSpPr>
         <p:spPr bwMode="auto">
           <a:xfrm>
-            <a:off x="5745022" y="4021770"/>
-            <a:ext cx="3218491" cy="719868"/>
+            <a:off x="5457774" y="4021770"/>
+            <a:ext cx="3218491" cy="1243592"/>
           </a:xfrm>
           <a:prstGeom prst="wedgeRectCallout">
             <a:avLst>
-              <a:gd name="adj1" fmla="val -169158"/>
-              <a:gd name="adj2" fmla="val 15640"/>
+              <a:gd name="adj1" fmla="val -87896"/>
+              <a:gd name="adj2" fmla="val 6010"/>
             </a:avLst>
           </a:prstGeom>
           <a:solidFill>
@@ -12465,16 +12963,10 @@
               <a:t>実行</a:t>
             </a:r>
             <a:r>
-              <a:rPr lang="ja-JP" altLang="en-US" sz="1600" b="1" dirty="0" err="1" smtClean="0">
+              <a:rPr lang="ja-JP" altLang="en-US" sz="1600" b="1" dirty="0" smtClean="0">
                 <a:latin typeface="+mn-ea"/>
               </a:rPr>
               <a:t>する</a:t>
-            </a:r>
-            <a:r>
-              <a:rPr kumimoji="1" lang="ja-JP" altLang="en-US" sz="1600" b="1" dirty="0" err="1" smtClean="0">
-                <a:latin typeface="+mn-ea"/>
-              </a:rPr>
-              <a:t>した</a:t>
             </a:r>
             <a:r>
               <a:rPr kumimoji="1" lang="en-US" altLang="ja-JP" sz="1600" b="1" dirty="0" smtClean="0">
@@ -12522,8 +13014,47 @@
         </p:nvSpPr>
         <p:spPr bwMode="auto">
           <a:xfrm>
-            <a:off x="323410" y="4022135"/>
-            <a:ext cx="4176580" cy="413395"/>
+            <a:off x="827480" y="3952512"/>
+            <a:ext cx="4248590" cy="279658"/>
+          </a:xfrm>
+          <a:prstGeom prst="rect">
+            <a:avLst/>
+          </a:prstGeom>
+          <a:noFill/>
+          <a:ln w="38100">
+            <a:solidFill>
+              <a:srgbClr val="FF0000"/>
+            </a:solidFill>
+          </a:ln>
+          <a:effectLst/>
+          <a:extLst/>
+        </p:spPr>
+        <p:txBody>
+          <a:bodyPr rot="0" spcFirstLastPara="0" vertOverflow="overflow" horzOverflow="overflow" vert="horz" wrap="none" lIns="72000" tIns="72000" rIns="72000" bIns="72000" numCol="1" spcCol="0" rtlCol="0" fromWordArt="0" anchor="ctr" anchorCtr="0" forceAA="0" compatLnSpc="1">
+            <a:prstTxWarp prst="textNoShape">
+              <a:avLst/>
+            </a:prstTxWarp>
+            <a:noAutofit/>
+          </a:bodyPr>
+          <a:lstStyle/>
+          <a:p>
+            <a:pPr algn="ctr"/>
+            <a:endParaRPr kumimoji="1" lang="ja-JP" altLang="en-US" b="1" dirty="0" smtClean="0">
+              <a:latin typeface="+mn-ea"/>
+            </a:endParaRPr>
+          </a:p>
+        </p:txBody>
+      </p:sp>
+      <p:sp>
+        <p:nvSpPr>
+          <p:cNvPr id="11" name="正方形/長方形 10"/>
+          <p:cNvSpPr/>
+          <p:nvPr/>
+        </p:nvSpPr>
+        <p:spPr bwMode="auto">
+          <a:xfrm>
+            <a:off x="899490" y="5661310"/>
+            <a:ext cx="5760800" cy="279658"/>
           </a:xfrm>
           <a:prstGeom prst="rect">
             <a:avLst/>
@@ -12590,6 +13121,30 @@
           <a:chExt cx="0" cy="0"/>
         </a:xfrm>
       </p:grpSpPr>
+      <p:pic>
+        <p:nvPicPr>
+          <p:cNvPr id="10" name="図 9"/>
+          <p:cNvPicPr>
+            <a:picLocks noChangeAspect="1"/>
+          </p:cNvPicPr>
+          <p:nvPr/>
+        </p:nvPicPr>
+        <p:blipFill>
+          <a:blip r:embed="rId2"/>
+          <a:stretch>
+            <a:fillRect/>
+          </a:stretch>
+        </p:blipFill>
+        <p:spPr>
+          <a:xfrm>
+            <a:off x="317865" y="1988800"/>
+            <a:ext cx="8507296" cy="3972950"/>
+          </a:xfrm>
+          <a:prstGeom prst="rect">
+            <a:avLst/>
+          </a:prstGeom>
+        </p:spPr>
+      </p:pic>
       <p:sp>
         <p:nvSpPr>
           <p:cNvPr id="2" name="タイトル 1"/>
@@ -12638,12 +13193,8 @@
               <a:t>（</a:t>
             </a:r>
             <a:r>
-              <a:rPr lang="en-US" altLang="ja-JP" dirty="0"/>
-              <a:t>7</a:t>
-            </a:r>
-            <a:r>
               <a:rPr lang="en-US" altLang="ja-JP" dirty="0" smtClean="0"/>
-              <a:t>/11</a:t>
+              <a:t>7/12</a:t>
             </a:r>
             <a:r>
               <a:rPr lang="ja-JP" altLang="en-US" dirty="0" smtClean="0"/>
@@ -12712,30 +13263,6 @@
           </a:p>
         </p:txBody>
       </p:sp>
-      <p:pic>
-        <p:nvPicPr>
-          <p:cNvPr id="7" name="図 6"/>
-          <p:cNvPicPr>
-            <a:picLocks noChangeAspect="1"/>
-          </p:cNvPicPr>
-          <p:nvPr/>
-        </p:nvPicPr>
-        <p:blipFill>
-          <a:blip r:embed="rId2"/>
-          <a:stretch>
-            <a:fillRect/>
-          </a:stretch>
-        </p:blipFill>
-        <p:spPr>
-          <a:xfrm>
-            <a:off x="395420" y="1709771"/>
-            <a:ext cx="5948105" cy="4112660"/>
-          </a:xfrm>
-          <a:prstGeom prst="rect">
-            <a:avLst/>
-          </a:prstGeom>
-        </p:spPr>
-      </p:pic>
       <p:sp>
         <p:nvSpPr>
           <p:cNvPr id="5" name="四角形吹き出し 4"/>
@@ -12744,13 +13271,13 @@
         </p:nvSpPr>
         <p:spPr bwMode="auto">
           <a:xfrm>
-            <a:off x="5416126" y="5688765"/>
+            <a:off x="4355970" y="5511294"/>
             <a:ext cx="3218491" cy="719868"/>
           </a:xfrm>
           <a:prstGeom prst="wedgeRectCallout">
             <a:avLst>
-              <a:gd name="adj1" fmla="val -180323"/>
-              <a:gd name="adj2" fmla="val -40723"/>
+              <a:gd name="adj1" fmla="val -157535"/>
+              <a:gd name="adj2" fmla="val -11614"/>
             </a:avLst>
           </a:prstGeom>
           <a:solidFill>
@@ -12811,8 +13338,8 @@
         </p:nvSpPr>
         <p:spPr bwMode="auto">
           <a:xfrm>
-            <a:off x="539440" y="5597808"/>
-            <a:ext cx="504070" cy="224623"/>
+            <a:off x="395420" y="5769199"/>
+            <a:ext cx="504070" cy="213547"/>
           </a:xfrm>
           <a:prstGeom prst="rect">
             <a:avLst/>
@@ -12881,7 +13408,7 @@
       </p:grpSpPr>
       <p:pic>
         <p:nvPicPr>
-          <p:cNvPr id="9" name="図 8"/>
+          <p:cNvPr id="14" name="図 13"/>
           <p:cNvPicPr>
             <a:picLocks noChangeAspect="1"/>
           </p:cNvPicPr>
@@ -12895,8 +13422,8 @@
         </p:blipFill>
         <p:spPr>
           <a:xfrm>
-            <a:off x="320285" y="1700760"/>
-            <a:ext cx="6552910" cy="3931200"/>
+            <a:off x="291807" y="2174112"/>
+            <a:ext cx="8559411" cy="3924774"/>
           </a:xfrm>
           <a:prstGeom prst="rect">
             <a:avLst/>
@@ -12951,12 +13478,8 @@
               <a:t>（</a:t>
             </a:r>
             <a:r>
-              <a:rPr lang="en-US" altLang="ja-JP" dirty="0"/>
-              <a:t>8</a:t>
-            </a:r>
-            <a:r>
               <a:rPr lang="en-US" altLang="ja-JP" dirty="0" smtClean="0"/>
-              <a:t>/11</a:t>
+              <a:t>8/12</a:t>
             </a:r>
             <a:r>
               <a:rPr lang="ja-JP" altLang="en-US" dirty="0" smtClean="0"/>
@@ -13052,8 +13575,8 @@
         </p:nvSpPr>
         <p:spPr bwMode="auto">
           <a:xfrm>
-            <a:off x="1976515" y="1919177"/>
-            <a:ext cx="3476779" cy="1143565"/>
+            <a:off x="3707880" y="2188668"/>
+            <a:ext cx="3816530" cy="1148502"/>
           </a:xfrm>
           <a:custGeom>
             <a:avLst/>
@@ -14462,6 +14985,1444 @@
               <a:gd name="connsiteY18" fmla="*/ 485241 h 1143565"/>
               <a:gd name="connsiteX19" fmla="*/ 0 w 3269168"/>
               <a:gd name="connsiteY19" fmla="*/ 0 h 1143565"/>
+              <a:gd name="connsiteX0" fmla="*/ 0 w 3269168"/>
+              <a:gd name="connsiteY0" fmla="*/ 0 h 1143565"/>
+              <a:gd name="connsiteX1" fmla="*/ 540075 w 3269168"/>
+              <a:gd name="connsiteY1" fmla="*/ 0 h 1143565"/>
+              <a:gd name="connsiteX2" fmla="*/ 540075 w 3269168"/>
+              <a:gd name="connsiteY2" fmla="*/ 0 h 1143565"/>
+              <a:gd name="connsiteX3" fmla="*/ 1350188 w 3269168"/>
+              <a:gd name="connsiteY3" fmla="*/ 0 h 1143565"/>
+              <a:gd name="connsiteX4" fmla="*/ 3240450 w 3269168"/>
+              <a:gd name="connsiteY4" fmla="*/ 0 h 1143565"/>
+              <a:gd name="connsiteX5" fmla="*/ 3231494 w 3269168"/>
+              <a:gd name="connsiteY5" fmla="*/ 475716 h 1143565"/>
+              <a:gd name="connsiteX6" fmla="*/ 3223106 w 3269168"/>
+              <a:gd name="connsiteY6" fmla="*/ 618591 h 1143565"/>
+              <a:gd name="connsiteX7" fmla="*/ 3232351 w 3269168"/>
+              <a:gd name="connsiteY7" fmla="*/ 721776 h 1143565"/>
+              <a:gd name="connsiteX8" fmla="*/ 3230925 w 3269168"/>
+              <a:gd name="connsiteY8" fmla="*/ 822316 h 1143565"/>
+              <a:gd name="connsiteX9" fmla="*/ 3052677 w 3269168"/>
+              <a:gd name="connsiteY9" fmla="*/ 835153 h 1143565"/>
+              <a:gd name="connsiteX10" fmla="*/ 3269168 w 3269168"/>
+              <a:gd name="connsiteY10" fmla="*/ 1143565 h 1143565"/>
+              <a:gd name="connsiteX11" fmla="*/ 2776578 w 3269168"/>
+              <a:gd name="connsiteY11" fmla="*/ 845663 h 1143565"/>
+              <a:gd name="connsiteX12" fmla="*/ 873938 w 3269168"/>
+              <a:gd name="connsiteY12" fmla="*/ 832826 h 1143565"/>
+              <a:gd name="connsiteX13" fmla="*/ 713154 w 3269168"/>
+              <a:gd name="connsiteY13" fmla="*/ 1131695 h 1143565"/>
+              <a:gd name="connsiteX14" fmla="*/ 541159 w 3269168"/>
+              <a:gd name="connsiteY14" fmla="*/ 840382 h 1143565"/>
+              <a:gd name="connsiteX15" fmla="*/ 0 w 3269168"/>
+              <a:gd name="connsiteY15" fmla="*/ 831841 h 1143565"/>
+              <a:gd name="connsiteX16" fmla="*/ 0 w 3269168"/>
+              <a:gd name="connsiteY16" fmla="*/ 693201 h 1143565"/>
+              <a:gd name="connsiteX17" fmla="*/ 0 w 3269168"/>
+              <a:gd name="connsiteY17" fmla="*/ 485241 h 1143565"/>
+              <a:gd name="connsiteX18" fmla="*/ 0 w 3269168"/>
+              <a:gd name="connsiteY18" fmla="*/ 485241 h 1143565"/>
+              <a:gd name="connsiteX19" fmla="*/ 0 w 3269168"/>
+              <a:gd name="connsiteY19" fmla="*/ 0 h 1143565"/>
+              <a:gd name="connsiteX0" fmla="*/ 0 w 3269168"/>
+              <a:gd name="connsiteY0" fmla="*/ 0 h 1143565"/>
+              <a:gd name="connsiteX1" fmla="*/ 540075 w 3269168"/>
+              <a:gd name="connsiteY1" fmla="*/ 0 h 1143565"/>
+              <a:gd name="connsiteX2" fmla="*/ 540075 w 3269168"/>
+              <a:gd name="connsiteY2" fmla="*/ 0 h 1143565"/>
+              <a:gd name="connsiteX3" fmla="*/ 1350188 w 3269168"/>
+              <a:gd name="connsiteY3" fmla="*/ 0 h 1143565"/>
+              <a:gd name="connsiteX4" fmla="*/ 3240450 w 3269168"/>
+              <a:gd name="connsiteY4" fmla="*/ 0 h 1143565"/>
+              <a:gd name="connsiteX5" fmla="*/ 3231494 w 3269168"/>
+              <a:gd name="connsiteY5" fmla="*/ 475716 h 1143565"/>
+              <a:gd name="connsiteX6" fmla="*/ 3223106 w 3269168"/>
+              <a:gd name="connsiteY6" fmla="*/ 618591 h 1143565"/>
+              <a:gd name="connsiteX7" fmla="*/ 3232351 w 3269168"/>
+              <a:gd name="connsiteY7" fmla="*/ 721776 h 1143565"/>
+              <a:gd name="connsiteX8" fmla="*/ 3230925 w 3269168"/>
+              <a:gd name="connsiteY8" fmla="*/ 822316 h 1143565"/>
+              <a:gd name="connsiteX9" fmla="*/ 3052677 w 3269168"/>
+              <a:gd name="connsiteY9" fmla="*/ 835153 h 1143565"/>
+              <a:gd name="connsiteX10" fmla="*/ 3269168 w 3269168"/>
+              <a:gd name="connsiteY10" fmla="*/ 1143565 h 1143565"/>
+              <a:gd name="connsiteX11" fmla="*/ 2776578 w 3269168"/>
+              <a:gd name="connsiteY11" fmla="*/ 845663 h 1143565"/>
+              <a:gd name="connsiteX12" fmla="*/ 710759 w 3269168"/>
+              <a:gd name="connsiteY12" fmla="*/ 823121 h 1143565"/>
+              <a:gd name="connsiteX13" fmla="*/ 713154 w 3269168"/>
+              <a:gd name="connsiteY13" fmla="*/ 1131695 h 1143565"/>
+              <a:gd name="connsiteX14" fmla="*/ 541159 w 3269168"/>
+              <a:gd name="connsiteY14" fmla="*/ 840382 h 1143565"/>
+              <a:gd name="connsiteX15" fmla="*/ 0 w 3269168"/>
+              <a:gd name="connsiteY15" fmla="*/ 831841 h 1143565"/>
+              <a:gd name="connsiteX16" fmla="*/ 0 w 3269168"/>
+              <a:gd name="connsiteY16" fmla="*/ 693201 h 1143565"/>
+              <a:gd name="connsiteX17" fmla="*/ 0 w 3269168"/>
+              <a:gd name="connsiteY17" fmla="*/ 485241 h 1143565"/>
+              <a:gd name="connsiteX18" fmla="*/ 0 w 3269168"/>
+              <a:gd name="connsiteY18" fmla="*/ 485241 h 1143565"/>
+              <a:gd name="connsiteX19" fmla="*/ 0 w 3269168"/>
+              <a:gd name="connsiteY19" fmla="*/ 0 h 1143565"/>
+              <a:gd name="connsiteX0" fmla="*/ 0 w 3269168"/>
+              <a:gd name="connsiteY0" fmla="*/ 0 h 1143565"/>
+              <a:gd name="connsiteX1" fmla="*/ 540075 w 3269168"/>
+              <a:gd name="connsiteY1" fmla="*/ 0 h 1143565"/>
+              <a:gd name="connsiteX2" fmla="*/ 540075 w 3269168"/>
+              <a:gd name="connsiteY2" fmla="*/ 0 h 1143565"/>
+              <a:gd name="connsiteX3" fmla="*/ 1350188 w 3269168"/>
+              <a:gd name="connsiteY3" fmla="*/ 0 h 1143565"/>
+              <a:gd name="connsiteX4" fmla="*/ 3240450 w 3269168"/>
+              <a:gd name="connsiteY4" fmla="*/ 0 h 1143565"/>
+              <a:gd name="connsiteX5" fmla="*/ 3231494 w 3269168"/>
+              <a:gd name="connsiteY5" fmla="*/ 475716 h 1143565"/>
+              <a:gd name="connsiteX6" fmla="*/ 3223106 w 3269168"/>
+              <a:gd name="connsiteY6" fmla="*/ 618591 h 1143565"/>
+              <a:gd name="connsiteX7" fmla="*/ 3232351 w 3269168"/>
+              <a:gd name="connsiteY7" fmla="*/ 721776 h 1143565"/>
+              <a:gd name="connsiteX8" fmla="*/ 3230925 w 3269168"/>
+              <a:gd name="connsiteY8" fmla="*/ 822316 h 1143565"/>
+              <a:gd name="connsiteX9" fmla="*/ 3052677 w 3269168"/>
+              <a:gd name="connsiteY9" fmla="*/ 835153 h 1143565"/>
+              <a:gd name="connsiteX10" fmla="*/ 3269168 w 3269168"/>
+              <a:gd name="connsiteY10" fmla="*/ 1143565 h 1143565"/>
+              <a:gd name="connsiteX11" fmla="*/ 2776578 w 3269168"/>
+              <a:gd name="connsiteY11" fmla="*/ 845663 h 1143565"/>
+              <a:gd name="connsiteX12" fmla="*/ 710759 w 3269168"/>
+              <a:gd name="connsiteY12" fmla="*/ 823121 h 1143565"/>
+              <a:gd name="connsiteX13" fmla="*/ 541159 w 3269168"/>
+              <a:gd name="connsiteY13" fmla="*/ 840382 h 1143565"/>
+              <a:gd name="connsiteX14" fmla="*/ 0 w 3269168"/>
+              <a:gd name="connsiteY14" fmla="*/ 831841 h 1143565"/>
+              <a:gd name="connsiteX15" fmla="*/ 0 w 3269168"/>
+              <a:gd name="connsiteY15" fmla="*/ 693201 h 1143565"/>
+              <a:gd name="connsiteX16" fmla="*/ 0 w 3269168"/>
+              <a:gd name="connsiteY16" fmla="*/ 485241 h 1143565"/>
+              <a:gd name="connsiteX17" fmla="*/ 0 w 3269168"/>
+              <a:gd name="connsiteY17" fmla="*/ 485241 h 1143565"/>
+              <a:gd name="connsiteX18" fmla="*/ 0 w 3269168"/>
+              <a:gd name="connsiteY18" fmla="*/ 0 h 1143565"/>
+              <a:gd name="connsiteX0" fmla="*/ 0 w 3269168"/>
+              <a:gd name="connsiteY0" fmla="*/ 0 h 1143565"/>
+              <a:gd name="connsiteX1" fmla="*/ 540075 w 3269168"/>
+              <a:gd name="connsiteY1" fmla="*/ 0 h 1143565"/>
+              <a:gd name="connsiteX2" fmla="*/ 540075 w 3269168"/>
+              <a:gd name="connsiteY2" fmla="*/ 0 h 1143565"/>
+              <a:gd name="connsiteX3" fmla="*/ 1350188 w 3269168"/>
+              <a:gd name="connsiteY3" fmla="*/ 0 h 1143565"/>
+              <a:gd name="connsiteX4" fmla="*/ 3240450 w 3269168"/>
+              <a:gd name="connsiteY4" fmla="*/ 0 h 1143565"/>
+              <a:gd name="connsiteX5" fmla="*/ 3231494 w 3269168"/>
+              <a:gd name="connsiteY5" fmla="*/ 475716 h 1143565"/>
+              <a:gd name="connsiteX6" fmla="*/ 3223106 w 3269168"/>
+              <a:gd name="connsiteY6" fmla="*/ 618591 h 1143565"/>
+              <a:gd name="connsiteX7" fmla="*/ 3232351 w 3269168"/>
+              <a:gd name="connsiteY7" fmla="*/ 721776 h 1143565"/>
+              <a:gd name="connsiteX8" fmla="*/ 3230925 w 3269168"/>
+              <a:gd name="connsiteY8" fmla="*/ 822316 h 1143565"/>
+              <a:gd name="connsiteX9" fmla="*/ 3052677 w 3269168"/>
+              <a:gd name="connsiteY9" fmla="*/ 835153 h 1143565"/>
+              <a:gd name="connsiteX10" fmla="*/ 3269168 w 3269168"/>
+              <a:gd name="connsiteY10" fmla="*/ 1143565 h 1143565"/>
+              <a:gd name="connsiteX11" fmla="*/ 2776578 w 3269168"/>
+              <a:gd name="connsiteY11" fmla="*/ 845663 h 1143565"/>
+              <a:gd name="connsiteX12" fmla="*/ 710759 w 3269168"/>
+              <a:gd name="connsiteY12" fmla="*/ 823121 h 1143565"/>
+              <a:gd name="connsiteX13" fmla="*/ 541159 w 3269168"/>
+              <a:gd name="connsiteY13" fmla="*/ 840382 h 1143565"/>
+              <a:gd name="connsiteX14" fmla="*/ 342363 w 3269168"/>
+              <a:gd name="connsiteY14" fmla="*/ 845039 h 1143565"/>
+              <a:gd name="connsiteX15" fmla="*/ 0 w 3269168"/>
+              <a:gd name="connsiteY15" fmla="*/ 831841 h 1143565"/>
+              <a:gd name="connsiteX16" fmla="*/ 0 w 3269168"/>
+              <a:gd name="connsiteY16" fmla="*/ 693201 h 1143565"/>
+              <a:gd name="connsiteX17" fmla="*/ 0 w 3269168"/>
+              <a:gd name="connsiteY17" fmla="*/ 485241 h 1143565"/>
+              <a:gd name="connsiteX18" fmla="*/ 0 w 3269168"/>
+              <a:gd name="connsiteY18" fmla="*/ 485241 h 1143565"/>
+              <a:gd name="connsiteX19" fmla="*/ 0 w 3269168"/>
+              <a:gd name="connsiteY19" fmla="*/ 0 h 1143565"/>
+              <a:gd name="connsiteX0" fmla="*/ 0 w 3269168"/>
+              <a:gd name="connsiteY0" fmla="*/ 0 h 1143565"/>
+              <a:gd name="connsiteX1" fmla="*/ 540075 w 3269168"/>
+              <a:gd name="connsiteY1" fmla="*/ 0 h 1143565"/>
+              <a:gd name="connsiteX2" fmla="*/ 540075 w 3269168"/>
+              <a:gd name="connsiteY2" fmla="*/ 0 h 1143565"/>
+              <a:gd name="connsiteX3" fmla="*/ 1350188 w 3269168"/>
+              <a:gd name="connsiteY3" fmla="*/ 0 h 1143565"/>
+              <a:gd name="connsiteX4" fmla="*/ 3240450 w 3269168"/>
+              <a:gd name="connsiteY4" fmla="*/ 0 h 1143565"/>
+              <a:gd name="connsiteX5" fmla="*/ 3231494 w 3269168"/>
+              <a:gd name="connsiteY5" fmla="*/ 475716 h 1143565"/>
+              <a:gd name="connsiteX6" fmla="*/ 3223106 w 3269168"/>
+              <a:gd name="connsiteY6" fmla="*/ 618591 h 1143565"/>
+              <a:gd name="connsiteX7" fmla="*/ 3232351 w 3269168"/>
+              <a:gd name="connsiteY7" fmla="*/ 721776 h 1143565"/>
+              <a:gd name="connsiteX8" fmla="*/ 3230925 w 3269168"/>
+              <a:gd name="connsiteY8" fmla="*/ 822316 h 1143565"/>
+              <a:gd name="connsiteX9" fmla="*/ 3052677 w 3269168"/>
+              <a:gd name="connsiteY9" fmla="*/ 835153 h 1143565"/>
+              <a:gd name="connsiteX10" fmla="*/ 3269168 w 3269168"/>
+              <a:gd name="connsiteY10" fmla="*/ 1143565 h 1143565"/>
+              <a:gd name="connsiteX11" fmla="*/ 2776578 w 3269168"/>
+              <a:gd name="connsiteY11" fmla="*/ 845663 h 1143565"/>
+              <a:gd name="connsiteX12" fmla="*/ 710759 w 3269168"/>
+              <a:gd name="connsiteY12" fmla="*/ 823121 h 1143565"/>
+              <a:gd name="connsiteX13" fmla="*/ 541159 w 3269168"/>
+              <a:gd name="connsiteY13" fmla="*/ 840382 h 1143565"/>
+              <a:gd name="connsiteX14" fmla="*/ 578972 w 3269168"/>
+              <a:gd name="connsiteY14" fmla="*/ 854744 h 1143565"/>
+              <a:gd name="connsiteX15" fmla="*/ 342363 w 3269168"/>
+              <a:gd name="connsiteY15" fmla="*/ 845039 h 1143565"/>
+              <a:gd name="connsiteX16" fmla="*/ 0 w 3269168"/>
+              <a:gd name="connsiteY16" fmla="*/ 831841 h 1143565"/>
+              <a:gd name="connsiteX17" fmla="*/ 0 w 3269168"/>
+              <a:gd name="connsiteY17" fmla="*/ 693201 h 1143565"/>
+              <a:gd name="connsiteX18" fmla="*/ 0 w 3269168"/>
+              <a:gd name="connsiteY18" fmla="*/ 485241 h 1143565"/>
+              <a:gd name="connsiteX19" fmla="*/ 0 w 3269168"/>
+              <a:gd name="connsiteY19" fmla="*/ 485241 h 1143565"/>
+              <a:gd name="connsiteX20" fmla="*/ 0 w 3269168"/>
+              <a:gd name="connsiteY20" fmla="*/ 0 h 1143565"/>
+              <a:gd name="connsiteX0" fmla="*/ 0 w 3269168"/>
+              <a:gd name="connsiteY0" fmla="*/ 0 h 1145898"/>
+              <a:gd name="connsiteX1" fmla="*/ 540075 w 3269168"/>
+              <a:gd name="connsiteY1" fmla="*/ 0 h 1145898"/>
+              <a:gd name="connsiteX2" fmla="*/ 540075 w 3269168"/>
+              <a:gd name="connsiteY2" fmla="*/ 0 h 1145898"/>
+              <a:gd name="connsiteX3" fmla="*/ 1350188 w 3269168"/>
+              <a:gd name="connsiteY3" fmla="*/ 0 h 1145898"/>
+              <a:gd name="connsiteX4" fmla="*/ 3240450 w 3269168"/>
+              <a:gd name="connsiteY4" fmla="*/ 0 h 1145898"/>
+              <a:gd name="connsiteX5" fmla="*/ 3231494 w 3269168"/>
+              <a:gd name="connsiteY5" fmla="*/ 475716 h 1145898"/>
+              <a:gd name="connsiteX6" fmla="*/ 3223106 w 3269168"/>
+              <a:gd name="connsiteY6" fmla="*/ 618591 h 1145898"/>
+              <a:gd name="connsiteX7" fmla="*/ 3232351 w 3269168"/>
+              <a:gd name="connsiteY7" fmla="*/ 721776 h 1145898"/>
+              <a:gd name="connsiteX8" fmla="*/ 3230925 w 3269168"/>
+              <a:gd name="connsiteY8" fmla="*/ 822316 h 1145898"/>
+              <a:gd name="connsiteX9" fmla="*/ 3052677 w 3269168"/>
+              <a:gd name="connsiteY9" fmla="*/ 835153 h 1145898"/>
+              <a:gd name="connsiteX10" fmla="*/ 3269168 w 3269168"/>
+              <a:gd name="connsiteY10" fmla="*/ 1143565 h 1145898"/>
+              <a:gd name="connsiteX11" fmla="*/ 2776578 w 3269168"/>
+              <a:gd name="connsiteY11" fmla="*/ 845663 h 1145898"/>
+              <a:gd name="connsiteX12" fmla="*/ 710759 w 3269168"/>
+              <a:gd name="connsiteY12" fmla="*/ 823121 h 1145898"/>
+              <a:gd name="connsiteX13" fmla="*/ 541159 w 3269168"/>
+              <a:gd name="connsiteY13" fmla="*/ 840382 h 1145898"/>
+              <a:gd name="connsiteX14" fmla="*/ 342363 w 3269168"/>
+              <a:gd name="connsiteY14" fmla="*/ 1145898 h 1145898"/>
+              <a:gd name="connsiteX15" fmla="*/ 342363 w 3269168"/>
+              <a:gd name="connsiteY15" fmla="*/ 845039 h 1145898"/>
+              <a:gd name="connsiteX16" fmla="*/ 0 w 3269168"/>
+              <a:gd name="connsiteY16" fmla="*/ 831841 h 1145898"/>
+              <a:gd name="connsiteX17" fmla="*/ 0 w 3269168"/>
+              <a:gd name="connsiteY17" fmla="*/ 693201 h 1145898"/>
+              <a:gd name="connsiteX18" fmla="*/ 0 w 3269168"/>
+              <a:gd name="connsiteY18" fmla="*/ 485241 h 1145898"/>
+              <a:gd name="connsiteX19" fmla="*/ 0 w 3269168"/>
+              <a:gd name="connsiteY19" fmla="*/ 485241 h 1145898"/>
+              <a:gd name="connsiteX20" fmla="*/ 0 w 3269168"/>
+              <a:gd name="connsiteY20" fmla="*/ 0 h 1145898"/>
+              <a:gd name="connsiteX0" fmla="*/ 0 w 3269168"/>
+              <a:gd name="connsiteY0" fmla="*/ 0 h 1145898"/>
+              <a:gd name="connsiteX1" fmla="*/ 540075 w 3269168"/>
+              <a:gd name="connsiteY1" fmla="*/ 0 h 1145898"/>
+              <a:gd name="connsiteX2" fmla="*/ 540075 w 3269168"/>
+              <a:gd name="connsiteY2" fmla="*/ 0 h 1145898"/>
+              <a:gd name="connsiteX3" fmla="*/ 1350188 w 3269168"/>
+              <a:gd name="connsiteY3" fmla="*/ 0 h 1145898"/>
+              <a:gd name="connsiteX4" fmla="*/ 3240450 w 3269168"/>
+              <a:gd name="connsiteY4" fmla="*/ 0 h 1145898"/>
+              <a:gd name="connsiteX5" fmla="*/ 3231494 w 3269168"/>
+              <a:gd name="connsiteY5" fmla="*/ 475716 h 1145898"/>
+              <a:gd name="connsiteX6" fmla="*/ 3223106 w 3269168"/>
+              <a:gd name="connsiteY6" fmla="*/ 618591 h 1145898"/>
+              <a:gd name="connsiteX7" fmla="*/ 3232351 w 3269168"/>
+              <a:gd name="connsiteY7" fmla="*/ 721776 h 1145898"/>
+              <a:gd name="connsiteX8" fmla="*/ 3230925 w 3269168"/>
+              <a:gd name="connsiteY8" fmla="*/ 822316 h 1145898"/>
+              <a:gd name="connsiteX9" fmla="*/ 3052677 w 3269168"/>
+              <a:gd name="connsiteY9" fmla="*/ 835153 h 1145898"/>
+              <a:gd name="connsiteX10" fmla="*/ 3269168 w 3269168"/>
+              <a:gd name="connsiteY10" fmla="*/ 1143565 h 1145898"/>
+              <a:gd name="connsiteX11" fmla="*/ 2776578 w 3269168"/>
+              <a:gd name="connsiteY11" fmla="*/ 845663 h 1145898"/>
+              <a:gd name="connsiteX12" fmla="*/ 710759 w 3269168"/>
+              <a:gd name="connsiteY12" fmla="*/ 823121 h 1145898"/>
+              <a:gd name="connsiteX13" fmla="*/ 342363 w 3269168"/>
+              <a:gd name="connsiteY13" fmla="*/ 1145898 h 1145898"/>
+              <a:gd name="connsiteX14" fmla="*/ 342363 w 3269168"/>
+              <a:gd name="connsiteY14" fmla="*/ 845039 h 1145898"/>
+              <a:gd name="connsiteX15" fmla="*/ 0 w 3269168"/>
+              <a:gd name="connsiteY15" fmla="*/ 831841 h 1145898"/>
+              <a:gd name="connsiteX16" fmla="*/ 0 w 3269168"/>
+              <a:gd name="connsiteY16" fmla="*/ 693201 h 1145898"/>
+              <a:gd name="connsiteX17" fmla="*/ 0 w 3269168"/>
+              <a:gd name="connsiteY17" fmla="*/ 485241 h 1145898"/>
+              <a:gd name="connsiteX18" fmla="*/ 0 w 3269168"/>
+              <a:gd name="connsiteY18" fmla="*/ 485241 h 1145898"/>
+              <a:gd name="connsiteX19" fmla="*/ 0 w 3269168"/>
+              <a:gd name="connsiteY19" fmla="*/ 0 h 1145898"/>
+              <a:gd name="connsiteX0" fmla="*/ 0 w 3269168"/>
+              <a:gd name="connsiteY0" fmla="*/ 0 h 1145906"/>
+              <a:gd name="connsiteX1" fmla="*/ 540075 w 3269168"/>
+              <a:gd name="connsiteY1" fmla="*/ 0 h 1145906"/>
+              <a:gd name="connsiteX2" fmla="*/ 540075 w 3269168"/>
+              <a:gd name="connsiteY2" fmla="*/ 0 h 1145906"/>
+              <a:gd name="connsiteX3" fmla="*/ 1350188 w 3269168"/>
+              <a:gd name="connsiteY3" fmla="*/ 0 h 1145906"/>
+              <a:gd name="connsiteX4" fmla="*/ 3240450 w 3269168"/>
+              <a:gd name="connsiteY4" fmla="*/ 0 h 1145906"/>
+              <a:gd name="connsiteX5" fmla="*/ 3231494 w 3269168"/>
+              <a:gd name="connsiteY5" fmla="*/ 475716 h 1145906"/>
+              <a:gd name="connsiteX6" fmla="*/ 3223106 w 3269168"/>
+              <a:gd name="connsiteY6" fmla="*/ 618591 h 1145906"/>
+              <a:gd name="connsiteX7" fmla="*/ 3232351 w 3269168"/>
+              <a:gd name="connsiteY7" fmla="*/ 721776 h 1145906"/>
+              <a:gd name="connsiteX8" fmla="*/ 3230925 w 3269168"/>
+              <a:gd name="connsiteY8" fmla="*/ 822316 h 1145906"/>
+              <a:gd name="connsiteX9" fmla="*/ 3052677 w 3269168"/>
+              <a:gd name="connsiteY9" fmla="*/ 835153 h 1145906"/>
+              <a:gd name="connsiteX10" fmla="*/ 3269168 w 3269168"/>
+              <a:gd name="connsiteY10" fmla="*/ 1143565 h 1145906"/>
+              <a:gd name="connsiteX11" fmla="*/ 2776578 w 3269168"/>
+              <a:gd name="connsiteY11" fmla="*/ 845663 h 1145906"/>
+              <a:gd name="connsiteX12" fmla="*/ 710759 w 3269168"/>
+              <a:gd name="connsiteY12" fmla="*/ 823121 h 1145906"/>
+              <a:gd name="connsiteX13" fmla="*/ 554495 w 3269168"/>
+              <a:gd name="connsiteY13" fmla="*/ 854744 h 1145906"/>
+              <a:gd name="connsiteX14" fmla="*/ 342363 w 3269168"/>
+              <a:gd name="connsiteY14" fmla="*/ 1145898 h 1145906"/>
+              <a:gd name="connsiteX15" fmla="*/ 342363 w 3269168"/>
+              <a:gd name="connsiteY15" fmla="*/ 845039 h 1145906"/>
+              <a:gd name="connsiteX16" fmla="*/ 0 w 3269168"/>
+              <a:gd name="connsiteY16" fmla="*/ 831841 h 1145906"/>
+              <a:gd name="connsiteX17" fmla="*/ 0 w 3269168"/>
+              <a:gd name="connsiteY17" fmla="*/ 693201 h 1145906"/>
+              <a:gd name="connsiteX18" fmla="*/ 0 w 3269168"/>
+              <a:gd name="connsiteY18" fmla="*/ 485241 h 1145906"/>
+              <a:gd name="connsiteX19" fmla="*/ 0 w 3269168"/>
+              <a:gd name="connsiteY19" fmla="*/ 485241 h 1145906"/>
+              <a:gd name="connsiteX20" fmla="*/ 0 w 3269168"/>
+              <a:gd name="connsiteY20" fmla="*/ 0 h 1145906"/>
+              <a:gd name="connsiteX0" fmla="*/ 0 w 3269168"/>
+              <a:gd name="connsiteY0" fmla="*/ 0 h 1145905"/>
+              <a:gd name="connsiteX1" fmla="*/ 540075 w 3269168"/>
+              <a:gd name="connsiteY1" fmla="*/ 0 h 1145905"/>
+              <a:gd name="connsiteX2" fmla="*/ 540075 w 3269168"/>
+              <a:gd name="connsiteY2" fmla="*/ 0 h 1145905"/>
+              <a:gd name="connsiteX3" fmla="*/ 1350188 w 3269168"/>
+              <a:gd name="connsiteY3" fmla="*/ 0 h 1145905"/>
+              <a:gd name="connsiteX4" fmla="*/ 3240450 w 3269168"/>
+              <a:gd name="connsiteY4" fmla="*/ 0 h 1145905"/>
+              <a:gd name="connsiteX5" fmla="*/ 3231494 w 3269168"/>
+              <a:gd name="connsiteY5" fmla="*/ 475716 h 1145905"/>
+              <a:gd name="connsiteX6" fmla="*/ 3223106 w 3269168"/>
+              <a:gd name="connsiteY6" fmla="*/ 618591 h 1145905"/>
+              <a:gd name="connsiteX7" fmla="*/ 3232351 w 3269168"/>
+              <a:gd name="connsiteY7" fmla="*/ 721776 h 1145905"/>
+              <a:gd name="connsiteX8" fmla="*/ 3230925 w 3269168"/>
+              <a:gd name="connsiteY8" fmla="*/ 822316 h 1145905"/>
+              <a:gd name="connsiteX9" fmla="*/ 3052677 w 3269168"/>
+              <a:gd name="connsiteY9" fmla="*/ 835153 h 1145905"/>
+              <a:gd name="connsiteX10" fmla="*/ 3269168 w 3269168"/>
+              <a:gd name="connsiteY10" fmla="*/ 1143565 h 1145905"/>
+              <a:gd name="connsiteX11" fmla="*/ 2776578 w 3269168"/>
+              <a:gd name="connsiteY11" fmla="*/ 845663 h 1145905"/>
+              <a:gd name="connsiteX12" fmla="*/ 710759 w 3269168"/>
+              <a:gd name="connsiteY12" fmla="*/ 823121 h 1145905"/>
+              <a:gd name="connsiteX13" fmla="*/ 570813 w 3269168"/>
+              <a:gd name="connsiteY13" fmla="*/ 845039 h 1145905"/>
+              <a:gd name="connsiteX14" fmla="*/ 342363 w 3269168"/>
+              <a:gd name="connsiteY14" fmla="*/ 1145898 h 1145905"/>
+              <a:gd name="connsiteX15" fmla="*/ 342363 w 3269168"/>
+              <a:gd name="connsiteY15" fmla="*/ 845039 h 1145905"/>
+              <a:gd name="connsiteX16" fmla="*/ 0 w 3269168"/>
+              <a:gd name="connsiteY16" fmla="*/ 831841 h 1145905"/>
+              <a:gd name="connsiteX17" fmla="*/ 0 w 3269168"/>
+              <a:gd name="connsiteY17" fmla="*/ 693201 h 1145905"/>
+              <a:gd name="connsiteX18" fmla="*/ 0 w 3269168"/>
+              <a:gd name="connsiteY18" fmla="*/ 485241 h 1145905"/>
+              <a:gd name="connsiteX19" fmla="*/ 0 w 3269168"/>
+              <a:gd name="connsiteY19" fmla="*/ 485241 h 1145905"/>
+              <a:gd name="connsiteX20" fmla="*/ 0 w 3269168"/>
+              <a:gd name="connsiteY20" fmla="*/ 0 h 1145905"/>
+              <a:gd name="connsiteX0" fmla="*/ 0 w 3269168"/>
+              <a:gd name="connsiteY0" fmla="*/ 0 h 1145904"/>
+              <a:gd name="connsiteX1" fmla="*/ 540075 w 3269168"/>
+              <a:gd name="connsiteY1" fmla="*/ 0 h 1145904"/>
+              <a:gd name="connsiteX2" fmla="*/ 540075 w 3269168"/>
+              <a:gd name="connsiteY2" fmla="*/ 0 h 1145904"/>
+              <a:gd name="connsiteX3" fmla="*/ 1350188 w 3269168"/>
+              <a:gd name="connsiteY3" fmla="*/ 0 h 1145904"/>
+              <a:gd name="connsiteX4" fmla="*/ 3240450 w 3269168"/>
+              <a:gd name="connsiteY4" fmla="*/ 0 h 1145904"/>
+              <a:gd name="connsiteX5" fmla="*/ 3231494 w 3269168"/>
+              <a:gd name="connsiteY5" fmla="*/ 475716 h 1145904"/>
+              <a:gd name="connsiteX6" fmla="*/ 3223106 w 3269168"/>
+              <a:gd name="connsiteY6" fmla="*/ 618591 h 1145904"/>
+              <a:gd name="connsiteX7" fmla="*/ 3232351 w 3269168"/>
+              <a:gd name="connsiteY7" fmla="*/ 721776 h 1145904"/>
+              <a:gd name="connsiteX8" fmla="*/ 3230925 w 3269168"/>
+              <a:gd name="connsiteY8" fmla="*/ 822316 h 1145904"/>
+              <a:gd name="connsiteX9" fmla="*/ 3052677 w 3269168"/>
+              <a:gd name="connsiteY9" fmla="*/ 835153 h 1145904"/>
+              <a:gd name="connsiteX10" fmla="*/ 3269168 w 3269168"/>
+              <a:gd name="connsiteY10" fmla="*/ 1143565 h 1145904"/>
+              <a:gd name="connsiteX11" fmla="*/ 2776578 w 3269168"/>
+              <a:gd name="connsiteY11" fmla="*/ 845663 h 1145904"/>
+              <a:gd name="connsiteX12" fmla="*/ 710759 w 3269168"/>
+              <a:gd name="connsiteY12" fmla="*/ 823121 h 1145904"/>
+              <a:gd name="connsiteX13" fmla="*/ 570813 w 3269168"/>
+              <a:gd name="connsiteY13" fmla="*/ 806218 h 1145904"/>
+              <a:gd name="connsiteX14" fmla="*/ 342363 w 3269168"/>
+              <a:gd name="connsiteY14" fmla="*/ 1145898 h 1145904"/>
+              <a:gd name="connsiteX15" fmla="*/ 342363 w 3269168"/>
+              <a:gd name="connsiteY15" fmla="*/ 845039 h 1145904"/>
+              <a:gd name="connsiteX16" fmla="*/ 0 w 3269168"/>
+              <a:gd name="connsiteY16" fmla="*/ 831841 h 1145904"/>
+              <a:gd name="connsiteX17" fmla="*/ 0 w 3269168"/>
+              <a:gd name="connsiteY17" fmla="*/ 693201 h 1145904"/>
+              <a:gd name="connsiteX18" fmla="*/ 0 w 3269168"/>
+              <a:gd name="connsiteY18" fmla="*/ 485241 h 1145904"/>
+              <a:gd name="connsiteX19" fmla="*/ 0 w 3269168"/>
+              <a:gd name="connsiteY19" fmla="*/ 485241 h 1145904"/>
+              <a:gd name="connsiteX20" fmla="*/ 0 w 3269168"/>
+              <a:gd name="connsiteY20" fmla="*/ 0 h 1145904"/>
+              <a:gd name="connsiteX0" fmla="*/ 0 w 3269168"/>
+              <a:gd name="connsiteY0" fmla="*/ 0 h 1145905"/>
+              <a:gd name="connsiteX1" fmla="*/ 540075 w 3269168"/>
+              <a:gd name="connsiteY1" fmla="*/ 0 h 1145905"/>
+              <a:gd name="connsiteX2" fmla="*/ 540075 w 3269168"/>
+              <a:gd name="connsiteY2" fmla="*/ 0 h 1145905"/>
+              <a:gd name="connsiteX3" fmla="*/ 1350188 w 3269168"/>
+              <a:gd name="connsiteY3" fmla="*/ 0 h 1145905"/>
+              <a:gd name="connsiteX4" fmla="*/ 3240450 w 3269168"/>
+              <a:gd name="connsiteY4" fmla="*/ 0 h 1145905"/>
+              <a:gd name="connsiteX5" fmla="*/ 3231494 w 3269168"/>
+              <a:gd name="connsiteY5" fmla="*/ 475716 h 1145905"/>
+              <a:gd name="connsiteX6" fmla="*/ 3223106 w 3269168"/>
+              <a:gd name="connsiteY6" fmla="*/ 618591 h 1145905"/>
+              <a:gd name="connsiteX7" fmla="*/ 3232351 w 3269168"/>
+              <a:gd name="connsiteY7" fmla="*/ 721776 h 1145905"/>
+              <a:gd name="connsiteX8" fmla="*/ 3230925 w 3269168"/>
+              <a:gd name="connsiteY8" fmla="*/ 822316 h 1145905"/>
+              <a:gd name="connsiteX9" fmla="*/ 3052677 w 3269168"/>
+              <a:gd name="connsiteY9" fmla="*/ 835153 h 1145905"/>
+              <a:gd name="connsiteX10" fmla="*/ 3269168 w 3269168"/>
+              <a:gd name="connsiteY10" fmla="*/ 1143565 h 1145905"/>
+              <a:gd name="connsiteX11" fmla="*/ 2776578 w 3269168"/>
+              <a:gd name="connsiteY11" fmla="*/ 845663 h 1145905"/>
+              <a:gd name="connsiteX12" fmla="*/ 710759 w 3269168"/>
+              <a:gd name="connsiteY12" fmla="*/ 823121 h 1145905"/>
+              <a:gd name="connsiteX13" fmla="*/ 578972 w 3269168"/>
+              <a:gd name="connsiteY13" fmla="*/ 825628 h 1145905"/>
+              <a:gd name="connsiteX14" fmla="*/ 342363 w 3269168"/>
+              <a:gd name="connsiteY14" fmla="*/ 1145898 h 1145905"/>
+              <a:gd name="connsiteX15" fmla="*/ 342363 w 3269168"/>
+              <a:gd name="connsiteY15" fmla="*/ 845039 h 1145905"/>
+              <a:gd name="connsiteX16" fmla="*/ 0 w 3269168"/>
+              <a:gd name="connsiteY16" fmla="*/ 831841 h 1145905"/>
+              <a:gd name="connsiteX17" fmla="*/ 0 w 3269168"/>
+              <a:gd name="connsiteY17" fmla="*/ 693201 h 1145905"/>
+              <a:gd name="connsiteX18" fmla="*/ 0 w 3269168"/>
+              <a:gd name="connsiteY18" fmla="*/ 485241 h 1145905"/>
+              <a:gd name="connsiteX19" fmla="*/ 0 w 3269168"/>
+              <a:gd name="connsiteY19" fmla="*/ 485241 h 1145905"/>
+              <a:gd name="connsiteX20" fmla="*/ 0 w 3269168"/>
+              <a:gd name="connsiteY20" fmla="*/ 0 h 1145905"/>
+              <a:gd name="connsiteX0" fmla="*/ 0 w 3269168"/>
+              <a:gd name="connsiteY0" fmla="*/ 0 h 1145898"/>
+              <a:gd name="connsiteX1" fmla="*/ 540075 w 3269168"/>
+              <a:gd name="connsiteY1" fmla="*/ 0 h 1145898"/>
+              <a:gd name="connsiteX2" fmla="*/ 540075 w 3269168"/>
+              <a:gd name="connsiteY2" fmla="*/ 0 h 1145898"/>
+              <a:gd name="connsiteX3" fmla="*/ 1350188 w 3269168"/>
+              <a:gd name="connsiteY3" fmla="*/ 0 h 1145898"/>
+              <a:gd name="connsiteX4" fmla="*/ 3240450 w 3269168"/>
+              <a:gd name="connsiteY4" fmla="*/ 0 h 1145898"/>
+              <a:gd name="connsiteX5" fmla="*/ 3231494 w 3269168"/>
+              <a:gd name="connsiteY5" fmla="*/ 475716 h 1145898"/>
+              <a:gd name="connsiteX6" fmla="*/ 3223106 w 3269168"/>
+              <a:gd name="connsiteY6" fmla="*/ 618591 h 1145898"/>
+              <a:gd name="connsiteX7" fmla="*/ 3232351 w 3269168"/>
+              <a:gd name="connsiteY7" fmla="*/ 721776 h 1145898"/>
+              <a:gd name="connsiteX8" fmla="*/ 3230925 w 3269168"/>
+              <a:gd name="connsiteY8" fmla="*/ 822316 h 1145898"/>
+              <a:gd name="connsiteX9" fmla="*/ 3052677 w 3269168"/>
+              <a:gd name="connsiteY9" fmla="*/ 835153 h 1145898"/>
+              <a:gd name="connsiteX10" fmla="*/ 3269168 w 3269168"/>
+              <a:gd name="connsiteY10" fmla="*/ 1143565 h 1145898"/>
+              <a:gd name="connsiteX11" fmla="*/ 2776578 w 3269168"/>
+              <a:gd name="connsiteY11" fmla="*/ 845663 h 1145898"/>
+              <a:gd name="connsiteX12" fmla="*/ 710759 w 3269168"/>
+              <a:gd name="connsiteY12" fmla="*/ 823121 h 1145898"/>
+              <a:gd name="connsiteX13" fmla="*/ 342363 w 3269168"/>
+              <a:gd name="connsiteY13" fmla="*/ 1145898 h 1145898"/>
+              <a:gd name="connsiteX14" fmla="*/ 342363 w 3269168"/>
+              <a:gd name="connsiteY14" fmla="*/ 845039 h 1145898"/>
+              <a:gd name="connsiteX15" fmla="*/ 0 w 3269168"/>
+              <a:gd name="connsiteY15" fmla="*/ 831841 h 1145898"/>
+              <a:gd name="connsiteX16" fmla="*/ 0 w 3269168"/>
+              <a:gd name="connsiteY16" fmla="*/ 693201 h 1145898"/>
+              <a:gd name="connsiteX17" fmla="*/ 0 w 3269168"/>
+              <a:gd name="connsiteY17" fmla="*/ 485241 h 1145898"/>
+              <a:gd name="connsiteX18" fmla="*/ 0 w 3269168"/>
+              <a:gd name="connsiteY18" fmla="*/ 485241 h 1145898"/>
+              <a:gd name="connsiteX19" fmla="*/ 0 w 3269168"/>
+              <a:gd name="connsiteY19" fmla="*/ 0 h 1145898"/>
+              <a:gd name="connsiteX0" fmla="*/ 0 w 3269168"/>
+              <a:gd name="connsiteY0" fmla="*/ 0 h 1145898"/>
+              <a:gd name="connsiteX1" fmla="*/ 540075 w 3269168"/>
+              <a:gd name="connsiteY1" fmla="*/ 0 h 1145898"/>
+              <a:gd name="connsiteX2" fmla="*/ 540075 w 3269168"/>
+              <a:gd name="connsiteY2" fmla="*/ 0 h 1145898"/>
+              <a:gd name="connsiteX3" fmla="*/ 1350188 w 3269168"/>
+              <a:gd name="connsiteY3" fmla="*/ 0 h 1145898"/>
+              <a:gd name="connsiteX4" fmla="*/ 3240450 w 3269168"/>
+              <a:gd name="connsiteY4" fmla="*/ 0 h 1145898"/>
+              <a:gd name="connsiteX5" fmla="*/ 3231494 w 3269168"/>
+              <a:gd name="connsiteY5" fmla="*/ 475716 h 1145898"/>
+              <a:gd name="connsiteX6" fmla="*/ 3223106 w 3269168"/>
+              <a:gd name="connsiteY6" fmla="*/ 618591 h 1145898"/>
+              <a:gd name="connsiteX7" fmla="*/ 3232351 w 3269168"/>
+              <a:gd name="connsiteY7" fmla="*/ 721776 h 1145898"/>
+              <a:gd name="connsiteX8" fmla="*/ 3230925 w 3269168"/>
+              <a:gd name="connsiteY8" fmla="*/ 822316 h 1145898"/>
+              <a:gd name="connsiteX9" fmla="*/ 3052677 w 3269168"/>
+              <a:gd name="connsiteY9" fmla="*/ 835153 h 1145898"/>
+              <a:gd name="connsiteX10" fmla="*/ 3269168 w 3269168"/>
+              <a:gd name="connsiteY10" fmla="*/ 1143565 h 1145898"/>
+              <a:gd name="connsiteX11" fmla="*/ 2776578 w 3269168"/>
+              <a:gd name="connsiteY11" fmla="*/ 845663 h 1145898"/>
+              <a:gd name="connsiteX12" fmla="*/ 710759 w 3269168"/>
+              <a:gd name="connsiteY12" fmla="*/ 823121 h 1145898"/>
+              <a:gd name="connsiteX13" fmla="*/ 538177 w 3269168"/>
+              <a:gd name="connsiteY13" fmla="*/ 845040 h 1145898"/>
+              <a:gd name="connsiteX14" fmla="*/ 342363 w 3269168"/>
+              <a:gd name="connsiteY14" fmla="*/ 1145898 h 1145898"/>
+              <a:gd name="connsiteX15" fmla="*/ 342363 w 3269168"/>
+              <a:gd name="connsiteY15" fmla="*/ 845039 h 1145898"/>
+              <a:gd name="connsiteX16" fmla="*/ 0 w 3269168"/>
+              <a:gd name="connsiteY16" fmla="*/ 831841 h 1145898"/>
+              <a:gd name="connsiteX17" fmla="*/ 0 w 3269168"/>
+              <a:gd name="connsiteY17" fmla="*/ 693201 h 1145898"/>
+              <a:gd name="connsiteX18" fmla="*/ 0 w 3269168"/>
+              <a:gd name="connsiteY18" fmla="*/ 485241 h 1145898"/>
+              <a:gd name="connsiteX19" fmla="*/ 0 w 3269168"/>
+              <a:gd name="connsiteY19" fmla="*/ 485241 h 1145898"/>
+              <a:gd name="connsiteX20" fmla="*/ 0 w 3269168"/>
+              <a:gd name="connsiteY20" fmla="*/ 0 h 1145898"/>
+              <a:gd name="connsiteX0" fmla="*/ 0 w 3269168"/>
+              <a:gd name="connsiteY0" fmla="*/ 0 h 1145898"/>
+              <a:gd name="connsiteX1" fmla="*/ 540075 w 3269168"/>
+              <a:gd name="connsiteY1" fmla="*/ 0 h 1145898"/>
+              <a:gd name="connsiteX2" fmla="*/ 540075 w 3269168"/>
+              <a:gd name="connsiteY2" fmla="*/ 0 h 1145898"/>
+              <a:gd name="connsiteX3" fmla="*/ 1350188 w 3269168"/>
+              <a:gd name="connsiteY3" fmla="*/ 0 h 1145898"/>
+              <a:gd name="connsiteX4" fmla="*/ 3240450 w 3269168"/>
+              <a:gd name="connsiteY4" fmla="*/ 0 h 1145898"/>
+              <a:gd name="connsiteX5" fmla="*/ 3231494 w 3269168"/>
+              <a:gd name="connsiteY5" fmla="*/ 475716 h 1145898"/>
+              <a:gd name="connsiteX6" fmla="*/ 3223106 w 3269168"/>
+              <a:gd name="connsiteY6" fmla="*/ 618591 h 1145898"/>
+              <a:gd name="connsiteX7" fmla="*/ 3232351 w 3269168"/>
+              <a:gd name="connsiteY7" fmla="*/ 721776 h 1145898"/>
+              <a:gd name="connsiteX8" fmla="*/ 3230925 w 3269168"/>
+              <a:gd name="connsiteY8" fmla="*/ 822316 h 1145898"/>
+              <a:gd name="connsiteX9" fmla="*/ 3052677 w 3269168"/>
+              <a:gd name="connsiteY9" fmla="*/ 835153 h 1145898"/>
+              <a:gd name="connsiteX10" fmla="*/ 3269168 w 3269168"/>
+              <a:gd name="connsiteY10" fmla="*/ 1143565 h 1145898"/>
+              <a:gd name="connsiteX11" fmla="*/ 2776578 w 3269168"/>
+              <a:gd name="connsiteY11" fmla="*/ 845663 h 1145898"/>
+              <a:gd name="connsiteX12" fmla="*/ 710759 w 3269168"/>
+              <a:gd name="connsiteY12" fmla="*/ 823121 h 1145898"/>
+              <a:gd name="connsiteX13" fmla="*/ 570813 w 3269168"/>
+              <a:gd name="connsiteY13" fmla="*/ 845040 h 1145898"/>
+              <a:gd name="connsiteX14" fmla="*/ 342363 w 3269168"/>
+              <a:gd name="connsiteY14" fmla="*/ 1145898 h 1145898"/>
+              <a:gd name="connsiteX15" fmla="*/ 342363 w 3269168"/>
+              <a:gd name="connsiteY15" fmla="*/ 845039 h 1145898"/>
+              <a:gd name="connsiteX16" fmla="*/ 0 w 3269168"/>
+              <a:gd name="connsiteY16" fmla="*/ 831841 h 1145898"/>
+              <a:gd name="connsiteX17" fmla="*/ 0 w 3269168"/>
+              <a:gd name="connsiteY17" fmla="*/ 693201 h 1145898"/>
+              <a:gd name="connsiteX18" fmla="*/ 0 w 3269168"/>
+              <a:gd name="connsiteY18" fmla="*/ 485241 h 1145898"/>
+              <a:gd name="connsiteX19" fmla="*/ 0 w 3269168"/>
+              <a:gd name="connsiteY19" fmla="*/ 485241 h 1145898"/>
+              <a:gd name="connsiteX20" fmla="*/ 0 w 3269168"/>
+              <a:gd name="connsiteY20" fmla="*/ 0 h 1145898"/>
+              <a:gd name="connsiteX0" fmla="*/ 0 w 3269168"/>
+              <a:gd name="connsiteY0" fmla="*/ 0 h 1145898"/>
+              <a:gd name="connsiteX1" fmla="*/ 540075 w 3269168"/>
+              <a:gd name="connsiteY1" fmla="*/ 0 h 1145898"/>
+              <a:gd name="connsiteX2" fmla="*/ 540075 w 3269168"/>
+              <a:gd name="connsiteY2" fmla="*/ 0 h 1145898"/>
+              <a:gd name="connsiteX3" fmla="*/ 1350188 w 3269168"/>
+              <a:gd name="connsiteY3" fmla="*/ 0 h 1145898"/>
+              <a:gd name="connsiteX4" fmla="*/ 3240450 w 3269168"/>
+              <a:gd name="connsiteY4" fmla="*/ 0 h 1145898"/>
+              <a:gd name="connsiteX5" fmla="*/ 3231494 w 3269168"/>
+              <a:gd name="connsiteY5" fmla="*/ 475716 h 1145898"/>
+              <a:gd name="connsiteX6" fmla="*/ 3223106 w 3269168"/>
+              <a:gd name="connsiteY6" fmla="*/ 618591 h 1145898"/>
+              <a:gd name="connsiteX7" fmla="*/ 3232351 w 3269168"/>
+              <a:gd name="connsiteY7" fmla="*/ 721776 h 1145898"/>
+              <a:gd name="connsiteX8" fmla="*/ 3230925 w 3269168"/>
+              <a:gd name="connsiteY8" fmla="*/ 822316 h 1145898"/>
+              <a:gd name="connsiteX9" fmla="*/ 3052677 w 3269168"/>
+              <a:gd name="connsiteY9" fmla="*/ 835153 h 1145898"/>
+              <a:gd name="connsiteX10" fmla="*/ 3269168 w 3269168"/>
+              <a:gd name="connsiteY10" fmla="*/ 1143565 h 1145898"/>
+              <a:gd name="connsiteX11" fmla="*/ 2776578 w 3269168"/>
+              <a:gd name="connsiteY11" fmla="*/ 845663 h 1145898"/>
+              <a:gd name="connsiteX12" fmla="*/ 710759 w 3269168"/>
+              <a:gd name="connsiteY12" fmla="*/ 823121 h 1145898"/>
+              <a:gd name="connsiteX13" fmla="*/ 505541 w 3269168"/>
+              <a:gd name="connsiteY13" fmla="*/ 845040 h 1145898"/>
+              <a:gd name="connsiteX14" fmla="*/ 342363 w 3269168"/>
+              <a:gd name="connsiteY14" fmla="*/ 1145898 h 1145898"/>
+              <a:gd name="connsiteX15" fmla="*/ 342363 w 3269168"/>
+              <a:gd name="connsiteY15" fmla="*/ 845039 h 1145898"/>
+              <a:gd name="connsiteX16" fmla="*/ 0 w 3269168"/>
+              <a:gd name="connsiteY16" fmla="*/ 831841 h 1145898"/>
+              <a:gd name="connsiteX17" fmla="*/ 0 w 3269168"/>
+              <a:gd name="connsiteY17" fmla="*/ 693201 h 1145898"/>
+              <a:gd name="connsiteX18" fmla="*/ 0 w 3269168"/>
+              <a:gd name="connsiteY18" fmla="*/ 485241 h 1145898"/>
+              <a:gd name="connsiteX19" fmla="*/ 0 w 3269168"/>
+              <a:gd name="connsiteY19" fmla="*/ 485241 h 1145898"/>
+              <a:gd name="connsiteX20" fmla="*/ 0 w 3269168"/>
+              <a:gd name="connsiteY20" fmla="*/ 0 h 1145898"/>
+              <a:gd name="connsiteX0" fmla="*/ 0 w 3269168"/>
+              <a:gd name="connsiteY0" fmla="*/ 0 h 1145898"/>
+              <a:gd name="connsiteX1" fmla="*/ 540075 w 3269168"/>
+              <a:gd name="connsiteY1" fmla="*/ 0 h 1145898"/>
+              <a:gd name="connsiteX2" fmla="*/ 540075 w 3269168"/>
+              <a:gd name="connsiteY2" fmla="*/ 0 h 1145898"/>
+              <a:gd name="connsiteX3" fmla="*/ 1350188 w 3269168"/>
+              <a:gd name="connsiteY3" fmla="*/ 0 h 1145898"/>
+              <a:gd name="connsiteX4" fmla="*/ 3240450 w 3269168"/>
+              <a:gd name="connsiteY4" fmla="*/ 0 h 1145898"/>
+              <a:gd name="connsiteX5" fmla="*/ 3231494 w 3269168"/>
+              <a:gd name="connsiteY5" fmla="*/ 475716 h 1145898"/>
+              <a:gd name="connsiteX6" fmla="*/ 3223106 w 3269168"/>
+              <a:gd name="connsiteY6" fmla="*/ 618591 h 1145898"/>
+              <a:gd name="connsiteX7" fmla="*/ 3232351 w 3269168"/>
+              <a:gd name="connsiteY7" fmla="*/ 721776 h 1145898"/>
+              <a:gd name="connsiteX8" fmla="*/ 3230925 w 3269168"/>
+              <a:gd name="connsiteY8" fmla="*/ 822316 h 1145898"/>
+              <a:gd name="connsiteX9" fmla="*/ 3052677 w 3269168"/>
+              <a:gd name="connsiteY9" fmla="*/ 835153 h 1145898"/>
+              <a:gd name="connsiteX10" fmla="*/ 3269168 w 3269168"/>
+              <a:gd name="connsiteY10" fmla="*/ 1143565 h 1145898"/>
+              <a:gd name="connsiteX11" fmla="*/ 2776578 w 3269168"/>
+              <a:gd name="connsiteY11" fmla="*/ 845663 h 1145898"/>
+              <a:gd name="connsiteX12" fmla="*/ 710759 w 3269168"/>
+              <a:gd name="connsiteY12" fmla="*/ 823121 h 1145898"/>
+              <a:gd name="connsiteX13" fmla="*/ 530018 w 3269168"/>
+              <a:gd name="connsiteY13" fmla="*/ 845040 h 1145898"/>
+              <a:gd name="connsiteX14" fmla="*/ 342363 w 3269168"/>
+              <a:gd name="connsiteY14" fmla="*/ 1145898 h 1145898"/>
+              <a:gd name="connsiteX15" fmla="*/ 342363 w 3269168"/>
+              <a:gd name="connsiteY15" fmla="*/ 845039 h 1145898"/>
+              <a:gd name="connsiteX16" fmla="*/ 0 w 3269168"/>
+              <a:gd name="connsiteY16" fmla="*/ 831841 h 1145898"/>
+              <a:gd name="connsiteX17" fmla="*/ 0 w 3269168"/>
+              <a:gd name="connsiteY17" fmla="*/ 693201 h 1145898"/>
+              <a:gd name="connsiteX18" fmla="*/ 0 w 3269168"/>
+              <a:gd name="connsiteY18" fmla="*/ 485241 h 1145898"/>
+              <a:gd name="connsiteX19" fmla="*/ 0 w 3269168"/>
+              <a:gd name="connsiteY19" fmla="*/ 485241 h 1145898"/>
+              <a:gd name="connsiteX20" fmla="*/ 0 w 3269168"/>
+              <a:gd name="connsiteY20" fmla="*/ 0 h 1145898"/>
+              <a:gd name="connsiteX0" fmla="*/ 0 w 3269168"/>
+              <a:gd name="connsiteY0" fmla="*/ 0 h 1145898"/>
+              <a:gd name="connsiteX1" fmla="*/ 540075 w 3269168"/>
+              <a:gd name="connsiteY1" fmla="*/ 0 h 1145898"/>
+              <a:gd name="connsiteX2" fmla="*/ 540075 w 3269168"/>
+              <a:gd name="connsiteY2" fmla="*/ 0 h 1145898"/>
+              <a:gd name="connsiteX3" fmla="*/ 1350188 w 3269168"/>
+              <a:gd name="connsiteY3" fmla="*/ 0 h 1145898"/>
+              <a:gd name="connsiteX4" fmla="*/ 3240450 w 3269168"/>
+              <a:gd name="connsiteY4" fmla="*/ 0 h 1145898"/>
+              <a:gd name="connsiteX5" fmla="*/ 3231494 w 3269168"/>
+              <a:gd name="connsiteY5" fmla="*/ 475716 h 1145898"/>
+              <a:gd name="connsiteX6" fmla="*/ 3223106 w 3269168"/>
+              <a:gd name="connsiteY6" fmla="*/ 618591 h 1145898"/>
+              <a:gd name="connsiteX7" fmla="*/ 3232351 w 3269168"/>
+              <a:gd name="connsiteY7" fmla="*/ 721776 h 1145898"/>
+              <a:gd name="connsiteX8" fmla="*/ 3230925 w 3269168"/>
+              <a:gd name="connsiteY8" fmla="*/ 822316 h 1145898"/>
+              <a:gd name="connsiteX9" fmla="*/ 3052677 w 3269168"/>
+              <a:gd name="connsiteY9" fmla="*/ 835153 h 1145898"/>
+              <a:gd name="connsiteX10" fmla="*/ 3269168 w 3269168"/>
+              <a:gd name="connsiteY10" fmla="*/ 1143565 h 1145898"/>
+              <a:gd name="connsiteX11" fmla="*/ 2776578 w 3269168"/>
+              <a:gd name="connsiteY11" fmla="*/ 845663 h 1145898"/>
+              <a:gd name="connsiteX12" fmla="*/ 710759 w 3269168"/>
+              <a:gd name="connsiteY12" fmla="*/ 842531 h 1145898"/>
+              <a:gd name="connsiteX13" fmla="*/ 530018 w 3269168"/>
+              <a:gd name="connsiteY13" fmla="*/ 845040 h 1145898"/>
+              <a:gd name="connsiteX14" fmla="*/ 342363 w 3269168"/>
+              <a:gd name="connsiteY14" fmla="*/ 1145898 h 1145898"/>
+              <a:gd name="connsiteX15" fmla="*/ 342363 w 3269168"/>
+              <a:gd name="connsiteY15" fmla="*/ 845039 h 1145898"/>
+              <a:gd name="connsiteX16" fmla="*/ 0 w 3269168"/>
+              <a:gd name="connsiteY16" fmla="*/ 831841 h 1145898"/>
+              <a:gd name="connsiteX17" fmla="*/ 0 w 3269168"/>
+              <a:gd name="connsiteY17" fmla="*/ 693201 h 1145898"/>
+              <a:gd name="connsiteX18" fmla="*/ 0 w 3269168"/>
+              <a:gd name="connsiteY18" fmla="*/ 485241 h 1145898"/>
+              <a:gd name="connsiteX19" fmla="*/ 0 w 3269168"/>
+              <a:gd name="connsiteY19" fmla="*/ 485241 h 1145898"/>
+              <a:gd name="connsiteX20" fmla="*/ 0 w 3269168"/>
+              <a:gd name="connsiteY20" fmla="*/ 0 h 1145898"/>
+              <a:gd name="connsiteX0" fmla="*/ 530018 w 3269168"/>
+              <a:gd name="connsiteY0" fmla="*/ 845040 h 1145898"/>
+              <a:gd name="connsiteX1" fmla="*/ 342363 w 3269168"/>
+              <a:gd name="connsiteY1" fmla="*/ 1145898 h 1145898"/>
+              <a:gd name="connsiteX2" fmla="*/ 342363 w 3269168"/>
+              <a:gd name="connsiteY2" fmla="*/ 845039 h 1145898"/>
+              <a:gd name="connsiteX3" fmla="*/ 0 w 3269168"/>
+              <a:gd name="connsiteY3" fmla="*/ 831841 h 1145898"/>
+              <a:gd name="connsiteX4" fmla="*/ 0 w 3269168"/>
+              <a:gd name="connsiteY4" fmla="*/ 693201 h 1145898"/>
+              <a:gd name="connsiteX5" fmla="*/ 0 w 3269168"/>
+              <a:gd name="connsiteY5" fmla="*/ 485241 h 1145898"/>
+              <a:gd name="connsiteX6" fmla="*/ 0 w 3269168"/>
+              <a:gd name="connsiteY6" fmla="*/ 485241 h 1145898"/>
+              <a:gd name="connsiteX7" fmla="*/ 0 w 3269168"/>
+              <a:gd name="connsiteY7" fmla="*/ 0 h 1145898"/>
+              <a:gd name="connsiteX8" fmla="*/ 540075 w 3269168"/>
+              <a:gd name="connsiteY8" fmla="*/ 0 h 1145898"/>
+              <a:gd name="connsiteX9" fmla="*/ 540075 w 3269168"/>
+              <a:gd name="connsiteY9" fmla="*/ 0 h 1145898"/>
+              <a:gd name="connsiteX10" fmla="*/ 1350188 w 3269168"/>
+              <a:gd name="connsiteY10" fmla="*/ 0 h 1145898"/>
+              <a:gd name="connsiteX11" fmla="*/ 3240450 w 3269168"/>
+              <a:gd name="connsiteY11" fmla="*/ 0 h 1145898"/>
+              <a:gd name="connsiteX12" fmla="*/ 3231494 w 3269168"/>
+              <a:gd name="connsiteY12" fmla="*/ 475716 h 1145898"/>
+              <a:gd name="connsiteX13" fmla="*/ 3223106 w 3269168"/>
+              <a:gd name="connsiteY13" fmla="*/ 618591 h 1145898"/>
+              <a:gd name="connsiteX14" fmla="*/ 3232351 w 3269168"/>
+              <a:gd name="connsiteY14" fmla="*/ 721776 h 1145898"/>
+              <a:gd name="connsiteX15" fmla="*/ 3230925 w 3269168"/>
+              <a:gd name="connsiteY15" fmla="*/ 822316 h 1145898"/>
+              <a:gd name="connsiteX16" fmla="*/ 3052677 w 3269168"/>
+              <a:gd name="connsiteY16" fmla="*/ 835153 h 1145898"/>
+              <a:gd name="connsiteX17" fmla="*/ 3269168 w 3269168"/>
+              <a:gd name="connsiteY17" fmla="*/ 1143565 h 1145898"/>
+              <a:gd name="connsiteX18" fmla="*/ 2776578 w 3269168"/>
+              <a:gd name="connsiteY18" fmla="*/ 845663 h 1145898"/>
+              <a:gd name="connsiteX19" fmla="*/ 710759 w 3269168"/>
+              <a:gd name="connsiteY19" fmla="*/ 842531 h 1145898"/>
+              <a:gd name="connsiteX20" fmla="*/ 608344 w 3269168"/>
+              <a:gd name="connsiteY20" fmla="*/ 938209 h 1145898"/>
+              <a:gd name="connsiteX0" fmla="*/ 530018 w 3269168"/>
+              <a:gd name="connsiteY0" fmla="*/ 845040 h 1145898"/>
+              <a:gd name="connsiteX1" fmla="*/ 342363 w 3269168"/>
+              <a:gd name="connsiteY1" fmla="*/ 1145898 h 1145898"/>
+              <a:gd name="connsiteX2" fmla="*/ 342363 w 3269168"/>
+              <a:gd name="connsiteY2" fmla="*/ 845039 h 1145898"/>
+              <a:gd name="connsiteX3" fmla="*/ 0 w 3269168"/>
+              <a:gd name="connsiteY3" fmla="*/ 831841 h 1145898"/>
+              <a:gd name="connsiteX4" fmla="*/ 0 w 3269168"/>
+              <a:gd name="connsiteY4" fmla="*/ 693201 h 1145898"/>
+              <a:gd name="connsiteX5" fmla="*/ 0 w 3269168"/>
+              <a:gd name="connsiteY5" fmla="*/ 485241 h 1145898"/>
+              <a:gd name="connsiteX6" fmla="*/ 0 w 3269168"/>
+              <a:gd name="connsiteY6" fmla="*/ 485241 h 1145898"/>
+              <a:gd name="connsiteX7" fmla="*/ 0 w 3269168"/>
+              <a:gd name="connsiteY7" fmla="*/ 0 h 1145898"/>
+              <a:gd name="connsiteX8" fmla="*/ 540075 w 3269168"/>
+              <a:gd name="connsiteY8" fmla="*/ 0 h 1145898"/>
+              <a:gd name="connsiteX9" fmla="*/ 540075 w 3269168"/>
+              <a:gd name="connsiteY9" fmla="*/ 0 h 1145898"/>
+              <a:gd name="connsiteX10" fmla="*/ 1350188 w 3269168"/>
+              <a:gd name="connsiteY10" fmla="*/ 0 h 1145898"/>
+              <a:gd name="connsiteX11" fmla="*/ 3240450 w 3269168"/>
+              <a:gd name="connsiteY11" fmla="*/ 0 h 1145898"/>
+              <a:gd name="connsiteX12" fmla="*/ 3231494 w 3269168"/>
+              <a:gd name="connsiteY12" fmla="*/ 475716 h 1145898"/>
+              <a:gd name="connsiteX13" fmla="*/ 3223106 w 3269168"/>
+              <a:gd name="connsiteY13" fmla="*/ 618591 h 1145898"/>
+              <a:gd name="connsiteX14" fmla="*/ 3232351 w 3269168"/>
+              <a:gd name="connsiteY14" fmla="*/ 721776 h 1145898"/>
+              <a:gd name="connsiteX15" fmla="*/ 3230925 w 3269168"/>
+              <a:gd name="connsiteY15" fmla="*/ 822316 h 1145898"/>
+              <a:gd name="connsiteX16" fmla="*/ 3052677 w 3269168"/>
+              <a:gd name="connsiteY16" fmla="*/ 835153 h 1145898"/>
+              <a:gd name="connsiteX17" fmla="*/ 3269168 w 3269168"/>
+              <a:gd name="connsiteY17" fmla="*/ 1143565 h 1145898"/>
+              <a:gd name="connsiteX18" fmla="*/ 2776578 w 3269168"/>
+              <a:gd name="connsiteY18" fmla="*/ 845663 h 1145898"/>
+              <a:gd name="connsiteX19" fmla="*/ 710759 w 3269168"/>
+              <a:gd name="connsiteY19" fmla="*/ 842531 h 1145898"/>
+              <a:gd name="connsiteX20" fmla="*/ 608344 w 3269168"/>
+              <a:gd name="connsiteY20" fmla="*/ 938209 h 1145898"/>
+              <a:gd name="connsiteX21" fmla="*/ 603449 w 3269168"/>
+              <a:gd name="connsiteY21" fmla="*/ 922681 h 1145898"/>
+              <a:gd name="connsiteX0" fmla="*/ 530018 w 3269168"/>
+              <a:gd name="connsiteY0" fmla="*/ 845040 h 1145898"/>
+              <a:gd name="connsiteX1" fmla="*/ 342363 w 3269168"/>
+              <a:gd name="connsiteY1" fmla="*/ 1145898 h 1145898"/>
+              <a:gd name="connsiteX2" fmla="*/ 342363 w 3269168"/>
+              <a:gd name="connsiteY2" fmla="*/ 845039 h 1145898"/>
+              <a:gd name="connsiteX3" fmla="*/ 0 w 3269168"/>
+              <a:gd name="connsiteY3" fmla="*/ 831841 h 1145898"/>
+              <a:gd name="connsiteX4" fmla="*/ 0 w 3269168"/>
+              <a:gd name="connsiteY4" fmla="*/ 693201 h 1145898"/>
+              <a:gd name="connsiteX5" fmla="*/ 0 w 3269168"/>
+              <a:gd name="connsiteY5" fmla="*/ 485241 h 1145898"/>
+              <a:gd name="connsiteX6" fmla="*/ 0 w 3269168"/>
+              <a:gd name="connsiteY6" fmla="*/ 485241 h 1145898"/>
+              <a:gd name="connsiteX7" fmla="*/ 0 w 3269168"/>
+              <a:gd name="connsiteY7" fmla="*/ 0 h 1145898"/>
+              <a:gd name="connsiteX8" fmla="*/ 540075 w 3269168"/>
+              <a:gd name="connsiteY8" fmla="*/ 0 h 1145898"/>
+              <a:gd name="connsiteX9" fmla="*/ 540075 w 3269168"/>
+              <a:gd name="connsiteY9" fmla="*/ 0 h 1145898"/>
+              <a:gd name="connsiteX10" fmla="*/ 1350188 w 3269168"/>
+              <a:gd name="connsiteY10" fmla="*/ 0 h 1145898"/>
+              <a:gd name="connsiteX11" fmla="*/ 3240450 w 3269168"/>
+              <a:gd name="connsiteY11" fmla="*/ 0 h 1145898"/>
+              <a:gd name="connsiteX12" fmla="*/ 3231494 w 3269168"/>
+              <a:gd name="connsiteY12" fmla="*/ 475716 h 1145898"/>
+              <a:gd name="connsiteX13" fmla="*/ 3223106 w 3269168"/>
+              <a:gd name="connsiteY13" fmla="*/ 618591 h 1145898"/>
+              <a:gd name="connsiteX14" fmla="*/ 3232351 w 3269168"/>
+              <a:gd name="connsiteY14" fmla="*/ 721776 h 1145898"/>
+              <a:gd name="connsiteX15" fmla="*/ 3230925 w 3269168"/>
+              <a:gd name="connsiteY15" fmla="*/ 822316 h 1145898"/>
+              <a:gd name="connsiteX16" fmla="*/ 3052677 w 3269168"/>
+              <a:gd name="connsiteY16" fmla="*/ 835153 h 1145898"/>
+              <a:gd name="connsiteX17" fmla="*/ 3269168 w 3269168"/>
+              <a:gd name="connsiteY17" fmla="*/ 1143565 h 1145898"/>
+              <a:gd name="connsiteX18" fmla="*/ 2776578 w 3269168"/>
+              <a:gd name="connsiteY18" fmla="*/ 845663 h 1145898"/>
+              <a:gd name="connsiteX19" fmla="*/ 710759 w 3269168"/>
+              <a:gd name="connsiteY19" fmla="*/ 842531 h 1145898"/>
+              <a:gd name="connsiteX20" fmla="*/ 608344 w 3269168"/>
+              <a:gd name="connsiteY20" fmla="*/ 938209 h 1145898"/>
+              <a:gd name="connsiteX0" fmla="*/ 530018 w 3269168"/>
+              <a:gd name="connsiteY0" fmla="*/ 845040 h 1145898"/>
+              <a:gd name="connsiteX1" fmla="*/ 342363 w 3269168"/>
+              <a:gd name="connsiteY1" fmla="*/ 1145898 h 1145898"/>
+              <a:gd name="connsiteX2" fmla="*/ 342363 w 3269168"/>
+              <a:gd name="connsiteY2" fmla="*/ 845039 h 1145898"/>
+              <a:gd name="connsiteX3" fmla="*/ 0 w 3269168"/>
+              <a:gd name="connsiteY3" fmla="*/ 831841 h 1145898"/>
+              <a:gd name="connsiteX4" fmla="*/ 0 w 3269168"/>
+              <a:gd name="connsiteY4" fmla="*/ 693201 h 1145898"/>
+              <a:gd name="connsiteX5" fmla="*/ 0 w 3269168"/>
+              <a:gd name="connsiteY5" fmla="*/ 485241 h 1145898"/>
+              <a:gd name="connsiteX6" fmla="*/ 0 w 3269168"/>
+              <a:gd name="connsiteY6" fmla="*/ 485241 h 1145898"/>
+              <a:gd name="connsiteX7" fmla="*/ 0 w 3269168"/>
+              <a:gd name="connsiteY7" fmla="*/ 0 h 1145898"/>
+              <a:gd name="connsiteX8" fmla="*/ 540075 w 3269168"/>
+              <a:gd name="connsiteY8" fmla="*/ 0 h 1145898"/>
+              <a:gd name="connsiteX9" fmla="*/ 540075 w 3269168"/>
+              <a:gd name="connsiteY9" fmla="*/ 0 h 1145898"/>
+              <a:gd name="connsiteX10" fmla="*/ 1350188 w 3269168"/>
+              <a:gd name="connsiteY10" fmla="*/ 0 h 1145898"/>
+              <a:gd name="connsiteX11" fmla="*/ 3240450 w 3269168"/>
+              <a:gd name="connsiteY11" fmla="*/ 0 h 1145898"/>
+              <a:gd name="connsiteX12" fmla="*/ 3231494 w 3269168"/>
+              <a:gd name="connsiteY12" fmla="*/ 475716 h 1145898"/>
+              <a:gd name="connsiteX13" fmla="*/ 3223106 w 3269168"/>
+              <a:gd name="connsiteY13" fmla="*/ 618591 h 1145898"/>
+              <a:gd name="connsiteX14" fmla="*/ 3232351 w 3269168"/>
+              <a:gd name="connsiteY14" fmla="*/ 721776 h 1145898"/>
+              <a:gd name="connsiteX15" fmla="*/ 3230925 w 3269168"/>
+              <a:gd name="connsiteY15" fmla="*/ 822316 h 1145898"/>
+              <a:gd name="connsiteX16" fmla="*/ 3052677 w 3269168"/>
+              <a:gd name="connsiteY16" fmla="*/ 835153 h 1145898"/>
+              <a:gd name="connsiteX17" fmla="*/ 3269168 w 3269168"/>
+              <a:gd name="connsiteY17" fmla="*/ 1143565 h 1145898"/>
+              <a:gd name="connsiteX18" fmla="*/ 2776578 w 3269168"/>
+              <a:gd name="connsiteY18" fmla="*/ 845663 h 1145898"/>
+              <a:gd name="connsiteX19" fmla="*/ 710759 w 3269168"/>
+              <a:gd name="connsiteY19" fmla="*/ 842531 h 1145898"/>
+              <a:gd name="connsiteX0" fmla="*/ 530018 w 3269168"/>
+              <a:gd name="connsiteY0" fmla="*/ 845040 h 1145898"/>
+              <a:gd name="connsiteX1" fmla="*/ 342363 w 3269168"/>
+              <a:gd name="connsiteY1" fmla="*/ 1145898 h 1145898"/>
+              <a:gd name="connsiteX2" fmla="*/ 342363 w 3269168"/>
+              <a:gd name="connsiteY2" fmla="*/ 845039 h 1145898"/>
+              <a:gd name="connsiteX3" fmla="*/ 0 w 3269168"/>
+              <a:gd name="connsiteY3" fmla="*/ 831841 h 1145898"/>
+              <a:gd name="connsiteX4" fmla="*/ 0 w 3269168"/>
+              <a:gd name="connsiteY4" fmla="*/ 693201 h 1145898"/>
+              <a:gd name="connsiteX5" fmla="*/ 0 w 3269168"/>
+              <a:gd name="connsiteY5" fmla="*/ 485241 h 1145898"/>
+              <a:gd name="connsiteX6" fmla="*/ 0 w 3269168"/>
+              <a:gd name="connsiteY6" fmla="*/ 485241 h 1145898"/>
+              <a:gd name="connsiteX7" fmla="*/ 0 w 3269168"/>
+              <a:gd name="connsiteY7" fmla="*/ 0 h 1145898"/>
+              <a:gd name="connsiteX8" fmla="*/ 540075 w 3269168"/>
+              <a:gd name="connsiteY8" fmla="*/ 0 h 1145898"/>
+              <a:gd name="connsiteX9" fmla="*/ 540075 w 3269168"/>
+              <a:gd name="connsiteY9" fmla="*/ 0 h 1145898"/>
+              <a:gd name="connsiteX10" fmla="*/ 1350188 w 3269168"/>
+              <a:gd name="connsiteY10" fmla="*/ 0 h 1145898"/>
+              <a:gd name="connsiteX11" fmla="*/ 3240450 w 3269168"/>
+              <a:gd name="connsiteY11" fmla="*/ 0 h 1145898"/>
+              <a:gd name="connsiteX12" fmla="*/ 3231494 w 3269168"/>
+              <a:gd name="connsiteY12" fmla="*/ 475716 h 1145898"/>
+              <a:gd name="connsiteX13" fmla="*/ 3223106 w 3269168"/>
+              <a:gd name="connsiteY13" fmla="*/ 618591 h 1145898"/>
+              <a:gd name="connsiteX14" fmla="*/ 3232351 w 3269168"/>
+              <a:gd name="connsiteY14" fmla="*/ 721776 h 1145898"/>
+              <a:gd name="connsiteX15" fmla="*/ 3230925 w 3269168"/>
+              <a:gd name="connsiteY15" fmla="*/ 822316 h 1145898"/>
+              <a:gd name="connsiteX16" fmla="*/ 3052677 w 3269168"/>
+              <a:gd name="connsiteY16" fmla="*/ 835153 h 1145898"/>
+              <a:gd name="connsiteX17" fmla="*/ 3269168 w 3269168"/>
+              <a:gd name="connsiteY17" fmla="*/ 1143565 h 1145898"/>
+              <a:gd name="connsiteX18" fmla="*/ 2776578 w 3269168"/>
+              <a:gd name="connsiteY18" fmla="*/ 845663 h 1145898"/>
+              <a:gd name="connsiteX19" fmla="*/ 710759 w 3269168"/>
+              <a:gd name="connsiteY19" fmla="*/ 842531 h 1145898"/>
+              <a:gd name="connsiteX0" fmla="*/ 685038 w 3269168"/>
+              <a:gd name="connsiteY0" fmla="*/ 845040 h 1145898"/>
+              <a:gd name="connsiteX1" fmla="*/ 342363 w 3269168"/>
+              <a:gd name="connsiteY1" fmla="*/ 1145898 h 1145898"/>
+              <a:gd name="connsiteX2" fmla="*/ 342363 w 3269168"/>
+              <a:gd name="connsiteY2" fmla="*/ 845039 h 1145898"/>
+              <a:gd name="connsiteX3" fmla="*/ 0 w 3269168"/>
+              <a:gd name="connsiteY3" fmla="*/ 831841 h 1145898"/>
+              <a:gd name="connsiteX4" fmla="*/ 0 w 3269168"/>
+              <a:gd name="connsiteY4" fmla="*/ 693201 h 1145898"/>
+              <a:gd name="connsiteX5" fmla="*/ 0 w 3269168"/>
+              <a:gd name="connsiteY5" fmla="*/ 485241 h 1145898"/>
+              <a:gd name="connsiteX6" fmla="*/ 0 w 3269168"/>
+              <a:gd name="connsiteY6" fmla="*/ 485241 h 1145898"/>
+              <a:gd name="connsiteX7" fmla="*/ 0 w 3269168"/>
+              <a:gd name="connsiteY7" fmla="*/ 0 h 1145898"/>
+              <a:gd name="connsiteX8" fmla="*/ 540075 w 3269168"/>
+              <a:gd name="connsiteY8" fmla="*/ 0 h 1145898"/>
+              <a:gd name="connsiteX9" fmla="*/ 540075 w 3269168"/>
+              <a:gd name="connsiteY9" fmla="*/ 0 h 1145898"/>
+              <a:gd name="connsiteX10" fmla="*/ 1350188 w 3269168"/>
+              <a:gd name="connsiteY10" fmla="*/ 0 h 1145898"/>
+              <a:gd name="connsiteX11" fmla="*/ 3240450 w 3269168"/>
+              <a:gd name="connsiteY11" fmla="*/ 0 h 1145898"/>
+              <a:gd name="connsiteX12" fmla="*/ 3231494 w 3269168"/>
+              <a:gd name="connsiteY12" fmla="*/ 475716 h 1145898"/>
+              <a:gd name="connsiteX13" fmla="*/ 3223106 w 3269168"/>
+              <a:gd name="connsiteY13" fmla="*/ 618591 h 1145898"/>
+              <a:gd name="connsiteX14" fmla="*/ 3232351 w 3269168"/>
+              <a:gd name="connsiteY14" fmla="*/ 721776 h 1145898"/>
+              <a:gd name="connsiteX15" fmla="*/ 3230925 w 3269168"/>
+              <a:gd name="connsiteY15" fmla="*/ 822316 h 1145898"/>
+              <a:gd name="connsiteX16" fmla="*/ 3052677 w 3269168"/>
+              <a:gd name="connsiteY16" fmla="*/ 835153 h 1145898"/>
+              <a:gd name="connsiteX17" fmla="*/ 3269168 w 3269168"/>
+              <a:gd name="connsiteY17" fmla="*/ 1143565 h 1145898"/>
+              <a:gd name="connsiteX18" fmla="*/ 2776578 w 3269168"/>
+              <a:gd name="connsiteY18" fmla="*/ 845663 h 1145898"/>
+              <a:gd name="connsiteX19" fmla="*/ 710759 w 3269168"/>
+              <a:gd name="connsiteY19" fmla="*/ 842531 h 1145898"/>
+              <a:gd name="connsiteX0" fmla="*/ 685038 w 3269168"/>
+              <a:gd name="connsiteY0" fmla="*/ 845040 h 1145898"/>
+              <a:gd name="connsiteX1" fmla="*/ 342363 w 3269168"/>
+              <a:gd name="connsiteY1" fmla="*/ 1145898 h 1145898"/>
+              <a:gd name="connsiteX2" fmla="*/ 342363 w 3269168"/>
+              <a:gd name="connsiteY2" fmla="*/ 845039 h 1145898"/>
+              <a:gd name="connsiteX3" fmla="*/ 0 w 3269168"/>
+              <a:gd name="connsiteY3" fmla="*/ 831841 h 1145898"/>
+              <a:gd name="connsiteX4" fmla="*/ 0 w 3269168"/>
+              <a:gd name="connsiteY4" fmla="*/ 693201 h 1145898"/>
+              <a:gd name="connsiteX5" fmla="*/ 0 w 3269168"/>
+              <a:gd name="connsiteY5" fmla="*/ 485241 h 1145898"/>
+              <a:gd name="connsiteX6" fmla="*/ 0 w 3269168"/>
+              <a:gd name="connsiteY6" fmla="*/ 485241 h 1145898"/>
+              <a:gd name="connsiteX7" fmla="*/ 0 w 3269168"/>
+              <a:gd name="connsiteY7" fmla="*/ 0 h 1145898"/>
+              <a:gd name="connsiteX8" fmla="*/ 540075 w 3269168"/>
+              <a:gd name="connsiteY8" fmla="*/ 0 h 1145898"/>
+              <a:gd name="connsiteX9" fmla="*/ 540075 w 3269168"/>
+              <a:gd name="connsiteY9" fmla="*/ 0 h 1145898"/>
+              <a:gd name="connsiteX10" fmla="*/ 1350188 w 3269168"/>
+              <a:gd name="connsiteY10" fmla="*/ 0 h 1145898"/>
+              <a:gd name="connsiteX11" fmla="*/ 3240450 w 3269168"/>
+              <a:gd name="connsiteY11" fmla="*/ 0 h 1145898"/>
+              <a:gd name="connsiteX12" fmla="*/ 3231494 w 3269168"/>
+              <a:gd name="connsiteY12" fmla="*/ 475716 h 1145898"/>
+              <a:gd name="connsiteX13" fmla="*/ 3223106 w 3269168"/>
+              <a:gd name="connsiteY13" fmla="*/ 618591 h 1145898"/>
+              <a:gd name="connsiteX14" fmla="*/ 3232351 w 3269168"/>
+              <a:gd name="connsiteY14" fmla="*/ 721776 h 1145898"/>
+              <a:gd name="connsiteX15" fmla="*/ 3230925 w 3269168"/>
+              <a:gd name="connsiteY15" fmla="*/ 822316 h 1145898"/>
+              <a:gd name="connsiteX16" fmla="*/ 3052677 w 3269168"/>
+              <a:gd name="connsiteY16" fmla="*/ 835153 h 1145898"/>
+              <a:gd name="connsiteX17" fmla="*/ 3269168 w 3269168"/>
+              <a:gd name="connsiteY17" fmla="*/ 1143565 h 1145898"/>
+              <a:gd name="connsiteX18" fmla="*/ 2776578 w 3269168"/>
+              <a:gd name="connsiteY18" fmla="*/ 845663 h 1145898"/>
+              <a:gd name="connsiteX19" fmla="*/ 531263 w 3269168"/>
+              <a:gd name="connsiteY19" fmla="*/ 842531 h 1145898"/>
+              <a:gd name="connsiteX0" fmla="*/ 685038 w 3269168"/>
+              <a:gd name="connsiteY0" fmla="*/ 845040 h 1147258"/>
+              <a:gd name="connsiteX1" fmla="*/ 587131 w 3269168"/>
+              <a:gd name="connsiteY1" fmla="*/ 951796 h 1147258"/>
+              <a:gd name="connsiteX2" fmla="*/ 342363 w 3269168"/>
+              <a:gd name="connsiteY2" fmla="*/ 1145898 h 1147258"/>
+              <a:gd name="connsiteX3" fmla="*/ 342363 w 3269168"/>
+              <a:gd name="connsiteY3" fmla="*/ 845039 h 1147258"/>
+              <a:gd name="connsiteX4" fmla="*/ 0 w 3269168"/>
+              <a:gd name="connsiteY4" fmla="*/ 831841 h 1147258"/>
+              <a:gd name="connsiteX5" fmla="*/ 0 w 3269168"/>
+              <a:gd name="connsiteY5" fmla="*/ 693201 h 1147258"/>
+              <a:gd name="connsiteX6" fmla="*/ 0 w 3269168"/>
+              <a:gd name="connsiteY6" fmla="*/ 485241 h 1147258"/>
+              <a:gd name="connsiteX7" fmla="*/ 0 w 3269168"/>
+              <a:gd name="connsiteY7" fmla="*/ 485241 h 1147258"/>
+              <a:gd name="connsiteX8" fmla="*/ 0 w 3269168"/>
+              <a:gd name="connsiteY8" fmla="*/ 0 h 1147258"/>
+              <a:gd name="connsiteX9" fmla="*/ 540075 w 3269168"/>
+              <a:gd name="connsiteY9" fmla="*/ 0 h 1147258"/>
+              <a:gd name="connsiteX10" fmla="*/ 540075 w 3269168"/>
+              <a:gd name="connsiteY10" fmla="*/ 0 h 1147258"/>
+              <a:gd name="connsiteX11" fmla="*/ 1350188 w 3269168"/>
+              <a:gd name="connsiteY11" fmla="*/ 0 h 1147258"/>
+              <a:gd name="connsiteX12" fmla="*/ 3240450 w 3269168"/>
+              <a:gd name="connsiteY12" fmla="*/ 0 h 1147258"/>
+              <a:gd name="connsiteX13" fmla="*/ 3231494 w 3269168"/>
+              <a:gd name="connsiteY13" fmla="*/ 475716 h 1147258"/>
+              <a:gd name="connsiteX14" fmla="*/ 3223106 w 3269168"/>
+              <a:gd name="connsiteY14" fmla="*/ 618591 h 1147258"/>
+              <a:gd name="connsiteX15" fmla="*/ 3232351 w 3269168"/>
+              <a:gd name="connsiteY15" fmla="*/ 721776 h 1147258"/>
+              <a:gd name="connsiteX16" fmla="*/ 3230925 w 3269168"/>
+              <a:gd name="connsiteY16" fmla="*/ 822316 h 1147258"/>
+              <a:gd name="connsiteX17" fmla="*/ 3052677 w 3269168"/>
+              <a:gd name="connsiteY17" fmla="*/ 835153 h 1147258"/>
+              <a:gd name="connsiteX18" fmla="*/ 3269168 w 3269168"/>
+              <a:gd name="connsiteY18" fmla="*/ 1143565 h 1147258"/>
+              <a:gd name="connsiteX19" fmla="*/ 2776578 w 3269168"/>
+              <a:gd name="connsiteY19" fmla="*/ 845663 h 1147258"/>
+              <a:gd name="connsiteX20" fmla="*/ 531263 w 3269168"/>
+              <a:gd name="connsiteY20" fmla="*/ 842531 h 1147258"/>
+              <a:gd name="connsiteX0" fmla="*/ 685038 w 3269168"/>
+              <a:gd name="connsiteY0" fmla="*/ 845040 h 1147258"/>
+              <a:gd name="connsiteX1" fmla="*/ 587131 w 3269168"/>
+              <a:gd name="connsiteY1" fmla="*/ 951796 h 1147258"/>
+              <a:gd name="connsiteX2" fmla="*/ 342363 w 3269168"/>
+              <a:gd name="connsiteY2" fmla="*/ 1145898 h 1147258"/>
+              <a:gd name="connsiteX3" fmla="*/ 342363 w 3269168"/>
+              <a:gd name="connsiteY3" fmla="*/ 845039 h 1147258"/>
+              <a:gd name="connsiteX4" fmla="*/ 0 w 3269168"/>
+              <a:gd name="connsiteY4" fmla="*/ 831841 h 1147258"/>
+              <a:gd name="connsiteX5" fmla="*/ 0 w 3269168"/>
+              <a:gd name="connsiteY5" fmla="*/ 693201 h 1147258"/>
+              <a:gd name="connsiteX6" fmla="*/ 0 w 3269168"/>
+              <a:gd name="connsiteY6" fmla="*/ 485241 h 1147258"/>
+              <a:gd name="connsiteX7" fmla="*/ 0 w 3269168"/>
+              <a:gd name="connsiteY7" fmla="*/ 485241 h 1147258"/>
+              <a:gd name="connsiteX8" fmla="*/ 0 w 3269168"/>
+              <a:gd name="connsiteY8" fmla="*/ 0 h 1147258"/>
+              <a:gd name="connsiteX9" fmla="*/ 540075 w 3269168"/>
+              <a:gd name="connsiteY9" fmla="*/ 0 h 1147258"/>
+              <a:gd name="connsiteX10" fmla="*/ 540075 w 3269168"/>
+              <a:gd name="connsiteY10" fmla="*/ 0 h 1147258"/>
+              <a:gd name="connsiteX11" fmla="*/ 1350188 w 3269168"/>
+              <a:gd name="connsiteY11" fmla="*/ 0 h 1147258"/>
+              <a:gd name="connsiteX12" fmla="*/ 3240450 w 3269168"/>
+              <a:gd name="connsiteY12" fmla="*/ 0 h 1147258"/>
+              <a:gd name="connsiteX13" fmla="*/ 3231494 w 3269168"/>
+              <a:gd name="connsiteY13" fmla="*/ 475716 h 1147258"/>
+              <a:gd name="connsiteX14" fmla="*/ 3223106 w 3269168"/>
+              <a:gd name="connsiteY14" fmla="*/ 618591 h 1147258"/>
+              <a:gd name="connsiteX15" fmla="*/ 3232351 w 3269168"/>
+              <a:gd name="connsiteY15" fmla="*/ 721776 h 1147258"/>
+              <a:gd name="connsiteX16" fmla="*/ 3230925 w 3269168"/>
+              <a:gd name="connsiteY16" fmla="*/ 822316 h 1147258"/>
+              <a:gd name="connsiteX17" fmla="*/ 3052677 w 3269168"/>
+              <a:gd name="connsiteY17" fmla="*/ 835153 h 1147258"/>
+              <a:gd name="connsiteX18" fmla="*/ 3269168 w 3269168"/>
+              <a:gd name="connsiteY18" fmla="*/ 1143565 h 1147258"/>
+              <a:gd name="connsiteX19" fmla="*/ 2776578 w 3269168"/>
+              <a:gd name="connsiteY19" fmla="*/ 845663 h 1147258"/>
+              <a:gd name="connsiteX20" fmla="*/ 531263 w 3269168"/>
+              <a:gd name="connsiteY20" fmla="*/ 842531 h 1147258"/>
+              <a:gd name="connsiteX0" fmla="*/ 685038 w 3269168"/>
+              <a:gd name="connsiteY0" fmla="*/ 845040 h 1147122"/>
+              <a:gd name="connsiteX1" fmla="*/ 611608 w 3269168"/>
+              <a:gd name="connsiteY1" fmla="*/ 932386 h 1147122"/>
+              <a:gd name="connsiteX2" fmla="*/ 342363 w 3269168"/>
+              <a:gd name="connsiteY2" fmla="*/ 1145898 h 1147122"/>
+              <a:gd name="connsiteX3" fmla="*/ 342363 w 3269168"/>
+              <a:gd name="connsiteY3" fmla="*/ 845039 h 1147122"/>
+              <a:gd name="connsiteX4" fmla="*/ 0 w 3269168"/>
+              <a:gd name="connsiteY4" fmla="*/ 831841 h 1147122"/>
+              <a:gd name="connsiteX5" fmla="*/ 0 w 3269168"/>
+              <a:gd name="connsiteY5" fmla="*/ 693201 h 1147122"/>
+              <a:gd name="connsiteX6" fmla="*/ 0 w 3269168"/>
+              <a:gd name="connsiteY6" fmla="*/ 485241 h 1147122"/>
+              <a:gd name="connsiteX7" fmla="*/ 0 w 3269168"/>
+              <a:gd name="connsiteY7" fmla="*/ 485241 h 1147122"/>
+              <a:gd name="connsiteX8" fmla="*/ 0 w 3269168"/>
+              <a:gd name="connsiteY8" fmla="*/ 0 h 1147122"/>
+              <a:gd name="connsiteX9" fmla="*/ 540075 w 3269168"/>
+              <a:gd name="connsiteY9" fmla="*/ 0 h 1147122"/>
+              <a:gd name="connsiteX10" fmla="*/ 540075 w 3269168"/>
+              <a:gd name="connsiteY10" fmla="*/ 0 h 1147122"/>
+              <a:gd name="connsiteX11" fmla="*/ 1350188 w 3269168"/>
+              <a:gd name="connsiteY11" fmla="*/ 0 h 1147122"/>
+              <a:gd name="connsiteX12" fmla="*/ 3240450 w 3269168"/>
+              <a:gd name="connsiteY12" fmla="*/ 0 h 1147122"/>
+              <a:gd name="connsiteX13" fmla="*/ 3231494 w 3269168"/>
+              <a:gd name="connsiteY13" fmla="*/ 475716 h 1147122"/>
+              <a:gd name="connsiteX14" fmla="*/ 3223106 w 3269168"/>
+              <a:gd name="connsiteY14" fmla="*/ 618591 h 1147122"/>
+              <a:gd name="connsiteX15" fmla="*/ 3232351 w 3269168"/>
+              <a:gd name="connsiteY15" fmla="*/ 721776 h 1147122"/>
+              <a:gd name="connsiteX16" fmla="*/ 3230925 w 3269168"/>
+              <a:gd name="connsiteY16" fmla="*/ 822316 h 1147122"/>
+              <a:gd name="connsiteX17" fmla="*/ 3052677 w 3269168"/>
+              <a:gd name="connsiteY17" fmla="*/ 835153 h 1147122"/>
+              <a:gd name="connsiteX18" fmla="*/ 3269168 w 3269168"/>
+              <a:gd name="connsiteY18" fmla="*/ 1143565 h 1147122"/>
+              <a:gd name="connsiteX19" fmla="*/ 2776578 w 3269168"/>
+              <a:gd name="connsiteY19" fmla="*/ 845663 h 1147122"/>
+              <a:gd name="connsiteX20" fmla="*/ 531263 w 3269168"/>
+              <a:gd name="connsiteY20" fmla="*/ 842531 h 1147122"/>
+              <a:gd name="connsiteX0" fmla="*/ 685038 w 3269168"/>
+              <a:gd name="connsiteY0" fmla="*/ 845040 h 1145898"/>
+              <a:gd name="connsiteX1" fmla="*/ 342363 w 3269168"/>
+              <a:gd name="connsiteY1" fmla="*/ 1145898 h 1145898"/>
+              <a:gd name="connsiteX2" fmla="*/ 342363 w 3269168"/>
+              <a:gd name="connsiteY2" fmla="*/ 845039 h 1145898"/>
+              <a:gd name="connsiteX3" fmla="*/ 0 w 3269168"/>
+              <a:gd name="connsiteY3" fmla="*/ 831841 h 1145898"/>
+              <a:gd name="connsiteX4" fmla="*/ 0 w 3269168"/>
+              <a:gd name="connsiteY4" fmla="*/ 693201 h 1145898"/>
+              <a:gd name="connsiteX5" fmla="*/ 0 w 3269168"/>
+              <a:gd name="connsiteY5" fmla="*/ 485241 h 1145898"/>
+              <a:gd name="connsiteX6" fmla="*/ 0 w 3269168"/>
+              <a:gd name="connsiteY6" fmla="*/ 485241 h 1145898"/>
+              <a:gd name="connsiteX7" fmla="*/ 0 w 3269168"/>
+              <a:gd name="connsiteY7" fmla="*/ 0 h 1145898"/>
+              <a:gd name="connsiteX8" fmla="*/ 540075 w 3269168"/>
+              <a:gd name="connsiteY8" fmla="*/ 0 h 1145898"/>
+              <a:gd name="connsiteX9" fmla="*/ 540075 w 3269168"/>
+              <a:gd name="connsiteY9" fmla="*/ 0 h 1145898"/>
+              <a:gd name="connsiteX10" fmla="*/ 1350188 w 3269168"/>
+              <a:gd name="connsiteY10" fmla="*/ 0 h 1145898"/>
+              <a:gd name="connsiteX11" fmla="*/ 3240450 w 3269168"/>
+              <a:gd name="connsiteY11" fmla="*/ 0 h 1145898"/>
+              <a:gd name="connsiteX12" fmla="*/ 3231494 w 3269168"/>
+              <a:gd name="connsiteY12" fmla="*/ 475716 h 1145898"/>
+              <a:gd name="connsiteX13" fmla="*/ 3223106 w 3269168"/>
+              <a:gd name="connsiteY13" fmla="*/ 618591 h 1145898"/>
+              <a:gd name="connsiteX14" fmla="*/ 3232351 w 3269168"/>
+              <a:gd name="connsiteY14" fmla="*/ 721776 h 1145898"/>
+              <a:gd name="connsiteX15" fmla="*/ 3230925 w 3269168"/>
+              <a:gd name="connsiteY15" fmla="*/ 822316 h 1145898"/>
+              <a:gd name="connsiteX16" fmla="*/ 3052677 w 3269168"/>
+              <a:gd name="connsiteY16" fmla="*/ 835153 h 1145898"/>
+              <a:gd name="connsiteX17" fmla="*/ 3269168 w 3269168"/>
+              <a:gd name="connsiteY17" fmla="*/ 1143565 h 1145898"/>
+              <a:gd name="connsiteX18" fmla="*/ 2776578 w 3269168"/>
+              <a:gd name="connsiteY18" fmla="*/ 845663 h 1145898"/>
+              <a:gd name="connsiteX19" fmla="*/ 531263 w 3269168"/>
+              <a:gd name="connsiteY19" fmla="*/ 842531 h 1145898"/>
+              <a:gd name="connsiteX0" fmla="*/ 342363 w 3269168"/>
+              <a:gd name="connsiteY0" fmla="*/ 1145898 h 1145898"/>
+              <a:gd name="connsiteX1" fmla="*/ 342363 w 3269168"/>
+              <a:gd name="connsiteY1" fmla="*/ 845039 h 1145898"/>
+              <a:gd name="connsiteX2" fmla="*/ 0 w 3269168"/>
+              <a:gd name="connsiteY2" fmla="*/ 831841 h 1145898"/>
+              <a:gd name="connsiteX3" fmla="*/ 0 w 3269168"/>
+              <a:gd name="connsiteY3" fmla="*/ 693201 h 1145898"/>
+              <a:gd name="connsiteX4" fmla="*/ 0 w 3269168"/>
+              <a:gd name="connsiteY4" fmla="*/ 485241 h 1145898"/>
+              <a:gd name="connsiteX5" fmla="*/ 0 w 3269168"/>
+              <a:gd name="connsiteY5" fmla="*/ 485241 h 1145898"/>
+              <a:gd name="connsiteX6" fmla="*/ 0 w 3269168"/>
+              <a:gd name="connsiteY6" fmla="*/ 0 h 1145898"/>
+              <a:gd name="connsiteX7" fmla="*/ 540075 w 3269168"/>
+              <a:gd name="connsiteY7" fmla="*/ 0 h 1145898"/>
+              <a:gd name="connsiteX8" fmla="*/ 540075 w 3269168"/>
+              <a:gd name="connsiteY8" fmla="*/ 0 h 1145898"/>
+              <a:gd name="connsiteX9" fmla="*/ 1350188 w 3269168"/>
+              <a:gd name="connsiteY9" fmla="*/ 0 h 1145898"/>
+              <a:gd name="connsiteX10" fmla="*/ 3240450 w 3269168"/>
+              <a:gd name="connsiteY10" fmla="*/ 0 h 1145898"/>
+              <a:gd name="connsiteX11" fmla="*/ 3231494 w 3269168"/>
+              <a:gd name="connsiteY11" fmla="*/ 475716 h 1145898"/>
+              <a:gd name="connsiteX12" fmla="*/ 3223106 w 3269168"/>
+              <a:gd name="connsiteY12" fmla="*/ 618591 h 1145898"/>
+              <a:gd name="connsiteX13" fmla="*/ 3232351 w 3269168"/>
+              <a:gd name="connsiteY13" fmla="*/ 721776 h 1145898"/>
+              <a:gd name="connsiteX14" fmla="*/ 3230925 w 3269168"/>
+              <a:gd name="connsiteY14" fmla="*/ 822316 h 1145898"/>
+              <a:gd name="connsiteX15" fmla="*/ 3052677 w 3269168"/>
+              <a:gd name="connsiteY15" fmla="*/ 835153 h 1145898"/>
+              <a:gd name="connsiteX16" fmla="*/ 3269168 w 3269168"/>
+              <a:gd name="connsiteY16" fmla="*/ 1143565 h 1145898"/>
+              <a:gd name="connsiteX17" fmla="*/ 2776578 w 3269168"/>
+              <a:gd name="connsiteY17" fmla="*/ 845663 h 1145898"/>
+              <a:gd name="connsiteX18" fmla="*/ 531263 w 3269168"/>
+              <a:gd name="connsiteY18" fmla="*/ 842531 h 1145898"/>
+              <a:gd name="connsiteX0" fmla="*/ 342363 w 3269168"/>
+              <a:gd name="connsiteY0" fmla="*/ 1145898 h 1145898"/>
+              <a:gd name="connsiteX1" fmla="*/ 350522 w 3269168"/>
+              <a:gd name="connsiteY1" fmla="*/ 1136193 h 1145898"/>
+              <a:gd name="connsiteX2" fmla="*/ 342363 w 3269168"/>
+              <a:gd name="connsiteY2" fmla="*/ 845039 h 1145898"/>
+              <a:gd name="connsiteX3" fmla="*/ 0 w 3269168"/>
+              <a:gd name="connsiteY3" fmla="*/ 831841 h 1145898"/>
+              <a:gd name="connsiteX4" fmla="*/ 0 w 3269168"/>
+              <a:gd name="connsiteY4" fmla="*/ 693201 h 1145898"/>
+              <a:gd name="connsiteX5" fmla="*/ 0 w 3269168"/>
+              <a:gd name="connsiteY5" fmla="*/ 485241 h 1145898"/>
+              <a:gd name="connsiteX6" fmla="*/ 0 w 3269168"/>
+              <a:gd name="connsiteY6" fmla="*/ 485241 h 1145898"/>
+              <a:gd name="connsiteX7" fmla="*/ 0 w 3269168"/>
+              <a:gd name="connsiteY7" fmla="*/ 0 h 1145898"/>
+              <a:gd name="connsiteX8" fmla="*/ 540075 w 3269168"/>
+              <a:gd name="connsiteY8" fmla="*/ 0 h 1145898"/>
+              <a:gd name="connsiteX9" fmla="*/ 540075 w 3269168"/>
+              <a:gd name="connsiteY9" fmla="*/ 0 h 1145898"/>
+              <a:gd name="connsiteX10" fmla="*/ 1350188 w 3269168"/>
+              <a:gd name="connsiteY10" fmla="*/ 0 h 1145898"/>
+              <a:gd name="connsiteX11" fmla="*/ 3240450 w 3269168"/>
+              <a:gd name="connsiteY11" fmla="*/ 0 h 1145898"/>
+              <a:gd name="connsiteX12" fmla="*/ 3231494 w 3269168"/>
+              <a:gd name="connsiteY12" fmla="*/ 475716 h 1145898"/>
+              <a:gd name="connsiteX13" fmla="*/ 3223106 w 3269168"/>
+              <a:gd name="connsiteY13" fmla="*/ 618591 h 1145898"/>
+              <a:gd name="connsiteX14" fmla="*/ 3232351 w 3269168"/>
+              <a:gd name="connsiteY14" fmla="*/ 721776 h 1145898"/>
+              <a:gd name="connsiteX15" fmla="*/ 3230925 w 3269168"/>
+              <a:gd name="connsiteY15" fmla="*/ 822316 h 1145898"/>
+              <a:gd name="connsiteX16" fmla="*/ 3052677 w 3269168"/>
+              <a:gd name="connsiteY16" fmla="*/ 835153 h 1145898"/>
+              <a:gd name="connsiteX17" fmla="*/ 3269168 w 3269168"/>
+              <a:gd name="connsiteY17" fmla="*/ 1143565 h 1145898"/>
+              <a:gd name="connsiteX18" fmla="*/ 2776578 w 3269168"/>
+              <a:gd name="connsiteY18" fmla="*/ 845663 h 1145898"/>
+              <a:gd name="connsiteX19" fmla="*/ 531263 w 3269168"/>
+              <a:gd name="connsiteY19" fmla="*/ 842531 h 1145898"/>
+              <a:gd name="connsiteX0" fmla="*/ 342363 w 3269168"/>
+              <a:gd name="connsiteY0" fmla="*/ 1145898 h 1145898"/>
+              <a:gd name="connsiteX1" fmla="*/ 350522 w 3269168"/>
+              <a:gd name="connsiteY1" fmla="*/ 1136193 h 1145898"/>
+              <a:gd name="connsiteX2" fmla="*/ 342363 w 3269168"/>
+              <a:gd name="connsiteY2" fmla="*/ 845039 h 1145898"/>
+              <a:gd name="connsiteX3" fmla="*/ 0 w 3269168"/>
+              <a:gd name="connsiteY3" fmla="*/ 831841 h 1145898"/>
+              <a:gd name="connsiteX4" fmla="*/ 0 w 3269168"/>
+              <a:gd name="connsiteY4" fmla="*/ 693201 h 1145898"/>
+              <a:gd name="connsiteX5" fmla="*/ 0 w 3269168"/>
+              <a:gd name="connsiteY5" fmla="*/ 485241 h 1145898"/>
+              <a:gd name="connsiteX6" fmla="*/ 0 w 3269168"/>
+              <a:gd name="connsiteY6" fmla="*/ 485241 h 1145898"/>
+              <a:gd name="connsiteX7" fmla="*/ 0 w 3269168"/>
+              <a:gd name="connsiteY7" fmla="*/ 0 h 1145898"/>
+              <a:gd name="connsiteX8" fmla="*/ 540075 w 3269168"/>
+              <a:gd name="connsiteY8" fmla="*/ 0 h 1145898"/>
+              <a:gd name="connsiteX9" fmla="*/ 540075 w 3269168"/>
+              <a:gd name="connsiteY9" fmla="*/ 0 h 1145898"/>
+              <a:gd name="connsiteX10" fmla="*/ 1350188 w 3269168"/>
+              <a:gd name="connsiteY10" fmla="*/ 0 h 1145898"/>
+              <a:gd name="connsiteX11" fmla="*/ 3240450 w 3269168"/>
+              <a:gd name="connsiteY11" fmla="*/ 0 h 1145898"/>
+              <a:gd name="connsiteX12" fmla="*/ 3231494 w 3269168"/>
+              <a:gd name="connsiteY12" fmla="*/ 475716 h 1145898"/>
+              <a:gd name="connsiteX13" fmla="*/ 3223106 w 3269168"/>
+              <a:gd name="connsiteY13" fmla="*/ 618591 h 1145898"/>
+              <a:gd name="connsiteX14" fmla="*/ 3232351 w 3269168"/>
+              <a:gd name="connsiteY14" fmla="*/ 721776 h 1145898"/>
+              <a:gd name="connsiteX15" fmla="*/ 3230925 w 3269168"/>
+              <a:gd name="connsiteY15" fmla="*/ 822316 h 1145898"/>
+              <a:gd name="connsiteX16" fmla="*/ 3052677 w 3269168"/>
+              <a:gd name="connsiteY16" fmla="*/ 835153 h 1145898"/>
+              <a:gd name="connsiteX17" fmla="*/ 3269168 w 3269168"/>
+              <a:gd name="connsiteY17" fmla="*/ 1143565 h 1145898"/>
+              <a:gd name="connsiteX18" fmla="*/ 2776578 w 3269168"/>
+              <a:gd name="connsiteY18" fmla="*/ 845663 h 1145898"/>
+              <a:gd name="connsiteX19" fmla="*/ 531263 w 3269168"/>
+              <a:gd name="connsiteY19" fmla="*/ 842531 h 1145898"/>
+              <a:gd name="connsiteX20" fmla="*/ 342363 w 3269168"/>
+              <a:gd name="connsiteY20" fmla="*/ 1145898 h 1145898"/>
+              <a:gd name="connsiteX0" fmla="*/ 399475 w 3269168"/>
+              <a:gd name="connsiteY0" fmla="*/ 1069243 h 1143565"/>
+              <a:gd name="connsiteX1" fmla="*/ 350522 w 3269168"/>
+              <a:gd name="connsiteY1" fmla="*/ 1136193 h 1143565"/>
+              <a:gd name="connsiteX2" fmla="*/ 342363 w 3269168"/>
+              <a:gd name="connsiteY2" fmla="*/ 845039 h 1143565"/>
+              <a:gd name="connsiteX3" fmla="*/ 0 w 3269168"/>
+              <a:gd name="connsiteY3" fmla="*/ 831841 h 1143565"/>
+              <a:gd name="connsiteX4" fmla="*/ 0 w 3269168"/>
+              <a:gd name="connsiteY4" fmla="*/ 693201 h 1143565"/>
+              <a:gd name="connsiteX5" fmla="*/ 0 w 3269168"/>
+              <a:gd name="connsiteY5" fmla="*/ 485241 h 1143565"/>
+              <a:gd name="connsiteX6" fmla="*/ 0 w 3269168"/>
+              <a:gd name="connsiteY6" fmla="*/ 485241 h 1143565"/>
+              <a:gd name="connsiteX7" fmla="*/ 0 w 3269168"/>
+              <a:gd name="connsiteY7" fmla="*/ 0 h 1143565"/>
+              <a:gd name="connsiteX8" fmla="*/ 540075 w 3269168"/>
+              <a:gd name="connsiteY8" fmla="*/ 0 h 1143565"/>
+              <a:gd name="connsiteX9" fmla="*/ 540075 w 3269168"/>
+              <a:gd name="connsiteY9" fmla="*/ 0 h 1143565"/>
+              <a:gd name="connsiteX10" fmla="*/ 1350188 w 3269168"/>
+              <a:gd name="connsiteY10" fmla="*/ 0 h 1143565"/>
+              <a:gd name="connsiteX11" fmla="*/ 3240450 w 3269168"/>
+              <a:gd name="connsiteY11" fmla="*/ 0 h 1143565"/>
+              <a:gd name="connsiteX12" fmla="*/ 3231494 w 3269168"/>
+              <a:gd name="connsiteY12" fmla="*/ 475716 h 1143565"/>
+              <a:gd name="connsiteX13" fmla="*/ 3223106 w 3269168"/>
+              <a:gd name="connsiteY13" fmla="*/ 618591 h 1143565"/>
+              <a:gd name="connsiteX14" fmla="*/ 3232351 w 3269168"/>
+              <a:gd name="connsiteY14" fmla="*/ 721776 h 1143565"/>
+              <a:gd name="connsiteX15" fmla="*/ 3230925 w 3269168"/>
+              <a:gd name="connsiteY15" fmla="*/ 822316 h 1143565"/>
+              <a:gd name="connsiteX16" fmla="*/ 3052677 w 3269168"/>
+              <a:gd name="connsiteY16" fmla="*/ 835153 h 1143565"/>
+              <a:gd name="connsiteX17" fmla="*/ 3269168 w 3269168"/>
+              <a:gd name="connsiteY17" fmla="*/ 1143565 h 1143565"/>
+              <a:gd name="connsiteX18" fmla="*/ 2776578 w 3269168"/>
+              <a:gd name="connsiteY18" fmla="*/ 845663 h 1143565"/>
+              <a:gd name="connsiteX19" fmla="*/ 531263 w 3269168"/>
+              <a:gd name="connsiteY19" fmla="*/ 842531 h 1143565"/>
+              <a:gd name="connsiteX20" fmla="*/ 399475 w 3269168"/>
+              <a:gd name="connsiteY20" fmla="*/ 1069243 h 1143565"/>
+              <a:gd name="connsiteX0" fmla="*/ 399475 w 3269168"/>
+              <a:gd name="connsiteY0" fmla="*/ 1069243 h 1143565"/>
+              <a:gd name="connsiteX1" fmla="*/ 391316 w 3269168"/>
+              <a:gd name="connsiteY1" fmla="*/ 1030793 h 1143565"/>
+              <a:gd name="connsiteX2" fmla="*/ 342363 w 3269168"/>
+              <a:gd name="connsiteY2" fmla="*/ 845039 h 1143565"/>
+              <a:gd name="connsiteX3" fmla="*/ 0 w 3269168"/>
+              <a:gd name="connsiteY3" fmla="*/ 831841 h 1143565"/>
+              <a:gd name="connsiteX4" fmla="*/ 0 w 3269168"/>
+              <a:gd name="connsiteY4" fmla="*/ 693201 h 1143565"/>
+              <a:gd name="connsiteX5" fmla="*/ 0 w 3269168"/>
+              <a:gd name="connsiteY5" fmla="*/ 485241 h 1143565"/>
+              <a:gd name="connsiteX6" fmla="*/ 0 w 3269168"/>
+              <a:gd name="connsiteY6" fmla="*/ 485241 h 1143565"/>
+              <a:gd name="connsiteX7" fmla="*/ 0 w 3269168"/>
+              <a:gd name="connsiteY7" fmla="*/ 0 h 1143565"/>
+              <a:gd name="connsiteX8" fmla="*/ 540075 w 3269168"/>
+              <a:gd name="connsiteY8" fmla="*/ 0 h 1143565"/>
+              <a:gd name="connsiteX9" fmla="*/ 540075 w 3269168"/>
+              <a:gd name="connsiteY9" fmla="*/ 0 h 1143565"/>
+              <a:gd name="connsiteX10" fmla="*/ 1350188 w 3269168"/>
+              <a:gd name="connsiteY10" fmla="*/ 0 h 1143565"/>
+              <a:gd name="connsiteX11" fmla="*/ 3240450 w 3269168"/>
+              <a:gd name="connsiteY11" fmla="*/ 0 h 1143565"/>
+              <a:gd name="connsiteX12" fmla="*/ 3231494 w 3269168"/>
+              <a:gd name="connsiteY12" fmla="*/ 475716 h 1143565"/>
+              <a:gd name="connsiteX13" fmla="*/ 3223106 w 3269168"/>
+              <a:gd name="connsiteY13" fmla="*/ 618591 h 1143565"/>
+              <a:gd name="connsiteX14" fmla="*/ 3232351 w 3269168"/>
+              <a:gd name="connsiteY14" fmla="*/ 721776 h 1143565"/>
+              <a:gd name="connsiteX15" fmla="*/ 3230925 w 3269168"/>
+              <a:gd name="connsiteY15" fmla="*/ 822316 h 1143565"/>
+              <a:gd name="connsiteX16" fmla="*/ 3052677 w 3269168"/>
+              <a:gd name="connsiteY16" fmla="*/ 835153 h 1143565"/>
+              <a:gd name="connsiteX17" fmla="*/ 3269168 w 3269168"/>
+              <a:gd name="connsiteY17" fmla="*/ 1143565 h 1143565"/>
+              <a:gd name="connsiteX18" fmla="*/ 2776578 w 3269168"/>
+              <a:gd name="connsiteY18" fmla="*/ 845663 h 1143565"/>
+              <a:gd name="connsiteX19" fmla="*/ 531263 w 3269168"/>
+              <a:gd name="connsiteY19" fmla="*/ 842531 h 1143565"/>
+              <a:gd name="connsiteX20" fmla="*/ 399475 w 3269168"/>
+              <a:gd name="connsiteY20" fmla="*/ 1069243 h 1143565"/>
+              <a:gd name="connsiteX0" fmla="*/ 531263 w 3269168"/>
+              <a:gd name="connsiteY0" fmla="*/ 842531 h 1143565"/>
+              <a:gd name="connsiteX1" fmla="*/ 391316 w 3269168"/>
+              <a:gd name="connsiteY1" fmla="*/ 1030793 h 1143565"/>
+              <a:gd name="connsiteX2" fmla="*/ 342363 w 3269168"/>
+              <a:gd name="connsiteY2" fmla="*/ 845039 h 1143565"/>
+              <a:gd name="connsiteX3" fmla="*/ 0 w 3269168"/>
+              <a:gd name="connsiteY3" fmla="*/ 831841 h 1143565"/>
+              <a:gd name="connsiteX4" fmla="*/ 0 w 3269168"/>
+              <a:gd name="connsiteY4" fmla="*/ 693201 h 1143565"/>
+              <a:gd name="connsiteX5" fmla="*/ 0 w 3269168"/>
+              <a:gd name="connsiteY5" fmla="*/ 485241 h 1143565"/>
+              <a:gd name="connsiteX6" fmla="*/ 0 w 3269168"/>
+              <a:gd name="connsiteY6" fmla="*/ 485241 h 1143565"/>
+              <a:gd name="connsiteX7" fmla="*/ 0 w 3269168"/>
+              <a:gd name="connsiteY7" fmla="*/ 0 h 1143565"/>
+              <a:gd name="connsiteX8" fmla="*/ 540075 w 3269168"/>
+              <a:gd name="connsiteY8" fmla="*/ 0 h 1143565"/>
+              <a:gd name="connsiteX9" fmla="*/ 540075 w 3269168"/>
+              <a:gd name="connsiteY9" fmla="*/ 0 h 1143565"/>
+              <a:gd name="connsiteX10" fmla="*/ 1350188 w 3269168"/>
+              <a:gd name="connsiteY10" fmla="*/ 0 h 1143565"/>
+              <a:gd name="connsiteX11" fmla="*/ 3240450 w 3269168"/>
+              <a:gd name="connsiteY11" fmla="*/ 0 h 1143565"/>
+              <a:gd name="connsiteX12" fmla="*/ 3231494 w 3269168"/>
+              <a:gd name="connsiteY12" fmla="*/ 475716 h 1143565"/>
+              <a:gd name="connsiteX13" fmla="*/ 3223106 w 3269168"/>
+              <a:gd name="connsiteY13" fmla="*/ 618591 h 1143565"/>
+              <a:gd name="connsiteX14" fmla="*/ 3232351 w 3269168"/>
+              <a:gd name="connsiteY14" fmla="*/ 721776 h 1143565"/>
+              <a:gd name="connsiteX15" fmla="*/ 3230925 w 3269168"/>
+              <a:gd name="connsiteY15" fmla="*/ 822316 h 1143565"/>
+              <a:gd name="connsiteX16" fmla="*/ 3052677 w 3269168"/>
+              <a:gd name="connsiteY16" fmla="*/ 835153 h 1143565"/>
+              <a:gd name="connsiteX17" fmla="*/ 3269168 w 3269168"/>
+              <a:gd name="connsiteY17" fmla="*/ 1143565 h 1143565"/>
+              <a:gd name="connsiteX18" fmla="*/ 2776578 w 3269168"/>
+              <a:gd name="connsiteY18" fmla="*/ 845663 h 1143565"/>
+              <a:gd name="connsiteX19" fmla="*/ 531263 w 3269168"/>
+              <a:gd name="connsiteY19" fmla="*/ 842531 h 1143565"/>
+              <a:gd name="connsiteX0" fmla="*/ 531263 w 3269168"/>
+              <a:gd name="connsiteY0" fmla="*/ 842531 h 1155357"/>
+              <a:gd name="connsiteX1" fmla="*/ 268932 w 3269168"/>
+              <a:gd name="connsiteY1" fmla="*/ 1155357 h 1155357"/>
+              <a:gd name="connsiteX2" fmla="*/ 342363 w 3269168"/>
+              <a:gd name="connsiteY2" fmla="*/ 845039 h 1155357"/>
+              <a:gd name="connsiteX3" fmla="*/ 0 w 3269168"/>
+              <a:gd name="connsiteY3" fmla="*/ 831841 h 1155357"/>
+              <a:gd name="connsiteX4" fmla="*/ 0 w 3269168"/>
+              <a:gd name="connsiteY4" fmla="*/ 693201 h 1155357"/>
+              <a:gd name="connsiteX5" fmla="*/ 0 w 3269168"/>
+              <a:gd name="connsiteY5" fmla="*/ 485241 h 1155357"/>
+              <a:gd name="connsiteX6" fmla="*/ 0 w 3269168"/>
+              <a:gd name="connsiteY6" fmla="*/ 485241 h 1155357"/>
+              <a:gd name="connsiteX7" fmla="*/ 0 w 3269168"/>
+              <a:gd name="connsiteY7" fmla="*/ 0 h 1155357"/>
+              <a:gd name="connsiteX8" fmla="*/ 540075 w 3269168"/>
+              <a:gd name="connsiteY8" fmla="*/ 0 h 1155357"/>
+              <a:gd name="connsiteX9" fmla="*/ 540075 w 3269168"/>
+              <a:gd name="connsiteY9" fmla="*/ 0 h 1155357"/>
+              <a:gd name="connsiteX10" fmla="*/ 1350188 w 3269168"/>
+              <a:gd name="connsiteY10" fmla="*/ 0 h 1155357"/>
+              <a:gd name="connsiteX11" fmla="*/ 3240450 w 3269168"/>
+              <a:gd name="connsiteY11" fmla="*/ 0 h 1155357"/>
+              <a:gd name="connsiteX12" fmla="*/ 3231494 w 3269168"/>
+              <a:gd name="connsiteY12" fmla="*/ 475716 h 1155357"/>
+              <a:gd name="connsiteX13" fmla="*/ 3223106 w 3269168"/>
+              <a:gd name="connsiteY13" fmla="*/ 618591 h 1155357"/>
+              <a:gd name="connsiteX14" fmla="*/ 3232351 w 3269168"/>
+              <a:gd name="connsiteY14" fmla="*/ 721776 h 1155357"/>
+              <a:gd name="connsiteX15" fmla="*/ 3230925 w 3269168"/>
+              <a:gd name="connsiteY15" fmla="*/ 822316 h 1155357"/>
+              <a:gd name="connsiteX16" fmla="*/ 3052677 w 3269168"/>
+              <a:gd name="connsiteY16" fmla="*/ 835153 h 1155357"/>
+              <a:gd name="connsiteX17" fmla="*/ 3269168 w 3269168"/>
+              <a:gd name="connsiteY17" fmla="*/ 1143565 h 1155357"/>
+              <a:gd name="connsiteX18" fmla="*/ 2776578 w 3269168"/>
+              <a:gd name="connsiteY18" fmla="*/ 845663 h 1155357"/>
+              <a:gd name="connsiteX19" fmla="*/ 531263 w 3269168"/>
+              <a:gd name="connsiteY19" fmla="*/ 842531 h 1155357"/>
             </a:gdLst>
             <a:ahLst/>
             <a:cxnLst>
@@ -14528,10 +16489,31 @@
             </a:cxnLst>
             <a:rect l="l" t="t" r="r" b="b"/>
             <a:pathLst>
-              <a:path w="3269168" h="1143565">
+              <a:path w="3269168" h="1155357">
                 <a:moveTo>
+                  <a:pt x="531263" y="842531"/>
+                </a:moveTo>
+                <a:lnTo>
+                  <a:pt x="268932" y="1155357"/>
+                </a:lnTo>
+                <a:lnTo>
+                  <a:pt x="342363" y="845039"/>
+                </a:lnTo>
+                <a:lnTo>
+                  <a:pt x="0" y="831841"/>
+                </a:lnTo>
+                <a:lnTo>
+                  <a:pt x="0" y="693201"/>
+                </a:lnTo>
+                <a:lnTo>
+                  <a:pt x="0" y="485241"/>
+                </a:lnTo>
+                <a:lnTo>
+                  <a:pt x="0" y="485241"/>
+                </a:lnTo>
+                <a:lnTo>
                   <a:pt x="0" y="0"/>
-                </a:moveTo>
+                </a:lnTo>
                 <a:lnTo>
                   <a:pt x="540075" y="0"/>
                 </a:lnTo>
@@ -14568,28 +16550,7 @@
                   <a:pt x="2776578" y="845663"/>
                 </a:lnTo>
                 <a:lnTo>
-                  <a:pt x="873938" y="832826"/>
-                </a:lnTo>
-                <a:lnTo>
-                  <a:pt x="713154" y="1131695"/>
-                </a:lnTo>
-                <a:lnTo>
-                  <a:pt x="663543" y="840381"/>
-                </a:lnTo>
-                <a:lnTo>
-                  <a:pt x="0" y="831841"/>
-                </a:lnTo>
-                <a:lnTo>
-                  <a:pt x="0" y="693201"/>
-                </a:lnTo>
-                <a:lnTo>
-                  <a:pt x="0" y="485241"/>
-                </a:lnTo>
-                <a:lnTo>
-                  <a:pt x="0" y="485241"/>
-                </a:lnTo>
-                <a:lnTo>
-                  <a:pt x="0" y="0"/>
+                  <a:pt x="531263" y="842531"/>
                 </a:lnTo>
                 <a:close/>
               </a:path>
@@ -14686,7 +16647,7 @@
         </p:nvSpPr>
         <p:spPr bwMode="auto">
           <a:xfrm>
-            <a:off x="4712895" y="4791566"/>
+            <a:off x="4773630" y="5301260"/>
             <a:ext cx="4247493" cy="1151928"/>
           </a:xfrm>
           <a:prstGeom prst="wedgeRectCallout">
@@ -14799,8 +16760,8 @@
         </p:nvSpPr>
         <p:spPr bwMode="auto">
           <a:xfrm>
-            <a:off x="2516875" y="3109560"/>
-            <a:ext cx="288040" cy="360198"/>
+            <a:off x="3203810" y="3490530"/>
+            <a:ext cx="504070" cy="514550"/>
           </a:xfrm>
           <a:prstGeom prst="rect">
             <a:avLst/>
@@ -14838,8 +16799,8 @@
         </p:nvSpPr>
         <p:spPr bwMode="auto">
           <a:xfrm>
-            <a:off x="5865055" y="3182600"/>
-            <a:ext cx="396055" cy="214119"/>
+            <a:off x="7812450" y="3297175"/>
+            <a:ext cx="432060" cy="144248"/>
           </a:xfrm>
           <a:prstGeom prst="rect">
             <a:avLst/>
@@ -14877,8 +16838,8 @@
         </p:nvSpPr>
         <p:spPr bwMode="auto">
           <a:xfrm>
-            <a:off x="353000" y="5397307"/>
-            <a:ext cx="543365" cy="242303"/>
+            <a:off x="253206" y="5856583"/>
+            <a:ext cx="715762" cy="242303"/>
           </a:xfrm>
           <a:prstGeom prst="rect">
             <a:avLst/>
@@ -14947,7 +16908,7 @@
       </p:grpSpPr>
       <p:pic>
         <p:nvPicPr>
-          <p:cNvPr id="4" name="図 3"/>
+          <p:cNvPr id="5" name="図 4"/>
           <p:cNvPicPr>
             <a:picLocks noChangeAspect="1"/>
           </p:cNvPicPr>
@@ -14961,8 +16922,8 @@
         </p:blipFill>
         <p:spPr>
           <a:xfrm>
-            <a:off x="582460" y="2060810"/>
-            <a:ext cx="6768939" cy="3783600"/>
+            <a:off x="521045" y="2323565"/>
+            <a:ext cx="8100935" cy="3526590"/>
           </a:xfrm>
           <a:prstGeom prst="rect">
             <a:avLst/>
@@ -15005,12 +16966,8 @@
               <a:t>（</a:t>
             </a:r>
             <a:r>
-              <a:rPr lang="en-US" altLang="ja-JP" dirty="0"/>
-              <a:t>9</a:t>
-            </a:r>
-            <a:r>
               <a:rPr lang="en-US" altLang="ja-JP" dirty="0" smtClean="0"/>
-              <a:t>/11</a:t>
+              <a:t>9/12</a:t>
             </a:r>
             <a:r>
               <a:rPr lang="ja-JP" altLang="en-US" dirty="0" smtClean="0"/>
@@ -15087,19 +17044,15 @@
               <a:t>作業一覧」メニュー</a:t>
             </a:r>
             <a:r>
-              <a:rPr lang="en-US" altLang="ja-JP" smtClean="0"/>
+              <a:rPr lang="en-US" altLang="ja-JP" dirty="0" smtClean="0"/>
               <a:t>&gt;&gt;</a:t>
             </a:r>
             <a:br>
-              <a:rPr lang="en-US" altLang="ja-JP" smtClean="0"/>
+              <a:rPr lang="en-US" altLang="ja-JP" dirty="0" smtClean="0"/>
             </a:br>
             <a:r>
-              <a:rPr lang="ja-JP" altLang="en-US" smtClean="0"/>
-              <a:t>「</a:t>
-            </a:r>
-            <a:r>
               <a:rPr lang="ja-JP" altLang="en-US" dirty="0" smtClean="0"/>
-              <a:t>一覧」サブメニューにて、各</a:t>
+              <a:t>「一覧」サブメニューにて、各</a:t>
             </a:r>
             <a:r>
               <a:rPr lang="en-US" altLang="ja-JP" dirty="0" smtClean="0"/>
@@ -15121,8 +17074,8 @@
         </p:nvSpPr>
         <p:spPr bwMode="auto">
           <a:xfrm>
-            <a:off x="566795" y="3952610"/>
-            <a:ext cx="764755" cy="268500"/>
+            <a:off x="521045" y="4086860"/>
+            <a:ext cx="810505" cy="268500"/>
           </a:xfrm>
           <a:prstGeom prst="rect">
             <a:avLst/>
@@ -15160,8 +17113,8 @@
         </p:nvSpPr>
         <p:spPr bwMode="auto">
           <a:xfrm>
-            <a:off x="4355970" y="4581160"/>
-            <a:ext cx="1368190" cy="720100"/>
+            <a:off x="5364110" y="4653170"/>
+            <a:ext cx="1440200" cy="648090"/>
           </a:xfrm>
           <a:prstGeom prst="rect">
             <a:avLst/>
@@ -15221,9 +17174,134 @@
           <a:chExt cx="0" cy="0"/>
         </a:xfrm>
       </p:grpSpPr>
+      <p:sp>
+        <p:nvSpPr>
+          <p:cNvPr id="2" name="タイトル 1"/>
+          <p:cNvSpPr>
+            <a:spLocks noGrp="1"/>
+          </p:cNvSpPr>
+          <p:nvPr>
+            <p:ph type="title"/>
+          </p:nvPr>
+        </p:nvSpPr>
+        <p:spPr/>
+        <p:txBody>
+          <a:bodyPr/>
+          <a:lstStyle/>
+          <a:p>
+            <a:r>
+              <a:rPr lang="en-US" altLang="ja-JP" dirty="0"/>
+              <a:t>2.3</a:t>
+            </a:r>
+            <a:r>
+              <a:rPr lang="ja-JP" altLang="en-US" dirty="0"/>
+              <a:t>　</a:t>
+            </a:r>
+            <a:r>
+              <a:rPr lang="en-US" altLang="ja-JP" dirty="0"/>
+              <a:t>Conductor</a:t>
+            </a:r>
+            <a:r>
+              <a:rPr lang="ja-JP" altLang="en-US" dirty="0" smtClean="0"/>
+              <a:t>メニュー</a:t>
+            </a:r>
+            <a:r>
+              <a:rPr lang="ja-JP" altLang="en-US" dirty="0"/>
+              <a:t>の</a:t>
+            </a:r>
+            <a:r>
+              <a:rPr lang="ja-JP" altLang="en-US" dirty="0" smtClean="0"/>
+              <a:t>機能説明</a:t>
+            </a:r>
+            <a:r>
+              <a:rPr lang="ja-JP" altLang="en-US" dirty="0"/>
+              <a:t>　</a:t>
+            </a:r>
+            <a:r>
+              <a:rPr lang="ja-JP" altLang="en-US" dirty="0" smtClean="0"/>
+              <a:t>（</a:t>
+            </a:r>
+            <a:r>
+              <a:rPr lang="en-US" altLang="ja-JP" dirty="0" smtClean="0"/>
+              <a:t>10/12</a:t>
+            </a:r>
+            <a:r>
+              <a:rPr lang="ja-JP" altLang="en-US" dirty="0" smtClean="0"/>
+              <a:t>）</a:t>
+            </a:r>
+            <a:endParaRPr kumimoji="1" lang="ja-JP" altLang="en-US" dirty="0"/>
+          </a:p>
+        </p:txBody>
+      </p:sp>
+      <p:sp>
+        <p:nvSpPr>
+          <p:cNvPr id="3" name="コンテンツ プレースホルダー 2"/>
+          <p:cNvSpPr>
+            <a:spLocks noGrp="1"/>
+          </p:cNvSpPr>
+          <p:nvPr>
+            <p:ph sz="quarter" idx="10"/>
+          </p:nvPr>
+        </p:nvSpPr>
+        <p:spPr/>
+        <p:txBody>
+          <a:bodyPr/>
+          <a:lstStyle/>
+          <a:p>
+            <a:pPr>
+              <a:buFont typeface="Wingdings" panose="05000000000000000000" pitchFamily="2" charset="2"/>
+              <a:buChar char="l"/>
+            </a:pPr>
+            <a:r>
+              <a:rPr lang="en-US" altLang="ja-JP" b="1" dirty="0"/>
+              <a:t>Conductor</a:t>
+            </a:r>
+            <a:r>
+              <a:rPr lang="ja-JP" altLang="en-US" b="1" dirty="0"/>
+              <a:t>定期作業</a:t>
+            </a:r>
+            <a:r>
+              <a:rPr lang="ja-JP" altLang="en-US" b="1" dirty="0" smtClean="0"/>
+              <a:t>実行（</a:t>
+            </a:r>
+            <a:r>
+              <a:rPr lang="en-US" altLang="ja-JP" b="1" dirty="0" smtClean="0"/>
+              <a:t>1/3</a:t>
+            </a:r>
+            <a:r>
+              <a:rPr lang="ja-JP" altLang="en-US" b="1" dirty="0" smtClean="0"/>
+              <a:t>）</a:t>
+            </a:r>
+            <a:endParaRPr lang="en-US" altLang="ja-JP" b="1" dirty="0" smtClean="0"/>
+          </a:p>
+          <a:p>
+            <a:pPr lvl="1"/>
+            <a:r>
+              <a:rPr lang="ja-JP" altLang="en-US" dirty="0" smtClean="0"/>
+              <a:t>「</a:t>
+            </a:r>
+            <a:r>
+              <a:rPr lang="en-US" altLang="ja-JP" dirty="0" smtClean="0"/>
+              <a:t>Conductor</a:t>
+            </a:r>
+            <a:r>
+              <a:rPr lang="ja-JP" altLang="en-US" dirty="0" smtClean="0"/>
+              <a:t>定期作業実行」メニューでは、スケジュールに従って定期的に実行する作業を管理します。 </a:t>
+            </a:r>
+            <a:r>
+              <a:rPr lang="en-US" altLang="ja-JP" b="1" dirty="0" smtClean="0"/>
+              <a:t/>
+            </a:r>
+            <a:br>
+              <a:rPr lang="en-US" altLang="ja-JP" b="1" dirty="0" smtClean="0"/>
+            </a:br>
+            <a:endParaRPr kumimoji="1" lang="ja-JP" altLang="en-US" dirty="0"/>
+          </a:p>
+        </p:txBody>
+      </p:sp>
       <p:pic>
         <p:nvPicPr>
-          <p:cNvPr id="8" name="図 7"/>
+          <p:cNvPr id="9" name="図 8"/>
           <p:cNvPicPr>
             <a:picLocks noChangeAspect="1"/>
           </p:cNvPicPr>
@@ -15247,132 +17325,7 @@
       </p:pic>
       <p:sp>
         <p:nvSpPr>
-          <p:cNvPr id="2" name="タイトル 1"/>
-          <p:cNvSpPr>
-            <a:spLocks noGrp="1"/>
-          </p:cNvSpPr>
-          <p:nvPr>
-            <p:ph type="title"/>
-          </p:nvPr>
-        </p:nvSpPr>
-        <p:spPr/>
-        <p:txBody>
-          <a:bodyPr/>
-          <a:lstStyle/>
-          <a:p>
-            <a:r>
-              <a:rPr lang="en-US" altLang="ja-JP" dirty="0"/>
-              <a:t>2.3</a:t>
-            </a:r>
-            <a:r>
-              <a:rPr lang="ja-JP" altLang="en-US" dirty="0"/>
-              <a:t>　</a:t>
-            </a:r>
-            <a:r>
-              <a:rPr lang="en-US" altLang="ja-JP" dirty="0"/>
-              <a:t>Conductor</a:t>
-            </a:r>
-            <a:r>
-              <a:rPr lang="ja-JP" altLang="en-US" dirty="0" smtClean="0"/>
-              <a:t>メニュー</a:t>
-            </a:r>
-            <a:r>
-              <a:rPr lang="ja-JP" altLang="en-US" dirty="0"/>
-              <a:t>の</a:t>
-            </a:r>
-            <a:r>
-              <a:rPr lang="ja-JP" altLang="en-US" dirty="0" smtClean="0"/>
-              <a:t>機能説明</a:t>
-            </a:r>
-            <a:r>
-              <a:rPr lang="ja-JP" altLang="en-US" dirty="0"/>
-              <a:t>　</a:t>
-            </a:r>
-            <a:r>
-              <a:rPr lang="ja-JP" altLang="en-US" dirty="0" smtClean="0"/>
-              <a:t>（</a:t>
-            </a:r>
-            <a:r>
-              <a:rPr lang="en-US" altLang="ja-JP" dirty="0" smtClean="0"/>
-              <a:t>10/11</a:t>
-            </a:r>
-            <a:r>
-              <a:rPr lang="ja-JP" altLang="en-US" dirty="0" smtClean="0"/>
-              <a:t>）</a:t>
-            </a:r>
-            <a:endParaRPr kumimoji="1" lang="ja-JP" altLang="en-US" dirty="0"/>
-          </a:p>
-        </p:txBody>
-      </p:sp>
-      <p:sp>
-        <p:nvSpPr>
-          <p:cNvPr id="3" name="コンテンツ プレースホルダー 2"/>
-          <p:cNvSpPr>
-            <a:spLocks noGrp="1"/>
-          </p:cNvSpPr>
-          <p:nvPr>
-            <p:ph sz="quarter" idx="10"/>
-          </p:nvPr>
-        </p:nvSpPr>
-        <p:spPr/>
-        <p:txBody>
-          <a:bodyPr/>
-          <a:lstStyle/>
-          <a:p>
-            <a:pPr>
-              <a:buFont typeface="Wingdings" panose="05000000000000000000" pitchFamily="2" charset="2"/>
-              <a:buChar char="l"/>
-            </a:pPr>
-            <a:r>
-              <a:rPr lang="en-US" altLang="ja-JP" b="1" dirty="0"/>
-              <a:t>Conductor</a:t>
-            </a:r>
-            <a:r>
-              <a:rPr lang="ja-JP" altLang="en-US" b="1" dirty="0"/>
-              <a:t>定期作業</a:t>
-            </a:r>
-            <a:r>
-              <a:rPr lang="ja-JP" altLang="en-US" b="1" dirty="0" smtClean="0"/>
-              <a:t>実行（</a:t>
-            </a:r>
-            <a:r>
-              <a:rPr lang="en-US" altLang="ja-JP" b="1" dirty="0" smtClean="0"/>
-              <a:t>1/2</a:t>
-            </a:r>
-            <a:r>
-              <a:rPr lang="ja-JP" altLang="en-US" b="1" dirty="0" smtClean="0"/>
-              <a:t>）</a:t>
-            </a:r>
-            <a:endParaRPr lang="en-US" altLang="ja-JP" b="1" dirty="0" smtClean="0"/>
-          </a:p>
-          <a:p>
-            <a:pPr lvl="1"/>
-            <a:r>
-              <a:rPr lang="ja-JP" altLang="en-US" dirty="0" smtClean="0"/>
-              <a:t>「</a:t>
-            </a:r>
-            <a:r>
-              <a:rPr lang="en-US" altLang="ja-JP" dirty="0" smtClean="0"/>
-              <a:t>Conductor</a:t>
-            </a:r>
-            <a:r>
-              <a:rPr lang="ja-JP" altLang="en-US" dirty="0" smtClean="0"/>
-              <a:t>定期作業実行」メニューでは、スケジュールに従って定期的に実行する作業を管理します。 </a:t>
-            </a:r>
-            <a:r>
-              <a:rPr lang="en-US" altLang="ja-JP" b="1" dirty="0" smtClean="0"/>
-              <a:t/>
-            </a:r>
-            <a:br>
-              <a:rPr lang="en-US" altLang="ja-JP" b="1" dirty="0" smtClean="0"/>
-            </a:br>
-            <a:endParaRPr kumimoji="1" lang="ja-JP" altLang="en-US" dirty="0"/>
-          </a:p>
-        </p:txBody>
-      </p:sp>
-      <p:sp>
-        <p:nvSpPr>
-          <p:cNvPr id="6" name="四角形吹き出し 5"/>
+          <p:cNvPr id="10" name="四角形吹き出し 9"/>
           <p:cNvSpPr/>
           <p:nvPr/>
         </p:nvSpPr>
@@ -15448,7 +17401,7 @@
       </p:sp>
       <p:sp>
         <p:nvSpPr>
-          <p:cNvPr id="7" name="正方形/長方形 6"/>
+          <p:cNvPr id="11" name="正方形/長方形 10"/>
           <p:cNvSpPr/>
           <p:nvPr/>
         </p:nvSpPr>
@@ -15524,7 +17477,7 @@
       </p:grpSpPr>
       <p:pic>
         <p:nvPicPr>
-          <p:cNvPr id="4" name="図 3"/>
+          <p:cNvPr id="11" name="図 10"/>
           <p:cNvPicPr>
             <a:picLocks noChangeAspect="1"/>
           </p:cNvPicPr>
@@ -15538,8 +17491,8 @@
         </p:blipFill>
         <p:spPr>
           <a:xfrm>
-            <a:off x="179512" y="1772770"/>
-            <a:ext cx="4982400" cy="4600247"/>
+            <a:off x="179512" y="1886798"/>
+            <a:ext cx="4957794" cy="4566390"/>
           </a:xfrm>
           <a:prstGeom prst="rect">
             <a:avLst/>
@@ -15595,7 +17548,7 @@
             </a:r>
             <a:r>
               <a:rPr lang="en-US" altLang="ja-JP" dirty="0" smtClean="0"/>
-              <a:t>11/11</a:t>
+              <a:t>11/12</a:t>
             </a:r>
             <a:r>
               <a:rPr lang="ja-JP" altLang="en-US" dirty="0" smtClean="0"/>
@@ -15637,12 +17590,8 @@
               <a:t>実行（</a:t>
             </a:r>
             <a:r>
-              <a:rPr lang="en-US" altLang="ja-JP" b="1" dirty="0"/>
-              <a:t>2</a:t>
-            </a:r>
-            <a:r>
               <a:rPr lang="en-US" altLang="ja-JP" b="1" dirty="0" smtClean="0"/>
-              <a:t>/2</a:t>
+              <a:t>2/3</a:t>
             </a:r>
             <a:r>
               <a:rPr lang="ja-JP" altLang="en-US" b="1" dirty="0" smtClean="0"/>
@@ -15668,13 +17617,13 @@
         </p:nvSpPr>
         <p:spPr bwMode="auto">
           <a:xfrm>
-            <a:off x="5656352" y="1916906"/>
+            <a:off x="5517324" y="2044651"/>
             <a:ext cx="3218491" cy="863888"/>
           </a:xfrm>
           <a:prstGeom prst="wedgeRectCallout">
             <a:avLst>
-              <a:gd name="adj1" fmla="val -155751"/>
-              <a:gd name="adj2" fmla="val 25701"/>
+              <a:gd name="adj1" fmla="val -157823"/>
+              <a:gd name="adj2" fmla="val 22393"/>
             </a:avLst>
           </a:prstGeom>
           <a:solidFill>
@@ -15744,8 +17693,8 @@
         </p:nvSpPr>
         <p:spPr bwMode="auto">
           <a:xfrm>
-            <a:off x="936000" y="2304000"/>
-            <a:ext cx="1080150" cy="216030"/>
+            <a:off x="971500" y="2420861"/>
+            <a:ext cx="1008140" cy="216030"/>
           </a:xfrm>
           <a:prstGeom prst="rect">
             <a:avLst/>
@@ -15777,7 +17726,7 @@
       </p:sp>
       <p:pic>
         <p:nvPicPr>
-          <p:cNvPr id="7" name="図 6"/>
+          <p:cNvPr id="12" name="図 11"/>
           <p:cNvPicPr>
             <a:picLocks noChangeAspect="1"/>
           </p:cNvPicPr>
@@ -15791,14 +17740,342 @@
         </p:blipFill>
         <p:spPr>
           <a:xfrm>
-            <a:off x="5750910" y="2922397"/>
-            <a:ext cx="2925660" cy="2106000"/>
+            <a:off x="6008048" y="2947003"/>
+            <a:ext cx="2180063" cy="1562147"/>
           </a:xfrm>
           <a:prstGeom prst="rect">
             <a:avLst/>
           </a:prstGeom>
         </p:spPr>
       </p:pic>
+      <p:sp>
+        <p:nvSpPr>
+          <p:cNvPr id="13" name="正方形/長方形 12"/>
+          <p:cNvSpPr/>
+          <p:nvPr/>
+        </p:nvSpPr>
+        <p:spPr bwMode="auto">
+          <a:xfrm>
+            <a:off x="4071949" y="4590923"/>
+            <a:ext cx="4427241" cy="1900729"/>
+          </a:xfrm>
+          <a:prstGeom prst="rect">
+            <a:avLst/>
+          </a:prstGeom>
+          <a:solidFill>
+            <a:schemeClr val="bg1"/>
+          </a:solidFill>
+          <a:ln w="38100">
+            <a:solidFill>
+              <a:schemeClr val="accent6">
+                <a:lumMod val="90000"/>
+                <a:lumOff val="10000"/>
+              </a:schemeClr>
+            </a:solidFill>
+          </a:ln>
+          <a:effectLst/>
+          <a:extLst/>
+        </p:spPr>
+        <p:txBody>
+          <a:bodyPr rot="0" spcFirstLastPara="0" vertOverflow="overflow" horzOverflow="overflow" vert="horz" wrap="none" lIns="72000" tIns="72000" rIns="72000" bIns="72000" numCol="1" spcCol="0" rtlCol="0" fromWordArt="0" anchor="ctr" anchorCtr="0" forceAA="0" compatLnSpc="1">
+            <a:prstTxWarp prst="textNoShape">
+              <a:avLst/>
+            </a:prstTxWarp>
+            <a:noAutofit/>
+          </a:bodyPr>
+          <a:lstStyle/>
+          <a:p>
+            <a:pPr algn="ctr"/>
+            <a:r>
+              <a:rPr lang="en-US" altLang="ja-JP" sz="1400" b="1" dirty="0" smtClean="0"/>
+              <a:t/>
+            </a:r>
+            <a:br>
+              <a:rPr lang="en-US" altLang="ja-JP" sz="1400" b="1" dirty="0" smtClean="0"/>
+            </a:br>
+            <a:r>
+              <a:rPr lang="en-US" altLang="ja-JP" sz="1400" b="1" dirty="0" smtClean="0"/>
+              <a:t/>
+            </a:r>
+            <a:br>
+              <a:rPr lang="en-US" altLang="ja-JP" sz="1400" b="1" dirty="0" smtClean="0"/>
+            </a:br>
+            <a:r>
+              <a:rPr lang="en-US" altLang="ja-JP" sz="1400" b="1" dirty="0" smtClean="0"/>
+              <a:t/>
+            </a:r>
+            <a:br>
+              <a:rPr lang="en-US" altLang="ja-JP" sz="1400" b="1" dirty="0" smtClean="0"/>
+            </a:br>
+            <a:r>
+              <a:rPr lang="en-US" altLang="ja-JP" sz="1400" b="1" dirty="0" smtClean="0"/>
+              <a:t/>
+            </a:r>
+            <a:br>
+              <a:rPr lang="en-US" altLang="ja-JP" sz="1400" b="1" dirty="0" smtClean="0"/>
+            </a:br>
+            <a:r>
+              <a:rPr lang="en-US" altLang="ja-JP" sz="1400" b="1" dirty="0" smtClean="0"/>
+              <a:t/>
+            </a:r>
+            <a:br>
+              <a:rPr lang="en-US" altLang="ja-JP" sz="1400" b="1" dirty="0" smtClean="0"/>
+            </a:br>
+            <a:r>
+              <a:rPr lang="en-US" altLang="ja-JP" sz="1400" b="1" dirty="0" smtClean="0"/>
+              <a:t/>
+            </a:r>
+            <a:br>
+              <a:rPr lang="en-US" altLang="ja-JP" sz="1400" b="1" dirty="0" smtClean="0"/>
+            </a:br>
+            <a:r>
+              <a:rPr lang="ja-JP" altLang="en-US" sz="1400" b="1" dirty="0" smtClean="0"/>
+              <a:t>初回</a:t>
+            </a:r>
+            <a:r>
+              <a:rPr lang="en-US" altLang="ja-JP" sz="1400" b="1" dirty="0" smtClean="0"/>
+              <a:t>(=</a:t>
+            </a:r>
+            <a:r>
+              <a:rPr lang="ja-JP" altLang="en-US" sz="1400" b="1" dirty="0"/>
+              <a:t>次回実行</a:t>
+            </a:r>
+            <a:r>
+              <a:rPr lang="ja-JP" altLang="en-US" sz="1400" b="1" dirty="0" smtClean="0"/>
+              <a:t>日付</a:t>
+            </a:r>
+            <a:r>
+              <a:rPr lang="en-US" altLang="ja-JP" sz="1400" b="1" dirty="0" smtClean="0"/>
+              <a:t>)</a:t>
+            </a:r>
+            <a:r>
+              <a:rPr lang="ja-JP" altLang="en-US" sz="1400" b="1" dirty="0" smtClean="0"/>
+              <a:t> ：</a:t>
+            </a:r>
+            <a:r>
+              <a:rPr lang="en-US" altLang="ja-JP" sz="1400" b="1" dirty="0" smtClean="0"/>
+              <a:t>2021/09/01  00:00</a:t>
+            </a:r>
+            <a:r>
+              <a:rPr lang="en-US" altLang="ja-JP" sz="1400" b="1" dirty="0" smtClean="0">
+                <a:latin typeface="+mn-ea"/>
+              </a:rPr>
+              <a:t/>
+            </a:r>
+            <a:br>
+              <a:rPr lang="en-US" altLang="ja-JP" sz="1400" b="1" dirty="0" smtClean="0">
+                <a:latin typeface="+mn-ea"/>
+              </a:rPr>
+            </a:br>
+            <a:r>
+              <a:rPr lang="en-US" altLang="ja-JP" sz="1400" b="1" dirty="0" smtClean="0">
+                <a:latin typeface="+mn-ea"/>
+              </a:rPr>
+              <a:t>2</a:t>
+            </a:r>
+            <a:r>
+              <a:rPr lang="ja-JP" altLang="en-US" sz="1400" b="1" dirty="0" smtClean="0">
+                <a:latin typeface="+mn-ea"/>
+              </a:rPr>
+              <a:t>回目                       </a:t>
+            </a:r>
+            <a:r>
+              <a:rPr lang="ja-JP" altLang="en-US" sz="1400" b="1" dirty="0" smtClean="0"/>
+              <a:t>：</a:t>
+            </a:r>
+            <a:r>
+              <a:rPr lang="en-US" altLang="ja-JP" sz="1400" b="1" dirty="0" smtClean="0"/>
+              <a:t>2021/09/01  08:00</a:t>
+            </a:r>
+            <a:br>
+              <a:rPr lang="en-US" altLang="ja-JP" sz="1400" b="1" dirty="0" smtClean="0"/>
+            </a:br>
+            <a:r>
+              <a:rPr lang="en-US" altLang="ja-JP" sz="1400" b="1" dirty="0" smtClean="0">
+                <a:latin typeface="+mn-ea"/>
+              </a:rPr>
+              <a:t>3</a:t>
+            </a:r>
+            <a:r>
+              <a:rPr lang="ja-JP" altLang="en-US" sz="1400" b="1" dirty="0" smtClean="0">
+                <a:latin typeface="+mn-ea"/>
+              </a:rPr>
+              <a:t>回目                       </a:t>
+            </a:r>
+            <a:r>
+              <a:rPr lang="ja-JP" altLang="en-US" sz="1400" b="1" dirty="0" smtClean="0"/>
+              <a:t>：</a:t>
+            </a:r>
+            <a:r>
+              <a:rPr lang="en-US" altLang="ja-JP" sz="1400" b="1" dirty="0"/>
+              <a:t>2021/09/01  </a:t>
+            </a:r>
+            <a:r>
+              <a:rPr lang="en-US" altLang="ja-JP" sz="1400" b="1" dirty="0" smtClean="0"/>
+              <a:t>16:00</a:t>
+            </a:r>
+            <a:br>
+              <a:rPr lang="en-US" altLang="ja-JP" sz="1400" b="1" dirty="0" smtClean="0"/>
+            </a:br>
+            <a:r>
+              <a:rPr lang="en-US" altLang="ja-JP" sz="1400" b="1" dirty="0" smtClean="0"/>
+              <a:t/>
+            </a:r>
+            <a:br>
+              <a:rPr lang="en-US" altLang="ja-JP" sz="1400" b="1" dirty="0" smtClean="0"/>
+            </a:br>
+            <a:r>
+              <a:rPr lang="en-US" altLang="ja-JP" sz="1400" b="1" dirty="0" smtClean="0"/>
+              <a:t/>
+            </a:r>
+            <a:br>
+              <a:rPr lang="en-US" altLang="ja-JP" sz="1400" b="1" dirty="0" smtClean="0"/>
+            </a:br>
+            <a:endParaRPr lang="ja-JP" altLang="en-US" sz="1400" b="1" dirty="0">
+              <a:latin typeface="+mn-ea"/>
+            </a:endParaRPr>
+          </a:p>
+        </p:txBody>
+      </p:sp>
+      <p:cxnSp>
+        <p:nvCxnSpPr>
+          <p:cNvPr id="25" name="曲線コネクタ 24"/>
+          <p:cNvCxnSpPr/>
+          <p:nvPr/>
+        </p:nvCxnSpPr>
+        <p:spPr bwMode="auto">
+          <a:xfrm rot="8220000" flipH="1">
+            <a:off x="6209539" y="6235323"/>
+            <a:ext cx="144020" cy="144020"/>
+          </a:xfrm>
+          <a:prstGeom prst="curvedConnector3">
+            <a:avLst/>
+          </a:prstGeom>
+          <a:solidFill>
+            <a:schemeClr val="bg1"/>
+          </a:solidFill>
+          <a:ln w="19050" cap="flat" cmpd="sng" algn="ctr">
+            <a:solidFill>
+              <a:schemeClr val="tx1"/>
+            </a:solidFill>
+            <a:prstDash val="solid"/>
+            <a:round/>
+            <a:headEnd type="none" w="med" len="med"/>
+            <a:tailEnd type="none" w="med" len="med"/>
+          </a:ln>
+          <a:effectLst/>
+          <a:extLst>
+            <a:ext uri="{AF507438-7753-43E0-B8FC-AC1667EBCBE1}">
+              <a14:hiddenEffects xmlns:a14="http://schemas.microsoft.com/office/drawing/2010/main">
+                <a:effectLst>
+                  <a:outerShdw dist="35921" dir="2700000" algn="ctr" rotWithShape="0">
+                    <a:schemeClr val="tx1">
+                      <a:alpha val="50000"/>
+                    </a:schemeClr>
+                  </a:outerShdw>
+                </a:effectLst>
+              </a14:hiddenEffects>
+            </a:ext>
+          </a:extLst>
+        </p:spPr>
+      </p:cxnSp>
+      <p:sp>
+        <p:nvSpPr>
+          <p:cNvPr id="29" name="正方形/長方形 28"/>
+          <p:cNvSpPr/>
+          <p:nvPr/>
+        </p:nvSpPr>
+        <p:spPr bwMode="auto">
+          <a:xfrm>
+            <a:off x="4071949" y="4784955"/>
+            <a:ext cx="4427241" cy="683961"/>
+          </a:xfrm>
+          <a:prstGeom prst="rect">
+            <a:avLst/>
+          </a:prstGeom>
+          <a:noFill/>
+          <a:ln w="38100">
+            <a:noFill/>
+          </a:ln>
+          <a:effectLst/>
+          <a:extLst/>
+        </p:spPr>
+        <p:txBody>
+          <a:bodyPr rot="0" spcFirstLastPara="0" vertOverflow="overflow" horzOverflow="overflow" vert="horz" wrap="none" lIns="72000" tIns="72000" rIns="72000" bIns="72000" numCol="1" spcCol="0" rtlCol="0" fromWordArt="0" anchor="ctr" anchorCtr="0" forceAA="0" compatLnSpc="1">
+            <a:prstTxWarp prst="textNoShape">
+              <a:avLst/>
+            </a:prstTxWarp>
+            <a:noAutofit/>
+          </a:bodyPr>
+          <a:lstStyle/>
+          <a:p>
+            <a:r>
+              <a:rPr lang="ja-JP" altLang="en-US" sz="1400" b="1" dirty="0" smtClean="0">
+                <a:latin typeface="+mn-ea"/>
+              </a:rPr>
+              <a:t>現在日時「</a:t>
+            </a:r>
+            <a:r>
+              <a:rPr lang="en-US" altLang="ja-JP" sz="1400" b="1" dirty="0" smtClean="0">
+                <a:latin typeface="+mn-ea"/>
+              </a:rPr>
+              <a:t>2021/8/31 00:00</a:t>
+            </a:r>
+            <a:r>
+              <a:rPr lang="ja-JP" altLang="en-US" sz="1400" b="1" dirty="0" smtClean="0">
+                <a:latin typeface="+mn-ea"/>
+              </a:rPr>
+              <a:t>」に</a:t>
+            </a:r>
+            <a:r>
+              <a:rPr lang="en-US" altLang="ja-JP" sz="1400" b="1" dirty="0" smtClean="0">
+                <a:latin typeface="+mn-ea"/>
+              </a:rPr>
+              <a:t/>
+            </a:r>
+            <a:br>
+              <a:rPr lang="en-US" altLang="ja-JP" sz="1400" b="1" dirty="0" smtClean="0">
+                <a:latin typeface="+mn-ea"/>
+              </a:rPr>
+            </a:br>
+            <a:r>
+              <a:rPr lang="ja-JP" altLang="en-US" sz="1400" b="1" dirty="0" smtClean="0">
+                <a:latin typeface="+mn-ea"/>
+              </a:rPr>
+              <a:t>左図のようにスケジュール設定した場合</a:t>
+            </a:r>
+            <a:r>
+              <a:rPr lang="en-US" altLang="ja-JP" sz="1400" b="1" dirty="0" smtClean="0">
+                <a:latin typeface="+mn-ea"/>
+              </a:rPr>
+              <a:t/>
+            </a:r>
+            <a:br>
+              <a:rPr lang="en-US" altLang="ja-JP" sz="1400" b="1" dirty="0" smtClean="0">
+                <a:latin typeface="+mn-ea"/>
+              </a:rPr>
+            </a:br>
+            <a:r>
+              <a:rPr lang="en-US" altLang="ja-JP" sz="1400" b="1" dirty="0" smtClean="0"/>
+              <a:t>Conductor</a:t>
+            </a:r>
+            <a:r>
+              <a:rPr lang="ja-JP" altLang="en-US" sz="1400" b="1" dirty="0" smtClean="0"/>
+              <a:t>の実行日時は以下のようになります。</a:t>
+            </a:r>
+            <a:r>
+              <a:rPr lang="en-US" altLang="ja-JP" sz="1400" b="1" dirty="0" smtClean="0"/>
+              <a:t/>
+            </a:r>
+            <a:br>
+              <a:rPr lang="en-US" altLang="ja-JP" sz="1400" b="1" dirty="0" smtClean="0"/>
+            </a:br>
+            <a:endParaRPr lang="ja-JP" altLang="en-US" sz="1400" b="1" dirty="0">
+              <a:latin typeface="+mn-ea"/>
+            </a:endParaRPr>
+          </a:p>
+        </p:txBody>
+      </p:sp>
     </p:spTree>
     <p:extLst>
       <p:ext uri="{BB962C8B-B14F-4D97-AF65-F5344CB8AC3E}">
@@ -15820,6 +18097,1693 @@
 </file>
 
 <file path=ppt/slides/slide19.xml><?xml version="1.0" encoding="utf-8"?>
+<p:sld xmlns:a="http://schemas.openxmlformats.org/drawingml/2006/main" xmlns:r="http://schemas.openxmlformats.org/officeDocument/2006/relationships" xmlns:p="http://schemas.openxmlformats.org/presentationml/2006/main">
+  <p:cSld>
+    <p:spTree>
+      <p:nvGrpSpPr>
+        <p:cNvPr id="1" name=""/>
+        <p:cNvGrpSpPr/>
+        <p:nvPr/>
+      </p:nvGrpSpPr>
+      <p:grpSpPr>
+        <a:xfrm>
+          <a:off x="0" y="0"/>
+          <a:ext cx="0" cy="0"/>
+          <a:chOff x="0" y="0"/>
+          <a:chExt cx="0" cy="0"/>
+        </a:xfrm>
+      </p:grpSpPr>
+      <p:sp>
+        <p:nvSpPr>
+          <p:cNvPr id="2" name="タイトル 1"/>
+          <p:cNvSpPr>
+            <a:spLocks noGrp="1"/>
+          </p:cNvSpPr>
+          <p:nvPr>
+            <p:ph type="title"/>
+          </p:nvPr>
+        </p:nvSpPr>
+        <p:spPr/>
+        <p:txBody>
+          <a:bodyPr/>
+          <a:lstStyle/>
+          <a:p>
+            <a:r>
+              <a:rPr lang="en-US" altLang="ja-JP" dirty="0"/>
+              <a:t>2.3</a:t>
+            </a:r>
+            <a:r>
+              <a:rPr lang="ja-JP" altLang="en-US" dirty="0"/>
+              <a:t>　</a:t>
+            </a:r>
+            <a:r>
+              <a:rPr lang="en-US" altLang="ja-JP" dirty="0"/>
+              <a:t>Conductor</a:t>
+            </a:r>
+            <a:r>
+              <a:rPr lang="ja-JP" altLang="en-US" dirty="0"/>
+              <a:t>メニューの機能説明　（</a:t>
+            </a:r>
+            <a:r>
+              <a:rPr lang="en-US" altLang="ja-JP" dirty="0" smtClean="0"/>
+              <a:t>12/12</a:t>
+            </a:r>
+            <a:r>
+              <a:rPr lang="ja-JP" altLang="en-US" dirty="0" smtClean="0"/>
+              <a:t>）</a:t>
+            </a:r>
+            <a:endParaRPr kumimoji="1" lang="ja-JP" altLang="en-US" dirty="0"/>
+          </a:p>
+        </p:txBody>
+      </p:sp>
+      <p:sp>
+        <p:nvSpPr>
+          <p:cNvPr id="3" name="コンテンツ プレースホルダー 2"/>
+          <p:cNvSpPr>
+            <a:spLocks noGrp="1"/>
+          </p:cNvSpPr>
+          <p:nvPr>
+            <p:ph sz="quarter" idx="10"/>
+          </p:nvPr>
+        </p:nvSpPr>
+        <p:spPr/>
+        <p:txBody>
+          <a:bodyPr/>
+          <a:lstStyle/>
+          <a:p>
+            <a:pPr>
+              <a:buFont typeface="Wingdings" panose="05000000000000000000" pitchFamily="2" charset="2"/>
+              <a:buChar char="l"/>
+            </a:pPr>
+            <a:r>
+              <a:rPr lang="en-US" altLang="ja-JP" b="1" dirty="0"/>
+              <a:t>Conductor</a:t>
+            </a:r>
+            <a:r>
+              <a:rPr lang="ja-JP" altLang="en-US" b="1" dirty="0"/>
+              <a:t>定期作業実行</a:t>
+            </a:r>
+            <a:r>
+              <a:rPr lang="ja-JP" altLang="en-US" b="1" dirty="0" smtClean="0"/>
+              <a:t>（</a:t>
+            </a:r>
+            <a:r>
+              <a:rPr lang="en-US" altLang="ja-JP" b="1" dirty="0" smtClean="0"/>
+              <a:t>3/3</a:t>
+            </a:r>
+            <a:r>
+              <a:rPr lang="ja-JP" altLang="en-US" b="1" dirty="0" smtClean="0"/>
+              <a:t>）</a:t>
+            </a:r>
+            <a:endParaRPr lang="en-US" altLang="ja-JP" b="1" dirty="0" smtClean="0"/>
+          </a:p>
+          <a:p>
+            <a:pPr lvl="1"/>
+            <a:r>
+              <a:rPr lang="ja-JP" altLang="en-US" dirty="0"/>
+              <a:t>定期作業実行に登録した</a:t>
+            </a:r>
+            <a:r>
+              <a:rPr lang="en-US" altLang="ja-JP" dirty="0"/>
+              <a:t>Conductor</a:t>
+            </a:r>
+            <a:r>
+              <a:rPr lang="ja-JP" altLang="en-US" dirty="0"/>
+              <a:t>作業は</a:t>
+            </a:r>
+            <a:r>
+              <a:rPr lang="ja-JP" altLang="en-US" dirty="0" smtClean="0"/>
+              <a:t>、</a:t>
+            </a:r>
+            <a:r>
+              <a:rPr lang="ja-JP" altLang="en-US" dirty="0"/>
+              <a:t>次回実行</a:t>
+            </a:r>
+            <a:r>
+              <a:rPr lang="ja-JP" altLang="en-US" dirty="0" smtClean="0"/>
+              <a:t>日付のインターバル時間前に</a:t>
+            </a:r>
+            <a:r>
+              <a:rPr lang="ja-JP" altLang="en-US" dirty="0"/>
+              <a:t>なる</a:t>
+            </a:r>
+            <a:r>
+              <a:rPr lang="ja-JP" altLang="en-US" dirty="0" smtClean="0"/>
+              <a:t>と未実行</a:t>
+            </a:r>
+            <a:r>
+              <a:rPr lang="ja-JP" altLang="en-US" dirty="0"/>
+              <a:t>（予約）ステータスに遷移します。（インターバル時間の初期値は</a:t>
+            </a:r>
+            <a:r>
+              <a:rPr lang="en-US" altLang="ja-JP" dirty="0"/>
+              <a:t>3</a:t>
+            </a:r>
+            <a:r>
+              <a:rPr lang="ja-JP" altLang="en-US" dirty="0"/>
+              <a:t>分</a:t>
+            </a:r>
+            <a:r>
+              <a:rPr lang="ja-JP" altLang="en-US" dirty="0" smtClean="0"/>
+              <a:t>）</a:t>
+            </a:r>
+            <a:r>
+              <a:rPr lang="en-US" altLang="ja-JP" dirty="0" smtClean="0"/>
+              <a:t/>
+            </a:r>
+            <a:br>
+              <a:rPr lang="en-US" altLang="ja-JP" dirty="0" smtClean="0"/>
+            </a:br>
+            <a:r>
+              <a:rPr lang="ja-JP" altLang="en-US" dirty="0" smtClean="0"/>
+              <a:t>インターバル</a:t>
+            </a:r>
+            <a:r>
+              <a:rPr lang="ja-JP" altLang="en-US" dirty="0"/>
+              <a:t>時間はユーザ側で「管理コンソール」</a:t>
+            </a:r>
+            <a:r>
+              <a:rPr lang="ja-JP" altLang="en-US" dirty="0" smtClean="0"/>
+              <a:t>メニューグループの「</a:t>
+            </a:r>
+            <a:r>
+              <a:rPr lang="ja-JP" altLang="en-US" dirty="0"/>
+              <a:t>システム設定</a:t>
+            </a:r>
+            <a:r>
+              <a:rPr lang="ja-JP" altLang="en-US" dirty="0" smtClean="0"/>
+              <a:t>」メニュー</a:t>
+            </a:r>
+            <a:r>
+              <a:rPr lang="ja-JP" altLang="en-US" dirty="0"/>
+              <a:t>より設定可能です</a:t>
+            </a:r>
+            <a:r>
+              <a:rPr lang="ja-JP" altLang="en-US" dirty="0" smtClean="0"/>
+              <a:t>。変更</a:t>
+            </a:r>
+            <a:r>
+              <a:rPr lang="ja-JP" altLang="en-US" dirty="0"/>
+              <a:t>手順は</a:t>
+            </a:r>
+            <a:r>
+              <a:rPr lang="ja-JP" altLang="en-US" dirty="0" smtClean="0">
+                <a:hlinkClick r:id="rId2"/>
+              </a:rPr>
+              <a:t>管理コンソールの利用手順マニュアル</a:t>
+            </a:r>
+            <a:r>
+              <a:rPr lang="ja-JP" altLang="en-US" dirty="0" smtClean="0"/>
+              <a:t>をご参照ください。</a:t>
+            </a:r>
+            <a:endParaRPr lang="en-US" altLang="ja-JP" dirty="0" smtClean="0"/>
+          </a:p>
+          <a:p>
+            <a:pPr lvl="1"/>
+            <a:r>
+              <a:rPr lang="ja-JP" altLang="en-US" dirty="0" smtClean="0"/>
+              <a:t>ステータス 未実行</a:t>
+            </a:r>
+            <a:r>
+              <a:rPr lang="ja-JP" altLang="en-US" dirty="0"/>
+              <a:t>（予約</a:t>
+            </a:r>
+            <a:r>
+              <a:rPr lang="ja-JP" altLang="en-US" dirty="0" smtClean="0"/>
+              <a:t>）の</a:t>
+            </a:r>
+            <a:r>
+              <a:rPr lang="en-US" altLang="ja-JP" dirty="0"/>
+              <a:t>Conductor/Symphony</a:t>
+            </a:r>
+            <a:r>
+              <a:rPr lang="ja-JP" altLang="en-US" dirty="0" smtClean="0"/>
+              <a:t>は</a:t>
+            </a:r>
+          </a:p>
+          <a:p>
+            <a:pPr marL="180000" lvl="1" indent="0">
+              <a:buNone/>
+            </a:pPr>
+            <a:r>
+              <a:rPr lang="ja-JP" altLang="en-US" dirty="0" smtClean="0"/>
+              <a:t>　「</a:t>
+            </a:r>
+            <a:r>
+              <a:rPr lang="en-US" altLang="ja-JP" dirty="0" smtClean="0"/>
+              <a:t>Conductor</a:t>
+            </a:r>
+            <a:r>
+              <a:rPr lang="ja-JP" altLang="en-US" dirty="0" smtClean="0"/>
+              <a:t>作業一覧」メニューとダッシュボードの「作業状況」で確認できます。</a:t>
+            </a:r>
+          </a:p>
+          <a:p>
+            <a:pPr marL="180000" lvl="1" indent="0">
+              <a:buNone/>
+            </a:pPr>
+            <a:r>
+              <a:rPr lang="en-US" altLang="ja-JP" dirty="0" smtClean="0"/>
+              <a:t> </a:t>
+            </a:r>
+            <a:endParaRPr kumimoji="1" lang="ja-JP" altLang="en-US" dirty="0"/>
+          </a:p>
+        </p:txBody>
+      </p:sp>
+      <p:pic>
+        <p:nvPicPr>
+          <p:cNvPr id="6" name="図 5"/>
+          <p:cNvPicPr>
+            <a:picLocks noChangeAspect="1"/>
+          </p:cNvPicPr>
+          <p:nvPr/>
+        </p:nvPicPr>
+        <p:blipFill>
+          <a:blip r:embed="rId3"/>
+          <a:stretch>
+            <a:fillRect/>
+          </a:stretch>
+        </p:blipFill>
+        <p:spPr>
+          <a:xfrm>
+            <a:off x="47671" y="3917698"/>
+            <a:ext cx="4968333" cy="2339558"/>
+          </a:xfrm>
+          <a:prstGeom prst="rect">
+            <a:avLst/>
+          </a:prstGeom>
+        </p:spPr>
+      </p:pic>
+      <p:pic>
+        <p:nvPicPr>
+          <p:cNvPr id="7" name="図 6"/>
+          <p:cNvPicPr>
+            <a:picLocks noChangeAspect="1"/>
+          </p:cNvPicPr>
+          <p:nvPr/>
+        </p:nvPicPr>
+        <p:blipFill>
+          <a:blip r:embed="rId4"/>
+          <a:stretch>
+            <a:fillRect/>
+          </a:stretch>
+        </p:blipFill>
+        <p:spPr>
+          <a:xfrm>
+            <a:off x="5226430" y="3916578"/>
+            <a:ext cx="3752281" cy="2312012"/>
+          </a:xfrm>
+          <a:prstGeom prst="rect">
+            <a:avLst/>
+          </a:prstGeom>
+        </p:spPr>
+      </p:pic>
+      <p:sp>
+        <p:nvSpPr>
+          <p:cNvPr id="8" name="正方形/長方形 7"/>
+          <p:cNvSpPr/>
+          <p:nvPr/>
+        </p:nvSpPr>
+        <p:spPr bwMode="auto">
+          <a:xfrm>
+            <a:off x="3448461" y="5285888"/>
+            <a:ext cx="504070" cy="216030"/>
+          </a:xfrm>
+          <a:prstGeom prst="rect">
+            <a:avLst/>
+          </a:prstGeom>
+          <a:noFill/>
+          <a:ln w="38100">
+            <a:solidFill>
+              <a:srgbClr val="FF0000"/>
+            </a:solidFill>
+          </a:ln>
+          <a:effectLst/>
+          <a:extLst/>
+        </p:spPr>
+        <p:txBody>
+          <a:bodyPr rot="0" spcFirstLastPara="0" vertOverflow="overflow" horzOverflow="overflow" vert="horz" wrap="none" lIns="72000" tIns="72000" rIns="72000" bIns="72000" numCol="1" spcCol="0" rtlCol="0" fromWordArt="0" anchor="ctr" anchorCtr="0" forceAA="0" compatLnSpc="1">
+            <a:prstTxWarp prst="textNoShape">
+              <a:avLst/>
+            </a:prstTxWarp>
+            <a:noAutofit/>
+          </a:bodyPr>
+          <a:lstStyle/>
+          <a:p>
+            <a:pPr algn="ctr"/>
+            <a:endParaRPr kumimoji="1" lang="ja-JP" altLang="en-US" b="1" dirty="0" smtClean="0">
+              <a:latin typeface="+mn-ea"/>
+            </a:endParaRPr>
+          </a:p>
+        </p:txBody>
+      </p:sp>
+      <p:sp>
+        <p:nvSpPr>
+          <p:cNvPr id="9" name="正方形/長方形 8"/>
+          <p:cNvSpPr/>
+          <p:nvPr/>
+        </p:nvSpPr>
+        <p:spPr bwMode="auto">
+          <a:xfrm>
+            <a:off x="6464481" y="5567472"/>
+            <a:ext cx="1232570" cy="222485"/>
+          </a:xfrm>
+          <a:prstGeom prst="rect">
+            <a:avLst/>
+          </a:prstGeom>
+          <a:noFill/>
+          <a:ln w="38100">
+            <a:solidFill>
+              <a:srgbClr val="FF0000"/>
+            </a:solidFill>
+          </a:ln>
+          <a:effectLst/>
+          <a:extLst/>
+        </p:spPr>
+        <p:txBody>
+          <a:bodyPr rot="0" spcFirstLastPara="0" vertOverflow="overflow" horzOverflow="overflow" vert="horz" wrap="none" lIns="72000" tIns="72000" rIns="72000" bIns="72000" numCol="1" spcCol="0" rtlCol="0" fromWordArt="0" anchor="ctr" anchorCtr="0" forceAA="0" compatLnSpc="1">
+            <a:prstTxWarp prst="textNoShape">
+              <a:avLst/>
+            </a:prstTxWarp>
+            <a:noAutofit/>
+          </a:bodyPr>
+          <a:lstStyle/>
+          <a:p>
+            <a:pPr algn="ctr"/>
+            <a:endParaRPr kumimoji="1" lang="ja-JP" altLang="en-US" b="1" dirty="0" smtClean="0">
+              <a:latin typeface="+mn-ea"/>
+            </a:endParaRPr>
+          </a:p>
+        </p:txBody>
+      </p:sp>
+      <p:sp>
+        <p:nvSpPr>
+          <p:cNvPr id="11" name="四角形吹き出し 25"/>
+          <p:cNvSpPr/>
+          <p:nvPr/>
+        </p:nvSpPr>
+        <p:spPr bwMode="auto">
+          <a:xfrm>
+            <a:off x="2627731" y="5755430"/>
+            <a:ext cx="4039222" cy="951270"/>
+          </a:xfrm>
+          <a:custGeom>
+            <a:avLst/>
+            <a:gdLst>
+              <a:gd name="connsiteX0" fmla="*/ 0 w 3218491"/>
+              <a:gd name="connsiteY0" fmla="*/ 0 h 719868"/>
+              <a:gd name="connsiteX1" fmla="*/ 536415 w 3218491"/>
+              <a:gd name="connsiteY1" fmla="*/ 0 h 719868"/>
+              <a:gd name="connsiteX2" fmla="*/ 911541 w 3218491"/>
+              <a:gd name="connsiteY2" fmla="*/ -231402 h 719868"/>
+              <a:gd name="connsiteX3" fmla="*/ 1341038 w 3218491"/>
+              <a:gd name="connsiteY3" fmla="*/ 0 h 719868"/>
+              <a:gd name="connsiteX4" fmla="*/ 3218491 w 3218491"/>
+              <a:gd name="connsiteY4" fmla="*/ 0 h 719868"/>
+              <a:gd name="connsiteX5" fmla="*/ 3218491 w 3218491"/>
+              <a:gd name="connsiteY5" fmla="*/ 119978 h 719868"/>
+              <a:gd name="connsiteX6" fmla="*/ 3218491 w 3218491"/>
+              <a:gd name="connsiteY6" fmla="*/ 119978 h 719868"/>
+              <a:gd name="connsiteX7" fmla="*/ 3218491 w 3218491"/>
+              <a:gd name="connsiteY7" fmla="*/ 299945 h 719868"/>
+              <a:gd name="connsiteX8" fmla="*/ 3218491 w 3218491"/>
+              <a:gd name="connsiteY8" fmla="*/ 719868 h 719868"/>
+              <a:gd name="connsiteX9" fmla="*/ 1341038 w 3218491"/>
+              <a:gd name="connsiteY9" fmla="*/ 719868 h 719868"/>
+              <a:gd name="connsiteX10" fmla="*/ 536415 w 3218491"/>
+              <a:gd name="connsiteY10" fmla="*/ 719868 h 719868"/>
+              <a:gd name="connsiteX11" fmla="*/ 536415 w 3218491"/>
+              <a:gd name="connsiteY11" fmla="*/ 719868 h 719868"/>
+              <a:gd name="connsiteX12" fmla="*/ 0 w 3218491"/>
+              <a:gd name="connsiteY12" fmla="*/ 719868 h 719868"/>
+              <a:gd name="connsiteX13" fmla="*/ 0 w 3218491"/>
+              <a:gd name="connsiteY13" fmla="*/ 299945 h 719868"/>
+              <a:gd name="connsiteX14" fmla="*/ 0 w 3218491"/>
+              <a:gd name="connsiteY14" fmla="*/ 119978 h 719868"/>
+              <a:gd name="connsiteX15" fmla="*/ 0 w 3218491"/>
+              <a:gd name="connsiteY15" fmla="*/ 119978 h 719868"/>
+              <a:gd name="connsiteX16" fmla="*/ 0 w 3218491"/>
+              <a:gd name="connsiteY16" fmla="*/ 0 h 719868"/>
+              <a:gd name="connsiteX0" fmla="*/ 0 w 3218491"/>
+              <a:gd name="connsiteY0" fmla="*/ 231402 h 951270"/>
+              <a:gd name="connsiteX1" fmla="*/ 869790 w 3218491"/>
+              <a:gd name="connsiteY1" fmla="*/ 240927 h 951270"/>
+              <a:gd name="connsiteX2" fmla="*/ 911541 w 3218491"/>
+              <a:gd name="connsiteY2" fmla="*/ 0 h 951270"/>
+              <a:gd name="connsiteX3" fmla="*/ 1341038 w 3218491"/>
+              <a:gd name="connsiteY3" fmla="*/ 231402 h 951270"/>
+              <a:gd name="connsiteX4" fmla="*/ 3218491 w 3218491"/>
+              <a:gd name="connsiteY4" fmla="*/ 231402 h 951270"/>
+              <a:gd name="connsiteX5" fmla="*/ 3218491 w 3218491"/>
+              <a:gd name="connsiteY5" fmla="*/ 351380 h 951270"/>
+              <a:gd name="connsiteX6" fmla="*/ 3218491 w 3218491"/>
+              <a:gd name="connsiteY6" fmla="*/ 351380 h 951270"/>
+              <a:gd name="connsiteX7" fmla="*/ 3218491 w 3218491"/>
+              <a:gd name="connsiteY7" fmla="*/ 531347 h 951270"/>
+              <a:gd name="connsiteX8" fmla="*/ 3218491 w 3218491"/>
+              <a:gd name="connsiteY8" fmla="*/ 951270 h 951270"/>
+              <a:gd name="connsiteX9" fmla="*/ 1341038 w 3218491"/>
+              <a:gd name="connsiteY9" fmla="*/ 951270 h 951270"/>
+              <a:gd name="connsiteX10" fmla="*/ 536415 w 3218491"/>
+              <a:gd name="connsiteY10" fmla="*/ 951270 h 951270"/>
+              <a:gd name="connsiteX11" fmla="*/ 536415 w 3218491"/>
+              <a:gd name="connsiteY11" fmla="*/ 951270 h 951270"/>
+              <a:gd name="connsiteX12" fmla="*/ 0 w 3218491"/>
+              <a:gd name="connsiteY12" fmla="*/ 951270 h 951270"/>
+              <a:gd name="connsiteX13" fmla="*/ 0 w 3218491"/>
+              <a:gd name="connsiteY13" fmla="*/ 531347 h 951270"/>
+              <a:gd name="connsiteX14" fmla="*/ 0 w 3218491"/>
+              <a:gd name="connsiteY14" fmla="*/ 351380 h 951270"/>
+              <a:gd name="connsiteX15" fmla="*/ 0 w 3218491"/>
+              <a:gd name="connsiteY15" fmla="*/ 351380 h 951270"/>
+              <a:gd name="connsiteX16" fmla="*/ 0 w 3218491"/>
+              <a:gd name="connsiteY16" fmla="*/ 231402 h 951270"/>
+              <a:gd name="connsiteX0" fmla="*/ 0 w 3218491"/>
+              <a:gd name="connsiteY0" fmla="*/ 231402 h 951270"/>
+              <a:gd name="connsiteX1" fmla="*/ 869790 w 3218491"/>
+              <a:gd name="connsiteY1" fmla="*/ 240927 h 951270"/>
+              <a:gd name="connsiteX2" fmla="*/ 911541 w 3218491"/>
+              <a:gd name="connsiteY2" fmla="*/ 0 h 951270"/>
+              <a:gd name="connsiteX3" fmla="*/ 1341038 w 3218491"/>
+              <a:gd name="connsiteY3" fmla="*/ 231402 h 951270"/>
+              <a:gd name="connsiteX4" fmla="*/ 3218491 w 3218491"/>
+              <a:gd name="connsiteY4" fmla="*/ 231402 h 951270"/>
+              <a:gd name="connsiteX5" fmla="*/ 3218491 w 3218491"/>
+              <a:gd name="connsiteY5" fmla="*/ 351380 h 951270"/>
+              <a:gd name="connsiteX6" fmla="*/ 3218491 w 3218491"/>
+              <a:gd name="connsiteY6" fmla="*/ 351380 h 951270"/>
+              <a:gd name="connsiteX7" fmla="*/ 3218491 w 3218491"/>
+              <a:gd name="connsiteY7" fmla="*/ 531347 h 951270"/>
+              <a:gd name="connsiteX8" fmla="*/ 3218491 w 3218491"/>
+              <a:gd name="connsiteY8" fmla="*/ 951270 h 951270"/>
+              <a:gd name="connsiteX9" fmla="*/ 1341038 w 3218491"/>
+              <a:gd name="connsiteY9" fmla="*/ 951270 h 951270"/>
+              <a:gd name="connsiteX10" fmla="*/ 536415 w 3218491"/>
+              <a:gd name="connsiteY10" fmla="*/ 951270 h 951270"/>
+              <a:gd name="connsiteX11" fmla="*/ 536415 w 3218491"/>
+              <a:gd name="connsiteY11" fmla="*/ 951270 h 951270"/>
+              <a:gd name="connsiteX12" fmla="*/ 0 w 3218491"/>
+              <a:gd name="connsiteY12" fmla="*/ 951270 h 951270"/>
+              <a:gd name="connsiteX13" fmla="*/ 0 w 3218491"/>
+              <a:gd name="connsiteY13" fmla="*/ 531347 h 951270"/>
+              <a:gd name="connsiteX14" fmla="*/ 0 w 3218491"/>
+              <a:gd name="connsiteY14" fmla="*/ 351380 h 951270"/>
+              <a:gd name="connsiteX15" fmla="*/ 0 w 3218491"/>
+              <a:gd name="connsiteY15" fmla="*/ 351380 h 951270"/>
+              <a:gd name="connsiteX16" fmla="*/ 0 w 3218491"/>
+              <a:gd name="connsiteY16" fmla="*/ 231402 h 951270"/>
+              <a:gd name="connsiteX0" fmla="*/ 0 w 3218491"/>
+              <a:gd name="connsiteY0" fmla="*/ 231402 h 951270"/>
+              <a:gd name="connsiteX1" fmla="*/ 869790 w 3218491"/>
+              <a:gd name="connsiteY1" fmla="*/ 240927 h 951270"/>
+              <a:gd name="connsiteX2" fmla="*/ 911541 w 3218491"/>
+              <a:gd name="connsiteY2" fmla="*/ 0 h 951270"/>
+              <a:gd name="connsiteX3" fmla="*/ 1121963 w 3218491"/>
+              <a:gd name="connsiteY3" fmla="*/ 231402 h 951270"/>
+              <a:gd name="connsiteX4" fmla="*/ 3218491 w 3218491"/>
+              <a:gd name="connsiteY4" fmla="*/ 231402 h 951270"/>
+              <a:gd name="connsiteX5" fmla="*/ 3218491 w 3218491"/>
+              <a:gd name="connsiteY5" fmla="*/ 351380 h 951270"/>
+              <a:gd name="connsiteX6" fmla="*/ 3218491 w 3218491"/>
+              <a:gd name="connsiteY6" fmla="*/ 351380 h 951270"/>
+              <a:gd name="connsiteX7" fmla="*/ 3218491 w 3218491"/>
+              <a:gd name="connsiteY7" fmla="*/ 531347 h 951270"/>
+              <a:gd name="connsiteX8" fmla="*/ 3218491 w 3218491"/>
+              <a:gd name="connsiteY8" fmla="*/ 951270 h 951270"/>
+              <a:gd name="connsiteX9" fmla="*/ 1341038 w 3218491"/>
+              <a:gd name="connsiteY9" fmla="*/ 951270 h 951270"/>
+              <a:gd name="connsiteX10" fmla="*/ 536415 w 3218491"/>
+              <a:gd name="connsiteY10" fmla="*/ 951270 h 951270"/>
+              <a:gd name="connsiteX11" fmla="*/ 536415 w 3218491"/>
+              <a:gd name="connsiteY11" fmla="*/ 951270 h 951270"/>
+              <a:gd name="connsiteX12" fmla="*/ 0 w 3218491"/>
+              <a:gd name="connsiteY12" fmla="*/ 951270 h 951270"/>
+              <a:gd name="connsiteX13" fmla="*/ 0 w 3218491"/>
+              <a:gd name="connsiteY13" fmla="*/ 531347 h 951270"/>
+              <a:gd name="connsiteX14" fmla="*/ 0 w 3218491"/>
+              <a:gd name="connsiteY14" fmla="*/ 351380 h 951270"/>
+              <a:gd name="connsiteX15" fmla="*/ 0 w 3218491"/>
+              <a:gd name="connsiteY15" fmla="*/ 351380 h 951270"/>
+              <a:gd name="connsiteX16" fmla="*/ 0 w 3218491"/>
+              <a:gd name="connsiteY16" fmla="*/ 231402 h 951270"/>
+              <a:gd name="connsiteX0" fmla="*/ 0 w 3218491"/>
+              <a:gd name="connsiteY0" fmla="*/ 231402 h 951270"/>
+              <a:gd name="connsiteX1" fmla="*/ 869790 w 3218491"/>
+              <a:gd name="connsiteY1" fmla="*/ 240927 h 951270"/>
+              <a:gd name="connsiteX2" fmla="*/ 911541 w 3218491"/>
+              <a:gd name="connsiteY2" fmla="*/ 0 h 951270"/>
+              <a:gd name="connsiteX3" fmla="*/ 1121963 w 3218491"/>
+              <a:gd name="connsiteY3" fmla="*/ 231402 h 951270"/>
+              <a:gd name="connsiteX4" fmla="*/ 2519681 w 3218491"/>
+              <a:gd name="connsiteY4" fmla="*/ 233383 h 951270"/>
+              <a:gd name="connsiteX5" fmla="*/ 3218491 w 3218491"/>
+              <a:gd name="connsiteY5" fmla="*/ 231402 h 951270"/>
+              <a:gd name="connsiteX6" fmla="*/ 3218491 w 3218491"/>
+              <a:gd name="connsiteY6" fmla="*/ 351380 h 951270"/>
+              <a:gd name="connsiteX7" fmla="*/ 3218491 w 3218491"/>
+              <a:gd name="connsiteY7" fmla="*/ 351380 h 951270"/>
+              <a:gd name="connsiteX8" fmla="*/ 3218491 w 3218491"/>
+              <a:gd name="connsiteY8" fmla="*/ 531347 h 951270"/>
+              <a:gd name="connsiteX9" fmla="*/ 3218491 w 3218491"/>
+              <a:gd name="connsiteY9" fmla="*/ 951270 h 951270"/>
+              <a:gd name="connsiteX10" fmla="*/ 1341038 w 3218491"/>
+              <a:gd name="connsiteY10" fmla="*/ 951270 h 951270"/>
+              <a:gd name="connsiteX11" fmla="*/ 536415 w 3218491"/>
+              <a:gd name="connsiteY11" fmla="*/ 951270 h 951270"/>
+              <a:gd name="connsiteX12" fmla="*/ 536415 w 3218491"/>
+              <a:gd name="connsiteY12" fmla="*/ 951270 h 951270"/>
+              <a:gd name="connsiteX13" fmla="*/ 0 w 3218491"/>
+              <a:gd name="connsiteY13" fmla="*/ 951270 h 951270"/>
+              <a:gd name="connsiteX14" fmla="*/ 0 w 3218491"/>
+              <a:gd name="connsiteY14" fmla="*/ 531347 h 951270"/>
+              <a:gd name="connsiteX15" fmla="*/ 0 w 3218491"/>
+              <a:gd name="connsiteY15" fmla="*/ 351380 h 951270"/>
+              <a:gd name="connsiteX16" fmla="*/ 0 w 3218491"/>
+              <a:gd name="connsiteY16" fmla="*/ 351380 h 951270"/>
+              <a:gd name="connsiteX17" fmla="*/ 0 w 3218491"/>
+              <a:gd name="connsiteY17" fmla="*/ 231402 h 951270"/>
+              <a:gd name="connsiteX0" fmla="*/ 0 w 3218491"/>
+              <a:gd name="connsiteY0" fmla="*/ 231402 h 951270"/>
+              <a:gd name="connsiteX1" fmla="*/ 869790 w 3218491"/>
+              <a:gd name="connsiteY1" fmla="*/ 240927 h 951270"/>
+              <a:gd name="connsiteX2" fmla="*/ 911541 w 3218491"/>
+              <a:gd name="connsiteY2" fmla="*/ 0 h 951270"/>
+              <a:gd name="connsiteX3" fmla="*/ 1121963 w 3218491"/>
+              <a:gd name="connsiteY3" fmla="*/ 231402 h 951270"/>
+              <a:gd name="connsiteX4" fmla="*/ 2293470 w 3218491"/>
+              <a:gd name="connsiteY4" fmla="*/ 223858 h 951270"/>
+              <a:gd name="connsiteX5" fmla="*/ 2519681 w 3218491"/>
+              <a:gd name="connsiteY5" fmla="*/ 233383 h 951270"/>
+              <a:gd name="connsiteX6" fmla="*/ 3218491 w 3218491"/>
+              <a:gd name="connsiteY6" fmla="*/ 231402 h 951270"/>
+              <a:gd name="connsiteX7" fmla="*/ 3218491 w 3218491"/>
+              <a:gd name="connsiteY7" fmla="*/ 351380 h 951270"/>
+              <a:gd name="connsiteX8" fmla="*/ 3218491 w 3218491"/>
+              <a:gd name="connsiteY8" fmla="*/ 351380 h 951270"/>
+              <a:gd name="connsiteX9" fmla="*/ 3218491 w 3218491"/>
+              <a:gd name="connsiteY9" fmla="*/ 531347 h 951270"/>
+              <a:gd name="connsiteX10" fmla="*/ 3218491 w 3218491"/>
+              <a:gd name="connsiteY10" fmla="*/ 951270 h 951270"/>
+              <a:gd name="connsiteX11" fmla="*/ 1341038 w 3218491"/>
+              <a:gd name="connsiteY11" fmla="*/ 951270 h 951270"/>
+              <a:gd name="connsiteX12" fmla="*/ 536415 w 3218491"/>
+              <a:gd name="connsiteY12" fmla="*/ 951270 h 951270"/>
+              <a:gd name="connsiteX13" fmla="*/ 536415 w 3218491"/>
+              <a:gd name="connsiteY13" fmla="*/ 951270 h 951270"/>
+              <a:gd name="connsiteX14" fmla="*/ 0 w 3218491"/>
+              <a:gd name="connsiteY14" fmla="*/ 951270 h 951270"/>
+              <a:gd name="connsiteX15" fmla="*/ 0 w 3218491"/>
+              <a:gd name="connsiteY15" fmla="*/ 531347 h 951270"/>
+              <a:gd name="connsiteX16" fmla="*/ 0 w 3218491"/>
+              <a:gd name="connsiteY16" fmla="*/ 351380 h 951270"/>
+              <a:gd name="connsiteX17" fmla="*/ 0 w 3218491"/>
+              <a:gd name="connsiteY17" fmla="*/ 351380 h 951270"/>
+              <a:gd name="connsiteX18" fmla="*/ 0 w 3218491"/>
+              <a:gd name="connsiteY18" fmla="*/ 231402 h 951270"/>
+              <a:gd name="connsiteX0" fmla="*/ 0 w 3218491"/>
+              <a:gd name="connsiteY0" fmla="*/ 231402 h 951270"/>
+              <a:gd name="connsiteX1" fmla="*/ 869790 w 3218491"/>
+              <a:gd name="connsiteY1" fmla="*/ 240927 h 951270"/>
+              <a:gd name="connsiteX2" fmla="*/ 911541 w 3218491"/>
+              <a:gd name="connsiteY2" fmla="*/ 0 h 951270"/>
+              <a:gd name="connsiteX3" fmla="*/ 1121963 w 3218491"/>
+              <a:gd name="connsiteY3" fmla="*/ 231402 h 951270"/>
+              <a:gd name="connsiteX4" fmla="*/ 2519681 w 3218491"/>
+              <a:gd name="connsiteY4" fmla="*/ 233383 h 951270"/>
+              <a:gd name="connsiteX5" fmla="*/ 3218491 w 3218491"/>
+              <a:gd name="connsiteY5" fmla="*/ 231402 h 951270"/>
+              <a:gd name="connsiteX6" fmla="*/ 3218491 w 3218491"/>
+              <a:gd name="connsiteY6" fmla="*/ 351380 h 951270"/>
+              <a:gd name="connsiteX7" fmla="*/ 3218491 w 3218491"/>
+              <a:gd name="connsiteY7" fmla="*/ 351380 h 951270"/>
+              <a:gd name="connsiteX8" fmla="*/ 3218491 w 3218491"/>
+              <a:gd name="connsiteY8" fmla="*/ 531347 h 951270"/>
+              <a:gd name="connsiteX9" fmla="*/ 3218491 w 3218491"/>
+              <a:gd name="connsiteY9" fmla="*/ 951270 h 951270"/>
+              <a:gd name="connsiteX10" fmla="*/ 1341038 w 3218491"/>
+              <a:gd name="connsiteY10" fmla="*/ 951270 h 951270"/>
+              <a:gd name="connsiteX11" fmla="*/ 536415 w 3218491"/>
+              <a:gd name="connsiteY11" fmla="*/ 951270 h 951270"/>
+              <a:gd name="connsiteX12" fmla="*/ 536415 w 3218491"/>
+              <a:gd name="connsiteY12" fmla="*/ 951270 h 951270"/>
+              <a:gd name="connsiteX13" fmla="*/ 0 w 3218491"/>
+              <a:gd name="connsiteY13" fmla="*/ 951270 h 951270"/>
+              <a:gd name="connsiteX14" fmla="*/ 0 w 3218491"/>
+              <a:gd name="connsiteY14" fmla="*/ 531347 h 951270"/>
+              <a:gd name="connsiteX15" fmla="*/ 0 w 3218491"/>
+              <a:gd name="connsiteY15" fmla="*/ 351380 h 951270"/>
+              <a:gd name="connsiteX16" fmla="*/ 0 w 3218491"/>
+              <a:gd name="connsiteY16" fmla="*/ 351380 h 951270"/>
+              <a:gd name="connsiteX17" fmla="*/ 0 w 3218491"/>
+              <a:gd name="connsiteY17" fmla="*/ 231402 h 951270"/>
+              <a:gd name="connsiteX0" fmla="*/ 0 w 3218491"/>
+              <a:gd name="connsiteY0" fmla="*/ 231402 h 951270"/>
+              <a:gd name="connsiteX1" fmla="*/ 869790 w 3218491"/>
+              <a:gd name="connsiteY1" fmla="*/ 240927 h 951270"/>
+              <a:gd name="connsiteX2" fmla="*/ 911541 w 3218491"/>
+              <a:gd name="connsiteY2" fmla="*/ 0 h 951270"/>
+              <a:gd name="connsiteX3" fmla="*/ 1121963 w 3218491"/>
+              <a:gd name="connsiteY3" fmla="*/ 231402 h 951270"/>
+              <a:gd name="connsiteX4" fmla="*/ 2519681 w 3218491"/>
+              <a:gd name="connsiteY4" fmla="*/ 233383 h 951270"/>
+              <a:gd name="connsiteX5" fmla="*/ 3004417 w 3218491"/>
+              <a:gd name="connsiteY5" fmla="*/ 223858 h 951270"/>
+              <a:gd name="connsiteX6" fmla="*/ 3218491 w 3218491"/>
+              <a:gd name="connsiteY6" fmla="*/ 231402 h 951270"/>
+              <a:gd name="connsiteX7" fmla="*/ 3218491 w 3218491"/>
+              <a:gd name="connsiteY7" fmla="*/ 351380 h 951270"/>
+              <a:gd name="connsiteX8" fmla="*/ 3218491 w 3218491"/>
+              <a:gd name="connsiteY8" fmla="*/ 351380 h 951270"/>
+              <a:gd name="connsiteX9" fmla="*/ 3218491 w 3218491"/>
+              <a:gd name="connsiteY9" fmla="*/ 531347 h 951270"/>
+              <a:gd name="connsiteX10" fmla="*/ 3218491 w 3218491"/>
+              <a:gd name="connsiteY10" fmla="*/ 951270 h 951270"/>
+              <a:gd name="connsiteX11" fmla="*/ 1341038 w 3218491"/>
+              <a:gd name="connsiteY11" fmla="*/ 951270 h 951270"/>
+              <a:gd name="connsiteX12" fmla="*/ 536415 w 3218491"/>
+              <a:gd name="connsiteY12" fmla="*/ 951270 h 951270"/>
+              <a:gd name="connsiteX13" fmla="*/ 536415 w 3218491"/>
+              <a:gd name="connsiteY13" fmla="*/ 951270 h 951270"/>
+              <a:gd name="connsiteX14" fmla="*/ 0 w 3218491"/>
+              <a:gd name="connsiteY14" fmla="*/ 951270 h 951270"/>
+              <a:gd name="connsiteX15" fmla="*/ 0 w 3218491"/>
+              <a:gd name="connsiteY15" fmla="*/ 531347 h 951270"/>
+              <a:gd name="connsiteX16" fmla="*/ 0 w 3218491"/>
+              <a:gd name="connsiteY16" fmla="*/ 351380 h 951270"/>
+              <a:gd name="connsiteX17" fmla="*/ 0 w 3218491"/>
+              <a:gd name="connsiteY17" fmla="*/ 351380 h 951270"/>
+              <a:gd name="connsiteX18" fmla="*/ 0 w 3218491"/>
+              <a:gd name="connsiteY18" fmla="*/ 231402 h 951270"/>
+              <a:gd name="connsiteX0" fmla="*/ 0 w 3218491"/>
+              <a:gd name="connsiteY0" fmla="*/ 231402 h 951270"/>
+              <a:gd name="connsiteX1" fmla="*/ 869790 w 3218491"/>
+              <a:gd name="connsiteY1" fmla="*/ 240927 h 951270"/>
+              <a:gd name="connsiteX2" fmla="*/ 911541 w 3218491"/>
+              <a:gd name="connsiteY2" fmla="*/ 0 h 951270"/>
+              <a:gd name="connsiteX3" fmla="*/ 1121963 w 3218491"/>
+              <a:gd name="connsiteY3" fmla="*/ 231402 h 951270"/>
+              <a:gd name="connsiteX4" fmla="*/ 2519681 w 3218491"/>
+              <a:gd name="connsiteY4" fmla="*/ 233383 h 951270"/>
+              <a:gd name="connsiteX5" fmla="*/ 3004417 w 3218491"/>
+              <a:gd name="connsiteY5" fmla="*/ 223858 h 951270"/>
+              <a:gd name="connsiteX6" fmla="*/ 2818602 w 3218491"/>
+              <a:gd name="connsiteY6" fmla="*/ 242908 h 951270"/>
+              <a:gd name="connsiteX7" fmla="*/ 3218491 w 3218491"/>
+              <a:gd name="connsiteY7" fmla="*/ 231402 h 951270"/>
+              <a:gd name="connsiteX8" fmla="*/ 3218491 w 3218491"/>
+              <a:gd name="connsiteY8" fmla="*/ 351380 h 951270"/>
+              <a:gd name="connsiteX9" fmla="*/ 3218491 w 3218491"/>
+              <a:gd name="connsiteY9" fmla="*/ 351380 h 951270"/>
+              <a:gd name="connsiteX10" fmla="*/ 3218491 w 3218491"/>
+              <a:gd name="connsiteY10" fmla="*/ 531347 h 951270"/>
+              <a:gd name="connsiteX11" fmla="*/ 3218491 w 3218491"/>
+              <a:gd name="connsiteY11" fmla="*/ 951270 h 951270"/>
+              <a:gd name="connsiteX12" fmla="*/ 1341038 w 3218491"/>
+              <a:gd name="connsiteY12" fmla="*/ 951270 h 951270"/>
+              <a:gd name="connsiteX13" fmla="*/ 536415 w 3218491"/>
+              <a:gd name="connsiteY13" fmla="*/ 951270 h 951270"/>
+              <a:gd name="connsiteX14" fmla="*/ 536415 w 3218491"/>
+              <a:gd name="connsiteY14" fmla="*/ 951270 h 951270"/>
+              <a:gd name="connsiteX15" fmla="*/ 0 w 3218491"/>
+              <a:gd name="connsiteY15" fmla="*/ 951270 h 951270"/>
+              <a:gd name="connsiteX16" fmla="*/ 0 w 3218491"/>
+              <a:gd name="connsiteY16" fmla="*/ 531347 h 951270"/>
+              <a:gd name="connsiteX17" fmla="*/ 0 w 3218491"/>
+              <a:gd name="connsiteY17" fmla="*/ 351380 h 951270"/>
+              <a:gd name="connsiteX18" fmla="*/ 0 w 3218491"/>
+              <a:gd name="connsiteY18" fmla="*/ 351380 h 951270"/>
+              <a:gd name="connsiteX19" fmla="*/ 0 w 3218491"/>
+              <a:gd name="connsiteY19" fmla="*/ 231402 h 951270"/>
+              <a:gd name="connsiteX0" fmla="*/ 0 w 3218491"/>
+              <a:gd name="connsiteY0" fmla="*/ 231402 h 951270"/>
+              <a:gd name="connsiteX1" fmla="*/ 869790 w 3218491"/>
+              <a:gd name="connsiteY1" fmla="*/ 240927 h 951270"/>
+              <a:gd name="connsiteX2" fmla="*/ 911541 w 3218491"/>
+              <a:gd name="connsiteY2" fmla="*/ 0 h 951270"/>
+              <a:gd name="connsiteX3" fmla="*/ 1121963 w 3218491"/>
+              <a:gd name="connsiteY3" fmla="*/ 231402 h 951270"/>
+              <a:gd name="connsiteX4" fmla="*/ 3004417 w 3218491"/>
+              <a:gd name="connsiteY4" fmla="*/ 223858 h 951270"/>
+              <a:gd name="connsiteX5" fmla="*/ 2818602 w 3218491"/>
+              <a:gd name="connsiteY5" fmla="*/ 242908 h 951270"/>
+              <a:gd name="connsiteX6" fmla="*/ 3218491 w 3218491"/>
+              <a:gd name="connsiteY6" fmla="*/ 231402 h 951270"/>
+              <a:gd name="connsiteX7" fmla="*/ 3218491 w 3218491"/>
+              <a:gd name="connsiteY7" fmla="*/ 351380 h 951270"/>
+              <a:gd name="connsiteX8" fmla="*/ 3218491 w 3218491"/>
+              <a:gd name="connsiteY8" fmla="*/ 351380 h 951270"/>
+              <a:gd name="connsiteX9" fmla="*/ 3218491 w 3218491"/>
+              <a:gd name="connsiteY9" fmla="*/ 531347 h 951270"/>
+              <a:gd name="connsiteX10" fmla="*/ 3218491 w 3218491"/>
+              <a:gd name="connsiteY10" fmla="*/ 951270 h 951270"/>
+              <a:gd name="connsiteX11" fmla="*/ 1341038 w 3218491"/>
+              <a:gd name="connsiteY11" fmla="*/ 951270 h 951270"/>
+              <a:gd name="connsiteX12" fmla="*/ 536415 w 3218491"/>
+              <a:gd name="connsiteY12" fmla="*/ 951270 h 951270"/>
+              <a:gd name="connsiteX13" fmla="*/ 536415 w 3218491"/>
+              <a:gd name="connsiteY13" fmla="*/ 951270 h 951270"/>
+              <a:gd name="connsiteX14" fmla="*/ 0 w 3218491"/>
+              <a:gd name="connsiteY14" fmla="*/ 951270 h 951270"/>
+              <a:gd name="connsiteX15" fmla="*/ 0 w 3218491"/>
+              <a:gd name="connsiteY15" fmla="*/ 531347 h 951270"/>
+              <a:gd name="connsiteX16" fmla="*/ 0 w 3218491"/>
+              <a:gd name="connsiteY16" fmla="*/ 351380 h 951270"/>
+              <a:gd name="connsiteX17" fmla="*/ 0 w 3218491"/>
+              <a:gd name="connsiteY17" fmla="*/ 351380 h 951270"/>
+              <a:gd name="connsiteX18" fmla="*/ 0 w 3218491"/>
+              <a:gd name="connsiteY18" fmla="*/ 231402 h 951270"/>
+              <a:gd name="connsiteX0" fmla="*/ 0 w 3218491"/>
+              <a:gd name="connsiteY0" fmla="*/ 231402 h 951270"/>
+              <a:gd name="connsiteX1" fmla="*/ 869790 w 3218491"/>
+              <a:gd name="connsiteY1" fmla="*/ 240927 h 951270"/>
+              <a:gd name="connsiteX2" fmla="*/ 911541 w 3218491"/>
+              <a:gd name="connsiteY2" fmla="*/ 0 h 951270"/>
+              <a:gd name="connsiteX3" fmla="*/ 1121963 w 3218491"/>
+              <a:gd name="connsiteY3" fmla="*/ 231402 h 951270"/>
+              <a:gd name="connsiteX4" fmla="*/ 2818602 w 3218491"/>
+              <a:gd name="connsiteY4" fmla="*/ 242908 h 951270"/>
+              <a:gd name="connsiteX5" fmla="*/ 3218491 w 3218491"/>
+              <a:gd name="connsiteY5" fmla="*/ 231402 h 951270"/>
+              <a:gd name="connsiteX6" fmla="*/ 3218491 w 3218491"/>
+              <a:gd name="connsiteY6" fmla="*/ 351380 h 951270"/>
+              <a:gd name="connsiteX7" fmla="*/ 3218491 w 3218491"/>
+              <a:gd name="connsiteY7" fmla="*/ 351380 h 951270"/>
+              <a:gd name="connsiteX8" fmla="*/ 3218491 w 3218491"/>
+              <a:gd name="connsiteY8" fmla="*/ 531347 h 951270"/>
+              <a:gd name="connsiteX9" fmla="*/ 3218491 w 3218491"/>
+              <a:gd name="connsiteY9" fmla="*/ 951270 h 951270"/>
+              <a:gd name="connsiteX10" fmla="*/ 1341038 w 3218491"/>
+              <a:gd name="connsiteY10" fmla="*/ 951270 h 951270"/>
+              <a:gd name="connsiteX11" fmla="*/ 536415 w 3218491"/>
+              <a:gd name="connsiteY11" fmla="*/ 951270 h 951270"/>
+              <a:gd name="connsiteX12" fmla="*/ 536415 w 3218491"/>
+              <a:gd name="connsiteY12" fmla="*/ 951270 h 951270"/>
+              <a:gd name="connsiteX13" fmla="*/ 0 w 3218491"/>
+              <a:gd name="connsiteY13" fmla="*/ 951270 h 951270"/>
+              <a:gd name="connsiteX14" fmla="*/ 0 w 3218491"/>
+              <a:gd name="connsiteY14" fmla="*/ 531347 h 951270"/>
+              <a:gd name="connsiteX15" fmla="*/ 0 w 3218491"/>
+              <a:gd name="connsiteY15" fmla="*/ 351380 h 951270"/>
+              <a:gd name="connsiteX16" fmla="*/ 0 w 3218491"/>
+              <a:gd name="connsiteY16" fmla="*/ 351380 h 951270"/>
+              <a:gd name="connsiteX17" fmla="*/ 0 w 3218491"/>
+              <a:gd name="connsiteY17" fmla="*/ 231402 h 951270"/>
+              <a:gd name="connsiteX0" fmla="*/ 0 w 3218491"/>
+              <a:gd name="connsiteY0" fmla="*/ 231402 h 951270"/>
+              <a:gd name="connsiteX1" fmla="*/ 869790 w 3218491"/>
+              <a:gd name="connsiteY1" fmla="*/ 240927 h 951270"/>
+              <a:gd name="connsiteX2" fmla="*/ 911541 w 3218491"/>
+              <a:gd name="connsiteY2" fmla="*/ 0 h 951270"/>
+              <a:gd name="connsiteX3" fmla="*/ 1121963 w 3218491"/>
+              <a:gd name="connsiteY3" fmla="*/ 231402 h 951270"/>
+              <a:gd name="connsiteX4" fmla="*/ 2818602 w 3218491"/>
+              <a:gd name="connsiteY4" fmla="*/ 242908 h 951270"/>
+              <a:gd name="connsiteX5" fmla="*/ 2996338 w 3218491"/>
+              <a:gd name="connsiteY5" fmla="*/ 233383 h 951270"/>
+              <a:gd name="connsiteX6" fmla="*/ 3218491 w 3218491"/>
+              <a:gd name="connsiteY6" fmla="*/ 231402 h 951270"/>
+              <a:gd name="connsiteX7" fmla="*/ 3218491 w 3218491"/>
+              <a:gd name="connsiteY7" fmla="*/ 351380 h 951270"/>
+              <a:gd name="connsiteX8" fmla="*/ 3218491 w 3218491"/>
+              <a:gd name="connsiteY8" fmla="*/ 351380 h 951270"/>
+              <a:gd name="connsiteX9" fmla="*/ 3218491 w 3218491"/>
+              <a:gd name="connsiteY9" fmla="*/ 531347 h 951270"/>
+              <a:gd name="connsiteX10" fmla="*/ 3218491 w 3218491"/>
+              <a:gd name="connsiteY10" fmla="*/ 951270 h 951270"/>
+              <a:gd name="connsiteX11" fmla="*/ 1341038 w 3218491"/>
+              <a:gd name="connsiteY11" fmla="*/ 951270 h 951270"/>
+              <a:gd name="connsiteX12" fmla="*/ 536415 w 3218491"/>
+              <a:gd name="connsiteY12" fmla="*/ 951270 h 951270"/>
+              <a:gd name="connsiteX13" fmla="*/ 536415 w 3218491"/>
+              <a:gd name="connsiteY13" fmla="*/ 951270 h 951270"/>
+              <a:gd name="connsiteX14" fmla="*/ 0 w 3218491"/>
+              <a:gd name="connsiteY14" fmla="*/ 951270 h 951270"/>
+              <a:gd name="connsiteX15" fmla="*/ 0 w 3218491"/>
+              <a:gd name="connsiteY15" fmla="*/ 531347 h 951270"/>
+              <a:gd name="connsiteX16" fmla="*/ 0 w 3218491"/>
+              <a:gd name="connsiteY16" fmla="*/ 351380 h 951270"/>
+              <a:gd name="connsiteX17" fmla="*/ 0 w 3218491"/>
+              <a:gd name="connsiteY17" fmla="*/ 351380 h 951270"/>
+              <a:gd name="connsiteX18" fmla="*/ 0 w 3218491"/>
+              <a:gd name="connsiteY18" fmla="*/ 231402 h 951270"/>
+              <a:gd name="connsiteX0" fmla="*/ 0 w 3218491"/>
+              <a:gd name="connsiteY0" fmla="*/ 231402 h 951270"/>
+              <a:gd name="connsiteX1" fmla="*/ 869790 w 3218491"/>
+              <a:gd name="connsiteY1" fmla="*/ 240927 h 951270"/>
+              <a:gd name="connsiteX2" fmla="*/ 911541 w 3218491"/>
+              <a:gd name="connsiteY2" fmla="*/ 0 h 951270"/>
+              <a:gd name="connsiteX3" fmla="*/ 1121963 w 3218491"/>
+              <a:gd name="connsiteY3" fmla="*/ 231402 h 951270"/>
+              <a:gd name="connsiteX4" fmla="*/ 2818602 w 3218491"/>
+              <a:gd name="connsiteY4" fmla="*/ 242908 h 951270"/>
+              <a:gd name="connsiteX5" fmla="*/ 3218491 w 3218491"/>
+              <a:gd name="connsiteY5" fmla="*/ 231402 h 951270"/>
+              <a:gd name="connsiteX6" fmla="*/ 3218491 w 3218491"/>
+              <a:gd name="connsiteY6" fmla="*/ 351380 h 951270"/>
+              <a:gd name="connsiteX7" fmla="*/ 3218491 w 3218491"/>
+              <a:gd name="connsiteY7" fmla="*/ 351380 h 951270"/>
+              <a:gd name="connsiteX8" fmla="*/ 3218491 w 3218491"/>
+              <a:gd name="connsiteY8" fmla="*/ 531347 h 951270"/>
+              <a:gd name="connsiteX9" fmla="*/ 3218491 w 3218491"/>
+              <a:gd name="connsiteY9" fmla="*/ 951270 h 951270"/>
+              <a:gd name="connsiteX10" fmla="*/ 1341038 w 3218491"/>
+              <a:gd name="connsiteY10" fmla="*/ 951270 h 951270"/>
+              <a:gd name="connsiteX11" fmla="*/ 536415 w 3218491"/>
+              <a:gd name="connsiteY11" fmla="*/ 951270 h 951270"/>
+              <a:gd name="connsiteX12" fmla="*/ 536415 w 3218491"/>
+              <a:gd name="connsiteY12" fmla="*/ 951270 h 951270"/>
+              <a:gd name="connsiteX13" fmla="*/ 0 w 3218491"/>
+              <a:gd name="connsiteY13" fmla="*/ 951270 h 951270"/>
+              <a:gd name="connsiteX14" fmla="*/ 0 w 3218491"/>
+              <a:gd name="connsiteY14" fmla="*/ 531347 h 951270"/>
+              <a:gd name="connsiteX15" fmla="*/ 0 w 3218491"/>
+              <a:gd name="connsiteY15" fmla="*/ 351380 h 951270"/>
+              <a:gd name="connsiteX16" fmla="*/ 0 w 3218491"/>
+              <a:gd name="connsiteY16" fmla="*/ 351380 h 951270"/>
+              <a:gd name="connsiteX17" fmla="*/ 0 w 3218491"/>
+              <a:gd name="connsiteY17" fmla="*/ 231402 h 951270"/>
+              <a:gd name="connsiteX0" fmla="*/ 0 w 3218491"/>
+              <a:gd name="connsiteY0" fmla="*/ 231402 h 951270"/>
+              <a:gd name="connsiteX1" fmla="*/ 869790 w 3218491"/>
+              <a:gd name="connsiteY1" fmla="*/ 240927 h 951270"/>
+              <a:gd name="connsiteX2" fmla="*/ 911541 w 3218491"/>
+              <a:gd name="connsiteY2" fmla="*/ 0 h 951270"/>
+              <a:gd name="connsiteX3" fmla="*/ 1121963 w 3218491"/>
+              <a:gd name="connsiteY3" fmla="*/ 231402 h 951270"/>
+              <a:gd name="connsiteX4" fmla="*/ 2818602 w 3218491"/>
+              <a:gd name="connsiteY4" fmla="*/ 242908 h 951270"/>
+              <a:gd name="connsiteX5" fmla="*/ 3012496 w 3218491"/>
+              <a:gd name="connsiteY5" fmla="*/ 223858 h 951270"/>
+              <a:gd name="connsiteX6" fmla="*/ 3218491 w 3218491"/>
+              <a:gd name="connsiteY6" fmla="*/ 231402 h 951270"/>
+              <a:gd name="connsiteX7" fmla="*/ 3218491 w 3218491"/>
+              <a:gd name="connsiteY7" fmla="*/ 351380 h 951270"/>
+              <a:gd name="connsiteX8" fmla="*/ 3218491 w 3218491"/>
+              <a:gd name="connsiteY8" fmla="*/ 351380 h 951270"/>
+              <a:gd name="connsiteX9" fmla="*/ 3218491 w 3218491"/>
+              <a:gd name="connsiteY9" fmla="*/ 531347 h 951270"/>
+              <a:gd name="connsiteX10" fmla="*/ 3218491 w 3218491"/>
+              <a:gd name="connsiteY10" fmla="*/ 951270 h 951270"/>
+              <a:gd name="connsiteX11" fmla="*/ 1341038 w 3218491"/>
+              <a:gd name="connsiteY11" fmla="*/ 951270 h 951270"/>
+              <a:gd name="connsiteX12" fmla="*/ 536415 w 3218491"/>
+              <a:gd name="connsiteY12" fmla="*/ 951270 h 951270"/>
+              <a:gd name="connsiteX13" fmla="*/ 536415 w 3218491"/>
+              <a:gd name="connsiteY13" fmla="*/ 951270 h 951270"/>
+              <a:gd name="connsiteX14" fmla="*/ 0 w 3218491"/>
+              <a:gd name="connsiteY14" fmla="*/ 951270 h 951270"/>
+              <a:gd name="connsiteX15" fmla="*/ 0 w 3218491"/>
+              <a:gd name="connsiteY15" fmla="*/ 531347 h 951270"/>
+              <a:gd name="connsiteX16" fmla="*/ 0 w 3218491"/>
+              <a:gd name="connsiteY16" fmla="*/ 351380 h 951270"/>
+              <a:gd name="connsiteX17" fmla="*/ 0 w 3218491"/>
+              <a:gd name="connsiteY17" fmla="*/ 351380 h 951270"/>
+              <a:gd name="connsiteX18" fmla="*/ 0 w 3218491"/>
+              <a:gd name="connsiteY18" fmla="*/ 231402 h 951270"/>
+              <a:gd name="connsiteX0" fmla="*/ 0 w 3218491"/>
+              <a:gd name="connsiteY0" fmla="*/ 231402 h 951270"/>
+              <a:gd name="connsiteX1" fmla="*/ 869790 w 3218491"/>
+              <a:gd name="connsiteY1" fmla="*/ 240927 h 951270"/>
+              <a:gd name="connsiteX2" fmla="*/ 911541 w 3218491"/>
+              <a:gd name="connsiteY2" fmla="*/ 0 h 951270"/>
+              <a:gd name="connsiteX3" fmla="*/ 1121963 w 3218491"/>
+              <a:gd name="connsiteY3" fmla="*/ 231402 h 951270"/>
+              <a:gd name="connsiteX4" fmla="*/ 3012496 w 3218491"/>
+              <a:gd name="connsiteY4" fmla="*/ 223858 h 951270"/>
+              <a:gd name="connsiteX5" fmla="*/ 3218491 w 3218491"/>
+              <a:gd name="connsiteY5" fmla="*/ 231402 h 951270"/>
+              <a:gd name="connsiteX6" fmla="*/ 3218491 w 3218491"/>
+              <a:gd name="connsiteY6" fmla="*/ 351380 h 951270"/>
+              <a:gd name="connsiteX7" fmla="*/ 3218491 w 3218491"/>
+              <a:gd name="connsiteY7" fmla="*/ 351380 h 951270"/>
+              <a:gd name="connsiteX8" fmla="*/ 3218491 w 3218491"/>
+              <a:gd name="connsiteY8" fmla="*/ 531347 h 951270"/>
+              <a:gd name="connsiteX9" fmla="*/ 3218491 w 3218491"/>
+              <a:gd name="connsiteY9" fmla="*/ 951270 h 951270"/>
+              <a:gd name="connsiteX10" fmla="*/ 1341038 w 3218491"/>
+              <a:gd name="connsiteY10" fmla="*/ 951270 h 951270"/>
+              <a:gd name="connsiteX11" fmla="*/ 536415 w 3218491"/>
+              <a:gd name="connsiteY11" fmla="*/ 951270 h 951270"/>
+              <a:gd name="connsiteX12" fmla="*/ 536415 w 3218491"/>
+              <a:gd name="connsiteY12" fmla="*/ 951270 h 951270"/>
+              <a:gd name="connsiteX13" fmla="*/ 0 w 3218491"/>
+              <a:gd name="connsiteY13" fmla="*/ 951270 h 951270"/>
+              <a:gd name="connsiteX14" fmla="*/ 0 w 3218491"/>
+              <a:gd name="connsiteY14" fmla="*/ 531347 h 951270"/>
+              <a:gd name="connsiteX15" fmla="*/ 0 w 3218491"/>
+              <a:gd name="connsiteY15" fmla="*/ 351380 h 951270"/>
+              <a:gd name="connsiteX16" fmla="*/ 0 w 3218491"/>
+              <a:gd name="connsiteY16" fmla="*/ 351380 h 951270"/>
+              <a:gd name="connsiteX17" fmla="*/ 0 w 3218491"/>
+              <a:gd name="connsiteY17" fmla="*/ 231402 h 951270"/>
+              <a:gd name="connsiteX0" fmla="*/ 0 w 3218491"/>
+              <a:gd name="connsiteY0" fmla="*/ 231402 h 951270"/>
+              <a:gd name="connsiteX1" fmla="*/ 869790 w 3218491"/>
+              <a:gd name="connsiteY1" fmla="*/ 240927 h 951270"/>
+              <a:gd name="connsiteX2" fmla="*/ 911541 w 3218491"/>
+              <a:gd name="connsiteY2" fmla="*/ 0 h 951270"/>
+              <a:gd name="connsiteX3" fmla="*/ 1121963 w 3218491"/>
+              <a:gd name="connsiteY3" fmla="*/ 231402 h 951270"/>
+              <a:gd name="connsiteX4" fmla="*/ 2753970 w 3218491"/>
+              <a:gd name="connsiteY4" fmla="*/ 223858 h 951270"/>
+              <a:gd name="connsiteX5" fmla="*/ 3012496 w 3218491"/>
+              <a:gd name="connsiteY5" fmla="*/ 223858 h 951270"/>
+              <a:gd name="connsiteX6" fmla="*/ 3218491 w 3218491"/>
+              <a:gd name="connsiteY6" fmla="*/ 231402 h 951270"/>
+              <a:gd name="connsiteX7" fmla="*/ 3218491 w 3218491"/>
+              <a:gd name="connsiteY7" fmla="*/ 351380 h 951270"/>
+              <a:gd name="connsiteX8" fmla="*/ 3218491 w 3218491"/>
+              <a:gd name="connsiteY8" fmla="*/ 351380 h 951270"/>
+              <a:gd name="connsiteX9" fmla="*/ 3218491 w 3218491"/>
+              <a:gd name="connsiteY9" fmla="*/ 531347 h 951270"/>
+              <a:gd name="connsiteX10" fmla="*/ 3218491 w 3218491"/>
+              <a:gd name="connsiteY10" fmla="*/ 951270 h 951270"/>
+              <a:gd name="connsiteX11" fmla="*/ 1341038 w 3218491"/>
+              <a:gd name="connsiteY11" fmla="*/ 951270 h 951270"/>
+              <a:gd name="connsiteX12" fmla="*/ 536415 w 3218491"/>
+              <a:gd name="connsiteY12" fmla="*/ 951270 h 951270"/>
+              <a:gd name="connsiteX13" fmla="*/ 536415 w 3218491"/>
+              <a:gd name="connsiteY13" fmla="*/ 951270 h 951270"/>
+              <a:gd name="connsiteX14" fmla="*/ 0 w 3218491"/>
+              <a:gd name="connsiteY14" fmla="*/ 951270 h 951270"/>
+              <a:gd name="connsiteX15" fmla="*/ 0 w 3218491"/>
+              <a:gd name="connsiteY15" fmla="*/ 531347 h 951270"/>
+              <a:gd name="connsiteX16" fmla="*/ 0 w 3218491"/>
+              <a:gd name="connsiteY16" fmla="*/ 351380 h 951270"/>
+              <a:gd name="connsiteX17" fmla="*/ 0 w 3218491"/>
+              <a:gd name="connsiteY17" fmla="*/ 351380 h 951270"/>
+              <a:gd name="connsiteX18" fmla="*/ 0 w 3218491"/>
+              <a:gd name="connsiteY18" fmla="*/ 231402 h 951270"/>
+              <a:gd name="connsiteX0" fmla="*/ 0 w 3218491"/>
+              <a:gd name="connsiteY0" fmla="*/ 231402 h 951270"/>
+              <a:gd name="connsiteX1" fmla="*/ 869790 w 3218491"/>
+              <a:gd name="connsiteY1" fmla="*/ 240927 h 951270"/>
+              <a:gd name="connsiteX2" fmla="*/ 911541 w 3218491"/>
+              <a:gd name="connsiteY2" fmla="*/ 0 h 951270"/>
+              <a:gd name="connsiteX3" fmla="*/ 1121963 w 3218491"/>
+              <a:gd name="connsiteY3" fmla="*/ 231402 h 951270"/>
+              <a:gd name="connsiteX4" fmla="*/ 2753970 w 3218491"/>
+              <a:gd name="connsiteY4" fmla="*/ 223858 h 951270"/>
+              <a:gd name="connsiteX5" fmla="*/ 2923628 w 3218491"/>
+              <a:gd name="connsiteY5" fmla="*/ 223858 h 951270"/>
+              <a:gd name="connsiteX6" fmla="*/ 3012496 w 3218491"/>
+              <a:gd name="connsiteY6" fmla="*/ 223858 h 951270"/>
+              <a:gd name="connsiteX7" fmla="*/ 3218491 w 3218491"/>
+              <a:gd name="connsiteY7" fmla="*/ 231402 h 951270"/>
+              <a:gd name="connsiteX8" fmla="*/ 3218491 w 3218491"/>
+              <a:gd name="connsiteY8" fmla="*/ 351380 h 951270"/>
+              <a:gd name="connsiteX9" fmla="*/ 3218491 w 3218491"/>
+              <a:gd name="connsiteY9" fmla="*/ 351380 h 951270"/>
+              <a:gd name="connsiteX10" fmla="*/ 3218491 w 3218491"/>
+              <a:gd name="connsiteY10" fmla="*/ 531347 h 951270"/>
+              <a:gd name="connsiteX11" fmla="*/ 3218491 w 3218491"/>
+              <a:gd name="connsiteY11" fmla="*/ 951270 h 951270"/>
+              <a:gd name="connsiteX12" fmla="*/ 1341038 w 3218491"/>
+              <a:gd name="connsiteY12" fmla="*/ 951270 h 951270"/>
+              <a:gd name="connsiteX13" fmla="*/ 536415 w 3218491"/>
+              <a:gd name="connsiteY13" fmla="*/ 951270 h 951270"/>
+              <a:gd name="connsiteX14" fmla="*/ 536415 w 3218491"/>
+              <a:gd name="connsiteY14" fmla="*/ 951270 h 951270"/>
+              <a:gd name="connsiteX15" fmla="*/ 0 w 3218491"/>
+              <a:gd name="connsiteY15" fmla="*/ 951270 h 951270"/>
+              <a:gd name="connsiteX16" fmla="*/ 0 w 3218491"/>
+              <a:gd name="connsiteY16" fmla="*/ 531347 h 951270"/>
+              <a:gd name="connsiteX17" fmla="*/ 0 w 3218491"/>
+              <a:gd name="connsiteY17" fmla="*/ 351380 h 951270"/>
+              <a:gd name="connsiteX18" fmla="*/ 0 w 3218491"/>
+              <a:gd name="connsiteY18" fmla="*/ 351380 h 951270"/>
+              <a:gd name="connsiteX19" fmla="*/ 0 w 3218491"/>
+              <a:gd name="connsiteY19" fmla="*/ 231402 h 951270"/>
+              <a:gd name="connsiteX0" fmla="*/ 0 w 3218491"/>
+              <a:gd name="connsiteY0" fmla="*/ 231402 h 951270"/>
+              <a:gd name="connsiteX1" fmla="*/ 869790 w 3218491"/>
+              <a:gd name="connsiteY1" fmla="*/ 240927 h 951270"/>
+              <a:gd name="connsiteX2" fmla="*/ 911541 w 3218491"/>
+              <a:gd name="connsiteY2" fmla="*/ 0 h 951270"/>
+              <a:gd name="connsiteX3" fmla="*/ 1121963 w 3218491"/>
+              <a:gd name="connsiteY3" fmla="*/ 231402 h 951270"/>
+              <a:gd name="connsiteX4" fmla="*/ 2753970 w 3218491"/>
+              <a:gd name="connsiteY4" fmla="*/ 223858 h 951270"/>
+              <a:gd name="connsiteX5" fmla="*/ 3004417 w 3218491"/>
+              <a:gd name="connsiteY5" fmla="*/ 4783 h 951270"/>
+              <a:gd name="connsiteX6" fmla="*/ 3012496 w 3218491"/>
+              <a:gd name="connsiteY6" fmla="*/ 223858 h 951270"/>
+              <a:gd name="connsiteX7" fmla="*/ 3218491 w 3218491"/>
+              <a:gd name="connsiteY7" fmla="*/ 231402 h 951270"/>
+              <a:gd name="connsiteX8" fmla="*/ 3218491 w 3218491"/>
+              <a:gd name="connsiteY8" fmla="*/ 351380 h 951270"/>
+              <a:gd name="connsiteX9" fmla="*/ 3218491 w 3218491"/>
+              <a:gd name="connsiteY9" fmla="*/ 351380 h 951270"/>
+              <a:gd name="connsiteX10" fmla="*/ 3218491 w 3218491"/>
+              <a:gd name="connsiteY10" fmla="*/ 531347 h 951270"/>
+              <a:gd name="connsiteX11" fmla="*/ 3218491 w 3218491"/>
+              <a:gd name="connsiteY11" fmla="*/ 951270 h 951270"/>
+              <a:gd name="connsiteX12" fmla="*/ 1341038 w 3218491"/>
+              <a:gd name="connsiteY12" fmla="*/ 951270 h 951270"/>
+              <a:gd name="connsiteX13" fmla="*/ 536415 w 3218491"/>
+              <a:gd name="connsiteY13" fmla="*/ 951270 h 951270"/>
+              <a:gd name="connsiteX14" fmla="*/ 536415 w 3218491"/>
+              <a:gd name="connsiteY14" fmla="*/ 951270 h 951270"/>
+              <a:gd name="connsiteX15" fmla="*/ 0 w 3218491"/>
+              <a:gd name="connsiteY15" fmla="*/ 951270 h 951270"/>
+              <a:gd name="connsiteX16" fmla="*/ 0 w 3218491"/>
+              <a:gd name="connsiteY16" fmla="*/ 531347 h 951270"/>
+              <a:gd name="connsiteX17" fmla="*/ 0 w 3218491"/>
+              <a:gd name="connsiteY17" fmla="*/ 351380 h 951270"/>
+              <a:gd name="connsiteX18" fmla="*/ 0 w 3218491"/>
+              <a:gd name="connsiteY18" fmla="*/ 351380 h 951270"/>
+              <a:gd name="connsiteX19" fmla="*/ 0 w 3218491"/>
+              <a:gd name="connsiteY19" fmla="*/ 231402 h 951270"/>
+            </a:gdLst>
+            <a:ahLst/>
+            <a:cxnLst>
+              <a:cxn ang="0">
+                <a:pos x="connsiteX0" y="connsiteY0"/>
+              </a:cxn>
+              <a:cxn ang="0">
+                <a:pos x="connsiteX1" y="connsiteY1"/>
+              </a:cxn>
+              <a:cxn ang="0">
+                <a:pos x="connsiteX2" y="connsiteY2"/>
+              </a:cxn>
+              <a:cxn ang="0">
+                <a:pos x="connsiteX3" y="connsiteY3"/>
+              </a:cxn>
+              <a:cxn ang="0">
+                <a:pos x="connsiteX4" y="connsiteY4"/>
+              </a:cxn>
+              <a:cxn ang="0">
+                <a:pos x="connsiteX5" y="connsiteY5"/>
+              </a:cxn>
+              <a:cxn ang="0">
+                <a:pos x="connsiteX6" y="connsiteY6"/>
+              </a:cxn>
+              <a:cxn ang="0">
+                <a:pos x="connsiteX7" y="connsiteY7"/>
+              </a:cxn>
+              <a:cxn ang="0">
+                <a:pos x="connsiteX8" y="connsiteY8"/>
+              </a:cxn>
+              <a:cxn ang="0">
+                <a:pos x="connsiteX9" y="connsiteY9"/>
+              </a:cxn>
+              <a:cxn ang="0">
+                <a:pos x="connsiteX10" y="connsiteY10"/>
+              </a:cxn>
+              <a:cxn ang="0">
+                <a:pos x="connsiteX11" y="connsiteY11"/>
+              </a:cxn>
+              <a:cxn ang="0">
+                <a:pos x="connsiteX12" y="connsiteY12"/>
+              </a:cxn>
+              <a:cxn ang="0">
+                <a:pos x="connsiteX13" y="connsiteY13"/>
+              </a:cxn>
+              <a:cxn ang="0">
+                <a:pos x="connsiteX14" y="connsiteY14"/>
+              </a:cxn>
+              <a:cxn ang="0">
+                <a:pos x="connsiteX15" y="connsiteY15"/>
+              </a:cxn>
+              <a:cxn ang="0">
+                <a:pos x="connsiteX16" y="connsiteY16"/>
+              </a:cxn>
+              <a:cxn ang="0">
+                <a:pos x="connsiteX17" y="connsiteY17"/>
+              </a:cxn>
+              <a:cxn ang="0">
+                <a:pos x="connsiteX18" y="connsiteY18"/>
+              </a:cxn>
+              <a:cxn ang="0">
+                <a:pos x="connsiteX19" y="connsiteY19"/>
+              </a:cxn>
+            </a:cxnLst>
+            <a:rect l="l" t="t" r="r" b="b"/>
+            <a:pathLst>
+              <a:path w="3218491" h="951270">
+                <a:moveTo>
+                  <a:pt x="0" y="231402"/>
+                </a:moveTo>
+                <a:lnTo>
+                  <a:pt x="869790" y="240927"/>
+                </a:lnTo>
+                <a:lnTo>
+                  <a:pt x="911541" y="0"/>
+                </a:lnTo>
+                <a:lnTo>
+                  <a:pt x="1121963" y="231402"/>
+                </a:lnTo>
+                <a:lnTo>
+                  <a:pt x="2753970" y="223858"/>
+                </a:lnTo>
+                <a:lnTo>
+                  <a:pt x="3004417" y="4783"/>
+                </a:lnTo>
+                <a:lnTo>
+                  <a:pt x="3012496" y="223858"/>
+                </a:lnTo>
+                <a:lnTo>
+                  <a:pt x="3218491" y="231402"/>
+                </a:lnTo>
+                <a:lnTo>
+                  <a:pt x="3218491" y="351380"/>
+                </a:lnTo>
+                <a:lnTo>
+                  <a:pt x="3218491" y="351380"/>
+                </a:lnTo>
+                <a:lnTo>
+                  <a:pt x="3218491" y="531347"/>
+                </a:lnTo>
+                <a:lnTo>
+                  <a:pt x="3218491" y="951270"/>
+                </a:lnTo>
+                <a:lnTo>
+                  <a:pt x="1341038" y="951270"/>
+                </a:lnTo>
+                <a:lnTo>
+                  <a:pt x="536415" y="951270"/>
+                </a:lnTo>
+                <a:lnTo>
+                  <a:pt x="536415" y="951270"/>
+                </a:lnTo>
+                <a:lnTo>
+                  <a:pt x="0" y="951270"/>
+                </a:lnTo>
+                <a:lnTo>
+                  <a:pt x="0" y="531347"/>
+                </a:lnTo>
+                <a:lnTo>
+                  <a:pt x="0" y="351380"/>
+                </a:lnTo>
+                <a:lnTo>
+                  <a:pt x="0" y="351380"/>
+                </a:lnTo>
+                <a:lnTo>
+                  <a:pt x="0" y="231402"/>
+                </a:lnTo>
+                <a:close/>
+              </a:path>
+            </a:pathLst>
+          </a:custGeom>
+          <a:solidFill>
+            <a:schemeClr val="bg1"/>
+          </a:solidFill>
+          <a:ln w="38100">
+            <a:solidFill>
+              <a:schemeClr val="accent6">
+                <a:lumMod val="90000"/>
+                <a:lumOff val="10000"/>
+              </a:schemeClr>
+            </a:solidFill>
+          </a:ln>
+          <a:effectLst/>
+          <a:extLst/>
+        </p:spPr>
+        <p:txBody>
+          <a:bodyPr rot="0" spcFirstLastPara="0" vertOverflow="overflow" horzOverflow="overflow" vert="horz" wrap="none" lIns="72000" tIns="72000" rIns="72000" bIns="72000" numCol="1" spcCol="0" rtlCol="0" fromWordArt="0" anchor="ctr" anchorCtr="0" forceAA="0" compatLnSpc="1">
+            <a:prstTxWarp prst="textNoShape">
+              <a:avLst/>
+            </a:prstTxWarp>
+            <a:noAutofit/>
+          </a:bodyPr>
+          <a:lstStyle/>
+          <a:p>
+            <a:pPr algn="ctr"/>
+            <a:r>
+              <a:rPr lang="ja-JP" altLang="en-US" dirty="0"/>
+              <a:t> </a:t>
+            </a:r>
+            <a:r>
+              <a:rPr lang="en-US" altLang="ja-JP" sz="1600" b="1" dirty="0" smtClean="0">
+                <a:latin typeface="+mn-ea"/>
+              </a:rPr>
+              <a:t/>
+            </a:r>
+            <a:br>
+              <a:rPr lang="en-US" altLang="ja-JP" sz="1600" b="1" dirty="0" smtClean="0">
+                <a:latin typeface="+mn-ea"/>
+              </a:rPr>
+            </a:br>
+            <a:r>
+              <a:rPr lang="ja-JP" altLang="en-US" sz="1600" b="1" dirty="0"/>
+              <a:t>次回実行</a:t>
+            </a:r>
+            <a:r>
+              <a:rPr lang="ja-JP" altLang="en-US" sz="1600" b="1" dirty="0" smtClean="0"/>
+              <a:t>日付の</a:t>
+            </a:r>
+            <a:r>
+              <a:rPr lang="ja-JP" altLang="en-US" sz="1600" b="1" dirty="0" smtClean="0">
+                <a:latin typeface="+mn-ea"/>
+              </a:rPr>
+              <a:t>インターバル時間前</a:t>
+            </a:r>
+            <a:r>
+              <a:rPr lang="ja-JP" altLang="en-US" sz="1600" b="1" dirty="0">
+                <a:latin typeface="+mn-ea"/>
+              </a:rPr>
+              <a:t>に</a:t>
+            </a:r>
+            <a:r>
+              <a:rPr lang="en-US" altLang="ja-JP" sz="1600" b="1" dirty="0">
+                <a:latin typeface="+mn-ea"/>
+              </a:rPr>
+              <a:t/>
+            </a:r>
+            <a:br>
+              <a:rPr lang="en-US" altLang="ja-JP" sz="1600" b="1" dirty="0">
+                <a:latin typeface="+mn-ea"/>
+              </a:rPr>
+            </a:br>
+            <a:r>
+              <a:rPr lang="ja-JP" altLang="en-US" sz="1600" b="1" dirty="0">
+                <a:latin typeface="+mn-ea"/>
+              </a:rPr>
+              <a:t>なると表示</a:t>
+            </a:r>
+            <a:r>
+              <a:rPr lang="ja-JP" altLang="en-US" sz="1600" b="1" dirty="0" smtClean="0">
+                <a:latin typeface="+mn-ea"/>
+              </a:rPr>
+              <a:t>されます</a:t>
+            </a:r>
+            <a:endParaRPr lang="ja-JP" altLang="en-US" sz="1600" b="1" dirty="0">
+              <a:latin typeface="+mn-ea"/>
+            </a:endParaRPr>
+          </a:p>
+        </p:txBody>
+      </p:sp>
+      <p:sp>
+        <p:nvSpPr>
+          <p:cNvPr id="13" name="正方形/長方形 12"/>
+          <p:cNvSpPr/>
+          <p:nvPr/>
+        </p:nvSpPr>
+        <p:spPr>
+          <a:xfrm>
+            <a:off x="2123660" y="3244334"/>
+            <a:ext cx="2579947" cy="369332"/>
+          </a:xfrm>
+          <a:prstGeom prst="rect">
+            <a:avLst/>
+          </a:prstGeom>
+        </p:spPr>
+        <p:txBody>
+          <a:bodyPr wrap="square">
+            <a:spAutoFit/>
+          </a:bodyPr>
+          <a:lstStyle/>
+          <a:p>
+            <a:r>
+              <a:rPr lang="ja-JP" altLang="en-US" dirty="0">
+                <a:solidFill>
+                  <a:srgbClr val="000000"/>
+                </a:solidFill>
+                <a:latin typeface="Meiryo" panose="020B0604030504040204" pitchFamily="50" charset="-128"/>
+                <a:ea typeface="Meiryo" panose="020B0604030504040204" pitchFamily="50" charset="-128"/>
+              </a:rPr>
+              <a:t> </a:t>
+            </a:r>
+            <a:endParaRPr lang="ja-JP" altLang="en-US" dirty="0"/>
+          </a:p>
+        </p:txBody>
+      </p:sp>
+      <p:sp>
+        <p:nvSpPr>
+          <p:cNvPr id="16" name="正方形/長方形 15"/>
+          <p:cNvSpPr/>
+          <p:nvPr/>
+        </p:nvSpPr>
+        <p:spPr bwMode="auto">
+          <a:xfrm>
+            <a:off x="1212184" y="3174509"/>
+            <a:ext cx="6718657" cy="648090"/>
+          </a:xfrm>
+          <a:prstGeom prst="rect">
+            <a:avLst/>
+          </a:prstGeom>
+          <a:noFill/>
+          <a:ln w="38100">
+            <a:solidFill>
+              <a:schemeClr val="accent6">
+                <a:lumMod val="90000"/>
+                <a:lumOff val="10000"/>
+              </a:schemeClr>
+            </a:solidFill>
+          </a:ln>
+          <a:effectLst/>
+          <a:extLst/>
+        </p:spPr>
+        <p:txBody>
+          <a:bodyPr rot="0" spcFirstLastPara="0" vertOverflow="overflow" horzOverflow="overflow" vert="horz" wrap="none" lIns="72000" tIns="72000" rIns="72000" bIns="72000" numCol="1" spcCol="0" rtlCol="0" fromWordArt="0" anchor="ctr" anchorCtr="0" forceAA="0" compatLnSpc="1">
+            <a:prstTxWarp prst="textNoShape">
+              <a:avLst/>
+            </a:prstTxWarp>
+            <a:noAutofit/>
+          </a:bodyPr>
+          <a:lstStyle/>
+          <a:p>
+            <a:pPr algn="ctr"/>
+            <a:r>
+              <a:rPr lang="en-US" altLang="ja-JP" sz="1400" b="1" dirty="0">
+                <a:latin typeface="+mn-ea"/>
+              </a:rPr>
+              <a:t>【</a:t>
+            </a:r>
+            <a:r>
+              <a:rPr lang="ja-JP" altLang="en-US" sz="1400" b="1" dirty="0">
+                <a:latin typeface="+mn-ea"/>
+              </a:rPr>
+              <a:t>例</a:t>
+            </a:r>
+            <a:r>
+              <a:rPr lang="en-US" altLang="ja-JP" sz="1400" b="1" dirty="0" smtClean="0">
+                <a:latin typeface="+mn-ea"/>
+              </a:rPr>
+              <a:t>】</a:t>
+            </a:r>
+            <a:r>
+              <a:rPr lang="ja-JP" altLang="en-US" sz="1400" b="1" dirty="0" smtClean="0"/>
+              <a:t>次回</a:t>
+            </a:r>
+            <a:r>
+              <a:rPr lang="ja-JP" altLang="en-US" sz="1400" b="1" dirty="0"/>
+              <a:t>実行</a:t>
+            </a:r>
+            <a:r>
+              <a:rPr lang="ja-JP" altLang="en-US" sz="1400" b="1" dirty="0" smtClean="0"/>
+              <a:t>日付</a:t>
+            </a:r>
+            <a:r>
+              <a:rPr lang="ja-JP" altLang="en-US" sz="1400" b="1" dirty="0" smtClean="0">
+                <a:latin typeface="+mn-ea"/>
+              </a:rPr>
+              <a:t>が「</a:t>
+            </a:r>
+            <a:r>
+              <a:rPr lang="en-US" altLang="ja-JP" sz="1400" b="1" dirty="0">
+                <a:latin typeface="+mn-ea"/>
+              </a:rPr>
+              <a:t>2021/9/1 18:00</a:t>
+            </a:r>
+            <a:r>
+              <a:rPr lang="ja-JP" altLang="en-US" sz="1400" b="1" dirty="0">
+                <a:latin typeface="+mn-ea"/>
+              </a:rPr>
+              <a:t>」 で </a:t>
+            </a:r>
+            <a:r>
+              <a:rPr lang="ja-JP" altLang="en-US" sz="1400" b="1" dirty="0" smtClean="0">
+                <a:latin typeface="+mn-ea"/>
+              </a:rPr>
+              <a:t>インターバル</a:t>
+            </a:r>
+            <a:r>
+              <a:rPr lang="ja-JP" altLang="en-US" sz="1400" b="1" dirty="0">
+                <a:latin typeface="+mn-ea"/>
+              </a:rPr>
+              <a:t>時間が</a:t>
+            </a:r>
+            <a:r>
+              <a:rPr lang="en-US" altLang="ja-JP" sz="1400" b="1" dirty="0">
+                <a:latin typeface="+mn-ea"/>
+              </a:rPr>
+              <a:t>3</a:t>
+            </a:r>
+            <a:r>
+              <a:rPr lang="ja-JP" altLang="en-US" sz="1400" b="1" dirty="0">
+                <a:latin typeface="+mn-ea"/>
+              </a:rPr>
+              <a:t>分の場合</a:t>
+            </a:r>
+            <a:r>
+              <a:rPr lang="ja-JP" altLang="en-US" sz="1400" b="1" dirty="0" smtClean="0">
+                <a:latin typeface="+mn-ea"/>
+              </a:rPr>
+              <a:t>、</a:t>
+            </a:r>
+          </a:p>
+          <a:p>
+            <a:pPr algn="ctr"/>
+            <a:r>
+              <a:rPr lang="ja-JP" altLang="en-US" sz="1400" b="1" dirty="0" smtClean="0">
+                <a:latin typeface="+mn-ea"/>
+              </a:rPr>
+              <a:t>　「</a:t>
+            </a:r>
+            <a:r>
+              <a:rPr lang="en-US" altLang="ja-JP" sz="1400" b="1" dirty="0">
+                <a:latin typeface="+mn-ea"/>
+              </a:rPr>
+              <a:t>2021/9/1</a:t>
+            </a:r>
+            <a:r>
+              <a:rPr lang="en-US" altLang="ja-JP" sz="1400" b="1" dirty="0" smtClean="0">
+                <a:latin typeface="+mn-ea"/>
+              </a:rPr>
+              <a:t> 17:57</a:t>
+            </a:r>
+            <a:r>
+              <a:rPr lang="ja-JP" altLang="en-US" sz="1400" b="1" dirty="0" smtClean="0">
+                <a:latin typeface="+mn-ea"/>
+              </a:rPr>
+              <a:t>」 に未実行（予約）ステータスに遷移します。</a:t>
+            </a:r>
+            <a:endParaRPr lang="ja-JP" altLang="en-US" sz="1400" b="1" dirty="0">
+              <a:latin typeface="+mn-ea"/>
+            </a:endParaRPr>
+          </a:p>
+        </p:txBody>
+      </p:sp>
+    </p:spTree>
+    <p:extLst>
+      <p:ext uri="{BB962C8B-B14F-4D97-AF65-F5344CB8AC3E}">
+        <p14:creationId xmlns:p14="http://schemas.microsoft.com/office/powerpoint/2010/main" val="2345101613"/>
+      </p:ext>
+    </p:extLst>
+  </p:cSld>
+  <p:clrMapOvr>
+    <a:masterClrMapping/>
+  </p:clrMapOvr>
+</p:sld>
+</file>
+
+<file path=ppt/slides/slide2.xml><?xml version="1.0" encoding="utf-8"?>
+<p:sld xmlns:a="http://schemas.openxmlformats.org/drawingml/2006/main" xmlns:r="http://schemas.openxmlformats.org/officeDocument/2006/relationships" xmlns:p="http://schemas.openxmlformats.org/presentationml/2006/main">
+  <p:cSld>
+    <p:spTree>
+      <p:nvGrpSpPr>
+        <p:cNvPr id="1" name=""/>
+        <p:cNvGrpSpPr/>
+        <p:nvPr/>
+      </p:nvGrpSpPr>
+      <p:grpSpPr>
+        <a:xfrm>
+          <a:off x="0" y="0"/>
+          <a:ext cx="0" cy="0"/>
+          <a:chOff x="0" y="0"/>
+          <a:chExt cx="0" cy="0"/>
+        </a:xfrm>
+      </p:grpSpPr>
+      <p:sp>
+        <p:nvSpPr>
+          <p:cNvPr id="2" name="タイトル 1"/>
+          <p:cNvSpPr>
+            <a:spLocks noGrp="1"/>
+          </p:cNvSpPr>
+          <p:nvPr>
+            <p:ph type="title"/>
+          </p:nvPr>
+        </p:nvSpPr>
+        <p:spPr>
+          <a:xfrm>
+            <a:off x="1619672" y="116540"/>
+            <a:ext cx="7344000" cy="405683"/>
+          </a:xfrm>
+        </p:spPr>
+        <p:txBody>
+          <a:bodyPr/>
+          <a:lstStyle/>
+          <a:p>
+            <a:r>
+              <a:rPr kumimoji="1" lang="ja-JP" altLang="en-US" dirty="0" smtClean="0">
+                <a:solidFill>
+                  <a:schemeClr val="tx1"/>
+                </a:solidFill>
+              </a:rPr>
+              <a:t>目次</a:t>
+            </a:r>
+            <a:endParaRPr kumimoji="1" lang="ja-JP" altLang="en-US" dirty="0">
+              <a:solidFill>
+                <a:schemeClr val="tx1"/>
+              </a:solidFill>
+            </a:endParaRPr>
+          </a:p>
+        </p:txBody>
+      </p:sp>
+      <p:sp>
+        <p:nvSpPr>
+          <p:cNvPr id="4" name="正方形/長方形 3"/>
+          <p:cNvSpPr/>
+          <p:nvPr/>
+        </p:nvSpPr>
+        <p:spPr bwMode="auto">
+          <a:xfrm>
+            <a:off x="1619590" y="522116"/>
+            <a:ext cx="7345020" cy="6219344"/>
+          </a:xfrm>
+          <a:prstGeom prst="rect">
+            <a:avLst/>
+          </a:prstGeom>
+          <a:noFill/>
+          <a:ln w="12700">
+            <a:noFill/>
+          </a:ln>
+          <a:effectLst/>
+          <a:extLst/>
+        </p:spPr>
+        <p:txBody>
+          <a:bodyPr rot="0" spcFirstLastPara="0" vertOverflow="overflow" horzOverflow="overflow" vert="horz" wrap="none" lIns="72000" tIns="72000" rIns="72000" bIns="72000" numCol="1" spcCol="0" rtlCol="0" fromWordArt="0" anchor="t" anchorCtr="0" forceAA="0" compatLnSpc="1">
+            <a:prstTxWarp prst="textNoShape">
+              <a:avLst/>
+            </a:prstTxWarp>
+            <a:noAutofit/>
+          </a:bodyPr>
+          <a:lstStyle/>
+          <a:p>
+            <a:pPr marL="342900" indent="-342900">
+              <a:buFont typeface="+mj-lt"/>
+              <a:buAutoNum type="arabicPeriod"/>
+            </a:pPr>
+            <a:r>
+              <a:rPr lang="ja-JP" altLang="en-US" sz="2000" dirty="0" smtClean="0"/>
+              <a:t>はじめに</a:t>
+            </a:r>
+            <a:endParaRPr lang="en-US" altLang="ja-JP" sz="2000" dirty="0"/>
+          </a:p>
+          <a:p>
+            <a:pPr marL="800100" lvl="1" indent="-342900">
+              <a:buFont typeface="+mj-lt"/>
+              <a:buAutoNum type="arabicPeriod"/>
+            </a:pPr>
+            <a:r>
+              <a:rPr lang="ja-JP" altLang="en-US" sz="2000" dirty="0" smtClean="0"/>
+              <a:t>本書について</a:t>
+            </a:r>
+            <a:endParaRPr lang="en-US" altLang="ja-JP" sz="2000" dirty="0" smtClean="0"/>
+          </a:p>
+          <a:p>
+            <a:pPr marL="342900" indent="-342900">
+              <a:buFont typeface="+mj-lt"/>
+              <a:buAutoNum type="arabicPeriod"/>
+            </a:pPr>
+            <a:endParaRPr lang="en-US" altLang="ja-JP" sz="2000" dirty="0" smtClean="0"/>
+          </a:p>
+          <a:p>
+            <a:pPr marL="342900" indent="-342900">
+              <a:buFont typeface="+mj-lt"/>
+              <a:buAutoNum type="arabicPeriod"/>
+            </a:pPr>
+            <a:r>
+              <a:rPr lang="en-US" altLang="ja-JP" sz="2000" dirty="0"/>
+              <a:t>Conductor</a:t>
+            </a:r>
+            <a:r>
+              <a:rPr lang="ja-JP" altLang="en-US" sz="2000" dirty="0" smtClean="0"/>
+              <a:t>についての説明</a:t>
+            </a:r>
+            <a:endParaRPr lang="en-US" altLang="ja-JP" sz="2000" dirty="0" smtClean="0"/>
+          </a:p>
+          <a:p>
+            <a:pPr marL="800100" lvl="1" indent="-342900">
+              <a:buFont typeface="+mj-lt"/>
+              <a:buAutoNum type="arabicPeriod"/>
+            </a:pPr>
+            <a:r>
+              <a:rPr lang="en-US" altLang="ja-JP" sz="2000" dirty="0" smtClean="0"/>
+              <a:t>Conductor</a:t>
+            </a:r>
+            <a:r>
+              <a:rPr lang="ja-JP" altLang="en-US" sz="2000" dirty="0" smtClean="0"/>
+              <a:t>とは</a:t>
+            </a:r>
+            <a:endParaRPr lang="en-US" altLang="ja-JP" sz="2000" dirty="0" smtClean="0"/>
+          </a:p>
+          <a:p>
+            <a:pPr marL="800100" lvl="1" indent="-342900">
+              <a:buFont typeface="+mj-lt"/>
+              <a:buAutoNum type="arabicPeriod"/>
+            </a:pPr>
+            <a:r>
+              <a:rPr lang="en-US" altLang="ja-JP" sz="2000" dirty="0" smtClean="0"/>
+              <a:t>Conductor</a:t>
+            </a:r>
+            <a:r>
+              <a:rPr lang="ja-JP" altLang="en-US" sz="2000" dirty="0" smtClean="0"/>
+              <a:t>の特徴</a:t>
+            </a:r>
+            <a:endParaRPr lang="en-US" altLang="ja-JP" sz="2000" dirty="0" smtClean="0"/>
+          </a:p>
+          <a:p>
+            <a:pPr marL="800100" lvl="1" indent="-342900">
+              <a:buFont typeface="+mj-lt"/>
+              <a:buAutoNum type="arabicPeriod"/>
+            </a:pPr>
+            <a:r>
+              <a:rPr lang="en-US" altLang="ja-JP" sz="2000" dirty="0"/>
+              <a:t>Conductor</a:t>
+            </a:r>
+            <a:r>
+              <a:rPr lang="ja-JP" altLang="en-US" sz="2000" dirty="0" smtClean="0"/>
+              <a:t>メニューの機能</a:t>
+            </a:r>
+            <a:r>
+              <a:rPr lang="ja-JP" altLang="en-US" sz="2000" dirty="0"/>
+              <a:t>説明</a:t>
+            </a:r>
+          </a:p>
+          <a:p>
+            <a:pPr marL="800100" lvl="1" indent="-342900">
+              <a:buFont typeface="+mj-lt"/>
+              <a:buAutoNum type="arabicPeriod"/>
+            </a:pPr>
+            <a:r>
+              <a:rPr lang="en-US" altLang="ja-JP" sz="2000" dirty="0"/>
+              <a:t>Conductor</a:t>
+            </a:r>
+            <a:r>
+              <a:rPr lang="ja-JP" altLang="en-US" sz="2000" dirty="0" smtClean="0"/>
+              <a:t>の作業フロー</a:t>
+            </a:r>
+            <a:endParaRPr lang="ja-JP" altLang="en-US" sz="2000" dirty="0"/>
+          </a:p>
+          <a:p>
+            <a:pPr lvl="1"/>
+            <a:endParaRPr lang="en-US" altLang="ja-JP" sz="1600" dirty="0" smtClean="0"/>
+          </a:p>
+        </p:txBody>
+      </p:sp>
+    </p:spTree>
+    <p:extLst>
+      <p:ext uri="{BB962C8B-B14F-4D97-AF65-F5344CB8AC3E}">
+        <p14:creationId xmlns:p14="http://schemas.microsoft.com/office/powerpoint/2010/main" val="2091656052"/>
+      </p:ext>
+    </p:extLst>
+  </p:cSld>
+  <p:clrMapOvr>
+    <a:masterClrMapping/>
+  </p:clrMapOvr>
+  <p:timing>
+    <p:tnLst>
+      <p:par>
+        <p:cTn id="1" dur="indefinite" restart="never" nodeType="tmRoot"/>
+      </p:par>
+    </p:tnLst>
+  </p:timing>
+</p:sld>
+</file>
+
+<file path=ppt/slides/slide20.xml><?xml version="1.0" encoding="utf-8"?>
 <p:sld xmlns:a="http://schemas.openxmlformats.org/drawingml/2006/main" xmlns:r="http://schemas.openxmlformats.org/officeDocument/2006/relationships" xmlns:p="http://schemas.openxmlformats.org/presentationml/2006/main">
   <p:cSld>
     <p:spTree>
@@ -16815,222 +20779,7 @@
 </p:sld>
 </file>
 
-<file path=ppt/slides/slide2.xml><?xml version="1.0" encoding="utf-8"?>
-<p:sld xmlns:a="http://schemas.openxmlformats.org/drawingml/2006/main" xmlns:r="http://schemas.openxmlformats.org/officeDocument/2006/relationships" xmlns:p="http://schemas.openxmlformats.org/presentationml/2006/main">
-  <p:cSld>
-    <p:spTree>
-      <p:nvGrpSpPr>
-        <p:cNvPr id="1" name=""/>
-        <p:cNvGrpSpPr/>
-        <p:nvPr/>
-      </p:nvGrpSpPr>
-      <p:grpSpPr>
-        <a:xfrm>
-          <a:off x="0" y="0"/>
-          <a:ext cx="0" cy="0"/>
-          <a:chOff x="0" y="0"/>
-          <a:chExt cx="0" cy="0"/>
-        </a:xfrm>
-      </p:grpSpPr>
-      <p:sp>
-        <p:nvSpPr>
-          <p:cNvPr id="2" name="タイトル 1"/>
-          <p:cNvSpPr>
-            <a:spLocks noGrp="1"/>
-          </p:cNvSpPr>
-          <p:nvPr>
-            <p:ph type="title"/>
-          </p:nvPr>
-        </p:nvSpPr>
-        <p:spPr>
-          <a:xfrm>
-            <a:off x="1619672" y="116540"/>
-            <a:ext cx="7344000" cy="405683"/>
-          </a:xfrm>
-        </p:spPr>
-        <p:txBody>
-          <a:bodyPr/>
-          <a:lstStyle/>
-          <a:p>
-            <a:r>
-              <a:rPr kumimoji="1" lang="ja-JP" altLang="en-US" dirty="0" smtClean="0">
-                <a:solidFill>
-                  <a:schemeClr val="tx1"/>
-                </a:solidFill>
-              </a:rPr>
-              <a:t>目次</a:t>
-            </a:r>
-            <a:endParaRPr kumimoji="1" lang="ja-JP" altLang="en-US" dirty="0">
-              <a:solidFill>
-                <a:schemeClr val="tx1"/>
-              </a:solidFill>
-            </a:endParaRPr>
-          </a:p>
-        </p:txBody>
-      </p:sp>
-      <p:sp>
-        <p:nvSpPr>
-          <p:cNvPr id="4" name="正方形/長方形 3"/>
-          <p:cNvSpPr/>
-          <p:nvPr/>
-        </p:nvSpPr>
-        <p:spPr bwMode="auto">
-          <a:xfrm>
-            <a:off x="1619590" y="522116"/>
-            <a:ext cx="7345020" cy="6219344"/>
-          </a:xfrm>
-          <a:prstGeom prst="rect">
-            <a:avLst/>
-          </a:prstGeom>
-          <a:noFill/>
-          <a:ln w="12700">
-            <a:noFill/>
-          </a:ln>
-          <a:effectLst/>
-          <a:extLst/>
-        </p:spPr>
-        <p:txBody>
-          <a:bodyPr rot="0" spcFirstLastPara="0" vertOverflow="overflow" horzOverflow="overflow" vert="horz" wrap="none" lIns="72000" tIns="72000" rIns="72000" bIns="72000" numCol="1" spcCol="0" rtlCol="0" fromWordArt="0" anchor="t" anchorCtr="0" forceAA="0" compatLnSpc="1">
-            <a:prstTxWarp prst="textNoShape">
-              <a:avLst/>
-            </a:prstTxWarp>
-            <a:noAutofit/>
-          </a:bodyPr>
-          <a:lstStyle/>
-          <a:p>
-            <a:pPr marL="342900" indent="-342900">
-              <a:buFont typeface="+mj-lt"/>
-              <a:buAutoNum type="arabicPeriod"/>
-            </a:pPr>
-            <a:r>
-              <a:rPr lang="ja-JP" altLang="en-US" sz="2000" dirty="0" smtClean="0"/>
-              <a:t>はじめに</a:t>
-            </a:r>
-            <a:endParaRPr lang="en-US" altLang="ja-JP" sz="2000" dirty="0"/>
-          </a:p>
-          <a:p>
-            <a:pPr marL="800100" lvl="1" indent="-342900">
-              <a:buFont typeface="+mj-lt"/>
-              <a:buAutoNum type="arabicPeriod"/>
-            </a:pPr>
-            <a:r>
-              <a:rPr lang="ja-JP" altLang="en-US" sz="2000" dirty="0" smtClean="0"/>
-              <a:t>本書について</a:t>
-            </a:r>
-            <a:endParaRPr lang="en-US" altLang="ja-JP" sz="2000" dirty="0" smtClean="0"/>
-          </a:p>
-          <a:p>
-            <a:pPr marL="342900" indent="-342900">
-              <a:buFont typeface="+mj-lt"/>
-              <a:buAutoNum type="arabicPeriod"/>
-            </a:pPr>
-            <a:endParaRPr lang="en-US" altLang="ja-JP" sz="2000" dirty="0" smtClean="0"/>
-          </a:p>
-          <a:p>
-            <a:pPr marL="342900" indent="-342900">
-              <a:buFont typeface="+mj-lt"/>
-              <a:buAutoNum type="arabicPeriod"/>
-            </a:pPr>
-            <a:r>
-              <a:rPr lang="en-US" altLang="ja-JP" sz="2000" dirty="0"/>
-              <a:t>Conductor</a:t>
-            </a:r>
-            <a:r>
-              <a:rPr lang="ja-JP" altLang="en-US" sz="2000" dirty="0" smtClean="0"/>
-              <a:t>についての説明</a:t>
-            </a:r>
-            <a:endParaRPr lang="en-US" altLang="ja-JP" sz="2000" dirty="0" smtClean="0"/>
-          </a:p>
-          <a:p>
-            <a:pPr marL="800100" lvl="1" indent="-342900">
-              <a:buFont typeface="+mj-lt"/>
-              <a:buAutoNum type="arabicPeriod"/>
-            </a:pPr>
-            <a:r>
-              <a:rPr lang="en-US" altLang="ja-JP" sz="2000" dirty="0" smtClean="0"/>
-              <a:t>Conductor</a:t>
-            </a:r>
-            <a:r>
-              <a:rPr lang="ja-JP" altLang="en-US" sz="2000" dirty="0" smtClean="0"/>
-              <a:t>とは</a:t>
-            </a:r>
-            <a:endParaRPr lang="en-US" altLang="ja-JP" sz="2000" dirty="0" smtClean="0"/>
-          </a:p>
-          <a:p>
-            <a:pPr marL="800100" lvl="1" indent="-342900">
-              <a:buFont typeface="+mj-lt"/>
-              <a:buAutoNum type="arabicPeriod"/>
-            </a:pPr>
-            <a:r>
-              <a:rPr lang="en-US" altLang="ja-JP" sz="2000" dirty="0" smtClean="0"/>
-              <a:t>Conductor</a:t>
-            </a:r>
-            <a:r>
-              <a:rPr lang="ja-JP" altLang="en-US" sz="2000" dirty="0" smtClean="0"/>
-              <a:t>の特徴</a:t>
-            </a:r>
-            <a:endParaRPr lang="en-US" altLang="ja-JP" sz="2000" dirty="0" smtClean="0"/>
-          </a:p>
-          <a:p>
-            <a:pPr marL="800100" lvl="1" indent="-342900">
-              <a:buFont typeface="+mj-lt"/>
-              <a:buAutoNum type="arabicPeriod"/>
-            </a:pPr>
-            <a:r>
-              <a:rPr lang="en-US" altLang="ja-JP" sz="2000" dirty="0"/>
-              <a:t>Conductor</a:t>
-            </a:r>
-            <a:r>
-              <a:rPr lang="ja-JP" altLang="en-US" sz="2000" dirty="0" smtClean="0"/>
-              <a:t>メニューの機能</a:t>
-            </a:r>
-            <a:r>
-              <a:rPr lang="ja-JP" altLang="en-US" sz="2000" dirty="0"/>
-              <a:t>説明</a:t>
-            </a:r>
-          </a:p>
-          <a:p>
-            <a:pPr marL="800100" lvl="1" indent="-342900">
-              <a:buFont typeface="+mj-lt"/>
-              <a:buAutoNum type="arabicPeriod"/>
-            </a:pPr>
-            <a:r>
-              <a:rPr lang="en-US" altLang="ja-JP" sz="2000" dirty="0"/>
-              <a:t>Conductor</a:t>
-            </a:r>
-            <a:r>
-              <a:rPr lang="ja-JP" altLang="en-US" sz="2000" dirty="0" smtClean="0"/>
-              <a:t>の作業フロー</a:t>
-            </a:r>
-            <a:endParaRPr lang="ja-JP" altLang="en-US" sz="2000" dirty="0"/>
-          </a:p>
-          <a:p>
-            <a:pPr lvl="1"/>
-            <a:endParaRPr lang="en-US" altLang="ja-JP" sz="1600" dirty="0" smtClean="0"/>
-          </a:p>
-        </p:txBody>
-      </p:sp>
-    </p:spTree>
-    <p:extLst>
-      <p:ext uri="{BB962C8B-B14F-4D97-AF65-F5344CB8AC3E}">
-        <p14:creationId xmlns:p14="http://schemas.microsoft.com/office/powerpoint/2010/main" val="2091656052"/>
-      </p:ext>
-    </p:extLst>
-  </p:cSld>
-  <p:clrMapOvr>
-    <a:masterClrMapping/>
-  </p:clrMapOvr>
-  <p:timing>
-    <p:tnLst>
-      <p:par>
-        <p:cTn id="1" dur="indefinite" restart="never" nodeType="tmRoot"/>
-      </p:par>
-    </p:tnLst>
-  </p:timing>
-</p:sld>
-</file>
-
-<file path=ppt/slides/slide20.xml><?xml version="1.0" encoding="utf-8"?>
+<file path=ppt/slides/slide21.xml><?xml version="1.0" encoding="utf-8"?>
 <p:sld xmlns:a="http://schemas.openxmlformats.org/drawingml/2006/main" xmlns:r="http://schemas.openxmlformats.org/officeDocument/2006/relationships" xmlns:p="http://schemas.openxmlformats.org/presentationml/2006/main">
   <p:cSld>
     <p:spTree>
@@ -17466,9 +21215,48 @@
           </a:p>
         </p:txBody>
       </p:sp>
+      <p:sp>
+        <p:nvSpPr>
+          <p:cNvPr id="102" name="正方形/長方形 101"/>
+          <p:cNvSpPr/>
+          <p:nvPr/>
+        </p:nvSpPr>
+        <p:spPr bwMode="auto">
+          <a:xfrm>
+            <a:off x="3675600" y="2916000"/>
+            <a:ext cx="576000" cy="684000"/>
+          </a:xfrm>
+          <a:prstGeom prst="rect">
+            <a:avLst/>
+          </a:prstGeom>
+          <a:noFill/>
+          <a:ln w="28575">
+            <a:solidFill>
+              <a:srgbClr val="FF0000"/>
+            </a:solidFill>
+          </a:ln>
+          <a:effectLst/>
+          <a:extLst/>
+        </p:spPr>
+        <p:txBody>
+          <a:bodyPr rot="0" spcFirstLastPara="0" vertOverflow="overflow" horzOverflow="overflow" vert="horz" wrap="none" lIns="72000" tIns="72000" rIns="72000" bIns="72000" numCol="1" spcCol="0" rtlCol="0" fromWordArt="0" anchor="ctr" anchorCtr="0" forceAA="0" compatLnSpc="1">
+            <a:prstTxWarp prst="textNoShape">
+              <a:avLst/>
+            </a:prstTxWarp>
+            <a:noAutofit/>
+          </a:bodyPr>
+          <a:lstStyle/>
+          <a:p>
+            <a:pPr algn="ctr"/>
+            <a:endParaRPr kumimoji="1" lang="ja-JP" altLang="en-US" b="1" dirty="0" smtClean="0">
+              <a:latin typeface="+mn-ea"/>
+            </a:endParaRPr>
+          </a:p>
+        </p:txBody>
+      </p:sp>
       <p:pic>
         <p:nvPicPr>
-          <p:cNvPr id="5" name="図 4"/>
+          <p:cNvPr id="4" name="図 3"/>
           <p:cNvPicPr>
             <a:picLocks noChangeAspect="1"/>
           </p:cNvPicPr>
@@ -17482,8 +21270,8 @@
         </p:blipFill>
         <p:spPr>
           <a:xfrm>
-            <a:off x="350244" y="1953415"/>
-            <a:ext cx="8366400" cy="3966061"/>
+            <a:off x="314451" y="2060810"/>
+            <a:ext cx="8513632" cy="4033333"/>
           </a:xfrm>
           <a:prstGeom prst="rect">
             <a:avLst/>
@@ -17492,14 +21280,14 @@
       </p:pic>
       <p:sp>
         <p:nvSpPr>
-          <p:cNvPr id="102" name="正方形/長方形 101"/>
+          <p:cNvPr id="8" name="正方形/長方形 7"/>
           <p:cNvSpPr/>
           <p:nvPr/>
         </p:nvSpPr>
         <p:spPr bwMode="auto">
           <a:xfrm>
-            <a:off x="3675600" y="2916000"/>
-            <a:ext cx="576000" cy="684000"/>
+            <a:off x="3659050" y="2825940"/>
+            <a:ext cx="576000" cy="864120"/>
           </a:xfrm>
           <a:prstGeom prst="rect">
             <a:avLst/>
@@ -21130,7 +24918,7 @@
             </a:r>
             <a:r>
               <a:rPr lang="en-US" altLang="ja-JP" dirty="0" smtClean="0"/>
-              <a:t>1/11</a:t>
+              <a:t>1/12</a:t>
             </a:r>
             <a:r>
               <a:rPr lang="ja-JP" altLang="en-US" dirty="0" smtClean="0"/>
@@ -21876,6 +25664,30 @@
           <a:chExt cx="0" cy="0"/>
         </a:xfrm>
       </p:grpSpPr>
+      <p:pic>
+        <p:nvPicPr>
+          <p:cNvPr id="36" name="図 35"/>
+          <p:cNvPicPr>
+            <a:picLocks noChangeAspect="1"/>
+          </p:cNvPicPr>
+          <p:nvPr/>
+        </p:nvPicPr>
+        <p:blipFill>
+          <a:blip r:embed="rId2"/>
+          <a:stretch>
+            <a:fillRect/>
+          </a:stretch>
+        </p:blipFill>
+        <p:spPr>
+          <a:xfrm>
+            <a:off x="643051" y="2062127"/>
+            <a:ext cx="7964011" cy="3848637"/>
+          </a:xfrm>
+          <a:prstGeom prst="rect">
+            <a:avLst/>
+          </a:prstGeom>
+        </p:spPr>
+      </p:pic>
       <p:sp>
         <p:nvSpPr>
           <p:cNvPr id="2" name="タイトル 1"/>
@@ -21917,7 +25729,7 @@
             </a:r>
             <a:r>
               <a:rPr lang="en-US" altLang="ja-JP" dirty="0" smtClean="0"/>
-              <a:t>2/11</a:t>
+              <a:t>2/12</a:t>
             </a:r>
             <a:r>
               <a:rPr lang="ja-JP" altLang="en-US" dirty="0" smtClean="0"/>
@@ -22018,42 +25830,16 @@
           </a:p>
         </p:txBody>
       </p:sp>
-      <p:pic>
-        <p:nvPicPr>
-          <p:cNvPr id="6" name="図 5"/>
-          <p:cNvPicPr>
-            <a:picLocks noChangeAspect="1"/>
-          </p:cNvPicPr>
-          <p:nvPr/>
-        </p:nvPicPr>
-        <p:blipFill>
-          <a:blip r:embed="rId2"/>
-          <a:stretch>
-            <a:fillRect/>
-          </a:stretch>
-        </p:blipFill>
-        <p:spPr>
-          <a:xfrm>
-            <a:off x="179512" y="1772770"/>
-            <a:ext cx="6718767" cy="4184218"/>
-          </a:xfrm>
-          <a:prstGeom prst="rect">
-            <a:avLst/>
-          </a:prstGeom>
-        </p:spPr>
-      </p:pic>
       <p:cxnSp>
         <p:nvCxnSpPr>
           <p:cNvPr id="8" name="直線矢印コネクタ 7"/>
-          <p:cNvCxnSpPr>
-            <a:stCxn id="21" idx="1"/>
-          </p:cNvCxnSpPr>
+          <p:cNvCxnSpPr/>
           <p:nvPr/>
         </p:nvCxnSpPr>
         <p:spPr bwMode="auto">
           <a:xfrm flipH="1" flipV="1">
-            <a:off x="3203812" y="3864880"/>
-            <a:ext cx="1645639" cy="696905"/>
+            <a:off x="4319415" y="3989704"/>
+            <a:ext cx="2342242" cy="604873"/>
           </a:xfrm>
           <a:prstGeom prst="straightConnector1">
             <a:avLst/>
@@ -22094,15 +25880,193 @@
         </p:nvSpPr>
         <p:spPr bwMode="auto">
           <a:xfrm>
-            <a:off x="1675093" y="5812508"/>
-            <a:ext cx="3218491" cy="719868"/>
+            <a:off x="2222318" y="4341374"/>
+            <a:ext cx="3218491" cy="1305524"/>
           </a:xfrm>
-          <a:prstGeom prst="wedgeRectCallout">
-            <a:avLst>
-              <a:gd name="adj1" fmla="val 30881"/>
-              <a:gd name="adj2" fmla="val -237482"/>
-            </a:avLst>
-          </a:prstGeom>
+          <a:custGeom>
+            <a:avLst/>
+            <a:gdLst>
+              <a:gd name="connsiteX0" fmla="*/ 0 w 3218491"/>
+              <a:gd name="connsiteY0" fmla="*/ 0 h 719868"/>
+              <a:gd name="connsiteX1" fmla="*/ 1877453 w 3218491"/>
+              <a:gd name="connsiteY1" fmla="*/ 0 h 719868"/>
+              <a:gd name="connsiteX2" fmla="*/ 2748978 w 3218491"/>
+              <a:gd name="connsiteY2" fmla="*/ -585656 h 719868"/>
+              <a:gd name="connsiteX3" fmla="*/ 2682076 w 3218491"/>
+              <a:gd name="connsiteY3" fmla="*/ 0 h 719868"/>
+              <a:gd name="connsiteX4" fmla="*/ 3218491 w 3218491"/>
+              <a:gd name="connsiteY4" fmla="*/ 0 h 719868"/>
+              <a:gd name="connsiteX5" fmla="*/ 3218491 w 3218491"/>
+              <a:gd name="connsiteY5" fmla="*/ 119978 h 719868"/>
+              <a:gd name="connsiteX6" fmla="*/ 3218491 w 3218491"/>
+              <a:gd name="connsiteY6" fmla="*/ 119978 h 719868"/>
+              <a:gd name="connsiteX7" fmla="*/ 3218491 w 3218491"/>
+              <a:gd name="connsiteY7" fmla="*/ 299945 h 719868"/>
+              <a:gd name="connsiteX8" fmla="*/ 3218491 w 3218491"/>
+              <a:gd name="connsiteY8" fmla="*/ 719868 h 719868"/>
+              <a:gd name="connsiteX9" fmla="*/ 2682076 w 3218491"/>
+              <a:gd name="connsiteY9" fmla="*/ 719868 h 719868"/>
+              <a:gd name="connsiteX10" fmla="*/ 1877453 w 3218491"/>
+              <a:gd name="connsiteY10" fmla="*/ 719868 h 719868"/>
+              <a:gd name="connsiteX11" fmla="*/ 1877453 w 3218491"/>
+              <a:gd name="connsiteY11" fmla="*/ 719868 h 719868"/>
+              <a:gd name="connsiteX12" fmla="*/ 0 w 3218491"/>
+              <a:gd name="connsiteY12" fmla="*/ 719868 h 719868"/>
+              <a:gd name="connsiteX13" fmla="*/ 0 w 3218491"/>
+              <a:gd name="connsiteY13" fmla="*/ 299945 h 719868"/>
+              <a:gd name="connsiteX14" fmla="*/ 0 w 3218491"/>
+              <a:gd name="connsiteY14" fmla="*/ 119978 h 719868"/>
+              <a:gd name="connsiteX15" fmla="*/ 0 w 3218491"/>
+              <a:gd name="connsiteY15" fmla="*/ 119978 h 719868"/>
+              <a:gd name="connsiteX16" fmla="*/ 0 w 3218491"/>
+              <a:gd name="connsiteY16" fmla="*/ 0 h 719868"/>
+              <a:gd name="connsiteX0" fmla="*/ 0 w 3218491"/>
+              <a:gd name="connsiteY0" fmla="*/ 585656 h 1305524"/>
+              <a:gd name="connsiteX1" fmla="*/ 2277503 w 3218491"/>
+              <a:gd name="connsiteY1" fmla="*/ 595181 h 1305524"/>
+              <a:gd name="connsiteX2" fmla="*/ 2748978 w 3218491"/>
+              <a:gd name="connsiteY2" fmla="*/ 0 h 1305524"/>
+              <a:gd name="connsiteX3" fmla="*/ 2682076 w 3218491"/>
+              <a:gd name="connsiteY3" fmla="*/ 585656 h 1305524"/>
+              <a:gd name="connsiteX4" fmla="*/ 3218491 w 3218491"/>
+              <a:gd name="connsiteY4" fmla="*/ 585656 h 1305524"/>
+              <a:gd name="connsiteX5" fmla="*/ 3218491 w 3218491"/>
+              <a:gd name="connsiteY5" fmla="*/ 705634 h 1305524"/>
+              <a:gd name="connsiteX6" fmla="*/ 3218491 w 3218491"/>
+              <a:gd name="connsiteY6" fmla="*/ 705634 h 1305524"/>
+              <a:gd name="connsiteX7" fmla="*/ 3218491 w 3218491"/>
+              <a:gd name="connsiteY7" fmla="*/ 885601 h 1305524"/>
+              <a:gd name="connsiteX8" fmla="*/ 3218491 w 3218491"/>
+              <a:gd name="connsiteY8" fmla="*/ 1305524 h 1305524"/>
+              <a:gd name="connsiteX9" fmla="*/ 2682076 w 3218491"/>
+              <a:gd name="connsiteY9" fmla="*/ 1305524 h 1305524"/>
+              <a:gd name="connsiteX10" fmla="*/ 1877453 w 3218491"/>
+              <a:gd name="connsiteY10" fmla="*/ 1305524 h 1305524"/>
+              <a:gd name="connsiteX11" fmla="*/ 1877453 w 3218491"/>
+              <a:gd name="connsiteY11" fmla="*/ 1305524 h 1305524"/>
+              <a:gd name="connsiteX12" fmla="*/ 0 w 3218491"/>
+              <a:gd name="connsiteY12" fmla="*/ 1305524 h 1305524"/>
+              <a:gd name="connsiteX13" fmla="*/ 0 w 3218491"/>
+              <a:gd name="connsiteY13" fmla="*/ 885601 h 1305524"/>
+              <a:gd name="connsiteX14" fmla="*/ 0 w 3218491"/>
+              <a:gd name="connsiteY14" fmla="*/ 705634 h 1305524"/>
+              <a:gd name="connsiteX15" fmla="*/ 0 w 3218491"/>
+              <a:gd name="connsiteY15" fmla="*/ 705634 h 1305524"/>
+              <a:gd name="connsiteX16" fmla="*/ 0 w 3218491"/>
+              <a:gd name="connsiteY16" fmla="*/ 585656 h 1305524"/>
+            </a:gdLst>
+            <a:ahLst/>
+            <a:cxnLst>
+              <a:cxn ang="0">
+                <a:pos x="connsiteX0" y="connsiteY0"/>
+              </a:cxn>
+              <a:cxn ang="0">
+                <a:pos x="connsiteX1" y="connsiteY1"/>
+              </a:cxn>
+              <a:cxn ang="0">
+                <a:pos x="connsiteX2" y="connsiteY2"/>
+              </a:cxn>
+              <a:cxn ang="0">
+                <a:pos x="connsiteX3" y="connsiteY3"/>
+              </a:cxn>
+              <a:cxn ang="0">
+                <a:pos x="connsiteX4" y="connsiteY4"/>
+              </a:cxn>
+              <a:cxn ang="0">
+                <a:pos x="connsiteX5" y="connsiteY5"/>
+              </a:cxn>
+              <a:cxn ang="0">
+                <a:pos x="connsiteX6" y="connsiteY6"/>
+              </a:cxn>
+              <a:cxn ang="0">
+                <a:pos x="connsiteX7" y="connsiteY7"/>
+              </a:cxn>
+              <a:cxn ang="0">
+                <a:pos x="connsiteX8" y="connsiteY8"/>
+              </a:cxn>
+              <a:cxn ang="0">
+                <a:pos x="connsiteX9" y="connsiteY9"/>
+              </a:cxn>
+              <a:cxn ang="0">
+                <a:pos x="connsiteX10" y="connsiteY10"/>
+              </a:cxn>
+              <a:cxn ang="0">
+                <a:pos x="connsiteX11" y="connsiteY11"/>
+              </a:cxn>
+              <a:cxn ang="0">
+                <a:pos x="connsiteX12" y="connsiteY12"/>
+              </a:cxn>
+              <a:cxn ang="0">
+                <a:pos x="connsiteX13" y="connsiteY13"/>
+              </a:cxn>
+              <a:cxn ang="0">
+                <a:pos x="connsiteX14" y="connsiteY14"/>
+              </a:cxn>
+              <a:cxn ang="0">
+                <a:pos x="connsiteX15" y="connsiteY15"/>
+              </a:cxn>
+              <a:cxn ang="0">
+                <a:pos x="connsiteX16" y="connsiteY16"/>
+              </a:cxn>
+            </a:cxnLst>
+            <a:rect l="l" t="t" r="r" b="b"/>
+            <a:pathLst>
+              <a:path w="3218491" h="1305524">
+                <a:moveTo>
+                  <a:pt x="0" y="585656"/>
+                </a:moveTo>
+                <a:lnTo>
+                  <a:pt x="2277503" y="595181"/>
+                </a:lnTo>
+                <a:lnTo>
+                  <a:pt x="2748978" y="0"/>
+                </a:lnTo>
+                <a:lnTo>
+                  <a:pt x="2682076" y="585656"/>
+                </a:lnTo>
+                <a:lnTo>
+                  <a:pt x="3218491" y="585656"/>
+                </a:lnTo>
+                <a:lnTo>
+                  <a:pt x="3218491" y="705634"/>
+                </a:lnTo>
+                <a:lnTo>
+                  <a:pt x="3218491" y="705634"/>
+                </a:lnTo>
+                <a:lnTo>
+                  <a:pt x="3218491" y="885601"/>
+                </a:lnTo>
+                <a:lnTo>
+                  <a:pt x="3218491" y="1305524"/>
+                </a:lnTo>
+                <a:lnTo>
+                  <a:pt x="2682076" y="1305524"/>
+                </a:lnTo>
+                <a:lnTo>
+                  <a:pt x="1877453" y="1305524"/>
+                </a:lnTo>
+                <a:lnTo>
+                  <a:pt x="1877453" y="1305524"/>
+                </a:lnTo>
+                <a:lnTo>
+                  <a:pt x="0" y="1305524"/>
+                </a:lnTo>
+                <a:lnTo>
+                  <a:pt x="0" y="885601"/>
+                </a:lnTo>
+                <a:lnTo>
+                  <a:pt x="0" y="705634"/>
+                </a:lnTo>
+                <a:lnTo>
+                  <a:pt x="0" y="705634"/>
+                </a:lnTo>
+                <a:lnTo>
+                  <a:pt x="0" y="585656"/>
+                </a:lnTo>
+                <a:close/>
+              </a:path>
+            </a:pathLst>
+          </a:custGeom>
           <a:solidFill>
             <a:schemeClr val="bg1"/>
           </a:solidFill>
@@ -22128,24 +26092,6 @@
           <a:p>
             <a:pPr algn="ctr"/>
             <a:r>
-              <a:rPr kumimoji="1" lang="ja-JP" altLang="en-US" sz="1600" b="1" dirty="0" smtClean="0">
-                <a:latin typeface="+mn-ea"/>
-              </a:rPr>
-              <a:t>ドラッグ</a:t>
-            </a:r>
-            <a:r>
-              <a:rPr kumimoji="1" lang="en-US" altLang="ja-JP" sz="1600" b="1" dirty="0" smtClean="0">
-                <a:latin typeface="+mn-ea"/>
-              </a:rPr>
-              <a:t>&amp;</a:t>
-            </a:r>
-            <a:r>
-              <a:rPr kumimoji="1" lang="ja-JP" altLang="en-US" sz="1600" b="1" dirty="0" smtClean="0">
-                <a:latin typeface="+mn-ea"/>
-              </a:rPr>
-              <a:t>ドロップすることで</a:t>
-            </a:r>
-            <a:r>
               <a:rPr kumimoji="1" lang="en-US" altLang="ja-JP" sz="1600" b="1" dirty="0" smtClean="0">
                 <a:latin typeface="+mn-ea"/>
               </a:rPr>
@@ -22160,7 +26106,53 @@
               <a:rPr kumimoji="1" lang="en-US" altLang="ja-JP" sz="1600" b="1" dirty="0" smtClean="0">
                 <a:latin typeface="+mn-ea"/>
               </a:rPr>
+              <a:t/>
+            </a:r>
+            <a:br>
+              <a:rPr kumimoji="1" lang="en-US" altLang="ja-JP" sz="1600" b="1" dirty="0" smtClean="0">
+                <a:latin typeface="+mn-ea"/>
+              </a:rPr>
+            </a:br>
+            <a:r>
+              <a:rPr kumimoji="1" lang="ja-JP" altLang="en-US" sz="1600" b="1" dirty="0" smtClean="0">
+                <a:latin typeface="+mn-ea"/>
+              </a:rPr>
+              <a:t>ドラッグ</a:t>
+            </a:r>
+            <a:r>
+              <a:rPr kumimoji="1" lang="en-US" altLang="ja-JP" sz="1600" b="1" dirty="0" smtClean="0">
+                <a:latin typeface="+mn-ea"/>
+              </a:rPr>
+              <a:t>&amp;</a:t>
+            </a:r>
+            <a:r>
+              <a:rPr kumimoji="1" lang="ja-JP" altLang="en-US" sz="1600" b="1" dirty="0" smtClean="0">
+                <a:latin typeface="+mn-ea"/>
+              </a:rPr>
+              <a:t>ドロップすることで</a:t>
+            </a:r>
+            <a:r>
+              <a:rPr kumimoji="1" lang="en-US" altLang="ja-JP" sz="1600" b="1" dirty="0" smtClean="0">
+                <a:latin typeface="+mn-ea"/>
+              </a:rPr>
+              <a:t/>
+            </a:r>
+            <a:br>
+              <a:rPr kumimoji="1" lang="en-US" altLang="ja-JP" sz="1600" b="1" dirty="0" smtClean="0">
+                <a:latin typeface="+mn-ea"/>
+              </a:rPr>
+            </a:br>
+            <a:r>
+              <a:rPr kumimoji="1" lang="en-US" altLang="ja-JP" sz="1600" b="1" dirty="0" smtClean="0">
+                <a:latin typeface="+mn-ea"/>
+              </a:rPr>
               <a:t>Movement</a:t>
+            </a:r>
+            <a:r>
+              <a:rPr lang="ja-JP" altLang="en-US" sz="1600" b="1" dirty="0">
+                <a:latin typeface="+mn-ea"/>
+              </a:rPr>
+              <a:t>の</a:t>
             </a:r>
             <a:r>
               <a:rPr lang="ja-JP" altLang="en-US" sz="1600" b="1" dirty="0" smtClean="0">
@@ -22176,14 +26168,14 @@
       </p:sp>
       <p:cxnSp>
         <p:nvCxnSpPr>
-          <p:cNvPr id="12" name="直線矢印コネクタ 11"/>
+          <p:cNvPr id="15" name="直線矢印コネクタ 14"/>
           <p:cNvCxnSpPr/>
           <p:nvPr/>
         </p:nvCxnSpPr>
         <p:spPr bwMode="auto">
-          <a:xfrm flipH="1">
-            <a:off x="3024000" y="3600000"/>
-            <a:ext cx="576078" cy="0"/>
+          <a:xfrm>
+            <a:off x="3967855" y="3717040"/>
+            <a:ext cx="902026" cy="0"/>
           </a:xfrm>
           <a:prstGeom prst="straightConnector1">
             <a:avLst/>
@@ -22197,49 +26189,7 @@
             </a:solidFill>
             <a:prstDash val="solid"/>
             <a:round/>
-            <a:headEnd type="none" w="med" len="med"/>
-            <a:tailEnd type="triangle"/>
-          </a:ln>
-          <a:effectLst/>
-          <a:extLst>
-            <a:ext uri="{AF507438-7753-43E0-B8FC-AC1667EBCBE1}">
-              <a14:hiddenEffects xmlns:a14="http://schemas.microsoft.com/office/drawing/2010/main">
-                <a:effectLst>
-                  <a:outerShdw dist="35921" dir="2700000" algn="ctr" rotWithShape="0">
-                    <a:schemeClr val="tx1">
-                      <a:alpha val="50000"/>
-                    </a:schemeClr>
-                  </a:outerShdw>
-                </a:effectLst>
-              </a14:hiddenEffects>
-            </a:ext>
-          </a:extLst>
-        </p:spPr>
-      </p:cxnSp>
-      <p:cxnSp>
-        <p:nvCxnSpPr>
-          <p:cNvPr id="15" name="直線矢印コネクタ 14"/>
-          <p:cNvCxnSpPr/>
-          <p:nvPr/>
-        </p:nvCxnSpPr>
-        <p:spPr bwMode="auto">
-          <a:xfrm>
-            <a:off x="3419840" y="3600000"/>
-            <a:ext cx="360050" cy="0"/>
-          </a:xfrm>
-          <a:prstGeom prst="straightConnector1">
-            <a:avLst/>
-          </a:prstGeom>
-          <a:solidFill>
-            <a:schemeClr val="bg1"/>
-          </a:solidFill>
-          <a:ln w="76200" cap="flat" cmpd="sng" algn="ctr">
-            <a:solidFill>
-              <a:srgbClr val="FF0000"/>
-            </a:solidFill>
-            <a:prstDash val="solid"/>
-            <a:round/>
-            <a:headEnd type="none" w="med" len="med"/>
+            <a:headEnd type="triangle" w="med" len="med"/>
             <a:tailEnd type="triangle"/>
           </a:ln>
           <a:effectLst/>
@@ -22266,13 +26216,13 @@
         </p:nvSpPr>
         <p:spPr bwMode="auto">
           <a:xfrm>
-            <a:off x="5745022" y="1916790"/>
+            <a:off x="5741779" y="2431997"/>
             <a:ext cx="3218491" cy="1065324"/>
           </a:xfrm>
           <a:prstGeom prst="wedgeRectCallout">
             <a:avLst>
-              <a:gd name="adj1" fmla="val -119493"/>
-              <a:gd name="adj2" fmla="val 99156"/>
+              <a:gd name="adj1" fmla="val -79326"/>
+              <a:gd name="adj2" fmla="val 61666"/>
             </a:avLst>
           </a:prstGeom>
           <a:solidFill>
@@ -22395,8 +26345,8 @@
         </p:nvSpPr>
         <p:spPr bwMode="auto">
           <a:xfrm>
-            <a:off x="4849451" y="4430442"/>
-            <a:ext cx="2048828" cy="262686"/>
+            <a:off x="6671880" y="4575113"/>
+            <a:ext cx="1945405" cy="262686"/>
           </a:xfrm>
           <a:prstGeom prst="rect">
             <a:avLst/>
@@ -22434,8 +26384,8 @@
         </p:nvSpPr>
         <p:spPr bwMode="auto">
           <a:xfrm>
-            <a:off x="5220091" y="3816678"/>
-            <a:ext cx="524932" cy="260412"/>
+            <a:off x="7038303" y="3971253"/>
+            <a:ext cx="506471" cy="271145"/>
           </a:xfrm>
           <a:prstGeom prst="rect">
             <a:avLst/>
@@ -22473,15 +26423,227 @@
         </p:nvSpPr>
         <p:spPr bwMode="auto">
           <a:xfrm>
-            <a:off x="5738143" y="4898756"/>
-            <a:ext cx="3218491" cy="719868"/>
+            <a:off x="5931438" y="4276772"/>
+            <a:ext cx="2909719" cy="1608711"/>
           </a:xfrm>
-          <a:prstGeom prst="wedgeRectCallout">
-            <a:avLst>
-              <a:gd name="adj1" fmla="val -49617"/>
-              <a:gd name="adj2" fmla="val -172013"/>
-            </a:avLst>
-          </a:prstGeom>
+          <a:custGeom>
+            <a:avLst/>
+            <a:gdLst>
+              <a:gd name="connsiteX0" fmla="*/ 0 w 2909719"/>
+              <a:gd name="connsiteY0" fmla="*/ 0 h 719868"/>
+              <a:gd name="connsiteX1" fmla="*/ 1697336 w 2909719"/>
+              <a:gd name="connsiteY1" fmla="*/ 0 h 719868"/>
+              <a:gd name="connsiteX2" fmla="*/ 1944740 w 2909719"/>
+              <a:gd name="connsiteY2" fmla="*/ -1162112 h 719868"/>
+              <a:gd name="connsiteX3" fmla="*/ 2424766 w 2909719"/>
+              <a:gd name="connsiteY3" fmla="*/ 0 h 719868"/>
+              <a:gd name="connsiteX4" fmla="*/ 2909719 w 2909719"/>
+              <a:gd name="connsiteY4" fmla="*/ 0 h 719868"/>
+              <a:gd name="connsiteX5" fmla="*/ 2909719 w 2909719"/>
+              <a:gd name="connsiteY5" fmla="*/ 119978 h 719868"/>
+              <a:gd name="connsiteX6" fmla="*/ 2909719 w 2909719"/>
+              <a:gd name="connsiteY6" fmla="*/ 119978 h 719868"/>
+              <a:gd name="connsiteX7" fmla="*/ 2909719 w 2909719"/>
+              <a:gd name="connsiteY7" fmla="*/ 299945 h 719868"/>
+              <a:gd name="connsiteX8" fmla="*/ 2909719 w 2909719"/>
+              <a:gd name="connsiteY8" fmla="*/ 719868 h 719868"/>
+              <a:gd name="connsiteX9" fmla="*/ 2424766 w 2909719"/>
+              <a:gd name="connsiteY9" fmla="*/ 719868 h 719868"/>
+              <a:gd name="connsiteX10" fmla="*/ 1697336 w 2909719"/>
+              <a:gd name="connsiteY10" fmla="*/ 719868 h 719868"/>
+              <a:gd name="connsiteX11" fmla="*/ 1697336 w 2909719"/>
+              <a:gd name="connsiteY11" fmla="*/ 719868 h 719868"/>
+              <a:gd name="connsiteX12" fmla="*/ 0 w 2909719"/>
+              <a:gd name="connsiteY12" fmla="*/ 719868 h 719868"/>
+              <a:gd name="connsiteX13" fmla="*/ 0 w 2909719"/>
+              <a:gd name="connsiteY13" fmla="*/ 299945 h 719868"/>
+              <a:gd name="connsiteX14" fmla="*/ 0 w 2909719"/>
+              <a:gd name="connsiteY14" fmla="*/ 119978 h 719868"/>
+              <a:gd name="connsiteX15" fmla="*/ 0 w 2909719"/>
+              <a:gd name="connsiteY15" fmla="*/ 119978 h 719868"/>
+              <a:gd name="connsiteX16" fmla="*/ 0 w 2909719"/>
+              <a:gd name="connsiteY16" fmla="*/ 0 h 719868"/>
+              <a:gd name="connsiteX0" fmla="*/ 0 w 2909719"/>
+              <a:gd name="connsiteY0" fmla="*/ 1162112 h 1881980"/>
+              <a:gd name="connsiteX1" fmla="*/ 2086219 w 2909719"/>
+              <a:gd name="connsiteY1" fmla="*/ 1172623 h 1881980"/>
+              <a:gd name="connsiteX2" fmla="*/ 1944740 w 2909719"/>
+              <a:gd name="connsiteY2" fmla="*/ 0 h 1881980"/>
+              <a:gd name="connsiteX3" fmla="*/ 2424766 w 2909719"/>
+              <a:gd name="connsiteY3" fmla="*/ 1162112 h 1881980"/>
+              <a:gd name="connsiteX4" fmla="*/ 2909719 w 2909719"/>
+              <a:gd name="connsiteY4" fmla="*/ 1162112 h 1881980"/>
+              <a:gd name="connsiteX5" fmla="*/ 2909719 w 2909719"/>
+              <a:gd name="connsiteY5" fmla="*/ 1282090 h 1881980"/>
+              <a:gd name="connsiteX6" fmla="*/ 2909719 w 2909719"/>
+              <a:gd name="connsiteY6" fmla="*/ 1282090 h 1881980"/>
+              <a:gd name="connsiteX7" fmla="*/ 2909719 w 2909719"/>
+              <a:gd name="connsiteY7" fmla="*/ 1462057 h 1881980"/>
+              <a:gd name="connsiteX8" fmla="*/ 2909719 w 2909719"/>
+              <a:gd name="connsiteY8" fmla="*/ 1881980 h 1881980"/>
+              <a:gd name="connsiteX9" fmla="*/ 2424766 w 2909719"/>
+              <a:gd name="connsiteY9" fmla="*/ 1881980 h 1881980"/>
+              <a:gd name="connsiteX10" fmla="*/ 1697336 w 2909719"/>
+              <a:gd name="connsiteY10" fmla="*/ 1881980 h 1881980"/>
+              <a:gd name="connsiteX11" fmla="*/ 1697336 w 2909719"/>
+              <a:gd name="connsiteY11" fmla="*/ 1881980 h 1881980"/>
+              <a:gd name="connsiteX12" fmla="*/ 0 w 2909719"/>
+              <a:gd name="connsiteY12" fmla="*/ 1881980 h 1881980"/>
+              <a:gd name="connsiteX13" fmla="*/ 0 w 2909719"/>
+              <a:gd name="connsiteY13" fmla="*/ 1462057 h 1881980"/>
+              <a:gd name="connsiteX14" fmla="*/ 0 w 2909719"/>
+              <a:gd name="connsiteY14" fmla="*/ 1282090 h 1881980"/>
+              <a:gd name="connsiteX15" fmla="*/ 0 w 2909719"/>
+              <a:gd name="connsiteY15" fmla="*/ 1282090 h 1881980"/>
+              <a:gd name="connsiteX16" fmla="*/ 0 w 2909719"/>
+              <a:gd name="connsiteY16" fmla="*/ 1162112 h 1881980"/>
+              <a:gd name="connsiteX0" fmla="*/ 0 w 2909719"/>
+              <a:gd name="connsiteY0" fmla="*/ 888843 h 1608711"/>
+              <a:gd name="connsiteX1" fmla="*/ 2086219 w 2909719"/>
+              <a:gd name="connsiteY1" fmla="*/ 899354 h 1608711"/>
+              <a:gd name="connsiteX2" fmla="*/ 1597898 w 2909719"/>
+              <a:gd name="connsiteY2" fmla="*/ 0 h 1608711"/>
+              <a:gd name="connsiteX3" fmla="*/ 2424766 w 2909719"/>
+              <a:gd name="connsiteY3" fmla="*/ 888843 h 1608711"/>
+              <a:gd name="connsiteX4" fmla="*/ 2909719 w 2909719"/>
+              <a:gd name="connsiteY4" fmla="*/ 888843 h 1608711"/>
+              <a:gd name="connsiteX5" fmla="*/ 2909719 w 2909719"/>
+              <a:gd name="connsiteY5" fmla="*/ 1008821 h 1608711"/>
+              <a:gd name="connsiteX6" fmla="*/ 2909719 w 2909719"/>
+              <a:gd name="connsiteY6" fmla="*/ 1008821 h 1608711"/>
+              <a:gd name="connsiteX7" fmla="*/ 2909719 w 2909719"/>
+              <a:gd name="connsiteY7" fmla="*/ 1188788 h 1608711"/>
+              <a:gd name="connsiteX8" fmla="*/ 2909719 w 2909719"/>
+              <a:gd name="connsiteY8" fmla="*/ 1608711 h 1608711"/>
+              <a:gd name="connsiteX9" fmla="*/ 2424766 w 2909719"/>
+              <a:gd name="connsiteY9" fmla="*/ 1608711 h 1608711"/>
+              <a:gd name="connsiteX10" fmla="*/ 1697336 w 2909719"/>
+              <a:gd name="connsiteY10" fmla="*/ 1608711 h 1608711"/>
+              <a:gd name="connsiteX11" fmla="*/ 1697336 w 2909719"/>
+              <a:gd name="connsiteY11" fmla="*/ 1608711 h 1608711"/>
+              <a:gd name="connsiteX12" fmla="*/ 0 w 2909719"/>
+              <a:gd name="connsiteY12" fmla="*/ 1608711 h 1608711"/>
+              <a:gd name="connsiteX13" fmla="*/ 0 w 2909719"/>
+              <a:gd name="connsiteY13" fmla="*/ 1188788 h 1608711"/>
+              <a:gd name="connsiteX14" fmla="*/ 0 w 2909719"/>
+              <a:gd name="connsiteY14" fmla="*/ 1008821 h 1608711"/>
+              <a:gd name="connsiteX15" fmla="*/ 0 w 2909719"/>
+              <a:gd name="connsiteY15" fmla="*/ 1008821 h 1608711"/>
+              <a:gd name="connsiteX16" fmla="*/ 0 w 2909719"/>
+              <a:gd name="connsiteY16" fmla="*/ 888843 h 1608711"/>
+            </a:gdLst>
+            <a:ahLst/>
+            <a:cxnLst>
+              <a:cxn ang="0">
+                <a:pos x="connsiteX0" y="connsiteY0"/>
+              </a:cxn>
+              <a:cxn ang="0">
+                <a:pos x="connsiteX1" y="connsiteY1"/>
+              </a:cxn>
+              <a:cxn ang="0">
+                <a:pos x="connsiteX2" y="connsiteY2"/>
+              </a:cxn>
+              <a:cxn ang="0">
+                <a:pos x="connsiteX3" y="connsiteY3"/>
+              </a:cxn>
+              <a:cxn ang="0">
+                <a:pos x="connsiteX4" y="connsiteY4"/>
+              </a:cxn>
+              <a:cxn ang="0">
+                <a:pos x="connsiteX5" y="connsiteY5"/>
+              </a:cxn>
+              <a:cxn ang="0">
+                <a:pos x="connsiteX6" y="connsiteY6"/>
+              </a:cxn>
+              <a:cxn ang="0">
+                <a:pos x="connsiteX7" y="connsiteY7"/>
+              </a:cxn>
+              <a:cxn ang="0">
+                <a:pos x="connsiteX8" y="connsiteY8"/>
+              </a:cxn>
+              <a:cxn ang="0">
+                <a:pos x="connsiteX9" y="connsiteY9"/>
+              </a:cxn>
+              <a:cxn ang="0">
+                <a:pos x="connsiteX10" y="connsiteY10"/>
+              </a:cxn>
+              <a:cxn ang="0">
+                <a:pos x="connsiteX11" y="connsiteY11"/>
+              </a:cxn>
+              <a:cxn ang="0">
+                <a:pos x="connsiteX12" y="connsiteY12"/>
+              </a:cxn>
+              <a:cxn ang="0">
+                <a:pos x="connsiteX13" y="connsiteY13"/>
+              </a:cxn>
+              <a:cxn ang="0">
+                <a:pos x="connsiteX14" y="connsiteY14"/>
+              </a:cxn>
+              <a:cxn ang="0">
+                <a:pos x="connsiteX15" y="connsiteY15"/>
+              </a:cxn>
+              <a:cxn ang="0">
+                <a:pos x="connsiteX16" y="connsiteY16"/>
+              </a:cxn>
+            </a:cxnLst>
+            <a:rect l="l" t="t" r="r" b="b"/>
+            <a:pathLst>
+              <a:path w="2909719" h="1608711">
+                <a:moveTo>
+                  <a:pt x="0" y="888843"/>
+                </a:moveTo>
+                <a:lnTo>
+                  <a:pt x="2086219" y="899354"/>
+                </a:lnTo>
+                <a:lnTo>
+                  <a:pt x="1597898" y="0"/>
+                </a:lnTo>
+                <a:lnTo>
+                  <a:pt x="2424766" y="888843"/>
+                </a:lnTo>
+                <a:lnTo>
+                  <a:pt x="2909719" y="888843"/>
+                </a:lnTo>
+                <a:lnTo>
+                  <a:pt x="2909719" y="1008821"/>
+                </a:lnTo>
+                <a:lnTo>
+                  <a:pt x="2909719" y="1008821"/>
+                </a:lnTo>
+                <a:lnTo>
+                  <a:pt x="2909719" y="1188788"/>
+                </a:lnTo>
+                <a:lnTo>
+                  <a:pt x="2909719" y="1608711"/>
+                </a:lnTo>
+                <a:lnTo>
+                  <a:pt x="2424766" y="1608711"/>
+                </a:lnTo>
+                <a:lnTo>
+                  <a:pt x="1697336" y="1608711"/>
+                </a:lnTo>
+                <a:lnTo>
+                  <a:pt x="1697336" y="1608711"/>
+                </a:lnTo>
+                <a:lnTo>
+                  <a:pt x="0" y="1608711"/>
+                </a:lnTo>
+                <a:lnTo>
+                  <a:pt x="0" y="1188788"/>
+                </a:lnTo>
+                <a:lnTo>
+                  <a:pt x="0" y="1008821"/>
+                </a:lnTo>
+                <a:lnTo>
+                  <a:pt x="0" y="1008821"/>
+                </a:lnTo>
+                <a:lnTo>
+                  <a:pt x="0" y="888843"/>
+                </a:lnTo>
+                <a:close/>
+              </a:path>
+            </a:pathLst>
+          </a:custGeom>
           <a:solidFill>
             <a:schemeClr val="bg1"/>
           </a:solidFill>
@@ -22507,23 +26669,76 @@
           <a:p>
             <a:pPr algn="ctr"/>
             <a:r>
-              <a:rPr kumimoji="1" lang="ja-JP" altLang="en-US" sz="1600" b="1" dirty="0" smtClean="0">
+              <a:rPr kumimoji="1" lang="en-US" altLang="ja-JP" sz="1600" b="1" dirty="0" smtClean="0">
+                <a:latin typeface="+mn-ea"/>
+              </a:rPr>
+              <a:t/>
+            </a:r>
+            <a:br>
+              <a:rPr kumimoji="1" lang="en-US" altLang="ja-JP" sz="1600" b="1" dirty="0" smtClean="0">
+                <a:latin typeface="+mn-ea"/>
+              </a:rPr>
+            </a:br>
+            <a:r>
+              <a:rPr kumimoji="1" lang="en-US" altLang="ja-JP" sz="1600" b="1" dirty="0" smtClean="0">
+                <a:latin typeface="+mn-ea"/>
+              </a:rPr>
+              <a:t/>
+            </a:r>
+            <a:br>
+              <a:rPr kumimoji="1" lang="en-US" altLang="ja-JP" sz="1600" b="1" dirty="0" smtClean="0">
+                <a:latin typeface="+mn-ea"/>
+              </a:rPr>
+            </a:br>
+            <a:r>
+              <a:rPr kumimoji="1" lang="en-US" altLang="ja-JP" sz="1600" b="1" dirty="0" smtClean="0">
+                <a:latin typeface="+mn-ea"/>
+              </a:rPr>
+              <a:t/>
+            </a:r>
+            <a:br>
+              <a:rPr kumimoji="1" lang="en-US" altLang="ja-JP" sz="1600" b="1" dirty="0" smtClean="0">
+                <a:latin typeface="+mn-ea"/>
+              </a:rPr>
+            </a:br>
+            <a:r>
+              <a:rPr kumimoji="1" lang="en-US" altLang="ja-JP" sz="1600" b="1" dirty="0" smtClean="0">
+                <a:latin typeface="+mn-ea"/>
+              </a:rPr>
+              <a:t/>
+            </a:r>
+            <a:br>
+              <a:rPr kumimoji="1" lang="en-US" altLang="ja-JP" sz="1600" b="1" dirty="0" smtClean="0">
+                <a:latin typeface="+mn-ea"/>
+              </a:rPr>
+            </a:br>
+            <a:r>
+              <a:rPr lang="ja-JP" altLang="en-US" sz="1600" b="1" dirty="0" smtClean="0">
                 <a:latin typeface="+mn-ea"/>
               </a:rPr>
               <a:t>各種</a:t>
             </a:r>
             <a:r>
-              <a:rPr kumimoji="1" lang="en-US" altLang="ja-JP" sz="1600" b="1" dirty="0" smtClean="0">
+              <a:rPr lang="en-US" altLang="ja-JP" sz="1600" b="1" dirty="0">
                 <a:latin typeface="+mn-ea"/>
               </a:rPr>
               <a:t>Function</a:t>
             </a:r>
             <a:r>
-              <a:rPr kumimoji="1" lang="ja-JP" altLang="en-US" sz="1600" b="1" dirty="0" smtClean="0">
+              <a:rPr lang="ja-JP" altLang="en-US" sz="1600" b="1" dirty="0">
                 <a:latin typeface="+mn-ea"/>
               </a:rPr>
-              <a:t>が選択可能です</a:t>
-            </a:r>
+              <a:t>が選択可能</a:t>
+            </a:r>
+            <a:r>
+              <a:rPr lang="ja-JP" altLang="en-US" sz="1600" b="1" dirty="0" smtClean="0">
+                <a:latin typeface="+mn-ea"/>
+              </a:rPr>
+              <a:t>です</a:t>
+            </a:r>
+            <a:endParaRPr lang="ja-JP" altLang="en-US" sz="1600" b="1" dirty="0">
+              <a:latin typeface="+mn-ea"/>
+            </a:endParaRPr>
           </a:p>
         </p:txBody>
       </p:sp>

--- a/asset/Learn_ja/ITA-Conductor_ja.pptx
+++ b/asset/Learn_ja/ITA-Conductor_ja.pptx
@@ -6,10 +6,10 @@
     <p:sldMasterId id="2147483703" r:id="rId2"/>
   </p:sldMasterIdLst>
   <p:notesMasterIdLst>
-    <p:notesMasterId r:id="rId24"/>
+    <p:notesMasterId r:id="rId26"/>
   </p:notesMasterIdLst>
   <p:handoutMasterIdLst>
-    <p:handoutMasterId r:id="rId25"/>
+    <p:handoutMasterId r:id="rId27"/>
   </p:handoutMasterIdLst>
   <p:sldIdLst>
     <p:sldId id="262" r:id="rId3"/>
@@ -31,8 +31,10 @@
     <p:sldId id="694" r:id="rId19"/>
     <p:sldId id="695" r:id="rId20"/>
     <p:sldId id="701" r:id="rId21"/>
-    <p:sldId id="688" r:id="rId22"/>
-    <p:sldId id="318" r:id="rId23"/>
+    <p:sldId id="702" r:id="rId22"/>
+    <p:sldId id="703" r:id="rId23"/>
+    <p:sldId id="688" r:id="rId24"/>
+    <p:sldId id="318" r:id="rId25"/>
   </p:sldIdLst>
   <p:sldSz cx="9144000" cy="6858000" type="screen4x3"/>
   <p:notesSz cx="6807200" cy="9939338"/>
@@ -160,6 +162,8 @@
             <p14:sldId id="694"/>
             <p14:sldId id="695"/>
             <p14:sldId id="701"/>
+            <p14:sldId id="702"/>
+            <p14:sldId id="703"/>
             <p14:sldId id="688"/>
             <p14:sldId id="318"/>
           </p14:sldIdLst>
@@ -310,7 +314,7 @@
               <a:rPr kumimoji="1" lang="ja-JP" altLang="en-US" smtClean="0">
                 <a:ea typeface="メイリオ" panose="020B0604030504040204" pitchFamily="50" charset="-128"/>
               </a:rPr>
-              <a:t>2021/9/7</a:t>
+              <a:t>2022/1/26</a:t>
             </a:fld>
             <a:endParaRPr kumimoji="1" lang="ja-JP" altLang="en-US" dirty="0">
               <a:ea typeface="メイリオ" panose="020B0604030504040204" pitchFamily="50" charset="-128"/>
@@ -456,7 +460,7 @@
             <a:fld id="{4B26993D-C081-44EB-B0F5-A9F467792B62}" type="datetimeFigureOut">
               <a:rPr lang="ja-JP" altLang="en-US" smtClean="0"/>
               <a:pPr/>
-              <a:t>2021/9/7</a:t>
+              <a:t>2022/1/26</a:t>
             </a:fld>
             <a:endParaRPr lang="ja-JP" altLang="en-US" dirty="0"/>
           </a:p>
@@ -1079,7 +1083,7 @@
           <a:p>
             <a:fld id="{56F9016B-CCA6-43BE-8BEE-59565A35F4F7}" type="datetimeFigureOut">
               <a:rPr kumimoji="1" lang="ja-JP" altLang="en-US" smtClean="0"/>
-              <a:t>2021/9/7</a:t>
+              <a:t>2022/1/26</a:t>
             </a:fld>
             <a:endParaRPr kumimoji="1" lang="ja-JP" altLang="en-US"/>
           </a:p>
@@ -1281,7 +1285,7 @@
           <a:p>
             <a:fld id="{56F9016B-CCA6-43BE-8BEE-59565A35F4F7}" type="datetimeFigureOut">
               <a:rPr kumimoji="1" lang="ja-JP" altLang="en-US" smtClean="0"/>
-              <a:t>2021/9/7</a:t>
+              <a:t>2022/1/26</a:t>
             </a:fld>
             <a:endParaRPr kumimoji="1" lang="ja-JP" altLang="en-US"/>
           </a:p>
@@ -1527,7 +1531,7 @@
           <a:p>
             <a:fld id="{56F9016B-CCA6-43BE-8BEE-59565A35F4F7}" type="datetimeFigureOut">
               <a:rPr kumimoji="1" lang="ja-JP" altLang="en-US" smtClean="0"/>
-              <a:t>2021/9/7</a:t>
+              <a:t>2022/1/26</a:t>
             </a:fld>
             <a:endParaRPr kumimoji="1" lang="ja-JP" altLang="en-US"/>
           </a:p>
@@ -1823,7 +1827,7 @@
           <a:p>
             <a:fld id="{56F9016B-CCA6-43BE-8BEE-59565A35F4F7}" type="datetimeFigureOut">
               <a:rPr kumimoji="1" lang="ja-JP" altLang="en-US" smtClean="0"/>
-              <a:t>2021/9/7</a:t>
+              <a:t>2022/1/26</a:t>
             </a:fld>
             <a:endParaRPr kumimoji="1" lang="ja-JP" altLang="en-US"/>
           </a:p>
@@ -2254,7 +2258,7 @@
           <a:p>
             <a:fld id="{56F9016B-CCA6-43BE-8BEE-59565A35F4F7}" type="datetimeFigureOut">
               <a:rPr kumimoji="1" lang="ja-JP" altLang="en-US" smtClean="0"/>
-              <a:t>2021/9/7</a:t>
+              <a:t>2022/1/26</a:t>
             </a:fld>
             <a:endParaRPr kumimoji="1" lang="ja-JP" altLang="en-US"/>
           </a:p>
@@ -2372,7 +2376,7 @@
           <a:p>
             <a:fld id="{56F9016B-CCA6-43BE-8BEE-59565A35F4F7}" type="datetimeFigureOut">
               <a:rPr kumimoji="1" lang="ja-JP" altLang="en-US" smtClean="0"/>
-              <a:t>2021/9/7</a:t>
+              <a:t>2022/1/26</a:t>
             </a:fld>
             <a:endParaRPr kumimoji="1" lang="ja-JP" altLang="en-US"/>
           </a:p>
@@ -2467,7 +2471,7 @@
           <a:p>
             <a:fld id="{56F9016B-CCA6-43BE-8BEE-59565A35F4F7}" type="datetimeFigureOut">
               <a:rPr kumimoji="1" lang="ja-JP" altLang="en-US" smtClean="0"/>
-              <a:t>2021/9/7</a:t>
+              <a:t>2022/1/26</a:t>
             </a:fld>
             <a:endParaRPr kumimoji="1" lang="ja-JP" altLang="en-US"/>
           </a:p>
@@ -2776,7 +2780,7 @@
           <a:p>
             <a:fld id="{56F9016B-CCA6-43BE-8BEE-59565A35F4F7}" type="datetimeFigureOut">
               <a:rPr kumimoji="1" lang="ja-JP" altLang="en-US" smtClean="0"/>
-              <a:t>2021/9/7</a:t>
+              <a:t>2022/1/26</a:t>
             </a:fld>
             <a:endParaRPr kumimoji="1" lang="ja-JP" altLang="en-US"/>
           </a:p>
@@ -3029,7 +3033,7 @@
           <a:p>
             <a:fld id="{56F9016B-CCA6-43BE-8BEE-59565A35F4F7}" type="datetimeFigureOut">
               <a:rPr kumimoji="1" lang="ja-JP" altLang="en-US" smtClean="0"/>
-              <a:t>2021/9/7</a:t>
+              <a:t>2022/1/26</a:t>
             </a:fld>
             <a:endParaRPr kumimoji="1" lang="ja-JP" altLang="en-US"/>
           </a:p>
@@ -3306,7 +3310,7 @@
           <a:p>
             <a:fld id="{56F9016B-CCA6-43BE-8BEE-59565A35F4F7}" type="datetimeFigureOut">
               <a:rPr kumimoji="1" lang="ja-JP" altLang="en-US" smtClean="0"/>
-              <a:t>2021/9/7</a:t>
+              <a:t>2022/1/26</a:t>
             </a:fld>
             <a:endParaRPr kumimoji="1" lang="ja-JP" altLang="en-US"/>
           </a:p>
@@ -3518,7 +3522,7 @@
           <a:p>
             <a:fld id="{56F9016B-CCA6-43BE-8BEE-59565A35F4F7}" type="datetimeFigureOut">
               <a:rPr kumimoji="1" lang="ja-JP" altLang="en-US" smtClean="0"/>
-              <a:t>2021/9/7</a:t>
+              <a:t>2022/1/26</a:t>
             </a:fld>
             <a:endParaRPr kumimoji="1" lang="ja-JP" altLang="en-US"/>
           </a:p>
@@ -6577,7 +6581,7 @@
           <a:p>
             <a:fld id="{56F9016B-CCA6-43BE-8BEE-59565A35F4F7}" type="datetimeFigureOut">
               <a:rPr kumimoji="1" lang="ja-JP" altLang="en-US" smtClean="0"/>
-              <a:t>2021/9/7</a:t>
+              <a:t>2022/1/26</a:t>
             </a:fld>
             <a:endParaRPr kumimoji="1" lang="ja-JP" altLang="en-US"/>
           </a:p>
@@ -7015,11 +7019,15 @@
             </a:r>
             <a:r>
               <a:rPr lang="en-US" altLang="ja-JP" dirty="0"/>
-              <a:t> IT Automation Version </a:t>
-            </a:r>
-            <a:r>
-              <a:rPr lang="en-US" altLang="ja-JP" dirty="0" smtClean="0"/>
-              <a:t>1.8</a:t>
+              <a:t> IT Automation </a:t>
+            </a:r>
+            <a:r>
+              <a:rPr lang="en-US" altLang="ja-JP"/>
+              <a:t>Version </a:t>
+            </a:r>
+            <a:r>
+              <a:rPr lang="en-US" altLang="ja-JP" smtClean="0"/>
+              <a:t>1.9</a:t>
             </a:r>
             <a:r>
               <a:rPr lang="en-US" altLang="ja-JP" dirty="0"/>
@@ -7658,15 +7666,15 @@
               <a:t>説明　</a:t>
             </a:r>
             <a:r>
-              <a:rPr lang="ja-JP" altLang="en-US" dirty="0" smtClean="0"/>
+              <a:rPr lang="ja-JP" altLang="en-US" smtClean="0"/>
               <a:t>（</a:t>
             </a:r>
             <a:r>
-              <a:rPr lang="en-US" altLang="ja-JP" dirty="0" smtClean="0"/>
-              <a:t>3/12</a:t>
-            </a:r>
-            <a:r>
-              <a:rPr lang="ja-JP" altLang="en-US" dirty="0" smtClean="0"/>
+              <a:rPr lang="en-US" altLang="ja-JP" smtClean="0"/>
+              <a:t>3/14</a:t>
+            </a:r>
+            <a:r>
+              <a:rPr lang="ja-JP" altLang="en-US" smtClean="0"/>
               <a:t>）</a:t>
             </a:r>
             <a:endParaRPr kumimoji="1" lang="ja-JP" altLang="en-US" dirty="0"/>
@@ -8692,15 +8700,15 @@
               <a:t>説明　</a:t>
             </a:r>
             <a:r>
-              <a:rPr lang="ja-JP" altLang="en-US" dirty="0" smtClean="0"/>
+              <a:rPr lang="ja-JP" altLang="en-US" smtClean="0"/>
               <a:t>（</a:t>
             </a:r>
             <a:r>
-              <a:rPr lang="en-US" altLang="ja-JP" dirty="0" smtClean="0"/>
-              <a:t>4/12</a:t>
-            </a:r>
-            <a:r>
-              <a:rPr lang="ja-JP" altLang="en-US" dirty="0" smtClean="0"/>
+              <a:rPr lang="en-US" altLang="ja-JP" smtClean="0"/>
+              <a:t>4/14</a:t>
+            </a:r>
+            <a:r>
+              <a:rPr lang="ja-JP" altLang="en-US" smtClean="0"/>
               <a:t>）</a:t>
             </a:r>
             <a:endParaRPr kumimoji="1" lang="ja-JP" altLang="en-US" dirty="0"/>
@@ -12451,21 +12459,45 @@
               <a:t>説明　</a:t>
             </a:r>
             <a:r>
-              <a:rPr lang="ja-JP" altLang="en-US" dirty="0" smtClean="0"/>
+              <a:rPr lang="ja-JP" altLang="en-US" smtClean="0"/>
               <a:t>（</a:t>
             </a:r>
             <a:r>
-              <a:rPr lang="en-US" altLang="ja-JP" dirty="0" smtClean="0"/>
-              <a:t>5/12</a:t>
-            </a:r>
-            <a:r>
-              <a:rPr lang="ja-JP" altLang="en-US" dirty="0" smtClean="0"/>
+              <a:rPr lang="en-US" altLang="ja-JP" smtClean="0"/>
+              <a:t>5/14</a:t>
+            </a:r>
+            <a:r>
+              <a:rPr lang="ja-JP" altLang="en-US" smtClean="0"/>
               <a:t>）</a:t>
             </a:r>
             <a:endParaRPr kumimoji="1" lang="ja-JP" altLang="en-US" dirty="0"/>
           </a:p>
         </p:txBody>
       </p:sp>
+      <p:pic>
+        <p:nvPicPr>
+          <p:cNvPr id="5" name="図 4"/>
+          <p:cNvPicPr>
+            <a:picLocks noChangeAspect="1"/>
+          </p:cNvPicPr>
+          <p:nvPr/>
+        </p:nvPicPr>
+        <p:blipFill>
+          <a:blip r:embed="rId2"/>
+          <a:stretch>
+            <a:fillRect/>
+          </a:stretch>
+        </p:blipFill>
+        <p:spPr>
+          <a:xfrm>
+            <a:off x="4529551" y="1772770"/>
+            <a:ext cx="4392000" cy="2435635"/>
+          </a:xfrm>
+          <a:prstGeom prst="rect">
+            <a:avLst/>
+          </a:prstGeom>
+        </p:spPr>
+      </p:pic>
       <p:sp>
         <p:nvSpPr>
           <p:cNvPr id="3" name="コンテンツ プレースホルダー 2"/>
@@ -12523,7 +12555,7 @@
             </a:r>
             <a:r>
               <a:rPr lang="ja-JP" altLang="en-US" dirty="0">
-                <a:hlinkClick r:id="rId2"/>
+                <a:hlinkClick r:id="rId3"/>
               </a:rPr>
               <a:t>マニュアル</a:t>
             </a:r>
@@ -12537,31 +12569,7 @@
       </p:sp>
       <p:pic>
         <p:nvPicPr>
-          <p:cNvPr id="10" name="図 9"/>
-          <p:cNvPicPr>
-            <a:picLocks noChangeAspect="1"/>
-          </p:cNvPicPr>
-          <p:nvPr/>
-        </p:nvPicPr>
-        <p:blipFill>
-          <a:blip r:embed="rId3"/>
-          <a:stretch>
-            <a:fillRect/>
-          </a:stretch>
-        </p:blipFill>
-        <p:spPr>
-          <a:xfrm>
-            <a:off x="56188" y="1628750"/>
-            <a:ext cx="4464499" cy="4267520"/>
-          </a:xfrm>
-          <a:prstGeom prst="rect">
-            <a:avLst/>
-          </a:prstGeom>
-        </p:spPr>
-      </p:pic>
-      <p:pic>
-        <p:nvPicPr>
-          <p:cNvPr id="11" name="図 10"/>
+          <p:cNvPr id="12" name="図 11"/>
           <p:cNvPicPr>
             <a:picLocks noChangeAspect="1"/>
           </p:cNvPicPr>
@@ -12575,8 +12583,8 @@
         </p:blipFill>
         <p:spPr>
           <a:xfrm>
-            <a:off x="4571513" y="1772770"/>
-            <a:ext cx="4464000" cy="1800250"/>
+            <a:off x="4522863" y="1584001"/>
+            <a:ext cx="4464000" cy="208953"/>
           </a:xfrm>
           <a:prstGeom prst="rect">
             <a:avLst/>
@@ -12585,7 +12593,7 @@
       </p:pic>
       <p:pic>
         <p:nvPicPr>
-          <p:cNvPr id="12" name="図 11"/>
+          <p:cNvPr id="8" name="図 7"/>
           <p:cNvPicPr>
             <a:picLocks noChangeAspect="1"/>
           </p:cNvPicPr>
@@ -12599,8 +12607,8 @@
         </p:blipFill>
         <p:spPr>
           <a:xfrm>
-            <a:off x="4564825" y="1584000"/>
-            <a:ext cx="4477375" cy="209579"/>
+            <a:off x="251400" y="1628750"/>
+            <a:ext cx="4155762" cy="4885627"/>
           </a:xfrm>
           <a:prstGeom prst="rect">
             <a:avLst/>
@@ -12712,15 +12720,15 @@
               <a:t>　</a:t>
             </a:r>
             <a:r>
-              <a:rPr lang="ja-JP" altLang="en-US" dirty="0" smtClean="0"/>
+              <a:rPr lang="ja-JP" altLang="en-US" smtClean="0"/>
               <a:t>（</a:t>
             </a:r>
             <a:r>
-              <a:rPr lang="en-US" altLang="ja-JP" dirty="0" smtClean="0"/>
-              <a:t>6/12</a:t>
-            </a:r>
-            <a:r>
-              <a:rPr lang="ja-JP" altLang="en-US" dirty="0" smtClean="0"/>
+              <a:rPr lang="en-US" altLang="ja-JP" smtClean="0"/>
+              <a:t>6/14</a:t>
+            </a:r>
+            <a:r>
+              <a:rPr lang="ja-JP" altLang="en-US" smtClean="0"/>
               <a:t>）</a:t>
             </a:r>
             <a:endParaRPr kumimoji="1" lang="ja-JP" altLang="en-US" dirty="0"/>
@@ -12995,14 +13003,23 @@
               <a:rPr lang="ja-JP" altLang="en-US" sz="1600" b="1" dirty="0" smtClean="0">
                 <a:latin typeface="+mn-ea"/>
               </a:rPr>
-              <a:t>オペレーションを</a:t>
-            </a:r>
-            <a:r>
-              <a:rPr kumimoji="1" lang="ja-JP" altLang="en-US" sz="1600" b="1" dirty="0" smtClean="0">
+              <a:t>オペレーション</a:t>
+            </a:r>
+            <a:r>
+              <a:rPr lang="ja-JP" altLang="en-US" sz="1600" b="1" smtClean="0">
                 <a:latin typeface="+mn-ea"/>
               </a:rPr>
-              <a:t>選択できます</a:t>
-            </a:r>
+              <a:t>を</a:t>
+            </a:r>
+            <a:r>
+              <a:rPr kumimoji="1" lang="ja-JP" altLang="en-US" sz="1600" b="1" smtClean="0">
+                <a:latin typeface="+mn-ea"/>
+              </a:rPr>
+              <a:t>選択します</a:t>
+            </a:r>
+            <a:endParaRPr kumimoji="1" lang="ja-JP" altLang="en-US" sz="1600" b="1" dirty="0" smtClean="0">
+              <a:latin typeface="+mn-ea"/>
+            </a:endParaRPr>
           </a:p>
         </p:txBody>
       </p:sp>
@@ -13189,15 +13206,15 @@
               <a:t>　</a:t>
             </a:r>
             <a:r>
-              <a:rPr lang="ja-JP" altLang="en-US" dirty="0" smtClean="0"/>
+              <a:rPr lang="ja-JP" altLang="en-US" smtClean="0"/>
               <a:t>（</a:t>
             </a:r>
             <a:r>
-              <a:rPr lang="en-US" altLang="ja-JP" dirty="0" smtClean="0"/>
-              <a:t>7/12</a:t>
-            </a:r>
-            <a:r>
-              <a:rPr lang="ja-JP" altLang="en-US" dirty="0" smtClean="0"/>
+              <a:rPr lang="en-US" altLang="ja-JP" smtClean="0"/>
+              <a:t>7/14</a:t>
+            </a:r>
+            <a:r>
+              <a:rPr lang="ja-JP" altLang="en-US" smtClean="0"/>
               <a:t>）</a:t>
             </a:r>
             <a:endParaRPr kumimoji="1" lang="ja-JP" altLang="en-US" dirty="0"/>
@@ -13325,8 +13342,17 @@
               <a:rPr kumimoji="1" lang="ja-JP" altLang="en-US" sz="1600" b="1" dirty="0" smtClean="0">
                 <a:latin typeface="+mn-ea"/>
               </a:rPr>
-              <a:t>「実行」ボタンから実行できます</a:t>
-            </a:r>
+              <a:t>「実行」ボタン</a:t>
+            </a:r>
+            <a:r>
+              <a:rPr kumimoji="1" lang="ja-JP" altLang="en-US" sz="1600" b="1" smtClean="0">
+                <a:latin typeface="+mn-ea"/>
+              </a:rPr>
+              <a:t>から実行します</a:t>
+            </a:r>
+            <a:endParaRPr kumimoji="1" lang="ja-JP" altLang="en-US" sz="1600" b="1" dirty="0" smtClean="0">
+              <a:latin typeface="+mn-ea"/>
+            </a:endParaRPr>
           </a:p>
         </p:txBody>
       </p:sp>
@@ -13474,15 +13500,15 @@
               <a:t>　</a:t>
             </a:r>
             <a:r>
-              <a:rPr lang="ja-JP" altLang="en-US" dirty="0" smtClean="0"/>
+              <a:rPr lang="ja-JP" altLang="en-US" smtClean="0"/>
               <a:t>（</a:t>
             </a:r>
             <a:r>
-              <a:rPr lang="en-US" altLang="ja-JP" dirty="0" smtClean="0"/>
-              <a:t>8/12</a:t>
-            </a:r>
-            <a:r>
-              <a:rPr lang="ja-JP" altLang="en-US" dirty="0" smtClean="0"/>
+              <a:rPr lang="en-US" altLang="ja-JP" smtClean="0"/>
+              <a:t>8/14</a:t>
+            </a:r>
+            <a:r>
+              <a:rPr lang="ja-JP" altLang="en-US" smtClean="0"/>
               <a:t>）</a:t>
             </a:r>
             <a:endParaRPr kumimoji="1" lang="ja-JP" altLang="en-US" dirty="0"/>
@@ -16908,7 +16934,7 @@
       </p:grpSpPr>
       <p:pic>
         <p:nvPicPr>
-          <p:cNvPr id="5" name="図 4"/>
+          <p:cNvPr id="4" name="図 3"/>
           <p:cNvPicPr>
             <a:picLocks noChangeAspect="1"/>
           </p:cNvPicPr>
@@ -16922,8 +16948,8 @@
         </p:blipFill>
         <p:spPr>
           <a:xfrm>
-            <a:off x="521045" y="2323565"/>
-            <a:ext cx="8100935" cy="3526590"/>
+            <a:off x="521045" y="2322061"/>
+            <a:ext cx="8100935" cy="3979837"/>
           </a:xfrm>
           <a:prstGeom prst="rect">
             <a:avLst/>
@@ -16962,15 +16988,15 @@
               <a:t>メニューの機能説明　</a:t>
             </a:r>
             <a:r>
-              <a:rPr lang="ja-JP" altLang="en-US" dirty="0" smtClean="0"/>
+              <a:rPr lang="ja-JP" altLang="en-US" smtClean="0"/>
               <a:t>（</a:t>
             </a:r>
             <a:r>
-              <a:rPr lang="en-US" altLang="ja-JP" dirty="0" smtClean="0"/>
-              <a:t>9/12</a:t>
-            </a:r>
-            <a:r>
-              <a:rPr lang="ja-JP" altLang="en-US" dirty="0" smtClean="0"/>
+              <a:rPr lang="en-US" altLang="ja-JP" smtClean="0"/>
+              <a:t>9/14</a:t>
+            </a:r>
+            <a:r>
+              <a:rPr lang="ja-JP" altLang="en-US" smtClean="0"/>
               <a:t>）</a:t>
             </a:r>
             <a:endParaRPr kumimoji="1" lang="ja-JP" altLang="en-US" dirty="0"/>
@@ -17074,8 +17100,8 @@
         </p:nvSpPr>
         <p:spPr bwMode="auto">
           <a:xfrm>
-            <a:off x="521045" y="4086860"/>
-            <a:ext cx="810505" cy="268500"/>
+            <a:off x="521045" y="4977214"/>
+            <a:ext cx="1098545" cy="252000"/>
           </a:xfrm>
           <a:prstGeom prst="rect">
             <a:avLst/>
@@ -17113,8 +17139,8 @@
         </p:nvSpPr>
         <p:spPr bwMode="auto">
           <a:xfrm>
-            <a:off x="5364110" y="4653170"/>
-            <a:ext cx="1440200" cy="648090"/>
+            <a:off x="4571512" y="5490898"/>
+            <a:ext cx="1800738" cy="864000"/>
           </a:xfrm>
           <a:prstGeom prst="rect">
             <a:avLst/>
@@ -17218,15 +17244,15 @@
               <a:t>　</a:t>
             </a:r>
             <a:r>
-              <a:rPr lang="ja-JP" altLang="en-US" dirty="0" smtClean="0"/>
+              <a:rPr lang="ja-JP" altLang="en-US" smtClean="0"/>
               <a:t>（</a:t>
             </a:r>
             <a:r>
-              <a:rPr lang="en-US" altLang="ja-JP" dirty="0" smtClean="0"/>
-              <a:t>10/12</a:t>
-            </a:r>
-            <a:r>
-              <a:rPr lang="ja-JP" altLang="en-US" dirty="0" smtClean="0"/>
+              <a:rPr lang="en-US" altLang="ja-JP" smtClean="0"/>
+              <a:t>10/14</a:t>
+            </a:r>
+            <a:r>
+              <a:rPr lang="ja-JP" altLang="en-US" smtClean="0"/>
               <a:t>）</a:t>
             </a:r>
             <a:endParaRPr kumimoji="1" lang="ja-JP" altLang="en-US" dirty="0"/>
@@ -17368,24 +17394,36 @@
               <a:rPr kumimoji="1" lang="ja-JP" altLang="en-US" sz="1600" b="1" dirty="0" smtClean="0">
                 <a:latin typeface="+mn-ea"/>
               </a:rPr>
-              <a:t>「スケジュール設定」から詳細な</a:t>
-            </a:r>
-            <a:r>
-              <a:rPr kumimoji="1" lang="en-US" altLang="ja-JP" sz="1600" b="1" dirty="0" smtClean="0">
+              <a:t>「スケジュール設定</a:t>
+            </a:r>
+            <a:r>
+              <a:rPr kumimoji="1" lang="ja-JP" altLang="en-US" sz="1600" b="1" smtClean="0">
+                <a:latin typeface="+mn-ea"/>
+              </a:rPr>
+              <a:t>」から詳細な</a:t>
+            </a:r>
+            <a:r>
+              <a:rPr kumimoji="1" lang="en-US" altLang="ja-JP" sz="1600" b="1" smtClean="0">
                 <a:latin typeface="+mn-ea"/>
               </a:rPr>
               <a:t/>
             </a:r>
             <a:br>
-              <a:rPr kumimoji="1" lang="en-US" altLang="ja-JP" sz="1600" b="1" dirty="0" smtClean="0">
+              <a:rPr kumimoji="1" lang="en-US" altLang="ja-JP" sz="1600" b="1" smtClean="0">
                 <a:latin typeface="+mn-ea"/>
               </a:rPr>
             </a:br>
             <a:r>
+              <a:rPr kumimoji="1" lang="ja-JP" altLang="en-US" sz="1600" b="1" smtClean="0">
+                <a:latin typeface="+mn-ea"/>
+              </a:rPr>
+              <a:t>スケジュール</a:t>
+            </a:r>
+            <a:r>
               <a:rPr kumimoji="1" lang="ja-JP" altLang="en-US" sz="1600" b="1" dirty="0" smtClean="0">
                 <a:latin typeface="+mn-ea"/>
               </a:rPr>
-              <a:t>スケジュールが設定できま</a:t>
+              <a:t>が設定できま</a:t>
             </a:r>
             <a:r>
               <a:rPr lang="ja-JP" altLang="en-US" sz="1600" b="1" dirty="0" smtClean="0">
@@ -17543,15 +17581,15 @@
               <a:t>　</a:t>
             </a:r>
             <a:r>
-              <a:rPr lang="ja-JP" altLang="en-US" dirty="0" smtClean="0"/>
+              <a:rPr lang="ja-JP" altLang="en-US" smtClean="0"/>
               <a:t>（</a:t>
             </a:r>
             <a:r>
-              <a:rPr lang="en-US" altLang="ja-JP" dirty="0" smtClean="0"/>
-              <a:t>11/12</a:t>
-            </a:r>
-            <a:r>
-              <a:rPr lang="ja-JP" altLang="en-US" dirty="0" smtClean="0"/>
+              <a:rPr lang="en-US" altLang="ja-JP" smtClean="0"/>
+              <a:t>11/14</a:t>
+            </a:r>
+            <a:r>
+              <a:rPr lang="ja-JP" altLang="en-US" smtClean="0"/>
               <a:t>）</a:t>
             </a:r>
             <a:endParaRPr kumimoji="1" lang="ja-JP" altLang="en-US" dirty="0"/>
@@ -17654,24 +17692,31 @@
               <a:rPr kumimoji="1" lang="ja-JP" altLang="en-US" sz="1600" b="1" dirty="0" smtClean="0">
                 <a:latin typeface="+mn-ea"/>
               </a:rPr>
-              <a:t>クリックするとカレンダー</a:t>
-            </a:r>
-            <a:r>
-              <a:rPr kumimoji="1" lang="en-US" altLang="ja-JP" sz="1600" b="1" dirty="0" smtClean="0">
+              <a:t>クリック</a:t>
+            </a:r>
+            <a:r>
+              <a:rPr kumimoji="1" lang="ja-JP" altLang="en-US" sz="1600" b="1" smtClean="0">
                 <a:latin typeface="+mn-ea"/>
               </a:rPr>
-              <a:t/>
-            </a:r>
-            <a:br>
-              <a:rPr kumimoji="1" lang="en-US" altLang="ja-JP" sz="1600" b="1" dirty="0" smtClean="0">
+              <a:t>すると</a:t>
+            </a:r>
+            <a:endParaRPr kumimoji="1" lang="en-US" altLang="ja-JP" sz="1600" b="1" smtClean="0">
+              <a:latin typeface="+mn-ea"/>
+            </a:endParaRPr>
+          </a:p>
+          <a:p>
+            <a:pPr algn="ctr"/>
+            <a:r>
+              <a:rPr kumimoji="1" lang="ja-JP" altLang="en-US" sz="1600" b="1" smtClean="0">
                 <a:latin typeface="+mn-ea"/>
               </a:rPr>
-            </a:br>
+              <a:t>カレンダーが</a:t>
+            </a:r>
             <a:r>
               <a:rPr kumimoji="1" lang="ja-JP" altLang="en-US" sz="1600" b="1" dirty="0" smtClean="0">
                 <a:latin typeface="+mn-ea"/>
               </a:rPr>
-              <a:t>が表示されま</a:t>
+              <a:t>表示されま</a:t>
             </a:r>
             <a:r>
               <a:rPr lang="ja-JP" altLang="en-US" sz="1600" b="1" dirty="0" smtClean="0">
@@ -18113,6 +18158,29 @@
           <a:chExt cx="0" cy="0"/>
         </a:xfrm>
       </p:grpSpPr>
+      <p:pic>
+        <p:nvPicPr>
+          <p:cNvPr id="4" name="図 3"/>
+          <p:cNvPicPr>
+            <a:picLocks noChangeAspect="1"/>
+          </p:cNvPicPr>
+          <p:nvPr/>
+        </p:nvPicPr>
+        <p:blipFill rotWithShape="1">
+          <a:blip r:embed="rId2"/>
+          <a:srcRect t="13577"/>
+          <a:stretch/>
+        </p:blipFill>
+        <p:spPr>
+          <a:xfrm>
+            <a:off x="47671" y="3916578"/>
+            <a:ext cx="4968333" cy="1935470"/>
+          </a:xfrm>
+          <a:prstGeom prst="rect">
+            <a:avLst/>
+          </a:prstGeom>
+        </p:spPr>
+      </p:pic>
       <p:sp>
         <p:nvSpPr>
           <p:cNvPr id="2" name="タイトル 1"/>
@@ -18142,14 +18210,18 @@
             </a:r>
             <a:r>
               <a:rPr lang="ja-JP" altLang="en-US" dirty="0"/>
-              <a:t>メニューの機能説明　（</a:t>
-            </a:r>
-            <a:r>
-              <a:rPr lang="en-US" altLang="ja-JP" dirty="0" smtClean="0"/>
-              <a:t>12/12</a:t>
-            </a:r>
-            <a:r>
-              <a:rPr lang="ja-JP" altLang="en-US" dirty="0" smtClean="0"/>
+              <a:t>メニューの機能説明　</a:t>
+            </a:r>
+            <a:r>
+              <a:rPr lang="ja-JP" altLang="en-US"/>
+              <a:t>（</a:t>
+            </a:r>
+            <a:r>
+              <a:rPr lang="en-US" altLang="ja-JP" smtClean="0"/>
+              <a:t>12/14</a:t>
+            </a:r>
+            <a:r>
+              <a:rPr lang="ja-JP" altLang="en-US" smtClean="0"/>
               <a:t>）</a:t>
             </a:r>
             <a:endParaRPr kumimoji="1" lang="ja-JP" altLang="en-US" dirty="0"/>
@@ -18288,7 +18360,7 @@
             </a:r>
             <a:r>
               <a:rPr lang="ja-JP" altLang="en-US" dirty="0" smtClean="0">
-                <a:hlinkClick r:id="rId2"/>
+                <a:hlinkClick r:id="rId3"/>
               </a:rPr>
               <a:t>管理コンソールの利用手順マニュアル</a:t>
             </a:r>
@@ -18350,30 +18422,6 @@
           </a:p>
         </p:txBody>
       </p:sp>
-      <p:pic>
-        <p:nvPicPr>
-          <p:cNvPr id="6" name="図 5"/>
-          <p:cNvPicPr>
-            <a:picLocks noChangeAspect="1"/>
-          </p:cNvPicPr>
-          <p:nvPr/>
-        </p:nvPicPr>
-        <p:blipFill>
-          <a:blip r:embed="rId3"/>
-          <a:stretch>
-            <a:fillRect/>
-          </a:stretch>
-        </p:blipFill>
-        <p:spPr>
-          <a:xfrm>
-            <a:off x="47671" y="3917698"/>
-            <a:ext cx="4968333" cy="2339558"/>
-          </a:xfrm>
-          <a:prstGeom prst="rect">
-            <a:avLst/>
-          </a:prstGeom>
-        </p:spPr>
-      </p:pic>
       <p:pic>
         <p:nvPicPr>
           <p:cNvPr id="7" name="図 6"/>
@@ -18406,8 +18454,8 @@
         </p:nvSpPr>
         <p:spPr bwMode="auto">
           <a:xfrm>
-            <a:off x="3448461" y="5285888"/>
-            <a:ext cx="504070" cy="216030"/>
+            <a:off x="2987780" y="5733321"/>
+            <a:ext cx="360050" cy="144020"/>
           </a:xfrm>
           <a:prstGeom prst="rect">
             <a:avLst/>
@@ -18484,8 +18532,8 @@
         </p:nvSpPr>
         <p:spPr bwMode="auto">
           <a:xfrm>
-            <a:off x="2627731" y="5755430"/>
-            <a:ext cx="4039222" cy="951270"/>
+            <a:off x="2627731" y="5760213"/>
+            <a:ext cx="4039222" cy="946487"/>
           </a:xfrm>
           <a:custGeom>
             <a:avLst/>
@@ -19154,6 +19202,286 @@
               <a:gd name="connsiteY18" fmla="*/ 351380 h 951270"/>
               <a:gd name="connsiteX19" fmla="*/ 0 w 3218491"/>
               <a:gd name="connsiteY19" fmla="*/ 231402 h 951270"/>
+              <a:gd name="connsiteX0" fmla="*/ 0 w 3218491"/>
+              <a:gd name="connsiteY0" fmla="*/ 226619 h 946487"/>
+              <a:gd name="connsiteX1" fmla="*/ 869790 w 3218491"/>
+              <a:gd name="connsiteY1" fmla="*/ 236144 h 946487"/>
+              <a:gd name="connsiteX2" fmla="*/ 589599 w 3218491"/>
+              <a:gd name="connsiteY2" fmla="*/ 48380 h 946487"/>
+              <a:gd name="connsiteX3" fmla="*/ 1121963 w 3218491"/>
+              <a:gd name="connsiteY3" fmla="*/ 226619 h 946487"/>
+              <a:gd name="connsiteX4" fmla="*/ 2753970 w 3218491"/>
+              <a:gd name="connsiteY4" fmla="*/ 219075 h 946487"/>
+              <a:gd name="connsiteX5" fmla="*/ 3004417 w 3218491"/>
+              <a:gd name="connsiteY5" fmla="*/ 0 h 946487"/>
+              <a:gd name="connsiteX6" fmla="*/ 3012496 w 3218491"/>
+              <a:gd name="connsiteY6" fmla="*/ 219075 h 946487"/>
+              <a:gd name="connsiteX7" fmla="*/ 3218491 w 3218491"/>
+              <a:gd name="connsiteY7" fmla="*/ 226619 h 946487"/>
+              <a:gd name="connsiteX8" fmla="*/ 3218491 w 3218491"/>
+              <a:gd name="connsiteY8" fmla="*/ 346597 h 946487"/>
+              <a:gd name="connsiteX9" fmla="*/ 3218491 w 3218491"/>
+              <a:gd name="connsiteY9" fmla="*/ 346597 h 946487"/>
+              <a:gd name="connsiteX10" fmla="*/ 3218491 w 3218491"/>
+              <a:gd name="connsiteY10" fmla="*/ 526564 h 946487"/>
+              <a:gd name="connsiteX11" fmla="*/ 3218491 w 3218491"/>
+              <a:gd name="connsiteY11" fmla="*/ 946487 h 946487"/>
+              <a:gd name="connsiteX12" fmla="*/ 1341038 w 3218491"/>
+              <a:gd name="connsiteY12" fmla="*/ 946487 h 946487"/>
+              <a:gd name="connsiteX13" fmla="*/ 536415 w 3218491"/>
+              <a:gd name="connsiteY13" fmla="*/ 946487 h 946487"/>
+              <a:gd name="connsiteX14" fmla="*/ 536415 w 3218491"/>
+              <a:gd name="connsiteY14" fmla="*/ 946487 h 946487"/>
+              <a:gd name="connsiteX15" fmla="*/ 0 w 3218491"/>
+              <a:gd name="connsiteY15" fmla="*/ 946487 h 946487"/>
+              <a:gd name="connsiteX16" fmla="*/ 0 w 3218491"/>
+              <a:gd name="connsiteY16" fmla="*/ 526564 h 946487"/>
+              <a:gd name="connsiteX17" fmla="*/ 0 w 3218491"/>
+              <a:gd name="connsiteY17" fmla="*/ 346597 h 946487"/>
+              <a:gd name="connsiteX18" fmla="*/ 0 w 3218491"/>
+              <a:gd name="connsiteY18" fmla="*/ 346597 h 946487"/>
+              <a:gd name="connsiteX19" fmla="*/ 0 w 3218491"/>
+              <a:gd name="connsiteY19" fmla="*/ 226619 h 946487"/>
+              <a:gd name="connsiteX0" fmla="*/ 0 w 3218491"/>
+              <a:gd name="connsiteY0" fmla="*/ 226619 h 946487"/>
+              <a:gd name="connsiteX1" fmla="*/ 869790 w 3218491"/>
+              <a:gd name="connsiteY1" fmla="*/ 236144 h 946487"/>
+              <a:gd name="connsiteX2" fmla="*/ 589599 w 3218491"/>
+              <a:gd name="connsiteY2" fmla="*/ 48380 h 946487"/>
+              <a:gd name="connsiteX3" fmla="*/ 1121963 w 3218491"/>
+              <a:gd name="connsiteY3" fmla="*/ 226619 h 946487"/>
+              <a:gd name="connsiteX4" fmla="*/ 2753970 w 3218491"/>
+              <a:gd name="connsiteY4" fmla="*/ 219075 h 946487"/>
+              <a:gd name="connsiteX5" fmla="*/ 3004417 w 3218491"/>
+              <a:gd name="connsiteY5" fmla="*/ 0 h 946487"/>
+              <a:gd name="connsiteX6" fmla="*/ 3012496 w 3218491"/>
+              <a:gd name="connsiteY6" fmla="*/ 219075 h 946487"/>
+              <a:gd name="connsiteX7" fmla="*/ 3218491 w 3218491"/>
+              <a:gd name="connsiteY7" fmla="*/ 226619 h 946487"/>
+              <a:gd name="connsiteX8" fmla="*/ 3218491 w 3218491"/>
+              <a:gd name="connsiteY8" fmla="*/ 346597 h 946487"/>
+              <a:gd name="connsiteX9" fmla="*/ 3218491 w 3218491"/>
+              <a:gd name="connsiteY9" fmla="*/ 346597 h 946487"/>
+              <a:gd name="connsiteX10" fmla="*/ 3218491 w 3218491"/>
+              <a:gd name="connsiteY10" fmla="*/ 526564 h 946487"/>
+              <a:gd name="connsiteX11" fmla="*/ 3218491 w 3218491"/>
+              <a:gd name="connsiteY11" fmla="*/ 946487 h 946487"/>
+              <a:gd name="connsiteX12" fmla="*/ 1341038 w 3218491"/>
+              <a:gd name="connsiteY12" fmla="*/ 946487 h 946487"/>
+              <a:gd name="connsiteX13" fmla="*/ 536415 w 3218491"/>
+              <a:gd name="connsiteY13" fmla="*/ 946487 h 946487"/>
+              <a:gd name="connsiteX14" fmla="*/ 536415 w 3218491"/>
+              <a:gd name="connsiteY14" fmla="*/ 946487 h 946487"/>
+              <a:gd name="connsiteX15" fmla="*/ 0 w 3218491"/>
+              <a:gd name="connsiteY15" fmla="*/ 946487 h 946487"/>
+              <a:gd name="connsiteX16" fmla="*/ 0 w 3218491"/>
+              <a:gd name="connsiteY16" fmla="*/ 526564 h 946487"/>
+              <a:gd name="connsiteX17" fmla="*/ 0 w 3218491"/>
+              <a:gd name="connsiteY17" fmla="*/ 346597 h 946487"/>
+              <a:gd name="connsiteX18" fmla="*/ 0 w 3218491"/>
+              <a:gd name="connsiteY18" fmla="*/ 346597 h 946487"/>
+              <a:gd name="connsiteX19" fmla="*/ 0 w 3218491"/>
+              <a:gd name="connsiteY19" fmla="*/ 226619 h 946487"/>
+              <a:gd name="connsiteX0" fmla="*/ 0 w 3218491"/>
+              <a:gd name="connsiteY0" fmla="*/ 226619 h 946487"/>
+              <a:gd name="connsiteX1" fmla="*/ 869790 w 3218491"/>
+              <a:gd name="connsiteY1" fmla="*/ 236144 h 946487"/>
+              <a:gd name="connsiteX2" fmla="*/ 589599 w 3218491"/>
+              <a:gd name="connsiteY2" fmla="*/ 48380 h 946487"/>
+              <a:gd name="connsiteX3" fmla="*/ 1121963 w 3218491"/>
+              <a:gd name="connsiteY3" fmla="*/ 226619 h 946487"/>
+              <a:gd name="connsiteX4" fmla="*/ 2753970 w 3218491"/>
+              <a:gd name="connsiteY4" fmla="*/ 219075 h 946487"/>
+              <a:gd name="connsiteX5" fmla="*/ 3004417 w 3218491"/>
+              <a:gd name="connsiteY5" fmla="*/ 0 h 946487"/>
+              <a:gd name="connsiteX6" fmla="*/ 3012496 w 3218491"/>
+              <a:gd name="connsiteY6" fmla="*/ 219075 h 946487"/>
+              <a:gd name="connsiteX7" fmla="*/ 3218491 w 3218491"/>
+              <a:gd name="connsiteY7" fmla="*/ 226619 h 946487"/>
+              <a:gd name="connsiteX8" fmla="*/ 3218491 w 3218491"/>
+              <a:gd name="connsiteY8" fmla="*/ 346597 h 946487"/>
+              <a:gd name="connsiteX9" fmla="*/ 3218491 w 3218491"/>
+              <a:gd name="connsiteY9" fmla="*/ 346597 h 946487"/>
+              <a:gd name="connsiteX10" fmla="*/ 3218491 w 3218491"/>
+              <a:gd name="connsiteY10" fmla="*/ 526564 h 946487"/>
+              <a:gd name="connsiteX11" fmla="*/ 3218491 w 3218491"/>
+              <a:gd name="connsiteY11" fmla="*/ 946487 h 946487"/>
+              <a:gd name="connsiteX12" fmla="*/ 1341038 w 3218491"/>
+              <a:gd name="connsiteY12" fmla="*/ 946487 h 946487"/>
+              <a:gd name="connsiteX13" fmla="*/ 536415 w 3218491"/>
+              <a:gd name="connsiteY13" fmla="*/ 946487 h 946487"/>
+              <a:gd name="connsiteX14" fmla="*/ 536415 w 3218491"/>
+              <a:gd name="connsiteY14" fmla="*/ 946487 h 946487"/>
+              <a:gd name="connsiteX15" fmla="*/ 0 w 3218491"/>
+              <a:gd name="connsiteY15" fmla="*/ 946487 h 946487"/>
+              <a:gd name="connsiteX16" fmla="*/ 0 w 3218491"/>
+              <a:gd name="connsiteY16" fmla="*/ 526564 h 946487"/>
+              <a:gd name="connsiteX17" fmla="*/ 0 w 3218491"/>
+              <a:gd name="connsiteY17" fmla="*/ 346597 h 946487"/>
+              <a:gd name="connsiteX18" fmla="*/ 0 w 3218491"/>
+              <a:gd name="connsiteY18" fmla="*/ 346597 h 946487"/>
+              <a:gd name="connsiteX19" fmla="*/ 0 w 3218491"/>
+              <a:gd name="connsiteY19" fmla="*/ 226619 h 946487"/>
+              <a:gd name="connsiteX0" fmla="*/ 0 w 3218491"/>
+              <a:gd name="connsiteY0" fmla="*/ 226619 h 946487"/>
+              <a:gd name="connsiteX1" fmla="*/ 869790 w 3218491"/>
+              <a:gd name="connsiteY1" fmla="*/ 236144 h 946487"/>
+              <a:gd name="connsiteX2" fmla="*/ 589599 w 3218491"/>
+              <a:gd name="connsiteY2" fmla="*/ 48380 h 946487"/>
+              <a:gd name="connsiteX3" fmla="*/ 1121963 w 3218491"/>
+              <a:gd name="connsiteY3" fmla="*/ 226619 h 946487"/>
+              <a:gd name="connsiteX4" fmla="*/ 2753970 w 3218491"/>
+              <a:gd name="connsiteY4" fmla="*/ 219075 h 946487"/>
+              <a:gd name="connsiteX5" fmla="*/ 3004417 w 3218491"/>
+              <a:gd name="connsiteY5" fmla="*/ 0 h 946487"/>
+              <a:gd name="connsiteX6" fmla="*/ 3012496 w 3218491"/>
+              <a:gd name="connsiteY6" fmla="*/ 219075 h 946487"/>
+              <a:gd name="connsiteX7" fmla="*/ 3218491 w 3218491"/>
+              <a:gd name="connsiteY7" fmla="*/ 226619 h 946487"/>
+              <a:gd name="connsiteX8" fmla="*/ 3218491 w 3218491"/>
+              <a:gd name="connsiteY8" fmla="*/ 346597 h 946487"/>
+              <a:gd name="connsiteX9" fmla="*/ 3218491 w 3218491"/>
+              <a:gd name="connsiteY9" fmla="*/ 346597 h 946487"/>
+              <a:gd name="connsiteX10" fmla="*/ 3218491 w 3218491"/>
+              <a:gd name="connsiteY10" fmla="*/ 526564 h 946487"/>
+              <a:gd name="connsiteX11" fmla="*/ 3218491 w 3218491"/>
+              <a:gd name="connsiteY11" fmla="*/ 946487 h 946487"/>
+              <a:gd name="connsiteX12" fmla="*/ 1341038 w 3218491"/>
+              <a:gd name="connsiteY12" fmla="*/ 946487 h 946487"/>
+              <a:gd name="connsiteX13" fmla="*/ 536415 w 3218491"/>
+              <a:gd name="connsiteY13" fmla="*/ 946487 h 946487"/>
+              <a:gd name="connsiteX14" fmla="*/ 536415 w 3218491"/>
+              <a:gd name="connsiteY14" fmla="*/ 946487 h 946487"/>
+              <a:gd name="connsiteX15" fmla="*/ 0 w 3218491"/>
+              <a:gd name="connsiteY15" fmla="*/ 946487 h 946487"/>
+              <a:gd name="connsiteX16" fmla="*/ 0 w 3218491"/>
+              <a:gd name="connsiteY16" fmla="*/ 526564 h 946487"/>
+              <a:gd name="connsiteX17" fmla="*/ 0 w 3218491"/>
+              <a:gd name="connsiteY17" fmla="*/ 346597 h 946487"/>
+              <a:gd name="connsiteX18" fmla="*/ 0 w 3218491"/>
+              <a:gd name="connsiteY18" fmla="*/ 346597 h 946487"/>
+              <a:gd name="connsiteX19" fmla="*/ 0 w 3218491"/>
+              <a:gd name="connsiteY19" fmla="*/ 226619 h 946487"/>
+              <a:gd name="connsiteX0" fmla="*/ 0 w 3218491"/>
+              <a:gd name="connsiteY0" fmla="*/ 226619 h 946487"/>
+              <a:gd name="connsiteX1" fmla="*/ 869790 w 3218491"/>
+              <a:gd name="connsiteY1" fmla="*/ 236144 h 946487"/>
+              <a:gd name="connsiteX2" fmla="*/ 589599 w 3218491"/>
+              <a:gd name="connsiteY2" fmla="*/ 48380 h 946487"/>
+              <a:gd name="connsiteX3" fmla="*/ 1121963 w 3218491"/>
+              <a:gd name="connsiteY3" fmla="*/ 226619 h 946487"/>
+              <a:gd name="connsiteX4" fmla="*/ 2753970 w 3218491"/>
+              <a:gd name="connsiteY4" fmla="*/ 219075 h 946487"/>
+              <a:gd name="connsiteX5" fmla="*/ 3004417 w 3218491"/>
+              <a:gd name="connsiteY5" fmla="*/ 0 h 946487"/>
+              <a:gd name="connsiteX6" fmla="*/ 3012496 w 3218491"/>
+              <a:gd name="connsiteY6" fmla="*/ 219075 h 946487"/>
+              <a:gd name="connsiteX7" fmla="*/ 3218491 w 3218491"/>
+              <a:gd name="connsiteY7" fmla="*/ 226619 h 946487"/>
+              <a:gd name="connsiteX8" fmla="*/ 3218491 w 3218491"/>
+              <a:gd name="connsiteY8" fmla="*/ 346597 h 946487"/>
+              <a:gd name="connsiteX9" fmla="*/ 3218491 w 3218491"/>
+              <a:gd name="connsiteY9" fmla="*/ 346597 h 946487"/>
+              <a:gd name="connsiteX10" fmla="*/ 3218491 w 3218491"/>
+              <a:gd name="connsiteY10" fmla="*/ 526564 h 946487"/>
+              <a:gd name="connsiteX11" fmla="*/ 3218491 w 3218491"/>
+              <a:gd name="connsiteY11" fmla="*/ 946487 h 946487"/>
+              <a:gd name="connsiteX12" fmla="*/ 1341038 w 3218491"/>
+              <a:gd name="connsiteY12" fmla="*/ 946487 h 946487"/>
+              <a:gd name="connsiteX13" fmla="*/ 536415 w 3218491"/>
+              <a:gd name="connsiteY13" fmla="*/ 946487 h 946487"/>
+              <a:gd name="connsiteX14" fmla="*/ 536415 w 3218491"/>
+              <a:gd name="connsiteY14" fmla="*/ 946487 h 946487"/>
+              <a:gd name="connsiteX15" fmla="*/ 0 w 3218491"/>
+              <a:gd name="connsiteY15" fmla="*/ 946487 h 946487"/>
+              <a:gd name="connsiteX16" fmla="*/ 0 w 3218491"/>
+              <a:gd name="connsiteY16" fmla="*/ 526564 h 946487"/>
+              <a:gd name="connsiteX17" fmla="*/ 0 w 3218491"/>
+              <a:gd name="connsiteY17" fmla="*/ 346597 h 946487"/>
+              <a:gd name="connsiteX18" fmla="*/ 0 w 3218491"/>
+              <a:gd name="connsiteY18" fmla="*/ 346597 h 946487"/>
+              <a:gd name="connsiteX19" fmla="*/ 0 w 3218491"/>
+              <a:gd name="connsiteY19" fmla="*/ 226619 h 946487"/>
+              <a:gd name="connsiteX0" fmla="*/ 0 w 3218491"/>
+              <a:gd name="connsiteY0" fmla="*/ 226619 h 946487"/>
+              <a:gd name="connsiteX1" fmla="*/ 869790 w 3218491"/>
+              <a:gd name="connsiteY1" fmla="*/ 236144 h 946487"/>
+              <a:gd name="connsiteX2" fmla="*/ 589599 w 3218491"/>
+              <a:gd name="connsiteY2" fmla="*/ 48380 h 946487"/>
+              <a:gd name="connsiteX3" fmla="*/ 1121963 w 3218491"/>
+              <a:gd name="connsiteY3" fmla="*/ 226619 h 946487"/>
+              <a:gd name="connsiteX4" fmla="*/ 2753970 w 3218491"/>
+              <a:gd name="connsiteY4" fmla="*/ 219075 h 946487"/>
+              <a:gd name="connsiteX5" fmla="*/ 3004417 w 3218491"/>
+              <a:gd name="connsiteY5" fmla="*/ 0 h 946487"/>
+              <a:gd name="connsiteX6" fmla="*/ 3012496 w 3218491"/>
+              <a:gd name="connsiteY6" fmla="*/ 219075 h 946487"/>
+              <a:gd name="connsiteX7" fmla="*/ 3218491 w 3218491"/>
+              <a:gd name="connsiteY7" fmla="*/ 226619 h 946487"/>
+              <a:gd name="connsiteX8" fmla="*/ 3218491 w 3218491"/>
+              <a:gd name="connsiteY8" fmla="*/ 346597 h 946487"/>
+              <a:gd name="connsiteX9" fmla="*/ 3218491 w 3218491"/>
+              <a:gd name="connsiteY9" fmla="*/ 346597 h 946487"/>
+              <a:gd name="connsiteX10" fmla="*/ 3218491 w 3218491"/>
+              <a:gd name="connsiteY10" fmla="*/ 526564 h 946487"/>
+              <a:gd name="connsiteX11" fmla="*/ 3218491 w 3218491"/>
+              <a:gd name="connsiteY11" fmla="*/ 946487 h 946487"/>
+              <a:gd name="connsiteX12" fmla="*/ 1341038 w 3218491"/>
+              <a:gd name="connsiteY12" fmla="*/ 946487 h 946487"/>
+              <a:gd name="connsiteX13" fmla="*/ 536415 w 3218491"/>
+              <a:gd name="connsiteY13" fmla="*/ 946487 h 946487"/>
+              <a:gd name="connsiteX14" fmla="*/ 536415 w 3218491"/>
+              <a:gd name="connsiteY14" fmla="*/ 946487 h 946487"/>
+              <a:gd name="connsiteX15" fmla="*/ 0 w 3218491"/>
+              <a:gd name="connsiteY15" fmla="*/ 946487 h 946487"/>
+              <a:gd name="connsiteX16" fmla="*/ 0 w 3218491"/>
+              <a:gd name="connsiteY16" fmla="*/ 526564 h 946487"/>
+              <a:gd name="connsiteX17" fmla="*/ 0 w 3218491"/>
+              <a:gd name="connsiteY17" fmla="*/ 346597 h 946487"/>
+              <a:gd name="connsiteX18" fmla="*/ 0 w 3218491"/>
+              <a:gd name="connsiteY18" fmla="*/ 346597 h 946487"/>
+              <a:gd name="connsiteX19" fmla="*/ 0 w 3218491"/>
+              <a:gd name="connsiteY19" fmla="*/ 226619 h 946487"/>
+              <a:gd name="connsiteX0" fmla="*/ 0 w 3218491"/>
+              <a:gd name="connsiteY0" fmla="*/ 226619 h 946487"/>
+              <a:gd name="connsiteX1" fmla="*/ 869790 w 3218491"/>
+              <a:gd name="connsiteY1" fmla="*/ 236144 h 946487"/>
+              <a:gd name="connsiteX2" fmla="*/ 589599 w 3218491"/>
+              <a:gd name="connsiteY2" fmla="*/ 48380 h 946487"/>
+              <a:gd name="connsiteX3" fmla="*/ 1121963 w 3218491"/>
+              <a:gd name="connsiteY3" fmla="*/ 226619 h 946487"/>
+              <a:gd name="connsiteX4" fmla="*/ 2753970 w 3218491"/>
+              <a:gd name="connsiteY4" fmla="*/ 219075 h 946487"/>
+              <a:gd name="connsiteX5" fmla="*/ 3004417 w 3218491"/>
+              <a:gd name="connsiteY5" fmla="*/ 0 h 946487"/>
+              <a:gd name="connsiteX6" fmla="*/ 3012496 w 3218491"/>
+              <a:gd name="connsiteY6" fmla="*/ 219075 h 946487"/>
+              <a:gd name="connsiteX7" fmla="*/ 3218491 w 3218491"/>
+              <a:gd name="connsiteY7" fmla="*/ 226619 h 946487"/>
+              <a:gd name="connsiteX8" fmla="*/ 3218491 w 3218491"/>
+              <a:gd name="connsiteY8" fmla="*/ 346597 h 946487"/>
+              <a:gd name="connsiteX9" fmla="*/ 3218491 w 3218491"/>
+              <a:gd name="connsiteY9" fmla="*/ 346597 h 946487"/>
+              <a:gd name="connsiteX10" fmla="*/ 3218491 w 3218491"/>
+              <a:gd name="connsiteY10" fmla="*/ 526564 h 946487"/>
+              <a:gd name="connsiteX11" fmla="*/ 3218491 w 3218491"/>
+              <a:gd name="connsiteY11" fmla="*/ 946487 h 946487"/>
+              <a:gd name="connsiteX12" fmla="*/ 1341038 w 3218491"/>
+              <a:gd name="connsiteY12" fmla="*/ 946487 h 946487"/>
+              <a:gd name="connsiteX13" fmla="*/ 536415 w 3218491"/>
+              <a:gd name="connsiteY13" fmla="*/ 946487 h 946487"/>
+              <a:gd name="connsiteX14" fmla="*/ 536415 w 3218491"/>
+              <a:gd name="connsiteY14" fmla="*/ 946487 h 946487"/>
+              <a:gd name="connsiteX15" fmla="*/ 0 w 3218491"/>
+              <a:gd name="connsiteY15" fmla="*/ 946487 h 946487"/>
+              <a:gd name="connsiteX16" fmla="*/ 0 w 3218491"/>
+              <a:gd name="connsiteY16" fmla="*/ 526564 h 946487"/>
+              <a:gd name="connsiteX17" fmla="*/ 0 w 3218491"/>
+              <a:gd name="connsiteY17" fmla="*/ 346597 h 946487"/>
+              <a:gd name="connsiteX18" fmla="*/ 0 w 3218491"/>
+              <a:gd name="connsiteY18" fmla="*/ 346597 h 946487"/>
+              <a:gd name="connsiteX19" fmla="*/ 0 w 3218491"/>
+              <a:gd name="connsiteY19" fmla="*/ 226619 h 946487"/>
             </a:gdLst>
             <a:ahLst/>
             <a:cxnLst>
@@ -19220,66 +19548,70 @@
             </a:cxnLst>
             <a:rect l="l" t="t" r="r" b="b"/>
             <a:pathLst>
-              <a:path w="3218491" h="951270">
+              <a:path w="3218491" h="946487">
                 <a:moveTo>
-                  <a:pt x="0" y="231402"/>
+                  <a:pt x="0" y="226619"/>
                 </a:moveTo>
                 <a:lnTo>
-                  <a:pt x="869790" y="240927"/>
+                  <a:pt x="869790" y="236144"/>
+                </a:lnTo>
+                <a:cubicBezTo>
+                  <a:pt x="776393" y="173556"/>
+                  <a:pt x="688349" y="119090"/>
+                  <a:pt x="589599" y="48380"/>
+                </a:cubicBezTo>
+                <a:cubicBezTo>
+                  <a:pt x="821123" y="120197"/>
+                  <a:pt x="944508" y="167206"/>
+                  <a:pt x="1121963" y="226619"/>
+                </a:cubicBezTo>
+                <a:lnTo>
+                  <a:pt x="2753970" y="219075"/>
                 </a:lnTo>
                 <a:lnTo>
-                  <a:pt x="911541" y="0"/>
+                  <a:pt x="3004417" y="0"/>
                 </a:lnTo>
                 <a:lnTo>
-                  <a:pt x="1121963" y="231402"/>
+                  <a:pt x="3012496" y="219075"/>
                 </a:lnTo>
                 <a:lnTo>
-                  <a:pt x="2753970" y="223858"/>
+                  <a:pt x="3218491" y="226619"/>
                 </a:lnTo>
                 <a:lnTo>
-                  <a:pt x="3004417" y="4783"/>
+                  <a:pt x="3218491" y="346597"/>
                 </a:lnTo>
                 <a:lnTo>
-                  <a:pt x="3012496" y="223858"/>
+                  <a:pt x="3218491" y="346597"/>
                 </a:lnTo>
                 <a:lnTo>
-                  <a:pt x="3218491" y="231402"/>
+                  <a:pt x="3218491" y="526564"/>
                 </a:lnTo>
                 <a:lnTo>
-                  <a:pt x="3218491" y="351380"/>
+                  <a:pt x="3218491" y="946487"/>
                 </a:lnTo>
                 <a:lnTo>
-                  <a:pt x="3218491" y="351380"/>
+                  <a:pt x="1341038" y="946487"/>
                 </a:lnTo>
                 <a:lnTo>
-                  <a:pt x="3218491" y="531347"/>
+                  <a:pt x="536415" y="946487"/>
                 </a:lnTo>
                 <a:lnTo>
-                  <a:pt x="3218491" y="951270"/>
+                  <a:pt x="536415" y="946487"/>
                 </a:lnTo>
                 <a:lnTo>
-                  <a:pt x="1341038" y="951270"/>
+                  <a:pt x="0" y="946487"/>
                 </a:lnTo>
                 <a:lnTo>
-                  <a:pt x="536415" y="951270"/>
+                  <a:pt x="0" y="526564"/>
                 </a:lnTo>
                 <a:lnTo>
-                  <a:pt x="536415" y="951270"/>
+                  <a:pt x="0" y="346597"/>
                 </a:lnTo>
                 <a:lnTo>
-                  <a:pt x="0" y="951270"/>
+                  <a:pt x="0" y="346597"/>
                 </a:lnTo>
                 <a:lnTo>
-                  <a:pt x="0" y="531347"/>
-                </a:lnTo>
-                <a:lnTo>
-                  <a:pt x="0" y="351380"/>
-                </a:lnTo>
-                <a:lnTo>
-                  <a:pt x="0" y="351380"/>
-                </a:lnTo>
-                <a:lnTo>
-                  <a:pt x="0" y="231402"/>
+                  <a:pt x="0" y="226619"/>
                 </a:lnTo>
                 <a:close/>
               </a:path>
@@ -19802,6 +20134,828 @@
       </p:grpSpPr>
       <p:sp>
         <p:nvSpPr>
+          <p:cNvPr id="2" name="タイトル 1"/>
+          <p:cNvSpPr>
+            <a:spLocks noGrp="1"/>
+          </p:cNvSpPr>
+          <p:nvPr>
+            <p:ph type="title"/>
+          </p:nvPr>
+        </p:nvSpPr>
+        <p:spPr/>
+        <p:txBody>
+          <a:bodyPr/>
+          <a:lstStyle/>
+          <a:p>
+            <a:r>
+              <a:rPr lang="en-US" altLang="ja-JP" dirty="0"/>
+              <a:t>2.3</a:t>
+            </a:r>
+            <a:r>
+              <a:rPr lang="ja-JP" altLang="en-US" dirty="0"/>
+              <a:t>　</a:t>
+            </a:r>
+            <a:r>
+              <a:rPr lang="en-US" altLang="ja-JP" dirty="0"/>
+              <a:t>Conductor</a:t>
+            </a:r>
+            <a:r>
+              <a:rPr lang="ja-JP" altLang="en-US" dirty="0"/>
+              <a:t>メニューの機能説明　</a:t>
+            </a:r>
+            <a:r>
+              <a:rPr lang="ja-JP" altLang="en-US"/>
+              <a:t>（</a:t>
+            </a:r>
+            <a:r>
+              <a:rPr lang="en-US" altLang="ja-JP" smtClean="0"/>
+              <a:t>13/14</a:t>
+            </a:r>
+            <a:r>
+              <a:rPr lang="ja-JP" altLang="en-US" smtClean="0"/>
+              <a:t>）</a:t>
+            </a:r>
+            <a:endParaRPr kumimoji="1" lang="ja-JP" altLang="en-US" dirty="0"/>
+          </a:p>
+        </p:txBody>
+      </p:sp>
+      <p:sp>
+        <p:nvSpPr>
+          <p:cNvPr id="3" name="コンテンツ プレースホルダー 2"/>
+          <p:cNvSpPr>
+            <a:spLocks noGrp="1"/>
+          </p:cNvSpPr>
+          <p:nvPr>
+            <p:ph sz="quarter" idx="10"/>
+          </p:nvPr>
+        </p:nvSpPr>
+        <p:spPr/>
+        <p:txBody>
+          <a:bodyPr/>
+          <a:lstStyle/>
+          <a:p>
+            <a:pPr>
+              <a:buFont typeface="Wingdings" panose="05000000000000000000" pitchFamily="2" charset="2"/>
+              <a:buChar char="l"/>
+            </a:pPr>
+            <a:r>
+              <a:rPr lang="en-US" altLang="ja-JP" b="1" smtClean="0"/>
+              <a:t>Conductor</a:t>
+            </a:r>
+            <a:r>
+              <a:rPr lang="ja-JP" altLang="en-US" b="1"/>
+              <a:t>通知先</a:t>
+            </a:r>
+            <a:r>
+              <a:rPr lang="ja-JP" altLang="en-US" b="1" smtClean="0"/>
+              <a:t>定義（</a:t>
+            </a:r>
+            <a:r>
+              <a:rPr lang="en-US" altLang="ja-JP" b="1" smtClean="0"/>
+              <a:t>1/2</a:t>
+            </a:r>
+            <a:r>
+              <a:rPr lang="ja-JP" altLang="en-US" b="1" smtClean="0"/>
+              <a:t>）</a:t>
+            </a:r>
+            <a:endParaRPr lang="en-US" altLang="ja-JP" b="1" dirty="0" smtClean="0"/>
+          </a:p>
+          <a:p>
+            <a:pPr lvl="1"/>
+            <a:r>
+              <a:rPr lang="ja-JP" altLang="en-US" smtClean="0"/>
+              <a:t>指定のメッセージツール（</a:t>
+            </a:r>
+            <a:r>
+              <a:rPr lang="en-US" altLang="ja-JP" smtClean="0"/>
+              <a:t>Teams</a:t>
+            </a:r>
+            <a:r>
+              <a:rPr lang="ja-JP" altLang="en-US" smtClean="0"/>
+              <a:t>、</a:t>
+            </a:r>
+            <a:r>
+              <a:rPr lang="en-US" altLang="ja-JP" smtClean="0"/>
+              <a:t>Slack</a:t>
+            </a:r>
+            <a:r>
+              <a:rPr lang="ja-JP" altLang="en-US" smtClean="0"/>
+              <a:t>）に</a:t>
+            </a:r>
+            <a:r>
+              <a:rPr lang="en-US" altLang="ja-JP" smtClean="0"/>
+              <a:t>Conductor</a:t>
+            </a:r>
+            <a:r>
+              <a:rPr lang="ja-JP" altLang="en-US" smtClean="0"/>
+              <a:t>の実行結果を</a:t>
+            </a:r>
+            <a:r>
+              <a:rPr lang="en-US" altLang="ja-JP"/>
+              <a:t>http</a:t>
+            </a:r>
+            <a:r>
+              <a:rPr lang="ja-JP" altLang="en-US" smtClean="0"/>
+              <a:t>リクエストで送る</a:t>
+            </a:r>
+            <a:r>
+              <a:rPr lang="ja-JP" altLang="en-US"/>
+              <a:t>ことができます</a:t>
+            </a:r>
+            <a:r>
+              <a:rPr lang="ja-JP" altLang="en-US" smtClean="0"/>
+              <a:t>。</a:t>
+            </a:r>
+            <a:r>
+              <a:rPr lang="ja-JP" altLang="en-US"/>
+              <a:t> 「</a:t>
+            </a:r>
+            <a:r>
+              <a:rPr lang="en-US" altLang="ja-JP"/>
+              <a:t>Conductor</a:t>
+            </a:r>
+            <a:r>
+              <a:rPr lang="ja-JP" altLang="en-US"/>
+              <a:t>通知先定義」メニュー</a:t>
+            </a:r>
+            <a:r>
+              <a:rPr lang="ja-JP" altLang="en-US" smtClean="0"/>
+              <a:t>で通知先や通知</a:t>
+            </a:r>
+            <a:r>
+              <a:rPr lang="ja-JP" altLang="en-US"/>
+              <a:t>内容の定義を行います</a:t>
+            </a:r>
+            <a:r>
+              <a:rPr lang="ja-JP" altLang="en-US" smtClean="0"/>
+              <a:t>。</a:t>
+            </a:r>
+            <a:r>
+              <a:rPr lang="ja-JP" altLang="en-US"/>
+              <a:t>詳細は</a:t>
+            </a:r>
+            <a:r>
+              <a:rPr lang="ja-JP" altLang="en-US">
+                <a:hlinkClick r:id="rId2"/>
+              </a:rPr>
+              <a:t>マニュアル</a:t>
+            </a:r>
+            <a:r>
+              <a:rPr lang="ja-JP" altLang="en-US"/>
+              <a:t>をご覧ください</a:t>
+            </a:r>
+            <a:r>
+              <a:rPr lang="ja-JP" altLang="en-US" smtClean="0"/>
+              <a:t>。</a:t>
+            </a:r>
+            <a:endParaRPr lang="en-US" altLang="ja-JP" smtClean="0"/>
+          </a:p>
+          <a:p>
+            <a:pPr lvl="1"/>
+            <a:r>
+              <a:rPr lang="ja-JP" altLang="en-US" smtClean="0"/>
+              <a:t>実行</a:t>
+            </a:r>
+            <a:r>
+              <a:rPr lang="ja-JP" altLang="en-US"/>
+              <a:t>時間</a:t>
+            </a:r>
+            <a:r>
+              <a:rPr lang="ja-JP" altLang="en-US" smtClean="0"/>
+              <a:t>が長い処理や、予約実行の結果確認などでご活用いただけます。</a:t>
+            </a:r>
+            <a:endParaRPr lang="en-US" altLang="ja-JP" smtClean="0"/>
+          </a:p>
+          <a:p>
+            <a:pPr marL="180000" lvl="1" indent="0">
+              <a:buNone/>
+            </a:pPr>
+            <a:endParaRPr kumimoji="1" lang="ja-JP" altLang="en-US" dirty="0"/>
+          </a:p>
+        </p:txBody>
+      </p:sp>
+      <p:sp>
+        <p:nvSpPr>
+          <p:cNvPr id="13" name="正方形/長方形 12"/>
+          <p:cNvSpPr/>
+          <p:nvPr/>
+        </p:nvSpPr>
+        <p:spPr>
+          <a:xfrm>
+            <a:off x="2123660" y="4106388"/>
+            <a:ext cx="2579947" cy="369332"/>
+          </a:xfrm>
+          <a:prstGeom prst="rect">
+            <a:avLst/>
+          </a:prstGeom>
+        </p:spPr>
+        <p:txBody>
+          <a:bodyPr wrap="square">
+            <a:spAutoFit/>
+          </a:bodyPr>
+          <a:lstStyle/>
+          <a:p>
+            <a:r>
+              <a:rPr lang="ja-JP" altLang="en-US" dirty="0">
+                <a:solidFill>
+                  <a:srgbClr val="000000"/>
+                </a:solidFill>
+                <a:latin typeface="Meiryo" panose="020B0604030504040204" pitchFamily="50" charset="-128"/>
+                <a:ea typeface="Meiryo" panose="020B0604030504040204" pitchFamily="50" charset="-128"/>
+              </a:rPr>
+              <a:t> </a:t>
+            </a:r>
+            <a:endParaRPr lang="ja-JP" altLang="en-US" dirty="0"/>
+          </a:p>
+        </p:txBody>
+      </p:sp>
+      <p:pic>
+        <p:nvPicPr>
+          <p:cNvPr id="5" name="図 4"/>
+          <p:cNvPicPr>
+            <a:picLocks noChangeAspect="1"/>
+          </p:cNvPicPr>
+          <p:nvPr/>
+        </p:nvPicPr>
+        <p:blipFill>
+          <a:blip r:embed="rId3"/>
+          <a:stretch>
+            <a:fillRect/>
+          </a:stretch>
+        </p:blipFill>
+        <p:spPr>
+          <a:xfrm>
+            <a:off x="275134" y="2708900"/>
+            <a:ext cx="8592758" cy="3596208"/>
+          </a:xfrm>
+          <a:prstGeom prst="rect">
+            <a:avLst/>
+          </a:prstGeom>
+        </p:spPr>
+      </p:pic>
+      <p:sp>
+        <p:nvSpPr>
+          <p:cNvPr id="14" name="正方形/長方形 13"/>
+          <p:cNvSpPr/>
+          <p:nvPr/>
+        </p:nvSpPr>
+        <p:spPr bwMode="auto">
+          <a:xfrm>
+            <a:off x="1187530" y="5121706"/>
+            <a:ext cx="7561050" cy="751501"/>
+          </a:xfrm>
+          <a:prstGeom prst="rect">
+            <a:avLst/>
+          </a:prstGeom>
+          <a:noFill/>
+          <a:ln w="38100">
+            <a:solidFill>
+              <a:srgbClr val="FF0000"/>
+            </a:solidFill>
+          </a:ln>
+          <a:effectLst/>
+          <a:extLst/>
+        </p:spPr>
+        <p:txBody>
+          <a:bodyPr rot="0" spcFirstLastPara="0" vertOverflow="overflow" horzOverflow="overflow" vert="horz" wrap="none" lIns="72000" tIns="72000" rIns="72000" bIns="72000" numCol="1" spcCol="0" rtlCol="0" fromWordArt="0" anchor="ctr" anchorCtr="0" forceAA="0" compatLnSpc="1">
+            <a:prstTxWarp prst="textNoShape">
+              <a:avLst/>
+            </a:prstTxWarp>
+            <a:noAutofit/>
+          </a:bodyPr>
+          <a:lstStyle/>
+          <a:p>
+            <a:pPr algn="ctr"/>
+            <a:endParaRPr kumimoji="1" lang="ja-JP" altLang="en-US" b="1" dirty="0" smtClean="0">
+              <a:latin typeface="+mn-ea"/>
+            </a:endParaRPr>
+          </a:p>
+        </p:txBody>
+      </p:sp>
+      <p:sp>
+        <p:nvSpPr>
+          <p:cNvPr id="12" name="四角形吹き出し 11"/>
+          <p:cNvSpPr/>
+          <p:nvPr/>
+        </p:nvSpPr>
+        <p:spPr bwMode="auto">
+          <a:xfrm>
+            <a:off x="5580140" y="4005080"/>
+            <a:ext cx="2592360" cy="858827"/>
+          </a:xfrm>
+          <a:prstGeom prst="wedgeRectCallout">
+            <a:avLst>
+              <a:gd name="adj1" fmla="val -38346"/>
+              <a:gd name="adj2" fmla="val 79525"/>
+            </a:avLst>
+          </a:prstGeom>
+          <a:solidFill>
+            <a:schemeClr val="bg1"/>
+          </a:solidFill>
+          <a:ln w="38100">
+            <a:solidFill>
+              <a:schemeClr val="accent6">
+                <a:lumMod val="90000"/>
+                <a:lumOff val="10000"/>
+              </a:schemeClr>
+            </a:solidFill>
+          </a:ln>
+          <a:effectLst/>
+          <a:extLst/>
+        </p:spPr>
+        <p:txBody>
+          <a:bodyPr rot="0" spcFirstLastPara="0" vertOverflow="overflow" horzOverflow="overflow" vert="horz" wrap="none" lIns="72000" tIns="72000" rIns="72000" bIns="72000" numCol="1" spcCol="0" rtlCol="0" fromWordArt="0" anchor="ctr" anchorCtr="0" forceAA="0" compatLnSpc="1">
+            <a:prstTxWarp prst="textNoShape">
+              <a:avLst/>
+            </a:prstTxWarp>
+            <a:noAutofit/>
+          </a:bodyPr>
+          <a:lstStyle/>
+          <a:p>
+            <a:pPr algn="ctr"/>
+            <a:r>
+              <a:rPr lang="ja-JP" altLang="en-US" sz="1600" b="1" smtClean="0">
+                <a:latin typeface="+mn-ea"/>
+              </a:rPr>
+              <a:t>通知先・通知内容の</a:t>
+            </a:r>
+            <a:endParaRPr lang="en-US" altLang="ja-JP" sz="1600" b="1" smtClean="0">
+              <a:latin typeface="+mn-ea"/>
+            </a:endParaRPr>
+          </a:p>
+          <a:p>
+            <a:pPr algn="ctr"/>
+            <a:r>
+              <a:rPr lang="ja-JP" altLang="en-US" sz="1600" b="1" smtClean="0">
+                <a:latin typeface="+mn-ea"/>
+              </a:rPr>
+              <a:t>定義をします。</a:t>
+            </a:r>
+            <a:endParaRPr kumimoji="1" lang="ja-JP" altLang="en-US" sz="1600" b="1" dirty="0" smtClean="0">
+              <a:latin typeface="+mn-ea"/>
+            </a:endParaRPr>
+          </a:p>
+        </p:txBody>
+      </p:sp>
+    </p:spTree>
+    <p:extLst>
+      <p:ext uri="{BB962C8B-B14F-4D97-AF65-F5344CB8AC3E}">
+        <p14:creationId xmlns:p14="http://schemas.microsoft.com/office/powerpoint/2010/main" val="2501024273"/>
+      </p:ext>
+    </p:extLst>
+  </p:cSld>
+  <p:clrMapOvr>
+    <a:masterClrMapping/>
+  </p:clrMapOvr>
+</p:sld>
+</file>
+
+<file path=ppt/slides/slide21.xml><?xml version="1.0" encoding="utf-8"?>
+<p:sld xmlns:a="http://schemas.openxmlformats.org/drawingml/2006/main" xmlns:r="http://schemas.openxmlformats.org/officeDocument/2006/relationships" xmlns:p="http://schemas.openxmlformats.org/presentationml/2006/main">
+  <p:cSld>
+    <p:spTree>
+      <p:nvGrpSpPr>
+        <p:cNvPr id="1" name=""/>
+        <p:cNvGrpSpPr/>
+        <p:nvPr/>
+      </p:nvGrpSpPr>
+      <p:grpSpPr>
+        <a:xfrm>
+          <a:off x="0" y="0"/>
+          <a:ext cx="0" cy="0"/>
+          <a:chOff x="0" y="0"/>
+          <a:chExt cx="0" cy="0"/>
+        </a:xfrm>
+      </p:grpSpPr>
+      <p:sp>
+        <p:nvSpPr>
+          <p:cNvPr id="2" name="タイトル 1"/>
+          <p:cNvSpPr>
+            <a:spLocks noGrp="1"/>
+          </p:cNvSpPr>
+          <p:nvPr>
+            <p:ph type="title"/>
+          </p:nvPr>
+        </p:nvSpPr>
+        <p:spPr/>
+        <p:txBody>
+          <a:bodyPr/>
+          <a:lstStyle/>
+          <a:p>
+            <a:r>
+              <a:rPr lang="en-US" altLang="ja-JP" dirty="0"/>
+              <a:t>2.3</a:t>
+            </a:r>
+            <a:r>
+              <a:rPr lang="ja-JP" altLang="en-US" dirty="0"/>
+              <a:t>　</a:t>
+            </a:r>
+            <a:r>
+              <a:rPr lang="en-US" altLang="ja-JP" dirty="0"/>
+              <a:t>Conductor</a:t>
+            </a:r>
+            <a:r>
+              <a:rPr lang="ja-JP" altLang="en-US" dirty="0"/>
+              <a:t>メニューの機能説明　</a:t>
+            </a:r>
+            <a:r>
+              <a:rPr lang="ja-JP" altLang="en-US"/>
+              <a:t>（</a:t>
+            </a:r>
+            <a:r>
+              <a:rPr lang="en-US" altLang="ja-JP" smtClean="0"/>
+              <a:t>14/14</a:t>
+            </a:r>
+            <a:r>
+              <a:rPr lang="ja-JP" altLang="en-US" smtClean="0"/>
+              <a:t>）</a:t>
+            </a:r>
+            <a:endParaRPr kumimoji="1" lang="ja-JP" altLang="en-US" dirty="0"/>
+          </a:p>
+        </p:txBody>
+      </p:sp>
+      <p:sp>
+        <p:nvSpPr>
+          <p:cNvPr id="3" name="コンテンツ プレースホルダー 2"/>
+          <p:cNvSpPr>
+            <a:spLocks noGrp="1"/>
+          </p:cNvSpPr>
+          <p:nvPr>
+            <p:ph sz="quarter" idx="10"/>
+          </p:nvPr>
+        </p:nvSpPr>
+        <p:spPr/>
+        <p:txBody>
+          <a:bodyPr/>
+          <a:lstStyle/>
+          <a:p>
+            <a:pPr>
+              <a:buFont typeface="Wingdings" panose="05000000000000000000" pitchFamily="2" charset="2"/>
+              <a:buChar char="l"/>
+            </a:pPr>
+            <a:r>
+              <a:rPr lang="en-US" altLang="ja-JP" b="1" smtClean="0"/>
+              <a:t>Conductor</a:t>
+            </a:r>
+            <a:r>
+              <a:rPr lang="ja-JP" altLang="en-US" b="1"/>
+              <a:t>通知先</a:t>
+            </a:r>
+            <a:r>
+              <a:rPr lang="ja-JP" altLang="en-US" b="1" smtClean="0"/>
+              <a:t>定義（</a:t>
+            </a:r>
+            <a:r>
+              <a:rPr lang="en-US" altLang="ja-JP" b="1" smtClean="0"/>
+              <a:t>2/2</a:t>
+            </a:r>
+            <a:r>
+              <a:rPr lang="ja-JP" altLang="en-US" b="1" smtClean="0"/>
+              <a:t>）</a:t>
+            </a:r>
+            <a:endParaRPr lang="en-US" altLang="ja-JP" b="1" dirty="0" smtClean="0"/>
+          </a:p>
+          <a:p>
+            <a:pPr lvl="1"/>
+            <a:r>
+              <a:rPr lang="ja-JP" altLang="en-US" smtClean="0"/>
+              <a:t>「</a:t>
+            </a:r>
+            <a:r>
+              <a:rPr lang="en-US" altLang="ja-JP"/>
+              <a:t>Conductor </a:t>
+            </a:r>
+            <a:r>
+              <a:rPr lang="ja-JP" altLang="en-US"/>
+              <a:t>クラス編集」の「</a:t>
+            </a:r>
+            <a:r>
+              <a:rPr lang="en-US" altLang="ja-JP"/>
+              <a:t>Notice</a:t>
+            </a:r>
+            <a:r>
+              <a:rPr lang="ja-JP" altLang="en-US" smtClean="0"/>
+              <a:t>」から登録</a:t>
+            </a:r>
+            <a:r>
+              <a:rPr lang="ja-JP" altLang="en-US"/>
+              <a:t>した</a:t>
+            </a:r>
+            <a:r>
+              <a:rPr lang="en-US" altLang="ja-JP"/>
+              <a:t>Conductor</a:t>
+            </a:r>
+            <a:r>
+              <a:rPr lang="ja-JP" altLang="en-US"/>
+              <a:t>通知先</a:t>
+            </a:r>
+            <a:r>
+              <a:rPr lang="ja-JP" altLang="en-US" smtClean="0"/>
+              <a:t>定義を指定して、通知を発出する</a:t>
+            </a:r>
+            <a:r>
+              <a:rPr lang="en-US" altLang="ja-JP" smtClean="0"/>
+              <a:t>Conductor</a:t>
+            </a:r>
+            <a:r>
+              <a:rPr lang="ja-JP" altLang="en-US" smtClean="0"/>
+              <a:t>作業ステータスを設定します。</a:t>
+            </a:r>
+            <a:endParaRPr lang="ja-JP" altLang="en-US"/>
+          </a:p>
+        </p:txBody>
+      </p:sp>
+      <p:sp>
+        <p:nvSpPr>
+          <p:cNvPr id="13" name="正方形/長方形 12"/>
+          <p:cNvSpPr/>
+          <p:nvPr/>
+        </p:nvSpPr>
+        <p:spPr>
+          <a:xfrm>
+            <a:off x="2123660" y="3244334"/>
+            <a:ext cx="2579947" cy="369332"/>
+          </a:xfrm>
+          <a:prstGeom prst="rect">
+            <a:avLst/>
+          </a:prstGeom>
+        </p:spPr>
+        <p:txBody>
+          <a:bodyPr wrap="square">
+            <a:spAutoFit/>
+          </a:bodyPr>
+          <a:lstStyle/>
+          <a:p>
+            <a:r>
+              <a:rPr lang="ja-JP" altLang="en-US" dirty="0">
+                <a:solidFill>
+                  <a:srgbClr val="000000"/>
+                </a:solidFill>
+                <a:latin typeface="Meiryo" panose="020B0604030504040204" pitchFamily="50" charset="-128"/>
+                <a:ea typeface="Meiryo" panose="020B0604030504040204" pitchFamily="50" charset="-128"/>
+              </a:rPr>
+              <a:t> </a:t>
+            </a:r>
+            <a:endParaRPr lang="ja-JP" altLang="en-US" dirty="0"/>
+          </a:p>
+        </p:txBody>
+      </p:sp>
+      <p:pic>
+        <p:nvPicPr>
+          <p:cNvPr id="4" name="図 3"/>
+          <p:cNvPicPr>
+            <a:picLocks noChangeAspect="1"/>
+          </p:cNvPicPr>
+          <p:nvPr/>
+        </p:nvPicPr>
+        <p:blipFill>
+          <a:blip r:embed="rId2"/>
+          <a:stretch>
+            <a:fillRect/>
+          </a:stretch>
+        </p:blipFill>
+        <p:spPr>
+          <a:xfrm>
+            <a:off x="1794982" y="5049363"/>
+            <a:ext cx="5553062" cy="1403825"/>
+          </a:xfrm>
+          <a:prstGeom prst="rect">
+            <a:avLst/>
+          </a:prstGeom>
+        </p:spPr>
+      </p:pic>
+      <p:pic>
+        <p:nvPicPr>
+          <p:cNvPr id="6" name="図 5"/>
+          <p:cNvPicPr>
+            <a:picLocks noChangeAspect="1"/>
+          </p:cNvPicPr>
+          <p:nvPr/>
+        </p:nvPicPr>
+        <p:blipFill>
+          <a:blip r:embed="rId3"/>
+          <a:stretch>
+            <a:fillRect/>
+          </a:stretch>
+        </p:blipFill>
+        <p:spPr>
+          <a:xfrm>
+            <a:off x="283210" y="1918715"/>
+            <a:ext cx="8576606" cy="3020570"/>
+          </a:xfrm>
+          <a:prstGeom prst="rect">
+            <a:avLst/>
+          </a:prstGeom>
+        </p:spPr>
+      </p:pic>
+      <p:sp>
+        <p:nvSpPr>
+          <p:cNvPr id="10" name="四角形吹き出し 9"/>
+          <p:cNvSpPr/>
+          <p:nvPr/>
+        </p:nvSpPr>
+        <p:spPr bwMode="auto">
+          <a:xfrm>
+            <a:off x="4729187" y="2059166"/>
+            <a:ext cx="3218491" cy="863888"/>
+          </a:xfrm>
+          <a:prstGeom prst="wedgeRectCallout">
+            <a:avLst>
+              <a:gd name="adj1" fmla="val 62826"/>
+              <a:gd name="adj2" fmla="val 32789"/>
+            </a:avLst>
+          </a:prstGeom>
+          <a:solidFill>
+            <a:schemeClr val="bg1"/>
+          </a:solidFill>
+          <a:ln w="38100">
+            <a:solidFill>
+              <a:schemeClr val="accent6">
+                <a:lumMod val="90000"/>
+                <a:lumOff val="10000"/>
+              </a:schemeClr>
+            </a:solidFill>
+          </a:ln>
+          <a:effectLst/>
+          <a:extLst/>
+        </p:spPr>
+        <p:txBody>
+          <a:bodyPr rot="0" spcFirstLastPara="0" vertOverflow="overflow" horzOverflow="overflow" vert="horz" wrap="none" lIns="72000" tIns="72000" rIns="72000" bIns="72000" numCol="1" spcCol="0" rtlCol="0" fromWordArt="0" anchor="ctr" anchorCtr="0" forceAA="0" compatLnSpc="1">
+            <a:prstTxWarp prst="textNoShape">
+              <a:avLst/>
+            </a:prstTxWarp>
+            <a:noAutofit/>
+          </a:bodyPr>
+          <a:lstStyle/>
+          <a:p>
+            <a:pPr algn="ctr"/>
+            <a:r>
+              <a:rPr kumimoji="1" lang="ja-JP" altLang="en-US" sz="1600" b="1" dirty="0" smtClean="0">
+                <a:latin typeface="+mn-ea"/>
+              </a:rPr>
+              <a:t>クリック</a:t>
+            </a:r>
+            <a:r>
+              <a:rPr kumimoji="1" lang="ja-JP" altLang="en-US" sz="1600" b="1" smtClean="0">
+                <a:latin typeface="+mn-ea"/>
+              </a:rPr>
+              <a:t>すると</a:t>
+            </a:r>
+            <a:endParaRPr kumimoji="1" lang="en-US" altLang="ja-JP" sz="1600" b="1" smtClean="0">
+              <a:latin typeface="+mn-ea"/>
+            </a:endParaRPr>
+          </a:p>
+          <a:p>
+            <a:pPr algn="ctr"/>
+            <a:r>
+              <a:rPr kumimoji="1" lang="ja-JP" altLang="en-US" sz="1600" b="1" smtClean="0">
+                <a:latin typeface="+mn-ea"/>
+              </a:rPr>
+              <a:t>「</a:t>
+            </a:r>
+            <a:r>
+              <a:rPr kumimoji="1" lang="en-US" altLang="ja-JP" sz="1600" b="1" smtClean="0">
+                <a:latin typeface="+mn-ea"/>
+              </a:rPr>
+              <a:t>Notice</a:t>
+            </a:r>
+            <a:r>
+              <a:rPr kumimoji="1" lang="ja-JP" altLang="en-US" sz="1600" b="1" smtClean="0">
+                <a:latin typeface="+mn-ea"/>
+              </a:rPr>
+              <a:t> </a:t>
+            </a:r>
+            <a:r>
+              <a:rPr kumimoji="1" lang="en-US" altLang="ja-JP" sz="1600" b="1" smtClean="0">
+                <a:latin typeface="+mn-ea"/>
+              </a:rPr>
+              <a:t>list</a:t>
+            </a:r>
+            <a:r>
+              <a:rPr kumimoji="1" lang="ja-JP" altLang="en-US" sz="1600" b="1" smtClean="0">
+                <a:latin typeface="+mn-ea"/>
+              </a:rPr>
+              <a:t>」が表示されます。</a:t>
+            </a:r>
+            <a:endParaRPr kumimoji="1" lang="ja-JP" altLang="en-US" sz="1600" b="1" dirty="0" smtClean="0">
+              <a:latin typeface="+mn-ea"/>
+            </a:endParaRPr>
+          </a:p>
+        </p:txBody>
+      </p:sp>
+      <p:sp>
+        <p:nvSpPr>
+          <p:cNvPr id="11" name="正方形/長方形 10"/>
+          <p:cNvSpPr/>
+          <p:nvPr/>
+        </p:nvSpPr>
+        <p:spPr bwMode="auto">
+          <a:xfrm>
+            <a:off x="8388530" y="2690181"/>
+            <a:ext cx="360050" cy="249649"/>
+          </a:xfrm>
+          <a:prstGeom prst="rect">
+            <a:avLst/>
+          </a:prstGeom>
+          <a:noFill/>
+          <a:ln w="38100">
+            <a:solidFill>
+              <a:srgbClr val="FF0000"/>
+            </a:solidFill>
+          </a:ln>
+          <a:effectLst/>
+          <a:extLst/>
+        </p:spPr>
+        <p:txBody>
+          <a:bodyPr rot="0" spcFirstLastPara="0" vertOverflow="overflow" horzOverflow="overflow" vert="horz" wrap="none" lIns="72000" tIns="72000" rIns="72000" bIns="72000" numCol="1" spcCol="0" rtlCol="0" fromWordArt="0" anchor="ctr" anchorCtr="0" forceAA="0" compatLnSpc="1">
+            <a:prstTxWarp prst="textNoShape">
+              <a:avLst/>
+            </a:prstTxWarp>
+            <a:noAutofit/>
+          </a:bodyPr>
+          <a:lstStyle/>
+          <a:p>
+            <a:pPr algn="ctr"/>
+            <a:endParaRPr kumimoji="1" lang="ja-JP" altLang="en-US" b="1" dirty="0" smtClean="0">
+              <a:latin typeface="+mn-ea"/>
+            </a:endParaRPr>
+          </a:p>
+        </p:txBody>
+      </p:sp>
+      <p:cxnSp>
+        <p:nvCxnSpPr>
+          <p:cNvPr id="16" name="直線矢印コネクタ 15"/>
+          <p:cNvCxnSpPr/>
+          <p:nvPr/>
+        </p:nvCxnSpPr>
+        <p:spPr bwMode="auto">
+          <a:xfrm flipH="1">
+            <a:off x="7348044" y="3068950"/>
+            <a:ext cx="1040486" cy="1980413"/>
+          </a:xfrm>
+          <a:prstGeom prst="straightConnector1">
+            <a:avLst/>
+          </a:prstGeom>
+          <a:solidFill>
+            <a:schemeClr val="bg1"/>
+          </a:solidFill>
+          <a:ln w="76200" cap="flat" cmpd="sng" algn="ctr">
+            <a:solidFill>
+              <a:srgbClr val="FF0000"/>
+            </a:solidFill>
+            <a:prstDash val="solid"/>
+            <a:round/>
+            <a:headEnd type="none" w="med" len="med"/>
+            <a:tailEnd type="triangle"/>
+          </a:ln>
+          <a:effectLst/>
+          <a:extLst>
+            <a:ext uri="{AF507438-7753-43E0-B8FC-AC1667EBCBE1}">
+              <a14:hiddenEffects xmlns:a14="http://schemas.microsoft.com/office/drawing/2010/main">
+                <a:effectLst>
+                  <a:outerShdw dist="35921" dir="2700000" algn="ctr" rotWithShape="0">
+                    <a:schemeClr val="tx1">
+                      <a:alpha val="50000"/>
+                    </a:schemeClr>
+                  </a:outerShdw>
+                </a:effectLst>
+              </a14:hiddenEffects>
+            </a:ext>
+          </a:extLst>
+        </p:spPr>
+      </p:cxnSp>
+    </p:spTree>
+    <p:extLst>
+      <p:ext uri="{BB962C8B-B14F-4D97-AF65-F5344CB8AC3E}">
+        <p14:creationId xmlns:p14="http://schemas.microsoft.com/office/powerpoint/2010/main" val="2461136347"/>
+      </p:ext>
+    </p:extLst>
+  </p:cSld>
+  <p:clrMapOvr>
+    <a:masterClrMapping/>
+  </p:clrMapOvr>
+</p:sld>
+</file>
+
+<file path=ppt/slides/slide22.xml><?xml version="1.0" encoding="utf-8"?>
+<p:sld xmlns:a="http://schemas.openxmlformats.org/drawingml/2006/main" xmlns:r="http://schemas.openxmlformats.org/officeDocument/2006/relationships" xmlns:p="http://schemas.openxmlformats.org/presentationml/2006/main">
+  <p:cSld>
+    <p:spTree>
+      <p:nvGrpSpPr>
+        <p:cNvPr id="1" name=""/>
+        <p:cNvGrpSpPr/>
+        <p:nvPr/>
+      </p:nvGrpSpPr>
+      <p:grpSpPr>
+        <a:xfrm>
+          <a:off x="0" y="0"/>
+          <a:ext cx="0" cy="0"/>
+          <a:chOff x="0" y="0"/>
+          <a:chExt cx="0" cy="0"/>
+        </a:xfrm>
+      </p:grpSpPr>
+      <p:sp>
+        <p:nvSpPr>
           <p:cNvPr id="16" name="正方形/長方形 15"/>
           <p:cNvSpPr/>
           <p:nvPr/>
@@ -20779,7 +21933,7 @@
 </p:sld>
 </file>
 
-<file path=ppt/slides/slide21.xml><?xml version="1.0" encoding="utf-8"?>
+<file path=ppt/slides/slide23.xml><?xml version="1.0" encoding="utf-8"?>
 <p:sld xmlns:a="http://schemas.openxmlformats.org/drawingml/2006/main" xmlns:r="http://schemas.openxmlformats.org/officeDocument/2006/relationships" xmlns:p="http://schemas.openxmlformats.org/presentationml/2006/main">
   <p:cSld>
     <p:spTree>
@@ -20906,6 +22060,29 @@
           <a:chExt cx="0" cy="0"/>
         </a:xfrm>
       </p:grpSpPr>
+      <p:pic>
+        <p:nvPicPr>
+          <p:cNvPr id="5" name="図 4"/>
+          <p:cNvPicPr>
+            <a:picLocks noChangeAspect="1"/>
+          </p:cNvPicPr>
+          <p:nvPr/>
+        </p:nvPicPr>
+        <p:blipFill rotWithShape="1">
+          <a:blip r:embed="rId2"/>
+          <a:srcRect b="4149"/>
+          <a:stretch/>
+        </p:blipFill>
+        <p:spPr>
+          <a:xfrm>
+            <a:off x="314451" y="2060810"/>
+            <a:ext cx="8513632" cy="3816530"/>
+          </a:xfrm>
+          <a:prstGeom prst="rect">
+            <a:avLst/>
+          </a:prstGeom>
+        </p:spPr>
+      </p:pic>
       <p:sp>
         <p:nvSpPr>
           <p:cNvPr id="2" name="タイトル 1"/>
@@ -20988,22 +22165,15 @@
             </a:r>
             <a:r>
               <a:rPr lang="ja-JP" altLang="en-US" sz="1800" dirty="0"/>
-              <a:t>、メニューグループ</a:t>
-            </a:r>
-            <a:r>
-              <a:rPr lang="ja-JP" altLang="en-US" sz="1800" dirty="0" smtClean="0"/>
-              <a:t>の</a:t>
-            </a:r>
-            <a:r>
-              <a:rPr lang="en-US" altLang="ja-JP" sz="1800" dirty="0" smtClean="0"/>
-              <a:t/>
-            </a:r>
-            <a:br>
-              <a:rPr lang="en-US" altLang="ja-JP" sz="1800" dirty="0" smtClean="0"/>
-            </a:br>
-            <a:r>
-              <a:rPr lang="ja-JP" altLang="en-US" sz="1800" dirty="0" smtClean="0"/>
-              <a:t>「</a:t>
+              <a:t>、</a:t>
+            </a:r>
+            <a:r>
+              <a:rPr lang="ja-JP" altLang="en-US" sz="1800"/>
+              <a:t>メニューグループ</a:t>
+            </a:r>
+            <a:r>
+              <a:rPr lang="ja-JP" altLang="en-US" sz="1800" smtClean="0"/>
+              <a:t>の「</a:t>
             </a:r>
             <a:r>
               <a:rPr lang="en-US" altLang="ja-JP" sz="1800" b="1" dirty="0" smtClean="0"/>
@@ -21011,11 +22181,11 @@
             </a:r>
             <a:r>
               <a:rPr lang="ja-JP" altLang="en-US" sz="1800" dirty="0" smtClean="0"/>
-              <a:t>」について</a:t>
-            </a:r>
-            <a:r>
-              <a:rPr lang="ja-JP" altLang="en-US" sz="1800" dirty="0"/>
-              <a:t>、ご説明をしております</a:t>
+              <a:t>」</a:t>
+            </a:r>
+            <a:r>
+              <a:rPr lang="ja-JP" altLang="en-US" sz="1800" smtClean="0"/>
+              <a:t>について解説しています</a:t>
             </a:r>
             <a:r>
               <a:rPr lang="ja-JP" altLang="en-US" sz="1800" dirty="0" smtClean="0"/>
@@ -21217,77 +22387,14 @@
       </p:sp>
       <p:sp>
         <p:nvSpPr>
-          <p:cNvPr id="102" name="正方形/長方形 101"/>
-          <p:cNvSpPr/>
-          <p:nvPr/>
-        </p:nvSpPr>
-        <p:spPr bwMode="auto">
-          <a:xfrm>
-            <a:off x="3675600" y="2916000"/>
-            <a:ext cx="576000" cy="684000"/>
-          </a:xfrm>
-          <a:prstGeom prst="rect">
-            <a:avLst/>
-          </a:prstGeom>
-          <a:noFill/>
-          <a:ln w="28575">
-            <a:solidFill>
-              <a:srgbClr val="FF0000"/>
-            </a:solidFill>
-          </a:ln>
-          <a:effectLst/>
-          <a:extLst/>
-        </p:spPr>
-        <p:txBody>
-          <a:bodyPr rot="0" spcFirstLastPara="0" vertOverflow="overflow" horzOverflow="overflow" vert="horz" wrap="none" lIns="72000" tIns="72000" rIns="72000" bIns="72000" numCol="1" spcCol="0" rtlCol="0" fromWordArt="0" anchor="ctr" anchorCtr="0" forceAA="0" compatLnSpc="1">
-            <a:prstTxWarp prst="textNoShape">
-              <a:avLst/>
-            </a:prstTxWarp>
-            <a:noAutofit/>
-          </a:bodyPr>
-          <a:lstStyle/>
-          <a:p>
-            <a:pPr algn="ctr"/>
-            <a:endParaRPr kumimoji="1" lang="ja-JP" altLang="en-US" b="1" dirty="0" smtClean="0">
-              <a:latin typeface="+mn-ea"/>
-            </a:endParaRPr>
-          </a:p>
-        </p:txBody>
-      </p:sp>
-      <p:pic>
-        <p:nvPicPr>
-          <p:cNvPr id="4" name="図 3"/>
-          <p:cNvPicPr>
-            <a:picLocks noChangeAspect="1"/>
-          </p:cNvPicPr>
-          <p:nvPr/>
-        </p:nvPicPr>
-        <p:blipFill>
-          <a:blip r:embed="rId2"/>
-          <a:stretch>
-            <a:fillRect/>
-          </a:stretch>
-        </p:blipFill>
-        <p:spPr>
-          <a:xfrm>
-            <a:off x="314451" y="2060810"/>
-            <a:ext cx="8513632" cy="4033333"/>
-          </a:xfrm>
-          <a:prstGeom prst="rect">
-            <a:avLst/>
-          </a:prstGeom>
-        </p:spPr>
-      </p:pic>
-      <p:sp>
-        <p:nvSpPr>
           <p:cNvPr id="8" name="正方形/長方形 7"/>
           <p:cNvSpPr/>
           <p:nvPr/>
         </p:nvSpPr>
         <p:spPr bwMode="auto">
           <a:xfrm>
-            <a:off x="3659050" y="2825940"/>
-            <a:ext cx="576000" cy="864120"/>
+            <a:off x="3851900" y="3212970"/>
+            <a:ext cx="504070" cy="720100"/>
           </a:xfrm>
           <a:prstGeom prst="rect">
             <a:avLst/>
@@ -23388,7 +24495,7 @@
           <a:p>
             <a:pPr lvl="1"/>
             <a:r>
-              <a:rPr lang="en-US" altLang="ja-JP" sz="2000" b="1" dirty="0" smtClean="0">
+              <a:rPr lang="en-US" altLang="ja-JP" sz="2000" b="1">
                 <a:solidFill>
                   <a:schemeClr val="accent6">
                     <a:lumMod val="90000"/>
@@ -23399,7 +24506,7 @@
               <a:t>Movement </a:t>
             </a:r>
             <a:r>
-              <a:rPr lang="ja-JP" altLang="en-US" sz="2000" b="1" dirty="0" smtClean="0">
+              <a:rPr lang="ja-JP" altLang="en-US" sz="2000" b="1">
                 <a:solidFill>
                   <a:schemeClr val="accent6">
                     <a:lumMod val="90000"/>
@@ -23407,7 +24514,7 @@
                   </a:schemeClr>
                 </a:solidFill>
               </a:rPr>
-              <a:t>の実行結果による条件分岐</a:t>
+              <a:t>の実行結果、または返り値による条件分岐</a:t>
             </a:r>
             <a:endParaRPr lang="en-US" altLang="ja-JP" sz="2000" b="1" dirty="0" smtClean="0">
               <a:solidFill>
@@ -24871,6 +25978,30 @@
           <a:chExt cx="0" cy="0"/>
         </a:xfrm>
       </p:grpSpPr>
+      <p:pic>
+        <p:nvPicPr>
+          <p:cNvPr id="3" name="図 2"/>
+          <p:cNvPicPr>
+            <a:picLocks noChangeAspect="1"/>
+          </p:cNvPicPr>
+          <p:nvPr/>
+        </p:nvPicPr>
+        <p:blipFill>
+          <a:blip r:embed="rId2"/>
+          <a:stretch>
+            <a:fillRect/>
+          </a:stretch>
+        </p:blipFill>
+        <p:spPr>
+          <a:xfrm>
+            <a:off x="179511" y="1478032"/>
+            <a:ext cx="1892595" cy="4572000"/>
+          </a:xfrm>
+          <a:prstGeom prst="rect">
+            <a:avLst/>
+          </a:prstGeom>
+        </p:spPr>
+      </p:pic>
       <p:sp>
         <p:nvSpPr>
           <p:cNvPr id="2" name="タイトル 1"/>
@@ -24914,46 +26045,24 @@
             </a:r>
             <a:r>
               <a:rPr lang="ja-JP" altLang="en-US" dirty="0"/>
-              <a:t>　（</a:t>
-            </a:r>
-            <a:r>
-              <a:rPr lang="en-US" altLang="ja-JP" dirty="0" smtClean="0"/>
-              <a:t>1/12</a:t>
-            </a:r>
-            <a:r>
-              <a:rPr lang="ja-JP" altLang="en-US" dirty="0" smtClean="0"/>
+              <a:t>　</a:t>
+            </a:r>
+            <a:r>
+              <a:rPr lang="ja-JP" altLang="en-US"/>
+              <a:t>（</a:t>
+            </a:r>
+            <a:r>
+              <a:rPr lang="en-US" altLang="ja-JP" smtClean="0"/>
+              <a:t>1/14</a:t>
+            </a:r>
+            <a:r>
+              <a:rPr lang="ja-JP" altLang="en-US" smtClean="0"/>
               <a:t>）</a:t>
             </a:r>
             <a:endParaRPr kumimoji="1" lang="ja-JP" altLang="en-US" dirty="0"/>
           </a:p>
         </p:txBody>
       </p:sp>
-      <p:pic>
-        <p:nvPicPr>
-          <p:cNvPr id="4" name="コンテンツ プレースホルダー 3"/>
-          <p:cNvPicPr>
-            <a:picLocks noGrp="1" noChangeAspect="1"/>
-          </p:cNvPicPr>
-          <p:nvPr>
-            <p:ph sz="quarter" idx="10"/>
-          </p:nvPr>
-        </p:nvPicPr>
-        <p:blipFill>
-          <a:blip r:embed="rId2"/>
-          <a:stretch>
-            <a:fillRect/>
-          </a:stretch>
-        </p:blipFill>
-        <p:spPr>
-          <a:xfrm>
-            <a:off x="179513" y="1484730"/>
-            <a:ext cx="2088167" cy="4559166"/>
-          </a:xfrm>
-          <a:prstGeom prst="rect">
-            <a:avLst/>
-          </a:prstGeom>
-        </p:spPr>
-      </p:pic>
       <p:sp>
         <p:nvSpPr>
           <p:cNvPr id="7" name="正方形/長方形 6"/>
@@ -24962,8 +26071,8 @@
         </p:nvSpPr>
         <p:spPr bwMode="auto">
           <a:xfrm>
-            <a:off x="180990" y="3591856"/>
-            <a:ext cx="2086689" cy="432060"/>
+            <a:off x="180990" y="3774876"/>
+            <a:ext cx="1890273" cy="468000"/>
           </a:xfrm>
           <a:prstGeom prst="rect">
             <a:avLst/>
@@ -25001,8 +26110,8 @@
         </p:nvSpPr>
         <p:spPr bwMode="auto">
           <a:xfrm>
-            <a:off x="189942" y="4023916"/>
-            <a:ext cx="2077737" cy="489280"/>
+            <a:off x="189943" y="4242876"/>
+            <a:ext cx="1882164" cy="468000"/>
           </a:xfrm>
           <a:prstGeom prst="rect">
             <a:avLst/>
@@ -25040,8 +26149,8 @@
         </p:nvSpPr>
         <p:spPr bwMode="auto">
           <a:xfrm>
-            <a:off x="189942" y="4513196"/>
-            <a:ext cx="2077737" cy="500024"/>
+            <a:off x="189943" y="4710876"/>
+            <a:ext cx="1882164" cy="468000"/>
           </a:xfrm>
           <a:prstGeom prst="rect">
             <a:avLst/>
@@ -25079,7 +26188,7 @@
         </p:nvSpPr>
         <p:spPr>
           <a:xfrm>
-            <a:off x="2269156" y="3752169"/>
+            <a:off x="2053127" y="3828923"/>
             <a:ext cx="423680" cy="369332"/>
           </a:xfrm>
           <a:prstGeom prst="rect">
@@ -25116,7 +26225,7 @@
         </p:nvSpPr>
         <p:spPr>
           <a:xfrm>
-            <a:off x="2267679" y="4134685"/>
+            <a:off x="2051650" y="4293120"/>
             <a:ext cx="423680" cy="369332"/>
           </a:xfrm>
           <a:prstGeom prst="rect">
@@ -25148,7 +26257,7 @@
         </p:nvSpPr>
         <p:spPr>
           <a:xfrm>
-            <a:off x="2267679" y="4614786"/>
+            <a:off x="2051650" y="4787351"/>
             <a:ext cx="423680" cy="369332"/>
           </a:xfrm>
           <a:prstGeom prst="rect">
@@ -25181,7 +26290,7 @@
         <p:spPr>
           <a:xfrm>
             <a:off x="2691359" y="1531554"/>
-            <a:ext cx="6266310" cy="3231654"/>
+            <a:ext cx="6266310" cy="4062651"/>
           </a:xfrm>
           <a:prstGeom prst="rect">
             <a:avLst/>
@@ -25333,13 +26442,58 @@
             </a:r>
             <a:r>
               <a:rPr lang="ja-JP" altLang="en-US" sz="1600" dirty="0" smtClean="0"/>
-              <a:t>オペレーションを登録し、定期実行をおこないます。</a:t>
+              <a:t>オペレーションを登録し、定期実行を</a:t>
+            </a:r>
+            <a:r>
+              <a:rPr lang="ja-JP" altLang="en-US" sz="1600" smtClean="0"/>
+              <a:t>おこないます。</a:t>
+            </a:r>
+            <a:endParaRPr lang="en-US" altLang="ja-JP" sz="1600" smtClean="0"/>
+          </a:p>
+          <a:p>
+            <a:endParaRPr lang="en-US" altLang="ja-JP" sz="1600"/>
+          </a:p>
+          <a:p>
+            <a:r>
+              <a:rPr lang="ja-JP" altLang="en-US" b="1" smtClean="0"/>
+              <a:t>⑤</a:t>
+            </a:r>
+            <a:r>
+              <a:rPr lang="en-US" altLang="ja-JP" b="1" smtClean="0"/>
+              <a:t>Conductor</a:t>
+            </a:r>
+            <a:r>
+              <a:rPr lang="ja-JP" altLang="en-US" b="1" smtClean="0"/>
+              <a:t>通知先定義</a:t>
             </a:r>
             <a:endParaRPr lang="en-US" altLang="ja-JP" sz="1600" dirty="0"/>
           </a:p>
           <a:p>
-            <a:pPr lvl="1"/>
-            <a:endParaRPr lang="en-US" altLang="ja-JP" sz="1600" dirty="0" smtClean="0"/>
+            <a:r>
+              <a:rPr lang="ja-JP" altLang="en-US" sz="1600" b="1" smtClean="0"/>
+              <a:t>　</a:t>
+            </a:r>
+            <a:r>
+              <a:rPr lang="en-US" altLang="ja-JP" sz="1600" smtClean="0"/>
+              <a:t>Conductor</a:t>
+            </a:r>
+            <a:r>
+              <a:rPr lang="ja-JP" altLang="en-US" sz="1600" smtClean="0"/>
+              <a:t>で</a:t>
+            </a:r>
+            <a:r>
+              <a:rPr lang="ja-JP" altLang="en-US" sz="1600"/>
+              <a:t>作業時に実行される通知に関する定義を設定</a:t>
+            </a:r>
+            <a:r>
+              <a:rPr lang="ja-JP" altLang="en-US" sz="1600" smtClean="0"/>
+              <a:t>します</a:t>
+            </a:r>
+            <a:r>
+              <a:rPr lang="ja-JP" altLang="en-US" sz="1600"/>
+              <a:t>。</a:t>
+            </a:r>
+            <a:endParaRPr lang="en-US" altLang="ja-JP" sz="1600" b="1" dirty="0"/>
           </a:p>
         </p:txBody>
       </p:sp>
@@ -25351,8 +26505,8 @@
         </p:nvSpPr>
         <p:spPr bwMode="auto">
           <a:xfrm>
-            <a:off x="189942" y="5502500"/>
-            <a:ext cx="2077737" cy="500024"/>
+            <a:off x="189943" y="5582032"/>
+            <a:ext cx="1882164" cy="468000"/>
           </a:xfrm>
           <a:prstGeom prst="rect">
             <a:avLst/>
@@ -25390,7 +26544,7 @@
         </p:nvSpPr>
         <p:spPr>
           <a:xfrm>
-            <a:off x="2267679" y="5593669"/>
+            <a:off x="2051650" y="5668477"/>
             <a:ext cx="423680" cy="369332"/>
           </a:xfrm>
           <a:prstGeom prst="rect">
@@ -25627,6 +26781,82 @@
           </a:p>
         </p:txBody>
       </p:sp>
+      <p:sp>
+        <p:nvSpPr>
+          <p:cNvPr id="17" name="正方形/長方形 16"/>
+          <p:cNvSpPr/>
+          <p:nvPr/>
+        </p:nvSpPr>
+        <p:spPr bwMode="auto">
+          <a:xfrm>
+            <a:off x="180990" y="2913507"/>
+            <a:ext cx="1890273" cy="468000"/>
+          </a:xfrm>
+          <a:prstGeom prst="rect">
+            <a:avLst/>
+          </a:prstGeom>
+          <a:noFill/>
+          <a:ln w="38100">
+            <a:solidFill>
+              <a:srgbClr val="FF0000"/>
+            </a:solidFill>
+          </a:ln>
+          <a:effectLst/>
+          <a:extLst/>
+        </p:spPr>
+        <p:txBody>
+          <a:bodyPr rot="0" spcFirstLastPara="0" vertOverflow="overflow" horzOverflow="overflow" vert="horz" wrap="none" lIns="72000" tIns="72000" rIns="72000" bIns="72000" numCol="1" spcCol="0" rtlCol="0" fromWordArt="0" anchor="ctr" anchorCtr="0" forceAA="0" compatLnSpc="1">
+            <a:prstTxWarp prst="textNoShape">
+              <a:avLst/>
+            </a:prstTxWarp>
+            <a:noAutofit/>
+          </a:bodyPr>
+          <a:lstStyle/>
+          <a:p>
+            <a:pPr algn="ctr"/>
+            <a:endParaRPr kumimoji="1" lang="ja-JP" altLang="en-US" b="1" dirty="0" smtClean="0">
+              <a:latin typeface="+mn-ea"/>
+            </a:endParaRPr>
+          </a:p>
+        </p:txBody>
+      </p:sp>
+      <p:sp>
+        <p:nvSpPr>
+          <p:cNvPr id="18" name="正方形/長方形 17"/>
+          <p:cNvSpPr/>
+          <p:nvPr/>
+        </p:nvSpPr>
+        <p:spPr>
+          <a:xfrm>
+            <a:off x="2053127" y="2967554"/>
+            <a:ext cx="423680" cy="369332"/>
+          </a:xfrm>
+          <a:prstGeom prst="rect">
+            <a:avLst/>
+          </a:prstGeom>
+        </p:spPr>
+        <p:txBody>
+          <a:bodyPr wrap="square">
+            <a:spAutoFit/>
+          </a:bodyPr>
+          <a:lstStyle/>
+          <a:p>
+            <a:r>
+              <a:rPr lang="ja-JP" altLang="en-US" b="1" smtClean="0">
+                <a:solidFill>
+                  <a:srgbClr val="FF0000"/>
+                </a:solidFill>
+              </a:rPr>
+              <a:t>⑤</a:t>
+            </a:r>
+            <a:endParaRPr lang="en-US" altLang="ja-JP" b="1" smtClean="0">
+              <a:solidFill>
+                <a:srgbClr val="FF0000"/>
+              </a:solidFill>
+            </a:endParaRPr>
+          </a:p>
+        </p:txBody>
+      </p:sp>
     </p:spTree>
     <p:extLst>
       <p:ext uri="{BB962C8B-B14F-4D97-AF65-F5344CB8AC3E}">
@@ -25724,15 +26954,15 @@
               <a:t>説明　</a:t>
             </a:r>
             <a:r>
-              <a:rPr lang="ja-JP" altLang="en-US" dirty="0" smtClean="0"/>
+              <a:rPr lang="ja-JP" altLang="en-US" smtClean="0"/>
               <a:t>（</a:t>
             </a:r>
             <a:r>
-              <a:rPr lang="en-US" altLang="ja-JP" dirty="0" smtClean="0"/>
-              <a:t>2/12</a:t>
-            </a:r>
-            <a:r>
-              <a:rPr lang="ja-JP" altLang="en-US" dirty="0" smtClean="0"/>
+              <a:rPr lang="en-US" altLang="ja-JP" smtClean="0"/>
+              <a:t>2/14</a:t>
+            </a:r>
+            <a:r>
+              <a:rPr lang="ja-JP" altLang="en-US" smtClean="0"/>
               <a:t>）</a:t>
             </a:r>
             <a:endParaRPr kumimoji="1" lang="ja-JP" altLang="en-US" dirty="0"/>
@@ -26345,8 +27575,8 @@
         </p:nvSpPr>
         <p:spPr bwMode="auto">
           <a:xfrm>
-            <a:off x="6671880" y="4575113"/>
-            <a:ext cx="1945405" cy="262686"/>
+            <a:off x="6671881" y="4575113"/>
+            <a:ext cx="1860670" cy="219705"/>
           </a:xfrm>
           <a:prstGeom prst="rect">
             <a:avLst/>

--- a/asset/Learn_ja/ITA-Conductor_ja.pptx
+++ b/asset/Learn_ja/ITA-Conductor_ja.pptx
@@ -228,6 +228,14 @@
 </p:cmAuthorLst>
 </file>
 
+<file path=ppt/revisionInfo.xml><?xml version="1.0" encoding="utf-8"?>
+<p1510:revInfo xmlns:a="http://schemas.openxmlformats.org/drawingml/2006/main" xmlns:r="http://schemas.openxmlformats.org/officeDocument/2006/relationships" xmlns:p1510="http://schemas.microsoft.com/office/powerpoint/2015/10/main">
+  <p1510:revLst>
+    <p1510:client id="{7C637706-C550-405E-8704-FEB5C78B6527}" v="6" dt="2022-04-27T01:55:07.994"/>
+  </p1510:revLst>
+</p1510:revInfo>
+</file>
+
 <file path=ppt/handoutMasters/handoutMaster1.xml><?xml version="1.0" encoding="utf-8"?>
 <p:handoutMaster xmlns:a="http://schemas.openxmlformats.org/drawingml/2006/main" xmlns:r="http://schemas.openxmlformats.org/officeDocument/2006/relationships" xmlns:p="http://schemas.openxmlformats.org/presentationml/2006/main">
   <p:cSld>
@@ -314,7 +322,7 @@
               <a:rPr kumimoji="1" lang="ja-JP" altLang="en-US" smtClean="0">
                 <a:ea typeface="メイリオ" panose="020B0604030504040204" pitchFamily="50" charset="-128"/>
               </a:rPr>
-              <a:t>2022/1/26</a:t>
+              <a:t>2022/5/13</a:t>
             </a:fld>
             <a:endParaRPr kumimoji="1" lang="ja-JP" altLang="en-US" dirty="0">
               <a:ea typeface="メイリオ" panose="020B0604030504040204" pitchFamily="50" charset="-128"/>
@@ -460,7 +468,7 @@
             <a:fld id="{4B26993D-C081-44EB-B0F5-A9F467792B62}" type="datetimeFigureOut">
               <a:rPr lang="ja-JP" altLang="en-US" smtClean="0"/>
               <a:pPr/>
-              <a:t>2022/1/26</a:t>
+              <a:t>2022/5/13</a:t>
             </a:fld>
             <a:endParaRPr lang="ja-JP" altLang="en-US" dirty="0"/>
           </a:p>
@@ -562,7 +570,7 @@
           <a:p>
             <a:pPr lvl="0"/>
             <a:r>
-              <a:rPr kumimoji="1" lang="ja-JP" altLang="en-US" dirty="0" smtClean="0"/>
+              <a:rPr kumimoji="1" lang="ja-JP" altLang="en-US" dirty="0"/>
               <a:t>マスター テキストの書式設定</a:t>
             </a:r>
           </a:p>
@@ -751,10 +759,9 @@
           </a:lstStyle>
           <a:p>
             <a:r>
-              <a:rPr kumimoji="1" lang="ja-JP" altLang="en-US" dirty="0" smtClean="0"/>
+              <a:rPr kumimoji="1" lang="ja-JP" altLang="en-US" dirty="0"/>
               <a:t>タイトルを入力</a:t>
             </a:r>
-            <a:endParaRPr kumimoji="1" lang="ja-JP" altLang="en-US" dirty="0"/>
           </a:p>
         </p:txBody>
       </p:sp>
@@ -786,10 +793,9 @@
           </a:lstStyle>
           <a:p>
             <a:r>
-              <a:rPr lang="ja-JP" altLang="en-US" dirty="0" smtClean="0"/>
+              <a:rPr lang="ja-JP" altLang="en-US" dirty="0"/>
               <a:t>宛先がある場合は入力</a:t>
             </a:r>
-            <a:endParaRPr lang="ja-JP" altLang="en-US" dirty="0"/>
           </a:p>
         </p:txBody>
       </p:sp>
@@ -858,10 +864,9 @@
           <a:p>
             <a:pPr lvl="0"/>
             <a:r>
-              <a:rPr kumimoji="1" lang="ja-JP" altLang="en-US" dirty="0" smtClean="0"/>
+              <a:rPr kumimoji="1" lang="ja-JP" altLang="en-US" dirty="0"/>
               <a:t>年月　部署名　氏名など　適宜改行</a:t>
             </a:r>
-            <a:endParaRPr kumimoji="1" lang="ja-JP" altLang="en-US" dirty="0"/>
           </a:p>
         </p:txBody>
       </p:sp>
@@ -875,13 +880,6 @@
   <p:clrMapOvr>
     <a:masterClrMapping/>
   </p:clrMapOvr>
-  <p:timing>
-    <p:tnLst>
-      <p:par>
-        <p:cTn id="1" dur="indefinite" restart="never" nodeType="tmRoot"/>
-      </p:par>
-    </p:tnLst>
-  </p:timing>
 </p:sldLayout>
 </file>
 
@@ -942,13 +940,6 @@
   <p:clrMapOvr>
     <a:masterClrMapping/>
   </p:clrMapOvr>
-  <p:timing>
-    <p:tnLst>
-      <p:par>
-        <p:cTn id="1" dur="indefinite" restart="never" nodeType="tmRoot"/>
-      </p:par>
-    </p:tnLst>
-  </p:timing>
 </p:sldLayout>
 </file>
 
@@ -994,10 +985,9 @@
           </a:lstStyle>
           <a:p>
             <a:r>
-              <a:rPr kumimoji="1" lang="ja-JP" altLang="en-US" smtClean="0"/>
+              <a:rPr kumimoji="1" lang="ja-JP" altLang="en-US"/>
               <a:t>マスター タイトルの書式設定</a:t>
             </a:r>
-            <a:endParaRPr kumimoji="1" lang="ja-JP" altLang="en-US"/>
           </a:p>
         </p:txBody>
       </p:sp>
@@ -1059,10 +1049,9 @@
           </a:lstStyle>
           <a:p>
             <a:r>
-              <a:rPr kumimoji="1" lang="ja-JP" altLang="en-US" smtClean="0"/>
+              <a:rPr kumimoji="1" lang="ja-JP" altLang="en-US"/>
               <a:t>マスター サブタイトルの書式設定</a:t>
             </a:r>
-            <a:endParaRPr kumimoji="1" lang="ja-JP" altLang="en-US"/>
           </a:p>
         </p:txBody>
       </p:sp>
@@ -1083,7 +1072,7 @@
           <a:p>
             <a:fld id="{56F9016B-CCA6-43BE-8BEE-59565A35F4F7}" type="datetimeFigureOut">
               <a:rPr kumimoji="1" lang="ja-JP" altLang="en-US" smtClean="0"/>
-              <a:t>2022/1/26</a:t>
+              <a:t>2022/5/13</a:t>
             </a:fld>
             <a:endParaRPr kumimoji="1" lang="ja-JP" altLang="en-US"/>
           </a:p>
@@ -1177,10 +1166,9 @@
           <a:lstStyle/>
           <a:p>
             <a:r>
-              <a:rPr kumimoji="1" lang="ja-JP" altLang="en-US" smtClean="0"/>
+              <a:rPr kumimoji="1" lang="ja-JP" altLang="en-US"/>
               <a:t>マスター タイトルの書式設定</a:t>
             </a:r>
-            <a:endParaRPr kumimoji="1" lang="ja-JP" altLang="en-US"/>
           </a:p>
         </p:txBody>
       </p:sp>
@@ -1201,70 +1189,69 @@
           <a:p>
             <a:pPr lvl="0"/>
             <a:r>
-              <a:rPr kumimoji="1" lang="ja-JP" altLang="en-US" smtClean="0"/>
+              <a:rPr kumimoji="1" lang="ja-JP" altLang="en-US"/>
               <a:t>マスター テキストの書式設定</a:t>
             </a:r>
           </a:p>
           <a:p>
             <a:pPr lvl="1"/>
             <a:r>
-              <a:rPr kumimoji="1" lang="ja-JP" altLang="en-US" smtClean="0"/>
+              <a:rPr kumimoji="1" lang="ja-JP" altLang="en-US"/>
               <a:t>第 </a:t>
             </a:r>
             <a:r>
-              <a:rPr kumimoji="1" lang="en-US" altLang="ja-JP" smtClean="0"/>
+              <a:rPr kumimoji="1" lang="en-US" altLang="ja-JP"/>
               <a:t>2 </a:t>
             </a:r>
             <a:r>
-              <a:rPr kumimoji="1" lang="ja-JP" altLang="en-US" smtClean="0"/>
+              <a:rPr kumimoji="1" lang="ja-JP" altLang="en-US"/>
               <a:t>レベル</a:t>
             </a:r>
           </a:p>
           <a:p>
             <a:pPr lvl="2"/>
             <a:r>
-              <a:rPr kumimoji="1" lang="ja-JP" altLang="en-US" smtClean="0"/>
+              <a:rPr kumimoji="1" lang="ja-JP" altLang="en-US"/>
               <a:t>第 </a:t>
             </a:r>
             <a:r>
-              <a:rPr kumimoji="1" lang="en-US" altLang="ja-JP" smtClean="0"/>
+              <a:rPr kumimoji="1" lang="en-US" altLang="ja-JP"/>
               <a:t>3 </a:t>
             </a:r>
             <a:r>
-              <a:rPr kumimoji="1" lang="ja-JP" altLang="en-US" smtClean="0"/>
+              <a:rPr kumimoji="1" lang="ja-JP" altLang="en-US"/>
               <a:t>レベル</a:t>
             </a:r>
           </a:p>
           <a:p>
             <a:pPr lvl="3"/>
             <a:r>
-              <a:rPr kumimoji="1" lang="ja-JP" altLang="en-US" smtClean="0"/>
+              <a:rPr kumimoji="1" lang="ja-JP" altLang="en-US"/>
               <a:t>第 </a:t>
             </a:r>
             <a:r>
-              <a:rPr kumimoji="1" lang="en-US" altLang="ja-JP" smtClean="0"/>
+              <a:rPr kumimoji="1" lang="en-US" altLang="ja-JP"/>
               <a:t>4 </a:t>
             </a:r>
             <a:r>
-              <a:rPr kumimoji="1" lang="ja-JP" altLang="en-US" smtClean="0"/>
+              <a:rPr kumimoji="1" lang="ja-JP" altLang="en-US"/>
               <a:t>レベル</a:t>
             </a:r>
           </a:p>
           <a:p>
             <a:pPr lvl="4"/>
             <a:r>
-              <a:rPr kumimoji="1" lang="ja-JP" altLang="en-US" smtClean="0"/>
+              <a:rPr kumimoji="1" lang="ja-JP" altLang="en-US"/>
               <a:t>第 </a:t>
             </a:r>
             <a:r>
-              <a:rPr kumimoji="1" lang="en-US" altLang="ja-JP" smtClean="0"/>
+              <a:rPr kumimoji="1" lang="en-US" altLang="ja-JP"/>
               <a:t>5 </a:t>
             </a:r>
             <a:r>
-              <a:rPr kumimoji="1" lang="ja-JP" altLang="en-US" smtClean="0"/>
+              <a:rPr kumimoji="1" lang="ja-JP" altLang="en-US"/>
               <a:t>レベル</a:t>
             </a:r>
-            <a:endParaRPr kumimoji="1" lang="ja-JP" altLang="en-US"/>
           </a:p>
         </p:txBody>
       </p:sp>
@@ -1285,7 +1272,7 @@
           <a:p>
             <a:fld id="{56F9016B-CCA6-43BE-8BEE-59565A35F4F7}" type="datetimeFigureOut">
               <a:rPr kumimoji="1" lang="ja-JP" altLang="en-US" smtClean="0"/>
-              <a:t>2022/1/26</a:t>
+              <a:t>2022/5/13</a:t>
             </a:fld>
             <a:endParaRPr kumimoji="1" lang="ja-JP" altLang="en-US"/>
           </a:p>
@@ -1388,10 +1375,9 @@
           </a:lstStyle>
           <a:p>
             <a:r>
-              <a:rPr kumimoji="1" lang="ja-JP" altLang="en-US" smtClean="0"/>
+              <a:rPr kumimoji="1" lang="ja-JP" altLang="en-US"/>
               <a:t>マスター タイトルの書式設定</a:t>
             </a:r>
-            <a:endParaRPr kumimoji="1" lang="ja-JP" altLang="en-US"/>
           </a:p>
         </p:txBody>
       </p:sp>
@@ -1508,7 +1494,7 @@
           <a:p>
             <a:pPr lvl="0"/>
             <a:r>
-              <a:rPr kumimoji="1" lang="ja-JP" altLang="en-US" smtClean="0"/>
+              <a:rPr kumimoji="1" lang="ja-JP" altLang="en-US"/>
               <a:t>マスター テキストの書式設定</a:t>
             </a:r>
           </a:p>
@@ -1531,7 +1517,7 @@
           <a:p>
             <a:fld id="{56F9016B-CCA6-43BE-8BEE-59565A35F4F7}" type="datetimeFigureOut">
               <a:rPr kumimoji="1" lang="ja-JP" altLang="en-US" smtClean="0"/>
-              <a:t>2022/1/26</a:t>
+              <a:t>2022/5/13</a:t>
             </a:fld>
             <a:endParaRPr kumimoji="1" lang="ja-JP" altLang="en-US"/>
           </a:p>
@@ -1625,10 +1611,9 @@
           <a:lstStyle/>
           <a:p>
             <a:r>
-              <a:rPr kumimoji="1" lang="ja-JP" altLang="en-US" smtClean="0"/>
+              <a:rPr kumimoji="1" lang="ja-JP" altLang="en-US"/>
               <a:t>マスター タイトルの書式設定</a:t>
             </a:r>
-            <a:endParaRPr kumimoji="1" lang="ja-JP" altLang="en-US"/>
           </a:p>
         </p:txBody>
       </p:sp>
@@ -1654,70 +1639,69 @@
           <a:p>
             <a:pPr lvl="0"/>
             <a:r>
-              <a:rPr kumimoji="1" lang="ja-JP" altLang="en-US" smtClean="0"/>
+              <a:rPr kumimoji="1" lang="ja-JP" altLang="en-US"/>
               <a:t>マスター テキストの書式設定</a:t>
             </a:r>
           </a:p>
           <a:p>
             <a:pPr lvl="1"/>
             <a:r>
-              <a:rPr kumimoji="1" lang="ja-JP" altLang="en-US" smtClean="0"/>
+              <a:rPr kumimoji="1" lang="ja-JP" altLang="en-US"/>
               <a:t>第 </a:t>
             </a:r>
             <a:r>
-              <a:rPr kumimoji="1" lang="en-US" altLang="ja-JP" smtClean="0"/>
+              <a:rPr kumimoji="1" lang="en-US" altLang="ja-JP"/>
               <a:t>2 </a:t>
             </a:r>
             <a:r>
-              <a:rPr kumimoji="1" lang="ja-JP" altLang="en-US" smtClean="0"/>
+              <a:rPr kumimoji="1" lang="ja-JP" altLang="en-US"/>
               <a:t>レベル</a:t>
             </a:r>
           </a:p>
           <a:p>
             <a:pPr lvl="2"/>
             <a:r>
-              <a:rPr kumimoji="1" lang="ja-JP" altLang="en-US" smtClean="0"/>
+              <a:rPr kumimoji="1" lang="ja-JP" altLang="en-US"/>
               <a:t>第 </a:t>
             </a:r>
             <a:r>
-              <a:rPr kumimoji="1" lang="en-US" altLang="ja-JP" smtClean="0"/>
+              <a:rPr kumimoji="1" lang="en-US" altLang="ja-JP"/>
               <a:t>3 </a:t>
             </a:r>
             <a:r>
-              <a:rPr kumimoji="1" lang="ja-JP" altLang="en-US" smtClean="0"/>
+              <a:rPr kumimoji="1" lang="ja-JP" altLang="en-US"/>
               <a:t>レベル</a:t>
             </a:r>
           </a:p>
           <a:p>
             <a:pPr lvl="3"/>
             <a:r>
-              <a:rPr kumimoji="1" lang="ja-JP" altLang="en-US" smtClean="0"/>
+              <a:rPr kumimoji="1" lang="ja-JP" altLang="en-US"/>
               <a:t>第 </a:t>
             </a:r>
             <a:r>
-              <a:rPr kumimoji="1" lang="en-US" altLang="ja-JP" smtClean="0"/>
+              <a:rPr kumimoji="1" lang="en-US" altLang="ja-JP"/>
               <a:t>4 </a:t>
             </a:r>
             <a:r>
-              <a:rPr kumimoji="1" lang="ja-JP" altLang="en-US" smtClean="0"/>
+              <a:rPr kumimoji="1" lang="ja-JP" altLang="en-US"/>
               <a:t>レベル</a:t>
             </a:r>
           </a:p>
           <a:p>
             <a:pPr lvl="4"/>
             <a:r>
-              <a:rPr kumimoji="1" lang="ja-JP" altLang="en-US" smtClean="0"/>
+              <a:rPr kumimoji="1" lang="ja-JP" altLang="en-US"/>
               <a:t>第 </a:t>
             </a:r>
             <a:r>
-              <a:rPr kumimoji="1" lang="en-US" altLang="ja-JP" smtClean="0"/>
+              <a:rPr kumimoji="1" lang="en-US" altLang="ja-JP"/>
               <a:t>5 </a:t>
             </a:r>
             <a:r>
-              <a:rPr kumimoji="1" lang="ja-JP" altLang="en-US" smtClean="0"/>
+              <a:rPr kumimoji="1" lang="ja-JP" altLang="en-US"/>
               <a:t>レベル</a:t>
             </a:r>
-            <a:endParaRPr kumimoji="1" lang="ja-JP" altLang="en-US"/>
           </a:p>
         </p:txBody>
       </p:sp>
@@ -1743,70 +1727,69 @@
           <a:p>
             <a:pPr lvl="0"/>
             <a:r>
-              <a:rPr kumimoji="1" lang="ja-JP" altLang="en-US" smtClean="0"/>
+              <a:rPr kumimoji="1" lang="ja-JP" altLang="en-US"/>
               <a:t>マスター テキストの書式設定</a:t>
             </a:r>
           </a:p>
           <a:p>
             <a:pPr lvl="1"/>
             <a:r>
-              <a:rPr kumimoji="1" lang="ja-JP" altLang="en-US" smtClean="0"/>
+              <a:rPr kumimoji="1" lang="ja-JP" altLang="en-US"/>
               <a:t>第 </a:t>
             </a:r>
             <a:r>
-              <a:rPr kumimoji="1" lang="en-US" altLang="ja-JP" smtClean="0"/>
+              <a:rPr kumimoji="1" lang="en-US" altLang="ja-JP"/>
               <a:t>2 </a:t>
             </a:r>
             <a:r>
-              <a:rPr kumimoji="1" lang="ja-JP" altLang="en-US" smtClean="0"/>
+              <a:rPr kumimoji="1" lang="ja-JP" altLang="en-US"/>
               <a:t>レベル</a:t>
             </a:r>
           </a:p>
           <a:p>
             <a:pPr lvl="2"/>
             <a:r>
-              <a:rPr kumimoji="1" lang="ja-JP" altLang="en-US" smtClean="0"/>
+              <a:rPr kumimoji="1" lang="ja-JP" altLang="en-US"/>
               <a:t>第 </a:t>
             </a:r>
             <a:r>
-              <a:rPr kumimoji="1" lang="en-US" altLang="ja-JP" smtClean="0"/>
+              <a:rPr kumimoji="1" lang="en-US" altLang="ja-JP"/>
               <a:t>3 </a:t>
             </a:r>
             <a:r>
-              <a:rPr kumimoji="1" lang="ja-JP" altLang="en-US" smtClean="0"/>
+              <a:rPr kumimoji="1" lang="ja-JP" altLang="en-US"/>
               <a:t>レベル</a:t>
             </a:r>
           </a:p>
           <a:p>
             <a:pPr lvl="3"/>
             <a:r>
-              <a:rPr kumimoji="1" lang="ja-JP" altLang="en-US" smtClean="0"/>
+              <a:rPr kumimoji="1" lang="ja-JP" altLang="en-US"/>
               <a:t>第 </a:t>
             </a:r>
             <a:r>
-              <a:rPr kumimoji="1" lang="en-US" altLang="ja-JP" smtClean="0"/>
+              <a:rPr kumimoji="1" lang="en-US" altLang="ja-JP"/>
               <a:t>4 </a:t>
             </a:r>
             <a:r>
-              <a:rPr kumimoji="1" lang="ja-JP" altLang="en-US" smtClean="0"/>
+              <a:rPr kumimoji="1" lang="ja-JP" altLang="en-US"/>
               <a:t>レベル</a:t>
             </a:r>
           </a:p>
           <a:p>
             <a:pPr lvl="4"/>
             <a:r>
-              <a:rPr kumimoji="1" lang="ja-JP" altLang="en-US" smtClean="0"/>
+              <a:rPr kumimoji="1" lang="ja-JP" altLang="en-US"/>
               <a:t>第 </a:t>
             </a:r>
             <a:r>
-              <a:rPr kumimoji="1" lang="en-US" altLang="ja-JP" smtClean="0"/>
+              <a:rPr kumimoji="1" lang="en-US" altLang="ja-JP"/>
               <a:t>5 </a:t>
             </a:r>
             <a:r>
-              <a:rPr kumimoji="1" lang="ja-JP" altLang="en-US" smtClean="0"/>
+              <a:rPr kumimoji="1" lang="ja-JP" altLang="en-US"/>
               <a:t>レベル</a:t>
             </a:r>
-            <a:endParaRPr kumimoji="1" lang="ja-JP" altLang="en-US"/>
           </a:p>
         </p:txBody>
       </p:sp>
@@ -1827,7 +1810,7 @@
           <a:p>
             <a:fld id="{56F9016B-CCA6-43BE-8BEE-59565A35F4F7}" type="datetimeFigureOut">
               <a:rPr kumimoji="1" lang="ja-JP" altLang="en-US" smtClean="0"/>
-              <a:t>2022/1/26</a:t>
+              <a:t>2022/5/13</a:t>
             </a:fld>
             <a:endParaRPr kumimoji="1" lang="ja-JP" altLang="en-US"/>
           </a:p>
@@ -1926,10 +1909,9 @@
           <a:lstStyle/>
           <a:p>
             <a:r>
-              <a:rPr kumimoji="1" lang="ja-JP" altLang="en-US" smtClean="0"/>
+              <a:rPr kumimoji="1" lang="ja-JP" altLang="en-US"/>
               <a:t>マスター タイトルの書式設定</a:t>
             </a:r>
-            <a:endParaRPr kumimoji="1" lang="ja-JP" altLang="en-US"/>
           </a:p>
         </p:txBody>
       </p:sp>
@@ -1992,7 +1974,7 @@
           <a:p>
             <a:pPr lvl="0"/>
             <a:r>
-              <a:rPr kumimoji="1" lang="ja-JP" altLang="en-US" smtClean="0"/>
+              <a:rPr kumimoji="1" lang="ja-JP" altLang="en-US"/>
               <a:t>マスター テキストの書式設定</a:t>
             </a:r>
           </a:p>
@@ -2020,70 +2002,69 @@
           <a:p>
             <a:pPr lvl="0"/>
             <a:r>
-              <a:rPr kumimoji="1" lang="ja-JP" altLang="en-US" smtClean="0"/>
+              <a:rPr kumimoji="1" lang="ja-JP" altLang="en-US"/>
               <a:t>マスター テキストの書式設定</a:t>
             </a:r>
           </a:p>
           <a:p>
             <a:pPr lvl="1"/>
             <a:r>
-              <a:rPr kumimoji="1" lang="ja-JP" altLang="en-US" smtClean="0"/>
+              <a:rPr kumimoji="1" lang="ja-JP" altLang="en-US"/>
               <a:t>第 </a:t>
             </a:r>
             <a:r>
-              <a:rPr kumimoji="1" lang="en-US" altLang="ja-JP" smtClean="0"/>
+              <a:rPr kumimoji="1" lang="en-US" altLang="ja-JP"/>
               <a:t>2 </a:t>
             </a:r>
             <a:r>
-              <a:rPr kumimoji="1" lang="ja-JP" altLang="en-US" smtClean="0"/>
+              <a:rPr kumimoji="1" lang="ja-JP" altLang="en-US"/>
               <a:t>レベル</a:t>
             </a:r>
           </a:p>
           <a:p>
             <a:pPr lvl="2"/>
             <a:r>
-              <a:rPr kumimoji="1" lang="ja-JP" altLang="en-US" smtClean="0"/>
+              <a:rPr kumimoji="1" lang="ja-JP" altLang="en-US"/>
               <a:t>第 </a:t>
             </a:r>
             <a:r>
-              <a:rPr kumimoji="1" lang="en-US" altLang="ja-JP" smtClean="0"/>
+              <a:rPr kumimoji="1" lang="en-US" altLang="ja-JP"/>
               <a:t>3 </a:t>
             </a:r>
             <a:r>
-              <a:rPr kumimoji="1" lang="ja-JP" altLang="en-US" smtClean="0"/>
+              <a:rPr kumimoji="1" lang="ja-JP" altLang="en-US"/>
               <a:t>レベル</a:t>
             </a:r>
           </a:p>
           <a:p>
             <a:pPr lvl="3"/>
             <a:r>
-              <a:rPr kumimoji="1" lang="ja-JP" altLang="en-US" smtClean="0"/>
+              <a:rPr kumimoji="1" lang="ja-JP" altLang="en-US"/>
               <a:t>第 </a:t>
             </a:r>
             <a:r>
-              <a:rPr kumimoji="1" lang="en-US" altLang="ja-JP" smtClean="0"/>
+              <a:rPr kumimoji="1" lang="en-US" altLang="ja-JP"/>
               <a:t>4 </a:t>
             </a:r>
             <a:r>
-              <a:rPr kumimoji="1" lang="ja-JP" altLang="en-US" smtClean="0"/>
+              <a:rPr kumimoji="1" lang="ja-JP" altLang="en-US"/>
               <a:t>レベル</a:t>
             </a:r>
           </a:p>
           <a:p>
             <a:pPr lvl="4"/>
             <a:r>
-              <a:rPr kumimoji="1" lang="ja-JP" altLang="en-US" smtClean="0"/>
+              <a:rPr kumimoji="1" lang="ja-JP" altLang="en-US"/>
               <a:t>第 </a:t>
             </a:r>
             <a:r>
-              <a:rPr kumimoji="1" lang="en-US" altLang="ja-JP" smtClean="0"/>
+              <a:rPr kumimoji="1" lang="en-US" altLang="ja-JP"/>
               <a:t>5 </a:t>
             </a:r>
             <a:r>
-              <a:rPr kumimoji="1" lang="ja-JP" altLang="en-US" smtClean="0"/>
+              <a:rPr kumimoji="1" lang="ja-JP" altLang="en-US"/>
               <a:t>レベル</a:t>
             </a:r>
-            <a:endParaRPr kumimoji="1" lang="ja-JP" altLang="en-US"/>
           </a:p>
         </p:txBody>
       </p:sp>
@@ -2146,7 +2127,7 @@
           <a:p>
             <a:pPr lvl="0"/>
             <a:r>
-              <a:rPr kumimoji="1" lang="ja-JP" altLang="en-US" smtClean="0"/>
+              <a:rPr kumimoji="1" lang="ja-JP" altLang="en-US"/>
               <a:t>マスター テキストの書式設定</a:t>
             </a:r>
           </a:p>
@@ -2174,70 +2155,69 @@
           <a:p>
             <a:pPr lvl="0"/>
             <a:r>
-              <a:rPr kumimoji="1" lang="ja-JP" altLang="en-US" smtClean="0"/>
+              <a:rPr kumimoji="1" lang="ja-JP" altLang="en-US"/>
               <a:t>マスター テキストの書式設定</a:t>
             </a:r>
           </a:p>
           <a:p>
             <a:pPr lvl="1"/>
             <a:r>
-              <a:rPr kumimoji="1" lang="ja-JP" altLang="en-US" smtClean="0"/>
+              <a:rPr kumimoji="1" lang="ja-JP" altLang="en-US"/>
               <a:t>第 </a:t>
             </a:r>
             <a:r>
-              <a:rPr kumimoji="1" lang="en-US" altLang="ja-JP" smtClean="0"/>
+              <a:rPr kumimoji="1" lang="en-US" altLang="ja-JP"/>
               <a:t>2 </a:t>
             </a:r>
             <a:r>
-              <a:rPr kumimoji="1" lang="ja-JP" altLang="en-US" smtClean="0"/>
+              <a:rPr kumimoji="1" lang="ja-JP" altLang="en-US"/>
               <a:t>レベル</a:t>
             </a:r>
           </a:p>
           <a:p>
             <a:pPr lvl="2"/>
             <a:r>
-              <a:rPr kumimoji="1" lang="ja-JP" altLang="en-US" smtClean="0"/>
+              <a:rPr kumimoji="1" lang="ja-JP" altLang="en-US"/>
               <a:t>第 </a:t>
             </a:r>
             <a:r>
-              <a:rPr kumimoji="1" lang="en-US" altLang="ja-JP" smtClean="0"/>
+              <a:rPr kumimoji="1" lang="en-US" altLang="ja-JP"/>
               <a:t>3 </a:t>
             </a:r>
             <a:r>
-              <a:rPr kumimoji="1" lang="ja-JP" altLang="en-US" smtClean="0"/>
+              <a:rPr kumimoji="1" lang="ja-JP" altLang="en-US"/>
               <a:t>レベル</a:t>
             </a:r>
           </a:p>
           <a:p>
             <a:pPr lvl="3"/>
             <a:r>
-              <a:rPr kumimoji="1" lang="ja-JP" altLang="en-US" smtClean="0"/>
+              <a:rPr kumimoji="1" lang="ja-JP" altLang="en-US"/>
               <a:t>第 </a:t>
             </a:r>
             <a:r>
-              <a:rPr kumimoji="1" lang="en-US" altLang="ja-JP" smtClean="0"/>
+              <a:rPr kumimoji="1" lang="en-US" altLang="ja-JP"/>
               <a:t>4 </a:t>
             </a:r>
             <a:r>
-              <a:rPr kumimoji="1" lang="ja-JP" altLang="en-US" smtClean="0"/>
+              <a:rPr kumimoji="1" lang="ja-JP" altLang="en-US"/>
               <a:t>レベル</a:t>
             </a:r>
           </a:p>
           <a:p>
             <a:pPr lvl="4"/>
             <a:r>
-              <a:rPr kumimoji="1" lang="ja-JP" altLang="en-US" smtClean="0"/>
+              <a:rPr kumimoji="1" lang="ja-JP" altLang="en-US"/>
               <a:t>第 </a:t>
             </a:r>
             <a:r>
-              <a:rPr kumimoji="1" lang="en-US" altLang="ja-JP" smtClean="0"/>
+              <a:rPr kumimoji="1" lang="en-US" altLang="ja-JP"/>
               <a:t>5 </a:t>
             </a:r>
             <a:r>
-              <a:rPr kumimoji="1" lang="ja-JP" altLang="en-US" smtClean="0"/>
+              <a:rPr kumimoji="1" lang="ja-JP" altLang="en-US"/>
               <a:t>レベル</a:t>
             </a:r>
-            <a:endParaRPr kumimoji="1" lang="ja-JP" altLang="en-US"/>
           </a:p>
         </p:txBody>
       </p:sp>
@@ -2258,7 +2238,7 @@
           <a:p>
             <a:fld id="{56F9016B-CCA6-43BE-8BEE-59565A35F4F7}" type="datetimeFigureOut">
               <a:rPr kumimoji="1" lang="ja-JP" altLang="en-US" smtClean="0"/>
-              <a:t>2022/1/26</a:t>
+              <a:t>2022/5/13</a:t>
             </a:fld>
             <a:endParaRPr kumimoji="1" lang="ja-JP" altLang="en-US"/>
           </a:p>
@@ -2352,10 +2332,9 @@
           <a:lstStyle/>
           <a:p>
             <a:r>
-              <a:rPr kumimoji="1" lang="ja-JP" altLang="en-US" smtClean="0"/>
+              <a:rPr kumimoji="1" lang="ja-JP" altLang="en-US"/>
               <a:t>マスター タイトルの書式設定</a:t>
             </a:r>
-            <a:endParaRPr kumimoji="1" lang="ja-JP" altLang="en-US"/>
           </a:p>
         </p:txBody>
       </p:sp>
@@ -2376,7 +2355,7 @@
           <a:p>
             <a:fld id="{56F9016B-CCA6-43BE-8BEE-59565A35F4F7}" type="datetimeFigureOut">
               <a:rPr kumimoji="1" lang="ja-JP" altLang="en-US" smtClean="0"/>
-              <a:t>2022/1/26</a:t>
+              <a:t>2022/5/13</a:t>
             </a:fld>
             <a:endParaRPr kumimoji="1" lang="ja-JP" altLang="en-US"/>
           </a:p>
@@ -2471,7 +2450,7 @@
           <a:p>
             <a:fld id="{56F9016B-CCA6-43BE-8BEE-59565A35F4F7}" type="datetimeFigureOut">
               <a:rPr kumimoji="1" lang="ja-JP" altLang="en-US" smtClean="0"/>
-              <a:t>2022/1/26</a:t>
+              <a:t>2022/5/13</a:t>
             </a:fld>
             <a:endParaRPr kumimoji="1" lang="ja-JP" altLang="en-US"/>
           </a:p>
@@ -2574,10 +2553,9 @@
           </a:lstStyle>
           <a:p>
             <a:r>
-              <a:rPr kumimoji="1" lang="ja-JP" altLang="en-US" smtClean="0"/>
+              <a:rPr kumimoji="1" lang="ja-JP" altLang="en-US"/>
               <a:t>マスター タイトルの書式設定</a:t>
             </a:r>
-            <a:endParaRPr kumimoji="1" lang="ja-JP" altLang="en-US"/>
           </a:p>
         </p:txBody>
       </p:sp>
@@ -2631,70 +2609,69 @@
           <a:p>
             <a:pPr lvl="0"/>
             <a:r>
-              <a:rPr kumimoji="1" lang="ja-JP" altLang="en-US" smtClean="0"/>
+              <a:rPr kumimoji="1" lang="ja-JP" altLang="en-US"/>
               <a:t>マスター テキストの書式設定</a:t>
             </a:r>
           </a:p>
           <a:p>
             <a:pPr lvl="1"/>
             <a:r>
-              <a:rPr kumimoji="1" lang="ja-JP" altLang="en-US" smtClean="0"/>
+              <a:rPr kumimoji="1" lang="ja-JP" altLang="en-US"/>
               <a:t>第 </a:t>
             </a:r>
             <a:r>
-              <a:rPr kumimoji="1" lang="en-US" altLang="ja-JP" smtClean="0"/>
+              <a:rPr kumimoji="1" lang="en-US" altLang="ja-JP"/>
               <a:t>2 </a:t>
             </a:r>
             <a:r>
-              <a:rPr kumimoji="1" lang="ja-JP" altLang="en-US" smtClean="0"/>
+              <a:rPr kumimoji="1" lang="ja-JP" altLang="en-US"/>
               <a:t>レベル</a:t>
             </a:r>
           </a:p>
           <a:p>
             <a:pPr lvl="2"/>
             <a:r>
-              <a:rPr kumimoji="1" lang="ja-JP" altLang="en-US" smtClean="0"/>
+              <a:rPr kumimoji="1" lang="ja-JP" altLang="en-US"/>
               <a:t>第 </a:t>
             </a:r>
             <a:r>
-              <a:rPr kumimoji="1" lang="en-US" altLang="ja-JP" smtClean="0"/>
+              <a:rPr kumimoji="1" lang="en-US" altLang="ja-JP"/>
               <a:t>3 </a:t>
             </a:r>
             <a:r>
-              <a:rPr kumimoji="1" lang="ja-JP" altLang="en-US" smtClean="0"/>
+              <a:rPr kumimoji="1" lang="ja-JP" altLang="en-US"/>
               <a:t>レベル</a:t>
             </a:r>
           </a:p>
           <a:p>
             <a:pPr lvl="3"/>
             <a:r>
-              <a:rPr kumimoji="1" lang="ja-JP" altLang="en-US" smtClean="0"/>
+              <a:rPr kumimoji="1" lang="ja-JP" altLang="en-US"/>
               <a:t>第 </a:t>
             </a:r>
             <a:r>
-              <a:rPr kumimoji="1" lang="en-US" altLang="ja-JP" smtClean="0"/>
+              <a:rPr kumimoji="1" lang="en-US" altLang="ja-JP"/>
               <a:t>4 </a:t>
             </a:r>
             <a:r>
-              <a:rPr kumimoji="1" lang="ja-JP" altLang="en-US" smtClean="0"/>
+              <a:rPr kumimoji="1" lang="ja-JP" altLang="en-US"/>
               <a:t>レベル</a:t>
             </a:r>
           </a:p>
           <a:p>
             <a:pPr lvl="4"/>
             <a:r>
-              <a:rPr kumimoji="1" lang="ja-JP" altLang="en-US" smtClean="0"/>
+              <a:rPr kumimoji="1" lang="ja-JP" altLang="en-US"/>
               <a:t>第 </a:t>
             </a:r>
             <a:r>
-              <a:rPr kumimoji="1" lang="en-US" altLang="ja-JP" smtClean="0"/>
+              <a:rPr kumimoji="1" lang="en-US" altLang="ja-JP"/>
               <a:t>5 </a:t>
             </a:r>
             <a:r>
-              <a:rPr kumimoji="1" lang="ja-JP" altLang="en-US" smtClean="0"/>
+              <a:rPr kumimoji="1" lang="ja-JP" altLang="en-US"/>
               <a:t>レベル</a:t>
             </a:r>
-            <a:endParaRPr kumimoji="1" lang="ja-JP" altLang="en-US"/>
           </a:p>
         </p:txBody>
       </p:sp>
@@ -2757,7 +2734,7 @@
           <a:p>
             <a:pPr lvl="0"/>
             <a:r>
-              <a:rPr kumimoji="1" lang="ja-JP" altLang="en-US" smtClean="0"/>
+              <a:rPr kumimoji="1" lang="ja-JP" altLang="en-US"/>
               <a:t>マスター テキストの書式設定</a:t>
             </a:r>
           </a:p>
@@ -2780,7 +2757,7 @@
           <a:p>
             <a:fld id="{56F9016B-CCA6-43BE-8BEE-59565A35F4F7}" type="datetimeFigureOut">
               <a:rPr kumimoji="1" lang="ja-JP" altLang="en-US" smtClean="0"/>
-              <a:t>2022/1/26</a:t>
+              <a:t>2022/5/13</a:t>
             </a:fld>
             <a:endParaRPr kumimoji="1" lang="ja-JP" altLang="en-US"/>
           </a:p>
@@ -2883,10 +2860,9 @@
           </a:lstStyle>
           <a:p>
             <a:r>
-              <a:rPr kumimoji="1" lang="ja-JP" altLang="en-US" smtClean="0"/>
+              <a:rPr kumimoji="1" lang="ja-JP" altLang="en-US"/>
               <a:t>マスター タイトルの書式設定</a:t>
             </a:r>
-            <a:endParaRPr kumimoji="1" lang="ja-JP" altLang="en-US"/>
           </a:p>
         </p:txBody>
       </p:sp>
@@ -3010,7 +2986,7 @@
           <a:p>
             <a:pPr lvl="0"/>
             <a:r>
-              <a:rPr kumimoji="1" lang="ja-JP" altLang="en-US" smtClean="0"/>
+              <a:rPr kumimoji="1" lang="ja-JP" altLang="en-US"/>
               <a:t>マスター テキストの書式設定</a:t>
             </a:r>
           </a:p>
@@ -3033,7 +3009,7 @@
           <a:p>
             <a:fld id="{56F9016B-CCA6-43BE-8BEE-59565A35F4F7}" type="datetimeFigureOut">
               <a:rPr kumimoji="1" lang="ja-JP" altLang="en-US" smtClean="0"/>
-              <a:t>2022/1/26</a:t>
+              <a:t>2022/5/13</a:t>
             </a:fld>
             <a:endParaRPr kumimoji="1" lang="ja-JP" altLang="en-US"/>
           </a:p>
@@ -3142,10 +3118,9 @@
           </a:lstStyle>
           <a:p>
             <a:r>
-              <a:rPr kumimoji="1" lang="ja-JP" altLang="en-US" dirty="0" smtClean="0"/>
+              <a:rPr kumimoji="1" lang="ja-JP" altLang="en-US" dirty="0"/>
               <a:t>タイトルを入力</a:t>
             </a:r>
-            <a:endParaRPr kumimoji="1" lang="ja-JP" altLang="en-US" dirty="0"/>
           </a:p>
         </p:txBody>
       </p:sp>
@@ -3159,13 +3134,6 @@
   <p:clrMapOvr>
     <a:masterClrMapping/>
   </p:clrMapOvr>
-  <p:timing>
-    <p:tnLst>
-      <p:par>
-        <p:cTn id="1" dur="indefinite" restart="never" nodeType="tmRoot"/>
-      </p:par>
-    </p:tnLst>
-  </p:timing>
 </p:sldLayout>
 </file>
 
@@ -3202,10 +3170,9 @@
           <a:lstStyle/>
           <a:p>
             <a:r>
-              <a:rPr kumimoji="1" lang="ja-JP" altLang="en-US" smtClean="0"/>
+              <a:rPr kumimoji="1" lang="ja-JP" altLang="en-US"/>
               <a:t>マスター タイトルの書式設定</a:t>
             </a:r>
-            <a:endParaRPr kumimoji="1" lang="ja-JP" altLang="en-US"/>
           </a:p>
         </p:txBody>
       </p:sp>
@@ -3226,70 +3193,69 @@
           <a:p>
             <a:pPr lvl="0"/>
             <a:r>
-              <a:rPr kumimoji="1" lang="ja-JP" altLang="en-US" smtClean="0"/>
+              <a:rPr kumimoji="1" lang="ja-JP" altLang="en-US"/>
               <a:t>マスター テキストの書式設定</a:t>
             </a:r>
           </a:p>
           <a:p>
             <a:pPr lvl="1"/>
             <a:r>
-              <a:rPr kumimoji="1" lang="ja-JP" altLang="en-US" smtClean="0"/>
+              <a:rPr kumimoji="1" lang="ja-JP" altLang="en-US"/>
               <a:t>第 </a:t>
             </a:r>
             <a:r>
-              <a:rPr kumimoji="1" lang="en-US" altLang="ja-JP" smtClean="0"/>
+              <a:rPr kumimoji="1" lang="en-US" altLang="ja-JP"/>
               <a:t>2 </a:t>
             </a:r>
             <a:r>
-              <a:rPr kumimoji="1" lang="ja-JP" altLang="en-US" smtClean="0"/>
+              <a:rPr kumimoji="1" lang="ja-JP" altLang="en-US"/>
               <a:t>レベル</a:t>
             </a:r>
           </a:p>
           <a:p>
             <a:pPr lvl="2"/>
             <a:r>
-              <a:rPr kumimoji="1" lang="ja-JP" altLang="en-US" smtClean="0"/>
+              <a:rPr kumimoji="1" lang="ja-JP" altLang="en-US"/>
               <a:t>第 </a:t>
             </a:r>
             <a:r>
-              <a:rPr kumimoji="1" lang="en-US" altLang="ja-JP" smtClean="0"/>
+              <a:rPr kumimoji="1" lang="en-US" altLang="ja-JP"/>
               <a:t>3 </a:t>
             </a:r>
             <a:r>
-              <a:rPr kumimoji="1" lang="ja-JP" altLang="en-US" smtClean="0"/>
+              <a:rPr kumimoji="1" lang="ja-JP" altLang="en-US"/>
               <a:t>レベル</a:t>
             </a:r>
           </a:p>
           <a:p>
             <a:pPr lvl="3"/>
             <a:r>
-              <a:rPr kumimoji="1" lang="ja-JP" altLang="en-US" smtClean="0"/>
+              <a:rPr kumimoji="1" lang="ja-JP" altLang="en-US"/>
               <a:t>第 </a:t>
             </a:r>
             <a:r>
-              <a:rPr kumimoji="1" lang="en-US" altLang="ja-JP" smtClean="0"/>
+              <a:rPr kumimoji="1" lang="en-US" altLang="ja-JP"/>
               <a:t>4 </a:t>
             </a:r>
             <a:r>
-              <a:rPr kumimoji="1" lang="ja-JP" altLang="en-US" smtClean="0"/>
+              <a:rPr kumimoji="1" lang="ja-JP" altLang="en-US"/>
               <a:t>レベル</a:t>
             </a:r>
           </a:p>
           <a:p>
             <a:pPr lvl="4"/>
             <a:r>
-              <a:rPr kumimoji="1" lang="ja-JP" altLang="en-US" smtClean="0"/>
+              <a:rPr kumimoji="1" lang="ja-JP" altLang="en-US"/>
               <a:t>第 </a:t>
             </a:r>
             <a:r>
-              <a:rPr kumimoji="1" lang="en-US" altLang="ja-JP" smtClean="0"/>
+              <a:rPr kumimoji="1" lang="en-US" altLang="ja-JP"/>
               <a:t>5 </a:t>
             </a:r>
             <a:r>
-              <a:rPr kumimoji="1" lang="ja-JP" altLang="en-US" smtClean="0"/>
+              <a:rPr kumimoji="1" lang="ja-JP" altLang="en-US"/>
               <a:t>レベル</a:t>
             </a:r>
-            <a:endParaRPr kumimoji="1" lang="ja-JP" altLang="en-US"/>
           </a:p>
         </p:txBody>
       </p:sp>
@@ -3310,7 +3276,7 @@
           <a:p>
             <a:fld id="{56F9016B-CCA6-43BE-8BEE-59565A35F4F7}" type="datetimeFigureOut">
               <a:rPr kumimoji="1" lang="ja-JP" altLang="en-US" smtClean="0"/>
-              <a:t>2022/1/26</a:t>
+              <a:t>2022/5/13</a:t>
             </a:fld>
             <a:endParaRPr kumimoji="1" lang="ja-JP" altLang="en-US"/>
           </a:p>
@@ -3409,10 +3375,9 @@
           <a:lstStyle/>
           <a:p>
             <a:r>
-              <a:rPr kumimoji="1" lang="ja-JP" altLang="en-US" smtClean="0"/>
+              <a:rPr kumimoji="1" lang="ja-JP" altLang="en-US"/>
               <a:t>マスター タイトルの書式設定</a:t>
             </a:r>
-            <a:endParaRPr kumimoji="1" lang="ja-JP" altLang="en-US"/>
           </a:p>
         </p:txBody>
       </p:sp>
@@ -3438,70 +3403,69 @@
           <a:p>
             <a:pPr lvl="0"/>
             <a:r>
-              <a:rPr kumimoji="1" lang="ja-JP" altLang="en-US" smtClean="0"/>
+              <a:rPr kumimoji="1" lang="ja-JP" altLang="en-US"/>
               <a:t>マスター テキストの書式設定</a:t>
             </a:r>
           </a:p>
           <a:p>
             <a:pPr lvl="1"/>
             <a:r>
-              <a:rPr kumimoji="1" lang="ja-JP" altLang="en-US" smtClean="0"/>
+              <a:rPr kumimoji="1" lang="ja-JP" altLang="en-US"/>
               <a:t>第 </a:t>
             </a:r>
             <a:r>
-              <a:rPr kumimoji="1" lang="en-US" altLang="ja-JP" smtClean="0"/>
+              <a:rPr kumimoji="1" lang="en-US" altLang="ja-JP"/>
               <a:t>2 </a:t>
             </a:r>
             <a:r>
-              <a:rPr kumimoji="1" lang="ja-JP" altLang="en-US" smtClean="0"/>
+              <a:rPr kumimoji="1" lang="ja-JP" altLang="en-US"/>
               <a:t>レベル</a:t>
             </a:r>
           </a:p>
           <a:p>
             <a:pPr lvl="2"/>
             <a:r>
-              <a:rPr kumimoji="1" lang="ja-JP" altLang="en-US" smtClean="0"/>
+              <a:rPr kumimoji="1" lang="ja-JP" altLang="en-US"/>
               <a:t>第 </a:t>
             </a:r>
             <a:r>
-              <a:rPr kumimoji="1" lang="en-US" altLang="ja-JP" smtClean="0"/>
+              <a:rPr kumimoji="1" lang="en-US" altLang="ja-JP"/>
               <a:t>3 </a:t>
             </a:r>
             <a:r>
-              <a:rPr kumimoji="1" lang="ja-JP" altLang="en-US" smtClean="0"/>
+              <a:rPr kumimoji="1" lang="ja-JP" altLang="en-US"/>
               <a:t>レベル</a:t>
             </a:r>
           </a:p>
           <a:p>
             <a:pPr lvl="3"/>
             <a:r>
-              <a:rPr kumimoji="1" lang="ja-JP" altLang="en-US" smtClean="0"/>
+              <a:rPr kumimoji="1" lang="ja-JP" altLang="en-US"/>
               <a:t>第 </a:t>
             </a:r>
             <a:r>
-              <a:rPr kumimoji="1" lang="en-US" altLang="ja-JP" smtClean="0"/>
+              <a:rPr kumimoji="1" lang="en-US" altLang="ja-JP"/>
               <a:t>4 </a:t>
             </a:r>
             <a:r>
-              <a:rPr kumimoji="1" lang="ja-JP" altLang="en-US" smtClean="0"/>
+              <a:rPr kumimoji="1" lang="ja-JP" altLang="en-US"/>
               <a:t>レベル</a:t>
             </a:r>
           </a:p>
           <a:p>
             <a:pPr lvl="4"/>
             <a:r>
-              <a:rPr kumimoji="1" lang="ja-JP" altLang="en-US" smtClean="0"/>
+              <a:rPr kumimoji="1" lang="ja-JP" altLang="en-US"/>
               <a:t>第 </a:t>
             </a:r>
             <a:r>
-              <a:rPr kumimoji="1" lang="en-US" altLang="ja-JP" smtClean="0"/>
+              <a:rPr kumimoji="1" lang="en-US" altLang="ja-JP"/>
               <a:t>5 </a:t>
             </a:r>
             <a:r>
-              <a:rPr kumimoji="1" lang="ja-JP" altLang="en-US" smtClean="0"/>
+              <a:rPr kumimoji="1" lang="ja-JP" altLang="en-US"/>
               <a:t>レベル</a:t>
             </a:r>
-            <a:endParaRPr kumimoji="1" lang="ja-JP" altLang="en-US"/>
           </a:p>
         </p:txBody>
       </p:sp>
@@ -3522,7 +3486,7 @@
           <a:p>
             <a:fld id="{56F9016B-CCA6-43BE-8BEE-59565A35F4F7}" type="datetimeFigureOut">
               <a:rPr kumimoji="1" lang="ja-JP" altLang="en-US" smtClean="0"/>
-              <a:t>2022/1/26</a:t>
+              <a:t>2022/5/13</a:t>
             </a:fld>
             <a:endParaRPr kumimoji="1" lang="ja-JP" altLang="en-US"/>
           </a:p>
@@ -3632,10 +3596,9 @@
           <a:p>
             <a:pPr lvl="0"/>
             <a:r>
-              <a:rPr kumimoji="1" lang="ja-JP" altLang="en-US" dirty="0" smtClean="0"/>
+              <a:rPr kumimoji="1" lang="ja-JP" altLang="en-US" dirty="0"/>
               <a:t>タイトルを入力</a:t>
             </a:r>
-            <a:endParaRPr kumimoji="1" lang="ja-JP" altLang="en-US" dirty="0"/>
           </a:p>
         </p:txBody>
       </p:sp>
@@ -3676,7 +3639,7 @@
           <a:p>
             <a:pPr lvl="0"/>
             <a:r>
-              <a:rPr kumimoji="1" lang="ja-JP" altLang="en-US" sz="2000" b="0" i="0" u="none" strike="noStrike" kern="0" cap="none" spc="0" normalizeH="0" baseline="0" noProof="0" dirty="0" smtClean="0">
+              <a:rPr kumimoji="1" lang="ja-JP" altLang="en-US" sz="2000" b="0" i="0" u="none" strike="noStrike" kern="0" cap="none" spc="0" normalizeH="0" baseline="0" noProof="0" dirty="0">
                 <a:ln>
                   <a:noFill/>
                 </a:ln>
@@ -3696,7 +3659,7 @@
           <a:p>
             <a:pPr lvl="1"/>
             <a:r>
-              <a:rPr kumimoji="1" lang="ja-JP" altLang="en-US" sz="1600" b="0" i="0" u="none" strike="noStrike" kern="0" cap="none" spc="0" normalizeH="0" baseline="0" noProof="0" dirty="0" smtClean="0">
+              <a:rPr kumimoji="1" lang="ja-JP" altLang="en-US" sz="1600" b="0" i="0" u="none" strike="noStrike" kern="0" cap="none" spc="0" normalizeH="0" baseline="0" noProof="0" dirty="0">
                 <a:ln>
                   <a:noFill/>
                 </a:ln>
@@ -3712,7 +3675,7 @@
               <a:t>第</a:t>
             </a:r>
             <a:r>
-              <a:rPr kumimoji="1" lang="en-US" altLang="ja-JP" sz="1600" b="0" i="0" u="none" strike="noStrike" kern="0" cap="none" spc="0" normalizeH="0" baseline="0" noProof="0" dirty="0" smtClean="0">
+              <a:rPr kumimoji="1" lang="en-US" altLang="ja-JP" sz="1600" b="0" i="0" u="none" strike="noStrike" kern="0" cap="none" spc="0" normalizeH="0" baseline="0" noProof="0" dirty="0">
                 <a:ln>
                   <a:noFill/>
                 </a:ln>
@@ -3728,7 +3691,7 @@
               <a:t>2</a:t>
             </a:r>
             <a:r>
-              <a:rPr kumimoji="1" lang="ja-JP" altLang="en-US" sz="1600" b="0" i="0" u="none" strike="noStrike" kern="0" cap="none" spc="0" normalizeH="0" baseline="0" noProof="0" dirty="0" smtClean="0">
+              <a:rPr kumimoji="1" lang="ja-JP" altLang="en-US" sz="1600" b="0" i="0" u="none" strike="noStrike" kern="0" cap="none" spc="0" normalizeH="0" baseline="0" noProof="0" dirty="0">
                 <a:ln>
                   <a:noFill/>
                 </a:ln>
@@ -3747,7 +3710,7 @@
           <a:p>
             <a:pPr lvl="2"/>
             <a:r>
-              <a:rPr kumimoji="1" lang="ja-JP" altLang="en-US" sz="1400" b="0" i="0" u="none" strike="noStrike" kern="0" cap="none" spc="0" normalizeH="0" baseline="0" noProof="0" dirty="0" smtClean="0">
+              <a:rPr kumimoji="1" lang="ja-JP" altLang="en-US" sz="1400" b="0" i="0" u="none" strike="noStrike" kern="0" cap="none" spc="0" normalizeH="0" baseline="0" noProof="0" dirty="0">
                 <a:ln>
                   <a:noFill/>
                 </a:ln>
@@ -3763,7 +3726,7 @@
               <a:t>第</a:t>
             </a:r>
             <a:r>
-              <a:rPr kumimoji="1" lang="en-US" altLang="ja-JP" sz="1400" b="0" i="0" u="none" strike="noStrike" kern="0" cap="none" spc="0" normalizeH="0" baseline="0" noProof="0" dirty="0" smtClean="0">
+              <a:rPr kumimoji="1" lang="en-US" altLang="ja-JP" sz="1400" b="0" i="0" u="none" strike="noStrike" kern="0" cap="none" spc="0" normalizeH="0" baseline="0" noProof="0" dirty="0">
                 <a:ln>
                   <a:noFill/>
                 </a:ln>
@@ -3779,7 +3742,7 @@
               <a:t>3</a:t>
             </a:r>
             <a:r>
-              <a:rPr kumimoji="1" lang="ja-JP" altLang="en-US" sz="1400" b="0" i="0" u="none" strike="noStrike" kern="0" cap="none" spc="0" normalizeH="0" baseline="0" noProof="0" dirty="0" smtClean="0">
+              <a:rPr kumimoji="1" lang="ja-JP" altLang="en-US" sz="1400" b="0" i="0" u="none" strike="noStrike" kern="0" cap="none" spc="0" normalizeH="0" baseline="0" noProof="0" dirty="0">
                 <a:ln>
                   <a:noFill/>
                 </a:ln>
@@ -3798,7 +3761,7 @@
           <a:p>
             <a:pPr lvl="3"/>
             <a:r>
-              <a:rPr kumimoji="1" lang="ja-JP" altLang="en-US" sz="1200" b="0" i="0" u="none" strike="noStrike" kern="0" cap="none" spc="0" normalizeH="0" baseline="0" noProof="0" dirty="0" smtClean="0">
+              <a:rPr kumimoji="1" lang="ja-JP" altLang="en-US" sz="1200" b="0" i="0" u="none" strike="noStrike" kern="0" cap="none" spc="0" normalizeH="0" baseline="0" noProof="0" dirty="0">
                 <a:ln>
                   <a:noFill/>
                 </a:ln>
@@ -3814,7 +3777,7 @@
               <a:t>第</a:t>
             </a:r>
             <a:r>
-              <a:rPr kumimoji="1" lang="en-US" altLang="ja-JP" sz="1200" b="0" i="0" u="none" strike="noStrike" kern="0" cap="none" spc="0" normalizeH="0" baseline="0" noProof="0" dirty="0" smtClean="0">
+              <a:rPr kumimoji="1" lang="en-US" altLang="ja-JP" sz="1200" b="0" i="0" u="none" strike="noStrike" kern="0" cap="none" spc="0" normalizeH="0" baseline="0" noProof="0" dirty="0">
                 <a:ln>
                   <a:noFill/>
                 </a:ln>
@@ -3830,7 +3793,7 @@
               <a:t>4</a:t>
             </a:r>
             <a:r>
-              <a:rPr kumimoji="1" lang="ja-JP" altLang="en-US" sz="1200" b="0" i="0" u="none" strike="noStrike" kern="0" cap="none" spc="0" normalizeH="0" baseline="0" noProof="0" dirty="0" smtClean="0">
+              <a:rPr kumimoji="1" lang="ja-JP" altLang="en-US" sz="1200" b="0" i="0" u="none" strike="noStrike" kern="0" cap="none" spc="0" normalizeH="0" baseline="0" noProof="0" dirty="0">
                 <a:ln>
                   <a:noFill/>
                 </a:ln>
@@ -3858,13 +3821,6 @@
   <p:clrMapOvr>
     <a:masterClrMapping/>
   </p:clrMapOvr>
-  <p:timing>
-    <p:tnLst>
-      <p:par>
-        <p:cTn id="1" dur="indefinite" restart="never" nodeType="tmRoot"/>
-      </p:par>
-    </p:tnLst>
-  </p:timing>
 </p:sldLayout>
 </file>
 
@@ -3917,10 +3873,9 @@
           <a:p>
             <a:pPr lvl="0"/>
             <a:r>
-              <a:rPr kumimoji="1" lang="ja-JP" altLang="en-US" dirty="0" smtClean="0"/>
+              <a:rPr kumimoji="1" lang="ja-JP" altLang="en-US" dirty="0"/>
               <a:t>タイトルを入力</a:t>
             </a:r>
-            <a:endParaRPr kumimoji="1" lang="ja-JP" altLang="en-US" dirty="0"/>
           </a:p>
         </p:txBody>
       </p:sp>
@@ -3996,18 +3951,17 @@
               <a:buNone/>
             </a:pPr>
             <a:r>
-              <a:rPr kumimoji="1" lang="ja-JP" altLang="en-US" dirty="0" smtClean="0"/>
+              <a:rPr kumimoji="1" lang="ja-JP" altLang="en-US" dirty="0"/>
               <a:t>リード文が</a:t>
             </a:r>
             <a:r>
-              <a:rPr kumimoji="1" lang="en-US" altLang="ja-JP" dirty="0" smtClean="0"/>
+              <a:rPr kumimoji="1" lang="en-US" altLang="ja-JP" dirty="0"/>
               <a:t>1</a:t>
             </a:r>
             <a:r>
-              <a:rPr kumimoji="1" lang="ja-JP" altLang="en-US" dirty="0" smtClean="0"/>
+              <a:rPr kumimoji="1" lang="ja-JP" altLang="en-US" dirty="0"/>
               <a:t>行でおさまる場合はこのレイアウトで入力</a:t>
             </a:r>
-            <a:endParaRPr kumimoji="1" lang="ja-JP" altLang="en-US" dirty="0"/>
           </a:p>
         </p:txBody>
       </p:sp>
@@ -4088,7 +4042,7 @@
           <a:p>
             <a:pPr lvl="0"/>
             <a:r>
-              <a:rPr kumimoji="1" lang="ja-JP" altLang="en-US" sz="2000" b="0" i="0" u="none" strike="noStrike" kern="0" cap="none" spc="0" normalizeH="0" baseline="0" noProof="0" dirty="0" smtClean="0">
+              <a:rPr kumimoji="1" lang="ja-JP" altLang="en-US" sz="2000" b="0" i="0" u="none" strike="noStrike" kern="0" cap="none" spc="0" normalizeH="0" baseline="0" noProof="0" dirty="0">
                 <a:ln>
                   <a:noFill/>
                 </a:ln>
@@ -4108,7 +4062,7 @@
           <a:p>
             <a:pPr lvl="1"/>
             <a:r>
-              <a:rPr kumimoji="1" lang="ja-JP" altLang="en-US" sz="1600" b="0" i="0" u="none" strike="noStrike" kern="0" cap="none" spc="0" normalizeH="0" baseline="0" noProof="0" dirty="0" smtClean="0">
+              <a:rPr kumimoji="1" lang="ja-JP" altLang="en-US" sz="1600" b="0" i="0" u="none" strike="noStrike" kern="0" cap="none" spc="0" normalizeH="0" baseline="0" noProof="0" dirty="0">
                 <a:ln>
                   <a:noFill/>
                 </a:ln>
@@ -4124,7 +4078,7 @@
               <a:t>第</a:t>
             </a:r>
             <a:r>
-              <a:rPr kumimoji="1" lang="en-US" altLang="ja-JP" sz="1600" b="0" i="0" u="none" strike="noStrike" kern="0" cap="none" spc="0" normalizeH="0" baseline="0" noProof="0" dirty="0" smtClean="0">
+              <a:rPr kumimoji="1" lang="en-US" altLang="ja-JP" sz="1600" b="0" i="0" u="none" strike="noStrike" kern="0" cap="none" spc="0" normalizeH="0" baseline="0" noProof="0" dirty="0">
                 <a:ln>
                   <a:noFill/>
                 </a:ln>
@@ -4140,7 +4094,7 @@
               <a:t>2</a:t>
             </a:r>
             <a:r>
-              <a:rPr kumimoji="1" lang="ja-JP" altLang="en-US" sz="1600" b="0" i="0" u="none" strike="noStrike" kern="0" cap="none" spc="0" normalizeH="0" baseline="0" noProof="0" dirty="0" smtClean="0">
+              <a:rPr kumimoji="1" lang="ja-JP" altLang="en-US" sz="1600" b="0" i="0" u="none" strike="noStrike" kern="0" cap="none" spc="0" normalizeH="0" baseline="0" noProof="0" dirty="0">
                 <a:ln>
                   <a:noFill/>
                 </a:ln>
@@ -4159,7 +4113,7 @@
           <a:p>
             <a:pPr lvl="2"/>
             <a:r>
-              <a:rPr kumimoji="1" lang="ja-JP" altLang="en-US" sz="1400" b="0" i="0" u="none" strike="noStrike" kern="0" cap="none" spc="0" normalizeH="0" baseline="0" noProof="0" dirty="0" smtClean="0">
+              <a:rPr kumimoji="1" lang="ja-JP" altLang="en-US" sz="1400" b="0" i="0" u="none" strike="noStrike" kern="0" cap="none" spc="0" normalizeH="0" baseline="0" noProof="0" dirty="0">
                 <a:ln>
                   <a:noFill/>
                 </a:ln>
@@ -4175,7 +4129,7 @@
               <a:t>第</a:t>
             </a:r>
             <a:r>
-              <a:rPr kumimoji="1" lang="en-US" altLang="ja-JP" sz="1400" b="0" i="0" u="none" strike="noStrike" kern="0" cap="none" spc="0" normalizeH="0" baseline="0" noProof="0" dirty="0" smtClean="0">
+              <a:rPr kumimoji="1" lang="en-US" altLang="ja-JP" sz="1400" b="0" i="0" u="none" strike="noStrike" kern="0" cap="none" spc="0" normalizeH="0" baseline="0" noProof="0" dirty="0">
                 <a:ln>
                   <a:noFill/>
                 </a:ln>
@@ -4191,7 +4145,7 @@
               <a:t>3</a:t>
             </a:r>
             <a:r>
-              <a:rPr kumimoji="1" lang="ja-JP" altLang="en-US" sz="1400" b="0" i="0" u="none" strike="noStrike" kern="0" cap="none" spc="0" normalizeH="0" baseline="0" noProof="0" dirty="0" smtClean="0">
+              <a:rPr kumimoji="1" lang="ja-JP" altLang="en-US" sz="1400" b="0" i="0" u="none" strike="noStrike" kern="0" cap="none" spc="0" normalizeH="0" baseline="0" noProof="0" dirty="0">
                 <a:ln>
                   <a:noFill/>
                 </a:ln>
@@ -4210,7 +4164,7 @@
           <a:p>
             <a:pPr lvl="3"/>
             <a:r>
-              <a:rPr kumimoji="1" lang="ja-JP" altLang="en-US" sz="1200" b="0" i="0" u="none" strike="noStrike" kern="0" cap="none" spc="0" normalizeH="0" baseline="0" noProof="0" dirty="0" smtClean="0">
+              <a:rPr kumimoji="1" lang="ja-JP" altLang="en-US" sz="1200" b="0" i="0" u="none" strike="noStrike" kern="0" cap="none" spc="0" normalizeH="0" baseline="0" noProof="0" dirty="0">
                 <a:ln>
                   <a:noFill/>
                 </a:ln>
@@ -4226,7 +4180,7 @@
               <a:t>第</a:t>
             </a:r>
             <a:r>
-              <a:rPr kumimoji="1" lang="en-US" altLang="ja-JP" sz="1200" b="0" i="0" u="none" strike="noStrike" kern="0" cap="none" spc="0" normalizeH="0" baseline="0" noProof="0" dirty="0" smtClean="0">
+              <a:rPr kumimoji="1" lang="en-US" altLang="ja-JP" sz="1200" b="0" i="0" u="none" strike="noStrike" kern="0" cap="none" spc="0" normalizeH="0" baseline="0" noProof="0" dirty="0">
                 <a:ln>
                   <a:noFill/>
                 </a:ln>
@@ -4242,7 +4196,7 @@
               <a:t>4</a:t>
             </a:r>
             <a:r>
-              <a:rPr kumimoji="1" lang="ja-JP" altLang="en-US" sz="1200" b="0" i="0" u="none" strike="noStrike" kern="0" cap="none" spc="0" normalizeH="0" baseline="0" noProof="0" dirty="0" smtClean="0">
+              <a:rPr kumimoji="1" lang="ja-JP" altLang="en-US" sz="1200" b="0" i="0" u="none" strike="noStrike" kern="0" cap="none" spc="0" normalizeH="0" baseline="0" noProof="0" dirty="0">
                 <a:ln>
                   <a:noFill/>
                 </a:ln>
@@ -4270,13 +4224,6 @@
   <p:clrMapOvr>
     <a:masterClrMapping/>
   </p:clrMapOvr>
-  <p:timing>
-    <p:tnLst>
-      <p:par>
-        <p:cTn id="1" dur="indefinite" restart="never" nodeType="tmRoot"/>
-      </p:par>
-    </p:tnLst>
-  </p:timing>
 </p:sldLayout>
 </file>
 
@@ -4329,10 +4276,9 @@
           <a:p>
             <a:pPr lvl="0"/>
             <a:r>
-              <a:rPr kumimoji="1" lang="ja-JP" altLang="en-US" dirty="0" smtClean="0"/>
+              <a:rPr kumimoji="1" lang="ja-JP" altLang="en-US" dirty="0"/>
               <a:t>タイトルを入力</a:t>
             </a:r>
-            <a:endParaRPr kumimoji="1" lang="ja-JP" altLang="en-US" dirty="0"/>
           </a:p>
         </p:txBody>
       </p:sp>
@@ -4408,29 +4354,24 @@
               <a:buNone/>
             </a:pPr>
             <a:r>
-              <a:rPr kumimoji="1" lang="ja-JP" altLang="en-US" dirty="0" smtClean="0"/>
+              <a:rPr kumimoji="1" lang="ja-JP" altLang="en-US" dirty="0"/>
               <a:t>リード文が</a:t>
             </a:r>
             <a:r>
-              <a:rPr kumimoji="1" lang="en-US" altLang="ja-JP" dirty="0" smtClean="0"/>
+              <a:rPr kumimoji="1" lang="en-US" altLang="ja-JP" dirty="0"/>
               <a:t>2</a:t>
             </a:r>
             <a:r>
-              <a:rPr kumimoji="1" lang="ja-JP" altLang="en-US" dirty="0" smtClean="0"/>
+              <a:rPr kumimoji="1" lang="ja-JP" altLang="en-US" dirty="0"/>
               <a:t>行にわたる場合は</a:t>
             </a:r>
-            <a:r>
-              <a:rPr kumimoji="1" lang="en-US" altLang="ja-JP" dirty="0" smtClean="0"/>
-              <a:t/>
-            </a:r>
             <a:br>
-              <a:rPr kumimoji="1" lang="en-US" altLang="ja-JP" dirty="0" smtClean="0"/>
+              <a:rPr kumimoji="1" lang="en-US" altLang="ja-JP" dirty="0"/>
             </a:br>
             <a:r>
-              <a:rPr kumimoji="1" lang="ja-JP" altLang="en-US" dirty="0" smtClean="0"/>
+              <a:rPr kumimoji="1" lang="ja-JP" altLang="en-US" dirty="0"/>
               <a:t>このレイアウトで入力</a:t>
             </a:r>
-            <a:endParaRPr kumimoji="1" lang="ja-JP" altLang="en-US" dirty="0"/>
           </a:p>
         </p:txBody>
       </p:sp>
@@ -4520,7 +4461,7 @@
               <a:tabLst/>
             </a:pPr>
             <a:r>
-              <a:rPr kumimoji="1" lang="ja-JP" altLang="en-US" dirty="0" smtClean="0"/>
+              <a:rPr kumimoji="1" lang="ja-JP" altLang="en-US" dirty="0"/>
               <a:t>本文を入力</a:t>
             </a:r>
           </a:p>
@@ -4536,15 +4477,15 @@
               <a:tabLst/>
             </a:pPr>
             <a:r>
-              <a:rPr kumimoji="1" lang="ja-JP" altLang="en-US" dirty="0" smtClean="0"/>
+              <a:rPr kumimoji="1" lang="ja-JP" altLang="en-US" dirty="0"/>
               <a:t>第</a:t>
             </a:r>
             <a:r>
-              <a:rPr kumimoji="1" lang="en-US" altLang="ja-JP" dirty="0" smtClean="0"/>
+              <a:rPr kumimoji="1" lang="en-US" altLang="ja-JP" dirty="0"/>
               <a:t>2</a:t>
             </a:r>
             <a:r>
-              <a:rPr kumimoji="1" lang="ja-JP" altLang="en-US" dirty="0" smtClean="0"/>
+              <a:rPr kumimoji="1" lang="ja-JP" altLang="en-US" dirty="0"/>
               <a:t>レベル</a:t>
             </a:r>
           </a:p>
@@ -4560,15 +4501,15 @@
               <a:tabLst/>
             </a:pPr>
             <a:r>
-              <a:rPr kumimoji="1" lang="ja-JP" altLang="en-US" dirty="0" smtClean="0"/>
+              <a:rPr kumimoji="1" lang="ja-JP" altLang="en-US" dirty="0"/>
               <a:t>第</a:t>
             </a:r>
             <a:r>
-              <a:rPr kumimoji="1" lang="en-US" altLang="ja-JP" dirty="0" smtClean="0"/>
+              <a:rPr kumimoji="1" lang="en-US" altLang="ja-JP" dirty="0"/>
               <a:t>3</a:t>
             </a:r>
             <a:r>
-              <a:rPr kumimoji="1" lang="ja-JP" altLang="en-US" dirty="0" smtClean="0"/>
+              <a:rPr kumimoji="1" lang="ja-JP" altLang="en-US" dirty="0"/>
               <a:t>レベル</a:t>
             </a:r>
           </a:p>
@@ -4584,15 +4525,15 @@
               <a:tabLst/>
             </a:pPr>
             <a:r>
-              <a:rPr kumimoji="1" lang="ja-JP" altLang="en-US" dirty="0" smtClean="0"/>
+              <a:rPr kumimoji="1" lang="ja-JP" altLang="en-US" dirty="0"/>
               <a:t>第</a:t>
             </a:r>
             <a:r>
-              <a:rPr kumimoji="1" lang="en-US" altLang="ja-JP" dirty="0" smtClean="0"/>
+              <a:rPr kumimoji="1" lang="en-US" altLang="ja-JP" dirty="0"/>
               <a:t>4</a:t>
             </a:r>
             <a:r>
-              <a:rPr kumimoji="1" lang="ja-JP" altLang="en-US" dirty="0" smtClean="0"/>
+              <a:rPr kumimoji="1" lang="ja-JP" altLang="en-US" dirty="0"/>
               <a:t>レベル</a:t>
             </a:r>
           </a:p>
@@ -4608,13 +4549,6 @@
   <p:clrMapOvr>
     <a:masterClrMapping/>
   </p:clrMapOvr>
-  <p:timing>
-    <p:tnLst>
-      <p:par>
-        <p:cTn id="1" dur="indefinite" restart="never" nodeType="tmRoot"/>
-      </p:par>
-    </p:tnLst>
-  </p:timing>
 </p:sldLayout>
 </file>
 
@@ -4667,10 +4601,9 @@
           <a:p>
             <a:pPr lvl="0"/>
             <a:r>
-              <a:rPr kumimoji="1" lang="ja-JP" altLang="en-US" dirty="0" smtClean="0"/>
+              <a:rPr kumimoji="1" lang="ja-JP" altLang="en-US" dirty="0"/>
               <a:t>タイトルを入力</a:t>
             </a:r>
-            <a:endParaRPr kumimoji="1" lang="ja-JP" altLang="en-US" dirty="0"/>
           </a:p>
         </p:txBody>
       </p:sp>
@@ -4751,14 +4684,14 @@
           <a:p>
             <a:pPr lvl="0"/>
             <a:r>
-              <a:rPr kumimoji="1" lang="ja-JP" altLang="en-US" dirty="0" smtClean="0"/>
+              <a:rPr kumimoji="1" lang="ja-JP" altLang="en-US" dirty="0"/>
               <a:t>本文を入力</a:t>
             </a:r>
           </a:p>
           <a:p>
             <a:pPr lvl="1"/>
             <a:r>
-              <a:rPr kumimoji="1" lang="ja-JP" altLang="en-US" sz="1600" b="0" i="0" u="none" strike="noStrike" kern="0" cap="none" spc="0" normalizeH="0" baseline="0" noProof="0" dirty="0" smtClean="0">
+              <a:rPr kumimoji="1" lang="ja-JP" altLang="en-US" sz="1600" b="0" i="0" u="none" strike="noStrike" kern="0" cap="none" spc="0" normalizeH="0" baseline="0" noProof="0" dirty="0">
                 <a:ln>
                   <a:noFill/>
                 </a:ln>
@@ -4774,7 +4707,7 @@
               <a:t>第</a:t>
             </a:r>
             <a:r>
-              <a:rPr kumimoji="1" lang="en-US" altLang="ja-JP" sz="1600" b="0" i="0" u="none" strike="noStrike" kern="0" cap="none" spc="0" normalizeH="0" baseline="0" noProof="0" dirty="0" smtClean="0">
+              <a:rPr kumimoji="1" lang="en-US" altLang="ja-JP" sz="1600" b="0" i="0" u="none" strike="noStrike" kern="0" cap="none" spc="0" normalizeH="0" baseline="0" noProof="0" dirty="0">
                 <a:ln>
                   <a:noFill/>
                 </a:ln>
@@ -4790,7 +4723,7 @@
               <a:t>2</a:t>
             </a:r>
             <a:r>
-              <a:rPr kumimoji="1" lang="ja-JP" altLang="en-US" sz="1600" b="0" i="0" u="none" strike="noStrike" kern="0" cap="none" spc="0" normalizeH="0" baseline="0" noProof="0" dirty="0" smtClean="0">
+              <a:rPr kumimoji="1" lang="ja-JP" altLang="en-US" sz="1600" b="0" i="0" u="none" strike="noStrike" kern="0" cap="none" spc="0" normalizeH="0" baseline="0" noProof="0" dirty="0">
                 <a:ln>
                   <a:noFill/>
                 </a:ln>
@@ -4809,7 +4742,7 @@
           <a:p>
             <a:pPr lvl="2"/>
             <a:r>
-              <a:rPr kumimoji="1" lang="ja-JP" altLang="en-US" sz="1400" b="0" i="0" u="none" strike="noStrike" kern="0" cap="none" spc="0" normalizeH="0" baseline="0" noProof="0" dirty="0" smtClean="0">
+              <a:rPr kumimoji="1" lang="ja-JP" altLang="en-US" sz="1400" b="0" i="0" u="none" strike="noStrike" kern="0" cap="none" spc="0" normalizeH="0" baseline="0" noProof="0" dirty="0">
                 <a:ln>
                   <a:noFill/>
                 </a:ln>
@@ -4825,7 +4758,7 @@
               <a:t>第</a:t>
             </a:r>
             <a:r>
-              <a:rPr kumimoji="1" lang="en-US" altLang="ja-JP" sz="1400" b="0" i="0" u="none" strike="noStrike" kern="0" cap="none" spc="0" normalizeH="0" baseline="0" noProof="0" dirty="0" smtClean="0">
+              <a:rPr kumimoji="1" lang="en-US" altLang="ja-JP" sz="1400" b="0" i="0" u="none" strike="noStrike" kern="0" cap="none" spc="0" normalizeH="0" baseline="0" noProof="0" dirty="0">
                 <a:ln>
                   <a:noFill/>
                 </a:ln>
@@ -4841,7 +4774,7 @@
               <a:t>3</a:t>
             </a:r>
             <a:r>
-              <a:rPr kumimoji="1" lang="ja-JP" altLang="en-US" sz="1400" b="0" i="0" u="none" strike="noStrike" kern="0" cap="none" spc="0" normalizeH="0" baseline="0" noProof="0" dirty="0" smtClean="0">
+              <a:rPr kumimoji="1" lang="ja-JP" altLang="en-US" sz="1400" b="0" i="0" u="none" strike="noStrike" kern="0" cap="none" spc="0" normalizeH="0" baseline="0" noProof="0" dirty="0">
                 <a:ln>
                   <a:noFill/>
                 </a:ln>
@@ -4860,7 +4793,7 @@
           <a:p>
             <a:pPr lvl="3"/>
             <a:r>
-              <a:rPr kumimoji="1" lang="ja-JP" altLang="en-US" sz="1200" b="0" i="0" u="none" strike="noStrike" kern="0" cap="none" spc="0" normalizeH="0" baseline="0" noProof="0" dirty="0" smtClean="0">
+              <a:rPr kumimoji="1" lang="ja-JP" altLang="en-US" sz="1200" b="0" i="0" u="none" strike="noStrike" kern="0" cap="none" spc="0" normalizeH="0" baseline="0" noProof="0" dirty="0">
                 <a:ln>
                   <a:noFill/>
                 </a:ln>
@@ -4876,7 +4809,7 @@
               <a:t>第</a:t>
             </a:r>
             <a:r>
-              <a:rPr kumimoji="1" lang="en-US" altLang="ja-JP" sz="1200" b="0" i="0" u="none" strike="noStrike" kern="0" cap="none" spc="0" normalizeH="0" baseline="0" noProof="0" dirty="0" smtClean="0">
+              <a:rPr kumimoji="1" lang="en-US" altLang="ja-JP" sz="1200" b="0" i="0" u="none" strike="noStrike" kern="0" cap="none" spc="0" normalizeH="0" baseline="0" noProof="0" dirty="0">
                 <a:ln>
                   <a:noFill/>
                 </a:ln>
@@ -4892,7 +4825,7 @@
               <a:t>4</a:t>
             </a:r>
             <a:r>
-              <a:rPr kumimoji="1" lang="ja-JP" altLang="en-US" sz="1200" b="0" i="0" u="none" strike="noStrike" kern="0" cap="none" spc="0" normalizeH="0" baseline="0" noProof="0" dirty="0" smtClean="0">
+              <a:rPr kumimoji="1" lang="ja-JP" altLang="en-US" sz="1200" b="0" i="0" u="none" strike="noStrike" kern="0" cap="none" spc="0" normalizeH="0" baseline="0" noProof="0" dirty="0">
                 <a:ln>
                   <a:noFill/>
                 </a:ln>
@@ -4987,14 +4920,14 @@
           <a:p>
             <a:pPr lvl="0"/>
             <a:r>
-              <a:rPr kumimoji="1" lang="ja-JP" altLang="en-US" dirty="0" smtClean="0"/>
+              <a:rPr kumimoji="1" lang="ja-JP" altLang="en-US" dirty="0"/>
               <a:t>本文を入力</a:t>
             </a:r>
           </a:p>
           <a:p>
             <a:pPr lvl="1"/>
             <a:r>
-              <a:rPr kumimoji="1" lang="ja-JP" altLang="en-US" sz="1600" b="0" i="0" u="none" strike="noStrike" kern="0" cap="none" spc="0" normalizeH="0" baseline="0" noProof="0" dirty="0" smtClean="0">
+              <a:rPr kumimoji="1" lang="ja-JP" altLang="en-US" sz="1600" b="0" i="0" u="none" strike="noStrike" kern="0" cap="none" spc="0" normalizeH="0" baseline="0" noProof="0" dirty="0">
                 <a:ln>
                   <a:noFill/>
                 </a:ln>
@@ -5010,7 +4943,7 @@
               <a:t>第</a:t>
             </a:r>
             <a:r>
-              <a:rPr kumimoji="1" lang="en-US" altLang="ja-JP" sz="1600" b="0" i="0" u="none" strike="noStrike" kern="0" cap="none" spc="0" normalizeH="0" baseline="0" noProof="0" dirty="0" smtClean="0">
+              <a:rPr kumimoji="1" lang="en-US" altLang="ja-JP" sz="1600" b="0" i="0" u="none" strike="noStrike" kern="0" cap="none" spc="0" normalizeH="0" baseline="0" noProof="0" dirty="0">
                 <a:ln>
                   <a:noFill/>
                 </a:ln>
@@ -5026,7 +4959,7 @@
               <a:t>2</a:t>
             </a:r>
             <a:r>
-              <a:rPr kumimoji="1" lang="ja-JP" altLang="en-US" sz="1600" b="0" i="0" u="none" strike="noStrike" kern="0" cap="none" spc="0" normalizeH="0" baseline="0" noProof="0" dirty="0" smtClean="0">
+              <a:rPr kumimoji="1" lang="ja-JP" altLang="en-US" sz="1600" b="0" i="0" u="none" strike="noStrike" kern="0" cap="none" spc="0" normalizeH="0" baseline="0" noProof="0" dirty="0">
                 <a:ln>
                   <a:noFill/>
                 </a:ln>
@@ -5045,7 +4978,7 @@
           <a:p>
             <a:pPr lvl="2"/>
             <a:r>
-              <a:rPr kumimoji="1" lang="ja-JP" altLang="en-US" sz="1400" b="0" i="0" u="none" strike="noStrike" kern="0" cap="none" spc="0" normalizeH="0" baseline="0" noProof="0" dirty="0" smtClean="0">
+              <a:rPr kumimoji="1" lang="ja-JP" altLang="en-US" sz="1400" b="0" i="0" u="none" strike="noStrike" kern="0" cap="none" spc="0" normalizeH="0" baseline="0" noProof="0" dirty="0">
                 <a:ln>
                   <a:noFill/>
                 </a:ln>
@@ -5061,7 +4994,7 @@
               <a:t>第</a:t>
             </a:r>
             <a:r>
-              <a:rPr kumimoji="1" lang="en-US" altLang="ja-JP" sz="1400" b="0" i="0" u="none" strike="noStrike" kern="0" cap="none" spc="0" normalizeH="0" baseline="0" noProof="0" dirty="0" smtClean="0">
+              <a:rPr kumimoji="1" lang="en-US" altLang="ja-JP" sz="1400" b="0" i="0" u="none" strike="noStrike" kern="0" cap="none" spc="0" normalizeH="0" baseline="0" noProof="0" dirty="0">
                 <a:ln>
                   <a:noFill/>
                 </a:ln>
@@ -5077,7 +5010,7 @@
               <a:t>3</a:t>
             </a:r>
             <a:r>
-              <a:rPr kumimoji="1" lang="ja-JP" altLang="en-US" sz="1400" b="0" i="0" u="none" strike="noStrike" kern="0" cap="none" spc="0" normalizeH="0" baseline="0" noProof="0" dirty="0" smtClean="0">
+              <a:rPr kumimoji="1" lang="ja-JP" altLang="en-US" sz="1400" b="0" i="0" u="none" strike="noStrike" kern="0" cap="none" spc="0" normalizeH="0" baseline="0" noProof="0" dirty="0">
                 <a:ln>
                   <a:noFill/>
                 </a:ln>
@@ -5096,7 +5029,7 @@
           <a:p>
             <a:pPr lvl="3"/>
             <a:r>
-              <a:rPr kumimoji="1" lang="ja-JP" altLang="en-US" sz="1200" b="0" i="0" u="none" strike="noStrike" kern="0" cap="none" spc="0" normalizeH="0" baseline="0" noProof="0" dirty="0" smtClean="0">
+              <a:rPr kumimoji="1" lang="ja-JP" altLang="en-US" sz="1200" b="0" i="0" u="none" strike="noStrike" kern="0" cap="none" spc="0" normalizeH="0" baseline="0" noProof="0" dirty="0">
                 <a:ln>
                   <a:noFill/>
                 </a:ln>
@@ -5112,7 +5045,7 @@
               <a:t>第</a:t>
             </a:r>
             <a:r>
-              <a:rPr kumimoji="1" lang="en-US" altLang="ja-JP" sz="1200" b="0" i="0" u="none" strike="noStrike" kern="0" cap="none" spc="0" normalizeH="0" baseline="0" noProof="0" dirty="0" smtClean="0">
+              <a:rPr kumimoji="1" lang="en-US" altLang="ja-JP" sz="1200" b="0" i="0" u="none" strike="noStrike" kern="0" cap="none" spc="0" normalizeH="0" baseline="0" noProof="0" dirty="0">
                 <a:ln>
                   <a:noFill/>
                 </a:ln>
@@ -5128,7 +5061,7 @@
               <a:t>4</a:t>
             </a:r>
             <a:r>
-              <a:rPr kumimoji="1" lang="ja-JP" altLang="en-US" sz="1200" b="0" i="0" u="none" strike="noStrike" kern="0" cap="none" spc="0" normalizeH="0" baseline="0" noProof="0" dirty="0" smtClean="0">
+              <a:rPr kumimoji="1" lang="ja-JP" altLang="en-US" sz="1200" b="0" i="0" u="none" strike="noStrike" kern="0" cap="none" spc="0" normalizeH="0" baseline="0" noProof="0" dirty="0">
                 <a:ln>
                   <a:noFill/>
                 </a:ln>
@@ -5156,13 +5089,6 @@
   <p:clrMapOvr>
     <a:masterClrMapping/>
   </p:clrMapOvr>
-  <p:timing>
-    <p:tnLst>
-      <p:par>
-        <p:cTn id="1" dur="indefinite" restart="never" nodeType="tmRoot"/>
-      </p:par>
-    </p:tnLst>
-  </p:timing>
 </p:sldLayout>
 </file>
 
@@ -5193,13 +5119,6 @@
   <p:clrMapOvr>
     <a:masterClrMapping/>
   </p:clrMapOvr>
-  <p:timing>
-    <p:tnLst>
-      <p:par>
-        <p:cTn id="1" dur="indefinite" restart="never" nodeType="tmRoot"/>
-      </p:par>
-    </p:tnLst>
-  </p:timing>
 </p:sldLayout>
 </file>
 
@@ -5281,10 +5200,9 @@
           </a:lstStyle>
           <a:p>
             <a:r>
-              <a:rPr kumimoji="1" lang="ja-JP" altLang="en-US" dirty="0" smtClean="0"/>
+              <a:rPr kumimoji="1" lang="ja-JP" altLang="en-US" dirty="0"/>
               <a:t>タイトルを入力</a:t>
             </a:r>
-            <a:endParaRPr kumimoji="1" lang="ja-JP" altLang="en-US" dirty="0"/>
           </a:p>
         </p:txBody>
       </p:sp>
@@ -5333,53 +5251,53 @@
           <a:p>
             <a:pPr lvl="0"/>
             <a:r>
-              <a:rPr kumimoji="1" lang="ja-JP" altLang="en-US" dirty="0" smtClean="0"/>
+              <a:rPr kumimoji="1" lang="ja-JP" altLang="en-US" dirty="0"/>
               <a:t>サブタイトルを入力</a:t>
             </a:r>
-            <a:endParaRPr kumimoji="1" lang="en-US" altLang="ja-JP" dirty="0" smtClean="0"/>
+            <a:endParaRPr kumimoji="1" lang="en-US" altLang="ja-JP" dirty="0"/>
           </a:p>
           <a:p>
             <a:pPr lvl="1"/>
             <a:r>
-              <a:rPr kumimoji="1" lang="ja-JP" altLang="en-US" dirty="0" smtClean="0"/>
+              <a:rPr kumimoji="1" lang="ja-JP" altLang="en-US" dirty="0"/>
               <a:t>第 </a:t>
             </a:r>
             <a:r>
-              <a:rPr kumimoji="1" lang="en-US" altLang="ja-JP" dirty="0" smtClean="0"/>
+              <a:rPr kumimoji="1" lang="en-US" altLang="ja-JP" dirty="0"/>
               <a:t>2 </a:t>
             </a:r>
             <a:r>
-              <a:rPr kumimoji="1" lang="ja-JP" altLang="en-US" dirty="0" smtClean="0"/>
+              <a:rPr kumimoji="1" lang="ja-JP" altLang="en-US" dirty="0"/>
               <a:t>レベル</a:t>
             </a:r>
           </a:p>
           <a:p>
             <a:pPr lvl="2"/>
             <a:r>
-              <a:rPr kumimoji="1" lang="ja-JP" altLang="en-US" dirty="0" smtClean="0"/>
+              <a:rPr kumimoji="1" lang="ja-JP" altLang="en-US" dirty="0"/>
               <a:t>第 </a:t>
             </a:r>
             <a:r>
-              <a:rPr kumimoji="1" lang="en-US" altLang="ja-JP" dirty="0" smtClean="0"/>
+              <a:rPr kumimoji="1" lang="en-US" altLang="ja-JP" dirty="0"/>
               <a:t>3 </a:t>
             </a:r>
             <a:r>
-              <a:rPr kumimoji="1" lang="ja-JP" altLang="en-US" dirty="0" smtClean="0"/>
+              <a:rPr kumimoji="1" lang="ja-JP" altLang="en-US" dirty="0"/>
               <a:t>レベル</a:t>
             </a:r>
           </a:p>
           <a:p>
             <a:pPr lvl="3"/>
             <a:r>
-              <a:rPr kumimoji="1" lang="ja-JP" altLang="en-US" dirty="0" smtClean="0"/>
+              <a:rPr kumimoji="1" lang="ja-JP" altLang="en-US" dirty="0"/>
               <a:t>第 </a:t>
             </a:r>
             <a:r>
-              <a:rPr kumimoji="1" lang="en-US" altLang="ja-JP" dirty="0" smtClean="0"/>
+              <a:rPr kumimoji="1" lang="en-US" altLang="ja-JP" dirty="0"/>
               <a:t>4 </a:t>
             </a:r>
             <a:r>
-              <a:rPr kumimoji="1" lang="ja-JP" altLang="en-US" dirty="0" smtClean="0"/>
+              <a:rPr kumimoji="1" lang="ja-JP" altLang="en-US" dirty="0"/>
               <a:t>レベル</a:t>
             </a:r>
           </a:p>
@@ -5395,13 +5313,6 @@
   <p:clrMapOvr>
     <a:masterClrMapping/>
   </p:clrMapOvr>
-  <p:timing>
-    <p:tnLst>
-      <p:par>
-        <p:cTn id="1" dur="indefinite" restart="never" nodeType="tmRoot"/>
-      </p:par>
-    </p:tnLst>
-  </p:timing>
 </p:sldLayout>
 </file>
 
@@ -5486,10 +5397,9 @@
           </a:lstStyle>
           <a:p>
             <a:r>
-              <a:rPr kumimoji="1" lang="ja-JP" altLang="en-US" dirty="0" smtClean="0"/>
+              <a:rPr kumimoji="1" lang="ja-JP" altLang="en-US" dirty="0"/>
               <a:t>目次 のタイトルを入力</a:t>
             </a:r>
-            <a:endParaRPr kumimoji="1" lang="ja-JP" altLang="en-US" dirty="0"/>
           </a:p>
         </p:txBody>
       </p:sp>
@@ -5578,53 +5488,53 @@
           <a:p>
             <a:pPr lvl="0"/>
             <a:r>
-              <a:rPr kumimoji="1" lang="ja-JP" altLang="en-US" dirty="0" smtClean="0"/>
+              <a:rPr kumimoji="1" lang="ja-JP" altLang="en-US" dirty="0"/>
               <a:t>項目を入力</a:t>
             </a:r>
-            <a:endParaRPr kumimoji="1" lang="en-US" altLang="ja-JP" dirty="0" smtClean="0"/>
+            <a:endParaRPr kumimoji="1" lang="en-US" altLang="ja-JP" dirty="0"/>
           </a:p>
           <a:p>
             <a:pPr lvl="1"/>
             <a:r>
-              <a:rPr kumimoji="1" lang="ja-JP" altLang="en-US" dirty="0" smtClean="0"/>
+              <a:rPr kumimoji="1" lang="ja-JP" altLang="en-US" dirty="0"/>
               <a:t>第</a:t>
             </a:r>
             <a:r>
-              <a:rPr kumimoji="1" lang="en-US" altLang="ja-JP" dirty="0" smtClean="0"/>
+              <a:rPr kumimoji="1" lang="en-US" altLang="ja-JP" dirty="0"/>
               <a:t>2</a:t>
             </a:r>
             <a:r>
-              <a:rPr kumimoji="1" lang="ja-JP" altLang="en-US" dirty="0" smtClean="0"/>
+              <a:rPr kumimoji="1" lang="ja-JP" altLang="en-US" dirty="0"/>
               <a:t>レベル</a:t>
             </a:r>
           </a:p>
           <a:p>
             <a:pPr lvl="2"/>
             <a:r>
-              <a:rPr kumimoji="1" lang="ja-JP" altLang="en-US" dirty="0" smtClean="0"/>
+              <a:rPr kumimoji="1" lang="ja-JP" altLang="en-US" dirty="0"/>
               <a:t>第</a:t>
             </a:r>
             <a:r>
-              <a:rPr kumimoji="1" lang="en-US" altLang="ja-JP" dirty="0" smtClean="0"/>
+              <a:rPr kumimoji="1" lang="en-US" altLang="ja-JP" dirty="0"/>
               <a:t>3</a:t>
             </a:r>
             <a:r>
-              <a:rPr kumimoji="1" lang="ja-JP" altLang="en-US" dirty="0" smtClean="0"/>
+              <a:rPr kumimoji="1" lang="ja-JP" altLang="en-US" dirty="0"/>
               <a:t>レベル</a:t>
             </a:r>
           </a:p>
           <a:p>
             <a:pPr lvl="3"/>
             <a:r>
-              <a:rPr kumimoji="1" lang="ja-JP" altLang="en-US" dirty="0" smtClean="0"/>
+              <a:rPr kumimoji="1" lang="ja-JP" altLang="en-US" dirty="0"/>
               <a:t>第</a:t>
             </a:r>
             <a:r>
-              <a:rPr kumimoji="1" lang="en-US" altLang="ja-JP" dirty="0" smtClean="0"/>
+              <a:rPr kumimoji="1" lang="en-US" altLang="ja-JP" dirty="0"/>
               <a:t>4</a:t>
             </a:r>
             <a:r>
-              <a:rPr kumimoji="1" lang="ja-JP" altLang="en-US" dirty="0" smtClean="0"/>
+              <a:rPr kumimoji="1" lang="ja-JP" altLang="en-US" dirty="0"/>
               <a:t>レベル</a:t>
             </a:r>
           </a:p>
@@ -5640,13 +5550,6 @@
   <p:clrMapOvr>
     <a:masterClrMapping/>
   </p:clrMapOvr>
-  <p:timing>
-    <p:tnLst>
-      <p:par>
-        <p:cTn id="1" dur="indefinite" restart="never" nodeType="tmRoot"/>
-      </p:par>
-    </p:tnLst>
-  </p:timing>
 </p:sldLayout>
 </file>
 
@@ -5731,10 +5634,9 @@
           <a:lstStyle/>
           <a:p>
             <a:r>
-              <a:rPr kumimoji="1" lang="ja-JP" altLang="en-US" dirty="0" smtClean="0"/>
+              <a:rPr kumimoji="1" lang="ja-JP" altLang="en-US" dirty="0"/>
               <a:t>マスター タイトルの書式設定</a:t>
             </a:r>
-            <a:endParaRPr kumimoji="1" lang="ja-JP" altLang="en-US" dirty="0"/>
           </a:p>
         </p:txBody>
       </p:sp>
@@ -5765,52 +5667,52 @@
           <a:p>
             <a:pPr lvl="0"/>
             <a:r>
-              <a:rPr kumimoji="1" lang="ja-JP" altLang="en-US" dirty="0" smtClean="0"/>
+              <a:rPr kumimoji="1" lang="ja-JP" altLang="en-US" dirty="0"/>
               <a:t>マスター テキストの書式設定</a:t>
             </a:r>
           </a:p>
           <a:p>
             <a:pPr lvl="1"/>
             <a:r>
-              <a:rPr kumimoji="1" lang="ja-JP" altLang="en-US" dirty="0" smtClean="0"/>
+              <a:rPr kumimoji="1" lang="ja-JP" altLang="en-US" dirty="0"/>
               <a:t>第</a:t>
             </a:r>
             <a:r>
-              <a:rPr kumimoji="1" lang="en-US" altLang="ja-JP" dirty="0" smtClean="0"/>
+              <a:rPr kumimoji="1" lang="en-US" altLang="ja-JP" dirty="0"/>
               <a:t>2</a:t>
             </a:r>
             <a:r>
-              <a:rPr kumimoji="1" lang="ja-JP" altLang="en-US" dirty="0" smtClean="0"/>
+              <a:rPr kumimoji="1" lang="ja-JP" altLang="en-US" dirty="0"/>
               <a:t>レベル</a:t>
             </a:r>
           </a:p>
           <a:p>
             <a:pPr lvl="2"/>
             <a:r>
-              <a:rPr kumimoji="1" lang="ja-JP" altLang="en-US" dirty="0" smtClean="0"/>
+              <a:rPr kumimoji="1" lang="ja-JP" altLang="en-US" dirty="0"/>
               <a:t>第</a:t>
             </a:r>
             <a:r>
-              <a:rPr kumimoji="1" lang="en-US" altLang="ja-JP" dirty="0" smtClean="0"/>
+              <a:rPr kumimoji="1" lang="en-US" altLang="ja-JP" dirty="0"/>
               <a:t>3</a:t>
             </a:r>
             <a:r>
-              <a:rPr kumimoji="1" lang="ja-JP" altLang="en-US" dirty="0" smtClean="0"/>
+              <a:rPr kumimoji="1" lang="ja-JP" altLang="en-US" dirty="0"/>
               <a:t>レベル</a:t>
             </a:r>
           </a:p>
           <a:p>
             <a:pPr lvl="3"/>
             <a:r>
-              <a:rPr kumimoji="1" lang="ja-JP" altLang="en-US" dirty="0" smtClean="0"/>
+              <a:rPr kumimoji="1" lang="ja-JP" altLang="en-US" dirty="0"/>
               <a:t>第</a:t>
             </a:r>
             <a:r>
-              <a:rPr kumimoji="1" lang="en-US" altLang="ja-JP" dirty="0" smtClean="0"/>
+              <a:rPr kumimoji="1" lang="en-US" altLang="ja-JP" dirty="0"/>
               <a:t>4</a:t>
             </a:r>
             <a:r>
-              <a:rPr kumimoji="1" lang="ja-JP" altLang="en-US" dirty="0" smtClean="0"/>
+              <a:rPr kumimoji="1" lang="ja-JP" altLang="en-US" dirty="0"/>
               <a:t>レベル</a:t>
             </a:r>
           </a:p>
@@ -5889,7 +5791,7 @@
               </a:pPr>
               <a:t>‹#›</a:t>
             </a:fld>
-            <a:endParaRPr kumimoji="1" lang="ja-JP" altLang="en-US" sz="1000" b="0" i="0" u="none" strike="noStrike" kern="1200" cap="none" spc="0" normalizeH="0" baseline="0" noProof="0" dirty="0" smtClean="0">
+            <a:endParaRPr kumimoji="1" lang="ja-JP" altLang="en-US" sz="1000" b="0" i="0" u="none" strike="noStrike" kern="1200" cap="none" spc="0" normalizeH="0" baseline="0" noProof="0" dirty="0">
               <a:ln>
                 <a:noFill/>
               </a:ln>
@@ -5946,7 +5848,7 @@
               <a:defRPr/>
             </a:pPr>
             <a:r>
-              <a:rPr kumimoji="1" lang="en-US" altLang="ja-JP" sz="800" b="0" i="0" u="none" strike="noStrike" kern="1200" cap="none" spc="0" normalizeH="0" baseline="0" noProof="0" dirty="0" smtClean="0">
+              <a:rPr kumimoji="1" lang="en-US" altLang="ja-JP" sz="800" b="0" i="0" u="none" strike="noStrike" kern="1200" cap="none" spc="0" normalizeH="0" baseline="0" noProof="0" dirty="0">
                 <a:ln>
                   <a:noFill/>
                 </a:ln>
@@ -5985,13 +5887,6 @@
     <p:sldLayoutId id="2147483701" r:id="rId9"/>
     <p:sldLayoutId id="2147483702" r:id="rId10"/>
   </p:sldLayoutIdLst>
-  <p:timing>
-    <p:tnLst>
-      <p:par>
-        <p:cTn id="1" dur="indefinite" restart="never" nodeType="tmRoot"/>
-      </p:par>
-    </p:tnLst>
-  </p:timing>
   <p:hf sldNum="0" hdr="0" ftr="0" dt="0"/>
   <p:txStyles>
     <p:titleStyle>
@@ -6445,10 +6340,9 @@
           <a:lstStyle/>
           <a:p>
             <a:r>
-              <a:rPr kumimoji="1" lang="ja-JP" altLang="en-US" smtClean="0"/>
+              <a:rPr kumimoji="1" lang="ja-JP" altLang="en-US"/>
               <a:t>マスター タイトルの書式設定</a:t>
             </a:r>
-            <a:endParaRPr kumimoji="1" lang="ja-JP" altLang="en-US"/>
           </a:p>
         </p:txBody>
       </p:sp>
@@ -6479,70 +6373,69 @@
           <a:p>
             <a:pPr lvl="0"/>
             <a:r>
-              <a:rPr kumimoji="1" lang="ja-JP" altLang="en-US" smtClean="0"/>
+              <a:rPr kumimoji="1" lang="ja-JP" altLang="en-US"/>
               <a:t>マスター テキストの書式設定</a:t>
             </a:r>
           </a:p>
           <a:p>
             <a:pPr lvl="1"/>
             <a:r>
-              <a:rPr kumimoji="1" lang="ja-JP" altLang="en-US" smtClean="0"/>
+              <a:rPr kumimoji="1" lang="ja-JP" altLang="en-US"/>
               <a:t>第 </a:t>
             </a:r>
             <a:r>
-              <a:rPr kumimoji="1" lang="en-US" altLang="ja-JP" smtClean="0"/>
+              <a:rPr kumimoji="1" lang="en-US" altLang="ja-JP"/>
               <a:t>2 </a:t>
             </a:r>
             <a:r>
-              <a:rPr kumimoji="1" lang="ja-JP" altLang="en-US" smtClean="0"/>
+              <a:rPr kumimoji="1" lang="ja-JP" altLang="en-US"/>
               <a:t>レベル</a:t>
             </a:r>
           </a:p>
           <a:p>
             <a:pPr lvl="2"/>
             <a:r>
-              <a:rPr kumimoji="1" lang="ja-JP" altLang="en-US" smtClean="0"/>
+              <a:rPr kumimoji="1" lang="ja-JP" altLang="en-US"/>
               <a:t>第 </a:t>
             </a:r>
             <a:r>
-              <a:rPr kumimoji="1" lang="en-US" altLang="ja-JP" smtClean="0"/>
+              <a:rPr kumimoji="1" lang="en-US" altLang="ja-JP"/>
               <a:t>3 </a:t>
             </a:r>
             <a:r>
-              <a:rPr kumimoji="1" lang="ja-JP" altLang="en-US" smtClean="0"/>
+              <a:rPr kumimoji="1" lang="ja-JP" altLang="en-US"/>
               <a:t>レベル</a:t>
             </a:r>
           </a:p>
           <a:p>
             <a:pPr lvl="3"/>
             <a:r>
-              <a:rPr kumimoji="1" lang="ja-JP" altLang="en-US" smtClean="0"/>
+              <a:rPr kumimoji="1" lang="ja-JP" altLang="en-US"/>
               <a:t>第 </a:t>
             </a:r>
             <a:r>
-              <a:rPr kumimoji="1" lang="en-US" altLang="ja-JP" smtClean="0"/>
+              <a:rPr kumimoji="1" lang="en-US" altLang="ja-JP"/>
               <a:t>4 </a:t>
             </a:r>
             <a:r>
-              <a:rPr kumimoji="1" lang="ja-JP" altLang="en-US" smtClean="0"/>
+              <a:rPr kumimoji="1" lang="ja-JP" altLang="en-US"/>
               <a:t>レベル</a:t>
             </a:r>
           </a:p>
           <a:p>
             <a:pPr lvl="4"/>
             <a:r>
-              <a:rPr kumimoji="1" lang="ja-JP" altLang="en-US" smtClean="0"/>
+              <a:rPr kumimoji="1" lang="ja-JP" altLang="en-US"/>
               <a:t>第 </a:t>
             </a:r>
             <a:r>
-              <a:rPr kumimoji="1" lang="en-US" altLang="ja-JP" smtClean="0"/>
+              <a:rPr kumimoji="1" lang="en-US" altLang="ja-JP"/>
               <a:t>5 </a:t>
             </a:r>
             <a:r>
-              <a:rPr kumimoji="1" lang="ja-JP" altLang="en-US" smtClean="0"/>
+              <a:rPr kumimoji="1" lang="ja-JP" altLang="en-US"/>
               <a:t>レベル</a:t>
             </a:r>
-            <a:endParaRPr kumimoji="1" lang="ja-JP" altLang="en-US"/>
           </a:p>
         </p:txBody>
       </p:sp>
@@ -6581,7 +6474,7 @@
           <a:p>
             <a:fld id="{56F9016B-CCA6-43BE-8BEE-59565A35F4F7}" type="datetimeFigureOut">
               <a:rPr kumimoji="1" lang="ja-JP" altLang="en-US" smtClean="0"/>
-              <a:t>2022/1/26</a:t>
+              <a:t>2022/5/13</a:t>
             </a:fld>
             <a:endParaRPr kumimoji="1" lang="ja-JP" altLang="en-US"/>
           </a:p>
@@ -6686,13 +6579,6 @@
     <p:sldLayoutId id="2147483713" r:id="rId10"/>
     <p:sldLayoutId id="2147483714" r:id="rId11"/>
   </p:sldLayoutIdLst>
-  <p:timing>
-    <p:tnLst>
-      <p:par>
-        <p:cTn id="1" dur="indefinite" restart="never" nodeType="tmRoot"/>
-      </p:par>
-    </p:tnLst>
-  </p:timing>
   <p:txStyles>
     <p:titleStyle>
       <a:lvl1pPr algn="l" defTabSz="914400" rtl="0" eaLnBrk="1" latinLnBrk="0" hangingPunct="1">
@@ -7019,33 +6905,21 @@
             </a:r>
             <a:r>
               <a:rPr lang="en-US" altLang="ja-JP" dirty="0"/>
-              <a:t> IT Automation </a:t>
-            </a:r>
-            <a:r>
-              <a:rPr lang="en-US" altLang="ja-JP"/>
-              <a:t>Version </a:t>
-            </a:r>
-            <a:r>
-              <a:rPr lang="en-US" altLang="ja-JP" smtClean="0"/>
-              <a:t>1.9</a:t>
-            </a:r>
-            <a:r>
-              <a:rPr lang="en-US" altLang="ja-JP" dirty="0"/>
-              <a:t/>
+              <a:t> IT Automation Version 1.10</a:t>
             </a:r>
             <a:br>
               <a:rPr lang="en-US" altLang="ja-JP" dirty="0"/>
             </a:br>
             <a:r>
-              <a:rPr lang="en-US" altLang="ja-JP" dirty="0" err="1" smtClean="0"/>
+              <a:rPr lang="en-US" altLang="ja-JP" dirty="0" err="1"/>
               <a:t>Exastro</a:t>
             </a:r>
             <a:r>
-              <a:rPr lang="ja-JP" altLang="en-US" dirty="0" smtClean="0"/>
+              <a:rPr lang="ja-JP" altLang="en-US" dirty="0"/>
               <a:t> </a:t>
             </a:r>
             <a:r>
-              <a:rPr lang="en-US" altLang="ja-JP" dirty="0" smtClean="0"/>
+              <a:rPr lang="en-US" altLang="ja-JP" dirty="0"/>
               <a:t>developer</a:t>
             </a:r>
             <a:endParaRPr kumimoji="1" lang="ja-JP" altLang="en-US" dirty="0"/>
@@ -7214,18 +7088,18 @@
           </a:lstStyle>
           <a:p>
             <a:r>
-              <a:rPr lang="en-US" altLang="ja-JP" sz="4800" b="1" dirty="0" smtClean="0"/>
+              <a:rPr lang="en-US" altLang="ja-JP" sz="4800" b="1" dirty="0"/>
               <a:t>Conductor【</a:t>
             </a:r>
             <a:r>
-              <a:rPr lang="ja-JP" altLang="en-US" sz="4800" b="1" dirty="0" smtClean="0"/>
+              <a:rPr lang="ja-JP" altLang="en-US" sz="4800" b="1" dirty="0"/>
               <a:t>座学編</a:t>
             </a:r>
             <a:r>
-              <a:rPr lang="en-US" altLang="ja-JP" sz="4800" b="1" dirty="0" smtClean="0"/>
+              <a:rPr lang="en-US" altLang="ja-JP" sz="4800" b="1" dirty="0"/>
               <a:t>】</a:t>
             </a:r>
-            <a:endParaRPr lang="en-US" altLang="ja-JP" sz="4800" b="1" kern="0" spc="-150" dirty="0" smtClean="0">
+            <a:endParaRPr lang="en-US" altLang="ja-JP" sz="4800" b="1" kern="0" spc="-150" dirty="0">
               <a:solidFill>
                 <a:schemeClr val="tx2">
                   <a:lumMod val="75000"/>
@@ -7411,7 +7285,7 @@
               <a:t>※</a:t>
             </a:r>
             <a:r>
-              <a:rPr lang="ja-JP" altLang="en-US" sz="1400" b="1" kern="0" dirty="0" smtClean="0">
+              <a:rPr lang="ja-JP" altLang="en-US" sz="1400" b="1" kern="0" dirty="0">
                 <a:solidFill>
                   <a:schemeClr val="tx2">
                     <a:lumMod val="75000"/>
@@ -7423,7 +7297,7 @@
               <a:t>本書では「</a:t>
             </a:r>
             <a:r>
-              <a:rPr lang="en-US" altLang="ja-JP" sz="1400" b="1" kern="0" dirty="0" smtClean="0">
+              <a:rPr lang="en-US" altLang="ja-JP" sz="1400" b="1" kern="0" dirty="0">
                 <a:solidFill>
                   <a:schemeClr val="tx2">
                     <a:lumMod val="75000"/>
@@ -7435,7 +7309,7 @@
               <a:t>Exastro IT</a:t>
             </a:r>
             <a:r>
-              <a:rPr lang="ja-JP" altLang="en-US" sz="1400" b="1" kern="0" dirty="0" smtClean="0">
+              <a:rPr lang="ja-JP" altLang="en-US" sz="1400" b="1" kern="0" dirty="0">
                 <a:solidFill>
                   <a:schemeClr val="tx2">
                     <a:lumMod val="75000"/>
@@ -7447,7 +7321,7 @@
               <a:t> </a:t>
             </a:r>
             <a:r>
-              <a:rPr lang="en-US" altLang="ja-JP" sz="1400" b="1" kern="0" dirty="0" smtClean="0">
+              <a:rPr lang="en-US" altLang="ja-JP" sz="1400" b="1" kern="0" dirty="0">
                 <a:solidFill>
                   <a:schemeClr val="tx2">
                     <a:lumMod val="75000"/>
@@ -7459,7 +7333,7 @@
               <a:t>Automation</a:t>
             </a:r>
             <a:r>
-              <a:rPr lang="ja-JP" altLang="en-US" sz="1400" b="1" kern="0" dirty="0" smtClean="0">
+              <a:rPr lang="ja-JP" altLang="en-US" sz="1400" b="1" kern="0" dirty="0">
                 <a:solidFill>
                   <a:schemeClr val="tx2">
                     <a:lumMod val="75000"/>
@@ -7471,7 +7345,7 @@
               <a:t>」を「</a:t>
             </a:r>
             <a:r>
-              <a:rPr lang="en-US" altLang="ja-JP" sz="1400" b="1" kern="0" dirty="0" smtClean="0">
+              <a:rPr lang="en-US" altLang="ja-JP" sz="1400" b="1" kern="0" dirty="0">
                 <a:solidFill>
                   <a:schemeClr val="tx2">
                     <a:lumMod val="75000"/>
@@ -7483,18 +7357,6 @@
               <a:t>ITA</a:t>
             </a:r>
             <a:r>
-              <a:rPr lang="ja-JP" altLang="en-US" sz="1400" b="1" kern="0" dirty="0" smtClean="0">
-                <a:solidFill>
-                  <a:schemeClr val="tx2">
-                    <a:lumMod val="75000"/>
-                    <a:lumOff val="25000"/>
-                  </a:schemeClr>
-                </a:solidFill>
-                <a:latin typeface="+mn-lt"/>
-              </a:rPr>
-              <a:t>」として記載します</a:t>
-            </a:r>
-            <a:r>
               <a:rPr lang="ja-JP" altLang="en-US" sz="1400" b="1" kern="0" dirty="0">
                 <a:solidFill>
                   <a:schemeClr val="tx2">
@@ -7504,7 +7366,7 @@
                 </a:solidFill>
                 <a:latin typeface="+mn-lt"/>
               </a:rPr>
-              <a:t>。</a:t>
+              <a:t>」として記載します。</a:t>
             </a:r>
           </a:p>
         </p:txBody>
@@ -7579,13 +7441,6 @@
   <p:clrMapOvr>
     <a:masterClrMapping/>
   </p:clrMapOvr>
-  <p:timing>
-    <p:tnLst>
-      <p:par>
-        <p:cTn id="1" dur="indefinite" restart="never" nodeType="tmRoot"/>
-      </p:par>
-    </p:tnLst>
-  </p:timing>
 </p:sld>
 </file>
 
@@ -7654,27 +7509,23 @@
               <a:t>　</a:t>
             </a:r>
             <a:r>
-              <a:rPr lang="en-US" altLang="ja-JP" dirty="0" smtClean="0"/>
+              <a:rPr lang="en-US" altLang="ja-JP" dirty="0"/>
               <a:t>Conductor</a:t>
             </a:r>
             <a:r>
-              <a:rPr lang="ja-JP" altLang="en-US" dirty="0" smtClean="0"/>
-              <a:t>メニューの機能</a:t>
-            </a:r>
-            <a:r>
               <a:rPr lang="ja-JP" altLang="en-US" dirty="0"/>
-              <a:t>説明　</a:t>
-            </a:r>
-            <a:r>
-              <a:rPr lang="ja-JP" altLang="en-US" smtClean="0"/>
+              <a:t>メニューの機能説明　</a:t>
+            </a:r>
+            <a:r>
+              <a:rPr lang="ja-JP" altLang="en-US"/>
               <a:t>（</a:t>
             </a:r>
             <a:r>
-              <a:rPr lang="en-US" altLang="ja-JP" smtClean="0"/>
+              <a:rPr lang="en-US" altLang="ja-JP"/>
               <a:t>3/14</a:t>
             </a:r>
             <a:r>
-              <a:rPr lang="ja-JP" altLang="en-US" smtClean="0"/>
+              <a:rPr lang="ja-JP" altLang="en-US"/>
               <a:t>）</a:t>
             </a:r>
             <a:endParaRPr kumimoji="1" lang="ja-JP" altLang="en-US" dirty="0"/>
@@ -7705,15 +7556,15 @@
               <a:t>Conductor</a:t>
             </a:r>
             <a:r>
-              <a:rPr lang="ja-JP" altLang="en-US" b="1" dirty="0" smtClean="0"/>
+              <a:rPr lang="ja-JP" altLang="en-US" b="1" dirty="0"/>
               <a:t>クラス編集（</a:t>
             </a:r>
             <a:r>
-              <a:rPr lang="en-US" altLang="ja-JP" b="1" dirty="0" smtClean="0"/>
+              <a:rPr lang="en-US" altLang="ja-JP" b="1" dirty="0"/>
               <a:t>2/4</a:t>
             </a:r>
             <a:r>
-              <a:rPr lang="ja-JP" altLang="en-US" b="1" dirty="0" smtClean="0"/>
+              <a:rPr lang="ja-JP" altLang="en-US" b="1" dirty="0"/>
               <a:t>）</a:t>
             </a:r>
             <a:endParaRPr lang="en-US" altLang="ja-JP" b="1" dirty="0"/>
@@ -7721,25 +7572,29 @@
           <a:p>
             <a:pPr lvl="1"/>
             <a:r>
-              <a:rPr lang="ja-JP" altLang="en-US" sz="1800" dirty="0" smtClean="0"/>
-              <a:t>画面右中央付近のタブから、オペレーションの条件分岐を制御する</a:t>
-            </a:r>
-            <a:r>
-              <a:rPr lang="en-US" altLang="ja-JP" sz="1800" dirty="0" smtClean="0"/>
-              <a:t/>
+              <a:rPr lang="ja-JP" altLang="en-US" sz="1800" dirty="0"/>
+              <a:t>画面右中央付近のタブから、</a:t>
+            </a:r>
+            <a:r>
+              <a:rPr lang="en-US" altLang="ja-JP" sz="1800" dirty="0"/>
+              <a:t>Movement</a:t>
+            </a:r>
+            <a:r>
+              <a:rPr lang="ja-JP" altLang="en-US" sz="1800" dirty="0"/>
+              <a:t>の条件分岐を制御する</a:t>
             </a:r>
             <a:br>
-              <a:rPr lang="en-US" altLang="ja-JP" sz="1800" dirty="0" smtClean="0"/>
+              <a:rPr lang="en-US" altLang="ja-JP" sz="1800" dirty="0"/>
             </a:br>
             <a:r>
-              <a:rPr lang="en-US" altLang="ja-JP" sz="1800" b="1" dirty="0" smtClean="0"/>
+              <a:rPr lang="en-US" altLang="ja-JP" sz="1800" b="1" dirty="0"/>
               <a:t>Function</a:t>
             </a:r>
             <a:r>
-              <a:rPr lang="ja-JP" altLang="en-US" sz="1800" dirty="0" smtClean="0"/>
+              <a:rPr lang="ja-JP" altLang="en-US" sz="1800" dirty="0"/>
               <a:t>を選択、使用することが可能です。</a:t>
             </a:r>
-            <a:endParaRPr lang="en-US" altLang="ja-JP" sz="1800" dirty="0" smtClean="0"/>
+            <a:endParaRPr lang="en-US" altLang="ja-JP" sz="1800" dirty="0"/>
           </a:p>
         </p:txBody>
       </p:sp>
@@ -8026,7 +7881,6 @@
             </a:solidFill>
           </a:ln>
           <a:effectLst/>
-          <a:extLst/>
         </p:spPr>
         <p:txBody>
           <a:bodyPr rot="0" spcFirstLastPara="0" vertOverflow="overflow" horzOverflow="overflow" vert="horz" wrap="none" lIns="72000" tIns="72000" rIns="72000" bIns="72000" numCol="1" spcCol="0" rtlCol="0" fromWordArt="0" anchor="ctr" anchorCtr="0" forceAA="0" compatLnSpc="1">
@@ -8038,59 +7892,41 @@
           <a:lstStyle/>
           <a:p>
             <a:pPr algn="ctr"/>
-            <a:r>
-              <a:rPr kumimoji="1" lang="en-US" altLang="ja-JP" sz="1600" b="1" dirty="0" smtClean="0">
-                <a:latin typeface="+mn-ea"/>
-              </a:rPr>
-              <a:t/>
-            </a:r>
             <a:br>
-              <a:rPr kumimoji="1" lang="en-US" altLang="ja-JP" sz="1600" b="1" dirty="0" smtClean="0">
+              <a:rPr kumimoji="1" lang="en-US" altLang="ja-JP" sz="1600" b="1" dirty="0">
                 <a:latin typeface="+mn-ea"/>
               </a:rPr>
             </a:br>
-            <a:r>
-              <a:rPr kumimoji="1" lang="en-US" altLang="ja-JP" sz="1600" b="1" dirty="0" smtClean="0">
-                <a:latin typeface="+mn-ea"/>
-              </a:rPr>
-              <a:t/>
-            </a:r>
             <a:br>
-              <a:rPr kumimoji="1" lang="en-US" altLang="ja-JP" sz="1600" b="1" dirty="0" smtClean="0">
+              <a:rPr kumimoji="1" lang="en-US" altLang="ja-JP" sz="1600" b="1" dirty="0">
                 <a:latin typeface="+mn-ea"/>
               </a:rPr>
             </a:br>
             <a:r>
-              <a:rPr kumimoji="1" lang="ja-JP" altLang="en-US" sz="1600" b="1" dirty="0" smtClean="0">
+              <a:rPr kumimoji="1" lang="ja-JP" altLang="en-US" sz="1600" b="1" dirty="0">
                 <a:latin typeface="+mn-ea"/>
               </a:rPr>
               <a:t>ドラッグ</a:t>
             </a:r>
             <a:r>
-              <a:rPr kumimoji="1" lang="en-US" altLang="ja-JP" sz="1600" b="1" dirty="0" smtClean="0">
+              <a:rPr kumimoji="1" lang="en-US" altLang="ja-JP" sz="1600" b="1" dirty="0">
                 <a:latin typeface="+mn-ea"/>
               </a:rPr>
               <a:t>&amp;</a:t>
             </a:r>
             <a:r>
-              <a:rPr kumimoji="1" lang="ja-JP" altLang="en-US" sz="1600" b="1" dirty="0" smtClean="0">
+              <a:rPr kumimoji="1" lang="ja-JP" altLang="en-US" sz="1600" b="1" dirty="0">
                 <a:latin typeface="+mn-ea"/>
               </a:rPr>
               <a:t>ドロップすることで</a:t>
             </a:r>
-            <a:r>
-              <a:rPr kumimoji="1" lang="en-US" altLang="ja-JP" sz="1600" b="1" dirty="0" smtClean="0">
-                <a:latin typeface="+mn-ea"/>
-              </a:rPr>
-              <a:t/>
-            </a:r>
             <a:br>
-              <a:rPr kumimoji="1" lang="en-US" altLang="ja-JP" sz="1600" b="1" dirty="0" smtClean="0">
+              <a:rPr kumimoji="1" lang="en-US" altLang="ja-JP" sz="1600" b="1" dirty="0">
                 <a:latin typeface="+mn-ea"/>
               </a:rPr>
             </a:br>
             <a:r>
-              <a:rPr kumimoji="1" lang="en-US" altLang="ja-JP" sz="1600" b="1" dirty="0" smtClean="0">
+              <a:rPr kumimoji="1" lang="en-US" altLang="ja-JP" sz="1600" b="1" dirty="0">
                 <a:latin typeface="+mn-ea"/>
               </a:rPr>
               <a:t>Function</a:t>
@@ -8099,15 +7935,9 @@
               <a:rPr lang="ja-JP" altLang="en-US" sz="1600" b="1" dirty="0">
                 <a:latin typeface="+mn-ea"/>
               </a:rPr>
-              <a:t>の</a:t>
-            </a:r>
-            <a:r>
-              <a:rPr lang="ja-JP" altLang="en-US" sz="1600" b="1" dirty="0" smtClean="0">
-                <a:latin typeface="+mn-ea"/>
-              </a:rPr>
-              <a:t>配置ができます</a:t>
-            </a:r>
-            <a:endParaRPr kumimoji="1" lang="ja-JP" altLang="en-US" sz="1600" b="1" dirty="0" smtClean="0">
+              <a:t>の配置ができます</a:t>
+            </a:r>
+            <a:endParaRPr kumimoji="1" lang="ja-JP" altLang="en-US" sz="1600" b="1" dirty="0">
               <a:latin typeface="+mn-ea"/>
             </a:endParaRPr>
           </a:p>
@@ -8142,7 +7972,6 @@
             </a:solidFill>
           </a:ln>
           <a:effectLst/>
-          <a:extLst/>
         </p:spPr>
         <p:txBody>
           <a:bodyPr rot="0" spcFirstLastPara="0" vertOverflow="overflow" horzOverflow="overflow" vert="horz" wrap="none" lIns="72000" tIns="72000" rIns="72000" bIns="72000" numCol="1" spcCol="0" rtlCol="0" fromWordArt="0" anchor="ctr" anchorCtr="0" forceAA="0" compatLnSpc="1">
@@ -8155,65 +7984,59 @@
           <a:p>
             <a:pPr algn="ctr"/>
             <a:r>
-              <a:rPr kumimoji="1" lang="en-US" altLang="ja-JP" sz="1600" b="1" dirty="0" smtClean="0">
+              <a:rPr kumimoji="1" lang="en-US" altLang="ja-JP" sz="1600" b="1" dirty="0">
                 <a:latin typeface="+mn-ea"/>
               </a:rPr>
               <a:t>Movement</a:t>
             </a:r>
             <a:r>
-              <a:rPr lang="ja-JP" altLang="en-US" sz="1600" b="1" dirty="0" smtClean="0">
+              <a:rPr lang="ja-JP" altLang="en-US" sz="1600" b="1" dirty="0">
                 <a:latin typeface="+mn-ea"/>
               </a:rPr>
               <a:t>と同様に</a:t>
             </a:r>
             <a:r>
-              <a:rPr kumimoji="1" lang="en-US" altLang="ja-JP" sz="1600" b="1" dirty="0" smtClean="0">
+              <a:rPr kumimoji="1" lang="en-US" altLang="ja-JP" sz="1600" b="1" dirty="0">
                 <a:latin typeface="+mn-ea"/>
               </a:rPr>
               <a:t>in/out</a:t>
             </a:r>
             <a:r>
-              <a:rPr kumimoji="1" lang="ja-JP" altLang="en-US" sz="1600" b="1" dirty="0" smtClean="0">
+              <a:rPr kumimoji="1" lang="ja-JP" altLang="en-US" sz="1600" b="1" dirty="0">
                 <a:latin typeface="+mn-ea"/>
               </a:rPr>
               <a:t>を</a:t>
             </a:r>
-            <a:r>
-              <a:rPr kumimoji="1" lang="en-US" altLang="ja-JP" sz="1600" b="1" dirty="0" smtClean="0">
-                <a:latin typeface="+mn-ea"/>
-              </a:rPr>
-              <a:t/>
-            </a:r>
             <a:br>
-              <a:rPr kumimoji="1" lang="en-US" altLang="ja-JP" sz="1600" b="1" dirty="0" smtClean="0">
+              <a:rPr kumimoji="1" lang="en-US" altLang="ja-JP" sz="1600" b="1" dirty="0">
                 <a:latin typeface="+mn-ea"/>
               </a:rPr>
             </a:br>
             <a:r>
-              <a:rPr kumimoji="1" lang="ja-JP" altLang="en-US" sz="1600" b="1" dirty="0" smtClean="0">
+              <a:rPr kumimoji="1" lang="ja-JP" altLang="en-US" sz="1600" b="1" dirty="0">
                 <a:latin typeface="+mn-ea"/>
               </a:rPr>
               <a:t>ドラッグ</a:t>
             </a:r>
             <a:r>
-              <a:rPr kumimoji="1" lang="en-US" altLang="ja-JP" sz="1600" b="1" dirty="0" smtClean="0">
+              <a:rPr kumimoji="1" lang="en-US" altLang="ja-JP" sz="1600" b="1" dirty="0">
                 <a:latin typeface="+mn-ea"/>
               </a:rPr>
               <a:t>&amp;</a:t>
             </a:r>
             <a:r>
-              <a:rPr kumimoji="1" lang="ja-JP" altLang="en-US" sz="1600" b="1" dirty="0" smtClean="0">
+              <a:rPr kumimoji="1" lang="ja-JP" altLang="en-US" sz="1600" b="1" dirty="0">
                 <a:latin typeface="+mn-ea"/>
               </a:rPr>
               <a:t>ドロップ</a:t>
             </a:r>
             <a:r>
-              <a:rPr lang="ja-JP" altLang="en-US" sz="1600" b="1" dirty="0" smtClean="0">
+              <a:rPr lang="ja-JP" altLang="en-US" sz="1600" b="1" dirty="0">
                 <a:latin typeface="+mn-ea"/>
               </a:rPr>
               <a:t>で結合が可能です</a:t>
             </a:r>
-            <a:endParaRPr kumimoji="1" lang="ja-JP" altLang="en-US" sz="1600" b="1" dirty="0" smtClean="0">
+            <a:endParaRPr kumimoji="1" lang="ja-JP" altLang="en-US" sz="1600" b="1" dirty="0">
               <a:latin typeface="+mn-ea"/>
             </a:endParaRPr>
           </a:p>
@@ -8240,7 +8063,6 @@
             </a:solidFill>
           </a:ln>
           <a:effectLst/>
-          <a:extLst/>
         </p:spPr>
         <p:txBody>
           <a:bodyPr rot="0" spcFirstLastPara="0" vertOverflow="overflow" horzOverflow="overflow" vert="horz" wrap="none" lIns="72000" tIns="72000" rIns="72000" bIns="72000" numCol="1" spcCol="0" rtlCol="0" fromWordArt="0" anchor="ctr" anchorCtr="0" forceAA="0" compatLnSpc="1">
@@ -8252,7 +8074,7 @@
           <a:lstStyle/>
           <a:p>
             <a:pPr algn="ctr"/>
-            <a:endParaRPr kumimoji="1" lang="ja-JP" altLang="en-US" b="1" dirty="0" smtClean="0">
+            <a:endParaRPr kumimoji="1" lang="ja-JP" altLang="en-US" b="1" dirty="0">
               <a:latin typeface="+mn-ea"/>
             </a:endParaRPr>
           </a:p>
@@ -8279,7 +8101,6 @@
             </a:solidFill>
           </a:ln>
           <a:effectLst/>
-          <a:extLst/>
         </p:spPr>
         <p:txBody>
           <a:bodyPr rot="0" spcFirstLastPara="0" vertOverflow="overflow" horzOverflow="overflow" vert="horz" wrap="none" lIns="72000" tIns="72000" rIns="72000" bIns="72000" numCol="1" spcCol="0" rtlCol="0" fromWordArt="0" anchor="ctr" anchorCtr="0" forceAA="0" compatLnSpc="1">
@@ -8291,7 +8112,7 @@
           <a:lstStyle/>
           <a:p>
             <a:pPr algn="ctr"/>
-            <a:endParaRPr kumimoji="1" lang="ja-JP" altLang="en-US" b="1" dirty="0" smtClean="0">
+            <a:endParaRPr kumimoji="1" lang="ja-JP" altLang="en-US" b="1" dirty="0">
               <a:latin typeface="+mn-ea"/>
             </a:endParaRPr>
           </a:p>
@@ -8572,7 +8393,6 @@
             </a:solidFill>
           </a:ln>
           <a:effectLst/>
-          <a:extLst/>
         </p:spPr>
         <p:txBody>
           <a:bodyPr rot="0" spcFirstLastPara="0" vertOverflow="overflow" horzOverflow="overflow" vert="horz" wrap="none" lIns="72000" tIns="72000" rIns="72000" bIns="72000" numCol="1" spcCol="0" rtlCol="0" fromWordArt="0" anchor="ctr" anchorCtr="0" forceAA="0" compatLnSpc="1">
@@ -8584,42 +8404,30 @@
           <a:lstStyle/>
           <a:p>
             <a:pPr algn="ctr"/>
-            <a:r>
-              <a:rPr kumimoji="1" lang="en-US" altLang="ja-JP" sz="1600" b="1" dirty="0" smtClean="0">
-                <a:latin typeface="+mn-ea"/>
-              </a:rPr>
-              <a:t/>
-            </a:r>
             <a:br>
-              <a:rPr kumimoji="1" lang="en-US" altLang="ja-JP" sz="1600" b="1" dirty="0" smtClean="0">
+              <a:rPr kumimoji="1" lang="en-US" altLang="ja-JP" sz="1600" b="1" dirty="0">
                 <a:latin typeface="+mn-ea"/>
               </a:rPr>
             </a:br>
-            <a:r>
-              <a:rPr kumimoji="1" lang="en-US" altLang="ja-JP" sz="1600" b="1" dirty="0" smtClean="0">
-                <a:latin typeface="+mn-ea"/>
-              </a:rPr>
-              <a:t/>
-            </a:r>
             <a:br>
-              <a:rPr kumimoji="1" lang="en-US" altLang="ja-JP" sz="1600" b="1" dirty="0" smtClean="0">
+              <a:rPr kumimoji="1" lang="en-US" altLang="ja-JP" sz="1600" b="1" dirty="0">
                 <a:latin typeface="+mn-ea"/>
               </a:rPr>
             </a:br>
             <a:r>
-              <a:rPr kumimoji="1" lang="ja-JP" altLang="en-US" sz="1600" b="1" dirty="0" smtClean="0">
+              <a:rPr kumimoji="1" lang="ja-JP" altLang="en-US" sz="1600" b="1" dirty="0">
                 <a:latin typeface="+mn-ea"/>
               </a:rPr>
               <a:t>各種</a:t>
             </a:r>
             <a:r>
-              <a:rPr kumimoji="1" lang="en-US" altLang="ja-JP" sz="1600" b="1" dirty="0" smtClean="0">
+              <a:rPr kumimoji="1" lang="en-US" altLang="ja-JP" sz="1600" b="1" dirty="0">
                 <a:latin typeface="+mn-ea"/>
               </a:rPr>
               <a:t>Function</a:t>
             </a:r>
             <a:r>
-              <a:rPr kumimoji="1" lang="ja-JP" altLang="en-US" sz="1600" b="1" dirty="0" smtClean="0">
+              <a:rPr kumimoji="1" lang="ja-JP" altLang="en-US" sz="1600" b="1" dirty="0">
                 <a:latin typeface="+mn-ea"/>
               </a:rPr>
               <a:t>が選択可能です</a:t>
@@ -8637,13 +8445,6 @@
   <p:clrMapOvr>
     <a:masterClrMapping/>
   </p:clrMapOvr>
-  <p:timing>
-    <p:tnLst>
-      <p:par>
-        <p:cTn id="1" dur="indefinite" restart="never" nodeType="tmRoot"/>
-      </p:par>
-    </p:tnLst>
-  </p:timing>
 </p:sld>
 </file>
 
@@ -8688,27 +8489,23 @@
               <a:t>　</a:t>
             </a:r>
             <a:r>
-              <a:rPr lang="en-US" altLang="ja-JP" dirty="0" smtClean="0"/>
+              <a:rPr lang="en-US" altLang="ja-JP" dirty="0"/>
               <a:t>Conductor</a:t>
             </a:r>
             <a:r>
-              <a:rPr lang="ja-JP" altLang="en-US" dirty="0" smtClean="0"/>
-              <a:t>メニューの機能</a:t>
-            </a:r>
-            <a:r>
               <a:rPr lang="ja-JP" altLang="en-US" dirty="0"/>
-              <a:t>説明　</a:t>
-            </a:r>
-            <a:r>
-              <a:rPr lang="ja-JP" altLang="en-US" smtClean="0"/>
+              <a:t>メニューの機能説明　</a:t>
+            </a:r>
+            <a:r>
+              <a:rPr lang="ja-JP" altLang="en-US"/>
               <a:t>（</a:t>
             </a:r>
             <a:r>
-              <a:rPr lang="en-US" altLang="ja-JP" smtClean="0"/>
+              <a:rPr lang="en-US" altLang="ja-JP"/>
               <a:t>4/14</a:t>
             </a:r>
             <a:r>
-              <a:rPr lang="ja-JP" altLang="en-US" smtClean="0"/>
+              <a:rPr lang="ja-JP" altLang="en-US"/>
               <a:t>）</a:t>
             </a:r>
             <a:endParaRPr kumimoji="1" lang="ja-JP" altLang="en-US" dirty="0"/>
@@ -8735,40 +8532,32 @@
               <a:buChar char="l"/>
             </a:pPr>
             <a:r>
-              <a:rPr lang="en-US" altLang="ja-JP" b="1" dirty="0" smtClean="0"/>
+              <a:rPr lang="en-US" altLang="ja-JP" b="1" dirty="0"/>
               <a:t>Conductor</a:t>
             </a:r>
             <a:r>
-              <a:rPr lang="ja-JP" altLang="en-US" b="1" dirty="0" smtClean="0"/>
+              <a:rPr lang="ja-JP" altLang="en-US" b="1" dirty="0"/>
               <a:t>クラス編集（</a:t>
             </a:r>
             <a:r>
               <a:rPr lang="en-US" altLang="ja-JP" b="1" dirty="0"/>
-              <a:t>3</a:t>
-            </a:r>
-            <a:r>
-              <a:rPr lang="en-US" altLang="ja-JP" b="1" dirty="0" smtClean="0"/>
-              <a:t>/4</a:t>
-            </a:r>
-            <a:r>
-              <a:rPr lang="ja-JP" altLang="en-US" b="1" dirty="0" smtClean="0"/>
+              <a:t>3/4</a:t>
+            </a:r>
+            <a:r>
+              <a:rPr lang="ja-JP" altLang="en-US" b="1" dirty="0"/>
               <a:t>）</a:t>
             </a:r>
-            <a:endParaRPr lang="en-US" altLang="ja-JP" b="1" dirty="0" smtClean="0"/>
+            <a:endParaRPr lang="en-US" altLang="ja-JP" b="1" dirty="0"/>
           </a:p>
           <a:p>
             <a:pPr lvl="1"/>
             <a:r>
-              <a:rPr lang="en-US" altLang="ja-JP" dirty="0" smtClean="0"/>
+              <a:rPr lang="en-US" altLang="ja-JP" dirty="0"/>
               <a:t>Node</a:t>
             </a:r>
             <a:r>
               <a:rPr lang="ja-JP" altLang="en-US" dirty="0"/>
               <a:t>を複数選択することで、オブジェクトの整列機能を使用することが可能です。</a:t>
-            </a:r>
-            <a:r>
-              <a:rPr lang="en-US" altLang="ja-JP" dirty="0"/>
-              <a:t/>
             </a:r>
             <a:br>
               <a:rPr lang="en-US" altLang="ja-JP" dirty="0"/>
@@ -8781,10 +8570,6 @@
               <a:rPr lang="ja-JP" altLang="en-US" dirty="0"/>
               <a:t>を複数選択する方法については、ドラッグアンドドロップでの範囲選択の他</a:t>
             </a:r>
-            <a:r>
-              <a:rPr lang="en-US" altLang="ja-JP" dirty="0"/>
-              <a:t/>
-            </a:r>
             <a:br>
               <a:rPr lang="en-US" altLang="ja-JP" dirty="0"/>
             </a:br>
@@ -8800,10 +8585,6 @@
               <a:rPr lang="ja-JP" altLang="en-US" dirty="0"/>
               <a:t>」キーを押下しながらの選択が可能です。</a:t>
             </a:r>
-            <a:r>
-              <a:rPr lang="en-US" altLang="ja-JP" dirty="0"/>
-              <a:t/>
-            </a:r>
             <a:br>
               <a:rPr lang="en-US" altLang="ja-JP" dirty="0"/>
             </a:br>
@@ -8818,10 +8599,6 @@
             <a:r>
               <a:rPr lang="ja-JP" altLang="en-US" dirty="0"/>
               <a:t>タブの使用により、オブジェクトを整列することが可能です。</a:t>
-            </a:r>
-            <a:r>
-              <a:rPr lang="en-US" altLang="ja-JP" dirty="0"/>
-              <a:t/>
             </a:r>
             <a:br>
               <a:rPr lang="en-US" altLang="ja-JP" dirty="0"/>
@@ -11769,7 +11546,6 @@
             </a:solidFill>
           </a:ln>
           <a:effectLst/>
-          <a:extLst/>
         </p:spPr>
         <p:txBody>
           <a:bodyPr rot="0" spcFirstLastPara="0" vertOverflow="overflow" horzOverflow="overflow" vert="horz" wrap="none" lIns="72000" tIns="72000" rIns="72000" bIns="72000" numCol="1" spcCol="0" rtlCol="0" fromWordArt="0" anchor="t" anchorCtr="0" forceAA="0" compatLnSpc="1">
@@ -11787,28 +11563,16 @@
             </a:r>
             <a:r>
               <a:rPr lang="ja-JP" altLang="en-US" sz="1600" b="1" dirty="0"/>
-              <a:t>を</a:t>
-            </a:r>
-            <a:r>
-              <a:rPr lang="ja-JP" altLang="en-US" sz="1600" b="1" dirty="0" smtClean="0"/>
-              <a:t>複数選択することによって</a:t>
-            </a:r>
-            <a:r>
-              <a:rPr lang="en-US" altLang="ja-JP" sz="1600" b="1" dirty="0" smtClean="0"/>
-              <a:t/>
+              <a:t>を複数選択することによって</a:t>
             </a:r>
             <a:br>
-              <a:rPr lang="en-US" altLang="ja-JP" sz="1600" b="1" dirty="0" smtClean="0"/>
+              <a:rPr lang="en-US" altLang="ja-JP" sz="1600" b="1" dirty="0"/>
             </a:br>
             <a:r>
               <a:rPr lang="ja-JP" altLang="en-US" sz="1600" b="1" dirty="0"/>
-              <a:t>オブジェクトの整列</a:t>
-            </a:r>
-            <a:r>
-              <a:rPr lang="ja-JP" altLang="en-US" sz="1600" b="1" dirty="0" smtClean="0"/>
-              <a:t>機能が表示されます</a:t>
-            </a:r>
-            <a:endParaRPr lang="en-US" altLang="ja-JP" sz="1600" b="1" dirty="0" smtClean="0"/>
+              <a:t>オブジェクトの整列機能が表示されます</a:t>
+            </a:r>
+            <a:endParaRPr lang="en-US" altLang="ja-JP" sz="1600" b="1" dirty="0"/>
           </a:p>
         </p:txBody>
       </p:sp>
@@ -11875,7 +11639,6 @@
             </a:solidFill>
           </a:ln>
           <a:effectLst/>
-          <a:extLst/>
         </p:spPr>
         <p:txBody>
           <a:bodyPr rot="0" spcFirstLastPara="0" vertOverflow="overflow" horzOverflow="overflow" vert="horz" wrap="none" lIns="72000" tIns="72000" rIns="72000" bIns="72000" numCol="1" spcCol="0" rtlCol="0" fromWordArt="0" anchor="ctr" anchorCtr="0" forceAA="0" compatLnSpc="1">
@@ -11887,7 +11650,7 @@
           <a:lstStyle/>
           <a:p>
             <a:pPr algn="ctr"/>
-            <a:endParaRPr kumimoji="1" lang="ja-JP" altLang="en-US" b="1" dirty="0" smtClean="0">
+            <a:endParaRPr kumimoji="1" lang="ja-JP" altLang="en-US" b="1" dirty="0">
               <a:latin typeface="+mn-ea"/>
             </a:endParaRPr>
           </a:p>
@@ -11916,7 +11679,6 @@
             </a:solidFill>
           </a:ln>
           <a:effectLst/>
-          <a:extLst/>
         </p:spPr>
         <p:txBody>
           <a:bodyPr rot="0" spcFirstLastPara="0" vertOverflow="overflow" horzOverflow="overflow" vert="horz" wrap="none" lIns="72000" tIns="72000" rIns="72000" bIns="72000" numCol="1" spcCol="0" rtlCol="0" fromWordArt="0" anchor="ctr" anchorCtr="0" forceAA="0" compatLnSpc="1">
@@ -11928,7 +11690,7 @@
           <a:lstStyle/>
           <a:p>
             <a:pPr algn="ctr"/>
-            <a:endParaRPr kumimoji="1" lang="ja-JP" altLang="en-US" b="1" dirty="0" smtClean="0">
+            <a:endParaRPr kumimoji="1" lang="ja-JP" altLang="en-US" b="1" dirty="0">
               <a:latin typeface="+mn-ea"/>
             </a:endParaRPr>
           </a:p>
@@ -11979,7 +11741,6 @@
             </a:solidFill>
           </a:ln>
           <a:effectLst/>
-          <a:extLst/>
         </p:spPr>
         <p:txBody>
           <a:bodyPr rot="0" spcFirstLastPara="0" vertOverflow="overflow" horzOverflow="overflow" vert="horz" wrap="none" lIns="72000" tIns="72000" rIns="72000" bIns="72000" numCol="1" spcCol="0" rtlCol="0" fromWordArt="0" anchor="ctr" anchorCtr="0" forceAA="0" compatLnSpc="1">
@@ -11991,7 +11752,7 @@
           <a:lstStyle/>
           <a:p>
             <a:pPr algn="ctr"/>
-            <a:endParaRPr kumimoji="1" lang="ja-JP" altLang="en-US" b="1" dirty="0" smtClean="0">
+            <a:endParaRPr kumimoji="1" lang="ja-JP" altLang="en-US" b="1" dirty="0">
               <a:latin typeface="+mn-ea"/>
             </a:endParaRPr>
           </a:p>
@@ -12018,7 +11779,6 @@
             </a:solidFill>
           </a:ln>
           <a:effectLst/>
-          <a:extLst/>
         </p:spPr>
         <p:txBody>
           <a:bodyPr rot="0" spcFirstLastPara="0" vertOverflow="overflow" horzOverflow="overflow" vert="horz" wrap="none" lIns="72000" tIns="72000" rIns="72000" bIns="72000" numCol="1" spcCol="0" rtlCol="0" fromWordArt="0" anchor="ctr" anchorCtr="0" forceAA="0" compatLnSpc="1">
@@ -12030,7 +11790,7 @@
           <a:lstStyle/>
           <a:p>
             <a:pPr algn="ctr"/>
-            <a:endParaRPr kumimoji="1" lang="ja-JP" altLang="en-US" b="1" dirty="0" smtClean="0">
+            <a:endParaRPr kumimoji="1" lang="ja-JP" altLang="en-US" b="1" dirty="0">
               <a:latin typeface="+mn-ea"/>
             </a:endParaRPr>
           </a:p>
@@ -12311,7 +12071,6 @@
             </a:solidFill>
           </a:ln>
           <a:effectLst/>
-          <a:extLst/>
         </p:spPr>
         <p:txBody>
           <a:bodyPr rot="0" spcFirstLastPara="0" vertOverflow="overflow" horzOverflow="overflow" vert="horz" wrap="none" lIns="72000" tIns="72000" rIns="72000" bIns="72000" numCol="1" spcCol="0" rtlCol="0" fromWordArt="0" anchor="ctr" anchorCtr="0" forceAA="0" compatLnSpc="1">
@@ -12323,64 +12082,37 @@
           <a:lstStyle/>
           <a:p>
             <a:pPr algn="ctr"/>
-            <a:r>
-              <a:rPr lang="en-US" altLang="ja-JP" sz="1600" b="1" dirty="0" smtClean="0">
-                <a:latin typeface="+mn-ea"/>
-              </a:rPr>
-              <a:t/>
-            </a:r>
-            <a:br>
-              <a:rPr lang="en-US" altLang="ja-JP" sz="1600" b="1" dirty="0" smtClean="0">
-                <a:latin typeface="+mn-ea"/>
-              </a:rPr>
-            </a:br>
-            <a:r>
-              <a:rPr lang="en-US" altLang="ja-JP" sz="1600" b="1" dirty="0" smtClean="0">
-                <a:latin typeface="+mn-ea"/>
-              </a:rPr>
-              <a:t/>
-            </a:r>
-            <a:br>
-              <a:rPr lang="en-US" altLang="ja-JP" sz="1600" b="1" dirty="0" smtClean="0">
-                <a:latin typeface="+mn-ea"/>
-              </a:rPr>
-            </a:br>
-            <a:r>
-              <a:rPr lang="ja-JP" altLang="en-US" sz="1600" b="1" dirty="0" smtClean="0">
-                <a:latin typeface="+mn-ea"/>
-              </a:rPr>
-              <a:t>タブを選択する</a:t>
-            </a:r>
-            <a:r>
-              <a:rPr lang="ja-JP" altLang="en-US" sz="1600" b="1" dirty="0">
-                <a:latin typeface="+mn-ea"/>
-              </a:rPr>
-              <a:t>ことで</a:t>
-            </a:r>
-            <a:r>
-              <a:rPr lang="en-US" altLang="ja-JP" sz="1600" b="1" dirty="0">
-                <a:latin typeface="+mn-ea"/>
-              </a:rPr>
-              <a:t/>
-            </a:r>
             <a:br>
               <a:rPr lang="en-US" altLang="ja-JP" sz="1600" b="1" dirty="0">
                 <a:latin typeface="+mn-ea"/>
               </a:rPr>
             </a:br>
-            <a:r>
-              <a:rPr lang="ja-JP" altLang="en-US" sz="1600" b="1" dirty="0" smtClean="0">
+            <a:br>
+              <a:rPr lang="en-US" altLang="ja-JP" sz="1600" b="1" dirty="0">
+                <a:latin typeface="+mn-ea"/>
+              </a:rPr>
+            </a:br>
+            <a:r>
+              <a:rPr lang="ja-JP" altLang="en-US" sz="1600" b="1" dirty="0">
+                <a:latin typeface="+mn-ea"/>
+              </a:rPr>
+              <a:t>タブを選択することで</a:t>
+            </a:r>
+            <a:br>
+              <a:rPr lang="en-US" altLang="ja-JP" sz="1600" b="1" dirty="0">
+                <a:latin typeface="+mn-ea"/>
+              </a:rPr>
+            </a:br>
+            <a:r>
+              <a:rPr lang="ja-JP" altLang="en-US" sz="1600" b="1" dirty="0">
                 <a:latin typeface="+mn-ea"/>
               </a:rPr>
               <a:t>オブジェクトの整列ができます</a:t>
             </a:r>
-            <a:endParaRPr lang="ja-JP" altLang="en-US" sz="1600" b="1" dirty="0">
-              <a:latin typeface="+mn-ea"/>
-            </a:endParaRPr>
           </a:p>
           <a:p>
             <a:pPr algn="ctr"/>
-            <a:endParaRPr kumimoji="1" lang="ja-JP" altLang="en-US" sz="1600" b="1" dirty="0" smtClean="0">
+            <a:endParaRPr kumimoji="1" lang="ja-JP" altLang="en-US" sz="1600" b="1" dirty="0">
               <a:latin typeface="+mn-ea"/>
             </a:endParaRPr>
           </a:p>
@@ -12396,13 +12128,6 @@
   <p:clrMapOvr>
     <a:masterClrMapping/>
   </p:clrMapOvr>
-  <p:timing>
-    <p:tnLst>
-      <p:par>
-        <p:cTn id="1" dur="indefinite" restart="never" nodeType="tmRoot"/>
-      </p:par>
-    </p:tnLst>
-  </p:timing>
 </p:sld>
 </file>
 
@@ -12447,27 +12172,23 @@
               <a:t>　</a:t>
             </a:r>
             <a:r>
-              <a:rPr lang="en-US" altLang="ja-JP" dirty="0" smtClean="0"/>
+              <a:rPr lang="en-US" altLang="ja-JP" dirty="0"/>
               <a:t>Conductor</a:t>
             </a:r>
             <a:r>
-              <a:rPr lang="ja-JP" altLang="en-US" dirty="0" smtClean="0"/>
-              <a:t>メニューの機能</a:t>
-            </a:r>
-            <a:r>
               <a:rPr lang="ja-JP" altLang="en-US" dirty="0"/>
-              <a:t>説明　</a:t>
-            </a:r>
-            <a:r>
-              <a:rPr lang="ja-JP" altLang="en-US" smtClean="0"/>
+              <a:t>メニューの機能説明　</a:t>
+            </a:r>
+            <a:r>
+              <a:rPr lang="ja-JP" altLang="en-US"/>
               <a:t>（</a:t>
             </a:r>
             <a:r>
-              <a:rPr lang="en-US" altLang="ja-JP" smtClean="0"/>
+              <a:rPr lang="en-US" altLang="ja-JP"/>
               <a:t>5/14</a:t>
             </a:r>
             <a:r>
-              <a:rPr lang="ja-JP" altLang="en-US" smtClean="0"/>
+              <a:rPr lang="ja-JP" altLang="en-US"/>
               <a:t>）</a:t>
             </a:r>
             <a:endParaRPr kumimoji="1" lang="ja-JP" altLang="en-US" dirty="0"/>
@@ -12522,19 +12243,15 @@
               <a:t>Conductor</a:t>
             </a:r>
             <a:r>
-              <a:rPr lang="ja-JP" altLang="en-US" b="1" dirty="0" smtClean="0"/>
+              <a:rPr lang="ja-JP" altLang="en-US" b="1" dirty="0"/>
               <a:t>クラス編集（</a:t>
             </a:r>
             <a:r>
               <a:rPr lang="en-US" altLang="ja-JP" b="1" dirty="0"/>
-              <a:t>4</a:t>
-            </a:r>
-            <a:r>
-              <a:rPr lang="en-US" altLang="ja-JP" b="1" dirty="0" smtClean="0"/>
-              <a:t>/4</a:t>
-            </a:r>
-            <a:r>
-              <a:rPr lang="ja-JP" altLang="en-US" b="1" dirty="0" smtClean="0"/>
+              <a:t>4/4</a:t>
+            </a:r>
+            <a:r>
+              <a:rPr lang="ja-JP" altLang="en-US" b="1" dirty="0"/>
               <a:t>）</a:t>
             </a:r>
             <a:endParaRPr lang="en-US" altLang="ja-JP" b="1" dirty="0"/>
@@ -12542,15 +12259,15 @@
           <a:p>
             <a:pPr lvl="1"/>
             <a:r>
-              <a:rPr lang="ja-JP" altLang="en-US" dirty="0" smtClean="0"/>
+              <a:rPr lang="ja-JP" altLang="en-US" dirty="0"/>
               <a:t>使用可能な</a:t>
             </a:r>
             <a:r>
-              <a:rPr lang="en-US" altLang="ja-JP" dirty="0" smtClean="0"/>
+              <a:rPr lang="en-US" altLang="ja-JP" dirty="0"/>
               <a:t>Function</a:t>
             </a:r>
             <a:r>
-              <a:rPr lang="ja-JP" altLang="en-US" dirty="0" smtClean="0"/>
+              <a:rPr lang="ja-JP" altLang="en-US" dirty="0"/>
               <a:t>を記載します。詳細は</a:t>
             </a:r>
             <a:r>
@@ -12560,7 +12277,7 @@
               <a:t>マニュアル</a:t>
             </a:r>
             <a:r>
-              <a:rPr lang="ja-JP" altLang="en-US" dirty="0" smtClean="0"/>
+              <a:rPr lang="ja-JP" altLang="en-US" dirty="0"/>
               <a:t>をご覧ください。</a:t>
             </a:r>
             <a:endParaRPr lang="en-US" altLang="ja-JP" dirty="0"/>
@@ -12625,13 +12342,6 @@
   <p:clrMapOvr>
     <a:masterClrMapping/>
   </p:clrMapOvr>
-  <p:timing>
-    <p:tnLst>
-      <p:par>
-        <p:cTn id="1" dur="indefinite" restart="never" nodeType="tmRoot"/>
-      </p:par>
-    </p:tnLst>
-  </p:timing>
 </p:sld>
 </file>
 
@@ -12700,35 +12410,23 @@
               <a:t>　</a:t>
             </a:r>
             <a:r>
-              <a:rPr lang="en-US" altLang="ja-JP" dirty="0" smtClean="0"/>
+              <a:rPr lang="en-US" altLang="ja-JP" dirty="0"/>
               <a:t>Conductor</a:t>
             </a:r>
             <a:r>
-              <a:rPr lang="ja-JP" altLang="en-US" dirty="0" smtClean="0"/>
-              <a:t>メニュー</a:t>
-            </a:r>
-            <a:r>
               <a:rPr lang="ja-JP" altLang="en-US" dirty="0"/>
-              <a:t>の</a:t>
-            </a:r>
-            <a:r>
-              <a:rPr lang="ja-JP" altLang="en-US" dirty="0" smtClean="0"/>
-              <a:t>機能説明</a:t>
-            </a:r>
-            <a:r>
-              <a:rPr lang="ja-JP" altLang="en-US" dirty="0"/>
-              <a:t>　</a:t>
-            </a:r>
-            <a:r>
-              <a:rPr lang="ja-JP" altLang="en-US" smtClean="0"/>
+              <a:t>メニューの機能説明　</a:t>
+            </a:r>
+            <a:r>
+              <a:rPr lang="ja-JP" altLang="en-US"/>
               <a:t>（</a:t>
             </a:r>
             <a:r>
-              <a:rPr lang="en-US" altLang="ja-JP" smtClean="0"/>
+              <a:rPr lang="en-US" altLang="ja-JP"/>
               <a:t>6/14</a:t>
             </a:r>
             <a:r>
-              <a:rPr lang="ja-JP" altLang="en-US" smtClean="0"/>
+              <a:rPr lang="ja-JP" altLang="en-US"/>
               <a:t>）</a:t>
             </a:r>
             <a:endParaRPr kumimoji="1" lang="ja-JP" altLang="en-US" dirty="0"/>
@@ -12760,57 +12458,45 @@
             </a:r>
             <a:r>
               <a:rPr lang="ja-JP" altLang="en-US" b="1" dirty="0"/>
-              <a:t>作業</a:t>
-            </a:r>
-            <a:r>
-              <a:rPr lang="ja-JP" altLang="en-US" b="1" dirty="0" smtClean="0"/>
-              <a:t>実行</a:t>
-            </a:r>
-            <a:r>
-              <a:rPr lang="en-US" altLang="ja-JP" b="1" dirty="0" smtClean="0"/>
+              <a:t>作業実行</a:t>
+            </a:r>
+            <a:r>
+              <a:rPr lang="en-US" altLang="ja-JP" b="1" dirty="0"/>
               <a:t>(1/2)</a:t>
             </a:r>
-            <a:endParaRPr lang="en-US" altLang="ja-JP" dirty="0" smtClean="0"/>
+            <a:endParaRPr lang="en-US" altLang="ja-JP" dirty="0"/>
           </a:p>
           <a:p>
             <a:pPr lvl="1"/>
             <a:r>
-              <a:rPr lang="ja-JP" altLang="en-US" dirty="0" smtClean="0"/>
+              <a:rPr lang="ja-JP" altLang="en-US" dirty="0"/>
               <a:t>「</a:t>
             </a:r>
             <a:r>
-              <a:rPr lang="en-US" altLang="ja-JP" dirty="0" smtClean="0"/>
+              <a:rPr lang="en-US" altLang="ja-JP" dirty="0"/>
               <a:t>Conductor</a:t>
             </a:r>
             <a:r>
               <a:rPr lang="ja-JP" altLang="en-US" dirty="0"/>
-              <a:t>作業</a:t>
-            </a:r>
-            <a:r>
-              <a:rPr lang="ja-JP" altLang="en-US" dirty="0" smtClean="0"/>
-              <a:t>実行」メニューでは作成した</a:t>
-            </a:r>
-            <a:r>
-              <a:rPr lang="en-US" altLang="ja-JP" dirty="0" smtClean="0"/>
+              <a:t>作業実行」メニューでは作成した</a:t>
+            </a:r>
+            <a:r>
+              <a:rPr lang="en-US" altLang="ja-JP" dirty="0"/>
               <a:t>Conductor</a:t>
             </a:r>
             <a:r>
-              <a:rPr lang="ja-JP" altLang="en-US" dirty="0" err="1" smtClean="0"/>
+              <a:rPr lang="ja-JP" altLang="en-US" dirty="0" err="1"/>
               <a:t>、</a:t>
             </a:r>
             <a:r>
-              <a:rPr lang="ja-JP" altLang="en-US" dirty="0" smtClean="0"/>
+              <a:rPr lang="ja-JP" altLang="en-US" dirty="0"/>
               <a:t>オペレーションを選択し</a:t>
             </a:r>
-            <a:r>
-              <a:rPr lang="en-US" altLang="ja-JP" dirty="0" smtClean="0"/>
-              <a:t/>
-            </a:r>
             <a:br>
-              <a:rPr lang="en-US" altLang="ja-JP" dirty="0" smtClean="0"/>
+              <a:rPr lang="en-US" altLang="ja-JP" dirty="0"/>
             </a:br>
             <a:r>
-              <a:rPr lang="ja-JP" altLang="en-US" dirty="0" smtClean="0"/>
+              <a:rPr lang="ja-JP" altLang="en-US" dirty="0"/>
               <a:t>実行します。</a:t>
             </a:r>
             <a:endParaRPr lang="en-US" altLang="ja-JP" dirty="0"/>
@@ -12846,7 +12532,6 @@
             </a:solidFill>
           </a:ln>
           <a:effectLst/>
-          <a:extLst/>
         </p:spPr>
         <p:txBody>
           <a:bodyPr rot="0" spcFirstLastPara="0" vertOverflow="overflow" horzOverflow="overflow" vert="horz" wrap="none" lIns="72000" tIns="72000" rIns="72000" bIns="72000" numCol="1" spcCol="0" rtlCol="0" fromWordArt="0" anchor="ctr" anchorCtr="0" forceAA="0" compatLnSpc="1">
@@ -12859,24 +12544,18 @@
           <a:p>
             <a:pPr algn="ctr"/>
             <a:r>
-              <a:rPr kumimoji="1" lang="ja-JP" altLang="en-US" sz="1600" b="1" dirty="0" smtClean="0">
+              <a:rPr kumimoji="1" lang="ja-JP" altLang="en-US" sz="1600" b="1" dirty="0">
                 <a:latin typeface="+mn-ea"/>
               </a:rPr>
               <a:t>実行タイミングの</a:t>
             </a:r>
-            <a:r>
-              <a:rPr kumimoji="1" lang="en-US" altLang="ja-JP" sz="1600" b="1" dirty="0" smtClean="0">
-                <a:latin typeface="+mn-ea"/>
-              </a:rPr>
-              <a:t/>
-            </a:r>
             <a:br>
-              <a:rPr kumimoji="1" lang="en-US" altLang="ja-JP" sz="1600" b="1" dirty="0" smtClean="0">
+              <a:rPr kumimoji="1" lang="en-US" altLang="ja-JP" sz="1600" b="1" dirty="0">
                 <a:latin typeface="+mn-ea"/>
               </a:rPr>
             </a:br>
             <a:r>
-              <a:rPr kumimoji="1" lang="ja-JP" altLang="en-US" sz="1600" b="1" dirty="0" smtClean="0">
+              <a:rPr kumimoji="1" lang="ja-JP" altLang="en-US" sz="1600" b="1" dirty="0">
                 <a:latin typeface="+mn-ea"/>
               </a:rPr>
               <a:t>スケジューリングが可能です</a:t>
@@ -12905,7 +12584,6 @@
             </a:solidFill>
           </a:ln>
           <a:effectLst/>
-          <a:extLst/>
         </p:spPr>
         <p:txBody>
           <a:bodyPr rot="0" spcFirstLastPara="0" vertOverflow="overflow" horzOverflow="overflow" vert="horz" wrap="none" lIns="72000" tIns="72000" rIns="72000" bIns="72000" numCol="1" spcCol="0" rtlCol="0" fromWordArt="0" anchor="ctr" anchorCtr="0" forceAA="0" compatLnSpc="1">
@@ -12917,7 +12595,7 @@
           <a:lstStyle/>
           <a:p>
             <a:pPr algn="ctr"/>
-            <a:endParaRPr kumimoji="1" lang="ja-JP" altLang="en-US" b="1" dirty="0" smtClean="0">
+            <a:endParaRPr kumimoji="1" lang="ja-JP" altLang="en-US" b="1" dirty="0">
               <a:latin typeface="+mn-ea"/>
             </a:endParaRPr>
           </a:p>
@@ -12952,7 +12630,6 @@
             </a:solidFill>
           </a:ln>
           <a:effectLst/>
-          <a:extLst/>
         </p:spPr>
         <p:txBody>
           <a:bodyPr rot="0" spcFirstLastPara="0" vertOverflow="overflow" horzOverflow="overflow" vert="horz" wrap="none" lIns="72000" tIns="72000" rIns="72000" bIns="72000" numCol="1" spcCol="0" rtlCol="0" fromWordArt="0" anchor="ctr" anchorCtr="0" forceAA="0" compatLnSpc="1">
@@ -12968,56 +12645,44 @@
               <a:rPr lang="ja-JP" altLang="en-US" sz="1600" b="1" dirty="0">
                 <a:latin typeface="+mn-ea"/>
               </a:rPr>
-              <a:t>実行</a:t>
-            </a:r>
-            <a:r>
-              <a:rPr lang="ja-JP" altLang="en-US" sz="1600" b="1" dirty="0" smtClean="0">
-                <a:latin typeface="+mn-ea"/>
-              </a:rPr>
-              <a:t>する</a:t>
-            </a:r>
-            <a:r>
-              <a:rPr kumimoji="1" lang="en-US" altLang="ja-JP" sz="1600" b="1" dirty="0" smtClean="0">
+              <a:t>実行する</a:t>
+            </a:r>
+            <a:r>
+              <a:rPr kumimoji="1" lang="en-US" altLang="ja-JP" sz="1600" b="1" dirty="0">
                 <a:latin typeface="+mn-ea"/>
               </a:rPr>
               <a:t>Conductor</a:t>
             </a:r>
             <a:r>
-              <a:rPr kumimoji="1" lang="ja-JP" altLang="en-US" sz="1600" b="1" dirty="0" err="1" smtClean="0">
+              <a:rPr kumimoji="1" lang="ja-JP" altLang="en-US" sz="1600" b="1" dirty="0" err="1">
                 <a:latin typeface="+mn-ea"/>
               </a:rPr>
               <a:t>、</a:t>
             </a:r>
-            <a:r>
-              <a:rPr kumimoji="1" lang="en-US" altLang="ja-JP" sz="1600" b="1" dirty="0" smtClean="0">
-                <a:latin typeface="+mn-ea"/>
-              </a:rPr>
-              <a:t/>
-            </a:r>
             <a:br>
-              <a:rPr kumimoji="1" lang="en-US" altLang="ja-JP" sz="1600" b="1" dirty="0" smtClean="0">
+              <a:rPr kumimoji="1" lang="en-US" altLang="ja-JP" sz="1600" b="1" dirty="0">
                 <a:latin typeface="+mn-ea"/>
               </a:rPr>
             </a:br>
             <a:r>
-              <a:rPr lang="ja-JP" altLang="en-US" sz="1600" b="1" dirty="0" smtClean="0">
+              <a:rPr lang="ja-JP" altLang="en-US" sz="1600" b="1" dirty="0">
                 <a:latin typeface="+mn-ea"/>
               </a:rPr>
               <a:t>オペレーション</a:t>
             </a:r>
             <a:r>
-              <a:rPr lang="ja-JP" altLang="en-US" sz="1600" b="1" smtClean="0">
+              <a:rPr lang="ja-JP" altLang="en-US" sz="1600" b="1">
                 <a:latin typeface="+mn-ea"/>
               </a:rPr>
               <a:t>を</a:t>
             </a:r>
             <a:r>
-              <a:rPr kumimoji="1" lang="ja-JP" altLang="en-US" sz="1600" b="1" smtClean="0">
+              <a:rPr kumimoji="1" lang="ja-JP" altLang="en-US" sz="1600" b="1">
                 <a:latin typeface="+mn-ea"/>
               </a:rPr>
               <a:t>選択します</a:t>
             </a:r>
-            <a:endParaRPr kumimoji="1" lang="ja-JP" altLang="en-US" sz="1600" b="1" dirty="0" smtClean="0">
+            <a:endParaRPr kumimoji="1" lang="ja-JP" altLang="en-US" sz="1600" b="1" dirty="0">
               <a:latin typeface="+mn-ea"/>
             </a:endParaRPr>
           </a:p>
@@ -13044,7 +12709,6 @@
             </a:solidFill>
           </a:ln>
           <a:effectLst/>
-          <a:extLst/>
         </p:spPr>
         <p:txBody>
           <a:bodyPr rot="0" spcFirstLastPara="0" vertOverflow="overflow" horzOverflow="overflow" vert="horz" wrap="none" lIns="72000" tIns="72000" rIns="72000" bIns="72000" numCol="1" spcCol="0" rtlCol="0" fromWordArt="0" anchor="ctr" anchorCtr="0" forceAA="0" compatLnSpc="1">
@@ -13056,7 +12720,7 @@
           <a:lstStyle/>
           <a:p>
             <a:pPr algn="ctr"/>
-            <a:endParaRPr kumimoji="1" lang="ja-JP" altLang="en-US" b="1" dirty="0" smtClean="0">
+            <a:endParaRPr kumimoji="1" lang="ja-JP" altLang="en-US" b="1" dirty="0">
               <a:latin typeface="+mn-ea"/>
             </a:endParaRPr>
           </a:p>
@@ -13083,7 +12747,6 @@
             </a:solidFill>
           </a:ln>
           <a:effectLst/>
-          <a:extLst/>
         </p:spPr>
         <p:txBody>
           <a:bodyPr rot="0" spcFirstLastPara="0" vertOverflow="overflow" horzOverflow="overflow" vert="horz" wrap="none" lIns="72000" tIns="72000" rIns="72000" bIns="72000" numCol="1" spcCol="0" rtlCol="0" fromWordArt="0" anchor="ctr" anchorCtr="0" forceAA="0" compatLnSpc="1">
@@ -13095,7 +12758,7 @@
           <a:lstStyle/>
           <a:p>
             <a:pPr algn="ctr"/>
-            <a:endParaRPr kumimoji="1" lang="ja-JP" altLang="en-US" b="1" dirty="0" smtClean="0">
+            <a:endParaRPr kumimoji="1" lang="ja-JP" altLang="en-US" b="1" dirty="0">
               <a:latin typeface="+mn-ea"/>
             </a:endParaRPr>
           </a:p>
@@ -13111,13 +12774,6 @@
   <p:clrMapOvr>
     <a:masterClrMapping/>
   </p:clrMapOvr>
-  <p:timing>
-    <p:tnLst>
-      <p:par>
-        <p:cTn id="1" dur="indefinite" restart="never" nodeType="tmRoot"/>
-      </p:par>
-    </p:tnLst>
-  </p:timing>
 </p:sld>
 </file>
 
@@ -13140,7 +12796,13 @@
       </p:grpSpPr>
       <p:pic>
         <p:nvPicPr>
-          <p:cNvPr id="10" name="図 9"/>
+          <p:cNvPr id="7" name="図 6" descr="コンピューターのスクリーンショット&#10;&#10;中程度の精度で自動的に生成された説明">
+            <a:extLst>
+              <a:ext uri="{FF2B5EF4-FFF2-40B4-BE49-F238E27FC236}">
+                <a16:creationId xmlns:a16="http://schemas.microsoft.com/office/drawing/2014/main" id="{AFFDA9BF-E1A0-458F-8FAC-61D1B736EC35}"/>
+              </a:ext>
+            </a:extLst>
+          </p:cNvPr>
           <p:cNvPicPr>
             <a:picLocks noChangeAspect="1"/>
           </p:cNvPicPr>
@@ -13154,8 +12816,8 @@
         </p:blipFill>
         <p:spPr>
           <a:xfrm>
-            <a:off x="317865" y="1988800"/>
-            <a:ext cx="8507296" cy="3972950"/>
+            <a:off x="316800" y="1987200"/>
+            <a:ext cx="8504919" cy="3974400"/>
           </a:xfrm>
           <a:prstGeom prst="rect">
             <a:avLst/>
@@ -13186,35 +12848,23 @@
               <a:t>　</a:t>
             </a:r>
             <a:r>
-              <a:rPr lang="en-US" altLang="ja-JP" dirty="0" smtClean="0"/>
+              <a:rPr lang="en-US" altLang="ja-JP" dirty="0"/>
               <a:t>Conductor</a:t>
             </a:r>
             <a:r>
-              <a:rPr lang="ja-JP" altLang="en-US" dirty="0" smtClean="0"/>
-              <a:t>メニュー</a:t>
-            </a:r>
-            <a:r>
               <a:rPr lang="ja-JP" altLang="en-US" dirty="0"/>
-              <a:t>の</a:t>
-            </a:r>
-            <a:r>
-              <a:rPr lang="ja-JP" altLang="en-US" dirty="0" smtClean="0"/>
-              <a:t>機能説明</a:t>
-            </a:r>
-            <a:r>
-              <a:rPr lang="ja-JP" altLang="en-US" dirty="0"/>
-              <a:t>　</a:t>
-            </a:r>
-            <a:r>
-              <a:rPr lang="ja-JP" altLang="en-US" smtClean="0"/>
+              <a:t>メニューの機能説明　</a:t>
+            </a:r>
+            <a:r>
+              <a:rPr lang="ja-JP" altLang="en-US"/>
               <a:t>（</a:t>
             </a:r>
             <a:r>
-              <a:rPr lang="en-US" altLang="ja-JP" smtClean="0"/>
+              <a:rPr lang="en-US" altLang="ja-JP"/>
               <a:t>7/14</a:t>
             </a:r>
             <a:r>
-              <a:rPr lang="ja-JP" altLang="en-US" smtClean="0"/>
+              <a:rPr lang="ja-JP" altLang="en-US"/>
               <a:t>）</a:t>
             </a:r>
             <a:endParaRPr kumimoji="1" lang="ja-JP" altLang="en-US" dirty="0"/>
@@ -13246,34 +12896,30 @@
             </a:r>
             <a:r>
               <a:rPr lang="ja-JP" altLang="en-US" b="1" dirty="0"/>
-              <a:t>作業</a:t>
-            </a:r>
-            <a:r>
-              <a:rPr lang="ja-JP" altLang="en-US" b="1" dirty="0" smtClean="0"/>
-              <a:t>実行</a:t>
-            </a:r>
-            <a:r>
-              <a:rPr lang="en-US" altLang="ja-JP" b="1" dirty="0" smtClean="0"/>
+              <a:t>作業実行</a:t>
+            </a:r>
+            <a:r>
+              <a:rPr lang="en-US" altLang="ja-JP" b="1" dirty="0"/>
               <a:t>(2/2)</a:t>
             </a:r>
-            <a:endParaRPr lang="en-US" altLang="ja-JP" dirty="0" smtClean="0"/>
+            <a:endParaRPr lang="en-US" altLang="ja-JP" dirty="0"/>
           </a:p>
           <a:p>
             <a:pPr lvl="1"/>
             <a:r>
-              <a:rPr lang="ja-JP" altLang="en-US" dirty="0" smtClean="0"/>
+              <a:rPr lang="ja-JP" altLang="en-US" dirty="0"/>
               <a:t>ページ上部で選択した</a:t>
             </a:r>
             <a:r>
-              <a:rPr lang="en-US" altLang="ja-JP" dirty="0" smtClean="0"/>
+              <a:rPr lang="en-US" altLang="ja-JP" dirty="0"/>
               <a:t>Conductor</a:t>
             </a:r>
             <a:r>
-              <a:rPr lang="ja-JP" altLang="en-US" dirty="0" err="1" smtClean="0"/>
+              <a:rPr lang="ja-JP" altLang="en-US" dirty="0" err="1"/>
               <a:t>、</a:t>
             </a:r>
             <a:r>
-              <a:rPr lang="ja-JP" altLang="en-US" dirty="0" smtClean="0"/>
+              <a:rPr lang="ja-JP" altLang="en-US" dirty="0"/>
               <a:t>オペレーションが表示されます。</a:t>
             </a:r>
             <a:endParaRPr lang="en-US" altLang="ja-JP" dirty="0"/>
@@ -13309,7 +12955,6 @@
             </a:solidFill>
           </a:ln>
           <a:effectLst/>
-          <a:extLst/>
         </p:spPr>
         <p:txBody>
           <a:bodyPr rot="0" spcFirstLastPara="0" vertOverflow="overflow" horzOverflow="overflow" vert="horz" wrap="none" lIns="72000" tIns="72000" rIns="72000" bIns="72000" numCol="1" spcCol="0" rtlCol="0" fromWordArt="0" anchor="ctr" anchorCtr="0" forceAA="0" compatLnSpc="1">
@@ -13322,35 +12967,29 @@
           <a:p>
             <a:pPr algn="ctr"/>
             <a:r>
-              <a:rPr kumimoji="1" lang="ja-JP" altLang="en-US" sz="1600" b="1" dirty="0" smtClean="0">
+              <a:rPr kumimoji="1" lang="ja-JP" altLang="en-US" sz="1600" b="1" dirty="0">
                 <a:latin typeface="+mn-ea"/>
               </a:rPr>
               <a:t>内容に問題がなければ、</a:t>
             </a:r>
-            <a:r>
-              <a:rPr kumimoji="1" lang="en-US" altLang="ja-JP" sz="1600" b="1" dirty="0" smtClean="0">
-                <a:latin typeface="+mn-ea"/>
-              </a:rPr>
-              <a:t/>
-            </a:r>
             <a:br>
-              <a:rPr kumimoji="1" lang="en-US" altLang="ja-JP" sz="1600" b="1" dirty="0" smtClean="0">
+              <a:rPr kumimoji="1" lang="en-US" altLang="ja-JP" sz="1600" b="1" dirty="0">
                 <a:latin typeface="+mn-ea"/>
               </a:rPr>
             </a:br>
             <a:r>
-              <a:rPr kumimoji="1" lang="ja-JP" altLang="en-US" sz="1600" b="1" dirty="0" smtClean="0">
+              <a:rPr kumimoji="1" lang="ja-JP" altLang="en-US" sz="1600" b="1" dirty="0">
                 <a:latin typeface="+mn-ea"/>
               </a:rPr>
               <a:t>「実行」ボタン</a:t>
             </a:r>
             <a:r>
-              <a:rPr kumimoji="1" lang="ja-JP" altLang="en-US" sz="1600" b="1" smtClean="0">
+              <a:rPr kumimoji="1" lang="ja-JP" altLang="en-US" sz="1600" b="1">
                 <a:latin typeface="+mn-ea"/>
               </a:rPr>
               <a:t>から実行します</a:t>
             </a:r>
-            <a:endParaRPr kumimoji="1" lang="ja-JP" altLang="en-US" sz="1600" b="1" dirty="0" smtClean="0">
+            <a:endParaRPr kumimoji="1" lang="ja-JP" altLang="en-US" sz="1600" b="1" dirty="0">
               <a:latin typeface="+mn-ea"/>
             </a:endParaRPr>
           </a:p>
@@ -13377,7 +13016,6 @@
             </a:solidFill>
           </a:ln>
           <a:effectLst/>
-          <a:extLst/>
         </p:spPr>
         <p:txBody>
           <a:bodyPr rot="0" spcFirstLastPara="0" vertOverflow="overflow" horzOverflow="overflow" vert="horz" wrap="none" lIns="72000" tIns="72000" rIns="72000" bIns="72000" numCol="1" spcCol="0" rtlCol="0" fromWordArt="0" anchor="ctr" anchorCtr="0" forceAA="0" compatLnSpc="1">
@@ -13389,7 +13027,7 @@
           <a:lstStyle/>
           <a:p>
             <a:pPr algn="ctr"/>
-            <a:endParaRPr kumimoji="1" lang="ja-JP" altLang="en-US" b="1" dirty="0" smtClean="0">
+            <a:endParaRPr kumimoji="1" lang="ja-JP" altLang="en-US" b="1" dirty="0">
               <a:latin typeface="+mn-ea"/>
             </a:endParaRPr>
           </a:p>
@@ -13405,13 +13043,6 @@
   <p:clrMapOvr>
     <a:masterClrMapping/>
   </p:clrMapOvr>
-  <p:timing>
-    <p:tnLst>
-      <p:par>
-        <p:cTn id="1" dur="indefinite" restart="never" nodeType="tmRoot"/>
-      </p:par>
-    </p:tnLst>
-  </p:timing>
 </p:sld>
 </file>
 
@@ -13434,7 +13065,13 @@
       </p:grpSpPr>
       <p:pic>
         <p:nvPicPr>
-          <p:cNvPr id="14" name="図 13"/>
+          <p:cNvPr id="7" name="図 6" descr="ゲーム画面のスクリーンショット&#10;&#10;低い精度で自動的に生成された説明">
+            <a:extLst>
+              <a:ext uri="{FF2B5EF4-FFF2-40B4-BE49-F238E27FC236}">
+                <a16:creationId xmlns:a16="http://schemas.microsoft.com/office/drawing/2014/main" id="{6287C230-14E6-44CA-ABEB-5D93B3576656}"/>
+              </a:ext>
+            </a:extLst>
+          </p:cNvPr>
           <p:cNvPicPr>
             <a:picLocks noChangeAspect="1"/>
           </p:cNvPicPr>
@@ -13448,8 +13085,8 @@
         </p:blipFill>
         <p:spPr>
           <a:xfrm>
-            <a:off x="291807" y="2174112"/>
-            <a:ext cx="8559411" cy="3924774"/>
+            <a:off x="291600" y="2174400"/>
+            <a:ext cx="8623929" cy="3924000"/>
           </a:xfrm>
           <a:prstGeom prst="rect">
             <a:avLst/>
@@ -13480,35 +13117,23 @@
               <a:t>　</a:t>
             </a:r>
             <a:r>
-              <a:rPr lang="en-US" altLang="ja-JP" dirty="0" smtClean="0"/>
+              <a:rPr lang="en-US" altLang="ja-JP" dirty="0"/>
               <a:t>Conductor</a:t>
             </a:r>
             <a:r>
-              <a:rPr lang="ja-JP" altLang="en-US" dirty="0" smtClean="0"/>
-              <a:t>メニュー</a:t>
-            </a:r>
-            <a:r>
               <a:rPr lang="ja-JP" altLang="en-US" dirty="0"/>
-              <a:t>の</a:t>
-            </a:r>
-            <a:r>
-              <a:rPr lang="ja-JP" altLang="en-US" dirty="0" smtClean="0"/>
-              <a:t>機能説明</a:t>
-            </a:r>
-            <a:r>
-              <a:rPr lang="ja-JP" altLang="en-US" dirty="0"/>
-              <a:t>　</a:t>
-            </a:r>
-            <a:r>
-              <a:rPr lang="ja-JP" altLang="en-US" smtClean="0"/>
+              <a:t>メニューの機能説明　</a:t>
+            </a:r>
+            <a:r>
+              <a:rPr lang="ja-JP" altLang="en-US"/>
               <a:t>（</a:t>
             </a:r>
             <a:r>
-              <a:rPr lang="en-US" altLang="ja-JP" smtClean="0"/>
+              <a:rPr lang="en-US" altLang="ja-JP"/>
               <a:t>8/14</a:t>
             </a:r>
             <a:r>
-              <a:rPr lang="ja-JP" altLang="en-US" smtClean="0"/>
+              <a:rPr lang="ja-JP" altLang="en-US"/>
               <a:t>）</a:t>
             </a:r>
             <a:endParaRPr kumimoji="1" lang="ja-JP" altLang="en-US" dirty="0"/>
@@ -13540,51 +13165,39 @@
             </a:r>
             <a:r>
               <a:rPr lang="ja-JP" altLang="en-US" b="1" dirty="0"/>
-              <a:t>作業</a:t>
-            </a:r>
-            <a:r>
-              <a:rPr lang="ja-JP" altLang="en-US" b="1" dirty="0" smtClean="0"/>
-              <a:t>確認（</a:t>
-            </a:r>
-            <a:r>
-              <a:rPr lang="en-US" altLang="ja-JP" b="1" dirty="0" smtClean="0"/>
+              <a:t>作業確認（</a:t>
+            </a:r>
+            <a:r>
+              <a:rPr lang="en-US" altLang="ja-JP" b="1" dirty="0"/>
               <a:t>1</a:t>
             </a:r>
             <a:r>
-              <a:rPr lang="ja-JP" altLang="en-US" b="1" dirty="0" smtClean="0"/>
+              <a:rPr lang="ja-JP" altLang="en-US" b="1" dirty="0"/>
               <a:t>）</a:t>
             </a:r>
-            <a:endParaRPr lang="en-US" altLang="ja-JP" sz="1800" dirty="0" smtClean="0"/>
+            <a:endParaRPr lang="en-US" altLang="ja-JP" sz="1800" dirty="0"/>
           </a:p>
           <a:p>
             <a:pPr lvl="1"/>
             <a:r>
-              <a:rPr lang="ja-JP" altLang="en-US" dirty="0" smtClean="0"/>
+              <a:rPr lang="ja-JP" altLang="en-US" dirty="0"/>
               <a:t>「</a:t>
             </a:r>
             <a:r>
-              <a:rPr lang="en-US" altLang="ja-JP" dirty="0" smtClean="0"/>
+              <a:rPr lang="en-US" altLang="ja-JP" dirty="0"/>
               <a:t>Conductor</a:t>
             </a:r>
             <a:r>
               <a:rPr lang="ja-JP" altLang="en-US" dirty="0"/>
-              <a:t>作業</a:t>
-            </a:r>
-            <a:r>
-              <a:rPr lang="ja-JP" altLang="en-US" dirty="0" smtClean="0"/>
-              <a:t>確認」メニューから、</a:t>
-            </a:r>
-            <a:r>
-              <a:rPr lang="en-US" altLang="ja-JP" dirty="0" smtClean="0"/>
+              <a:t>作業確認」メニューから、</a:t>
+            </a:r>
+            <a:r>
+              <a:rPr lang="en-US" altLang="ja-JP" dirty="0"/>
               <a:t>Conductor</a:t>
             </a:r>
             <a:r>
-              <a:rPr lang="ja-JP" altLang="en-US" dirty="0" smtClean="0"/>
+              <a:rPr lang="ja-JP" altLang="en-US" dirty="0"/>
               <a:t>の実行状態が確認可能です。</a:t>
-            </a:r>
-            <a:r>
-              <a:rPr lang="en-US" altLang="ja-JP" sz="1400" dirty="0"/>
-              <a:t/>
             </a:r>
             <a:br>
               <a:rPr lang="en-US" altLang="ja-JP" sz="1400" dirty="0"/>
@@ -13601,7 +13214,7 @@
         </p:nvSpPr>
         <p:spPr bwMode="auto">
           <a:xfrm>
-            <a:off x="3707880" y="2188668"/>
+            <a:off x="3563860" y="2326345"/>
             <a:ext cx="3816530" cy="1148502"/>
           </a:xfrm>
           <a:custGeom>
@@ -16594,7 +16207,6 @@
             </a:solidFill>
           </a:ln>
           <a:effectLst/>
-          <a:extLst/>
         </p:spPr>
         <p:txBody>
           <a:bodyPr rot="0" spcFirstLastPara="0" vertOverflow="overflow" horzOverflow="overflow" vert="horz" wrap="none" lIns="72000" tIns="72000" rIns="72000" bIns="72000" numCol="1" spcCol="0" rtlCol="0" fromWordArt="0" anchor="t" anchorCtr="0" forceAA="0" compatLnSpc="1">
@@ -16618,12 +16230,6 @@
               </a:rPr>
               <a:t>をクリックすると、</a:t>
             </a:r>
-            <a:r>
-              <a:rPr lang="en-US" altLang="ja-JP" sz="1600" b="1" dirty="0">
-                <a:latin typeface="+mn-ea"/>
-              </a:rPr>
-              <a:t/>
-            </a:r>
             <a:br>
               <a:rPr lang="en-US" altLang="ja-JP" sz="1600" b="1" dirty="0">
                 <a:latin typeface="+mn-ea"/>
@@ -16635,12 +16241,6 @@
               </a:rPr>
               <a:t>実行の詳細結果を確認可能です</a:t>
             </a:r>
-            <a:r>
-              <a:rPr lang="en-US" altLang="ja-JP" sz="1600" b="1" dirty="0">
-                <a:latin typeface="+mn-ea"/>
-              </a:rPr>
-              <a:t/>
-            </a:r>
             <a:br>
               <a:rPr lang="en-US" altLang="ja-JP" sz="1600" b="1" dirty="0">
                 <a:latin typeface="+mn-ea"/>
@@ -16653,7 +16253,7 @@
               <a:t>詳細は</a:t>
             </a:r>
             <a:r>
-              <a:rPr lang="ja-JP" altLang="en-US" sz="1600" b="1" dirty="0" smtClean="0">
+              <a:rPr lang="ja-JP" altLang="en-US" sz="1600" b="1" dirty="0">
                 <a:latin typeface="+mn-ea"/>
                 <a:hlinkClick r:id="rId3"/>
               </a:rPr>
@@ -16694,7 +16294,6 @@
             </a:solidFill>
           </a:ln>
           <a:effectLst/>
-          <a:extLst/>
         </p:spPr>
         <p:txBody>
           <a:bodyPr rot="0" spcFirstLastPara="0" vertOverflow="overflow" horzOverflow="overflow" vert="horz" wrap="none" lIns="72000" tIns="72000" rIns="72000" bIns="72000" numCol="1" spcCol="0" rtlCol="0" fromWordArt="0" anchor="ctr" anchorCtr="0" forceAA="0" compatLnSpc="1">
@@ -16707,72 +16306,36 @@
           <a:p>
             <a:pPr algn="ctr"/>
             <a:r>
-              <a:rPr lang="en-US" altLang="ja-JP" sz="1600" b="1" dirty="0" smtClean="0">
+              <a:rPr lang="en-US" altLang="ja-JP" sz="1600" b="1" dirty="0">
                 <a:latin typeface="+mn-ea"/>
               </a:rPr>
               <a:t>Conductor</a:t>
             </a:r>
             <a:r>
-              <a:rPr lang="ja-JP" altLang="en-US" sz="1600" b="1" dirty="0" smtClean="0">
+              <a:rPr lang="ja-JP" altLang="en-US" sz="1600" b="1" dirty="0">
                 <a:latin typeface="+mn-ea"/>
               </a:rPr>
               <a:t>に</a:t>
             </a:r>
             <a:r>
               <a:rPr lang="ja-JP" altLang="en-US" sz="1600" b="1" dirty="0"/>
-              <a:t>予約日時</a:t>
-            </a:r>
-            <a:r>
-              <a:rPr lang="ja-JP" altLang="en-US" sz="1600" b="1" dirty="0" smtClean="0"/>
-              <a:t>が設定</a:t>
-            </a:r>
+              <a:t>予約日時が設定されていて</a:t>
+            </a:r>
+            <a:br>
+              <a:rPr lang="en-US" altLang="ja-JP" sz="1600" b="1" dirty="0"/>
+            </a:br>
             <a:r>
               <a:rPr lang="ja-JP" altLang="en-US" sz="1600" b="1" dirty="0"/>
-              <a:t>されて</a:t>
-            </a:r>
-            <a:r>
-              <a:rPr lang="ja-JP" altLang="en-US" sz="1600" b="1" dirty="0" smtClean="0"/>
-              <a:t>いて</a:t>
-            </a:r>
-            <a:r>
-              <a:rPr lang="en-US" altLang="ja-JP" sz="1600" b="1" dirty="0" smtClean="0"/>
-              <a:t/>
+              <a:t>かつ未実行の場合、「予約取り消し」ボタン</a:t>
             </a:r>
             <a:br>
-              <a:rPr lang="en-US" altLang="ja-JP" sz="1600" b="1" dirty="0" smtClean="0"/>
+              <a:rPr lang="en-US" altLang="ja-JP" sz="1600" b="1" dirty="0"/>
             </a:br>
             <a:r>
-              <a:rPr lang="ja-JP" altLang="en-US" sz="1600" b="1" dirty="0" smtClean="0"/>
-              <a:t>かつ</a:t>
-            </a:r>
-            <a:r>
               <a:rPr lang="ja-JP" altLang="en-US" sz="1600" b="1" dirty="0"/>
-              <a:t>未実行の</a:t>
-            </a:r>
-            <a:r>
-              <a:rPr lang="ja-JP" altLang="en-US" sz="1600" b="1" dirty="0" smtClean="0"/>
-              <a:t>場合</a:t>
-            </a:r>
-            <a:r>
-              <a:rPr lang="ja-JP" altLang="en-US" sz="1600" b="1" dirty="0"/>
-              <a:t>、</a:t>
-            </a:r>
-            <a:r>
-              <a:rPr lang="ja-JP" altLang="en-US" sz="1600" b="1" dirty="0" smtClean="0"/>
-              <a:t>「予約取り消し」ボタン</a:t>
-            </a:r>
-            <a:r>
-              <a:rPr lang="en-US" altLang="ja-JP" sz="1600" b="1" dirty="0" smtClean="0"/>
-              <a:t/>
-            </a:r>
-            <a:br>
-              <a:rPr lang="en-US" altLang="ja-JP" sz="1600" b="1" dirty="0" smtClean="0"/>
-            </a:br>
-            <a:r>
-              <a:rPr lang="ja-JP" altLang="en-US" sz="1600" b="1" dirty="0" smtClean="0"/>
               <a:t>から予約を取り消すことが可能です</a:t>
             </a:r>
-            <a:endParaRPr kumimoji="1" lang="ja-JP" altLang="en-US" sz="1600" b="1" dirty="0" smtClean="0">
+            <a:endParaRPr kumimoji="1" lang="ja-JP" altLang="en-US" sz="1600" b="1" dirty="0">
               <a:latin typeface="+mn-ea"/>
             </a:endParaRPr>
           </a:p>
@@ -16786,7 +16349,7 @@
         </p:nvSpPr>
         <p:spPr bwMode="auto">
           <a:xfrm>
-            <a:off x="3203810" y="3490530"/>
+            <a:off x="3055946" y="3519033"/>
             <a:ext cx="504070" cy="514550"/>
           </a:xfrm>
           <a:prstGeom prst="rect">
@@ -16799,7 +16362,6 @@
             </a:solidFill>
           </a:ln>
           <a:effectLst/>
-          <a:extLst/>
         </p:spPr>
         <p:txBody>
           <a:bodyPr rot="0" spcFirstLastPara="0" vertOverflow="overflow" horzOverflow="overflow" vert="horz" wrap="none" lIns="72000" tIns="72000" rIns="72000" bIns="72000" numCol="1" spcCol="0" rtlCol="0" fromWordArt="0" anchor="ctr" anchorCtr="0" forceAA="0" compatLnSpc="1">
@@ -16811,7 +16373,7 @@
           <a:lstStyle/>
           <a:p>
             <a:pPr algn="ctr"/>
-            <a:endParaRPr kumimoji="1" lang="ja-JP" altLang="en-US" b="1" dirty="0" smtClean="0">
+            <a:endParaRPr kumimoji="1" lang="ja-JP" altLang="en-US" b="1" dirty="0">
               <a:latin typeface="+mn-ea"/>
             </a:endParaRPr>
           </a:p>
@@ -16825,7 +16387,7 @@
         </p:nvSpPr>
         <p:spPr bwMode="auto">
           <a:xfrm>
-            <a:off x="7812450" y="3297175"/>
+            <a:off x="7740440" y="3860832"/>
             <a:ext cx="432060" cy="144248"/>
           </a:xfrm>
           <a:prstGeom prst="rect">
@@ -16838,7 +16400,6 @@
             </a:solidFill>
           </a:ln>
           <a:effectLst/>
-          <a:extLst/>
         </p:spPr>
         <p:txBody>
           <a:bodyPr rot="0" spcFirstLastPara="0" vertOverflow="overflow" horzOverflow="overflow" vert="horz" wrap="none" lIns="72000" tIns="72000" rIns="72000" bIns="72000" numCol="1" spcCol="0" rtlCol="0" fromWordArt="0" anchor="ctr" anchorCtr="0" forceAA="0" compatLnSpc="1">
@@ -16850,7 +16411,7 @@
           <a:lstStyle/>
           <a:p>
             <a:pPr algn="ctr"/>
-            <a:endParaRPr kumimoji="1" lang="ja-JP" altLang="en-US" b="1" dirty="0" smtClean="0">
+            <a:endParaRPr kumimoji="1" lang="ja-JP" altLang="en-US" b="1" dirty="0">
               <a:latin typeface="+mn-ea"/>
             </a:endParaRPr>
           </a:p>
@@ -16877,7 +16438,6 @@
             </a:solidFill>
           </a:ln>
           <a:effectLst/>
-          <a:extLst/>
         </p:spPr>
         <p:txBody>
           <a:bodyPr rot="0" spcFirstLastPara="0" vertOverflow="overflow" horzOverflow="overflow" vert="horz" wrap="none" lIns="72000" tIns="72000" rIns="72000" bIns="72000" numCol="1" spcCol="0" rtlCol="0" fromWordArt="0" anchor="ctr" anchorCtr="0" forceAA="0" compatLnSpc="1">
@@ -16889,7 +16449,7 @@
           <a:lstStyle/>
           <a:p>
             <a:pPr algn="ctr"/>
-            <a:endParaRPr kumimoji="1" lang="ja-JP" altLang="en-US" b="1" dirty="0" smtClean="0">
+            <a:endParaRPr kumimoji="1" lang="ja-JP" altLang="en-US" b="1" dirty="0">
               <a:latin typeface="+mn-ea"/>
             </a:endParaRPr>
           </a:p>
@@ -16905,13 +16465,6 @@
   <p:clrMapOvr>
     <a:masterClrMapping/>
   </p:clrMapOvr>
-  <p:timing>
-    <p:tnLst>
-      <p:par>
-        <p:cTn id="1" dur="indefinite" restart="never" nodeType="tmRoot"/>
-      </p:par>
-    </p:tnLst>
-  </p:timing>
 </p:sld>
 </file>
 
@@ -16934,7 +16487,13 @@
       </p:grpSpPr>
       <p:pic>
         <p:nvPicPr>
-          <p:cNvPr id="4" name="図 3"/>
+          <p:cNvPr id="9" name="図 8">
+            <a:extLst>
+              <a:ext uri="{FF2B5EF4-FFF2-40B4-BE49-F238E27FC236}">
+                <a16:creationId xmlns:a16="http://schemas.microsoft.com/office/drawing/2014/main" id="{40DB4EA1-535B-40AB-813B-AA0A6A6E31E8}"/>
+              </a:ext>
+            </a:extLst>
+          </p:cNvPr>
           <p:cNvPicPr>
             <a:picLocks noChangeAspect="1"/>
           </p:cNvPicPr>
@@ -16988,15 +16547,15 @@
               <a:t>メニューの機能説明　</a:t>
             </a:r>
             <a:r>
-              <a:rPr lang="ja-JP" altLang="en-US" smtClean="0"/>
+              <a:rPr lang="ja-JP" altLang="en-US"/>
               <a:t>（</a:t>
             </a:r>
             <a:r>
-              <a:rPr lang="en-US" altLang="ja-JP" smtClean="0"/>
+              <a:rPr lang="en-US" altLang="ja-JP"/>
               <a:t>9/14</a:t>
             </a:r>
             <a:r>
-              <a:rPr lang="ja-JP" altLang="en-US" smtClean="0"/>
+              <a:rPr lang="ja-JP" altLang="en-US"/>
               <a:t>）</a:t>
             </a:r>
             <a:endParaRPr kumimoji="1" lang="ja-JP" altLang="en-US" dirty="0"/>
@@ -17023,69 +16582,69 @@
               <a:buChar char="l"/>
             </a:pPr>
             <a:r>
-              <a:rPr lang="en-US" altLang="ja-JP" b="1" dirty="0" smtClean="0"/>
+              <a:rPr lang="en-US" altLang="ja-JP" b="1" dirty="0"/>
               <a:t>Conductor</a:t>
             </a:r>
             <a:r>
-              <a:rPr lang="ja-JP" altLang="en-US" b="1" dirty="0" smtClean="0"/>
+              <a:rPr lang="ja-JP" altLang="en-US" b="1" dirty="0"/>
               <a:t>作業確認（</a:t>
             </a:r>
             <a:r>
-              <a:rPr lang="en-US" altLang="ja-JP" b="1" dirty="0" smtClean="0"/>
+              <a:rPr lang="en-US" altLang="ja-JP" b="1" dirty="0"/>
               <a:t>1</a:t>
             </a:r>
             <a:r>
-              <a:rPr lang="ja-JP" altLang="en-US" b="1" dirty="0" smtClean="0"/>
+              <a:rPr lang="ja-JP" altLang="en-US" b="1" dirty="0"/>
               <a:t>）</a:t>
             </a:r>
           </a:p>
           <a:p>
             <a:pPr lvl="1"/>
             <a:r>
-              <a:rPr lang="ja-JP" altLang="en-US" dirty="0" smtClean="0"/>
+              <a:rPr lang="ja-JP" altLang="en-US" dirty="0"/>
               <a:t>「</a:t>
             </a:r>
             <a:r>
-              <a:rPr lang="en-US" altLang="ja-JP" dirty="0" smtClean="0"/>
+              <a:rPr lang="en-US" altLang="ja-JP" dirty="0"/>
               <a:t> Conductor </a:t>
             </a:r>
             <a:r>
-              <a:rPr lang="ja-JP" altLang="en-US" dirty="0" smtClean="0"/>
+              <a:rPr lang="ja-JP" altLang="en-US" dirty="0"/>
               <a:t>」メニューグループ </a:t>
             </a:r>
             <a:r>
-              <a:rPr lang="en-US" altLang="ja-JP" dirty="0" smtClean="0"/>
+              <a:rPr lang="en-US" altLang="ja-JP" dirty="0"/>
               <a:t>&gt;&gt;</a:t>
             </a:r>
             <a:r>
-              <a:rPr lang="ja-JP" altLang="en-US" dirty="0" smtClean="0"/>
+              <a:rPr lang="ja-JP" altLang="en-US" dirty="0"/>
               <a:t>「</a:t>
             </a:r>
             <a:r>
-              <a:rPr lang="en-US" altLang="ja-JP" dirty="0" smtClean="0"/>
+              <a:rPr lang="en-US" altLang="ja-JP" dirty="0"/>
               <a:t>Conductor</a:t>
             </a:r>
             <a:r>
-              <a:rPr lang="ja-JP" altLang="en-US" dirty="0" smtClean="0"/>
+              <a:rPr lang="ja-JP" altLang="en-US" dirty="0"/>
               <a:t>作業一覧」メニュー</a:t>
             </a:r>
             <a:r>
-              <a:rPr lang="en-US" altLang="ja-JP" dirty="0" smtClean="0"/>
+              <a:rPr lang="en-US" altLang="ja-JP" dirty="0"/>
               <a:t>&gt;&gt;</a:t>
             </a:r>
             <a:br>
-              <a:rPr lang="en-US" altLang="ja-JP" dirty="0" smtClean="0"/>
+              <a:rPr lang="en-US" altLang="ja-JP" dirty="0"/>
             </a:br>
             <a:r>
-              <a:rPr lang="ja-JP" altLang="en-US" dirty="0" smtClean="0"/>
+              <a:rPr lang="ja-JP" altLang="en-US" dirty="0"/>
               <a:t>「一覧」サブメニューにて、各</a:t>
             </a:r>
             <a:r>
-              <a:rPr lang="en-US" altLang="ja-JP" dirty="0" smtClean="0"/>
+              <a:rPr lang="en-US" altLang="ja-JP" dirty="0"/>
               <a:t>Conductor</a:t>
             </a:r>
             <a:r>
-              <a:rPr lang="ja-JP" altLang="en-US" dirty="0" smtClean="0"/>
+              <a:rPr lang="ja-JP" altLang="en-US" dirty="0"/>
               <a:t>の投入データと結果データを取得することができます。</a:t>
             </a:r>
             <a:endParaRPr lang="en-US" altLang="ja-JP" dirty="0"/>
@@ -17094,7 +16653,51 @@
       </p:sp>
       <p:sp>
         <p:nvSpPr>
-          <p:cNvPr id="6" name="正方形/長方形 5"/>
+          <p:cNvPr id="7" name="正方形/長方形 6"/>
+          <p:cNvSpPr/>
+          <p:nvPr/>
+        </p:nvSpPr>
+        <p:spPr bwMode="auto">
+          <a:xfrm>
+            <a:off x="4572000" y="5490000"/>
+            <a:ext cx="1800000" cy="864000"/>
+          </a:xfrm>
+          <a:prstGeom prst="rect">
+            <a:avLst/>
+          </a:prstGeom>
+          <a:noFill/>
+          <a:ln w="38100">
+            <a:solidFill>
+              <a:srgbClr val="FF0000"/>
+            </a:solidFill>
+          </a:ln>
+          <a:effectLst/>
+        </p:spPr>
+        <p:txBody>
+          <a:bodyPr rot="0" spcFirstLastPara="0" vertOverflow="overflow" horzOverflow="overflow" vert="horz" wrap="none" lIns="72000" tIns="72000" rIns="72000" bIns="72000" numCol="1" spcCol="0" rtlCol="0" fromWordArt="0" anchor="ctr" anchorCtr="0" forceAA="0" compatLnSpc="1">
+            <a:prstTxWarp prst="textNoShape">
+              <a:avLst/>
+            </a:prstTxWarp>
+            <a:noAutofit/>
+          </a:bodyPr>
+          <a:lstStyle/>
+          <a:p>
+            <a:pPr algn="ctr"/>
+            <a:endParaRPr kumimoji="1" lang="ja-JP" altLang="en-US" b="1" dirty="0">
+              <a:latin typeface="+mn-ea"/>
+            </a:endParaRPr>
+          </a:p>
+        </p:txBody>
+      </p:sp>
+      <p:sp>
+        <p:nvSpPr>
+          <p:cNvPr id="10" name="正方形/長方形 9">
+            <a:extLst>
+              <a:ext uri="{FF2B5EF4-FFF2-40B4-BE49-F238E27FC236}">
+                <a16:creationId xmlns:a16="http://schemas.microsoft.com/office/drawing/2014/main" id="{A9CB2169-5DCB-447C-A4F7-2FBC5011ECDF}"/>
+              </a:ext>
+            </a:extLst>
+          </p:cNvPr>
           <p:cNvSpPr/>
           <p:nvPr/>
         </p:nvSpPr>
@@ -17113,7 +16716,6 @@
             </a:solidFill>
           </a:ln>
           <a:effectLst/>
-          <a:extLst/>
         </p:spPr>
         <p:txBody>
           <a:bodyPr rot="0" spcFirstLastPara="0" vertOverflow="overflow" horzOverflow="overflow" vert="horz" wrap="none" lIns="72000" tIns="72000" rIns="72000" bIns="72000" numCol="1" spcCol="0" rtlCol="0" fromWordArt="0" anchor="ctr" anchorCtr="0" forceAA="0" compatLnSpc="1">
@@ -17125,46 +16727,7 @@
           <a:lstStyle/>
           <a:p>
             <a:pPr algn="ctr"/>
-            <a:endParaRPr kumimoji="1" lang="ja-JP" altLang="en-US" b="1" dirty="0" smtClean="0">
-              <a:latin typeface="+mn-ea"/>
-            </a:endParaRPr>
-          </a:p>
-        </p:txBody>
-      </p:sp>
-      <p:sp>
-        <p:nvSpPr>
-          <p:cNvPr id="7" name="正方形/長方形 6"/>
-          <p:cNvSpPr/>
-          <p:nvPr/>
-        </p:nvSpPr>
-        <p:spPr bwMode="auto">
-          <a:xfrm>
-            <a:off x="4571512" y="5490898"/>
-            <a:ext cx="1800738" cy="864000"/>
-          </a:xfrm>
-          <a:prstGeom prst="rect">
-            <a:avLst/>
-          </a:prstGeom>
-          <a:noFill/>
-          <a:ln w="38100">
-            <a:solidFill>
-              <a:srgbClr val="FF0000"/>
-            </a:solidFill>
-          </a:ln>
-          <a:effectLst/>
-          <a:extLst/>
-        </p:spPr>
-        <p:txBody>
-          <a:bodyPr rot="0" spcFirstLastPara="0" vertOverflow="overflow" horzOverflow="overflow" vert="horz" wrap="none" lIns="72000" tIns="72000" rIns="72000" bIns="72000" numCol="1" spcCol="0" rtlCol="0" fromWordArt="0" anchor="ctr" anchorCtr="0" forceAA="0" compatLnSpc="1">
-            <a:prstTxWarp prst="textNoShape">
-              <a:avLst/>
-            </a:prstTxWarp>
-            <a:noAutofit/>
-          </a:bodyPr>
-          <a:lstStyle/>
-          <a:p>
-            <a:pPr algn="ctr"/>
-            <a:endParaRPr kumimoji="1" lang="ja-JP" altLang="en-US" b="1" dirty="0" smtClean="0">
+            <a:endParaRPr kumimoji="1" lang="ja-JP" altLang="en-US" b="1" dirty="0">
               <a:latin typeface="+mn-ea"/>
             </a:endParaRPr>
           </a:p>
@@ -17228,31 +16791,19 @@
               <a:t>Conductor</a:t>
             </a:r>
             <a:r>
-              <a:rPr lang="ja-JP" altLang="en-US" dirty="0" smtClean="0"/>
-              <a:t>メニュー</a:t>
-            </a:r>
-            <a:r>
               <a:rPr lang="ja-JP" altLang="en-US" dirty="0"/>
-              <a:t>の</a:t>
-            </a:r>
-            <a:r>
-              <a:rPr lang="ja-JP" altLang="en-US" dirty="0" smtClean="0"/>
-              <a:t>機能説明</a:t>
-            </a:r>
-            <a:r>
-              <a:rPr lang="ja-JP" altLang="en-US" dirty="0"/>
-              <a:t>　</a:t>
-            </a:r>
-            <a:r>
-              <a:rPr lang="ja-JP" altLang="en-US" smtClean="0"/>
+              <a:t>メニューの機能説明　</a:t>
+            </a:r>
+            <a:r>
+              <a:rPr lang="ja-JP" altLang="en-US"/>
               <a:t>（</a:t>
             </a:r>
             <a:r>
-              <a:rPr lang="en-US" altLang="ja-JP" smtClean="0"/>
+              <a:rPr lang="en-US" altLang="ja-JP"/>
               <a:t>10/14</a:t>
             </a:r>
             <a:r>
-              <a:rPr lang="ja-JP" altLang="en-US" smtClean="0"/>
+              <a:rPr lang="ja-JP" altLang="en-US"/>
               <a:t>）</a:t>
             </a:r>
             <a:endParaRPr kumimoji="1" lang="ja-JP" altLang="en-US" dirty="0"/>
@@ -17284,42 +16835,34 @@
             </a:r>
             <a:r>
               <a:rPr lang="ja-JP" altLang="en-US" b="1" dirty="0"/>
-              <a:t>定期作業</a:t>
-            </a:r>
-            <a:r>
-              <a:rPr lang="ja-JP" altLang="en-US" b="1" dirty="0" smtClean="0"/>
-              <a:t>実行（</a:t>
-            </a:r>
-            <a:r>
-              <a:rPr lang="en-US" altLang="ja-JP" b="1" dirty="0" smtClean="0"/>
+              <a:t>定期作業実行（</a:t>
+            </a:r>
+            <a:r>
+              <a:rPr lang="en-US" altLang="ja-JP" b="1" dirty="0"/>
               <a:t>1/3</a:t>
             </a:r>
             <a:r>
-              <a:rPr lang="ja-JP" altLang="en-US" b="1" dirty="0" smtClean="0"/>
+              <a:rPr lang="ja-JP" altLang="en-US" b="1" dirty="0"/>
               <a:t>）</a:t>
             </a:r>
-            <a:endParaRPr lang="en-US" altLang="ja-JP" b="1" dirty="0" smtClean="0"/>
+            <a:endParaRPr lang="en-US" altLang="ja-JP" b="1" dirty="0"/>
           </a:p>
           <a:p>
             <a:pPr lvl="1"/>
             <a:r>
-              <a:rPr lang="ja-JP" altLang="en-US" dirty="0" smtClean="0"/>
+              <a:rPr lang="ja-JP" altLang="en-US" dirty="0"/>
               <a:t>「</a:t>
             </a:r>
             <a:r>
-              <a:rPr lang="en-US" altLang="ja-JP" dirty="0" smtClean="0"/>
+              <a:rPr lang="en-US" altLang="ja-JP" dirty="0"/>
               <a:t>Conductor</a:t>
             </a:r>
             <a:r>
-              <a:rPr lang="ja-JP" altLang="en-US" dirty="0" smtClean="0"/>
+              <a:rPr lang="ja-JP" altLang="en-US" dirty="0"/>
               <a:t>定期作業実行」メニューでは、スケジュールに従って定期的に実行する作業を管理します。 </a:t>
             </a:r>
-            <a:r>
-              <a:rPr lang="en-US" altLang="ja-JP" b="1" dirty="0" smtClean="0"/>
-              <a:t/>
-            </a:r>
             <a:br>
-              <a:rPr lang="en-US" altLang="ja-JP" b="1" dirty="0" smtClean="0"/>
+              <a:rPr lang="en-US" altLang="ja-JP" b="1" dirty="0"/>
             </a:br>
             <a:endParaRPr kumimoji="1" lang="ja-JP" altLang="en-US" dirty="0"/>
           </a:p>
@@ -17378,7 +16921,6 @@
             </a:solidFill>
           </a:ln>
           <a:effectLst/>
-          <a:extLst/>
         </p:spPr>
         <p:txBody>
           <a:bodyPr rot="0" spcFirstLastPara="0" vertOverflow="overflow" horzOverflow="overflow" vert="horz" wrap="none" lIns="72000" tIns="72000" rIns="72000" bIns="72000" numCol="1" spcCol="0" rtlCol="0" fromWordArt="0" anchor="ctr" anchorCtr="0" forceAA="0" compatLnSpc="1">
@@ -17391,47 +16933,41 @@
           <a:p>
             <a:pPr algn="ctr"/>
             <a:r>
-              <a:rPr kumimoji="1" lang="ja-JP" altLang="en-US" sz="1600" b="1" dirty="0" smtClean="0">
+              <a:rPr kumimoji="1" lang="ja-JP" altLang="en-US" sz="1600" b="1" dirty="0">
                 <a:latin typeface="+mn-ea"/>
               </a:rPr>
               <a:t>「スケジュール設定</a:t>
             </a:r>
             <a:r>
-              <a:rPr kumimoji="1" lang="ja-JP" altLang="en-US" sz="1600" b="1" smtClean="0">
+              <a:rPr kumimoji="1" lang="ja-JP" altLang="en-US" sz="1600" b="1">
                 <a:latin typeface="+mn-ea"/>
               </a:rPr>
               <a:t>」から詳細な</a:t>
             </a:r>
-            <a:r>
-              <a:rPr kumimoji="1" lang="en-US" altLang="ja-JP" sz="1600" b="1" smtClean="0">
-                <a:latin typeface="+mn-ea"/>
-              </a:rPr>
-              <a:t/>
-            </a:r>
             <a:br>
-              <a:rPr kumimoji="1" lang="en-US" altLang="ja-JP" sz="1600" b="1" smtClean="0">
+              <a:rPr kumimoji="1" lang="en-US" altLang="ja-JP" sz="1600" b="1">
                 <a:latin typeface="+mn-ea"/>
               </a:rPr>
             </a:br>
             <a:r>
-              <a:rPr kumimoji="1" lang="ja-JP" altLang="en-US" sz="1600" b="1" smtClean="0">
+              <a:rPr kumimoji="1" lang="ja-JP" altLang="en-US" sz="1600" b="1">
                 <a:latin typeface="+mn-ea"/>
               </a:rPr>
               <a:t>スケジュール</a:t>
             </a:r>
             <a:r>
-              <a:rPr kumimoji="1" lang="ja-JP" altLang="en-US" sz="1600" b="1" dirty="0" smtClean="0">
+              <a:rPr kumimoji="1" lang="ja-JP" altLang="en-US" sz="1600" b="1" dirty="0">
                 <a:latin typeface="+mn-ea"/>
               </a:rPr>
               <a:t>が設定できま</a:t>
             </a:r>
             <a:r>
-              <a:rPr lang="ja-JP" altLang="en-US" sz="1600" b="1" dirty="0" smtClean="0">
+              <a:rPr lang="ja-JP" altLang="en-US" sz="1600" b="1" dirty="0">
                 <a:latin typeface="+mn-ea"/>
               </a:rPr>
               <a:t>す</a:t>
             </a:r>
-            <a:endParaRPr kumimoji="1" lang="ja-JP" altLang="en-US" sz="1600" b="1" dirty="0" smtClean="0">
+            <a:endParaRPr kumimoji="1" lang="ja-JP" altLang="en-US" sz="1600" b="1" dirty="0">
               <a:latin typeface="+mn-ea"/>
             </a:endParaRPr>
           </a:p>
@@ -17458,7 +16994,6 @@
             </a:solidFill>
           </a:ln>
           <a:effectLst/>
-          <a:extLst/>
         </p:spPr>
         <p:txBody>
           <a:bodyPr rot="0" spcFirstLastPara="0" vertOverflow="overflow" horzOverflow="overflow" vert="horz" wrap="none" lIns="72000" tIns="72000" rIns="72000" bIns="72000" numCol="1" spcCol="0" rtlCol="0" fromWordArt="0" anchor="ctr" anchorCtr="0" forceAA="0" compatLnSpc="1">
@@ -17470,7 +17005,7 @@
           <a:lstStyle/>
           <a:p>
             <a:pPr algn="ctr"/>
-            <a:endParaRPr kumimoji="1" lang="ja-JP" altLang="en-US" b="1" dirty="0" smtClean="0">
+            <a:endParaRPr kumimoji="1" lang="ja-JP" altLang="en-US" b="1" dirty="0">
               <a:latin typeface="+mn-ea"/>
             </a:endParaRPr>
           </a:p>
@@ -17486,13 +17021,6 @@
   <p:clrMapOvr>
     <a:masterClrMapping/>
   </p:clrMapOvr>
-  <p:timing>
-    <p:tnLst>
-      <p:par>
-        <p:cTn id="1" dur="indefinite" restart="never" nodeType="tmRoot"/>
-      </p:par>
-    </p:tnLst>
-  </p:timing>
 </p:sld>
 </file>
 
@@ -17565,31 +17093,19 @@
               <a:t>Conductor</a:t>
             </a:r>
             <a:r>
-              <a:rPr lang="ja-JP" altLang="en-US" dirty="0" smtClean="0"/>
-              <a:t>メニュー</a:t>
-            </a:r>
-            <a:r>
               <a:rPr lang="ja-JP" altLang="en-US" dirty="0"/>
-              <a:t>の</a:t>
-            </a:r>
-            <a:r>
-              <a:rPr lang="ja-JP" altLang="en-US" dirty="0" smtClean="0"/>
-              <a:t>機能説明</a:t>
-            </a:r>
-            <a:r>
-              <a:rPr lang="ja-JP" altLang="en-US" dirty="0"/>
-              <a:t>　</a:t>
-            </a:r>
-            <a:r>
-              <a:rPr lang="ja-JP" altLang="en-US" smtClean="0"/>
+              <a:t>メニューの機能説明　</a:t>
+            </a:r>
+            <a:r>
+              <a:rPr lang="ja-JP" altLang="en-US"/>
               <a:t>（</a:t>
             </a:r>
             <a:r>
-              <a:rPr lang="en-US" altLang="ja-JP" smtClean="0"/>
+              <a:rPr lang="en-US" altLang="ja-JP"/>
               <a:t>11/14</a:t>
             </a:r>
             <a:r>
-              <a:rPr lang="ja-JP" altLang="en-US" smtClean="0"/>
+              <a:rPr lang="ja-JP" altLang="en-US"/>
               <a:t>）</a:t>
             </a:r>
             <a:endParaRPr kumimoji="1" lang="ja-JP" altLang="en-US" dirty="0"/>
@@ -17621,29 +17137,25 @@
             </a:r>
             <a:r>
               <a:rPr lang="ja-JP" altLang="en-US" b="1" dirty="0"/>
-              <a:t>定期作業</a:t>
-            </a:r>
-            <a:r>
-              <a:rPr lang="ja-JP" altLang="en-US" b="1" dirty="0" smtClean="0"/>
-              <a:t>実行（</a:t>
-            </a:r>
-            <a:r>
-              <a:rPr lang="en-US" altLang="ja-JP" b="1" dirty="0" smtClean="0"/>
+              <a:t>定期作業実行（</a:t>
+            </a:r>
+            <a:r>
+              <a:rPr lang="en-US" altLang="ja-JP" b="1" dirty="0"/>
               <a:t>2/3</a:t>
             </a:r>
             <a:r>
-              <a:rPr lang="ja-JP" altLang="en-US" b="1" dirty="0" smtClean="0"/>
+              <a:rPr lang="ja-JP" altLang="en-US" b="1" dirty="0"/>
               <a:t>）</a:t>
             </a:r>
-            <a:endParaRPr lang="en-US" altLang="ja-JP" b="1" dirty="0" smtClean="0"/>
+            <a:endParaRPr lang="en-US" altLang="ja-JP" b="1" dirty="0"/>
           </a:p>
           <a:p>
             <a:pPr lvl="1"/>
             <a:r>
-              <a:rPr lang="ja-JP" altLang="en-US" dirty="0" smtClean="0"/>
+              <a:rPr lang="ja-JP" altLang="en-US" dirty="0"/>
               <a:t>「スケジュール設定」は以下のように実行期間や、作業を停止する期間などの設定を細かく行うことが可能です。</a:t>
             </a:r>
-            <a:endParaRPr lang="en-US" altLang="ja-JP" dirty="0" smtClean="0"/>
+            <a:endParaRPr lang="en-US" altLang="ja-JP" dirty="0"/>
           </a:p>
         </p:txBody>
       </p:sp>
@@ -17676,7 +17188,6 @@
             </a:solidFill>
           </a:ln>
           <a:effectLst/>
-          <a:extLst/>
         </p:spPr>
         <p:txBody>
           <a:bodyPr rot="0" spcFirstLastPara="0" vertOverflow="overflow" horzOverflow="overflow" vert="horz" wrap="none" lIns="72000" tIns="72000" rIns="72000" bIns="72000" numCol="1" spcCol="0" rtlCol="0" fromWordArt="0" anchor="ctr" anchorCtr="0" forceAA="0" compatLnSpc="1">
@@ -17689,42 +17200,42 @@
           <a:p>
             <a:pPr algn="ctr"/>
             <a:r>
-              <a:rPr kumimoji="1" lang="ja-JP" altLang="en-US" sz="1600" b="1" dirty="0" smtClean="0">
+              <a:rPr kumimoji="1" lang="ja-JP" altLang="en-US" sz="1600" b="1" dirty="0">
                 <a:latin typeface="+mn-ea"/>
               </a:rPr>
               <a:t>クリック</a:t>
             </a:r>
             <a:r>
-              <a:rPr kumimoji="1" lang="ja-JP" altLang="en-US" sz="1600" b="1" smtClean="0">
+              <a:rPr kumimoji="1" lang="ja-JP" altLang="en-US" sz="1600" b="1">
                 <a:latin typeface="+mn-ea"/>
               </a:rPr>
               <a:t>すると</a:t>
             </a:r>
-            <a:endParaRPr kumimoji="1" lang="en-US" altLang="ja-JP" sz="1600" b="1" smtClean="0">
+            <a:endParaRPr kumimoji="1" lang="en-US" altLang="ja-JP" sz="1600" b="1">
               <a:latin typeface="+mn-ea"/>
             </a:endParaRPr>
           </a:p>
           <a:p>
             <a:pPr algn="ctr"/>
             <a:r>
-              <a:rPr kumimoji="1" lang="ja-JP" altLang="en-US" sz="1600" b="1" smtClean="0">
+              <a:rPr kumimoji="1" lang="ja-JP" altLang="en-US" sz="1600" b="1">
                 <a:latin typeface="+mn-ea"/>
               </a:rPr>
               <a:t>カレンダーが</a:t>
             </a:r>
             <a:r>
-              <a:rPr kumimoji="1" lang="ja-JP" altLang="en-US" sz="1600" b="1" dirty="0" smtClean="0">
+              <a:rPr kumimoji="1" lang="ja-JP" altLang="en-US" sz="1600" b="1" dirty="0">
                 <a:latin typeface="+mn-ea"/>
               </a:rPr>
               <a:t>表示されま</a:t>
             </a:r>
             <a:r>
-              <a:rPr lang="ja-JP" altLang="en-US" sz="1600" b="1" dirty="0" smtClean="0">
+              <a:rPr lang="ja-JP" altLang="en-US" sz="1600" b="1" dirty="0">
                 <a:latin typeface="+mn-ea"/>
               </a:rPr>
               <a:t>す</a:t>
             </a:r>
-            <a:endParaRPr kumimoji="1" lang="ja-JP" altLang="en-US" sz="1600" b="1" dirty="0" smtClean="0">
+            <a:endParaRPr kumimoji="1" lang="ja-JP" altLang="en-US" sz="1600" b="1" dirty="0">
               <a:latin typeface="+mn-ea"/>
             </a:endParaRPr>
           </a:p>
@@ -17751,7 +17262,6 @@
             </a:solidFill>
           </a:ln>
           <a:effectLst/>
-          <a:extLst/>
         </p:spPr>
         <p:txBody>
           <a:bodyPr rot="0" spcFirstLastPara="0" vertOverflow="overflow" horzOverflow="overflow" vert="horz" wrap="none" lIns="72000" tIns="72000" rIns="72000" bIns="72000" numCol="1" spcCol="0" rtlCol="0" fromWordArt="0" anchor="ctr" anchorCtr="0" forceAA="0" compatLnSpc="1">
@@ -17763,7 +17273,7 @@
           <a:lstStyle/>
           <a:p>
             <a:pPr algn="ctr"/>
-            <a:endParaRPr kumimoji="1" lang="ja-JP" altLang="en-US" b="1" dirty="0" smtClean="0">
+            <a:endParaRPr kumimoji="1" lang="ja-JP" altLang="en-US" b="1" dirty="0">
               <a:latin typeface="+mn-ea"/>
             </a:endParaRPr>
           </a:p>
@@ -17819,7 +17329,6 @@
             </a:solidFill>
           </a:ln>
           <a:effectLst/>
-          <a:extLst/>
         </p:spPr>
         <p:txBody>
           <a:bodyPr rot="0" spcFirstLastPara="0" vertOverflow="overflow" horzOverflow="overflow" vert="horz" wrap="none" lIns="72000" tIns="72000" rIns="72000" bIns="72000" numCol="1" spcCol="0" rtlCol="0" fromWordArt="0" anchor="ctr" anchorCtr="0" forceAA="0" compatLnSpc="1">
@@ -17831,150 +17340,104 @@
           <a:lstStyle/>
           <a:p>
             <a:pPr algn="ctr"/>
-            <a:r>
-              <a:rPr lang="en-US" altLang="ja-JP" sz="1400" b="1" dirty="0" smtClean="0"/>
-              <a:t/>
-            </a:r>
             <a:br>
-              <a:rPr lang="en-US" altLang="ja-JP" sz="1400" b="1" dirty="0" smtClean="0"/>
+              <a:rPr lang="en-US" altLang="ja-JP" sz="1400" b="1" dirty="0"/>
             </a:br>
-            <a:r>
-              <a:rPr lang="en-US" altLang="ja-JP" sz="1400" b="1" dirty="0" smtClean="0"/>
-              <a:t/>
-            </a:r>
             <a:br>
-              <a:rPr lang="en-US" altLang="ja-JP" sz="1400" b="1" dirty="0" smtClean="0"/>
+              <a:rPr lang="en-US" altLang="ja-JP" sz="1400" b="1" dirty="0"/>
             </a:br>
-            <a:r>
-              <a:rPr lang="en-US" altLang="ja-JP" sz="1400" b="1" dirty="0" smtClean="0"/>
-              <a:t/>
-            </a:r>
             <a:br>
-              <a:rPr lang="en-US" altLang="ja-JP" sz="1400" b="1" dirty="0" smtClean="0"/>
+              <a:rPr lang="en-US" altLang="ja-JP" sz="1400" b="1" dirty="0"/>
             </a:br>
-            <a:r>
-              <a:rPr lang="en-US" altLang="ja-JP" sz="1400" b="1" dirty="0" smtClean="0"/>
-              <a:t/>
-            </a:r>
             <a:br>
-              <a:rPr lang="en-US" altLang="ja-JP" sz="1400" b="1" dirty="0" smtClean="0"/>
+              <a:rPr lang="en-US" altLang="ja-JP" sz="1400" b="1" dirty="0"/>
             </a:br>
-            <a:r>
-              <a:rPr lang="en-US" altLang="ja-JP" sz="1400" b="1" dirty="0" smtClean="0"/>
-              <a:t/>
-            </a:r>
             <a:br>
-              <a:rPr lang="en-US" altLang="ja-JP" sz="1400" b="1" dirty="0" smtClean="0"/>
+              <a:rPr lang="en-US" altLang="ja-JP" sz="1400" b="1" dirty="0"/>
             </a:br>
-            <a:r>
-              <a:rPr lang="en-US" altLang="ja-JP" sz="1400" b="1" dirty="0" smtClean="0"/>
-              <a:t/>
-            </a:r>
             <a:br>
-              <a:rPr lang="en-US" altLang="ja-JP" sz="1400" b="1" dirty="0" smtClean="0"/>
+              <a:rPr lang="en-US" altLang="ja-JP" sz="1400" b="1" dirty="0"/>
             </a:br>
             <a:r>
-              <a:rPr lang="ja-JP" altLang="en-US" sz="1400" b="1" dirty="0" smtClean="0"/>
+              <a:rPr lang="ja-JP" altLang="en-US" sz="1400" b="1" dirty="0"/>
               <a:t>初回</a:t>
             </a:r>
             <a:r>
-              <a:rPr lang="en-US" altLang="ja-JP" sz="1400" b="1" dirty="0" smtClean="0"/>
+              <a:rPr lang="en-US" altLang="ja-JP" sz="1400" b="1" dirty="0"/>
               <a:t>(=</a:t>
             </a:r>
             <a:r>
               <a:rPr lang="ja-JP" altLang="en-US" sz="1400" b="1" dirty="0"/>
-              <a:t>次回実行</a:t>
-            </a:r>
-            <a:r>
-              <a:rPr lang="ja-JP" altLang="en-US" sz="1400" b="1" dirty="0" smtClean="0"/>
-              <a:t>日付</a:t>
-            </a:r>
-            <a:r>
-              <a:rPr lang="en-US" altLang="ja-JP" sz="1400" b="1" dirty="0" smtClean="0"/>
+              <a:t>次回実行日付</a:t>
+            </a:r>
+            <a:r>
+              <a:rPr lang="en-US" altLang="ja-JP" sz="1400" b="1" dirty="0"/>
               <a:t>)</a:t>
             </a:r>
             <a:r>
-              <a:rPr lang="ja-JP" altLang="en-US" sz="1400" b="1" dirty="0" smtClean="0"/>
+              <a:rPr lang="ja-JP" altLang="en-US" sz="1400" b="1" dirty="0"/>
               <a:t> ：</a:t>
             </a:r>
             <a:r>
-              <a:rPr lang="en-US" altLang="ja-JP" sz="1400" b="1" dirty="0" smtClean="0"/>
+              <a:rPr lang="en-US" altLang="ja-JP" sz="1400" b="1" dirty="0"/>
               <a:t>2021/09/01  00:00</a:t>
             </a:r>
-            <a:r>
-              <a:rPr lang="en-US" altLang="ja-JP" sz="1400" b="1" dirty="0" smtClean="0">
-                <a:latin typeface="+mn-ea"/>
-              </a:rPr>
-              <a:t/>
-            </a:r>
             <a:br>
-              <a:rPr lang="en-US" altLang="ja-JP" sz="1400" b="1" dirty="0" smtClean="0">
+              <a:rPr lang="en-US" altLang="ja-JP" sz="1400" b="1" dirty="0">
                 <a:latin typeface="+mn-ea"/>
               </a:rPr>
             </a:br>
             <a:r>
-              <a:rPr lang="en-US" altLang="ja-JP" sz="1400" b="1" dirty="0" smtClean="0">
+              <a:rPr lang="en-US" altLang="ja-JP" sz="1400" b="1" dirty="0">
                 <a:latin typeface="+mn-ea"/>
               </a:rPr>
               <a:t>2</a:t>
             </a:r>
             <a:r>
-              <a:rPr lang="ja-JP" altLang="en-US" sz="1400" b="1" dirty="0" smtClean="0">
+              <a:rPr lang="ja-JP" altLang="en-US" sz="1400" b="1" dirty="0">
                 <a:latin typeface="+mn-ea"/>
               </a:rPr>
               <a:t>回目                       </a:t>
             </a:r>
             <a:r>
-              <a:rPr lang="ja-JP" altLang="en-US" sz="1400" b="1" dirty="0" smtClean="0"/>
+              <a:rPr lang="ja-JP" altLang="en-US" sz="1400" b="1" dirty="0"/>
               <a:t>：</a:t>
             </a:r>
             <a:r>
-              <a:rPr lang="en-US" altLang="ja-JP" sz="1400" b="1" dirty="0" smtClean="0"/>
+              <a:rPr lang="en-US" altLang="ja-JP" sz="1400" b="1" dirty="0"/>
               <a:t>2021/09/01  08:00</a:t>
             </a:r>
             <a:br>
-              <a:rPr lang="en-US" altLang="ja-JP" sz="1400" b="1" dirty="0" smtClean="0"/>
+              <a:rPr lang="en-US" altLang="ja-JP" sz="1400" b="1" dirty="0"/>
             </a:br>
             <a:r>
-              <a:rPr lang="en-US" altLang="ja-JP" sz="1400" b="1" dirty="0" smtClean="0">
+              <a:rPr lang="en-US" altLang="ja-JP" sz="1400" b="1" dirty="0">
                 <a:latin typeface="+mn-ea"/>
               </a:rPr>
               <a:t>3</a:t>
             </a:r>
             <a:r>
-              <a:rPr lang="ja-JP" altLang="en-US" sz="1400" b="1" dirty="0" smtClean="0">
+              <a:rPr lang="ja-JP" altLang="en-US" sz="1400" b="1" dirty="0">
                 <a:latin typeface="+mn-ea"/>
               </a:rPr>
               <a:t>回目                       </a:t>
             </a:r>
             <a:r>
-              <a:rPr lang="ja-JP" altLang="en-US" sz="1400" b="1" dirty="0" smtClean="0"/>
+              <a:rPr lang="ja-JP" altLang="en-US" sz="1400" b="1" dirty="0"/>
               <a:t>：</a:t>
             </a:r>
             <a:r>
               <a:rPr lang="en-US" altLang="ja-JP" sz="1400" b="1" dirty="0"/>
-              <a:t>2021/09/01  </a:t>
-            </a:r>
-            <a:r>
-              <a:rPr lang="en-US" altLang="ja-JP" sz="1400" b="1" dirty="0" smtClean="0"/>
-              <a:t>16:00</a:t>
+              <a:t>2021/09/01  16:00</a:t>
             </a:r>
             <a:br>
-              <a:rPr lang="en-US" altLang="ja-JP" sz="1400" b="1" dirty="0" smtClean="0"/>
+              <a:rPr lang="en-US" altLang="ja-JP" sz="1400" b="1" dirty="0"/>
             </a:br>
-            <a:r>
-              <a:rPr lang="en-US" altLang="ja-JP" sz="1400" b="1" dirty="0" smtClean="0"/>
-              <a:t/>
-            </a:r>
             <a:br>
-              <a:rPr lang="en-US" altLang="ja-JP" sz="1400" b="1" dirty="0" smtClean="0"/>
+              <a:rPr lang="en-US" altLang="ja-JP" sz="1400" b="1" dirty="0"/>
             </a:br>
-            <a:r>
-              <a:rPr lang="en-US" altLang="ja-JP" sz="1400" b="1" dirty="0" smtClean="0"/>
-              <a:t/>
-            </a:r>
             <a:br>
-              <a:rPr lang="en-US" altLang="ja-JP" sz="1400" b="1" dirty="0" smtClean="0"/>
+              <a:rPr lang="en-US" altLang="ja-JP" sz="1400" b="1" dirty="0"/>
             </a:br>
             <a:endParaRPr lang="ja-JP" altLang="en-US" sz="1400" b="1" dirty="0">
               <a:latin typeface="+mn-ea"/>
@@ -18043,7 +17506,6 @@
             <a:noFill/>
           </a:ln>
           <a:effectLst/>
-          <a:extLst/>
         </p:spPr>
         <p:txBody>
           <a:bodyPr rot="0" spcFirstLastPara="0" vertOverflow="overflow" horzOverflow="overflow" vert="horz" wrap="none" lIns="72000" tIns="72000" rIns="72000" bIns="72000" numCol="1" spcCol="0" rtlCol="0" fromWordArt="0" anchor="ctr" anchorCtr="0" forceAA="0" compatLnSpc="1">
@@ -18055,65 +17517,49 @@
           <a:lstStyle/>
           <a:p>
             <a:r>
-              <a:rPr lang="ja-JP" altLang="en-US" sz="1400" b="1" dirty="0" smtClean="0">
+              <a:rPr lang="ja-JP" altLang="en-US" sz="1400" b="1" dirty="0">
                 <a:latin typeface="+mn-ea"/>
               </a:rPr>
               <a:t>現在日時「</a:t>
             </a:r>
             <a:r>
-              <a:rPr lang="en-US" altLang="ja-JP" sz="1400" b="1" dirty="0" smtClean="0">
+              <a:rPr lang="en-US" altLang="ja-JP" sz="1400" b="1" dirty="0">
                 <a:latin typeface="+mn-ea"/>
               </a:rPr>
               <a:t>2021/8/31 00:00</a:t>
             </a:r>
             <a:r>
-              <a:rPr lang="ja-JP" altLang="en-US" sz="1400" b="1" dirty="0" smtClean="0">
+              <a:rPr lang="ja-JP" altLang="en-US" sz="1400" b="1" dirty="0">
                 <a:latin typeface="+mn-ea"/>
               </a:rPr>
               <a:t>」に</a:t>
             </a:r>
-            <a:r>
-              <a:rPr lang="en-US" altLang="ja-JP" sz="1400" b="1" dirty="0" smtClean="0">
-                <a:latin typeface="+mn-ea"/>
-              </a:rPr>
-              <a:t/>
-            </a:r>
             <a:br>
-              <a:rPr lang="en-US" altLang="ja-JP" sz="1400" b="1" dirty="0" smtClean="0">
+              <a:rPr lang="en-US" altLang="ja-JP" sz="1400" b="1" dirty="0">
                 <a:latin typeface="+mn-ea"/>
               </a:rPr>
             </a:br>
             <a:r>
-              <a:rPr lang="ja-JP" altLang="en-US" sz="1400" b="1" dirty="0" smtClean="0">
+              <a:rPr lang="ja-JP" altLang="en-US" sz="1400" b="1" dirty="0">
                 <a:latin typeface="+mn-ea"/>
               </a:rPr>
               <a:t>左図のようにスケジュール設定した場合</a:t>
             </a:r>
-            <a:r>
-              <a:rPr lang="en-US" altLang="ja-JP" sz="1400" b="1" dirty="0" smtClean="0">
-                <a:latin typeface="+mn-ea"/>
-              </a:rPr>
-              <a:t/>
-            </a:r>
             <a:br>
-              <a:rPr lang="en-US" altLang="ja-JP" sz="1400" b="1" dirty="0" smtClean="0">
+              <a:rPr lang="en-US" altLang="ja-JP" sz="1400" b="1" dirty="0">
                 <a:latin typeface="+mn-ea"/>
               </a:rPr>
             </a:br>
             <a:r>
-              <a:rPr lang="en-US" altLang="ja-JP" sz="1400" b="1" dirty="0" smtClean="0"/>
+              <a:rPr lang="en-US" altLang="ja-JP" sz="1400" b="1" dirty="0"/>
               <a:t>Conductor</a:t>
             </a:r>
             <a:r>
-              <a:rPr lang="ja-JP" altLang="en-US" sz="1400" b="1" dirty="0" smtClean="0"/>
+              <a:rPr lang="ja-JP" altLang="en-US" sz="1400" b="1" dirty="0"/>
               <a:t>の実行日時は以下のようになります。</a:t>
             </a:r>
-            <a:r>
-              <a:rPr lang="en-US" altLang="ja-JP" sz="1400" b="1" dirty="0" smtClean="0"/>
-              <a:t/>
-            </a:r>
             <a:br>
-              <a:rPr lang="en-US" altLang="ja-JP" sz="1400" b="1" dirty="0" smtClean="0"/>
+              <a:rPr lang="en-US" altLang="ja-JP" sz="1400" b="1" dirty="0"/>
             </a:br>
             <a:endParaRPr lang="ja-JP" altLang="en-US" sz="1400" b="1" dirty="0">
               <a:latin typeface="+mn-ea"/>
@@ -18131,13 +17577,6 @@
   <p:clrMapOvr>
     <a:masterClrMapping/>
   </p:clrMapOvr>
-  <p:timing>
-    <p:tnLst>
-      <p:par>
-        <p:cTn id="1" dur="indefinite" restart="never" nodeType="tmRoot"/>
-      </p:par>
-    </p:tnLst>
-  </p:timing>
 </p:sld>
 </file>
 
@@ -18160,21 +17599,28 @@
       </p:grpSpPr>
       <p:pic>
         <p:nvPicPr>
-          <p:cNvPr id="4" name="図 3"/>
+          <p:cNvPr id="6" name="図 5" descr="グラフィカル ユーザー インターフェイス, アプリケーション&#10;&#10;自動的に生成された説明">
+            <a:extLst>
+              <a:ext uri="{FF2B5EF4-FFF2-40B4-BE49-F238E27FC236}">
+                <a16:creationId xmlns:a16="http://schemas.microsoft.com/office/drawing/2014/main" id="{60C56A7D-3FDC-43A3-9025-06DED1CAAD9B}"/>
+              </a:ext>
+            </a:extLst>
+          </p:cNvPr>
           <p:cNvPicPr>
             <a:picLocks noChangeAspect="1"/>
           </p:cNvPicPr>
           <p:nvPr/>
         </p:nvPicPr>
-        <p:blipFill rotWithShape="1">
+        <p:blipFill>
           <a:blip r:embed="rId2"/>
-          <a:srcRect t="13577"/>
-          <a:stretch/>
+          <a:stretch>
+            <a:fillRect/>
+          </a:stretch>
         </p:blipFill>
         <p:spPr>
           <a:xfrm>
-            <a:off x="47671" y="3916578"/>
-            <a:ext cx="4968333" cy="1935470"/>
+            <a:off x="49353" y="4154653"/>
+            <a:ext cx="5128309" cy="1656057"/>
           </a:xfrm>
           <a:prstGeom prst="rect">
             <a:avLst/>
@@ -18217,11 +17663,11 @@
               <a:t>（</a:t>
             </a:r>
             <a:r>
-              <a:rPr lang="en-US" altLang="ja-JP" smtClean="0"/>
+              <a:rPr lang="en-US" altLang="ja-JP"/>
               <a:t>12/14</a:t>
             </a:r>
             <a:r>
-              <a:rPr lang="ja-JP" altLang="en-US" smtClean="0"/>
+              <a:rPr lang="ja-JP" altLang="en-US"/>
               <a:t>）</a:t>
             </a:r>
             <a:endParaRPr kumimoji="1" lang="ja-JP" altLang="en-US" dirty="0"/>
@@ -18253,21 +17699,17 @@
             </a:r>
             <a:r>
               <a:rPr lang="ja-JP" altLang="en-US" b="1" dirty="0"/>
-              <a:t>定期作業実行</a:t>
-            </a:r>
-            <a:r>
-              <a:rPr lang="ja-JP" altLang="en-US" b="1" dirty="0" smtClean="0"/>
-              <a:t>（</a:t>
-            </a:r>
-            <a:r>
-              <a:rPr lang="en-US" altLang="ja-JP" b="1" dirty="0" smtClean="0"/>
+              <a:t>定期作業実行（</a:t>
+            </a:r>
+            <a:r>
+              <a:rPr lang="en-US" altLang="ja-JP" b="1" dirty="0"/>
               <a:t>3/3</a:t>
             </a:r>
             <a:r>
-              <a:rPr lang="ja-JP" altLang="en-US" b="1" dirty="0" smtClean="0"/>
+              <a:rPr lang="ja-JP" altLang="en-US" b="1" dirty="0"/>
               <a:t>）</a:t>
             </a:r>
-            <a:endParaRPr lang="en-US" altLang="ja-JP" b="1" dirty="0" smtClean="0"/>
+            <a:endParaRPr lang="en-US" altLang="ja-JP" b="1" dirty="0"/>
           </a:p>
           <a:p>
             <a:pPr lvl="1"/>
@@ -18281,31 +17723,7 @@
             </a:r>
             <a:r>
               <a:rPr lang="ja-JP" altLang="en-US" dirty="0"/>
-              <a:t>作業は</a:t>
-            </a:r>
-            <a:r>
-              <a:rPr lang="ja-JP" altLang="en-US" dirty="0" smtClean="0"/>
-              <a:t>、</a:t>
-            </a:r>
-            <a:r>
-              <a:rPr lang="ja-JP" altLang="en-US" dirty="0"/>
-              <a:t>次回実行</a:t>
-            </a:r>
-            <a:r>
-              <a:rPr lang="ja-JP" altLang="en-US" dirty="0" smtClean="0"/>
-              <a:t>日付のインターバル時間前に</a:t>
-            </a:r>
-            <a:r>
-              <a:rPr lang="ja-JP" altLang="en-US" dirty="0"/>
-              <a:t>なる</a:t>
-            </a:r>
-            <a:r>
-              <a:rPr lang="ja-JP" altLang="en-US" dirty="0" smtClean="0"/>
-              <a:t>と未実行</a:t>
-            </a:r>
-            <a:r>
-              <a:rPr lang="ja-JP" altLang="en-US" dirty="0"/>
-              <a:t>（予約）ステータスに遷移します。（インターバル時間の初期値は</a:t>
+              <a:t>作業は、次回実行日付のインターバル時間前になると未実行（予約）ステータスに遷移します。（インターバル時間の初期値は</a:t>
             </a:r>
             <a:r>
               <a:rPr lang="en-US" altLang="ja-JP" dirty="0"/>
@@ -18313,83 +17731,39 @@
             </a:r>
             <a:r>
               <a:rPr lang="ja-JP" altLang="en-US" dirty="0"/>
-              <a:t>分</a:t>
-            </a:r>
-            <a:r>
-              <a:rPr lang="ja-JP" altLang="en-US" dirty="0" smtClean="0"/>
-              <a:t>）</a:t>
-            </a:r>
-            <a:r>
-              <a:rPr lang="en-US" altLang="ja-JP" dirty="0" smtClean="0"/>
-              <a:t/>
+              <a:t>分）</a:t>
             </a:r>
             <a:br>
-              <a:rPr lang="en-US" altLang="ja-JP" dirty="0" smtClean="0"/>
+              <a:rPr lang="en-US" altLang="ja-JP" dirty="0"/>
             </a:br>
             <a:r>
-              <a:rPr lang="ja-JP" altLang="en-US" dirty="0" smtClean="0"/>
-              <a:t>インターバル</a:t>
-            </a:r>
-            <a:r>
               <a:rPr lang="ja-JP" altLang="en-US" dirty="0"/>
-              <a:t>時間はユーザ側で「管理コンソール」</a:t>
-            </a:r>
-            <a:r>
-              <a:rPr lang="ja-JP" altLang="en-US" dirty="0" smtClean="0"/>
-              <a:t>メニューグループの「</a:t>
-            </a:r>
-            <a:r>
-              <a:rPr lang="ja-JP" altLang="en-US" dirty="0"/>
-              <a:t>システム設定</a:t>
-            </a:r>
-            <a:r>
-              <a:rPr lang="ja-JP" altLang="en-US" dirty="0" smtClean="0"/>
-              <a:t>」メニュー</a:t>
-            </a:r>
-            <a:r>
-              <a:rPr lang="ja-JP" altLang="en-US" dirty="0"/>
-              <a:t>より設定可能です</a:t>
-            </a:r>
-            <a:r>
-              <a:rPr lang="ja-JP" altLang="en-US" dirty="0" smtClean="0"/>
-              <a:t>。変更</a:t>
-            </a:r>
-            <a:r>
-              <a:rPr lang="ja-JP" altLang="en-US" dirty="0"/>
-              <a:t>手順は</a:t>
-            </a:r>
-            <a:r>
-              <a:rPr lang="ja-JP" altLang="en-US" dirty="0" smtClean="0">
+              <a:t>インターバル時間はユーザ側で「管理コンソール」メニューグループの「システム設定」メニューより設定可能です。変更手順は</a:t>
+            </a:r>
+            <a:r>
+              <a:rPr lang="ja-JP" altLang="en-US" dirty="0">
                 <a:hlinkClick r:id="rId3"/>
               </a:rPr>
               <a:t>管理コンソールの利用手順マニュアル</a:t>
             </a:r>
             <a:r>
-              <a:rPr lang="ja-JP" altLang="en-US" dirty="0" smtClean="0"/>
+              <a:rPr lang="ja-JP" altLang="en-US" dirty="0"/>
               <a:t>をご参照ください。</a:t>
             </a:r>
-            <a:endParaRPr lang="en-US" altLang="ja-JP" dirty="0" smtClean="0"/>
+            <a:endParaRPr lang="en-US" altLang="ja-JP" dirty="0"/>
           </a:p>
           <a:p>
             <a:pPr lvl="1"/>
             <a:r>
-              <a:rPr lang="ja-JP" altLang="en-US" dirty="0" smtClean="0"/>
-              <a:t>ステータス 未実行</a:t>
-            </a:r>
-            <a:r>
               <a:rPr lang="ja-JP" altLang="en-US" dirty="0"/>
-              <a:t>（予約</a:t>
-            </a:r>
-            <a:r>
-              <a:rPr lang="ja-JP" altLang="en-US" dirty="0" smtClean="0"/>
-              <a:t>）の</a:t>
+              <a:t>ステータス 未実行（予約）の</a:t>
             </a:r>
             <a:r>
               <a:rPr lang="en-US" altLang="ja-JP" dirty="0"/>
               <a:t>Conductor/Symphony</a:t>
             </a:r>
             <a:r>
-              <a:rPr lang="ja-JP" altLang="en-US" dirty="0" smtClean="0"/>
+              <a:rPr lang="ja-JP" altLang="en-US" dirty="0"/>
               <a:t>は</a:t>
             </a:r>
           </a:p>
@@ -18398,15 +17772,15 @@
               <a:buNone/>
             </a:pPr>
             <a:r>
-              <a:rPr lang="ja-JP" altLang="en-US" dirty="0" smtClean="0"/>
+              <a:rPr lang="ja-JP" altLang="en-US" dirty="0"/>
               <a:t>　「</a:t>
             </a:r>
             <a:r>
-              <a:rPr lang="en-US" altLang="ja-JP" dirty="0" smtClean="0"/>
+              <a:rPr lang="en-US" altLang="ja-JP" dirty="0"/>
               <a:t>Conductor</a:t>
             </a:r>
             <a:r>
-              <a:rPr lang="ja-JP" altLang="en-US" dirty="0" smtClean="0"/>
+              <a:rPr lang="ja-JP" altLang="en-US" dirty="0"/>
               <a:t>作業一覧」メニューとダッシュボードの「作業状況」で確認できます。</a:t>
             </a:r>
           </a:p>
@@ -18415,7 +17789,7 @@
               <a:buNone/>
             </a:pPr>
             <a:r>
-              <a:rPr lang="en-US" altLang="ja-JP" dirty="0" smtClean="0"/>
+              <a:rPr lang="en-US" altLang="ja-JP" dirty="0"/>
               <a:t> </a:t>
             </a:r>
             <a:endParaRPr kumimoji="1" lang="ja-JP" altLang="en-US" dirty="0"/>
@@ -18454,7 +17828,7 @@
         </p:nvSpPr>
         <p:spPr bwMode="auto">
           <a:xfrm>
-            <a:off x="2987780" y="5733321"/>
+            <a:off x="2568845" y="5705504"/>
             <a:ext cx="360050" cy="144020"/>
           </a:xfrm>
           <a:prstGeom prst="rect">
@@ -18467,7 +17841,6 @@
             </a:solidFill>
           </a:ln>
           <a:effectLst/>
-          <a:extLst/>
         </p:spPr>
         <p:txBody>
           <a:bodyPr rot="0" spcFirstLastPara="0" vertOverflow="overflow" horzOverflow="overflow" vert="horz" wrap="none" lIns="72000" tIns="72000" rIns="72000" bIns="72000" numCol="1" spcCol="0" rtlCol="0" fromWordArt="0" anchor="ctr" anchorCtr="0" forceAA="0" compatLnSpc="1">
@@ -18479,7 +17852,7 @@
           <a:lstStyle/>
           <a:p>
             <a:pPr algn="ctr"/>
-            <a:endParaRPr kumimoji="1" lang="ja-JP" altLang="en-US" b="1" dirty="0" smtClean="0">
+            <a:endParaRPr kumimoji="1" lang="ja-JP" altLang="en-US" b="1" dirty="0">
               <a:latin typeface="+mn-ea"/>
             </a:endParaRPr>
           </a:p>
@@ -18506,7 +17879,6 @@
             </a:solidFill>
           </a:ln>
           <a:effectLst/>
-          <a:extLst/>
         </p:spPr>
         <p:txBody>
           <a:bodyPr rot="0" spcFirstLastPara="0" vertOverflow="overflow" horzOverflow="overflow" vert="horz" wrap="none" lIns="72000" tIns="72000" rIns="72000" bIns="72000" numCol="1" spcCol="0" rtlCol="0" fromWordArt="0" anchor="ctr" anchorCtr="0" forceAA="0" compatLnSpc="1">
@@ -18518,7 +17890,7 @@
           <a:lstStyle/>
           <a:p>
             <a:pPr algn="ctr"/>
-            <a:endParaRPr kumimoji="1" lang="ja-JP" altLang="en-US" b="1" dirty="0" smtClean="0">
+            <a:endParaRPr kumimoji="1" lang="ja-JP" altLang="en-US" b="1" dirty="0">
               <a:latin typeface="+mn-ea"/>
             </a:endParaRPr>
           </a:p>
@@ -18532,7 +17904,7 @@
         </p:nvSpPr>
         <p:spPr bwMode="auto">
           <a:xfrm>
-            <a:off x="2627731" y="5760213"/>
+            <a:off x="2545478" y="5742082"/>
             <a:ext cx="4039222" cy="946487"/>
           </a:xfrm>
           <a:custGeom>
@@ -19629,7 +19001,6 @@
             </a:solidFill>
           </a:ln>
           <a:effectLst/>
-          <a:extLst/>
         </p:spPr>
         <p:txBody>
           <a:bodyPr rot="0" spcFirstLastPara="0" vertOverflow="overflow" horzOverflow="overflow" vert="horz" wrap="none" lIns="72000" tIns="72000" rIns="72000" bIns="72000" numCol="1" spcCol="0" rtlCol="0" fromWordArt="0" anchor="ctr" anchorCtr="0" forceAA="0" compatLnSpc="1">
@@ -19645,63 +19016,32 @@
               <a:rPr lang="ja-JP" altLang="en-US" dirty="0"/>
               <a:t> </a:t>
             </a:r>
-            <a:r>
-              <a:rPr lang="en-US" altLang="ja-JP" sz="1600" b="1" dirty="0" smtClean="0">
-                <a:latin typeface="+mn-ea"/>
-              </a:rPr>
-              <a:t/>
-            </a:r>
-            <a:br>
-              <a:rPr lang="en-US" altLang="ja-JP" sz="1600" b="1" dirty="0" smtClean="0">
-                <a:latin typeface="+mn-ea"/>
-              </a:rPr>
-            </a:br>
-            <a:r>
-              <a:rPr lang="ja-JP" altLang="en-US" sz="1600" b="1" dirty="0"/>
-              <a:t>次回実行</a:t>
-            </a:r>
-            <a:r>
-              <a:rPr lang="ja-JP" altLang="en-US" sz="1600" b="1" dirty="0" smtClean="0"/>
-              <a:t>日付の</a:t>
-            </a:r>
-            <a:r>
-              <a:rPr lang="ja-JP" altLang="en-US" sz="1600" b="1" dirty="0" smtClean="0">
-                <a:latin typeface="+mn-ea"/>
-              </a:rPr>
-              <a:t>インターバル時間前</a:t>
-            </a:r>
-            <a:r>
-              <a:rPr lang="ja-JP" altLang="en-US" sz="1600" b="1" dirty="0">
-                <a:latin typeface="+mn-ea"/>
-              </a:rPr>
-              <a:t>に</a:t>
-            </a:r>
-            <a:r>
-              <a:rPr lang="en-US" altLang="ja-JP" sz="1600" b="1" dirty="0">
-                <a:latin typeface="+mn-ea"/>
-              </a:rPr>
-              <a:t/>
-            </a:r>
             <a:br>
               <a:rPr lang="en-US" altLang="ja-JP" sz="1600" b="1" dirty="0">
                 <a:latin typeface="+mn-ea"/>
               </a:rPr>
             </a:br>
             <a:r>
+              <a:rPr lang="ja-JP" altLang="en-US" sz="1600" b="1" dirty="0"/>
+              <a:t>次回実行日付の</a:t>
+            </a:r>
+            <a:r>
               <a:rPr lang="ja-JP" altLang="en-US" sz="1600" b="1" dirty="0">
                 <a:latin typeface="+mn-ea"/>
               </a:rPr>
-              <a:t>なると表示</a:t>
-            </a:r>
-            <a:r>
-              <a:rPr lang="ja-JP" altLang="en-US" sz="1600" b="1" dirty="0" smtClean="0">
+              <a:t>インターバル時間前に</a:t>
+            </a:r>
+            <a:br>
+              <a:rPr lang="en-US" altLang="ja-JP" sz="1600" b="1" dirty="0">
                 <a:latin typeface="+mn-ea"/>
               </a:rPr>
-              <a:t>されます</a:t>
-            </a:r>
-            <a:endParaRPr lang="ja-JP" altLang="en-US" sz="1600" b="1" dirty="0">
-              <a:latin typeface="+mn-ea"/>
-            </a:endParaRPr>
+            </a:br>
+            <a:r>
+              <a:rPr lang="ja-JP" altLang="en-US" sz="1600" b="1" dirty="0">
+                <a:latin typeface="+mn-ea"/>
+              </a:rPr>
+              <a:t>なると表示されます</a:t>
+            </a:r>
           </a:p>
         </p:txBody>
       </p:sp>
@@ -19764,7 +19104,6 @@
             </a:solidFill>
           </a:ln>
           <a:effectLst/>
-          <a:extLst/>
         </p:spPr>
         <p:txBody>
           <a:bodyPr rot="0" spcFirstLastPara="0" vertOverflow="overflow" horzOverflow="overflow" vert="horz" wrap="none" lIns="72000" tIns="72000" rIns="72000" bIns="72000" numCol="1" spcCol="0" rtlCol="0" fromWordArt="0" anchor="ctr" anchorCtr="0" forceAA="0" compatLnSpc="1">
@@ -19789,25 +19128,17 @@
               <a:t>例</a:t>
             </a:r>
             <a:r>
-              <a:rPr lang="en-US" altLang="ja-JP" sz="1400" b="1" dirty="0" smtClean="0">
+              <a:rPr lang="en-US" altLang="ja-JP" sz="1400" b="1" dirty="0">
                 <a:latin typeface="+mn-ea"/>
               </a:rPr>
               <a:t>】</a:t>
             </a:r>
             <a:r>
-              <a:rPr lang="ja-JP" altLang="en-US" sz="1400" b="1" dirty="0" smtClean="0"/>
-              <a:t>次回</a:t>
-            </a:r>
-            <a:r>
               <a:rPr lang="ja-JP" altLang="en-US" sz="1400" b="1" dirty="0"/>
-              <a:t>実行</a:t>
-            </a:r>
-            <a:r>
-              <a:rPr lang="ja-JP" altLang="en-US" sz="1400" b="1" dirty="0" smtClean="0"/>
-              <a:t>日付</a:t>
-            </a:r>
-            <a:r>
-              <a:rPr lang="ja-JP" altLang="en-US" sz="1400" b="1" dirty="0" smtClean="0">
+              <a:t>次回実行日付</a:t>
+            </a:r>
+            <a:r>
+              <a:rPr lang="ja-JP" altLang="en-US" sz="1400" b="1" dirty="0">
                 <a:latin typeface="+mn-ea"/>
               </a:rPr>
               <a:t>が「</a:t>
@@ -19822,19 +19153,7 @@
               <a:rPr lang="ja-JP" altLang="en-US" sz="1400" b="1" dirty="0">
                 <a:latin typeface="+mn-ea"/>
               </a:rPr>
-              <a:t>」 で </a:t>
-            </a:r>
-            <a:r>
-              <a:rPr lang="ja-JP" altLang="en-US" sz="1400" b="1" dirty="0" smtClean="0">
-                <a:latin typeface="+mn-ea"/>
-              </a:rPr>
-              <a:t>インターバル</a:t>
-            </a:r>
-            <a:r>
-              <a:rPr lang="ja-JP" altLang="en-US" sz="1400" b="1" dirty="0">
-                <a:latin typeface="+mn-ea"/>
-              </a:rPr>
-              <a:t>時間が</a:t>
+              <a:t>」 で インターバル時間が</a:t>
             </a:r>
             <a:r>
               <a:rPr lang="en-US" altLang="ja-JP" sz="1400" b="1" dirty="0">
@@ -19846,19 +19165,13 @@
               <a:rPr lang="ja-JP" altLang="en-US" sz="1400" b="1" dirty="0">
                 <a:latin typeface="+mn-ea"/>
               </a:rPr>
-              <a:t>分の場合</a:t>
-            </a:r>
-            <a:r>
-              <a:rPr lang="ja-JP" altLang="en-US" sz="1400" b="1" dirty="0" smtClean="0">
-                <a:latin typeface="+mn-ea"/>
-              </a:rPr>
-              <a:t>、</a:t>
+              <a:t>分の場合、</a:t>
             </a:r>
           </a:p>
           <a:p>
             <a:pPr algn="ctr"/>
             <a:r>
-              <a:rPr lang="ja-JP" altLang="en-US" sz="1400" b="1" dirty="0" smtClean="0">
+              <a:rPr lang="ja-JP" altLang="en-US" sz="1400" b="1" dirty="0">
                 <a:latin typeface="+mn-ea"/>
               </a:rPr>
               <a:t>　「</a:t>
@@ -19867,23 +19180,14 @@
               <a:rPr lang="en-US" altLang="ja-JP" sz="1400" b="1" dirty="0">
                 <a:latin typeface="+mn-ea"/>
               </a:rPr>
-              <a:t>2021/9/1</a:t>
-            </a:r>
-            <a:r>
-              <a:rPr lang="en-US" altLang="ja-JP" sz="1400" b="1" dirty="0" smtClean="0">
-                <a:latin typeface="+mn-ea"/>
-              </a:rPr>
-              <a:t> 17:57</a:t>
-            </a:r>
-            <a:r>
-              <a:rPr lang="ja-JP" altLang="en-US" sz="1400" b="1" dirty="0" smtClean="0">
+              <a:t>2021/9/1 17:57</a:t>
+            </a:r>
+            <a:r>
+              <a:rPr lang="ja-JP" altLang="en-US" sz="1400" b="1" dirty="0">
                 <a:latin typeface="+mn-ea"/>
               </a:rPr>
               <a:t>」 に未実行（予約）ステータスに遷移します。</a:t>
             </a:r>
-            <a:endParaRPr lang="ja-JP" altLang="en-US" sz="1400" b="1" dirty="0">
-              <a:latin typeface="+mn-ea"/>
-            </a:endParaRPr>
           </a:p>
         </p:txBody>
       </p:sp>
@@ -19938,18 +19242,13 @@
           <a:lstStyle/>
           <a:p>
             <a:r>
-              <a:rPr kumimoji="1" lang="ja-JP" altLang="en-US" dirty="0" smtClean="0">
+              <a:rPr kumimoji="1" lang="ja-JP" altLang="en-US" dirty="0">
                 <a:solidFill>
                   <a:schemeClr val="tx1"/>
                 </a:solidFill>
               </a:rPr>
               <a:t>目次</a:t>
             </a:r>
-            <a:endParaRPr kumimoji="1" lang="ja-JP" altLang="en-US" dirty="0">
-              <a:solidFill>
-                <a:schemeClr val="tx1"/>
-              </a:solidFill>
-            </a:endParaRPr>
           </a:p>
         </p:txBody>
       </p:sp>
@@ -19972,7 +19271,6 @@
             <a:noFill/>
           </a:ln>
           <a:effectLst/>
-          <a:extLst/>
         </p:spPr>
         <p:txBody>
           <a:bodyPr rot="0" spcFirstLastPara="0" vertOverflow="overflow" horzOverflow="overflow" vert="horz" wrap="none" lIns="72000" tIns="72000" rIns="72000" bIns="72000" numCol="1" spcCol="0" rtlCol="0" fromWordArt="0" anchor="t" anchorCtr="0" forceAA="0" compatLnSpc="1">
@@ -19988,7 +19286,7 @@
               <a:buAutoNum type="arabicPeriod"/>
             </a:pPr>
             <a:r>
-              <a:rPr lang="ja-JP" altLang="en-US" sz="2000" dirty="0" smtClean="0"/>
+              <a:rPr lang="ja-JP" altLang="en-US" sz="2000" dirty="0"/>
               <a:t>はじめに</a:t>
             </a:r>
             <a:endParaRPr lang="en-US" altLang="ja-JP" sz="2000" dirty="0"/>
@@ -19999,17 +19297,17 @@
               <a:buAutoNum type="arabicPeriod"/>
             </a:pPr>
             <a:r>
-              <a:rPr lang="ja-JP" altLang="en-US" sz="2000" dirty="0" smtClean="0"/>
+              <a:rPr lang="ja-JP" altLang="en-US" sz="2000" dirty="0"/>
               <a:t>本書について</a:t>
             </a:r>
-            <a:endParaRPr lang="en-US" altLang="ja-JP" sz="2000" dirty="0" smtClean="0"/>
+            <a:endParaRPr lang="en-US" altLang="ja-JP" sz="2000" dirty="0"/>
           </a:p>
           <a:p>
             <a:pPr marL="342900" indent="-342900">
               <a:buFont typeface="+mj-lt"/>
               <a:buAutoNum type="arabicPeriod"/>
             </a:pPr>
-            <a:endParaRPr lang="en-US" altLang="ja-JP" sz="2000" dirty="0" smtClean="0"/>
+            <a:endParaRPr lang="en-US" altLang="ja-JP" sz="2000" dirty="0"/>
           </a:p>
           <a:p>
             <a:pPr marL="342900" indent="-342900">
@@ -20021,10 +19319,10 @@
               <a:t>Conductor</a:t>
             </a:r>
             <a:r>
-              <a:rPr lang="ja-JP" altLang="en-US" sz="2000" dirty="0" smtClean="0"/>
+              <a:rPr lang="ja-JP" altLang="en-US" sz="2000" dirty="0"/>
               <a:t>についての説明</a:t>
             </a:r>
-            <a:endParaRPr lang="en-US" altLang="ja-JP" sz="2000" dirty="0" smtClean="0"/>
+            <a:endParaRPr lang="en-US" altLang="ja-JP" sz="2000" dirty="0"/>
           </a:p>
           <a:p>
             <a:pPr marL="800100" lvl="1" indent="-342900">
@@ -20032,14 +19330,14 @@
               <a:buAutoNum type="arabicPeriod"/>
             </a:pPr>
             <a:r>
-              <a:rPr lang="en-US" altLang="ja-JP" sz="2000" dirty="0" smtClean="0"/>
+              <a:rPr lang="en-US" altLang="ja-JP" sz="2000" dirty="0"/>
               <a:t>Conductor</a:t>
             </a:r>
             <a:r>
-              <a:rPr lang="ja-JP" altLang="en-US" sz="2000" dirty="0" smtClean="0"/>
+              <a:rPr lang="ja-JP" altLang="en-US" sz="2000" dirty="0"/>
               <a:t>とは</a:t>
             </a:r>
-            <a:endParaRPr lang="en-US" altLang="ja-JP" sz="2000" dirty="0" smtClean="0"/>
+            <a:endParaRPr lang="en-US" altLang="ja-JP" sz="2000" dirty="0"/>
           </a:p>
           <a:p>
             <a:pPr marL="800100" lvl="1" indent="-342900">
@@ -20047,14 +19345,14 @@
               <a:buAutoNum type="arabicPeriod"/>
             </a:pPr>
             <a:r>
-              <a:rPr lang="en-US" altLang="ja-JP" sz="2000" dirty="0" smtClean="0"/>
+              <a:rPr lang="en-US" altLang="ja-JP" sz="2000" dirty="0"/>
               <a:t>Conductor</a:t>
             </a:r>
             <a:r>
-              <a:rPr lang="ja-JP" altLang="en-US" sz="2000" dirty="0" smtClean="0"/>
+              <a:rPr lang="ja-JP" altLang="en-US" sz="2000" dirty="0"/>
               <a:t>の特徴</a:t>
             </a:r>
-            <a:endParaRPr lang="en-US" altLang="ja-JP" sz="2000" dirty="0" smtClean="0"/>
+            <a:endParaRPr lang="en-US" altLang="ja-JP" sz="2000" dirty="0"/>
           </a:p>
           <a:p>
             <a:pPr marL="800100" lvl="1" indent="-342900">
@@ -20066,12 +19364,8 @@
               <a:t>Conductor</a:t>
             </a:r>
             <a:r>
-              <a:rPr lang="ja-JP" altLang="en-US" sz="2000" dirty="0" smtClean="0"/>
-              <a:t>メニューの機能</a:t>
-            </a:r>
-            <a:r>
               <a:rPr lang="ja-JP" altLang="en-US" sz="2000" dirty="0"/>
-              <a:t>説明</a:t>
+              <a:t>メニューの機能説明</a:t>
             </a:r>
           </a:p>
           <a:p>
@@ -20084,14 +19378,13 @@
               <a:t>Conductor</a:t>
             </a:r>
             <a:r>
-              <a:rPr lang="ja-JP" altLang="en-US" sz="2000" dirty="0" smtClean="0"/>
+              <a:rPr lang="ja-JP" altLang="en-US" sz="2000" dirty="0"/>
               <a:t>の作業フロー</a:t>
             </a:r>
-            <a:endParaRPr lang="ja-JP" altLang="en-US" sz="2000" dirty="0"/>
           </a:p>
           <a:p>
             <a:pPr lvl="1"/>
-            <a:endParaRPr lang="en-US" altLang="ja-JP" sz="1600" dirty="0" smtClean="0"/>
+            <a:endParaRPr lang="en-US" altLang="ja-JP" sz="1600" dirty="0"/>
           </a:p>
         </p:txBody>
       </p:sp>
@@ -20105,13 +19398,6 @@
   <p:clrMapOvr>
     <a:masterClrMapping/>
   </p:clrMapOvr>
-  <p:timing>
-    <p:tnLst>
-      <p:par>
-        <p:cTn id="1" dur="indefinite" restart="never" nodeType="tmRoot"/>
-      </p:par>
-    </p:tnLst>
-  </p:timing>
 </p:sld>
 </file>
 
@@ -20168,11 +19454,11 @@
               <a:t>（</a:t>
             </a:r>
             <a:r>
-              <a:rPr lang="en-US" altLang="ja-JP" smtClean="0"/>
+              <a:rPr lang="en-US" altLang="ja-JP"/>
               <a:t>13/14</a:t>
             </a:r>
             <a:r>
-              <a:rPr lang="ja-JP" altLang="en-US" smtClean="0"/>
+              <a:rPr lang="ja-JP" altLang="en-US"/>
               <a:t>）</a:t>
             </a:r>
             <a:endParaRPr kumimoji="1" lang="ja-JP" altLang="en-US" dirty="0"/>
@@ -20199,55 +19485,51 @@
               <a:buChar char="l"/>
             </a:pPr>
             <a:r>
-              <a:rPr lang="en-US" altLang="ja-JP" b="1" smtClean="0"/>
+              <a:rPr lang="en-US" altLang="ja-JP" b="1"/>
               <a:t>Conductor</a:t>
             </a:r>
             <a:r>
               <a:rPr lang="ja-JP" altLang="en-US" b="1"/>
-              <a:t>通知先</a:t>
-            </a:r>
-            <a:r>
-              <a:rPr lang="ja-JP" altLang="en-US" b="1" smtClean="0"/>
-              <a:t>定義（</a:t>
-            </a:r>
-            <a:r>
-              <a:rPr lang="en-US" altLang="ja-JP" b="1" smtClean="0"/>
+              <a:t>通知先定義（</a:t>
+            </a:r>
+            <a:r>
+              <a:rPr lang="en-US" altLang="ja-JP" b="1"/>
               <a:t>1/2</a:t>
             </a:r>
             <a:r>
-              <a:rPr lang="ja-JP" altLang="en-US" b="1" smtClean="0"/>
+              <a:rPr lang="ja-JP" altLang="en-US" b="1"/>
               <a:t>）</a:t>
             </a:r>
-            <a:endParaRPr lang="en-US" altLang="ja-JP" b="1" dirty="0" smtClean="0"/>
+            <a:endParaRPr lang="en-US" altLang="ja-JP" b="1" dirty="0"/>
           </a:p>
           <a:p>
             <a:pPr lvl="1"/>
             <a:r>
-              <a:rPr lang="ja-JP" altLang="en-US" smtClean="0"/>
+              <a:rPr lang="ja-JP" altLang="en-US"/>
               <a:t>指定のメッセージツール（</a:t>
             </a:r>
             <a:r>
-              <a:rPr lang="en-US" altLang="ja-JP" smtClean="0"/>
+              <a:rPr lang="en-US" altLang="ja-JP"/>
               <a:t>Teams</a:t>
             </a:r>
             <a:r>
-              <a:rPr lang="ja-JP" altLang="en-US" smtClean="0"/>
+              <a:rPr lang="ja-JP" altLang="en-US"/>
               <a:t>、</a:t>
             </a:r>
             <a:r>
-              <a:rPr lang="en-US" altLang="ja-JP" smtClean="0"/>
+              <a:rPr lang="en-US" altLang="ja-JP"/>
               <a:t>Slack</a:t>
             </a:r>
             <a:r>
-              <a:rPr lang="ja-JP" altLang="en-US" smtClean="0"/>
+              <a:rPr lang="ja-JP" altLang="en-US"/>
               <a:t>）に</a:t>
             </a:r>
             <a:r>
-              <a:rPr lang="en-US" altLang="ja-JP" smtClean="0"/>
+              <a:rPr lang="en-US" altLang="ja-JP"/>
               <a:t>Conductor</a:t>
             </a:r>
             <a:r>
-              <a:rPr lang="ja-JP" altLang="en-US" smtClean="0"/>
+              <a:rPr lang="ja-JP" altLang="en-US"/>
               <a:t>の実行結果を</a:t>
             </a:r>
             <a:r>
@@ -20255,20 +19537,8 @@
               <a:t>http</a:t>
             </a:r>
             <a:r>
-              <a:rPr lang="ja-JP" altLang="en-US" smtClean="0"/>
-              <a:t>リクエストで送る</a:t>
-            </a:r>
-            <a:r>
               <a:rPr lang="ja-JP" altLang="en-US"/>
-              <a:t>ことができます</a:t>
-            </a:r>
-            <a:r>
-              <a:rPr lang="ja-JP" altLang="en-US" smtClean="0"/>
-              <a:t>。</a:t>
-            </a:r>
-            <a:r>
-              <a:rPr lang="ja-JP" altLang="en-US"/>
-              <a:t> 「</a:t>
+              <a:t>リクエストで送ることができます。 「</a:t>
             </a:r>
             <a:r>
               <a:rPr lang="en-US" altLang="ja-JP"/>
@@ -20276,23 +19546,7 @@
             </a:r>
             <a:r>
               <a:rPr lang="ja-JP" altLang="en-US"/>
-              <a:t>通知先定義」メニュー</a:t>
-            </a:r>
-            <a:r>
-              <a:rPr lang="ja-JP" altLang="en-US" smtClean="0"/>
-              <a:t>で通知先や通知</a:t>
-            </a:r>
-            <a:r>
-              <a:rPr lang="ja-JP" altLang="en-US"/>
-              <a:t>内容の定義を行います</a:t>
-            </a:r>
-            <a:r>
-              <a:rPr lang="ja-JP" altLang="en-US" smtClean="0"/>
-              <a:t>。</a:t>
-            </a:r>
-            <a:r>
-              <a:rPr lang="ja-JP" altLang="en-US"/>
-              <a:t>詳細は</a:t>
+              <a:t>通知先定義」メニューで通知先や通知内容の定義を行います。詳細は</a:t>
             </a:r>
             <a:r>
               <a:rPr lang="ja-JP" altLang="en-US">
@@ -20302,29 +19556,17 @@
             </a:r>
             <a:r>
               <a:rPr lang="ja-JP" altLang="en-US"/>
-              <a:t>をご覧ください</a:t>
-            </a:r>
-            <a:r>
-              <a:rPr lang="ja-JP" altLang="en-US" smtClean="0"/>
-              <a:t>。</a:t>
-            </a:r>
-            <a:endParaRPr lang="en-US" altLang="ja-JP" smtClean="0"/>
+              <a:t>をご覧ください。</a:t>
+            </a:r>
+            <a:endParaRPr lang="en-US" altLang="ja-JP"/>
           </a:p>
           <a:p>
             <a:pPr lvl="1"/>
             <a:r>
-              <a:rPr lang="ja-JP" altLang="en-US" smtClean="0"/>
-              <a:t>実行</a:t>
-            </a:r>
-            <a:r>
               <a:rPr lang="ja-JP" altLang="en-US"/>
-              <a:t>時間</a:t>
-            </a:r>
-            <a:r>
-              <a:rPr lang="ja-JP" altLang="en-US" smtClean="0"/>
-              <a:t>が長い処理や、予約実行の結果確認などでご活用いただけます。</a:t>
-            </a:r>
-            <a:endParaRPr lang="en-US" altLang="ja-JP" smtClean="0"/>
+              <a:t>実行時間が長い処理や、予約実行の結果確認などでご活用いただけます。</a:t>
+            </a:r>
+            <a:endParaRPr lang="en-US" altLang="ja-JP"/>
           </a:p>
           <a:p>
             <a:pPr marL="180000" lvl="1" indent="0">
@@ -20414,7 +19656,6 @@
             </a:solidFill>
           </a:ln>
           <a:effectLst/>
-          <a:extLst/>
         </p:spPr>
         <p:txBody>
           <a:bodyPr rot="0" spcFirstLastPara="0" vertOverflow="overflow" horzOverflow="overflow" vert="horz" wrap="none" lIns="72000" tIns="72000" rIns="72000" bIns="72000" numCol="1" spcCol="0" rtlCol="0" fromWordArt="0" anchor="ctr" anchorCtr="0" forceAA="0" compatLnSpc="1">
@@ -20426,7 +19667,7 @@
           <a:lstStyle/>
           <a:p>
             <a:pPr algn="ctr"/>
-            <a:endParaRPr kumimoji="1" lang="ja-JP" altLang="en-US" b="1" dirty="0" smtClean="0">
+            <a:endParaRPr kumimoji="1" lang="ja-JP" altLang="en-US" b="1" dirty="0">
               <a:latin typeface="+mn-ea"/>
             </a:endParaRPr>
           </a:p>
@@ -20461,7 +19702,6 @@
             </a:solidFill>
           </a:ln>
           <a:effectLst/>
-          <a:extLst/>
         </p:spPr>
         <p:txBody>
           <a:bodyPr rot="0" spcFirstLastPara="0" vertOverflow="overflow" horzOverflow="overflow" vert="horz" wrap="none" lIns="72000" tIns="72000" rIns="72000" bIns="72000" numCol="1" spcCol="0" rtlCol="0" fromWordArt="0" anchor="ctr" anchorCtr="0" forceAA="0" compatLnSpc="1">
@@ -20474,24 +19714,24 @@
           <a:p>
             <a:pPr algn="ctr"/>
             <a:r>
-              <a:rPr lang="ja-JP" altLang="en-US" sz="1600" b="1" smtClean="0">
+              <a:rPr lang="ja-JP" altLang="en-US" sz="1600" b="1">
                 <a:latin typeface="+mn-ea"/>
               </a:rPr>
               <a:t>通知先・通知内容の</a:t>
             </a:r>
-            <a:endParaRPr lang="en-US" altLang="ja-JP" sz="1600" b="1" smtClean="0">
+            <a:endParaRPr lang="en-US" altLang="ja-JP" sz="1600" b="1">
               <a:latin typeface="+mn-ea"/>
             </a:endParaRPr>
           </a:p>
           <a:p>
             <a:pPr algn="ctr"/>
             <a:r>
-              <a:rPr lang="ja-JP" altLang="en-US" sz="1600" b="1" smtClean="0">
+              <a:rPr lang="ja-JP" altLang="en-US" sz="1600" b="1">
                 <a:latin typeface="+mn-ea"/>
               </a:rPr>
               <a:t>定義をします。</a:t>
             </a:r>
-            <a:endParaRPr kumimoji="1" lang="ja-JP" altLang="en-US" sz="1600" b="1" dirty="0" smtClean="0">
+            <a:endParaRPr kumimoji="1" lang="ja-JP" altLang="en-US" sz="1600" b="1" dirty="0">
               <a:latin typeface="+mn-ea"/>
             </a:endParaRPr>
           </a:p>
@@ -20563,11 +19803,11 @@
               <a:t>（</a:t>
             </a:r>
             <a:r>
-              <a:rPr lang="en-US" altLang="ja-JP" smtClean="0"/>
+              <a:rPr lang="en-US" altLang="ja-JP"/>
               <a:t>14/14</a:t>
             </a:r>
             <a:r>
-              <a:rPr lang="ja-JP" altLang="en-US" smtClean="0"/>
+              <a:rPr lang="ja-JP" altLang="en-US"/>
               <a:t>）</a:t>
             </a:r>
             <a:endParaRPr kumimoji="1" lang="ja-JP" altLang="en-US" dirty="0"/>
@@ -20594,31 +19834,27 @@
               <a:buChar char="l"/>
             </a:pPr>
             <a:r>
-              <a:rPr lang="en-US" altLang="ja-JP" b="1" smtClean="0"/>
+              <a:rPr lang="en-US" altLang="ja-JP" b="1"/>
               <a:t>Conductor</a:t>
             </a:r>
             <a:r>
               <a:rPr lang="ja-JP" altLang="en-US" b="1"/>
-              <a:t>通知先</a:t>
-            </a:r>
-            <a:r>
-              <a:rPr lang="ja-JP" altLang="en-US" b="1" smtClean="0"/>
-              <a:t>定義（</a:t>
-            </a:r>
-            <a:r>
-              <a:rPr lang="en-US" altLang="ja-JP" b="1" smtClean="0"/>
+              <a:t>通知先定義（</a:t>
+            </a:r>
+            <a:r>
+              <a:rPr lang="en-US" altLang="ja-JP" b="1"/>
               <a:t>2/2</a:t>
             </a:r>
             <a:r>
-              <a:rPr lang="ja-JP" altLang="en-US" b="1" smtClean="0"/>
+              <a:rPr lang="ja-JP" altLang="en-US" b="1"/>
               <a:t>）</a:t>
             </a:r>
-            <a:endParaRPr lang="en-US" altLang="ja-JP" b="1" dirty="0" smtClean="0"/>
+            <a:endParaRPr lang="en-US" altLang="ja-JP" b="1" dirty="0"/>
           </a:p>
           <a:p>
             <a:pPr lvl="1"/>
             <a:r>
-              <a:rPr lang="ja-JP" altLang="en-US" smtClean="0"/>
+              <a:rPr lang="ja-JP" altLang="en-US"/>
               <a:t>「</a:t>
             </a:r>
             <a:r>
@@ -20634,12 +19870,8 @@
               <a:t>Notice</a:t>
             </a:r>
             <a:r>
-              <a:rPr lang="ja-JP" altLang="en-US" smtClean="0"/>
-              <a:t>」から登録</a:t>
-            </a:r>
-            <a:r>
               <a:rPr lang="ja-JP" altLang="en-US"/>
-              <a:t>した</a:t>
+              <a:t>」から登録した</a:t>
             </a:r>
             <a:r>
               <a:rPr lang="en-US" altLang="ja-JP"/>
@@ -20647,21 +19879,16 @@
             </a:r>
             <a:r>
               <a:rPr lang="ja-JP" altLang="en-US"/>
-              <a:t>通知先</a:t>
-            </a:r>
-            <a:r>
-              <a:rPr lang="ja-JP" altLang="en-US" smtClean="0"/>
-              <a:t>定義を指定して、通知を発出する</a:t>
-            </a:r>
-            <a:r>
-              <a:rPr lang="en-US" altLang="ja-JP" smtClean="0"/>
+              <a:t>通知先定義を指定して、通知を発出する</a:t>
+            </a:r>
+            <a:r>
+              <a:rPr lang="en-US" altLang="ja-JP"/>
               <a:t>Conductor</a:t>
             </a:r>
             <a:r>
-              <a:rPr lang="ja-JP" altLang="en-US" smtClean="0"/>
+              <a:rPr lang="ja-JP" altLang="en-US"/>
               <a:t>作業ステータスを設定します。</a:t>
             </a:r>
-            <a:endParaRPr lang="ja-JP" altLang="en-US"/>
           </a:p>
         </p:txBody>
       </p:sp>
@@ -20777,7 +20004,6 @@
             </a:solidFill>
           </a:ln>
           <a:effectLst/>
-          <a:extLst/>
         </p:spPr>
         <p:txBody>
           <a:bodyPr rot="0" spcFirstLastPara="0" vertOverflow="overflow" horzOverflow="overflow" vert="horz" wrap="none" lIns="72000" tIns="72000" rIns="72000" bIns="72000" numCol="1" spcCol="0" rtlCol="0" fromWordArt="0" anchor="ctr" anchorCtr="0" forceAA="0" compatLnSpc="1">
@@ -20790,54 +20016,54 @@
           <a:p>
             <a:pPr algn="ctr"/>
             <a:r>
-              <a:rPr kumimoji="1" lang="ja-JP" altLang="en-US" sz="1600" b="1" dirty="0" smtClean="0">
+              <a:rPr kumimoji="1" lang="ja-JP" altLang="en-US" sz="1600" b="1" dirty="0">
                 <a:latin typeface="+mn-ea"/>
               </a:rPr>
               <a:t>クリック</a:t>
             </a:r>
             <a:r>
-              <a:rPr kumimoji="1" lang="ja-JP" altLang="en-US" sz="1600" b="1" smtClean="0">
+              <a:rPr kumimoji="1" lang="ja-JP" altLang="en-US" sz="1600" b="1">
                 <a:latin typeface="+mn-ea"/>
               </a:rPr>
               <a:t>すると</a:t>
             </a:r>
-            <a:endParaRPr kumimoji="1" lang="en-US" altLang="ja-JP" sz="1600" b="1" smtClean="0">
+            <a:endParaRPr kumimoji="1" lang="en-US" altLang="ja-JP" sz="1600" b="1">
               <a:latin typeface="+mn-ea"/>
             </a:endParaRPr>
           </a:p>
           <a:p>
             <a:pPr algn="ctr"/>
             <a:r>
-              <a:rPr kumimoji="1" lang="ja-JP" altLang="en-US" sz="1600" b="1" smtClean="0">
+              <a:rPr kumimoji="1" lang="ja-JP" altLang="en-US" sz="1600" b="1">
                 <a:latin typeface="+mn-ea"/>
               </a:rPr>
               <a:t>「</a:t>
             </a:r>
             <a:r>
-              <a:rPr kumimoji="1" lang="en-US" altLang="ja-JP" sz="1600" b="1" smtClean="0">
+              <a:rPr kumimoji="1" lang="en-US" altLang="ja-JP" sz="1600" b="1">
                 <a:latin typeface="+mn-ea"/>
               </a:rPr>
               <a:t>Notice</a:t>
             </a:r>
             <a:r>
-              <a:rPr kumimoji="1" lang="ja-JP" altLang="en-US" sz="1600" b="1" smtClean="0">
+              <a:rPr kumimoji="1" lang="ja-JP" altLang="en-US" sz="1600" b="1">
                 <a:latin typeface="+mn-ea"/>
               </a:rPr>
               <a:t> </a:t>
             </a:r>
             <a:r>
-              <a:rPr kumimoji="1" lang="en-US" altLang="ja-JP" sz="1600" b="1" smtClean="0">
+              <a:rPr kumimoji="1" lang="en-US" altLang="ja-JP" sz="1600" b="1">
                 <a:latin typeface="+mn-ea"/>
               </a:rPr>
               <a:t>list</a:t>
             </a:r>
             <a:r>
-              <a:rPr kumimoji="1" lang="ja-JP" altLang="en-US" sz="1600" b="1" smtClean="0">
+              <a:rPr kumimoji="1" lang="ja-JP" altLang="en-US" sz="1600" b="1">
                 <a:latin typeface="+mn-ea"/>
               </a:rPr>
               <a:t>」が表示されます。</a:t>
             </a:r>
-            <a:endParaRPr kumimoji="1" lang="ja-JP" altLang="en-US" sz="1600" b="1" dirty="0" smtClean="0">
+            <a:endParaRPr kumimoji="1" lang="ja-JP" altLang="en-US" sz="1600" b="1" dirty="0">
               <a:latin typeface="+mn-ea"/>
             </a:endParaRPr>
           </a:p>
@@ -20864,7 +20090,6 @@
             </a:solidFill>
           </a:ln>
           <a:effectLst/>
-          <a:extLst/>
         </p:spPr>
         <p:txBody>
           <a:bodyPr rot="0" spcFirstLastPara="0" vertOverflow="overflow" horzOverflow="overflow" vert="horz" wrap="none" lIns="72000" tIns="72000" rIns="72000" bIns="72000" numCol="1" spcCol="0" rtlCol="0" fromWordArt="0" anchor="ctr" anchorCtr="0" forceAA="0" compatLnSpc="1">
@@ -20876,7 +20101,7 @@
           <a:lstStyle/>
           <a:p>
             <a:pPr algn="ctr"/>
-            <a:endParaRPr kumimoji="1" lang="ja-JP" altLang="en-US" b="1" dirty="0" smtClean="0">
+            <a:endParaRPr kumimoji="1" lang="ja-JP" altLang="en-US" b="1" dirty="0">
               <a:latin typeface="+mn-ea"/>
             </a:endParaRPr>
           </a:p>
@@ -20977,7 +20202,6 @@
             <a:noFill/>
           </a:ln>
           <a:effectLst/>
-          <a:extLst/>
         </p:spPr>
         <p:txBody>
           <a:bodyPr rot="0" spcFirstLastPara="0" vertOverflow="overflow" horzOverflow="overflow" vert="horz" wrap="none" lIns="72000" tIns="72000" rIns="72000" bIns="72000" numCol="1" spcCol="0" rtlCol="0" fromWordArt="0" anchor="ctr" anchorCtr="0" forceAA="0" compatLnSpc="1">
@@ -20989,7 +20213,7 @@
           <a:lstStyle/>
           <a:p>
             <a:pPr algn="ctr"/>
-            <a:endParaRPr kumimoji="1" lang="ja-JP" altLang="en-US" b="1" dirty="0" smtClean="0">
+            <a:endParaRPr kumimoji="1" lang="ja-JP" altLang="en-US" b="1" dirty="0">
               <a:latin typeface="+mn-ea"/>
             </a:endParaRPr>
           </a:p>
@@ -21018,7 +20242,6 @@
             <a:noFill/>
           </a:ln>
           <a:effectLst/>
-          <a:extLst/>
         </p:spPr>
         <p:txBody>
           <a:bodyPr rot="0" spcFirstLastPara="0" vertOverflow="overflow" horzOverflow="overflow" vert="horz" wrap="none" lIns="72000" tIns="72000" rIns="72000" bIns="72000" numCol="1" spcCol="0" rtlCol="0" fromWordArt="0" anchor="ctr" anchorCtr="0" forceAA="0" compatLnSpc="1">
@@ -21030,7 +20253,7 @@
           <a:lstStyle/>
           <a:p>
             <a:pPr algn="ctr"/>
-            <a:endParaRPr kumimoji="1" lang="ja-JP" altLang="en-US" b="1" dirty="0" smtClean="0">
+            <a:endParaRPr kumimoji="1" lang="ja-JP" altLang="en-US" b="1" dirty="0">
               <a:latin typeface="+mn-ea"/>
             </a:endParaRPr>
           </a:p>
@@ -21059,7 +20282,6 @@
             <a:noFill/>
           </a:ln>
           <a:effectLst/>
-          <a:extLst/>
         </p:spPr>
         <p:txBody>
           <a:bodyPr rot="0" spcFirstLastPara="0" vertOverflow="overflow" horzOverflow="overflow" vert="horz" wrap="none" lIns="72000" tIns="72000" rIns="72000" bIns="72000" numCol="1" spcCol="0" rtlCol="0" fromWordArt="0" anchor="ctr" anchorCtr="0" forceAA="0" compatLnSpc="1">
@@ -21071,7 +20293,7 @@
           <a:lstStyle/>
           <a:p>
             <a:pPr algn="ctr"/>
-            <a:endParaRPr kumimoji="1" lang="ja-JP" altLang="en-US" b="1" dirty="0" smtClean="0">
+            <a:endParaRPr kumimoji="1" lang="ja-JP" altLang="en-US" b="1" dirty="0">
               <a:latin typeface="+mn-ea"/>
             </a:endParaRPr>
           </a:p>
@@ -21101,7 +20323,6 @@
             <a:noFill/>
           </a:ln>
           <a:effectLst/>
-          <a:extLst/>
         </p:spPr>
         <p:txBody>
           <a:bodyPr rot="0" spcFirstLastPara="0" vertOverflow="overflow" horzOverflow="overflow" vert="horz" wrap="none" lIns="72000" tIns="72000" rIns="72000" bIns="72000" numCol="1" spcCol="0" rtlCol="0" fromWordArt="0" anchor="ctr" anchorCtr="0" forceAA="0" compatLnSpc="1">
@@ -21113,7 +20334,7 @@
           <a:lstStyle/>
           <a:p>
             <a:pPr algn="ctr"/>
-            <a:endParaRPr kumimoji="1" lang="ja-JP" altLang="en-US" b="1" dirty="0" smtClean="0">
+            <a:endParaRPr kumimoji="1" lang="ja-JP" altLang="en-US" b="1" dirty="0">
               <a:latin typeface="+mn-ea"/>
             </a:endParaRPr>
           </a:p>
@@ -21135,7 +20356,7 @@
           <a:lstStyle/>
           <a:p>
             <a:r>
-              <a:rPr lang="en-US" altLang="ja-JP" dirty="0" smtClean="0"/>
+              <a:rPr lang="en-US" altLang="ja-JP" dirty="0"/>
               <a:t>2.4</a:t>
             </a:r>
             <a:r>
@@ -21147,7 +20368,7 @@
               <a:t>Conductor</a:t>
             </a:r>
             <a:r>
-              <a:rPr lang="ja-JP" altLang="en-US" dirty="0" smtClean="0"/>
+              <a:rPr lang="ja-JP" altLang="en-US" dirty="0"/>
               <a:t>の作業フロー</a:t>
             </a:r>
             <a:endParaRPr kumimoji="1" lang="ja-JP" altLang="en-US" dirty="0"/>
@@ -21181,26 +20402,22 @@
               <a:buChar char="l"/>
             </a:pPr>
             <a:r>
-              <a:rPr kumimoji="1" lang="en-US" altLang="ja-JP" dirty="0" smtClean="0"/>
+              <a:rPr kumimoji="1" lang="en-US" altLang="ja-JP" dirty="0"/>
               <a:t>Conductor</a:t>
             </a:r>
             <a:r>
-              <a:rPr kumimoji="1" lang="ja-JP" altLang="en-US" dirty="0" smtClean="0"/>
+              <a:rPr kumimoji="1" lang="ja-JP" altLang="en-US" dirty="0"/>
               <a:t>の作業フローは以下の</a:t>
             </a:r>
             <a:r>
-              <a:rPr lang="ja-JP" altLang="en-US" dirty="0" smtClean="0"/>
+              <a:rPr lang="ja-JP" altLang="en-US" dirty="0"/>
               <a:t>通りです。</a:t>
             </a:r>
-            <a:r>
-              <a:rPr lang="en-US" altLang="ja-JP" dirty="0" smtClean="0"/>
-              <a:t/>
-            </a:r>
             <a:br>
-              <a:rPr lang="en-US" altLang="ja-JP" dirty="0" smtClean="0"/>
+              <a:rPr lang="en-US" altLang="ja-JP" dirty="0"/>
             </a:br>
             <a:r>
-              <a:rPr lang="ja-JP" altLang="en-US" dirty="0" smtClean="0"/>
+              <a:rPr lang="ja-JP" altLang="en-US" dirty="0"/>
               <a:t>実際の操作は実習編にて記載しています。</a:t>
             </a:r>
             <a:endParaRPr kumimoji="1" lang="ja-JP" altLang="en-US" dirty="0"/>
@@ -21233,7 +20450,6 @@
             </a:solidFill>
           </a:ln>
           <a:effectLst/>
-          <a:extLst/>
         </p:spPr>
         <p:txBody>
           <a:bodyPr rot="0" spcFirstLastPara="0" vertOverflow="overflow" horzOverflow="overflow" vert="horz" wrap="none" lIns="72000" tIns="72000" rIns="72000" bIns="72000" numCol="1" spcCol="0" rtlCol="0" fromWordArt="0" anchor="ctr" anchorCtr="0" forceAA="0" compatLnSpc="1">
@@ -21245,18 +20461,10 @@
           <a:lstStyle/>
           <a:p>
             <a:r>
-              <a:rPr lang="ja-JP" altLang="en-US" b="1" dirty="0" smtClean="0"/>
-              <a:t>⑤インターフェース</a:t>
-            </a:r>
-            <a:r>
               <a:rPr lang="ja-JP" altLang="en-US" b="1" dirty="0"/>
-              <a:t>情報を</a:t>
-            </a:r>
-            <a:r>
-              <a:rPr lang="ja-JP" altLang="en-US" b="1" dirty="0" smtClean="0"/>
-              <a:t>登録</a:t>
-            </a:r>
-            <a:endParaRPr kumimoji="1" lang="ja-JP" altLang="en-US" b="1" dirty="0" smtClean="0">
+              <a:t>⑤インターフェース情報を登録</a:t>
+            </a:r>
+            <a:endParaRPr kumimoji="1" lang="ja-JP" altLang="en-US" b="1" dirty="0">
               <a:latin typeface="+mn-ea"/>
             </a:endParaRPr>
           </a:p>
@@ -21288,7 +20496,6 @@
             </a:solidFill>
           </a:ln>
           <a:effectLst/>
-          <a:extLst/>
         </p:spPr>
         <p:txBody>
           <a:bodyPr rot="0" spcFirstLastPara="0" vertOverflow="overflow" horzOverflow="overflow" vert="horz" wrap="none" lIns="72000" tIns="72000" rIns="72000" bIns="72000" numCol="1" spcCol="0" rtlCol="0" fromWordArt="0" anchor="ctr" anchorCtr="0" forceAA="0" compatLnSpc="1">
@@ -21300,19 +20507,19 @@
           <a:lstStyle/>
           <a:p>
             <a:r>
-              <a:rPr kumimoji="1" lang="ja-JP" altLang="en-US" b="1" dirty="0" smtClean="0">
+              <a:rPr kumimoji="1" lang="ja-JP" altLang="en-US" b="1" dirty="0">
                 <a:latin typeface="+mn-ea"/>
               </a:rPr>
               <a:t>④</a:t>
             </a:r>
             <a:r>
-              <a:rPr kumimoji="1" lang="en-US" altLang="ja-JP" b="1" dirty="0" smtClean="0">
+              <a:rPr kumimoji="1" lang="en-US" altLang="ja-JP" b="1" dirty="0">
                 <a:latin typeface="+mn-ea"/>
               </a:rPr>
               <a:t>Movement</a:t>
             </a:r>
             <a:r>
-              <a:rPr kumimoji="1" lang="ja-JP" altLang="en-US" b="1" dirty="0" smtClean="0">
+              <a:rPr kumimoji="1" lang="ja-JP" altLang="en-US" b="1" dirty="0">
                 <a:latin typeface="+mn-ea"/>
               </a:rPr>
               <a:t>の確認</a:t>
@@ -21346,7 +20553,6 @@
             </a:solidFill>
           </a:ln>
           <a:effectLst/>
-          <a:extLst/>
         </p:spPr>
         <p:txBody>
           <a:bodyPr rot="0" spcFirstLastPara="0" vertOverflow="overflow" horzOverflow="overflow" vert="horz" wrap="none" lIns="72000" tIns="72000" rIns="72000" bIns="72000" numCol="1" spcCol="0" rtlCol="0" fromWordArt="0" anchor="ctr" anchorCtr="0" forceAA="0" compatLnSpc="1">
@@ -21358,7 +20564,7 @@
           <a:lstStyle/>
           <a:p>
             <a:r>
-              <a:rPr kumimoji="1" lang="ja-JP" altLang="en-US" b="1" dirty="0" smtClean="0">
+              <a:rPr kumimoji="1" lang="ja-JP" altLang="en-US" b="1" dirty="0">
                 <a:latin typeface="+mn-ea"/>
               </a:rPr>
               <a:t>②オペレーションの登録</a:t>
@@ -21392,7 +20598,6 @@
             </a:solidFill>
           </a:ln>
           <a:effectLst/>
-          <a:extLst/>
         </p:spPr>
         <p:txBody>
           <a:bodyPr rot="0" spcFirstLastPara="0" vertOverflow="overflow" horzOverflow="overflow" vert="horz" wrap="none" lIns="72000" tIns="72000" rIns="72000" bIns="72000" numCol="1" spcCol="0" rtlCol="0" fromWordArt="0" anchor="ctr" anchorCtr="0" forceAA="0" compatLnSpc="1">
@@ -21404,7 +20609,7 @@
           <a:lstStyle/>
           <a:p>
             <a:r>
-              <a:rPr kumimoji="1" lang="ja-JP" altLang="en-US" b="1" dirty="0" smtClean="0">
+              <a:rPr kumimoji="1" lang="ja-JP" altLang="en-US" b="1" dirty="0">
                 <a:latin typeface="+mn-ea"/>
               </a:rPr>
               <a:t>⑩実行履歴の確認</a:t>
@@ -21438,7 +20643,6 @@
             </a:solidFill>
           </a:ln>
           <a:effectLst/>
-          <a:extLst/>
         </p:spPr>
         <p:txBody>
           <a:bodyPr rot="0" spcFirstLastPara="0" vertOverflow="overflow" horzOverflow="overflow" vert="horz" wrap="none" lIns="72000" tIns="72000" rIns="72000" bIns="72000" numCol="1" spcCol="0" rtlCol="0" fromWordArt="0" anchor="ctr" anchorCtr="0" forceAA="0" compatLnSpc="1">
@@ -21450,7 +20654,7 @@
           <a:lstStyle/>
           <a:p>
             <a:r>
-              <a:rPr kumimoji="1" lang="ja-JP" altLang="en-US" b="1" dirty="0" smtClean="0">
+              <a:rPr kumimoji="1" lang="ja-JP" altLang="en-US" b="1" dirty="0">
                 <a:latin typeface="+mn-ea"/>
               </a:rPr>
               <a:t>⑨実行結果確認</a:t>
@@ -21484,7 +20688,6 @@
             </a:solidFill>
           </a:ln>
           <a:effectLst/>
-          <a:extLst/>
         </p:spPr>
         <p:txBody>
           <a:bodyPr rot="0" spcFirstLastPara="0" vertOverflow="overflow" horzOverflow="overflow" vert="horz" wrap="none" lIns="72000" tIns="72000" rIns="72000" bIns="72000" numCol="1" spcCol="0" rtlCol="0" fromWordArt="0" anchor="ctr" anchorCtr="0" forceAA="0" compatLnSpc="1">
@@ -21496,19 +20699,19 @@
           <a:lstStyle/>
           <a:p>
             <a:r>
-              <a:rPr kumimoji="1" lang="ja-JP" altLang="en-US" b="1" dirty="0" smtClean="0">
+              <a:rPr kumimoji="1" lang="ja-JP" altLang="en-US" b="1" dirty="0">
                 <a:latin typeface="+mn-ea"/>
               </a:rPr>
               <a:t>⑧</a:t>
             </a:r>
             <a:r>
-              <a:rPr kumimoji="1" lang="en-US" altLang="ja-JP" b="1" dirty="0" smtClean="0">
+              <a:rPr kumimoji="1" lang="en-US" altLang="ja-JP" b="1" dirty="0">
                 <a:latin typeface="+mn-ea"/>
               </a:rPr>
               <a:t>Conductor</a:t>
             </a:r>
             <a:r>
-              <a:rPr kumimoji="1" lang="ja-JP" altLang="en-US" b="1" dirty="0" smtClean="0">
+              <a:rPr kumimoji="1" lang="ja-JP" altLang="en-US" b="1" dirty="0">
                 <a:latin typeface="+mn-ea"/>
               </a:rPr>
               <a:t>の実行</a:t>
@@ -21542,7 +20745,6 @@
             </a:solidFill>
           </a:ln>
           <a:effectLst/>
-          <a:extLst/>
         </p:spPr>
         <p:txBody>
           <a:bodyPr rot="0" spcFirstLastPara="0" vertOverflow="overflow" horzOverflow="overflow" vert="horz" wrap="none" lIns="72000" tIns="72000" rIns="72000" bIns="72000" numCol="1" spcCol="0" rtlCol="0" fromWordArt="0" anchor="ctr" anchorCtr="0" forceAA="0" compatLnSpc="1">
@@ -21554,19 +20756,19 @@
           <a:lstStyle/>
           <a:p>
             <a:r>
-              <a:rPr kumimoji="1" lang="ja-JP" altLang="en-US" b="1" dirty="0" smtClean="0">
+              <a:rPr kumimoji="1" lang="ja-JP" altLang="en-US" b="1" dirty="0">
                 <a:latin typeface="+mn-ea"/>
               </a:rPr>
               <a:t>⑦</a:t>
             </a:r>
             <a:r>
-              <a:rPr kumimoji="1" lang="en-US" altLang="ja-JP" b="1" dirty="0" smtClean="0">
+              <a:rPr kumimoji="1" lang="en-US" altLang="ja-JP" b="1" dirty="0">
                 <a:latin typeface="+mn-ea"/>
               </a:rPr>
               <a:t>Conductor</a:t>
             </a:r>
             <a:r>
-              <a:rPr kumimoji="1" lang="ja-JP" altLang="en-US" b="1" dirty="0" smtClean="0">
+              <a:rPr kumimoji="1" lang="ja-JP" altLang="en-US" b="1" dirty="0">
                 <a:latin typeface="+mn-ea"/>
               </a:rPr>
               <a:t>の確認</a:t>
@@ -21600,7 +20802,6 @@
             </a:solidFill>
           </a:ln>
           <a:effectLst/>
-          <a:extLst/>
         </p:spPr>
         <p:txBody>
           <a:bodyPr rot="0" spcFirstLastPara="0" vertOverflow="overflow" horzOverflow="overflow" vert="horz" wrap="none" lIns="72000" tIns="72000" rIns="72000" bIns="72000" numCol="1" spcCol="0" rtlCol="0" fromWordArt="0" anchor="ctr" anchorCtr="0" forceAA="0" compatLnSpc="1">
@@ -21612,12 +20813,12 @@
           <a:lstStyle/>
           <a:p>
             <a:r>
-              <a:rPr kumimoji="1" lang="ja-JP" altLang="en-US" b="1" dirty="0" smtClean="0">
+              <a:rPr kumimoji="1" lang="ja-JP" altLang="en-US" b="1" dirty="0">
                 <a:latin typeface="+mn-ea"/>
               </a:rPr>
               <a:t>①機器情報の登録</a:t>
             </a:r>
-            <a:endParaRPr kumimoji="1" lang="en-US" altLang="ja-JP" b="1" dirty="0" smtClean="0">
+            <a:endParaRPr kumimoji="1" lang="en-US" altLang="ja-JP" b="1" dirty="0">
               <a:latin typeface="+mn-ea"/>
             </a:endParaRPr>
           </a:p>
@@ -21649,7 +20850,6 @@
             </a:solidFill>
           </a:ln>
           <a:effectLst/>
-          <a:extLst/>
         </p:spPr>
         <p:txBody>
           <a:bodyPr rot="0" spcFirstLastPara="0" vertOverflow="overflow" horzOverflow="overflow" vert="horz" wrap="none" lIns="72000" tIns="72000" rIns="72000" bIns="72000" numCol="1" spcCol="0" rtlCol="0" fromWordArt="0" anchor="ctr" anchorCtr="0" forceAA="0" compatLnSpc="1">
@@ -21661,19 +20861,19 @@
           <a:lstStyle/>
           <a:p>
             <a:r>
-              <a:rPr kumimoji="1" lang="ja-JP" altLang="en-US" b="1" dirty="0" smtClean="0">
+              <a:rPr kumimoji="1" lang="ja-JP" altLang="en-US" b="1" dirty="0">
                 <a:latin typeface="+mn-ea"/>
               </a:rPr>
               <a:t>③</a:t>
             </a:r>
             <a:r>
-              <a:rPr kumimoji="1" lang="en-US" altLang="ja-JP" b="1" dirty="0" smtClean="0">
+              <a:rPr kumimoji="1" lang="en-US" altLang="ja-JP" b="1" dirty="0">
                 <a:latin typeface="+mn-ea"/>
               </a:rPr>
               <a:t>Movement</a:t>
             </a:r>
             <a:r>
-              <a:rPr kumimoji="1" lang="ja-JP" altLang="en-US" b="1" dirty="0" smtClean="0">
+              <a:rPr kumimoji="1" lang="ja-JP" altLang="en-US" b="1" dirty="0">
                 <a:latin typeface="+mn-ea"/>
               </a:rPr>
               <a:t>の登録</a:t>
@@ -21707,7 +20907,6 @@
             </a:solidFill>
           </a:ln>
           <a:effectLst/>
-          <a:extLst/>
         </p:spPr>
         <p:txBody>
           <a:bodyPr rot="0" spcFirstLastPara="0" vertOverflow="overflow" horzOverflow="overflow" vert="horz" wrap="none" lIns="72000" tIns="72000" rIns="72000" bIns="72000" numCol="1" spcCol="0" rtlCol="0" fromWordArt="0" anchor="ctr" anchorCtr="0" forceAA="0" compatLnSpc="1">
@@ -21719,19 +20918,19 @@
           <a:lstStyle/>
           <a:p>
             <a:r>
-              <a:rPr kumimoji="1" lang="ja-JP" altLang="en-US" b="1" dirty="0" smtClean="0">
+              <a:rPr kumimoji="1" lang="ja-JP" altLang="en-US" b="1" dirty="0">
                 <a:latin typeface="+mn-ea"/>
               </a:rPr>
               <a:t>⑥</a:t>
             </a:r>
             <a:r>
-              <a:rPr kumimoji="1" lang="en-US" altLang="ja-JP" b="1" dirty="0" smtClean="0">
+              <a:rPr kumimoji="1" lang="en-US" altLang="ja-JP" b="1" dirty="0">
                 <a:latin typeface="+mn-ea"/>
               </a:rPr>
               <a:t>Conductor</a:t>
             </a:r>
             <a:r>
-              <a:rPr kumimoji="1" lang="ja-JP" altLang="en-US" b="1" dirty="0" smtClean="0">
+              <a:rPr kumimoji="1" lang="ja-JP" altLang="en-US" b="1" dirty="0">
                 <a:latin typeface="+mn-ea"/>
               </a:rPr>
               <a:t>の登録</a:t>
@@ -21758,7 +20957,6 @@
             <a:noFill/>
           </a:ln>
           <a:effectLst/>
-          <a:extLst/>
         </p:spPr>
         <p:txBody>
           <a:bodyPr rot="0" spcFirstLastPara="0" vertOverflow="overflow" horzOverflow="overflow" vert="horz" wrap="none" lIns="72000" tIns="72000" rIns="72000" bIns="72000" numCol="1" spcCol="0" rtlCol="0" fromWordArt="0" anchor="ctr" anchorCtr="0" forceAA="0" compatLnSpc="1">
@@ -21771,7 +20969,7 @@
           <a:p>
             <a:pPr algn="ctr"/>
             <a:r>
-              <a:rPr kumimoji="1" lang="ja-JP" altLang="en-US" b="1" dirty="0" smtClean="0">
+              <a:rPr kumimoji="1" lang="ja-JP" altLang="en-US" b="1" dirty="0">
                 <a:solidFill>
                   <a:schemeClr val="accent6">
                     <a:lumMod val="90000"/>
@@ -21804,7 +21002,6 @@
             <a:noFill/>
           </a:ln>
           <a:effectLst/>
-          <a:extLst/>
         </p:spPr>
         <p:txBody>
           <a:bodyPr rot="0" spcFirstLastPara="0" vertOverflow="overflow" horzOverflow="overflow" vert="horz" wrap="none" lIns="72000" tIns="72000" rIns="72000" bIns="72000" numCol="1" spcCol="0" rtlCol="0" fromWordArt="0" anchor="ctr" anchorCtr="0" forceAA="0" compatLnSpc="1">
@@ -21817,7 +21014,7 @@
           <a:p>
             <a:pPr algn="ctr"/>
             <a:r>
-              <a:rPr kumimoji="1" lang="ja-JP" altLang="en-US" b="1" dirty="0" smtClean="0">
+              <a:rPr kumimoji="1" lang="ja-JP" altLang="en-US" b="1" dirty="0">
                 <a:solidFill>
                   <a:schemeClr val="accent6">
                     <a:lumMod val="90000"/>
@@ -21829,7 +21026,7 @@
               <a:t>各種</a:t>
             </a:r>
             <a:r>
-              <a:rPr kumimoji="1" lang="en-US" altLang="ja-JP" b="1" dirty="0" smtClean="0">
+              <a:rPr kumimoji="1" lang="en-US" altLang="ja-JP" b="1" dirty="0">
                 <a:solidFill>
                   <a:schemeClr val="accent6">
                     <a:lumMod val="90000"/>
@@ -21841,7 +21038,7 @@
               <a:t>Driver</a:t>
             </a:r>
             <a:r>
-              <a:rPr kumimoji="1" lang="ja-JP" altLang="en-US" b="1" dirty="0" smtClean="0">
+              <a:rPr kumimoji="1" lang="ja-JP" altLang="en-US" b="1" dirty="0">
                 <a:solidFill>
                   <a:schemeClr val="accent6">
                     <a:lumMod val="90000"/>
@@ -21874,7 +21071,6 @@
             <a:noFill/>
           </a:ln>
           <a:effectLst/>
-          <a:extLst/>
         </p:spPr>
         <p:txBody>
           <a:bodyPr rot="0" spcFirstLastPara="0" vertOverflow="overflow" horzOverflow="overflow" vert="horz" wrap="none" lIns="72000" tIns="72000" rIns="72000" bIns="72000" numCol="1" spcCol="0" rtlCol="0" fromWordArt="0" anchor="ctr" anchorCtr="0" forceAA="0" compatLnSpc="1">
@@ -21887,7 +21083,7 @@
           <a:p>
             <a:pPr algn="ctr"/>
             <a:r>
-              <a:rPr kumimoji="1" lang="en-US" altLang="ja-JP" b="1" dirty="0" smtClean="0">
+              <a:rPr kumimoji="1" lang="en-US" altLang="ja-JP" b="1" dirty="0">
                 <a:solidFill>
                   <a:schemeClr val="accent6">
                     <a:lumMod val="90000"/>
@@ -21899,7 +21095,7 @@
               <a:t>Conductor</a:t>
             </a:r>
             <a:r>
-              <a:rPr kumimoji="1" lang="ja-JP" altLang="en-US" b="1" dirty="0" smtClean="0">
+              <a:rPr kumimoji="1" lang="ja-JP" altLang="en-US" b="1" dirty="0">
                 <a:solidFill>
                   <a:schemeClr val="accent6">
                     <a:lumMod val="90000"/>
@@ -21923,13 +21119,6 @@
   <p:clrMapOvr>
     <a:masterClrMapping/>
   </p:clrMapOvr>
-  <p:timing>
-    <p:tnLst>
-      <p:par>
-        <p:cTn id="1" dur="indefinite" restart="never" nodeType="tmRoot"/>
-      </p:par>
-    </p:tnLst>
-  </p:timing>
 </p:sld>
 </file>
 
@@ -21960,13 +21149,6 @@
   <p:clrMapOvr>
     <a:masterClrMapping/>
   </p:clrMapOvr>
-  <p:timing>
-    <p:tnLst>
-      <p:par>
-        <p:cTn id="1" dur="indefinite" restart="never" nodeType="tmRoot"/>
-      </p:par>
-    </p:tnLst>
-  </p:timing>
 </p:sld>
 </file>
 
@@ -22008,16 +21190,12 @@
           <a:lstStyle/>
           <a:p>
             <a:r>
-              <a:rPr lang="en-US" altLang="ja-JP" dirty="0" smtClean="0"/>
+              <a:rPr lang="en-US" altLang="ja-JP" dirty="0"/>
               <a:t>1.</a:t>
             </a:r>
             <a:r>
               <a:rPr lang="ja-JP" altLang="en-US" dirty="0"/>
-              <a:t> </a:t>
-            </a:r>
-            <a:r>
-              <a:rPr lang="ja-JP" altLang="en-US" dirty="0" smtClean="0"/>
-              <a:t>はじめに</a:t>
+              <a:t> はじめに</a:t>
             </a:r>
             <a:endParaRPr kumimoji="1" lang="ja-JP" altLang="en-US" dirty="0"/>
           </a:p>
@@ -22033,13 +21211,6 @@
   <p:clrMapOvr>
     <a:masterClrMapping/>
   </p:clrMapOvr>
-  <p:timing>
-    <p:tnLst>
-      <p:par>
-        <p:cTn id="1" dur="indefinite" restart="never" nodeType="tmRoot"/>
-      </p:par>
-    </p:tnLst>
-  </p:timing>
 </p:sld>
 </file>
 
@@ -22160,35 +21331,27 @@
               <a:buChar char="l"/>
             </a:pPr>
             <a:r>
-              <a:rPr lang="ja-JP" altLang="en-US" sz="1800" dirty="0" smtClean="0"/>
-              <a:t>本書では</a:t>
-            </a:r>
-            <a:r>
               <a:rPr lang="ja-JP" altLang="en-US" sz="1800" dirty="0"/>
-              <a:t>、</a:t>
+              <a:t>本書では、</a:t>
             </a:r>
             <a:r>
               <a:rPr lang="ja-JP" altLang="en-US" sz="1800"/>
-              <a:t>メニューグループ</a:t>
-            </a:r>
-            <a:r>
-              <a:rPr lang="ja-JP" altLang="en-US" sz="1800" smtClean="0"/>
-              <a:t>の「</a:t>
-            </a:r>
-            <a:r>
-              <a:rPr lang="en-US" altLang="ja-JP" sz="1800" b="1" dirty="0" smtClean="0"/>
+              <a:t>メニューグループの「</a:t>
+            </a:r>
+            <a:r>
+              <a:rPr lang="en-US" altLang="ja-JP" sz="1800" b="1" dirty="0"/>
               <a:t>Conductor</a:t>
             </a:r>
             <a:r>
-              <a:rPr lang="ja-JP" altLang="en-US" sz="1800" dirty="0" smtClean="0"/>
+              <a:rPr lang="ja-JP" altLang="en-US" sz="1800" dirty="0"/>
               <a:t>」</a:t>
             </a:r>
             <a:r>
-              <a:rPr lang="ja-JP" altLang="en-US" sz="1800" smtClean="0"/>
+              <a:rPr lang="ja-JP" altLang="en-US" sz="1800"/>
               <a:t>について解説しています</a:t>
             </a:r>
             <a:r>
-              <a:rPr lang="ja-JP" altLang="en-US" sz="1800" dirty="0" smtClean="0"/>
+              <a:rPr lang="ja-JP" altLang="en-US" sz="1800" dirty="0"/>
               <a:t>。</a:t>
             </a:r>
             <a:endParaRPr lang="en-US" altLang="ja-JP" sz="1800" dirty="0">
@@ -22201,7 +21364,7 @@
             <a:pPr marL="0" indent="0">
               <a:buNone/>
             </a:pPr>
-            <a:endParaRPr lang="en-US" altLang="ja-JP" sz="1600" dirty="0" smtClean="0">
+            <a:endParaRPr lang="en-US" altLang="ja-JP" sz="1600" dirty="0">
               <a:solidFill>
                 <a:schemeClr val="bg1"/>
               </a:solidFill>
@@ -22370,16 +21533,12 @@
           </a:lstStyle>
           <a:p>
             <a:r>
-              <a:rPr lang="en-US" altLang="ja-JP" kern="0" dirty="0" smtClean="0"/>
+              <a:rPr lang="en-US" altLang="ja-JP" kern="0" dirty="0"/>
               <a:t>1.1</a:t>
             </a:r>
             <a:r>
               <a:rPr lang="ja-JP" altLang="en-US" kern="0" dirty="0"/>
-              <a:t>　</a:t>
-            </a:r>
-            <a:r>
-              <a:rPr lang="ja-JP" altLang="en-US" kern="0" dirty="0" smtClean="0"/>
-              <a:t>本書について</a:t>
+              <a:t>　本書について</a:t>
             </a:r>
             <a:endParaRPr lang="en-US" kern="0" dirty="0"/>
           </a:p>
@@ -22406,7 +21565,6 @@
             </a:solidFill>
           </a:ln>
           <a:effectLst/>
-          <a:extLst/>
         </p:spPr>
         <p:txBody>
           <a:bodyPr rot="0" spcFirstLastPara="0" vertOverflow="overflow" horzOverflow="overflow" vert="horz" wrap="none" lIns="72000" tIns="72000" rIns="72000" bIns="72000" numCol="1" spcCol="0" rtlCol="0" fromWordArt="0" anchor="ctr" anchorCtr="0" forceAA="0" compatLnSpc="1">
@@ -22418,7 +21576,7 @@
           <a:lstStyle/>
           <a:p>
             <a:pPr algn="ctr"/>
-            <a:endParaRPr kumimoji="1" lang="ja-JP" altLang="en-US" b="1" dirty="0" smtClean="0">
+            <a:endParaRPr kumimoji="1" lang="ja-JP" altLang="en-US" b="1" dirty="0">
               <a:latin typeface="+mn-ea"/>
             </a:endParaRPr>
           </a:p>
@@ -22434,13 +21592,6 @@
   <p:clrMapOvr>
     <a:masterClrMapping/>
   </p:clrMapOvr>
-  <p:timing>
-    <p:tnLst>
-      <p:par>
-        <p:cTn id="1" dur="indefinite" restart="never" nodeType="tmRoot"/>
-      </p:par>
-    </p:tnLst>
-  </p:timing>
 </p:sld>
 </file>
 
@@ -22483,22 +21634,18 @@
           <a:p>
             <a:r>
               <a:rPr lang="en-US" altLang="ja-JP" dirty="0"/>
-              <a:t>2</a:t>
-            </a:r>
-            <a:r>
-              <a:rPr lang="en-US" altLang="ja-JP" dirty="0" smtClean="0"/>
-              <a:t>.</a:t>
-            </a:r>
-            <a:r>
-              <a:rPr lang="ja-JP" altLang="en-US" dirty="0" smtClean="0"/>
+              <a:t>2.</a:t>
+            </a:r>
+            <a:r>
+              <a:rPr lang="ja-JP" altLang="en-US" dirty="0"/>
               <a:t> </a:t>
             </a:r>
             <a:r>
-              <a:rPr lang="en-US" altLang="ja-JP" dirty="0" smtClean="0"/>
+              <a:rPr lang="en-US" altLang="ja-JP" dirty="0"/>
               <a:t>Conductor</a:t>
             </a:r>
             <a:r>
-              <a:rPr lang="ja-JP" altLang="en-US" dirty="0" smtClean="0"/>
+              <a:rPr lang="ja-JP" altLang="en-US" dirty="0"/>
               <a:t>についての説明</a:t>
             </a:r>
             <a:endParaRPr kumimoji="1" lang="ja-JP" altLang="en-US" dirty="0"/>
@@ -22515,13 +21662,6 @@
   <p:clrMapOvr>
     <a:masterClrMapping/>
   </p:clrMapOvr>
-  <p:timing>
-    <p:tnLst>
-      <p:par>
-        <p:cTn id="1" dur="indefinite" restart="never" nodeType="tmRoot"/>
-      </p:par>
-    </p:tnLst>
-  </p:timing>
 </p:sld>
 </file>
 
@@ -22613,30 +21753,30 @@
               <a:buChar char="l"/>
             </a:pPr>
             <a:r>
-              <a:rPr lang="en-US" altLang="ja-JP" dirty="0" smtClean="0"/>
+              <a:rPr lang="en-US" altLang="ja-JP" dirty="0"/>
               <a:t>Conductor</a:t>
             </a:r>
             <a:r>
-              <a:rPr lang="ja-JP" altLang="en-US" dirty="0" smtClean="0"/>
+              <a:rPr lang="ja-JP" altLang="en-US" dirty="0"/>
               <a:t>は、</a:t>
             </a:r>
             <a:r>
-              <a:rPr lang="en-US" altLang="ja-JP" dirty="0" smtClean="0"/>
+              <a:rPr lang="en-US" altLang="ja-JP" dirty="0"/>
               <a:t>ITA</a:t>
             </a:r>
             <a:r>
-              <a:rPr lang="ja-JP" altLang="en-US" dirty="0" smtClean="0"/>
+              <a:rPr lang="ja-JP" altLang="en-US" dirty="0"/>
               <a:t>に</a:t>
             </a:r>
             <a:r>
-              <a:rPr lang="en-US" altLang="ja-JP" dirty="0" smtClean="0"/>
+              <a:rPr lang="en-US" altLang="ja-JP" dirty="0"/>
               <a:t>ver1.5.0</a:t>
             </a:r>
             <a:r>
-              <a:rPr lang="ja-JP" altLang="en-US" dirty="0" smtClean="0"/>
+              <a:rPr lang="ja-JP" altLang="en-US" dirty="0"/>
               <a:t>より追加された機能です。</a:t>
             </a:r>
-            <a:endParaRPr lang="en-US" altLang="ja-JP" dirty="0" smtClean="0"/>
+            <a:endParaRPr lang="en-US" altLang="ja-JP" dirty="0"/>
           </a:p>
           <a:p>
             <a:pPr>
@@ -22644,28 +21784,28 @@
               <a:buChar char="l"/>
             </a:pPr>
             <a:r>
-              <a:rPr lang="en-US" altLang="ja-JP" dirty="0" smtClean="0"/>
+              <a:rPr lang="en-US" altLang="ja-JP" dirty="0"/>
               <a:t>ITA </a:t>
             </a:r>
             <a:r>
-              <a:rPr lang="ja-JP" altLang="en-US" dirty="0" smtClean="0"/>
+              <a:rPr lang="ja-JP" altLang="en-US" dirty="0"/>
               <a:t>における一連の作業の単位を指し、オペレーション名と関連付けて実行します。（ジョブフロー）</a:t>
             </a:r>
-            <a:endParaRPr lang="en-US" altLang="ja-JP" dirty="0" smtClean="0"/>
+            <a:endParaRPr lang="en-US" altLang="ja-JP" dirty="0"/>
           </a:p>
           <a:p>
             <a:pPr>
               <a:buFont typeface="Wingdings" panose="05000000000000000000" pitchFamily="2" charset="2"/>
               <a:buChar char="l"/>
             </a:pPr>
-            <a:endParaRPr lang="en-US" altLang="ja-JP" sz="1600" dirty="0" smtClean="0"/>
+            <a:endParaRPr lang="en-US" altLang="ja-JP" sz="1600" dirty="0"/>
           </a:p>
           <a:p>
             <a:pPr>
               <a:buFont typeface="Wingdings" panose="05000000000000000000" pitchFamily="2" charset="2"/>
               <a:buChar char="l"/>
             </a:pPr>
-            <a:endParaRPr lang="en-US" altLang="ja-JP" sz="1600" dirty="0" smtClean="0"/>
+            <a:endParaRPr lang="en-US" altLang="ja-JP" sz="1600" dirty="0"/>
           </a:p>
           <a:p>
             <a:pPr>
@@ -22841,7 +21981,7 @@
           </a:lstStyle>
           <a:p>
             <a:r>
-              <a:rPr lang="en-US" altLang="ja-JP" kern="0" dirty="0" smtClean="0"/>
+              <a:rPr lang="en-US" altLang="ja-JP" kern="0" dirty="0"/>
               <a:t>2.1</a:t>
             </a:r>
             <a:r>
@@ -22849,11 +21989,11 @@
               <a:t>　</a:t>
             </a:r>
             <a:r>
-              <a:rPr lang="en-US" altLang="ja-JP" kern="0" dirty="0" smtClean="0"/>
+              <a:rPr lang="en-US" altLang="ja-JP" kern="0" dirty="0"/>
               <a:t>Conductor</a:t>
             </a:r>
             <a:r>
-              <a:rPr lang="ja-JP" altLang="en-US" kern="0" dirty="0" smtClean="0"/>
+              <a:rPr lang="ja-JP" altLang="en-US" kern="0" dirty="0"/>
               <a:t>とは</a:t>
             </a:r>
             <a:endParaRPr lang="en-US" kern="0" dirty="0"/>
@@ -23016,7 +22156,6 @@
             </a:solidFill>
           </a:ln>
           <a:effectLst/>
-          <a:extLst/>
         </p:spPr>
         <p:txBody>
           <a:bodyPr rot="0" spcFirstLastPara="0" vertOverflow="overflow" horzOverflow="overflow" vert="horz" wrap="none" lIns="72000" tIns="72000" rIns="72000" bIns="72000" numCol="1" spcCol="0" rtlCol="0" fromWordArt="0" anchor="ctr" anchorCtr="0" forceAA="0" compatLnSpc="1">
@@ -23028,7 +22167,7 @@
           <a:lstStyle/>
           <a:p>
             <a:pPr algn="ctr"/>
-            <a:endParaRPr kumimoji="1" lang="ja-JP" altLang="en-US" b="1" dirty="0" smtClean="0">
+            <a:endParaRPr kumimoji="1" lang="ja-JP" altLang="en-US" b="1" dirty="0">
               <a:latin typeface="+mn-ea"/>
             </a:endParaRPr>
           </a:p>
@@ -23055,7 +22194,6 @@
             <a:noFill/>
           </a:ln>
           <a:effectLst/>
-          <a:extLst/>
         </p:spPr>
         <p:txBody>
           <a:bodyPr rot="0" spcFirstLastPara="0" vertOverflow="overflow" horzOverflow="overflow" vert="horz" wrap="none" lIns="72000" tIns="72000" rIns="72000" bIns="72000" numCol="1" spcCol="0" rtlCol="0" fromWordArt="0" anchor="ctr" anchorCtr="0" forceAA="0" compatLnSpc="1">
@@ -23068,12 +22206,12 @@
           <a:p>
             <a:pPr algn="ctr"/>
             <a:r>
-              <a:rPr lang="en-US" altLang="ja-JP" b="1" dirty="0" smtClean="0">
+              <a:rPr lang="en-US" altLang="ja-JP" b="1" dirty="0">
                 <a:latin typeface="+mn-ea"/>
               </a:rPr>
               <a:t>Conductor</a:t>
             </a:r>
-            <a:endParaRPr kumimoji="1" lang="ja-JP" altLang="en-US" b="1" dirty="0" smtClean="0">
+            <a:endParaRPr kumimoji="1" lang="ja-JP" altLang="en-US" b="1" dirty="0">
               <a:latin typeface="+mn-ea"/>
             </a:endParaRPr>
           </a:p>
@@ -23106,7 +22244,6 @@
             <a:noFill/>
           </a:ln>
           <a:effectLst/>
-          <a:extLst/>
         </p:spPr>
         <p:txBody>
           <a:bodyPr rot="0" spcFirstLastPara="0" vertOverflow="overflow" horzOverflow="overflow" vert="horz" wrap="none" lIns="72000" tIns="72000" rIns="72000" bIns="72000" numCol="1" spcCol="0" rtlCol="0" fromWordArt="0" anchor="ctr" anchorCtr="0" forceAA="0" compatLnSpc="1">
@@ -23118,7 +22255,7 @@
           <a:lstStyle/>
           <a:p>
             <a:pPr algn="ctr"/>
-            <a:endParaRPr kumimoji="1" lang="ja-JP" altLang="en-US" b="1" dirty="0" smtClean="0">
+            <a:endParaRPr kumimoji="1" lang="ja-JP" altLang="en-US" b="1" dirty="0">
               <a:latin typeface="+mn-ea"/>
             </a:endParaRPr>
           </a:p>
@@ -23149,7 +22286,6 @@
             <a:noFill/>
           </a:ln>
           <a:effectLst/>
-          <a:extLst/>
         </p:spPr>
         <p:txBody>
           <a:bodyPr rot="0" spcFirstLastPara="0" vertOverflow="overflow" horzOverflow="overflow" vert="horz" wrap="none" lIns="72000" tIns="72000" rIns="72000" bIns="72000" numCol="1" spcCol="0" rtlCol="0" fromWordArt="0" anchor="ctr" anchorCtr="0" forceAA="0" compatLnSpc="1">
@@ -23162,7 +22298,7 @@
           <a:p>
             <a:pPr algn="ctr"/>
             <a:r>
-              <a:rPr kumimoji="1" lang="en-US" altLang="ja-JP" b="1" dirty="0" smtClean="0">
+              <a:rPr kumimoji="1" lang="en-US" altLang="ja-JP" b="1" dirty="0">
                 <a:solidFill>
                   <a:schemeClr val="bg1"/>
                 </a:solidFill>
@@ -23170,7 +22306,7 @@
               </a:rPr>
               <a:t>Movement A</a:t>
             </a:r>
-            <a:endParaRPr kumimoji="1" lang="ja-JP" altLang="en-US" b="1" dirty="0" smtClean="0">
+            <a:endParaRPr kumimoji="1" lang="ja-JP" altLang="en-US" b="1" dirty="0">
               <a:solidFill>
                 <a:schemeClr val="bg1"/>
               </a:solidFill>
@@ -23204,7 +22340,6 @@
             <a:noFill/>
           </a:ln>
           <a:effectLst/>
-          <a:extLst/>
         </p:spPr>
         <p:txBody>
           <a:bodyPr rot="0" spcFirstLastPara="0" vertOverflow="overflow" horzOverflow="overflow" vert="horz" wrap="none" lIns="72000" tIns="72000" rIns="72000" bIns="72000" numCol="1" spcCol="0" rtlCol="0" fromWordArt="0" anchor="ctr" anchorCtr="0" forceAA="0" compatLnSpc="1">
@@ -23217,7 +22352,7 @@
           <a:p>
             <a:pPr algn="ctr"/>
             <a:r>
-              <a:rPr kumimoji="1" lang="en-US" altLang="ja-JP" b="1" dirty="0" smtClean="0">
+              <a:rPr kumimoji="1" lang="en-US" altLang="ja-JP" b="1" dirty="0">
                 <a:solidFill>
                   <a:schemeClr val="bg1"/>
                 </a:solidFill>
@@ -23225,7 +22360,7 @@
               </a:rPr>
               <a:t>Movement B</a:t>
             </a:r>
-            <a:endParaRPr kumimoji="1" lang="ja-JP" altLang="en-US" b="1" dirty="0" smtClean="0">
+            <a:endParaRPr kumimoji="1" lang="ja-JP" altLang="en-US" b="1" dirty="0">
               <a:solidFill>
                 <a:schemeClr val="bg1"/>
               </a:solidFill>
@@ -23259,7 +22394,6 @@
             <a:noFill/>
           </a:ln>
           <a:effectLst/>
-          <a:extLst/>
         </p:spPr>
         <p:txBody>
           <a:bodyPr rot="0" spcFirstLastPara="0" vertOverflow="overflow" horzOverflow="overflow" vert="horz" wrap="none" lIns="72000" tIns="72000" rIns="72000" bIns="72000" numCol="1" spcCol="0" rtlCol="0" fromWordArt="0" anchor="ctr" anchorCtr="0" forceAA="0" compatLnSpc="1">
@@ -23272,7 +22406,7 @@
           <a:p>
             <a:pPr algn="ctr"/>
             <a:r>
-              <a:rPr kumimoji="1" lang="en-US" altLang="ja-JP" b="1" dirty="0" smtClean="0">
+              <a:rPr kumimoji="1" lang="en-US" altLang="ja-JP" b="1" dirty="0">
                 <a:solidFill>
                   <a:schemeClr val="bg1"/>
                 </a:solidFill>
@@ -23280,7 +22414,7 @@
               </a:rPr>
               <a:t>Movement C</a:t>
             </a:r>
-            <a:endParaRPr kumimoji="1" lang="ja-JP" altLang="en-US" b="1" dirty="0" smtClean="0">
+            <a:endParaRPr kumimoji="1" lang="ja-JP" altLang="en-US" b="1" dirty="0">
               <a:solidFill>
                 <a:schemeClr val="bg1"/>
               </a:solidFill>
@@ -23324,7 +22458,6 @@
               </a:solidFill>
             </a:ln>
             <a:effectLst/>
-            <a:extLst/>
           </p:spPr>
           <p:txBody>
             <a:bodyPr rot="0" spcFirstLastPara="0" vertOverflow="overflow" horzOverflow="overflow" vert="horz" wrap="none" lIns="72000" tIns="72000" rIns="72000" bIns="72000" numCol="1" spcCol="0" rtlCol="0" fromWordArt="0" anchor="t" anchorCtr="0" forceAA="0" compatLnSpc="1">
@@ -23336,7 +22469,7 @@
             <a:lstStyle/>
             <a:p>
               <a:pPr algn="ctr"/>
-              <a:endParaRPr kumimoji="1" lang="en-US" altLang="ja-JP" sz="1600" b="1" dirty="0" smtClean="0">
+              <a:endParaRPr kumimoji="1" lang="en-US" altLang="ja-JP" sz="1600" b="1" dirty="0">
                 <a:latin typeface="+mn-ea"/>
               </a:endParaRPr>
             </a:p>
@@ -23365,7 +22498,6 @@
               </a:solidFill>
             </a:ln>
             <a:effectLst/>
-            <a:extLst/>
           </p:spPr>
           <p:txBody>
             <a:bodyPr rot="0" spcFirstLastPara="0" vertOverflow="overflow" horzOverflow="overflow" vert="horz" wrap="none" lIns="72000" tIns="72000" rIns="72000" bIns="72000" numCol="1" spcCol="0" rtlCol="0" fromWordArt="0" anchor="ctr" anchorCtr="0" forceAA="0" compatLnSpc="1">
@@ -23377,7 +22509,7 @@
             <a:lstStyle/>
             <a:p>
               <a:pPr algn="ctr"/>
-              <a:endParaRPr kumimoji="1" lang="ja-JP" altLang="en-US" b="1" dirty="0" smtClean="0">
+              <a:endParaRPr kumimoji="1" lang="ja-JP" altLang="en-US" b="1" dirty="0">
                 <a:latin typeface="+mn-ea"/>
               </a:endParaRPr>
             </a:p>
@@ -23406,7 +22538,6 @@
               </a:solidFill>
             </a:ln>
             <a:effectLst/>
-            <a:extLst/>
           </p:spPr>
           <p:txBody>
             <a:bodyPr rot="0" spcFirstLastPara="0" vertOverflow="overflow" horzOverflow="overflow" vert="horz" wrap="none" lIns="72000" tIns="72000" rIns="72000" bIns="72000" numCol="1" spcCol="0" rtlCol="0" fromWordArt="0" anchor="ctr" anchorCtr="0" forceAA="0" compatLnSpc="1">
@@ -23418,7 +22549,7 @@
             <a:lstStyle/>
             <a:p>
               <a:pPr algn="ctr"/>
-              <a:endParaRPr kumimoji="1" lang="ja-JP" altLang="en-US" b="1" dirty="0" smtClean="0">
+              <a:endParaRPr kumimoji="1" lang="ja-JP" altLang="en-US" b="1" dirty="0">
                 <a:latin typeface="+mn-ea"/>
               </a:endParaRPr>
             </a:p>
@@ -23447,7 +22578,6 @@
               </a:solidFill>
             </a:ln>
             <a:effectLst/>
-            <a:extLst/>
           </p:spPr>
           <p:txBody>
             <a:bodyPr rot="0" spcFirstLastPara="0" vertOverflow="overflow" horzOverflow="overflow" vert="horz" wrap="none" lIns="72000" tIns="72000" rIns="72000" bIns="72000" numCol="1" spcCol="0" rtlCol="0" fromWordArt="0" anchor="t" anchorCtr="0" forceAA="0" compatLnSpc="1">
@@ -23459,7 +22589,7 @@
             <a:lstStyle/>
             <a:p>
               <a:pPr algn="ctr"/>
-              <a:endParaRPr kumimoji="1" lang="en-US" altLang="ja-JP" sz="1200" b="1" dirty="0" smtClean="0">
+              <a:endParaRPr kumimoji="1" lang="en-US" altLang="ja-JP" sz="1200" b="1" dirty="0">
                 <a:latin typeface="+mn-ea"/>
               </a:endParaRPr>
             </a:p>
@@ -23663,7 +22793,6 @@
               <a:noFill/>
             </a:ln>
             <a:effectLst/>
-            <a:extLst/>
           </p:spPr>
           <p:txBody>
             <a:bodyPr rot="0" spcFirstLastPara="0" vertOverflow="overflow" horzOverflow="overflow" vert="horz" wrap="none" lIns="72000" tIns="72000" rIns="72000" bIns="72000" numCol="1" spcCol="0" rtlCol="0" fromWordArt="0" anchor="ctr" anchorCtr="0" forceAA="0" compatLnSpc="1">
@@ -23676,16 +22805,10 @@
             <a:p>
               <a:pPr algn="ctr"/>
               <a:r>
-                <a:rPr lang="ja-JP" altLang="en-US" sz="1100" b="1" dirty="0" smtClean="0">
-                  <a:latin typeface="+mn-ea"/>
-                </a:rPr>
-                <a:t>パラメータ（</a:t>
-              </a:r>
-              <a:r>
                 <a:rPr lang="ja-JP" altLang="en-US" sz="1100" b="1" dirty="0">
                   <a:latin typeface="+mn-ea"/>
                 </a:rPr>
-                <a:t>変数）</a:t>
+                <a:t>パラメータ（変数）</a:t>
               </a:r>
               <a:endParaRPr lang="en-US" altLang="ja-JP" sz="1100" b="1" dirty="0">
                 <a:latin typeface="+mn-ea"/>
@@ -23718,7 +22841,6 @@
               <a:noFill/>
             </a:ln>
             <a:effectLst/>
-            <a:extLst/>
           </p:spPr>
           <p:txBody>
             <a:bodyPr rot="0" spcFirstLastPara="0" vertOverflow="overflow" horzOverflow="overflow" vert="horz" wrap="none" lIns="72000" tIns="72000" rIns="72000" bIns="72000" numCol="1" spcCol="0" rtlCol="0" fromWordArt="0" anchor="ctr" anchorCtr="0" forceAA="0" compatLnSpc="1">
@@ -23731,7 +22853,7 @@
             <a:p>
               <a:pPr algn="ctr"/>
               <a:r>
-                <a:rPr lang="en-US" altLang="ja-JP" sz="1600" b="1" dirty="0" smtClean="0">
+                <a:rPr lang="en-US" altLang="ja-JP" sz="1600" b="1" dirty="0">
                   <a:solidFill>
                     <a:schemeClr val="bg1"/>
                   </a:solidFill>
@@ -23740,7 +22862,7 @@
                 <a:t>IaC</a:t>
               </a:r>
               <a:r>
-                <a:rPr kumimoji="1" lang="en-US" altLang="ja-JP" sz="1600" b="1" dirty="0" smtClean="0">
+                <a:rPr kumimoji="1" lang="en-US" altLang="ja-JP" sz="1600" b="1" dirty="0">
                   <a:solidFill>
                     <a:schemeClr val="bg1"/>
                   </a:solidFill>
@@ -23748,7 +22870,7 @@
                 </a:rPr>
                 <a:t> 1</a:t>
               </a:r>
-              <a:endParaRPr kumimoji="1" lang="ja-JP" altLang="en-US" sz="1600" b="1" dirty="0" smtClean="0">
+              <a:endParaRPr kumimoji="1" lang="ja-JP" altLang="en-US" sz="1600" b="1" dirty="0">
                 <a:solidFill>
                   <a:schemeClr val="bg1"/>
                 </a:solidFill>
@@ -23782,7 +22904,6 @@
               <a:noFill/>
             </a:ln>
             <a:effectLst/>
-            <a:extLst/>
           </p:spPr>
           <p:txBody>
             <a:bodyPr rot="0" spcFirstLastPara="0" vertOverflow="overflow" horzOverflow="overflow" vert="horz" wrap="none" lIns="72000" tIns="72000" rIns="72000" bIns="72000" numCol="1" spcCol="0" rtlCol="0" fromWordArt="0" anchor="ctr" anchorCtr="0" forceAA="0" compatLnSpc="1">
@@ -23795,7 +22916,7 @@
             <a:p>
               <a:pPr algn="ctr"/>
               <a:r>
-                <a:rPr lang="en-US" altLang="ja-JP" sz="1600" b="1" dirty="0" smtClean="0">
+                <a:rPr lang="en-US" altLang="ja-JP" sz="1600" b="1" dirty="0">
                   <a:solidFill>
                     <a:schemeClr val="bg1"/>
                   </a:solidFill>
@@ -23804,7 +22925,7 @@
                 <a:t>IaC</a:t>
               </a:r>
               <a:r>
-                <a:rPr kumimoji="1" lang="en-US" altLang="ja-JP" sz="1600" b="1" dirty="0" smtClean="0">
+                <a:rPr kumimoji="1" lang="en-US" altLang="ja-JP" sz="1600" b="1" dirty="0">
                   <a:solidFill>
                     <a:schemeClr val="bg1"/>
                   </a:solidFill>
@@ -23812,7 +22933,7 @@
                 </a:rPr>
                 <a:t> 2</a:t>
               </a:r>
-              <a:endParaRPr kumimoji="1" lang="ja-JP" altLang="en-US" sz="1600" b="1" dirty="0" smtClean="0">
+              <a:endParaRPr kumimoji="1" lang="ja-JP" altLang="en-US" sz="1600" b="1" dirty="0">
                 <a:solidFill>
                   <a:schemeClr val="bg1"/>
                 </a:solidFill>
@@ -23888,7 +23009,6 @@
               <a:noFill/>
             </a:ln>
             <a:effectLst/>
-            <a:extLst/>
           </p:spPr>
           <p:txBody>
             <a:bodyPr rot="0" spcFirstLastPara="0" vertOverflow="overflow" horzOverflow="overflow" vert="horz" wrap="none" lIns="72000" tIns="72000" rIns="72000" bIns="72000" numCol="1" spcCol="0" rtlCol="0" fromWordArt="0" anchor="ctr" anchorCtr="0" forceAA="0" compatLnSpc="1">
@@ -23901,7 +23021,7 @@
             <a:p>
               <a:pPr algn="ctr"/>
               <a:r>
-                <a:rPr lang="en-US" altLang="ja-JP" sz="1600" b="1" dirty="0" smtClean="0">
+                <a:rPr lang="en-US" altLang="ja-JP" sz="1600" b="1" dirty="0">
                   <a:solidFill>
                     <a:schemeClr val="bg1"/>
                   </a:solidFill>
@@ -23910,7 +23030,7 @@
                 <a:t>IaC</a:t>
               </a:r>
               <a:r>
-                <a:rPr kumimoji="1" lang="en-US" altLang="ja-JP" sz="1600" b="1" dirty="0" smtClean="0">
+                <a:rPr kumimoji="1" lang="en-US" altLang="ja-JP" sz="1600" b="1" dirty="0">
                   <a:solidFill>
                     <a:schemeClr val="bg1"/>
                   </a:solidFill>
@@ -23918,7 +23038,7 @@
                 </a:rPr>
                 <a:t> 3</a:t>
               </a:r>
-              <a:endParaRPr kumimoji="1" lang="ja-JP" altLang="en-US" sz="1600" b="1" dirty="0" smtClean="0">
+              <a:endParaRPr kumimoji="1" lang="ja-JP" altLang="en-US" sz="1600" b="1" dirty="0">
                 <a:solidFill>
                   <a:schemeClr val="bg1"/>
                 </a:solidFill>
@@ -23953,7 +23073,6 @@
               <a:noFill/>
             </a:ln>
             <a:effectLst/>
-            <a:extLst/>
           </p:spPr>
           <p:txBody>
             <a:bodyPr rot="0" spcFirstLastPara="0" vertOverflow="overflow" horzOverflow="overflow" vert="horz" wrap="none" lIns="72000" tIns="72000" rIns="72000" bIns="72000" numCol="1" spcCol="0" rtlCol="0" fromWordArt="0" anchor="ctr" anchorCtr="0" forceAA="0" compatLnSpc="1">
@@ -23966,7 +23085,7 @@
             <a:p>
               <a:pPr algn="ctr"/>
               <a:r>
-                <a:rPr lang="en-US" altLang="ja-JP" sz="1600" dirty="0" smtClean="0">
+                <a:rPr lang="en-US" altLang="ja-JP" sz="1600" dirty="0">
                   <a:solidFill>
                     <a:schemeClr val="bg1"/>
                   </a:solidFill>
@@ -23974,7 +23093,7 @@
                 </a:rPr>
                 <a:t>VAR_a</a:t>
               </a:r>
-              <a:endParaRPr kumimoji="1" lang="ja-JP" altLang="en-US" sz="1600" dirty="0" smtClean="0">
+              <a:endParaRPr kumimoji="1" lang="ja-JP" altLang="en-US" sz="1600" dirty="0">
                 <a:solidFill>
                   <a:schemeClr val="bg1"/>
                 </a:solidFill>
@@ -24009,7 +23128,6 @@
               <a:noFill/>
             </a:ln>
             <a:effectLst/>
-            <a:extLst/>
           </p:spPr>
           <p:txBody>
             <a:bodyPr rot="0" spcFirstLastPara="0" vertOverflow="overflow" horzOverflow="overflow" vert="horz" wrap="none" lIns="72000" tIns="72000" rIns="72000" bIns="72000" numCol="1" spcCol="0" rtlCol="0" fromWordArt="0" anchor="ctr" anchorCtr="0" forceAA="0" compatLnSpc="1">
@@ -24022,7 +23140,7 @@
             <a:p>
               <a:pPr algn="ctr"/>
               <a:r>
-                <a:rPr lang="en-US" altLang="ja-JP" sz="1600" dirty="0" smtClean="0">
+                <a:rPr lang="en-US" altLang="ja-JP" sz="1600" dirty="0">
                   <a:solidFill>
                     <a:schemeClr val="bg1"/>
                   </a:solidFill>
@@ -24030,7 +23148,7 @@
                 </a:rPr>
                 <a:t>VAR_b</a:t>
               </a:r>
-              <a:endParaRPr kumimoji="1" lang="ja-JP" altLang="en-US" sz="1600" dirty="0" smtClean="0">
+              <a:endParaRPr kumimoji="1" lang="ja-JP" altLang="en-US" sz="1600" dirty="0">
                 <a:solidFill>
                   <a:schemeClr val="bg1"/>
                 </a:solidFill>
@@ -24065,7 +23183,6 @@
               <a:noFill/>
             </a:ln>
             <a:effectLst/>
-            <a:extLst/>
           </p:spPr>
           <p:txBody>
             <a:bodyPr rot="0" spcFirstLastPara="0" vertOverflow="overflow" horzOverflow="overflow" vert="horz" wrap="none" lIns="72000" tIns="72000" rIns="72000" bIns="72000" numCol="1" spcCol="0" rtlCol="0" fromWordArt="0" anchor="ctr" anchorCtr="0" forceAA="0" compatLnSpc="1">
@@ -24078,7 +23195,7 @@
             <a:p>
               <a:pPr algn="ctr"/>
               <a:r>
-                <a:rPr lang="en-US" altLang="ja-JP" sz="1600" dirty="0" smtClean="0">
+                <a:rPr lang="en-US" altLang="ja-JP" sz="1600" dirty="0">
                   <a:solidFill>
                     <a:schemeClr val="bg1"/>
                   </a:solidFill>
@@ -24086,7 +23203,7 @@
                 </a:rPr>
                 <a:t>VAR_c</a:t>
               </a:r>
-              <a:endParaRPr kumimoji="1" lang="ja-JP" altLang="en-US" sz="1600" dirty="0" smtClean="0">
+              <a:endParaRPr kumimoji="1" lang="ja-JP" altLang="en-US" sz="1600" dirty="0">
                 <a:solidFill>
                   <a:schemeClr val="bg1"/>
                 </a:solidFill>
@@ -24121,7 +23238,6 @@
               <a:noFill/>
             </a:ln>
             <a:effectLst/>
-            <a:extLst/>
           </p:spPr>
           <p:txBody>
             <a:bodyPr rot="0" spcFirstLastPara="0" vertOverflow="overflow" horzOverflow="overflow" vert="horz" wrap="none" lIns="72000" tIns="72000" rIns="72000" bIns="72000" numCol="1" spcCol="0" rtlCol="0" fromWordArt="0" anchor="ctr" anchorCtr="0" forceAA="0" compatLnSpc="1">
@@ -24134,24 +23250,15 @@
             <a:p>
               <a:pPr algn="ctr"/>
               <a:r>
-                <a:rPr lang="ja-JP" altLang="en-US" sz="1600" dirty="0" smtClean="0">
-                  <a:solidFill>
-                    <a:schemeClr val="bg1"/>
-                  </a:solidFill>
-                  <a:latin typeface="+mn-ea"/>
-                </a:rPr>
-                <a:t>な</a:t>
-              </a:r>
-              <a:r>
                 <a:rPr lang="ja-JP" altLang="en-US" sz="1600" dirty="0">
                   <a:solidFill>
                     <a:schemeClr val="bg1"/>
                   </a:solidFill>
                   <a:latin typeface="+mn-ea"/>
                 </a:rPr>
-                <a:t>し</a:t>
+                <a:t>なし</a:t>
               </a:r>
-              <a:endParaRPr kumimoji="1" lang="ja-JP" altLang="en-US" sz="1600" dirty="0" smtClean="0">
+              <a:endParaRPr kumimoji="1" lang="ja-JP" altLang="en-US" sz="1600" dirty="0">
                 <a:solidFill>
                   <a:schemeClr val="bg1"/>
                 </a:solidFill>
@@ -24171,13 +23278,6 @@
   <p:clrMapOvr>
     <a:masterClrMapping/>
   </p:clrMapOvr>
-  <p:timing>
-    <p:tnLst>
-      <p:par>
-        <p:cTn id="1" dur="indefinite" restart="never" nodeType="tmRoot"/>
-      </p:par>
-    </p:tnLst>
-  </p:timing>
 </p:sld>
 </file>
 
@@ -24222,7 +23322,6 @@
             <a:noFill/>
           </a:ln>
           <a:effectLst/>
-          <a:extLst/>
         </p:spPr>
         <p:txBody>
           <a:bodyPr rot="0" spcFirstLastPara="0" vertOverflow="overflow" horzOverflow="overflow" vert="horz" wrap="none" lIns="72000" tIns="72000" rIns="72000" bIns="72000" numCol="1" spcCol="0" rtlCol="0" fromWordArt="0" anchor="ctr" anchorCtr="0" forceAA="0" compatLnSpc="1">
@@ -24234,7 +23333,7 @@
           <a:lstStyle/>
           <a:p>
             <a:pPr algn="ctr"/>
-            <a:endParaRPr kumimoji="1" lang="ja-JP" altLang="en-US" b="1" dirty="0" smtClean="0">
+            <a:endParaRPr kumimoji="1" lang="ja-JP" altLang="en-US" b="1" dirty="0">
               <a:latin typeface="+mn-ea"/>
             </a:endParaRPr>
           </a:p>
@@ -24259,7 +23358,6 @@
             <a:noFill/>
           </a:ln>
           <a:effectLst/>
-          <a:extLst/>
         </p:spPr>
         <p:txBody>
           <a:bodyPr rot="0" spcFirstLastPara="0" vertOverflow="overflow" horzOverflow="overflow" vert="horz" wrap="none" lIns="72000" tIns="72000" rIns="72000" bIns="72000" numCol="1" spcCol="0" rtlCol="0" fromWordArt="0" anchor="ctr" anchorCtr="0" forceAA="0" compatLnSpc="1">
@@ -24272,12 +23370,12 @@
           <a:p>
             <a:pPr algn="ctr"/>
             <a:r>
-              <a:rPr kumimoji="1" lang="ja-JP" altLang="en-US" sz="1200" b="1" dirty="0" smtClean="0">
+              <a:rPr kumimoji="1" lang="ja-JP" altLang="en-US" sz="1200" b="1" dirty="0">
                 <a:latin typeface="+mn-ea"/>
               </a:rPr>
               <a:t>正常終了</a:t>
             </a:r>
-            <a:endParaRPr kumimoji="1" lang="en-US" altLang="ja-JP" sz="1200" b="1" dirty="0" smtClean="0">
+            <a:endParaRPr kumimoji="1" lang="en-US" altLang="ja-JP" sz="1200" b="1" dirty="0">
               <a:latin typeface="+mn-ea"/>
             </a:endParaRPr>
           </a:p>
@@ -24301,7 +23399,7 @@
           <a:lstStyle/>
           <a:p>
             <a:r>
-              <a:rPr lang="en-US" altLang="ja-JP" dirty="0" smtClean="0"/>
+              <a:rPr lang="en-US" altLang="ja-JP" dirty="0"/>
               <a:t>2.2</a:t>
             </a:r>
             <a:r>
@@ -24309,11 +23407,11 @@
               <a:t>　</a:t>
             </a:r>
             <a:r>
-              <a:rPr lang="en-US" altLang="ja-JP" dirty="0" smtClean="0"/>
+              <a:rPr lang="en-US" altLang="ja-JP" dirty="0"/>
               <a:t>Conductor</a:t>
             </a:r>
             <a:r>
-              <a:rPr lang="ja-JP" altLang="en-US" dirty="0" smtClean="0"/>
+              <a:rPr lang="ja-JP" altLang="en-US" dirty="0"/>
               <a:t>の特徴</a:t>
             </a:r>
             <a:endParaRPr kumimoji="1" lang="ja-JP" altLang="en-US" dirty="0"/>
@@ -24345,69 +23443,57 @@
               <a:buChar char="l"/>
             </a:pPr>
             <a:r>
-              <a:rPr kumimoji="1" lang="en-US" altLang="ja-JP" sz="1800" dirty="0" smtClean="0"/>
+              <a:rPr kumimoji="1" lang="en-US" altLang="ja-JP" sz="1800" dirty="0"/>
               <a:t>Conductor</a:t>
             </a:r>
             <a:r>
-              <a:rPr kumimoji="1" lang="ja-JP" altLang="en-US" sz="1800" dirty="0" smtClean="0"/>
+              <a:rPr kumimoji="1" lang="ja-JP" altLang="en-US" sz="1800" dirty="0"/>
               <a:t>では</a:t>
             </a:r>
             <a:r>
-              <a:rPr kumimoji="1" lang="en-US" altLang="ja-JP" sz="1800" dirty="0" smtClean="0"/>
+              <a:rPr kumimoji="1" lang="en-US" altLang="ja-JP" sz="1800" dirty="0"/>
               <a:t>Symphony</a:t>
             </a:r>
             <a:r>
-              <a:rPr kumimoji="1" lang="ja-JP" altLang="en-US" sz="1800" dirty="0" smtClean="0"/>
+              <a:rPr kumimoji="1" lang="ja-JP" altLang="en-US" sz="1800" dirty="0"/>
               <a:t>機能と同様の作業実行機能に加え、以下の機能を備えています。</a:t>
             </a:r>
             <a:r>
-              <a:rPr kumimoji="1" lang="en-US" altLang="ja-JP" sz="1800" dirty="0" smtClean="0"/>
+              <a:rPr kumimoji="1" lang="en-US" altLang="ja-JP" sz="1800" dirty="0"/>
               <a:t>	</a:t>
             </a:r>
             <a:br>
-              <a:rPr kumimoji="1" lang="en-US" altLang="ja-JP" sz="1800" dirty="0" smtClean="0"/>
+              <a:rPr kumimoji="1" lang="en-US" altLang="ja-JP" sz="1800" dirty="0"/>
             </a:br>
             <a:r>
               <a:rPr lang="ja-JP" altLang="en-US" sz="1800" dirty="0"/>
-              <a:t>これらによって</a:t>
-            </a:r>
-            <a:r>
-              <a:rPr lang="ja-JP" altLang="en-US" sz="1800" dirty="0" smtClean="0"/>
-              <a:t>、</a:t>
-            </a:r>
-            <a:r>
-              <a:rPr lang="en-US" altLang="ja-JP" sz="1800" dirty="0" smtClean="0"/>
+              <a:t>これらによって、</a:t>
+            </a:r>
+            <a:r>
+              <a:rPr lang="en-US" altLang="ja-JP" sz="1800" dirty="0"/>
               <a:t>Conductor</a:t>
             </a:r>
             <a:r>
-              <a:rPr lang="ja-JP" altLang="en-US" sz="1800" dirty="0" smtClean="0"/>
-              <a:t>で</a:t>
-            </a:r>
-            <a:r>
               <a:rPr lang="ja-JP" altLang="en-US" sz="1800" dirty="0"/>
-              <a:t>は</a:t>
-            </a:r>
-            <a:r>
-              <a:rPr lang="ja-JP" altLang="en-US" sz="1800" b="1" dirty="0" smtClean="0"/>
+              <a:t>では</a:t>
+            </a:r>
+            <a:r>
+              <a:rPr lang="ja-JP" altLang="en-US" sz="1800" b="1" dirty="0"/>
               <a:t>より高度なジョブフローを実行できます</a:t>
             </a:r>
             <a:r>
-              <a:rPr lang="ja-JP" altLang="en-US" sz="1800" dirty="0" smtClean="0"/>
+              <a:rPr lang="ja-JP" altLang="en-US" sz="1800" dirty="0"/>
               <a:t>。</a:t>
             </a:r>
-            <a:r>
-              <a:rPr lang="en-US" altLang="ja-JP" sz="1800" dirty="0" smtClean="0"/>
-              <a:t/>
-            </a:r>
             <a:br>
-              <a:rPr lang="en-US" altLang="ja-JP" sz="1800" dirty="0" smtClean="0"/>
+              <a:rPr lang="en-US" altLang="ja-JP" sz="1800" dirty="0"/>
             </a:br>
             <a:endParaRPr lang="en-US" altLang="ja-JP" sz="1800" dirty="0"/>
           </a:p>
           <a:p>
             <a:pPr lvl="1"/>
             <a:r>
-              <a:rPr lang="en-US" altLang="ja-JP" sz="2000" b="1" dirty="0" smtClean="0">
+              <a:rPr lang="en-US" altLang="ja-JP" sz="2000" b="1" dirty="0">
                 <a:solidFill>
                   <a:schemeClr val="accent6">
                     <a:lumMod val="90000"/>
@@ -24426,18 +23512,7 @@
                   </a:schemeClr>
                 </a:solidFill>
               </a:rPr>
-              <a:t>の並列</a:t>
-            </a:r>
-            <a:r>
-              <a:rPr lang="ja-JP" altLang="en-US" sz="2000" b="1" dirty="0" smtClean="0">
-                <a:solidFill>
-                  <a:schemeClr val="accent6">
-                    <a:lumMod val="90000"/>
-                    <a:lumOff val="10000"/>
-                  </a:schemeClr>
-                </a:solidFill>
-              </a:rPr>
-              <a:t>実行</a:t>
+              <a:t>の並列実行</a:t>
             </a:r>
             <a:endParaRPr lang="en-US" altLang="ja-JP" sz="2000" b="1" dirty="0">
               <a:solidFill>
@@ -24451,17 +23526,6 @@
           <a:p>
             <a:pPr lvl="1"/>
             <a:r>
-              <a:rPr lang="ja-JP" altLang="en-US" sz="2000" b="1" dirty="0" smtClean="0">
-                <a:solidFill>
-                  <a:schemeClr val="accent6">
-                    <a:lumMod val="90000"/>
-                    <a:lumOff val="10000"/>
-                  </a:schemeClr>
-                </a:solidFill>
-              </a:rPr>
-              <a:t>別のジョブフロー</a:t>
-            </a:r>
-            <a:r>
               <a:rPr lang="ja-JP" altLang="en-US" sz="2000" b="1" dirty="0">
                 <a:solidFill>
                   <a:schemeClr val="accent6">
@@ -24470,18 +23534,7 @@
                   </a:schemeClr>
                 </a:solidFill>
               </a:rPr>
-              <a:t>の</a:t>
-            </a:r>
-            <a:r>
-              <a:rPr lang="ja-JP" altLang="en-US" sz="2000" b="1" dirty="0" smtClean="0">
-                <a:solidFill>
-                  <a:schemeClr val="accent6">
-                    <a:lumMod val="90000"/>
-                    <a:lumOff val="10000"/>
-                  </a:schemeClr>
-                </a:solidFill>
-              </a:rPr>
-              <a:t>呼び出し</a:t>
+              <a:t>別のジョブフローの呼び出し</a:t>
             </a:r>
             <a:endParaRPr lang="en-US" altLang="ja-JP" sz="2000" b="1" dirty="0">
               <a:solidFill>
@@ -24516,7 +23569,7 @@
               </a:rPr>
               <a:t>の実行結果、または返り値による条件分岐</a:t>
             </a:r>
-            <a:endParaRPr lang="en-US" altLang="ja-JP" sz="2000" b="1" dirty="0" smtClean="0">
+            <a:endParaRPr lang="en-US" altLang="ja-JP" sz="2000" b="1" dirty="0">
               <a:solidFill>
                 <a:schemeClr val="accent6">
                   <a:lumMod val="90000"/>
@@ -24529,7 +23582,7 @@
             <a:pPr marL="180000" lvl="1" indent="0">
               <a:buNone/>
             </a:pPr>
-            <a:endParaRPr lang="en-US" altLang="ja-JP" sz="1800" b="1" dirty="0" smtClean="0"/>
+            <a:endParaRPr lang="en-US" altLang="ja-JP" sz="1800" b="1" dirty="0"/>
           </a:p>
         </p:txBody>
       </p:sp>
@@ -24554,7 +23607,6 @@
             </a:solidFill>
           </a:ln>
           <a:effectLst/>
-          <a:extLst/>
         </p:spPr>
         <p:txBody>
           <a:bodyPr rot="0" spcFirstLastPara="0" vertOverflow="overflow" horzOverflow="overflow" vert="horz" wrap="none" lIns="72000" tIns="72000" rIns="72000" bIns="72000" numCol="1" spcCol="0" rtlCol="0" fromWordArt="0" anchor="ctr" anchorCtr="0" forceAA="0" compatLnSpc="1">
@@ -24566,7 +23618,7 @@
           <a:lstStyle/>
           <a:p>
             <a:pPr algn="ctr"/>
-            <a:endParaRPr kumimoji="1" lang="ja-JP" altLang="en-US" b="1" dirty="0" smtClean="0">
+            <a:endParaRPr kumimoji="1" lang="ja-JP" altLang="en-US" b="1" dirty="0">
               <a:latin typeface="+mn-ea"/>
             </a:endParaRPr>
           </a:p>
@@ -24593,7 +23645,6 @@
             <a:noFill/>
           </a:ln>
           <a:effectLst/>
-          <a:extLst/>
         </p:spPr>
         <p:txBody>
           <a:bodyPr rot="0" spcFirstLastPara="0" vertOverflow="overflow" horzOverflow="overflow" vert="horz" wrap="none" lIns="72000" tIns="72000" rIns="72000" bIns="72000" numCol="1" spcCol="0" rtlCol="0" fromWordArt="0" anchor="ctr" anchorCtr="0" forceAA="0" compatLnSpc="1">
@@ -24606,18 +23657,18 @@
           <a:p>
             <a:pPr algn="ctr"/>
             <a:r>
-              <a:rPr lang="ja-JP" altLang="en-US" b="1" dirty="0" smtClean="0">
+              <a:rPr lang="ja-JP" altLang="en-US" b="1" dirty="0">
                 <a:latin typeface="+mn-ea"/>
               </a:rPr>
               <a:t>ジョブフロー</a:t>
             </a:r>
             <a:r>
-              <a:rPr lang="en-US" altLang="ja-JP" b="1" dirty="0" smtClean="0">
+              <a:rPr lang="en-US" altLang="ja-JP" b="1" dirty="0">
                 <a:latin typeface="+mn-ea"/>
               </a:rPr>
               <a:t> A</a:t>
             </a:r>
-            <a:endParaRPr kumimoji="1" lang="ja-JP" altLang="en-US" b="1" dirty="0" smtClean="0">
+            <a:endParaRPr kumimoji="1" lang="ja-JP" altLang="en-US" b="1" dirty="0">
               <a:latin typeface="+mn-ea"/>
             </a:endParaRPr>
           </a:p>
@@ -24648,7 +23699,6 @@
             <a:noFill/>
           </a:ln>
           <a:effectLst/>
-          <a:extLst/>
         </p:spPr>
         <p:txBody>
           <a:bodyPr rot="0" spcFirstLastPara="0" vertOverflow="overflow" horzOverflow="overflow" vert="horz" wrap="none" lIns="72000" tIns="72000" rIns="72000" bIns="72000" numCol="1" spcCol="0" rtlCol="0" fromWordArt="0" anchor="ctr" anchorCtr="0" forceAA="0" compatLnSpc="1">
@@ -24661,7 +23711,7 @@
           <a:p>
             <a:pPr algn="ctr"/>
             <a:r>
-              <a:rPr kumimoji="1" lang="en-US" altLang="ja-JP" b="1" dirty="0" smtClean="0">
+              <a:rPr kumimoji="1" lang="en-US" altLang="ja-JP" b="1" dirty="0">
                 <a:solidFill>
                   <a:schemeClr val="bg1"/>
                 </a:solidFill>
@@ -24669,7 +23719,7 @@
               </a:rPr>
               <a:t>Movement A</a:t>
             </a:r>
-            <a:endParaRPr kumimoji="1" lang="ja-JP" altLang="en-US" b="1" dirty="0" smtClean="0">
+            <a:endParaRPr kumimoji="1" lang="ja-JP" altLang="en-US" b="1" dirty="0">
               <a:solidFill>
                 <a:schemeClr val="bg1"/>
               </a:solidFill>
@@ -24703,7 +23753,6 @@
             <a:noFill/>
           </a:ln>
           <a:effectLst/>
-          <a:extLst/>
         </p:spPr>
         <p:txBody>
           <a:bodyPr rot="0" spcFirstLastPara="0" vertOverflow="overflow" horzOverflow="overflow" vert="horz" wrap="none" lIns="72000" tIns="72000" rIns="72000" bIns="72000" numCol="1" spcCol="0" rtlCol="0" fromWordArt="0" anchor="ctr" anchorCtr="0" forceAA="0" compatLnSpc="1">
@@ -24716,7 +23765,7 @@
           <a:p>
             <a:pPr algn="ctr"/>
             <a:r>
-              <a:rPr kumimoji="1" lang="en-US" altLang="ja-JP" b="1" dirty="0" smtClean="0">
+              <a:rPr kumimoji="1" lang="en-US" altLang="ja-JP" b="1" dirty="0">
                 <a:solidFill>
                   <a:schemeClr val="bg1"/>
                 </a:solidFill>
@@ -24724,7 +23773,7 @@
               </a:rPr>
               <a:t>Movement B</a:t>
             </a:r>
-            <a:endParaRPr kumimoji="1" lang="ja-JP" altLang="en-US" b="1" dirty="0" smtClean="0">
+            <a:endParaRPr kumimoji="1" lang="ja-JP" altLang="en-US" b="1" dirty="0">
               <a:solidFill>
                 <a:schemeClr val="bg1"/>
               </a:solidFill>
@@ -24758,7 +23807,6 @@
             <a:noFill/>
           </a:ln>
           <a:effectLst/>
-          <a:extLst/>
         </p:spPr>
         <p:txBody>
           <a:bodyPr rot="0" spcFirstLastPara="0" vertOverflow="overflow" horzOverflow="overflow" vert="horz" wrap="none" lIns="72000" tIns="72000" rIns="72000" bIns="72000" numCol="1" spcCol="0" rtlCol="0" fromWordArt="0" anchor="ctr" anchorCtr="0" forceAA="0" compatLnSpc="1">
@@ -24771,7 +23819,7 @@
           <a:p>
             <a:pPr algn="ctr"/>
             <a:r>
-              <a:rPr kumimoji="1" lang="en-US" altLang="ja-JP" b="1" dirty="0" smtClean="0">
+              <a:rPr kumimoji="1" lang="en-US" altLang="ja-JP" b="1" dirty="0">
                 <a:solidFill>
                   <a:schemeClr val="bg1"/>
                 </a:solidFill>
@@ -24779,7 +23827,7 @@
               </a:rPr>
               <a:t>Movement C</a:t>
             </a:r>
-            <a:endParaRPr kumimoji="1" lang="ja-JP" altLang="en-US" b="1" dirty="0" smtClean="0">
+            <a:endParaRPr kumimoji="1" lang="ja-JP" altLang="en-US" b="1" dirty="0">
               <a:solidFill>
                 <a:schemeClr val="bg1"/>
               </a:solidFill>
@@ -24815,7 +23863,6 @@
             <a:noFill/>
           </a:ln>
           <a:effectLst/>
-          <a:extLst/>
         </p:spPr>
         <p:txBody>
           <a:bodyPr rot="0" spcFirstLastPara="0" vertOverflow="overflow" horzOverflow="overflow" vert="horz" wrap="none" lIns="72000" tIns="72000" rIns="72000" bIns="72000" numCol="1" spcCol="0" rtlCol="0" fromWordArt="0" anchor="ctr" anchorCtr="0" forceAA="0" compatLnSpc="1">
@@ -24827,7 +23874,7 @@
           <a:lstStyle/>
           <a:p>
             <a:pPr algn="ctr"/>
-            <a:endParaRPr kumimoji="1" lang="ja-JP" altLang="en-US" b="1" dirty="0" smtClean="0">
+            <a:endParaRPr kumimoji="1" lang="ja-JP" altLang="en-US" b="1" dirty="0">
               <a:latin typeface="+mn-ea"/>
             </a:endParaRPr>
           </a:p>
@@ -24860,7 +23907,6 @@
             <a:noFill/>
           </a:ln>
           <a:effectLst/>
-          <a:extLst/>
         </p:spPr>
         <p:txBody>
           <a:bodyPr rot="0" spcFirstLastPara="0" vertOverflow="overflow" horzOverflow="overflow" vert="horz" wrap="none" lIns="72000" tIns="72000" rIns="72000" bIns="72000" numCol="1" spcCol="0" rtlCol="0" fromWordArt="0" anchor="ctr" anchorCtr="0" forceAA="0" compatLnSpc="1">
@@ -24872,7 +23918,7 @@
           <a:lstStyle/>
           <a:p>
             <a:pPr algn="ctr"/>
-            <a:endParaRPr kumimoji="1" lang="ja-JP" altLang="en-US" b="1" dirty="0" smtClean="0">
+            <a:endParaRPr kumimoji="1" lang="ja-JP" altLang="en-US" b="1" dirty="0">
               <a:latin typeface="+mn-ea"/>
             </a:endParaRPr>
           </a:p>
@@ -25135,7 +24181,6 @@
             <a:noFill/>
           </a:ln>
           <a:effectLst/>
-          <a:extLst/>
         </p:spPr>
         <p:txBody>
           <a:bodyPr rot="0" spcFirstLastPara="0" vertOverflow="overflow" horzOverflow="overflow" vert="horz" wrap="none" lIns="72000" tIns="72000" rIns="72000" bIns="72000" numCol="1" spcCol="0" rtlCol="0" fromWordArt="0" anchor="ctr" anchorCtr="0" forceAA="0" compatLnSpc="1">
@@ -25147,7 +24192,7 @@
           <a:lstStyle/>
           <a:p>
             <a:pPr algn="ctr"/>
-            <a:endParaRPr kumimoji="1" lang="ja-JP" altLang="en-US" b="1" dirty="0" smtClean="0">
+            <a:endParaRPr kumimoji="1" lang="ja-JP" altLang="en-US" b="1" dirty="0">
               <a:latin typeface="+mn-ea"/>
             </a:endParaRPr>
           </a:p>
@@ -25176,7 +24221,6 @@
             <a:noFill/>
           </a:ln>
           <a:effectLst/>
-          <a:extLst/>
         </p:spPr>
         <p:txBody>
           <a:bodyPr rot="0" spcFirstLastPara="0" vertOverflow="overflow" horzOverflow="overflow" vert="horz" wrap="none" lIns="72000" tIns="72000" rIns="72000" bIns="72000" numCol="1" spcCol="0" rtlCol="0" fromWordArt="0" anchor="ctr" anchorCtr="0" forceAA="0" compatLnSpc="1">
@@ -25189,7 +24233,7 @@
           <a:p>
             <a:pPr algn="ctr"/>
             <a:r>
-              <a:rPr kumimoji="1" lang="ja-JP" altLang="en-US" b="1" dirty="0" smtClean="0">
+              <a:rPr kumimoji="1" lang="ja-JP" altLang="en-US" b="1" dirty="0">
                 <a:solidFill>
                   <a:schemeClr val="bg1"/>
                 </a:solidFill>
@@ -25197,17 +24241,8 @@
               </a:rPr>
               <a:t>呼び出し</a:t>
             </a:r>
-            <a:r>
-              <a:rPr kumimoji="1" lang="en-US" altLang="ja-JP" b="1" dirty="0" smtClean="0">
-                <a:solidFill>
-                  <a:schemeClr val="bg1"/>
-                </a:solidFill>
-                <a:latin typeface="+mn-ea"/>
-              </a:rPr>
-              <a:t/>
-            </a:r>
             <a:br>
-              <a:rPr kumimoji="1" lang="en-US" altLang="ja-JP" b="1" dirty="0" smtClean="0">
+              <a:rPr kumimoji="1" lang="en-US" altLang="ja-JP" b="1" dirty="0">
                 <a:solidFill>
                   <a:schemeClr val="bg1"/>
                 </a:solidFill>
@@ -25215,7 +24250,7 @@
               </a:rPr>
             </a:br>
             <a:r>
-              <a:rPr kumimoji="1" lang="en-US" altLang="ja-JP" b="1" dirty="0" smtClean="0">
+              <a:rPr kumimoji="1" lang="en-US" altLang="ja-JP" b="1" dirty="0">
                 <a:solidFill>
                   <a:schemeClr val="bg1"/>
                 </a:solidFill>
@@ -25223,7 +24258,7 @@
               </a:rPr>
               <a:t>A</a:t>
             </a:r>
-            <a:endParaRPr kumimoji="1" lang="ja-JP" altLang="en-US" b="1" dirty="0" smtClean="0">
+            <a:endParaRPr kumimoji="1" lang="ja-JP" altLang="en-US" b="1" dirty="0">
               <a:solidFill>
                 <a:schemeClr val="bg1"/>
               </a:solidFill>
@@ -25256,7 +24291,6 @@
             <a:noFill/>
           </a:ln>
           <a:effectLst/>
-          <a:extLst/>
         </p:spPr>
         <p:txBody>
           <a:bodyPr rot="0" spcFirstLastPara="0" vertOverflow="overflow" horzOverflow="overflow" vert="horz" wrap="none" lIns="72000" tIns="72000" rIns="72000" bIns="72000" numCol="1" spcCol="0" rtlCol="0" fromWordArt="0" anchor="ctr" anchorCtr="0" forceAA="0" compatLnSpc="1">
@@ -25269,7 +24303,7 @@
           <a:p>
             <a:pPr algn="ctr"/>
             <a:r>
-              <a:rPr kumimoji="1" lang="ja-JP" altLang="en-US" b="1" dirty="0" smtClean="0">
+              <a:rPr kumimoji="1" lang="ja-JP" altLang="en-US" b="1" dirty="0">
                 <a:solidFill>
                   <a:schemeClr val="bg1"/>
                 </a:solidFill>
@@ -25277,17 +24311,8 @@
               </a:rPr>
               <a:t>呼び出し</a:t>
             </a:r>
-            <a:r>
-              <a:rPr kumimoji="1" lang="en-US" altLang="ja-JP" b="1" dirty="0" smtClean="0">
-                <a:solidFill>
-                  <a:schemeClr val="bg1"/>
-                </a:solidFill>
-                <a:latin typeface="+mn-ea"/>
-              </a:rPr>
-              <a:t/>
-            </a:r>
             <a:br>
-              <a:rPr kumimoji="1" lang="en-US" altLang="ja-JP" b="1" dirty="0" smtClean="0">
+              <a:rPr kumimoji="1" lang="en-US" altLang="ja-JP" b="1" dirty="0">
                 <a:solidFill>
                   <a:schemeClr val="bg1"/>
                 </a:solidFill>
@@ -25295,7 +24320,7 @@
               </a:rPr>
             </a:br>
             <a:r>
-              <a:rPr kumimoji="1" lang="en-US" altLang="ja-JP" b="1" dirty="0" smtClean="0">
+              <a:rPr kumimoji="1" lang="en-US" altLang="ja-JP" b="1" dirty="0">
                 <a:solidFill>
                   <a:schemeClr val="bg1"/>
                 </a:solidFill>
@@ -25303,7 +24328,7 @@
               </a:rPr>
               <a:t>A</a:t>
             </a:r>
-            <a:endParaRPr kumimoji="1" lang="ja-JP" altLang="en-US" b="1" dirty="0" smtClean="0">
+            <a:endParaRPr kumimoji="1" lang="ja-JP" altLang="en-US" b="1" dirty="0">
               <a:solidFill>
                 <a:schemeClr val="bg1"/>
               </a:solidFill>
@@ -25339,7 +24364,6 @@
             <a:noFill/>
           </a:ln>
           <a:effectLst/>
-          <a:extLst/>
         </p:spPr>
         <p:txBody>
           <a:bodyPr rot="0" spcFirstLastPara="0" vertOverflow="overflow" horzOverflow="overflow" vert="horz" wrap="none" lIns="72000" tIns="72000" rIns="72000" bIns="72000" numCol="1" spcCol="0" rtlCol="0" fromWordArt="0" anchor="ctr" anchorCtr="0" forceAA="0" compatLnSpc="1">
@@ -25351,7 +24375,7 @@
           <a:lstStyle/>
           <a:p>
             <a:pPr algn="ctr"/>
-            <a:endParaRPr kumimoji="1" lang="ja-JP" altLang="en-US" b="1" dirty="0" smtClean="0">
+            <a:endParaRPr kumimoji="1" lang="ja-JP" altLang="en-US" b="1" dirty="0">
               <a:latin typeface="+mn-ea"/>
             </a:endParaRPr>
           </a:p>
@@ -25383,7 +24407,6 @@
             <a:noFill/>
           </a:ln>
           <a:effectLst/>
-          <a:extLst/>
         </p:spPr>
         <p:txBody>
           <a:bodyPr rot="0" spcFirstLastPara="0" vertOverflow="overflow" horzOverflow="overflow" vert="horz" wrap="none" lIns="72000" tIns="72000" rIns="72000" bIns="72000" numCol="1" spcCol="0" rtlCol="0" fromWordArt="0" anchor="ctr" anchorCtr="0" forceAA="0" compatLnSpc="1">
@@ -25396,7 +24419,7 @@
           <a:p>
             <a:pPr algn="ctr"/>
             <a:r>
-              <a:rPr kumimoji="1" lang="en-US" altLang="ja-JP" b="1" dirty="0" smtClean="0">
+              <a:rPr kumimoji="1" lang="en-US" altLang="ja-JP" b="1" dirty="0">
                 <a:solidFill>
                   <a:schemeClr val="bg1"/>
                 </a:solidFill>
@@ -25404,7 +24427,7 @@
               </a:rPr>
               <a:t>Movement E</a:t>
             </a:r>
-            <a:endParaRPr kumimoji="1" lang="ja-JP" altLang="en-US" b="1" dirty="0" smtClean="0">
+            <a:endParaRPr kumimoji="1" lang="ja-JP" altLang="en-US" b="1" dirty="0">
               <a:solidFill>
                 <a:schemeClr val="bg1"/>
               </a:solidFill>
@@ -25439,7 +24462,6 @@
             <a:noFill/>
           </a:ln>
           <a:effectLst/>
-          <a:extLst/>
         </p:spPr>
         <p:txBody>
           <a:bodyPr rot="0" spcFirstLastPara="0" vertOverflow="overflow" horzOverflow="overflow" vert="horz" wrap="none" lIns="72000" tIns="72000" rIns="72000" bIns="72000" numCol="1" spcCol="0" rtlCol="0" fromWordArt="0" anchor="ctr" anchorCtr="0" forceAA="0" compatLnSpc="1">
@@ -25452,7 +24474,7 @@
           <a:p>
             <a:pPr algn="ctr"/>
             <a:r>
-              <a:rPr kumimoji="1" lang="en-US" altLang="ja-JP" b="1" dirty="0" smtClean="0">
+              <a:rPr kumimoji="1" lang="en-US" altLang="ja-JP" b="1" dirty="0">
                 <a:solidFill>
                   <a:schemeClr val="bg1"/>
                 </a:solidFill>
@@ -25460,7 +24482,7 @@
               </a:rPr>
               <a:t>Movement F</a:t>
             </a:r>
-            <a:endParaRPr kumimoji="1" lang="ja-JP" altLang="en-US" b="1" dirty="0" smtClean="0">
+            <a:endParaRPr kumimoji="1" lang="ja-JP" altLang="en-US" b="1" dirty="0">
               <a:solidFill>
                 <a:schemeClr val="bg1"/>
               </a:solidFill>
@@ -25496,7 +24518,6 @@
             <a:noFill/>
           </a:ln>
           <a:effectLst/>
-          <a:extLst/>
         </p:spPr>
         <p:txBody>
           <a:bodyPr rot="0" spcFirstLastPara="0" vertOverflow="overflow" horzOverflow="overflow" vert="horz" wrap="none" lIns="72000" tIns="72000" rIns="72000" bIns="72000" numCol="1" spcCol="0" rtlCol="0" fromWordArt="0" anchor="ctr" anchorCtr="0" forceAA="0" compatLnSpc="1">
@@ -25508,7 +24529,7 @@
           <a:lstStyle/>
           <a:p>
             <a:pPr algn="ctr"/>
-            <a:endParaRPr kumimoji="1" lang="ja-JP" altLang="en-US" b="1" dirty="0" smtClean="0">
+            <a:endParaRPr kumimoji="1" lang="ja-JP" altLang="en-US" b="1" dirty="0">
               <a:latin typeface="+mn-ea"/>
             </a:endParaRPr>
           </a:p>
@@ -25541,7 +24562,6 @@
             <a:noFill/>
           </a:ln>
           <a:effectLst/>
-          <a:extLst/>
         </p:spPr>
         <p:txBody>
           <a:bodyPr rot="0" spcFirstLastPara="0" vertOverflow="overflow" horzOverflow="overflow" vert="horz" wrap="none" lIns="72000" tIns="72000" rIns="72000" bIns="72000" numCol="1" spcCol="0" rtlCol="0" fromWordArt="0" anchor="ctr" anchorCtr="0" forceAA="0" compatLnSpc="1">
@@ -25553,7 +24573,7 @@
           <a:lstStyle/>
           <a:p>
             <a:pPr algn="ctr"/>
-            <a:endParaRPr kumimoji="1" lang="ja-JP" altLang="en-US" b="1" dirty="0" smtClean="0">
+            <a:endParaRPr kumimoji="1" lang="ja-JP" altLang="en-US" b="1" dirty="0">
               <a:latin typeface="+mn-ea"/>
             </a:endParaRPr>
           </a:p>
@@ -25678,7 +24698,6 @@
             <a:noFill/>
           </a:ln>
           <a:effectLst/>
-          <a:extLst/>
         </p:spPr>
         <p:txBody>
           <a:bodyPr rot="0" spcFirstLastPara="0" vertOverflow="overflow" horzOverflow="overflow" vert="horz" wrap="none" lIns="72000" tIns="72000" rIns="72000" bIns="72000" numCol="1" spcCol="0" rtlCol="0" fromWordArt="0" anchor="ctr" anchorCtr="0" forceAA="0" compatLnSpc="1">
@@ -25691,7 +24710,7 @@
           <a:p>
             <a:pPr algn="ctr"/>
             <a:r>
-              <a:rPr kumimoji="1" lang="en-US" altLang="ja-JP" b="1" dirty="0" smtClean="0">
+              <a:rPr kumimoji="1" lang="en-US" altLang="ja-JP" b="1" dirty="0">
                 <a:solidFill>
                   <a:schemeClr val="bg1"/>
                 </a:solidFill>
@@ -25699,7 +24718,7 @@
               </a:rPr>
               <a:t>Movement D</a:t>
             </a:r>
-            <a:endParaRPr kumimoji="1" lang="ja-JP" altLang="en-US" b="1" dirty="0" smtClean="0">
+            <a:endParaRPr kumimoji="1" lang="ja-JP" altLang="en-US" b="1" dirty="0">
               <a:solidFill>
                 <a:schemeClr val="bg1"/>
               </a:solidFill>
@@ -25729,7 +24748,6 @@
             </a:solidFill>
           </a:ln>
           <a:effectLst/>
-          <a:extLst/>
         </p:spPr>
         <p:txBody>
           <a:bodyPr rot="0" spcFirstLastPara="0" vertOverflow="overflow" horzOverflow="overflow" vert="horz" wrap="none" lIns="72000" tIns="72000" rIns="72000" bIns="72000" numCol="1" spcCol="0" rtlCol="0" fromWordArt="0" anchor="ctr" anchorCtr="0" forceAA="0" compatLnSpc="1">
@@ -25741,7 +24759,7 @@
           <a:lstStyle/>
           <a:p>
             <a:pPr algn="ctr"/>
-            <a:endParaRPr kumimoji="1" lang="ja-JP" altLang="en-US" b="1" dirty="0" smtClean="0">
+            <a:endParaRPr kumimoji="1" lang="ja-JP" altLang="en-US" b="1" dirty="0">
               <a:latin typeface="+mn-ea"/>
             </a:endParaRPr>
           </a:p>
@@ -25768,7 +24786,6 @@
             <a:noFill/>
           </a:ln>
           <a:effectLst/>
-          <a:extLst/>
         </p:spPr>
         <p:txBody>
           <a:bodyPr rot="0" spcFirstLastPara="0" vertOverflow="overflow" horzOverflow="overflow" vert="horz" wrap="none" lIns="72000" tIns="72000" rIns="72000" bIns="72000" numCol="1" spcCol="0" rtlCol="0" fromWordArt="0" anchor="ctr" anchorCtr="0" forceAA="0" compatLnSpc="1">
@@ -25781,18 +24798,18 @@
           <a:p>
             <a:pPr algn="ctr"/>
             <a:r>
-              <a:rPr lang="ja-JP" altLang="en-US" b="1" dirty="0" smtClean="0">
+              <a:rPr lang="ja-JP" altLang="en-US" b="1" dirty="0">
                 <a:latin typeface="+mn-ea"/>
               </a:rPr>
               <a:t>ジョブフロー</a:t>
             </a:r>
             <a:r>
-              <a:rPr lang="en-US" altLang="ja-JP" b="1" dirty="0" smtClean="0">
+              <a:rPr lang="en-US" altLang="ja-JP" b="1" dirty="0">
                 <a:latin typeface="+mn-ea"/>
               </a:rPr>
               <a:t> B</a:t>
             </a:r>
-            <a:endParaRPr kumimoji="1" lang="ja-JP" altLang="en-US" b="1" dirty="0" smtClean="0">
+            <a:endParaRPr kumimoji="1" lang="ja-JP" altLang="en-US" b="1" dirty="0">
               <a:latin typeface="+mn-ea"/>
             </a:endParaRPr>
           </a:p>
@@ -25817,7 +24834,6 @@
             <a:noFill/>
           </a:ln>
           <a:effectLst/>
-          <a:extLst/>
         </p:spPr>
         <p:txBody>
           <a:bodyPr rot="0" spcFirstLastPara="0" vertOverflow="overflow" horzOverflow="overflow" vert="horz" wrap="none" lIns="72000" tIns="72000" rIns="72000" bIns="72000" numCol="1" spcCol="0" rtlCol="0" fromWordArt="0" anchor="ctr" anchorCtr="0" forceAA="0" compatLnSpc="1">
@@ -25830,12 +24846,12 @@
           <a:p>
             <a:pPr algn="ctr"/>
             <a:r>
-              <a:rPr kumimoji="1" lang="ja-JP" altLang="en-US" sz="1200" b="1" dirty="0" smtClean="0">
+              <a:rPr kumimoji="1" lang="ja-JP" altLang="en-US" sz="1200" b="1" dirty="0">
                 <a:latin typeface="+mn-ea"/>
               </a:rPr>
               <a:t>エラー</a:t>
             </a:r>
-            <a:endParaRPr kumimoji="1" lang="en-US" altLang="ja-JP" sz="1200" b="1" dirty="0" smtClean="0">
+            <a:endParaRPr kumimoji="1" lang="en-US" altLang="ja-JP" sz="1200" b="1" dirty="0">
               <a:latin typeface="+mn-ea"/>
             </a:endParaRPr>
           </a:p>
@@ -25868,7 +24884,6 @@
             <a:noFill/>
           </a:ln>
           <a:effectLst/>
-          <a:extLst/>
         </p:spPr>
         <p:txBody>
           <a:bodyPr rot="0" spcFirstLastPara="0" vertOverflow="overflow" horzOverflow="overflow" vert="horz" wrap="none" lIns="72000" tIns="72000" rIns="72000" bIns="72000" numCol="1" spcCol="0" rtlCol="0" fromWordArt="0" anchor="ctr" anchorCtr="0" forceAA="0" compatLnSpc="1">
@@ -25880,7 +24895,7 @@
           <a:lstStyle/>
           <a:p>
             <a:pPr algn="ctr"/>
-            <a:endParaRPr kumimoji="1" lang="ja-JP" altLang="en-US" b="1" dirty="0" smtClean="0">
+            <a:endParaRPr kumimoji="1" lang="ja-JP" altLang="en-US" b="1" dirty="0">
               <a:latin typeface="+mn-ea"/>
             </a:endParaRPr>
           </a:p>
@@ -25911,7 +24926,6 @@
             <a:noFill/>
           </a:ln>
           <a:effectLst/>
-          <a:extLst/>
         </p:spPr>
         <p:txBody>
           <a:bodyPr rot="0" spcFirstLastPara="0" vertOverflow="overflow" horzOverflow="overflow" vert="horz" wrap="none" lIns="72000" tIns="72000" rIns="72000" bIns="72000" numCol="1" spcCol="0" rtlCol="0" fromWordArt="0" anchor="ctr" anchorCtr="0" forceAA="0" compatLnSpc="1">
@@ -25924,7 +24938,7 @@
           <a:p>
             <a:pPr algn="ctr"/>
             <a:r>
-              <a:rPr kumimoji="1" lang="en-US" altLang="ja-JP" b="1" dirty="0" smtClean="0">
+              <a:rPr kumimoji="1" lang="en-US" altLang="ja-JP" b="1" dirty="0">
                 <a:solidFill>
                   <a:schemeClr val="bg1"/>
                 </a:solidFill>
@@ -25932,7 +24946,7 @@
               </a:rPr>
               <a:t>Movement G</a:t>
             </a:r>
-            <a:endParaRPr kumimoji="1" lang="ja-JP" altLang="en-US" b="1" dirty="0" smtClean="0">
+            <a:endParaRPr kumimoji="1" lang="ja-JP" altLang="en-US" b="1" dirty="0">
               <a:solidFill>
                 <a:schemeClr val="bg1"/>
               </a:solidFill>
@@ -25951,13 +24965,6 @@
   <p:clrMapOvr>
     <a:masterClrMapping/>
   </p:clrMapOvr>
-  <p:timing>
-    <p:tnLst>
-      <p:par>
-        <p:cTn id="1" dur="indefinite" restart="never" nodeType="tmRoot"/>
-      </p:par>
-    </p:tnLst>
-  </p:timing>
 </p:sld>
 </file>
 
@@ -26028,11 +25035,11 @@
               <a:t>　</a:t>
             </a:r>
             <a:r>
-              <a:rPr kumimoji="1" lang="en-US" altLang="ja-JP" dirty="0" smtClean="0"/>
+              <a:rPr kumimoji="1" lang="en-US" altLang="ja-JP" dirty="0"/>
               <a:t>Conductor</a:t>
             </a:r>
             <a:r>
-              <a:rPr kumimoji="1" lang="ja-JP" altLang="en-US" dirty="0" smtClean="0"/>
+              <a:rPr kumimoji="1" lang="ja-JP" altLang="en-US" dirty="0"/>
               <a:t>メニュー</a:t>
             </a:r>
             <a:r>
@@ -26040,7 +25047,7 @@
               <a:t>の</a:t>
             </a:r>
             <a:r>
-              <a:rPr kumimoji="1" lang="ja-JP" altLang="en-US" dirty="0" smtClean="0"/>
+              <a:rPr kumimoji="1" lang="ja-JP" altLang="en-US" dirty="0"/>
               <a:t>機能説明</a:t>
             </a:r>
             <a:r>
@@ -26052,11 +25059,11 @@
               <a:t>（</a:t>
             </a:r>
             <a:r>
-              <a:rPr lang="en-US" altLang="ja-JP" smtClean="0"/>
+              <a:rPr lang="en-US" altLang="ja-JP"/>
               <a:t>1/14</a:t>
             </a:r>
             <a:r>
-              <a:rPr lang="ja-JP" altLang="en-US" smtClean="0"/>
+              <a:rPr lang="ja-JP" altLang="en-US"/>
               <a:t>）</a:t>
             </a:r>
             <a:endParaRPr kumimoji="1" lang="ja-JP" altLang="en-US" dirty="0"/>
@@ -26084,7 +25091,6 @@
             </a:solidFill>
           </a:ln>
           <a:effectLst/>
-          <a:extLst/>
         </p:spPr>
         <p:txBody>
           <a:bodyPr rot="0" spcFirstLastPara="0" vertOverflow="overflow" horzOverflow="overflow" vert="horz" wrap="none" lIns="72000" tIns="72000" rIns="72000" bIns="72000" numCol="1" spcCol="0" rtlCol="0" fromWordArt="0" anchor="ctr" anchorCtr="0" forceAA="0" compatLnSpc="1">
@@ -26096,7 +25102,7 @@
           <a:lstStyle/>
           <a:p>
             <a:pPr algn="ctr"/>
-            <a:endParaRPr kumimoji="1" lang="ja-JP" altLang="en-US" b="1" dirty="0" smtClean="0">
+            <a:endParaRPr kumimoji="1" lang="ja-JP" altLang="en-US" b="1" dirty="0">
               <a:latin typeface="+mn-ea"/>
             </a:endParaRPr>
           </a:p>
@@ -26123,7 +25129,6 @@
             </a:solidFill>
           </a:ln>
           <a:effectLst/>
-          <a:extLst/>
         </p:spPr>
         <p:txBody>
           <a:bodyPr rot="0" spcFirstLastPara="0" vertOverflow="overflow" horzOverflow="overflow" vert="horz" wrap="none" lIns="72000" tIns="72000" rIns="72000" bIns="72000" numCol="1" spcCol="0" rtlCol="0" fromWordArt="0" anchor="ctr" anchorCtr="0" forceAA="0" compatLnSpc="1">
@@ -26135,7 +25140,7 @@
           <a:lstStyle/>
           <a:p>
             <a:pPr algn="ctr"/>
-            <a:endParaRPr kumimoji="1" lang="ja-JP" altLang="en-US" b="1" dirty="0" smtClean="0">
+            <a:endParaRPr kumimoji="1" lang="ja-JP" altLang="en-US" b="1" dirty="0">
               <a:latin typeface="+mn-ea"/>
             </a:endParaRPr>
           </a:p>
@@ -26162,7 +25167,6 @@
             </a:solidFill>
           </a:ln>
           <a:effectLst/>
-          <a:extLst/>
         </p:spPr>
         <p:txBody>
           <a:bodyPr rot="0" spcFirstLastPara="0" vertOverflow="overflow" horzOverflow="overflow" vert="horz" wrap="none" lIns="72000" tIns="72000" rIns="72000" bIns="72000" numCol="1" spcCol="0" rtlCol="0" fromWordArt="0" anchor="ctr" anchorCtr="0" forceAA="0" compatLnSpc="1">
@@ -26174,7 +25178,7 @@
           <a:lstStyle/>
           <a:p>
             <a:pPr algn="ctr"/>
-            <a:endParaRPr kumimoji="1" lang="ja-JP" altLang="en-US" b="1" dirty="0" smtClean="0">
+            <a:endParaRPr kumimoji="1" lang="ja-JP" altLang="en-US" b="1" dirty="0">
               <a:latin typeface="+mn-ea"/>
             </a:endParaRPr>
           </a:p>
@@ -26202,18 +25206,13 @@
           <a:lstStyle/>
           <a:p>
             <a:r>
-              <a:rPr lang="ja-JP" altLang="en-US" b="1" dirty="0" smtClean="0">
+              <a:rPr lang="ja-JP" altLang="en-US" b="1" dirty="0">
                 <a:solidFill>
                   <a:srgbClr val="FF0000"/>
                 </a:solidFill>
               </a:rPr>
               <a:t>①</a:t>
             </a:r>
-            <a:endParaRPr lang="ja-JP" altLang="en-US" b="1" dirty="0">
-              <a:solidFill>
-                <a:srgbClr val="FF0000"/>
-              </a:solidFill>
-            </a:endParaRPr>
           </a:p>
         </p:txBody>
       </p:sp>
@@ -26303,195 +25302,147 @@
           <a:lstStyle/>
           <a:p>
             <a:r>
-              <a:rPr lang="ja-JP" altLang="en-US" b="1" dirty="0" smtClean="0"/>
+              <a:rPr lang="ja-JP" altLang="en-US" b="1" dirty="0"/>
               <a:t>①</a:t>
             </a:r>
             <a:r>
-              <a:rPr lang="en-US" altLang="ja-JP" b="1" dirty="0" smtClean="0"/>
+              <a:rPr lang="en-US" altLang="ja-JP" b="1" dirty="0"/>
               <a:t>Conductor</a:t>
             </a:r>
             <a:r>
-              <a:rPr lang="ja-JP" altLang="en-US" b="1" dirty="0" smtClean="0"/>
+              <a:rPr lang="ja-JP" altLang="en-US" b="1" dirty="0"/>
               <a:t>クラス編集</a:t>
-            </a:r>
-            <a:r>
-              <a:rPr lang="en-US" altLang="ja-JP" b="1" dirty="0"/>
-              <a:t/>
             </a:r>
             <a:br>
               <a:rPr lang="en-US" altLang="ja-JP" b="1" dirty="0"/>
             </a:br>
             <a:r>
-              <a:rPr lang="ja-JP" altLang="en-US" b="1" dirty="0" smtClean="0"/>
+              <a:rPr lang="ja-JP" altLang="en-US" b="1" dirty="0"/>
               <a:t>　</a:t>
             </a:r>
             <a:r>
-              <a:rPr lang="ja-JP" altLang="en-US" sz="1600" dirty="0" smtClean="0"/>
+              <a:rPr lang="ja-JP" altLang="en-US" sz="1600" dirty="0"/>
               <a:t>作成した</a:t>
             </a:r>
             <a:r>
-              <a:rPr lang="en-US" altLang="ja-JP" sz="1600" dirty="0" smtClean="0"/>
+              <a:rPr lang="en-US" altLang="ja-JP" sz="1600" dirty="0"/>
               <a:t>Movement</a:t>
             </a:r>
             <a:r>
-              <a:rPr lang="ja-JP" altLang="en-US" sz="1600" dirty="0" smtClean="0"/>
-              <a:t>を使用してオペレーションを作成します。</a:t>
-            </a:r>
-            <a:r>
-              <a:rPr lang="en-US" altLang="ja-JP" sz="1600" dirty="0" smtClean="0"/>
-              <a:t/>
+              <a:rPr lang="ja-JP" altLang="en-US" sz="1600" dirty="0"/>
+              <a:t>を使用してジョブフローを作成します。</a:t>
             </a:r>
             <a:br>
-              <a:rPr lang="en-US" altLang="ja-JP" sz="1600" dirty="0" smtClean="0"/>
+              <a:rPr lang="en-US" altLang="ja-JP" sz="1600" dirty="0"/>
             </a:br>
-            <a:endParaRPr lang="en-US" altLang="ja-JP" sz="1600" dirty="0" smtClean="0"/>
-          </a:p>
-          <a:p>
-            <a:r>
-              <a:rPr lang="ja-JP" altLang="en-US" b="1" dirty="0" smtClean="0"/>
+            <a:endParaRPr lang="en-US" altLang="ja-JP" sz="1600" dirty="0"/>
+          </a:p>
+          <a:p>
+            <a:r>
+              <a:rPr lang="ja-JP" altLang="en-US" b="1" dirty="0"/>
               <a:t>②</a:t>
             </a:r>
             <a:r>
-              <a:rPr lang="en-US" altLang="ja-JP" b="1" dirty="0" smtClean="0"/>
+              <a:rPr lang="en-US" altLang="ja-JP" b="1" dirty="0"/>
               <a:t>Conductor</a:t>
             </a:r>
             <a:r>
-              <a:rPr lang="ja-JP" altLang="en-US" b="1" dirty="0" smtClean="0"/>
+              <a:rPr lang="ja-JP" altLang="en-US" b="1" dirty="0"/>
               <a:t>作業実行</a:t>
             </a:r>
-            <a:endParaRPr lang="en-US" altLang="ja-JP" b="1" dirty="0" smtClean="0"/>
-          </a:p>
-          <a:p>
-            <a:r>
-              <a:rPr lang="ja-JP" altLang="en-US" sz="1600" dirty="0" smtClean="0"/>
-              <a:t>　オペレーションを実行します。</a:t>
-            </a:r>
-            <a:r>
-              <a:rPr lang="en-US" altLang="ja-JP" sz="1600" dirty="0" smtClean="0"/>
-              <a:t/>
+            <a:endParaRPr lang="en-US" altLang="ja-JP" b="1" dirty="0"/>
+          </a:p>
+          <a:p>
+            <a:r>
+              <a:rPr lang="ja-JP" altLang="en-US" sz="1600" dirty="0"/>
+              <a:t>　ジョブフローを実行します。</a:t>
             </a:r>
             <a:br>
-              <a:rPr lang="en-US" altLang="ja-JP" sz="1600" dirty="0" smtClean="0"/>
+              <a:rPr lang="en-US" altLang="ja-JP" sz="1600" dirty="0"/>
             </a:br>
-            <a:r>
-              <a:rPr lang="en-US" altLang="ja-JP" sz="1600" dirty="0" smtClean="0"/>
-              <a:t/>
-            </a:r>
             <a:br>
-              <a:rPr lang="en-US" altLang="ja-JP" sz="1600" dirty="0" smtClean="0"/>
+              <a:rPr lang="en-US" altLang="ja-JP" sz="1600" dirty="0"/>
             </a:br>
             <a:r>
-              <a:rPr lang="ja-JP" altLang="en-US" b="1" dirty="0" smtClean="0"/>
+              <a:rPr lang="ja-JP" altLang="en-US" b="1" dirty="0"/>
               <a:t>③</a:t>
             </a:r>
             <a:r>
-              <a:rPr lang="en-US" altLang="ja-JP" b="1" dirty="0" smtClean="0"/>
+              <a:rPr lang="en-US" altLang="ja-JP" b="1" dirty="0"/>
               <a:t>Conductor</a:t>
             </a:r>
             <a:r>
-              <a:rPr lang="ja-JP" altLang="en-US" b="1" dirty="0" smtClean="0"/>
+              <a:rPr lang="ja-JP" altLang="en-US" b="1" dirty="0"/>
               <a:t>作業確認</a:t>
             </a:r>
-            <a:r>
-              <a:rPr lang="en-US" altLang="ja-JP" sz="1600" dirty="0" smtClean="0"/>
-              <a:t/>
-            </a:r>
             <a:br>
-              <a:rPr lang="en-US" altLang="ja-JP" sz="1600" dirty="0" smtClean="0"/>
+              <a:rPr lang="en-US" altLang="ja-JP" sz="1600" dirty="0"/>
             </a:br>
             <a:r>
-              <a:rPr lang="ja-JP" altLang="en-US" sz="1600" dirty="0" smtClean="0"/>
-              <a:t>　作成したオペレーションの確認できます。</a:t>
-            </a:r>
-            <a:r>
-              <a:rPr lang="en-US" altLang="ja-JP" sz="1600" dirty="0" smtClean="0"/>
-              <a:t/>
+              <a:rPr lang="ja-JP" altLang="en-US" sz="1600" dirty="0"/>
+              <a:t>　作成したジョブフローの確認ができます。</a:t>
             </a:r>
             <a:br>
-              <a:rPr lang="en-US" altLang="ja-JP" sz="1600" dirty="0" smtClean="0"/>
+              <a:rPr lang="en-US" altLang="ja-JP" sz="1600" dirty="0"/>
             </a:br>
-            <a:r>
-              <a:rPr lang="en-US" altLang="ja-JP" sz="1600" dirty="0" smtClean="0"/>
-              <a:t/>
-            </a:r>
             <a:br>
-              <a:rPr lang="en-US" altLang="ja-JP" sz="1600" dirty="0" smtClean="0"/>
+              <a:rPr lang="en-US" altLang="ja-JP" sz="1600" dirty="0"/>
             </a:br>
             <a:r>
-              <a:rPr lang="ja-JP" altLang="en-US" b="1" dirty="0" smtClean="0"/>
+              <a:rPr lang="ja-JP" altLang="en-US" b="1" dirty="0"/>
               <a:t>④</a:t>
             </a:r>
             <a:r>
-              <a:rPr lang="en-US" altLang="ja-JP" b="1" dirty="0" smtClean="0"/>
+              <a:rPr lang="en-US" altLang="ja-JP" b="1" dirty="0"/>
               <a:t>Conductor</a:t>
             </a:r>
             <a:r>
-              <a:rPr lang="ja-JP" altLang="en-US" b="1" dirty="0" smtClean="0"/>
+              <a:rPr lang="ja-JP" altLang="en-US" b="1" dirty="0"/>
               <a:t>定期作業実行</a:t>
             </a:r>
-            <a:r>
-              <a:rPr lang="en-US" altLang="ja-JP" b="1" dirty="0" smtClean="0"/>
-              <a:t/>
-            </a:r>
             <a:br>
-              <a:rPr lang="en-US" altLang="ja-JP" b="1" dirty="0" smtClean="0"/>
+              <a:rPr lang="en-US" altLang="ja-JP" b="1" dirty="0"/>
             </a:br>
             <a:r>
-              <a:rPr lang="ja-JP" altLang="en-US" b="1" dirty="0" smtClean="0"/>
+              <a:rPr lang="ja-JP" altLang="en-US" b="1" dirty="0"/>
               <a:t>　</a:t>
             </a:r>
             <a:r>
-              <a:rPr lang="ja-JP" altLang="en-US" sz="1600" dirty="0" smtClean="0"/>
-              <a:t>オペレーションを登録し、定期実行を</a:t>
-            </a:r>
-            <a:r>
-              <a:rPr lang="ja-JP" altLang="en-US" sz="1600" smtClean="0"/>
-              <a:t>おこないます。</a:t>
-            </a:r>
-            <a:endParaRPr lang="en-US" altLang="ja-JP" sz="1600" smtClean="0"/>
-          </a:p>
-          <a:p>
-            <a:endParaRPr lang="en-US" altLang="ja-JP" sz="1600"/>
-          </a:p>
-          <a:p>
-            <a:r>
-              <a:rPr lang="ja-JP" altLang="en-US" b="1" smtClean="0"/>
+              <a:rPr lang="ja-JP" altLang="en-US" sz="1600" dirty="0"/>
+              <a:t>ジョブフローを登録し、定期実行をおこないます。</a:t>
+            </a:r>
+            <a:endParaRPr lang="en-US" altLang="ja-JP" sz="1600" dirty="0"/>
+          </a:p>
+          <a:p>
+            <a:endParaRPr lang="en-US" altLang="ja-JP" sz="1600" dirty="0"/>
+          </a:p>
+          <a:p>
+            <a:r>
+              <a:rPr lang="ja-JP" altLang="en-US" b="1" dirty="0"/>
               <a:t>⑤</a:t>
             </a:r>
             <a:r>
-              <a:rPr lang="en-US" altLang="ja-JP" b="1" smtClean="0"/>
+              <a:rPr lang="en-US" altLang="ja-JP" b="1" dirty="0"/>
               <a:t>Conductor</a:t>
             </a:r>
             <a:r>
-              <a:rPr lang="ja-JP" altLang="en-US" b="1" smtClean="0"/>
+              <a:rPr lang="ja-JP" altLang="en-US" b="1" dirty="0"/>
               <a:t>通知先定義</a:t>
             </a:r>
             <a:endParaRPr lang="en-US" altLang="ja-JP" sz="1600" dirty="0"/>
           </a:p>
           <a:p>
             <a:r>
-              <a:rPr lang="ja-JP" altLang="en-US" sz="1600" b="1" smtClean="0"/>
+              <a:rPr lang="ja-JP" altLang="en-US" sz="1600" b="1" dirty="0"/>
               <a:t>　</a:t>
             </a:r>
             <a:r>
-              <a:rPr lang="en-US" altLang="ja-JP" sz="1600" smtClean="0"/>
+              <a:rPr lang="en-US" altLang="ja-JP" sz="1600" dirty="0"/>
               <a:t>Conductor</a:t>
             </a:r>
             <a:r>
-              <a:rPr lang="ja-JP" altLang="en-US" sz="1600" smtClean="0"/>
-              <a:t>で</a:t>
-            </a:r>
-            <a:r>
-              <a:rPr lang="ja-JP" altLang="en-US" sz="1600"/>
-              <a:t>作業時に実行される通知に関する定義を設定</a:t>
-            </a:r>
-            <a:r>
-              <a:rPr lang="ja-JP" altLang="en-US" sz="1600" smtClean="0"/>
-              <a:t>します</a:t>
-            </a:r>
-            <a:r>
-              <a:rPr lang="ja-JP" altLang="en-US" sz="1600"/>
-              <a:t>。</a:t>
+              <a:rPr lang="ja-JP" altLang="en-US" sz="1600" dirty="0"/>
+              <a:t>で作業時に実行される通知に関する定義を設定します。</a:t>
             </a:r>
             <a:endParaRPr lang="en-US" altLang="ja-JP" sz="1600" b="1" dirty="0"/>
           </a:p>
@@ -26518,7 +25469,6 @@
             </a:solidFill>
           </a:ln>
           <a:effectLst/>
-          <a:extLst/>
         </p:spPr>
         <p:txBody>
           <a:bodyPr rot="0" spcFirstLastPara="0" vertOverflow="overflow" horzOverflow="overflow" vert="horz" wrap="none" lIns="72000" tIns="72000" rIns="72000" bIns="72000" numCol="1" spcCol="0" rtlCol="0" fromWordArt="0" anchor="ctr" anchorCtr="0" forceAA="0" compatLnSpc="1">
@@ -26530,7 +25480,7 @@
           <a:lstStyle/>
           <a:p>
             <a:pPr algn="ctr"/>
-            <a:endParaRPr kumimoji="1" lang="ja-JP" altLang="en-US" b="1" dirty="0" smtClean="0">
+            <a:endParaRPr kumimoji="1" lang="ja-JP" altLang="en-US" b="1" dirty="0">
               <a:latin typeface="+mn-ea"/>
             </a:endParaRPr>
           </a:p>
@@ -26558,18 +25508,13 @@
           <a:lstStyle/>
           <a:p>
             <a:r>
-              <a:rPr lang="ja-JP" altLang="en-US" b="1" dirty="0" smtClean="0">
+              <a:rPr lang="ja-JP" altLang="en-US" b="1" dirty="0">
                 <a:solidFill>
                   <a:srgbClr val="FF0000"/>
                 </a:solidFill>
               </a:rPr>
               <a:t>④</a:t>
             </a:r>
-            <a:endParaRPr lang="ja-JP" altLang="en-US" b="1" dirty="0">
-              <a:solidFill>
-                <a:srgbClr val="FF0000"/>
-              </a:solidFill>
-            </a:endParaRPr>
           </a:p>
         </p:txBody>
       </p:sp>
@@ -26766,18 +25711,14 @@
               <a:buChar char="l"/>
             </a:pPr>
             <a:r>
-              <a:rPr lang="en-US" altLang="ja-JP" kern="0" dirty="0" smtClean="0"/>
+              <a:rPr lang="en-US" altLang="ja-JP" kern="0" dirty="0"/>
               <a:t>Conductor</a:t>
             </a:r>
             <a:r>
-              <a:rPr lang="ja-JP" altLang="en-US" kern="0" dirty="0" smtClean="0"/>
-              <a:t>における主なメニュー機能を紹介します</a:t>
-            </a:r>
-            <a:r>
               <a:rPr lang="ja-JP" altLang="en-US" kern="0" dirty="0"/>
-              <a:t>。</a:t>
-            </a:r>
-            <a:endParaRPr lang="en-US" altLang="ja-JP" sz="1800" kern="0" dirty="0" smtClean="0"/>
+              <a:t>における主なメニュー機能を紹介します。</a:t>
+            </a:r>
+            <a:endParaRPr lang="en-US" altLang="ja-JP" sz="1800" kern="0" dirty="0"/>
           </a:p>
         </p:txBody>
       </p:sp>
@@ -26802,7 +25743,6 @@
             </a:solidFill>
           </a:ln>
           <a:effectLst/>
-          <a:extLst/>
         </p:spPr>
         <p:txBody>
           <a:bodyPr rot="0" spcFirstLastPara="0" vertOverflow="overflow" horzOverflow="overflow" vert="horz" wrap="none" lIns="72000" tIns="72000" rIns="72000" bIns="72000" numCol="1" spcCol="0" rtlCol="0" fromWordArt="0" anchor="ctr" anchorCtr="0" forceAA="0" compatLnSpc="1">
@@ -26814,7 +25754,7 @@
           <a:lstStyle/>
           <a:p>
             <a:pPr algn="ctr"/>
-            <a:endParaRPr kumimoji="1" lang="ja-JP" altLang="en-US" b="1" dirty="0" smtClean="0">
+            <a:endParaRPr kumimoji="1" lang="ja-JP" altLang="en-US" b="1" dirty="0">
               <a:latin typeface="+mn-ea"/>
             </a:endParaRPr>
           </a:p>
@@ -26842,14 +25782,14 @@
           <a:lstStyle/>
           <a:p>
             <a:r>
-              <a:rPr lang="ja-JP" altLang="en-US" b="1" smtClean="0">
+              <a:rPr lang="ja-JP" altLang="en-US" b="1">
                 <a:solidFill>
                   <a:srgbClr val="FF0000"/>
                 </a:solidFill>
               </a:rPr>
               <a:t>⑤</a:t>
             </a:r>
-            <a:endParaRPr lang="en-US" altLang="ja-JP" b="1" smtClean="0">
+            <a:endParaRPr lang="en-US" altLang="ja-JP" b="1">
               <a:solidFill>
                 <a:srgbClr val="FF0000"/>
               </a:solidFill>
@@ -26867,13 +25807,6 @@
   <p:clrMapOvr>
     <a:masterClrMapping/>
   </p:clrMapOvr>
-  <p:timing>
-    <p:tnLst>
-      <p:par>
-        <p:cTn id="1" dur="indefinite" restart="never" nodeType="tmRoot"/>
-      </p:par>
-    </p:tnLst>
-  </p:timing>
 </p:sld>
 </file>
 
@@ -26942,27 +25875,23 @@
               <a:t>　</a:t>
             </a:r>
             <a:r>
-              <a:rPr lang="en-US" altLang="ja-JP" dirty="0" smtClean="0"/>
+              <a:rPr lang="en-US" altLang="ja-JP" dirty="0"/>
               <a:t>Conductor</a:t>
             </a:r>
             <a:r>
-              <a:rPr lang="ja-JP" altLang="en-US" dirty="0" smtClean="0"/>
-              <a:t>メニューの機能</a:t>
-            </a:r>
-            <a:r>
               <a:rPr lang="ja-JP" altLang="en-US" dirty="0"/>
-              <a:t>説明　</a:t>
-            </a:r>
-            <a:r>
-              <a:rPr lang="ja-JP" altLang="en-US" smtClean="0"/>
+              <a:t>メニューの機能説明　</a:t>
+            </a:r>
+            <a:r>
+              <a:rPr lang="ja-JP" altLang="en-US"/>
               <a:t>（</a:t>
             </a:r>
             <a:r>
-              <a:rPr lang="en-US" altLang="ja-JP" smtClean="0"/>
+              <a:rPr lang="en-US" altLang="ja-JP"/>
               <a:t>2/14</a:t>
             </a:r>
             <a:r>
-              <a:rPr lang="ja-JP" altLang="en-US" smtClean="0"/>
+              <a:rPr lang="ja-JP" altLang="en-US"/>
               <a:t>）</a:t>
             </a:r>
             <a:endParaRPr kumimoji="1" lang="ja-JP" altLang="en-US" dirty="0"/>
@@ -26998,15 +25927,15 @@
               <a:t>Conductor</a:t>
             </a:r>
             <a:r>
-              <a:rPr lang="ja-JP" altLang="en-US" b="1" dirty="0" smtClean="0"/>
+              <a:rPr lang="ja-JP" altLang="en-US" b="1" dirty="0"/>
               <a:t>クラス編集（</a:t>
             </a:r>
             <a:r>
-              <a:rPr lang="en-US" altLang="ja-JP" b="1" dirty="0" smtClean="0"/>
+              <a:rPr lang="en-US" altLang="ja-JP" b="1" dirty="0"/>
               <a:t>1/4</a:t>
             </a:r>
             <a:r>
-              <a:rPr lang="ja-JP" altLang="en-US" b="1" dirty="0" smtClean="0"/>
+              <a:rPr lang="ja-JP" altLang="en-US" b="1" dirty="0"/>
               <a:t>）</a:t>
             </a:r>
             <a:endParaRPr lang="en-US" altLang="ja-JP" b="1" dirty="0"/>
@@ -27014,49 +25943,45 @@
           <a:p>
             <a:pPr lvl="1"/>
             <a:r>
-              <a:rPr kumimoji="1" lang="ja-JP" altLang="en-US" dirty="0" smtClean="0"/>
+              <a:rPr kumimoji="1" lang="ja-JP" altLang="en-US" dirty="0"/>
               <a:t>「</a:t>
             </a:r>
             <a:r>
-              <a:rPr kumimoji="1" lang="en-US" altLang="ja-JP" dirty="0" smtClean="0"/>
+              <a:rPr kumimoji="1" lang="en-US" altLang="ja-JP" dirty="0"/>
               <a:t>Conductor</a:t>
             </a:r>
             <a:r>
-              <a:rPr kumimoji="1" lang="ja-JP" altLang="en-US" dirty="0" smtClean="0"/>
+              <a:rPr kumimoji="1" lang="ja-JP" altLang="en-US" dirty="0"/>
               <a:t>クラス編集」メニューでは</a:t>
             </a:r>
             <a:r>
-              <a:rPr kumimoji="1" lang="en-US" altLang="ja-JP" dirty="0" smtClean="0"/>
+              <a:rPr kumimoji="1" lang="en-US" altLang="ja-JP" dirty="0"/>
               <a:t>Movement</a:t>
             </a:r>
             <a:r>
-              <a:rPr lang="ja-JP" altLang="en-US" dirty="0" err="1" smtClean="0"/>
+              <a:rPr lang="ja-JP" altLang="en-US" dirty="0" err="1"/>
               <a:t>、</a:t>
             </a:r>
             <a:r>
-              <a:rPr lang="ja-JP" altLang="en-US" dirty="0" smtClean="0"/>
+              <a:rPr lang="ja-JP" altLang="en-US" dirty="0"/>
               <a:t>各種制御を行う</a:t>
             </a:r>
             <a:r>
-              <a:rPr lang="en-US" altLang="ja-JP" dirty="0" smtClean="0"/>
+              <a:rPr lang="en-US" altLang="ja-JP" dirty="0"/>
               <a:t>Function</a:t>
             </a:r>
             <a:r>
-              <a:rPr lang="ja-JP" altLang="en-US" dirty="0" smtClean="0"/>
+              <a:rPr lang="ja-JP" altLang="en-US" dirty="0"/>
               <a:t>の</a:t>
             </a:r>
-            <a:r>
-              <a:rPr lang="en-US" altLang="ja-JP" dirty="0" smtClean="0"/>
-              <a:t/>
-            </a:r>
             <a:br>
-              <a:rPr lang="en-US" altLang="ja-JP" dirty="0" smtClean="0"/>
+              <a:rPr lang="en-US" altLang="ja-JP" dirty="0"/>
             </a:br>
             <a:r>
-              <a:rPr lang="ja-JP" altLang="en-US" dirty="0" smtClean="0"/>
+              <a:rPr lang="ja-JP" altLang="en-US" dirty="0"/>
               <a:t>追加、削除が可能です。</a:t>
             </a:r>
-            <a:endParaRPr lang="en-US" altLang="ja-JP" dirty="0" smtClean="0"/>
+            <a:endParaRPr lang="en-US" altLang="ja-JP" dirty="0"/>
           </a:p>
         </p:txBody>
       </p:sp>
@@ -27309,7 +26234,6 @@
             </a:solidFill>
           </a:ln>
           <a:effectLst/>
-          <a:extLst/>
         </p:spPr>
         <p:txBody>
           <a:bodyPr rot="0" spcFirstLastPara="0" vertOverflow="overflow" horzOverflow="overflow" vert="horz" wrap="none" lIns="72000" tIns="72000" rIns="72000" bIns="72000" numCol="1" spcCol="0" rtlCol="0" fromWordArt="0" anchor="ctr" anchorCtr="0" forceAA="0" compatLnSpc="1">
@@ -27321,59 +26245,41 @@
           <a:lstStyle/>
           <a:p>
             <a:pPr algn="ctr"/>
-            <a:r>
-              <a:rPr kumimoji="1" lang="en-US" altLang="ja-JP" sz="1600" b="1" dirty="0" smtClean="0">
-                <a:latin typeface="+mn-ea"/>
-              </a:rPr>
-              <a:t/>
-            </a:r>
             <a:br>
-              <a:rPr kumimoji="1" lang="en-US" altLang="ja-JP" sz="1600" b="1" dirty="0" smtClean="0">
+              <a:rPr kumimoji="1" lang="en-US" altLang="ja-JP" sz="1600" b="1" dirty="0">
                 <a:latin typeface="+mn-ea"/>
               </a:rPr>
             </a:br>
-            <a:r>
-              <a:rPr kumimoji="1" lang="en-US" altLang="ja-JP" sz="1600" b="1" dirty="0" smtClean="0">
-                <a:latin typeface="+mn-ea"/>
-              </a:rPr>
-              <a:t/>
-            </a:r>
             <a:br>
-              <a:rPr kumimoji="1" lang="en-US" altLang="ja-JP" sz="1600" b="1" dirty="0" smtClean="0">
+              <a:rPr kumimoji="1" lang="en-US" altLang="ja-JP" sz="1600" b="1" dirty="0">
                 <a:latin typeface="+mn-ea"/>
               </a:rPr>
             </a:br>
             <a:r>
-              <a:rPr kumimoji="1" lang="ja-JP" altLang="en-US" sz="1600" b="1" dirty="0" smtClean="0">
+              <a:rPr kumimoji="1" lang="ja-JP" altLang="en-US" sz="1600" b="1" dirty="0">
                 <a:latin typeface="+mn-ea"/>
               </a:rPr>
               <a:t>ドラッグ</a:t>
             </a:r>
             <a:r>
-              <a:rPr kumimoji="1" lang="en-US" altLang="ja-JP" sz="1600" b="1" dirty="0" smtClean="0">
+              <a:rPr kumimoji="1" lang="en-US" altLang="ja-JP" sz="1600" b="1" dirty="0">
                 <a:latin typeface="+mn-ea"/>
               </a:rPr>
               <a:t>&amp;</a:t>
             </a:r>
             <a:r>
-              <a:rPr kumimoji="1" lang="ja-JP" altLang="en-US" sz="1600" b="1" dirty="0" smtClean="0">
+              <a:rPr kumimoji="1" lang="ja-JP" altLang="en-US" sz="1600" b="1" dirty="0">
                 <a:latin typeface="+mn-ea"/>
               </a:rPr>
               <a:t>ドロップすることで</a:t>
             </a:r>
-            <a:r>
-              <a:rPr kumimoji="1" lang="en-US" altLang="ja-JP" sz="1600" b="1" dirty="0" smtClean="0">
-                <a:latin typeface="+mn-ea"/>
-              </a:rPr>
-              <a:t/>
-            </a:r>
             <a:br>
-              <a:rPr kumimoji="1" lang="en-US" altLang="ja-JP" sz="1600" b="1" dirty="0" smtClean="0">
+              <a:rPr kumimoji="1" lang="en-US" altLang="ja-JP" sz="1600" b="1" dirty="0">
                 <a:latin typeface="+mn-ea"/>
               </a:rPr>
             </a:br>
             <a:r>
-              <a:rPr kumimoji="1" lang="en-US" altLang="ja-JP" sz="1600" b="1" dirty="0" smtClean="0">
+              <a:rPr kumimoji="1" lang="en-US" altLang="ja-JP" sz="1600" b="1" dirty="0">
                 <a:latin typeface="+mn-ea"/>
               </a:rPr>
               <a:t>Movement</a:t>
@@ -27382,15 +26288,9 @@
               <a:rPr lang="ja-JP" altLang="en-US" sz="1600" b="1" dirty="0">
                 <a:latin typeface="+mn-ea"/>
               </a:rPr>
-              <a:t>の</a:t>
-            </a:r>
-            <a:r>
-              <a:rPr lang="ja-JP" altLang="en-US" sz="1600" b="1" dirty="0" smtClean="0">
-                <a:latin typeface="+mn-ea"/>
-              </a:rPr>
-              <a:t>配置ができます</a:t>
-            </a:r>
-            <a:endParaRPr kumimoji="1" lang="ja-JP" altLang="en-US" sz="1600" b="1" dirty="0" smtClean="0">
+              <a:t>の配置ができます</a:t>
+            </a:r>
+            <a:endParaRPr kumimoji="1" lang="ja-JP" altLang="en-US" sz="1600" b="1" dirty="0">
               <a:latin typeface="+mn-ea"/>
             </a:endParaRPr>
           </a:p>
@@ -27467,7 +26367,6 @@
             </a:solidFill>
           </a:ln>
           <a:effectLst/>
-          <a:extLst/>
         </p:spPr>
         <p:txBody>
           <a:bodyPr rot="0" spcFirstLastPara="0" vertOverflow="overflow" horzOverflow="overflow" vert="horz" wrap="none" lIns="72000" tIns="72000" rIns="72000" bIns="72000" numCol="1" spcCol="0" rtlCol="0" fromWordArt="0" anchor="ctr" anchorCtr="0" forceAA="0" compatLnSpc="1">
@@ -27480,54 +26379,48 @@
           <a:p>
             <a:pPr algn="ctr"/>
             <a:r>
-              <a:rPr kumimoji="1" lang="en-US" altLang="ja-JP" sz="1600" b="1" dirty="0" smtClean="0">
+              <a:rPr kumimoji="1" lang="en-US" altLang="ja-JP" sz="1600" b="1" dirty="0">
                 <a:latin typeface="+mn-ea"/>
               </a:rPr>
               <a:t>Movement</a:t>
             </a:r>
             <a:r>
-              <a:rPr kumimoji="1" lang="ja-JP" altLang="en-US" sz="1600" b="1" dirty="0" smtClean="0">
+              <a:rPr kumimoji="1" lang="ja-JP" altLang="en-US" sz="1600" b="1" dirty="0">
                 <a:latin typeface="+mn-ea"/>
               </a:rPr>
               <a:t>ごとの</a:t>
             </a:r>
             <a:r>
-              <a:rPr kumimoji="1" lang="en-US" altLang="ja-JP" sz="1600" b="1" dirty="0" smtClean="0">
+              <a:rPr kumimoji="1" lang="en-US" altLang="ja-JP" sz="1600" b="1" dirty="0">
                 <a:latin typeface="+mn-ea"/>
               </a:rPr>
               <a:t>in/out</a:t>
             </a:r>
             <a:r>
-              <a:rPr kumimoji="1" lang="ja-JP" altLang="en-US" sz="1600" b="1" dirty="0" smtClean="0">
+              <a:rPr kumimoji="1" lang="ja-JP" altLang="en-US" sz="1600" b="1" dirty="0">
                 <a:latin typeface="+mn-ea"/>
               </a:rPr>
               <a:t>を</a:t>
             </a:r>
-            <a:r>
-              <a:rPr kumimoji="1" lang="en-US" altLang="ja-JP" sz="1600" b="1" dirty="0" smtClean="0">
-                <a:latin typeface="+mn-ea"/>
-              </a:rPr>
-              <a:t/>
-            </a:r>
             <a:br>
-              <a:rPr kumimoji="1" lang="en-US" altLang="ja-JP" sz="1600" b="1" dirty="0" smtClean="0">
+              <a:rPr kumimoji="1" lang="en-US" altLang="ja-JP" sz="1600" b="1" dirty="0">
                 <a:latin typeface="+mn-ea"/>
               </a:rPr>
             </a:br>
             <a:r>
-              <a:rPr kumimoji="1" lang="ja-JP" altLang="en-US" sz="1600" b="1" dirty="0" smtClean="0">
+              <a:rPr kumimoji="1" lang="ja-JP" altLang="en-US" sz="1600" b="1" dirty="0">
                 <a:latin typeface="+mn-ea"/>
               </a:rPr>
               <a:t>ドラッグ</a:t>
             </a:r>
             <a:r>
-              <a:rPr kumimoji="1" lang="en-US" altLang="ja-JP" sz="1600" b="1" dirty="0" smtClean="0">
+              <a:rPr kumimoji="1" lang="en-US" altLang="ja-JP" sz="1600" b="1" dirty="0">
                 <a:latin typeface="+mn-ea"/>
               </a:rPr>
               <a:t>&amp;</a:t>
             </a:r>
             <a:r>
-              <a:rPr kumimoji="1" lang="ja-JP" altLang="en-US" sz="1600" b="1" dirty="0" smtClean="0">
+              <a:rPr kumimoji="1" lang="ja-JP" altLang="en-US" sz="1600" b="1" dirty="0">
                 <a:latin typeface="+mn-ea"/>
               </a:rPr>
               <a:t>ドロップ</a:t>
@@ -27538,30 +26431,24 @@
               </a:rPr>
               <a:t>で</a:t>
             </a:r>
-            <a:r>
-              <a:rPr kumimoji="1" lang="en-US" altLang="ja-JP" sz="1600" b="1" dirty="0" smtClean="0">
-                <a:latin typeface="+mn-ea"/>
-              </a:rPr>
-              <a:t/>
-            </a:r>
             <a:br>
-              <a:rPr kumimoji="1" lang="en-US" altLang="ja-JP" sz="1600" b="1" dirty="0" smtClean="0">
+              <a:rPr kumimoji="1" lang="en-US" altLang="ja-JP" sz="1600" b="1" dirty="0">
                 <a:latin typeface="+mn-ea"/>
               </a:rPr>
             </a:br>
             <a:r>
-              <a:rPr lang="en-US" altLang="ja-JP" sz="1600" b="1" dirty="0" smtClean="0">
+              <a:rPr lang="en-US" altLang="ja-JP" sz="1600" b="1" dirty="0">
                 <a:latin typeface="+mn-ea"/>
               </a:rPr>
               <a:t>Movement</a:t>
             </a:r>
             <a:r>
-              <a:rPr lang="ja-JP" altLang="en-US" sz="1600" b="1" dirty="0" smtClean="0">
+              <a:rPr lang="ja-JP" altLang="en-US" sz="1600" b="1" dirty="0">
                 <a:latin typeface="+mn-ea"/>
               </a:rPr>
               <a:t>の結合が可能です</a:t>
             </a:r>
-            <a:endParaRPr kumimoji="1" lang="ja-JP" altLang="en-US" sz="1600" b="1" dirty="0" smtClean="0">
+            <a:endParaRPr kumimoji="1" lang="ja-JP" altLang="en-US" sz="1600" b="1" dirty="0">
               <a:latin typeface="+mn-ea"/>
             </a:endParaRPr>
           </a:p>
@@ -27588,7 +26475,6 @@
             </a:solidFill>
           </a:ln>
           <a:effectLst/>
-          <a:extLst/>
         </p:spPr>
         <p:txBody>
           <a:bodyPr rot="0" spcFirstLastPara="0" vertOverflow="overflow" horzOverflow="overflow" vert="horz" wrap="none" lIns="72000" tIns="72000" rIns="72000" bIns="72000" numCol="1" spcCol="0" rtlCol="0" fromWordArt="0" anchor="ctr" anchorCtr="0" forceAA="0" compatLnSpc="1">
@@ -27600,7 +26486,7 @@
           <a:lstStyle/>
           <a:p>
             <a:pPr algn="ctr"/>
-            <a:endParaRPr kumimoji="1" lang="ja-JP" altLang="en-US" b="1" dirty="0" smtClean="0">
+            <a:endParaRPr kumimoji="1" lang="ja-JP" altLang="en-US" b="1" dirty="0">
               <a:latin typeface="+mn-ea"/>
             </a:endParaRPr>
           </a:p>
@@ -27627,7 +26513,6 @@
             </a:solidFill>
           </a:ln>
           <a:effectLst/>
-          <a:extLst/>
         </p:spPr>
         <p:txBody>
           <a:bodyPr rot="0" spcFirstLastPara="0" vertOverflow="overflow" horzOverflow="overflow" vert="horz" wrap="none" lIns="72000" tIns="72000" rIns="72000" bIns="72000" numCol="1" spcCol="0" rtlCol="0" fromWordArt="0" anchor="ctr" anchorCtr="0" forceAA="0" compatLnSpc="1">
@@ -27639,7 +26524,7 @@
           <a:lstStyle/>
           <a:p>
             <a:pPr algn="ctr"/>
-            <a:endParaRPr kumimoji="1" lang="ja-JP" altLang="en-US" b="1" dirty="0" smtClean="0">
+            <a:endParaRPr kumimoji="1" lang="ja-JP" altLang="en-US" b="1" dirty="0">
               <a:latin typeface="+mn-ea"/>
             </a:endParaRPr>
           </a:p>
@@ -27886,7 +26771,6 @@
             </a:solidFill>
           </a:ln>
           <a:effectLst/>
-          <a:extLst/>
         </p:spPr>
         <p:txBody>
           <a:bodyPr rot="0" spcFirstLastPara="0" vertOverflow="overflow" horzOverflow="overflow" vert="horz" wrap="none" lIns="72000" tIns="72000" rIns="72000" bIns="72000" numCol="1" spcCol="0" rtlCol="0" fromWordArt="0" anchor="ctr" anchorCtr="0" forceAA="0" compatLnSpc="1">
@@ -27898,52 +26782,28 @@
           <a:lstStyle/>
           <a:p>
             <a:pPr algn="ctr"/>
-            <a:r>
-              <a:rPr kumimoji="1" lang="en-US" altLang="ja-JP" sz="1600" b="1" dirty="0" smtClean="0">
-                <a:latin typeface="+mn-ea"/>
-              </a:rPr>
-              <a:t/>
-            </a:r>
             <a:br>
-              <a:rPr kumimoji="1" lang="en-US" altLang="ja-JP" sz="1600" b="1" dirty="0" smtClean="0">
+              <a:rPr kumimoji="1" lang="en-US" altLang="ja-JP" sz="1600" b="1" dirty="0">
                 <a:latin typeface="+mn-ea"/>
               </a:rPr>
             </a:br>
-            <a:r>
-              <a:rPr kumimoji="1" lang="en-US" altLang="ja-JP" sz="1600" b="1" dirty="0" smtClean="0">
-                <a:latin typeface="+mn-ea"/>
-              </a:rPr>
-              <a:t/>
-            </a:r>
             <a:br>
-              <a:rPr kumimoji="1" lang="en-US" altLang="ja-JP" sz="1600" b="1" dirty="0" smtClean="0">
+              <a:rPr kumimoji="1" lang="en-US" altLang="ja-JP" sz="1600" b="1" dirty="0">
                 <a:latin typeface="+mn-ea"/>
               </a:rPr>
             </a:br>
-            <a:r>
-              <a:rPr kumimoji="1" lang="en-US" altLang="ja-JP" sz="1600" b="1" dirty="0" smtClean="0">
-                <a:latin typeface="+mn-ea"/>
-              </a:rPr>
-              <a:t/>
-            </a:r>
             <a:br>
-              <a:rPr kumimoji="1" lang="en-US" altLang="ja-JP" sz="1600" b="1" dirty="0" smtClean="0">
+              <a:rPr kumimoji="1" lang="en-US" altLang="ja-JP" sz="1600" b="1" dirty="0">
                 <a:latin typeface="+mn-ea"/>
               </a:rPr>
             </a:br>
-            <a:r>
-              <a:rPr kumimoji="1" lang="en-US" altLang="ja-JP" sz="1600" b="1" dirty="0" smtClean="0">
-                <a:latin typeface="+mn-ea"/>
-              </a:rPr>
-              <a:t/>
-            </a:r>
             <a:br>
-              <a:rPr kumimoji="1" lang="en-US" altLang="ja-JP" sz="1600" b="1" dirty="0" smtClean="0">
+              <a:rPr kumimoji="1" lang="en-US" altLang="ja-JP" sz="1600" b="1" dirty="0">
                 <a:latin typeface="+mn-ea"/>
               </a:rPr>
             </a:br>
             <a:r>
-              <a:rPr lang="ja-JP" altLang="en-US" sz="1600" b="1" dirty="0" smtClean="0">
+              <a:rPr lang="ja-JP" altLang="en-US" sz="1600" b="1" dirty="0">
                 <a:latin typeface="+mn-ea"/>
               </a:rPr>
               <a:t>各種</a:t>
@@ -27958,17 +26818,8 @@
               <a:rPr lang="ja-JP" altLang="en-US" sz="1600" b="1" dirty="0">
                 <a:latin typeface="+mn-ea"/>
               </a:rPr>
-              <a:t>が選択可能</a:t>
-            </a:r>
-            <a:r>
-              <a:rPr lang="ja-JP" altLang="en-US" sz="1600" b="1" dirty="0" smtClean="0">
-                <a:latin typeface="+mn-ea"/>
-              </a:rPr>
-              <a:t>です</a:t>
-            </a:r>
-            <a:endParaRPr lang="ja-JP" altLang="en-US" sz="1600" b="1" dirty="0">
-              <a:latin typeface="+mn-ea"/>
-            </a:endParaRPr>
+              <a:t>が選択可能です</a:t>
+            </a:r>
           </a:p>
         </p:txBody>
       </p:sp>
@@ -27982,13 +26833,6 @@
   <p:clrMapOvr>
     <a:masterClrMapping/>
   </p:clrMapOvr>
-  <p:timing>
-    <p:tnLst>
-      <p:par>
-        <p:cTn id="1" dur="indefinite" restart="never" nodeType="tmRoot"/>
-      </p:par>
-    </p:tnLst>
-  </p:timing>
 </p:sld>
 </file>
 
@@ -28222,7 +27066,6 @@
           </a:solidFill>
         </a:ln>
         <a:effectLst/>
-        <a:extLst/>
       </a:spPr>
       <a:bodyPr rot="0" spcFirstLastPara="0" vertOverflow="overflow" horzOverflow="overflow" vert="horz" wrap="none" lIns="72000" tIns="72000" rIns="72000" bIns="72000" numCol="1" spcCol="0" rtlCol="0" fromWordArt="0" anchor="ctr" anchorCtr="0" forceAA="0" compatLnSpc="1">
         <a:prstTxWarp prst="textNoShape">
